--- a/documentation/PasillaAKeywordDrivenTestFrameworkForProtractor.pptx
+++ b/documentation/PasillaAKeywordDrivenTestFrameworkForProtractor.pptx
@@ -17,7 +17,10 @@
     <p:sldId id="266" r:id="rId14"/>
     <p:sldId id="267" r:id="rId15"/>
     <p:sldId id="268" r:id="rId16"/>
-    <p:sldId id="273" r:id="rId17"/>
+    <p:sldId id="275" r:id="rId17"/>
+    <p:sldId id="276" r:id="rId18"/>
+    <p:sldId id="273" r:id="rId19"/>
+    <p:sldId id="274" r:id="rId20"/>
   </p:sldIdLst>
   <p:sldSz cx="12192000" cy="6858000"/>
   <p:notesSz cx="9926638" cy="14295438"/>
@@ -118,7 +121,7 @@
   </p:defaultTextStyle>
   <p:extLst>
     <p:ext uri="{EFAFB233-063F-42B5-8137-9DF3F51BA10A}">
-      <p15:sldGuideLst xmlns="" xmlns:p15="http://schemas.microsoft.com/office/powerpoint/2012/main"/>
+      <p15:sldGuideLst xmlns:p15="http://schemas.microsoft.com/office/powerpoint/2012/main" xmlns=""/>
     </p:ext>
   </p:extLst>
 </p:presentation>
@@ -21723,7 +21726,17 @@
                   <a:schemeClr val="tx1"/>
                 </a:solidFill>
               </a:rPr>
-              <a:t>Vanilla test </a:t>
+              <a:t>Vanilla test specification template </a:t>
+            </a:r>
+          </a:p>
+          <a:p>
+            <a:r>
+              <a:rPr lang="en-GB" sz="2000" b="1" dirty="0">
+                <a:solidFill>
+                  <a:schemeClr val="tx1"/>
+                </a:solidFill>
+              </a:rPr>
+              <a:t>.</a:t>
             </a:r>
             <a:r>
               <a:rPr lang="en-GB" sz="2000" b="1" dirty="0" smtClean="0">
@@ -21731,44 +21744,8 @@
                   <a:schemeClr val="tx1"/>
                 </a:solidFill>
               </a:rPr>
-              <a:t>specification template </a:t>
-            </a:r>
-            <a:endParaRPr lang="en-GB" sz="2000" b="1" dirty="0" smtClean="0">
-              <a:solidFill>
-                <a:schemeClr val="tx1"/>
-              </a:solidFill>
-            </a:endParaRPr>
-          </a:p>
-          <a:p>
-            <a:r>
-              <a:rPr lang="en-GB" sz="2000" b="1" dirty="0">
-                <a:solidFill>
-                  <a:schemeClr val="tx1"/>
-                </a:solidFill>
-              </a:rPr>
-              <a:t>.</a:t>
-            </a:r>
-            <a:r>
-              <a:rPr lang="en-GB" sz="2000" b="1" dirty="0" smtClean="0">
-                <a:solidFill>
-                  <a:schemeClr val="tx1"/>
-                </a:solidFill>
-              </a:rPr>
-              <a:t>\</a:t>
-            </a:r>
-            <a:r>
-              <a:rPr lang="en-GB" sz="2000" b="1" dirty="0" smtClean="0">
-                <a:solidFill>
-                  <a:schemeClr val="tx1"/>
-                </a:solidFill>
-              </a:rPr>
-              <a:t>templates\vanilla.pro.js</a:t>
-            </a:r>
-            <a:endParaRPr lang="en-GB" sz="2000" b="1" dirty="0" smtClean="0">
-              <a:solidFill>
-                <a:schemeClr val="tx1"/>
-              </a:solidFill>
-            </a:endParaRPr>
+              <a:t>\templates\vanilla.pro.js</a:t>
+            </a:r>
           </a:p>
         </p:txBody>
       </p:sp>
@@ -21895,7 +21872,15 @@
                   <a:schemeClr val="tx1"/>
                 </a:solidFill>
               </a:rPr>
-              <a:t>\</a:t>
+              <a:t>\tests\</a:t>
+            </a:r>
+            <a:r>
+              <a:rPr lang="en-GB" sz="2000" b="1" dirty="0" err="1" smtClean="0">
+                <a:solidFill>
+                  <a:schemeClr val="tx1"/>
+                </a:solidFill>
+              </a:rPr>
+              <a:t>AngularJSYourName</a:t>
             </a:r>
             <a:r>
               <a:rPr lang="en-GB" sz="2000" b="1" dirty="0" smtClean="0">
@@ -21903,29 +21888,8 @@
                   <a:schemeClr val="tx1"/>
                 </a:solidFill>
               </a:rPr>
-              <a:t>tests\</a:t>
-            </a:r>
-            <a:r>
-              <a:rPr lang="en-GB" sz="2000" b="1" dirty="0" err="1" smtClean="0">
-                <a:solidFill>
-                  <a:schemeClr val="tx1"/>
-                </a:solidFill>
-              </a:rPr>
-              <a:t>AngularJSYourName</a:t>
-            </a:r>
-            <a:r>
-              <a:rPr lang="en-GB" sz="2000" b="1" dirty="0" smtClean="0">
-                <a:solidFill>
-                  <a:schemeClr val="tx1"/>
-                </a:solidFill>
-              </a:rPr>
               <a:t>\Session1.pro.js </a:t>
             </a:r>
-            <a:endParaRPr lang="en-GB" sz="2000" b="1" dirty="0" smtClean="0">
-              <a:solidFill>
-                <a:schemeClr val="tx1"/>
-              </a:solidFill>
-            </a:endParaRPr>
           </a:p>
         </p:txBody>
       </p:sp>
@@ -23281,6 +23245,3257 @@
       </p:grpSpPr>
       <p:sp>
         <p:nvSpPr>
+          <p:cNvPr id="5" name="Rectangle 4"/>
+          <p:cNvSpPr/>
+          <p:nvPr/>
+        </p:nvSpPr>
+        <p:spPr>
+          <a:xfrm>
+            <a:off x="124645" y="1911350"/>
+            <a:ext cx="11948823" cy="3276600"/>
+          </a:xfrm>
+          <a:prstGeom prst="rect">
+            <a:avLst/>
+          </a:prstGeom>
+          <a:solidFill>
+            <a:schemeClr val="bg2">
+              <a:lumMod val="90000"/>
+            </a:schemeClr>
+          </a:solidFill>
+          <a:ln w="38100">
+            <a:noFill/>
+          </a:ln>
+        </p:spPr>
+        <p:style>
+          <a:lnRef idx="2">
+            <a:schemeClr val="accent1">
+              <a:shade val="50000"/>
+            </a:schemeClr>
+          </a:lnRef>
+          <a:fillRef idx="1">
+            <a:schemeClr val="accent1"/>
+          </a:fillRef>
+          <a:effectRef idx="0">
+            <a:schemeClr val="accent1"/>
+          </a:effectRef>
+          <a:fontRef idx="minor">
+            <a:schemeClr val="lt1"/>
+          </a:fontRef>
+        </p:style>
+        <p:txBody>
+          <a:bodyPr rtlCol="0" anchor="b"/>
+          <a:lstStyle/>
+          <a:p>
+            <a:pPr>
+              <a:lnSpc>
+                <a:spcPct val="150000"/>
+              </a:lnSpc>
+            </a:pPr>
+            <a:r>
+              <a:rPr lang="en-GB" sz="2400" b="1" dirty="0" smtClean="0">
+                <a:solidFill>
+                  <a:schemeClr val="tx1"/>
+                </a:solidFill>
+                <a:cs typeface="Consolas" panose="020B0609020204030204" pitchFamily="49" charset="0"/>
+              </a:rPr>
+              <a:t>&gt; protractor </a:t>
+            </a:r>
+            <a:r>
+              <a:rPr lang="en-GB" sz="2400" b="1" dirty="0" smtClean="0">
+                <a:solidFill>
+                  <a:schemeClr val="accent2">
+                    <a:lumMod val="50000"/>
+                  </a:schemeClr>
+                </a:solidFill>
+                <a:cs typeface="Consolas" panose="020B0609020204030204" pitchFamily="49" charset="0"/>
+              </a:rPr>
+              <a:t>protractorConfig.js </a:t>
+            </a:r>
+          </a:p>
+          <a:p>
+            <a:pPr lvl="1">
+              <a:lnSpc>
+                <a:spcPct val="150000"/>
+              </a:lnSpc>
+            </a:pPr>
+            <a:r>
+              <a:rPr lang="en-GB" sz="2400" b="1" dirty="0" smtClean="0">
+                <a:solidFill>
+                  <a:schemeClr val="tx1"/>
+                </a:solidFill>
+                <a:cs typeface="Consolas" panose="020B0609020204030204" pitchFamily="49" charset="0"/>
+              </a:rPr>
+              <a:t>--</a:t>
+            </a:r>
+            <a:r>
+              <a:rPr lang="en-GB" sz="2400" b="1" dirty="0" err="1" smtClean="0">
+                <a:solidFill>
+                  <a:schemeClr val="tx1"/>
+                </a:solidFill>
+                <a:cs typeface="Consolas" panose="020B0609020204030204" pitchFamily="49" charset="0"/>
+              </a:rPr>
+              <a:t>params.</a:t>
+            </a:r>
+            <a:r>
+              <a:rPr lang="en-GB" sz="2400" b="1" dirty="0" err="1" smtClean="0">
+                <a:solidFill>
+                  <a:srgbClr val="0070C0"/>
+                </a:solidFill>
+                <a:cs typeface="Consolas" panose="020B0609020204030204" pitchFamily="49" charset="0"/>
+              </a:rPr>
+              <a:t>testEnv</a:t>
+            </a:r>
+            <a:r>
+              <a:rPr lang="en-GB" sz="2400" b="1" dirty="0" smtClean="0">
+                <a:solidFill>
+                  <a:srgbClr val="0070C0"/>
+                </a:solidFill>
+                <a:cs typeface="Consolas" panose="020B0609020204030204" pitchFamily="49" charset="0"/>
+              </a:rPr>
+              <a:t>=live</a:t>
+            </a:r>
+            <a:r>
+              <a:rPr lang="en-GB" sz="2400" b="1" dirty="0" smtClean="0">
+                <a:solidFill>
+                  <a:schemeClr val="tx1"/>
+                </a:solidFill>
+                <a:cs typeface="Consolas" panose="020B0609020204030204" pitchFamily="49" charset="0"/>
+              </a:rPr>
+              <a:t> </a:t>
+            </a:r>
+          </a:p>
+          <a:p>
+            <a:pPr lvl="1">
+              <a:lnSpc>
+                <a:spcPct val="150000"/>
+              </a:lnSpc>
+            </a:pPr>
+            <a:r>
+              <a:rPr lang="en-GB" sz="2400" b="1" dirty="0" smtClean="0">
+                <a:solidFill>
+                  <a:schemeClr val="tx1"/>
+                </a:solidFill>
+                <a:cs typeface="Consolas" panose="020B0609020204030204" pitchFamily="49" charset="0"/>
+              </a:rPr>
+              <a:t>--</a:t>
+            </a:r>
+            <a:r>
+              <a:rPr lang="en-GB" sz="2400" b="1" dirty="0" err="1" smtClean="0">
+                <a:solidFill>
+                  <a:schemeClr val="tx1"/>
+                </a:solidFill>
+                <a:cs typeface="Consolas" panose="020B0609020204030204" pitchFamily="49" charset="0"/>
+              </a:rPr>
+              <a:t>capabilities.</a:t>
+            </a:r>
+            <a:r>
+              <a:rPr lang="en-GB" sz="2400" b="1" dirty="0" err="1" smtClean="0">
+                <a:solidFill>
+                  <a:schemeClr val="accent6">
+                    <a:lumMod val="75000"/>
+                  </a:schemeClr>
+                </a:solidFill>
+                <a:cs typeface="Consolas" panose="020B0609020204030204" pitchFamily="49" charset="0"/>
+              </a:rPr>
+              <a:t>browserName</a:t>
+            </a:r>
+            <a:r>
+              <a:rPr lang="en-GB" sz="2400" b="1" dirty="0" smtClean="0">
+                <a:solidFill>
+                  <a:schemeClr val="accent6">
+                    <a:lumMod val="75000"/>
+                  </a:schemeClr>
+                </a:solidFill>
+                <a:cs typeface="Consolas" panose="020B0609020204030204" pitchFamily="49" charset="0"/>
+              </a:rPr>
+              <a:t>=</a:t>
+            </a:r>
+            <a:r>
+              <a:rPr lang="en-GB" sz="2400" b="1" dirty="0" smtClean="0">
+                <a:solidFill>
+                  <a:schemeClr val="accent6">
+                    <a:lumMod val="75000"/>
+                  </a:schemeClr>
+                </a:solidFill>
+                <a:cs typeface="Consolas" panose="020B0609020204030204" pitchFamily="49" charset="0"/>
+              </a:rPr>
+              <a:t>"</a:t>
+            </a:r>
+            <a:r>
+              <a:rPr lang="en-GB" sz="2400" b="1" dirty="0" smtClean="0">
+                <a:solidFill>
+                  <a:schemeClr val="accent6">
+                    <a:lumMod val="75000"/>
+                  </a:schemeClr>
+                </a:solidFill>
+                <a:cs typeface="Consolas" panose="020B0609020204030204" pitchFamily="49" charset="0"/>
+              </a:rPr>
+              <a:t>chrome</a:t>
+            </a:r>
+            <a:r>
+              <a:rPr lang="en-GB" sz="2400" b="1" dirty="0" smtClean="0">
+                <a:solidFill>
+                  <a:schemeClr val="accent6">
+                    <a:lumMod val="75000"/>
+                  </a:schemeClr>
+                </a:solidFill>
+                <a:cs typeface="Consolas" panose="020B0609020204030204" pitchFamily="49" charset="0"/>
+              </a:rPr>
+              <a:t>"</a:t>
+            </a:r>
+            <a:r>
+              <a:rPr lang="en-GB" sz="2400" b="1" dirty="0" smtClean="0">
+                <a:solidFill>
+                  <a:srgbClr val="00B050"/>
+                </a:solidFill>
+                <a:cs typeface="Consolas" panose="020B0609020204030204" pitchFamily="49" charset="0"/>
+              </a:rPr>
+              <a:t> </a:t>
+            </a:r>
+          </a:p>
+          <a:p>
+            <a:pPr lvl="1">
+              <a:lnSpc>
+                <a:spcPct val="150000"/>
+              </a:lnSpc>
+            </a:pPr>
+            <a:r>
+              <a:rPr lang="en-GB" sz="2400" b="1" dirty="0" smtClean="0">
+                <a:solidFill>
+                  <a:schemeClr val="tx1"/>
+                </a:solidFill>
+                <a:cs typeface="Consolas" panose="020B0609020204030204" pitchFamily="49" charset="0"/>
+              </a:rPr>
+              <a:t>--specs</a:t>
+            </a:r>
+            <a:r>
+              <a:rPr lang="en-GB" sz="2400" b="1" dirty="0">
+                <a:solidFill>
+                  <a:schemeClr val="tx1"/>
+                </a:solidFill>
+                <a:cs typeface="Consolas" panose="020B0609020204030204" pitchFamily="49" charset="0"/>
+              </a:rPr>
+              <a:t>=".\</a:t>
+            </a:r>
+            <a:r>
+              <a:rPr lang="en-GB" sz="2400" b="1" dirty="0" smtClean="0">
+                <a:solidFill>
+                  <a:schemeClr val="tx1"/>
+                </a:solidFill>
+                <a:cs typeface="Consolas" panose="020B0609020204030204" pitchFamily="49" charset="0"/>
+              </a:rPr>
+              <a:t>tests\</a:t>
+            </a:r>
+            <a:r>
+              <a:rPr lang="en-GB" sz="2400" b="1" dirty="0" err="1" smtClean="0">
+                <a:solidFill>
+                  <a:srgbClr val="7030A0"/>
+                </a:solidFill>
+                <a:cs typeface="Consolas" panose="020B0609020204030204" pitchFamily="49" charset="0"/>
+              </a:rPr>
+              <a:t>AngularJSYourName</a:t>
+            </a:r>
+            <a:r>
+              <a:rPr lang="en-GB" sz="2400" b="1" dirty="0" smtClean="0">
+                <a:solidFill>
+                  <a:schemeClr val="tx1"/>
+                </a:solidFill>
+                <a:cs typeface="Consolas" panose="020B0609020204030204" pitchFamily="49" charset="0"/>
+              </a:rPr>
+              <a:t>\Session1.pro.js"</a:t>
+            </a:r>
+            <a:endParaRPr lang="en-GB" sz="2400" b="1" dirty="0" smtClean="0">
+              <a:solidFill>
+                <a:schemeClr val="tx1"/>
+              </a:solidFill>
+              <a:cs typeface="Consolas" panose="020B0609020204030204" pitchFamily="49" charset="0"/>
+            </a:endParaRPr>
+          </a:p>
+          <a:p>
+            <a:pPr>
+              <a:lnSpc>
+                <a:spcPct val="150000"/>
+              </a:lnSpc>
+            </a:pPr>
+            <a:endParaRPr lang="en-GB" sz="1200" b="1" dirty="0" smtClean="0">
+              <a:solidFill>
+                <a:schemeClr val="tx1"/>
+              </a:solidFill>
+              <a:latin typeface="Consolas" panose="020B0609020204030204" pitchFamily="49" charset="0"/>
+              <a:cs typeface="Consolas" panose="020B0609020204030204" pitchFamily="49" charset="0"/>
+            </a:endParaRPr>
+          </a:p>
+          <a:p>
+            <a:pPr>
+              <a:lnSpc>
+                <a:spcPct val="150000"/>
+              </a:lnSpc>
+            </a:pPr>
+            <a:endParaRPr lang="en-GB" sz="1400" b="1" dirty="0">
+              <a:solidFill>
+                <a:schemeClr val="tx1"/>
+              </a:solidFill>
+            </a:endParaRPr>
+          </a:p>
+        </p:txBody>
+      </p:sp>
+      <p:sp>
+        <p:nvSpPr>
+          <p:cNvPr id="2" name="Title 1"/>
+          <p:cNvSpPr>
+            <a:spLocks noGrp="1"/>
+          </p:cNvSpPr>
+          <p:nvPr>
+            <p:ph type="title"/>
+          </p:nvPr>
+        </p:nvSpPr>
+        <p:spPr/>
+        <p:txBody>
+          <a:bodyPr>
+            <a:normAutofit fontScale="90000"/>
+          </a:bodyPr>
+          <a:lstStyle/>
+          <a:p>
+            <a:r>
+              <a:rPr lang="en-GB" dirty="0" err="1" smtClean="0"/>
+              <a:t>Pasilla</a:t>
+            </a:r>
+            <a:r>
+              <a:rPr lang="en-GB" dirty="0" smtClean="0"/>
+              <a:t/>
+            </a:r>
+            <a:br>
+              <a:rPr lang="en-GB" dirty="0" smtClean="0"/>
+            </a:br>
+            <a:r>
+              <a:rPr lang="en-GB" sz="2700" dirty="0" smtClean="0"/>
+              <a:t>A Test Framework for Protractor</a:t>
+            </a:r>
+            <a:endParaRPr lang="en-GB" sz="2700" dirty="0"/>
+          </a:p>
+        </p:txBody>
+      </p:sp>
+      <p:sp>
+        <p:nvSpPr>
+          <p:cNvPr id="18" name="Rectangle 17"/>
+          <p:cNvSpPr/>
+          <p:nvPr/>
+        </p:nvSpPr>
+        <p:spPr>
+          <a:xfrm>
+            <a:off x="240085" y="285751"/>
+            <a:ext cx="2160215" cy="797882"/>
+          </a:xfrm>
+          <a:prstGeom prst="rect">
+            <a:avLst/>
+          </a:prstGeom>
+          <a:solidFill>
+            <a:schemeClr val="accent4">
+              <a:lumMod val="20000"/>
+              <a:lumOff val="80000"/>
+            </a:schemeClr>
+          </a:solidFill>
+          <a:ln>
+            <a:solidFill>
+              <a:srgbClr val="FF0000"/>
+            </a:solidFill>
+          </a:ln>
+        </p:spPr>
+        <p:style>
+          <a:lnRef idx="2">
+            <a:schemeClr val="accent1">
+              <a:shade val="50000"/>
+            </a:schemeClr>
+          </a:lnRef>
+          <a:fillRef idx="1">
+            <a:schemeClr val="accent1"/>
+          </a:fillRef>
+          <a:effectRef idx="0">
+            <a:schemeClr val="accent1"/>
+          </a:effectRef>
+          <a:fontRef idx="minor">
+            <a:schemeClr val="lt1"/>
+          </a:fontRef>
+        </p:style>
+        <p:txBody>
+          <a:bodyPr rtlCol="0" anchor="ctr"/>
+          <a:lstStyle/>
+          <a:p>
+            <a:r>
+              <a:rPr lang="en-GB" sz="2800" b="1" dirty="0" smtClean="0">
+                <a:solidFill>
+                  <a:schemeClr val="tx1"/>
+                </a:solidFill>
+              </a:rPr>
+              <a:t>Run </a:t>
+            </a:r>
+            <a:r>
+              <a:rPr lang="en-GB" sz="2800" b="1" dirty="0" smtClean="0">
+                <a:solidFill>
+                  <a:schemeClr val="tx1"/>
+                </a:solidFill>
+              </a:rPr>
+              <a:t>a test</a:t>
+            </a:r>
+            <a:endParaRPr lang="en-GB" sz="2800" b="1" dirty="0" smtClean="0">
+              <a:solidFill>
+                <a:schemeClr val="tx1"/>
+              </a:solidFill>
+            </a:endParaRPr>
+          </a:p>
+        </p:txBody>
+      </p:sp>
+      <p:sp>
+        <p:nvSpPr>
+          <p:cNvPr id="30" name="Rectangle 29"/>
+          <p:cNvSpPr/>
+          <p:nvPr/>
+        </p:nvSpPr>
+        <p:spPr>
+          <a:xfrm>
+            <a:off x="4830308" y="3065055"/>
+            <a:ext cx="3748542" cy="260191"/>
+          </a:xfrm>
+          <a:prstGeom prst="rect">
+            <a:avLst/>
+          </a:prstGeom>
+          <a:solidFill>
+            <a:schemeClr val="accent4">
+              <a:lumMod val="20000"/>
+              <a:lumOff val="80000"/>
+            </a:schemeClr>
+          </a:solidFill>
+          <a:ln>
+            <a:solidFill>
+              <a:srgbClr val="FF0000"/>
+            </a:solidFill>
+          </a:ln>
+        </p:spPr>
+        <p:style>
+          <a:lnRef idx="2">
+            <a:schemeClr val="accent1">
+              <a:shade val="50000"/>
+            </a:schemeClr>
+          </a:lnRef>
+          <a:fillRef idx="1">
+            <a:schemeClr val="accent1"/>
+          </a:fillRef>
+          <a:effectRef idx="0">
+            <a:schemeClr val="accent1"/>
+          </a:effectRef>
+          <a:fontRef idx="minor">
+            <a:schemeClr val="lt1"/>
+          </a:fontRef>
+        </p:style>
+        <p:txBody>
+          <a:bodyPr rtlCol="0" anchor="ctr"/>
+          <a:lstStyle/>
+          <a:p>
+            <a:r>
+              <a:rPr lang="en-GB" sz="1600" b="1" dirty="0">
+                <a:solidFill>
+                  <a:schemeClr val="accent1">
+                    <a:lumMod val="75000"/>
+                  </a:schemeClr>
+                </a:solidFill>
+              </a:rPr>
+              <a:t>l</a:t>
+            </a:r>
+            <a:r>
+              <a:rPr lang="en-GB" sz="1600" b="1" dirty="0" smtClean="0">
+                <a:solidFill>
+                  <a:schemeClr val="accent1">
+                    <a:lumMod val="75000"/>
+                  </a:schemeClr>
+                </a:solidFill>
+              </a:rPr>
+              <a:t>ive </a:t>
+            </a:r>
+            <a:r>
+              <a:rPr lang="en-GB" sz="1600" dirty="0" smtClean="0">
+                <a:solidFill>
+                  <a:schemeClr val="tx1"/>
+                </a:solidFill>
+              </a:rPr>
+              <a:t>environment (which test data to use)</a:t>
+            </a:r>
+            <a:endParaRPr lang="en-GB" sz="1600" dirty="0">
+              <a:solidFill>
+                <a:schemeClr val="tx1"/>
+              </a:solidFill>
+            </a:endParaRPr>
+          </a:p>
+        </p:txBody>
+      </p:sp>
+      <p:sp>
+        <p:nvSpPr>
+          <p:cNvPr id="31" name="Rectangle 30"/>
+          <p:cNvSpPr/>
+          <p:nvPr/>
+        </p:nvSpPr>
+        <p:spPr>
+          <a:xfrm>
+            <a:off x="6902450" y="3473450"/>
+            <a:ext cx="4305300" cy="533400"/>
+          </a:xfrm>
+          <a:prstGeom prst="rect">
+            <a:avLst/>
+          </a:prstGeom>
+          <a:solidFill>
+            <a:schemeClr val="accent4">
+              <a:lumMod val="20000"/>
+              <a:lumOff val="80000"/>
+            </a:schemeClr>
+          </a:solidFill>
+          <a:ln>
+            <a:solidFill>
+              <a:srgbClr val="FF0000"/>
+            </a:solidFill>
+          </a:ln>
+        </p:spPr>
+        <p:style>
+          <a:lnRef idx="2">
+            <a:schemeClr val="accent1">
+              <a:shade val="50000"/>
+            </a:schemeClr>
+          </a:lnRef>
+          <a:fillRef idx="1">
+            <a:schemeClr val="accent1"/>
+          </a:fillRef>
+          <a:effectRef idx="0">
+            <a:schemeClr val="accent1"/>
+          </a:effectRef>
+          <a:fontRef idx="minor">
+            <a:schemeClr val="lt1"/>
+          </a:fontRef>
+        </p:style>
+        <p:txBody>
+          <a:bodyPr rtlCol="0" anchor="ctr"/>
+          <a:lstStyle/>
+          <a:p>
+            <a:r>
+              <a:rPr lang="en-GB" sz="1600" b="1" dirty="0" smtClean="0">
+                <a:solidFill>
+                  <a:schemeClr val="accent6">
+                    <a:lumMod val="75000"/>
+                  </a:schemeClr>
+                </a:solidFill>
+              </a:rPr>
+              <a:t>chrome</a:t>
+            </a:r>
+            <a:r>
+              <a:rPr lang="en-GB" sz="1600" dirty="0" smtClean="0">
+                <a:solidFill>
+                  <a:schemeClr val="accent6">
+                    <a:lumMod val="75000"/>
+                  </a:schemeClr>
+                </a:solidFill>
+              </a:rPr>
+              <a:t> </a:t>
+            </a:r>
+            <a:r>
+              <a:rPr lang="en-GB" sz="1600" dirty="0" smtClean="0">
+                <a:solidFill>
+                  <a:schemeClr val="tx1"/>
+                </a:solidFill>
+              </a:rPr>
+              <a:t>browser </a:t>
+            </a:r>
+          </a:p>
+          <a:p>
+            <a:r>
+              <a:rPr lang="en-GB" sz="1600" dirty="0" smtClean="0">
+                <a:solidFill>
+                  <a:schemeClr val="tx1"/>
+                </a:solidFill>
+              </a:rPr>
+              <a:t>(alternatively choose </a:t>
+            </a:r>
+            <a:r>
+              <a:rPr lang="en-GB" sz="1600" dirty="0" err="1" smtClean="0">
+                <a:solidFill>
+                  <a:schemeClr val="tx1"/>
+                </a:solidFill>
+              </a:rPr>
+              <a:t>firefox</a:t>
+            </a:r>
+            <a:r>
+              <a:rPr lang="en-GB" sz="1600" dirty="0" smtClean="0">
+                <a:solidFill>
+                  <a:schemeClr val="tx1"/>
+                </a:solidFill>
+              </a:rPr>
+              <a:t> or internet explorer)</a:t>
+            </a:r>
+            <a:endParaRPr lang="en-GB" sz="1600" dirty="0">
+              <a:solidFill>
+                <a:schemeClr val="tx1"/>
+              </a:solidFill>
+            </a:endParaRPr>
+          </a:p>
+        </p:txBody>
+      </p:sp>
+      <p:sp>
+        <p:nvSpPr>
+          <p:cNvPr id="32" name="Rectangle 31"/>
+          <p:cNvSpPr/>
+          <p:nvPr/>
+        </p:nvSpPr>
+        <p:spPr>
+          <a:xfrm>
+            <a:off x="8672718" y="4185459"/>
+            <a:ext cx="1442831" cy="260191"/>
+          </a:xfrm>
+          <a:prstGeom prst="rect">
+            <a:avLst/>
+          </a:prstGeom>
+          <a:solidFill>
+            <a:schemeClr val="accent4">
+              <a:lumMod val="20000"/>
+              <a:lumOff val="80000"/>
+            </a:schemeClr>
+          </a:solidFill>
+          <a:ln>
+            <a:solidFill>
+              <a:srgbClr val="FF0000"/>
+            </a:solidFill>
+          </a:ln>
+        </p:spPr>
+        <p:style>
+          <a:lnRef idx="2">
+            <a:schemeClr val="accent1">
+              <a:shade val="50000"/>
+            </a:schemeClr>
+          </a:lnRef>
+          <a:fillRef idx="1">
+            <a:schemeClr val="accent1"/>
+          </a:fillRef>
+          <a:effectRef idx="0">
+            <a:schemeClr val="accent1"/>
+          </a:effectRef>
+          <a:fontRef idx="minor">
+            <a:schemeClr val="lt1"/>
+          </a:fontRef>
+        </p:style>
+        <p:txBody>
+          <a:bodyPr rtlCol="0" anchor="ctr"/>
+          <a:lstStyle/>
+          <a:p>
+            <a:r>
+              <a:rPr lang="en-GB" sz="1600" dirty="0">
+                <a:solidFill>
+                  <a:schemeClr val="tx1"/>
+                </a:solidFill>
+              </a:rPr>
+              <a:t>t</a:t>
+            </a:r>
+            <a:r>
+              <a:rPr lang="en-GB" sz="1600" dirty="0" smtClean="0">
+                <a:solidFill>
+                  <a:schemeClr val="tx1"/>
+                </a:solidFill>
+              </a:rPr>
+              <a:t>he test to run</a:t>
+            </a:r>
+            <a:endParaRPr lang="en-GB" sz="1600" dirty="0">
+              <a:solidFill>
+                <a:schemeClr val="tx1"/>
+              </a:solidFill>
+            </a:endParaRPr>
+          </a:p>
+        </p:txBody>
+      </p:sp>
+      <p:cxnSp>
+        <p:nvCxnSpPr>
+          <p:cNvPr id="33" name="Straight Arrow Connector 32"/>
+          <p:cNvCxnSpPr>
+            <a:stCxn id="31" idx="1"/>
+          </p:cNvCxnSpPr>
+          <p:nvPr/>
+        </p:nvCxnSpPr>
+        <p:spPr>
+          <a:xfrm flipH="1">
+            <a:off x="5757332" y="3740150"/>
+            <a:ext cx="1145118" cy="1911"/>
+          </a:xfrm>
+          <a:prstGeom prst="straightConnector1">
+            <a:avLst/>
+          </a:prstGeom>
+          <a:ln>
+            <a:solidFill>
+              <a:srgbClr val="FF0000"/>
+            </a:solidFill>
+            <a:tailEnd type="triangle"/>
+          </a:ln>
+        </p:spPr>
+        <p:style>
+          <a:lnRef idx="1">
+            <a:schemeClr val="accent1"/>
+          </a:lnRef>
+          <a:fillRef idx="0">
+            <a:schemeClr val="accent1"/>
+          </a:fillRef>
+          <a:effectRef idx="0">
+            <a:schemeClr val="accent1"/>
+          </a:effectRef>
+          <a:fontRef idx="minor">
+            <a:schemeClr val="tx1"/>
+          </a:fontRef>
+        </p:style>
+      </p:cxnSp>
+      <p:cxnSp>
+        <p:nvCxnSpPr>
+          <p:cNvPr id="36" name="Straight Arrow Connector 35"/>
+          <p:cNvCxnSpPr>
+            <a:stCxn id="30" idx="1"/>
+          </p:cNvCxnSpPr>
+          <p:nvPr/>
+        </p:nvCxnSpPr>
+        <p:spPr>
+          <a:xfrm flipH="1">
+            <a:off x="3492500" y="3195151"/>
+            <a:ext cx="1337808" cy="0"/>
+          </a:xfrm>
+          <a:prstGeom prst="straightConnector1">
+            <a:avLst/>
+          </a:prstGeom>
+          <a:ln>
+            <a:solidFill>
+              <a:srgbClr val="FF0000"/>
+            </a:solidFill>
+            <a:tailEnd type="triangle"/>
+          </a:ln>
+        </p:spPr>
+        <p:style>
+          <a:lnRef idx="1">
+            <a:schemeClr val="accent1"/>
+          </a:lnRef>
+          <a:fillRef idx="0">
+            <a:schemeClr val="accent1"/>
+          </a:fillRef>
+          <a:effectRef idx="0">
+            <a:schemeClr val="accent1"/>
+          </a:effectRef>
+          <a:fontRef idx="minor">
+            <a:schemeClr val="tx1"/>
+          </a:fontRef>
+        </p:style>
+      </p:cxnSp>
+      <p:cxnSp>
+        <p:nvCxnSpPr>
+          <p:cNvPr id="37" name="Straight Arrow Connector 36"/>
+          <p:cNvCxnSpPr>
+            <a:stCxn id="32" idx="1"/>
+          </p:cNvCxnSpPr>
+          <p:nvPr/>
+        </p:nvCxnSpPr>
+        <p:spPr>
+          <a:xfrm flipH="1">
+            <a:off x="7658102" y="4315555"/>
+            <a:ext cx="1014616" cy="0"/>
+          </a:xfrm>
+          <a:prstGeom prst="straightConnector1">
+            <a:avLst/>
+          </a:prstGeom>
+          <a:ln>
+            <a:solidFill>
+              <a:srgbClr val="FF0000"/>
+            </a:solidFill>
+            <a:tailEnd type="triangle"/>
+          </a:ln>
+        </p:spPr>
+        <p:style>
+          <a:lnRef idx="1">
+            <a:schemeClr val="accent1"/>
+          </a:lnRef>
+          <a:fillRef idx="0">
+            <a:schemeClr val="accent1"/>
+          </a:fillRef>
+          <a:effectRef idx="0">
+            <a:schemeClr val="accent1"/>
+          </a:effectRef>
+          <a:fontRef idx="minor">
+            <a:schemeClr val="tx1"/>
+          </a:fontRef>
+        </p:style>
+      </p:cxnSp>
+    </p:spTree>
+    <p:extLst>
+      <p:ext uri="{BB962C8B-B14F-4D97-AF65-F5344CB8AC3E}">
+        <p14:creationId xmlns:p14="http://schemas.microsoft.com/office/powerpoint/2010/main" val="1134693982"/>
+      </p:ext>
+    </p:extLst>
+  </p:cSld>
+  <p:clrMapOvr>
+    <a:masterClrMapping/>
+  </p:clrMapOvr>
+  <p:timing>
+    <p:tnLst>
+      <p:par>
+        <p:cTn id="1" dur="indefinite" restart="never" nodeType="tmRoot"/>
+      </p:par>
+    </p:tnLst>
+  </p:timing>
+</p:sld>
+</file>
+
+<file path=ppt/slides/slide14.xml><?xml version="1.0" encoding="utf-8"?>
+<p:sld xmlns:a="http://schemas.openxmlformats.org/drawingml/2006/main" xmlns:r="http://schemas.openxmlformats.org/officeDocument/2006/relationships" xmlns:p="http://schemas.openxmlformats.org/presentationml/2006/main">
+  <p:cSld>
+    <p:spTree>
+      <p:nvGrpSpPr>
+        <p:cNvPr id="1" name=""/>
+        <p:cNvGrpSpPr/>
+        <p:nvPr/>
+      </p:nvGrpSpPr>
+      <p:grpSpPr>
+        <a:xfrm>
+          <a:off x="0" y="0"/>
+          <a:ext cx="0" cy="0"/>
+          <a:chOff x="0" y="0"/>
+          <a:chExt cx="0" cy="0"/>
+        </a:xfrm>
+      </p:grpSpPr>
+      <p:sp>
+        <p:nvSpPr>
+          <p:cNvPr id="5" name="Rectangle 4"/>
+          <p:cNvSpPr/>
+          <p:nvPr/>
+        </p:nvSpPr>
+        <p:spPr>
+          <a:xfrm>
+            <a:off x="124645" y="1911350"/>
+            <a:ext cx="11948823" cy="3276600"/>
+          </a:xfrm>
+          <a:prstGeom prst="rect">
+            <a:avLst/>
+          </a:prstGeom>
+          <a:solidFill>
+            <a:schemeClr val="bg2">
+              <a:lumMod val="90000"/>
+            </a:schemeClr>
+          </a:solidFill>
+          <a:ln w="38100">
+            <a:noFill/>
+          </a:ln>
+        </p:spPr>
+        <p:style>
+          <a:lnRef idx="2">
+            <a:schemeClr val="accent1">
+              <a:shade val="50000"/>
+            </a:schemeClr>
+          </a:lnRef>
+          <a:fillRef idx="1">
+            <a:schemeClr val="accent1"/>
+          </a:fillRef>
+          <a:effectRef idx="0">
+            <a:schemeClr val="accent1"/>
+          </a:effectRef>
+          <a:fontRef idx="minor">
+            <a:schemeClr val="lt1"/>
+          </a:fontRef>
+        </p:style>
+        <p:txBody>
+          <a:bodyPr rtlCol="0" anchor="b"/>
+          <a:lstStyle/>
+          <a:p>
+            <a:pPr>
+              <a:lnSpc>
+                <a:spcPct val="150000"/>
+              </a:lnSpc>
+            </a:pPr>
+            <a:r>
+              <a:rPr lang="en-GB" sz="2400" b="1" dirty="0" smtClean="0">
+                <a:solidFill>
+                  <a:schemeClr val="tx1"/>
+                </a:solidFill>
+                <a:cs typeface="Consolas" panose="020B0609020204030204" pitchFamily="49" charset="0"/>
+              </a:rPr>
+              <a:t>&gt; protractor </a:t>
+            </a:r>
+            <a:r>
+              <a:rPr lang="en-GB" sz="2400" b="1" dirty="0" smtClean="0">
+                <a:solidFill>
+                  <a:schemeClr val="accent2">
+                    <a:lumMod val="50000"/>
+                  </a:schemeClr>
+                </a:solidFill>
+                <a:cs typeface="Consolas" panose="020B0609020204030204" pitchFamily="49" charset="0"/>
+              </a:rPr>
+              <a:t>protractorConfig.js </a:t>
+            </a:r>
+          </a:p>
+          <a:p>
+            <a:pPr lvl="1">
+              <a:lnSpc>
+                <a:spcPct val="150000"/>
+              </a:lnSpc>
+            </a:pPr>
+            <a:r>
+              <a:rPr lang="en-GB" sz="2400" b="1" dirty="0" smtClean="0">
+                <a:solidFill>
+                  <a:schemeClr val="tx1"/>
+                </a:solidFill>
+                <a:cs typeface="Consolas" panose="020B0609020204030204" pitchFamily="49" charset="0"/>
+              </a:rPr>
+              <a:t>--</a:t>
+            </a:r>
+            <a:r>
+              <a:rPr lang="en-GB" sz="2400" b="1" dirty="0" err="1" smtClean="0">
+                <a:solidFill>
+                  <a:schemeClr val="tx1"/>
+                </a:solidFill>
+                <a:cs typeface="Consolas" panose="020B0609020204030204" pitchFamily="49" charset="0"/>
+              </a:rPr>
+              <a:t>params.</a:t>
+            </a:r>
+            <a:r>
+              <a:rPr lang="en-GB" sz="2400" b="1" dirty="0" err="1" smtClean="0">
+                <a:solidFill>
+                  <a:srgbClr val="0070C0"/>
+                </a:solidFill>
+                <a:cs typeface="Consolas" panose="020B0609020204030204" pitchFamily="49" charset="0"/>
+              </a:rPr>
+              <a:t>testEnv</a:t>
+            </a:r>
+            <a:r>
+              <a:rPr lang="en-GB" sz="2400" b="1" dirty="0" smtClean="0">
+                <a:solidFill>
+                  <a:srgbClr val="0070C0"/>
+                </a:solidFill>
+                <a:cs typeface="Consolas" panose="020B0609020204030204" pitchFamily="49" charset="0"/>
+              </a:rPr>
+              <a:t>=live</a:t>
+            </a:r>
+            <a:r>
+              <a:rPr lang="en-GB" sz="2400" b="1" dirty="0" smtClean="0">
+                <a:solidFill>
+                  <a:schemeClr val="tx1"/>
+                </a:solidFill>
+                <a:cs typeface="Consolas" panose="020B0609020204030204" pitchFamily="49" charset="0"/>
+              </a:rPr>
+              <a:t> </a:t>
+            </a:r>
+          </a:p>
+          <a:p>
+            <a:pPr lvl="1">
+              <a:lnSpc>
+                <a:spcPct val="150000"/>
+              </a:lnSpc>
+            </a:pPr>
+            <a:r>
+              <a:rPr lang="en-GB" sz="2400" b="1" dirty="0" smtClean="0">
+                <a:solidFill>
+                  <a:schemeClr val="tx1"/>
+                </a:solidFill>
+                <a:cs typeface="Consolas" panose="020B0609020204030204" pitchFamily="49" charset="0"/>
+              </a:rPr>
+              <a:t>--</a:t>
+            </a:r>
+            <a:r>
+              <a:rPr lang="en-GB" sz="2400" b="1" dirty="0" err="1" smtClean="0">
+                <a:solidFill>
+                  <a:schemeClr val="tx1"/>
+                </a:solidFill>
+                <a:cs typeface="Consolas" panose="020B0609020204030204" pitchFamily="49" charset="0"/>
+              </a:rPr>
+              <a:t>capabilities.</a:t>
+            </a:r>
+            <a:r>
+              <a:rPr lang="en-GB" sz="2400" b="1" dirty="0" err="1" smtClean="0">
+                <a:solidFill>
+                  <a:schemeClr val="accent6">
+                    <a:lumMod val="75000"/>
+                  </a:schemeClr>
+                </a:solidFill>
+                <a:cs typeface="Consolas" panose="020B0609020204030204" pitchFamily="49" charset="0"/>
+              </a:rPr>
+              <a:t>browserName</a:t>
+            </a:r>
+            <a:r>
+              <a:rPr lang="en-GB" sz="2400" b="1" dirty="0" smtClean="0">
+                <a:solidFill>
+                  <a:schemeClr val="accent6">
+                    <a:lumMod val="75000"/>
+                  </a:schemeClr>
+                </a:solidFill>
+                <a:cs typeface="Consolas" panose="020B0609020204030204" pitchFamily="49" charset="0"/>
+              </a:rPr>
+              <a:t>=</a:t>
+            </a:r>
+            <a:r>
+              <a:rPr lang="en-GB" sz="2400" b="1" dirty="0" smtClean="0">
+                <a:solidFill>
+                  <a:schemeClr val="accent6">
+                    <a:lumMod val="75000"/>
+                  </a:schemeClr>
+                </a:solidFill>
+                <a:cs typeface="Consolas" panose="020B0609020204030204" pitchFamily="49" charset="0"/>
+              </a:rPr>
+              <a:t>"</a:t>
+            </a:r>
+            <a:r>
+              <a:rPr lang="en-GB" sz="2400" b="1" dirty="0" smtClean="0">
+                <a:solidFill>
+                  <a:schemeClr val="accent6">
+                    <a:lumMod val="75000"/>
+                  </a:schemeClr>
+                </a:solidFill>
+                <a:cs typeface="Consolas" panose="020B0609020204030204" pitchFamily="49" charset="0"/>
+              </a:rPr>
+              <a:t>chrome</a:t>
+            </a:r>
+            <a:r>
+              <a:rPr lang="en-GB" sz="2400" b="1" dirty="0" smtClean="0">
+                <a:solidFill>
+                  <a:schemeClr val="accent6">
+                    <a:lumMod val="75000"/>
+                  </a:schemeClr>
+                </a:solidFill>
+                <a:cs typeface="Consolas" panose="020B0609020204030204" pitchFamily="49" charset="0"/>
+              </a:rPr>
+              <a:t>"</a:t>
+            </a:r>
+            <a:r>
+              <a:rPr lang="en-GB" sz="2400" b="1" dirty="0" smtClean="0">
+                <a:solidFill>
+                  <a:srgbClr val="00B050"/>
+                </a:solidFill>
+                <a:cs typeface="Consolas" panose="020B0609020204030204" pitchFamily="49" charset="0"/>
+              </a:rPr>
+              <a:t> </a:t>
+            </a:r>
+          </a:p>
+          <a:p>
+            <a:pPr lvl="1">
+              <a:lnSpc>
+                <a:spcPct val="150000"/>
+              </a:lnSpc>
+            </a:pPr>
+            <a:r>
+              <a:rPr lang="en-GB" sz="2400" b="1" dirty="0" smtClean="0">
+                <a:solidFill>
+                  <a:schemeClr val="tx1"/>
+                </a:solidFill>
+                <a:cs typeface="Consolas" panose="020B0609020204030204" pitchFamily="49" charset="0"/>
+              </a:rPr>
+              <a:t>--specs</a:t>
+            </a:r>
+            <a:r>
+              <a:rPr lang="en-GB" sz="2400" b="1" dirty="0">
+                <a:solidFill>
+                  <a:schemeClr val="tx1"/>
+                </a:solidFill>
+                <a:cs typeface="Consolas" panose="020B0609020204030204" pitchFamily="49" charset="0"/>
+              </a:rPr>
+              <a:t>=".\</a:t>
+            </a:r>
+            <a:r>
+              <a:rPr lang="en-GB" sz="2400" b="1" dirty="0" smtClean="0">
+                <a:solidFill>
+                  <a:schemeClr val="tx1"/>
+                </a:solidFill>
+                <a:cs typeface="Consolas" panose="020B0609020204030204" pitchFamily="49" charset="0"/>
+              </a:rPr>
+              <a:t>tests\</a:t>
+            </a:r>
+            <a:r>
+              <a:rPr lang="en-GB" sz="2400" b="1" dirty="0" err="1" smtClean="0">
+                <a:solidFill>
+                  <a:srgbClr val="7030A0"/>
+                </a:solidFill>
+                <a:cs typeface="Consolas" panose="020B0609020204030204" pitchFamily="49" charset="0"/>
+              </a:rPr>
+              <a:t>AngularJSYourName</a:t>
+            </a:r>
+            <a:r>
+              <a:rPr lang="en-GB" sz="2400" b="1" dirty="0" smtClean="0">
+                <a:solidFill>
+                  <a:schemeClr val="tx1"/>
+                </a:solidFill>
+                <a:cs typeface="Consolas" panose="020B0609020204030204" pitchFamily="49" charset="0"/>
+              </a:rPr>
+              <a:t>\*.pro.js"</a:t>
+            </a:r>
+            <a:endParaRPr lang="en-GB" sz="2400" b="1" dirty="0" smtClean="0">
+              <a:solidFill>
+                <a:schemeClr val="tx1"/>
+              </a:solidFill>
+              <a:cs typeface="Consolas" panose="020B0609020204030204" pitchFamily="49" charset="0"/>
+            </a:endParaRPr>
+          </a:p>
+          <a:p>
+            <a:pPr>
+              <a:lnSpc>
+                <a:spcPct val="150000"/>
+              </a:lnSpc>
+            </a:pPr>
+            <a:endParaRPr lang="en-GB" sz="1200" b="1" dirty="0" smtClean="0">
+              <a:solidFill>
+                <a:schemeClr val="tx1"/>
+              </a:solidFill>
+              <a:latin typeface="Consolas" panose="020B0609020204030204" pitchFamily="49" charset="0"/>
+              <a:cs typeface="Consolas" panose="020B0609020204030204" pitchFamily="49" charset="0"/>
+            </a:endParaRPr>
+          </a:p>
+          <a:p>
+            <a:pPr>
+              <a:lnSpc>
+                <a:spcPct val="150000"/>
+              </a:lnSpc>
+            </a:pPr>
+            <a:endParaRPr lang="en-GB" sz="1400" b="1" dirty="0">
+              <a:solidFill>
+                <a:schemeClr val="tx1"/>
+              </a:solidFill>
+            </a:endParaRPr>
+          </a:p>
+        </p:txBody>
+      </p:sp>
+      <p:sp>
+        <p:nvSpPr>
+          <p:cNvPr id="2" name="Title 1"/>
+          <p:cNvSpPr>
+            <a:spLocks noGrp="1"/>
+          </p:cNvSpPr>
+          <p:nvPr>
+            <p:ph type="title"/>
+          </p:nvPr>
+        </p:nvSpPr>
+        <p:spPr/>
+        <p:txBody>
+          <a:bodyPr>
+            <a:normAutofit fontScale="90000"/>
+          </a:bodyPr>
+          <a:lstStyle/>
+          <a:p>
+            <a:r>
+              <a:rPr lang="en-GB" dirty="0" err="1" smtClean="0"/>
+              <a:t>Pasilla</a:t>
+            </a:r>
+            <a:r>
+              <a:rPr lang="en-GB" dirty="0" smtClean="0"/>
+              <a:t/>
+            </a:r>
+            <a:br>
+              <a:rPr lang="en-GB" dirty="0" smtClean="0"/>
+            </a:br>
+            <a:r>
+              <a:rPr lang="en-GB" sz="2700" dirty="0" smtClean="0"/>
+              <a:t>A Test Framework for Protractor</a:t>
+            </a:r>
+            <a:endParaRPr lang="en-GB" sz="2700" dirty="0"/>
+          </a:p>
+        </p:txBody>
+      </p:sp>
+      <p:sp>
+        <p:nvSpPr>
+          <p:cNvPr id="18" name="Rectangle 17"/>
+          <p:cNvSpPr/>
+          <p:nvPr/>
+        </p:nvSpPr>
+        <p:spPr>
+          <a:xfrm>
+            <a:off x="240085" y="317501"/>
+            <a:ext cx="2090365" cy="797882"/>
+          </a:xfrm>
+          <a:prstGeom prst="rect">
+            <a:avLst/>
+          </a:prstGeom>
+          <a:solidFill>
+            <a:schemeClr val="accent4">
+              <a:lumMod val="20000"/>
+              <a:lumOff val="80000"/>
+            </a:schemeClr>
+          </a:solidFill>
+          <a:ln>
+            <a:solidFill>
+              <a:srgbClr val="FF0000"/>
+            </a:solidFill>
+          </a:ln>
+        </p:spPr>
+        <p:style>
+          <a:lnRef idx="2">
+            <a:schemeClr val="accent1">
+              <a:shade val="50000"/>
+            </a:schemeClr>
+          </a:lnRef>
+          <a:fillRef idx="1">
+            <a:schemeClr val="accent1"/>
+          </a:fillRef>
+          <a:effectRef idx="0">
+            <a:schemeClr val="accent1"/>
+          </a:effectRef>
+          <a:fontRef idx="minor">
+            <a:schemeClr val="lt1"/>
+          </a:fontRef>
+        </p:style>
+        <p:txBody>
+          <a:bodyPr rtlCol="0" anchor="ctr"/>
+          <a:lstStyle/>
+          <a:p>
+            <a:r>
+              <a:rPr lang="en-GB" sz="2800" b="1" dirty="0" smtClean="0">
+                <a:solidFill>
+                  <a:schemeClr val="tx1"/>
+                </a:solidFill>
+              </a:rPr>
+              <a:t>Run </a:t>
+            </a:r>
+            <a:r>
+              <a:rPr lang="en-GB" sz="2800" b="1" dirty="0" smtClean="0">
+                <a:solidFill>
+                  <a:schemeClr val="tx1"/>
+                </a:solidFill>
+              </a:rPr>
+              <a:t>all tests sequentially</a:t>
+            </a:r>
+            <a:endParaRPr lang="en-GB" sz="2800" b="1" dirty="0" smtClean="0">
+              <a:solidFill>
+                <a:schemeClr val="tx1"/>
+              </a:solidFill>
+            </a:endParaRPr>
+          </a:p>
+        </p:txBody>
+      </p:sp>
+      <p:sp>
+        <p:nvSpPr>
+          <p:cNvPr id="30" name="Rectangle 29"/>
+          <p:cNvSpPr/>
+          <p:nvPr/>
+        </p:nvSpPr>
+        <p:spPr>
+          <a:xfrm>
+            <a:off x="4830308" y="3065055"/>
+            <a:ext cx="3748542" cy="260191"/>
+          </a:xfrm>
+          <a:prstGeom prst="rect">
+            <a:avLst/>
+          </a:prstGeom>
+          <a:solidFill>
+            <a:schemeClr val="accent4">
+              <a:lumMod val="20000"/>
+              <a:lumOff val="80000"/>
+            </a:schemeClr>
+          </a:solidFill>
+          <a:ln>
+            <a:solidFill>
+              <a:srgbClr val="FF0000"/>
+            </a:solidFill>
+          </a:ln>
+        </p:spPr>
+        <p:style>
+          <a:lnRef idx="2">
+            <a:schemeClr val="accent1">
+              <a:shade val="50000"/>
+            </a:schemeClr>
+          </a:lnRef>
+          <a:fillRef idx="1">
+            <a:schemeClr val="accent1"/>
+          </a:fillRef>
+          <a:effectRef idx="0">
+            <a:schemeClr val="accent1"/>
+          </a:effectRef>
+          <a:fontRef idx="minor">
+            <a:schemeClr val="lt1"/>
+          </a:fontRef>
+        </p:style>
+        <p:txBody>
+          <a:bodyPr rtlCol="0" anchor="ctr"/>
+          <a:lstStyle/>
+          <a:p>
+            <a:r>
+              <a:rPr lang="en-GB" sz="1600" b="1" dirty="0">
+                <a:solidFill>
+                  <a:schemeClr val="accent1">
+                    <a:lumMod val="75000"/>
+                  </a:schemeClr>
+                </a:solidFill>
+              </a:rPr>
+              <a:t>l</a:t>
+            </a:r>
+            <a:r>
+              <a:rPr lang="en-GB" sz="1600" b="1" dirty="0" smtClean="0">
+                <a:solidFill>
+                  <a:schemeClr val="accent1">
+                    <a:lumMod val="75000"/>
+                  </a:schemeClr>
+                </a:solidFill>
+              </a:rPr>
+              <a:t>ive </a:t>
+            </a:r>
+            <a:r>
+              <a:rPr lang="en-GB" sz="1600" dirty="0" smtClean="0">
+                <a:solidFill>
+                  <a:schemeClr val="tx1"/>
+                </a:solidFill>
+              </a:rPr>
+              <a:t>environment (which test data to use)</a:t>
+            </a:r>
+            <a:endParaRPr lang="en-GB" sz="1600" dirty="0">
+              <a:solidFill>
+                <a:schemeClr val="tx1"/>
+              </a:solidFill>
+            </a:endParaRPr>
+          </a:p>
+        </p:txBody>
+      </p:sp>
+      <p:sp>
+        <p:nvSpPr>
+          <p:cNvPr id="31" name="Rectangle 30"/>
+          <p:cNvSpPr/>
+          <p:nvPr/>
+        </p:nvSpPr>
+        <p:spPr>
+          <a:xfrm>
+            <a:off x="6902450" y="3473450"/>
+            <a:ext cx="4305300" cy="533400"/>
+          </a:xfrm>
+          <a:prstGeom prst="rect">
+            <a:avLst/>
+          </a:prstGeom>
+          <a:solidFill>
+            <a:schemeClr val="accent4">
+              <a:lumMod val="20000"/>
+              <a:lumOff val="80000"/>
+            </a:schemeClr>
+          </a:solidFill>
+          <a:ln>
+            <a:solidFill>
+              <a:srgbClr val="FF0000"/>
+            </a:solidFill>
+          </a:ln>
+        </p:spPr>
+        <p:style>
+          <a:lnRef idx="2">
+            <a:schemeClr val="accent1">
+              <a:shade val="50000"/>
+            </a:schemeClr>
+          </a:lnRef>
+          <a:fillRef idx="1">
+            <a:schemeClr val="accent1"/>
+          </a:fillRef>
+          <a:effectRef idx="0">
+            <a:schemeClr val="accent1"/>
+          </a:effectRef>
+          <a:fontRef idx="minor">
+            <a:schemeClr val="lt1"/>
+          </a:fontRef>
+        </p:style>
+        <p:txBody>
+          <a:bodyPr rtlCol="0" anchor="ctr"/>
+          <a:lstStyle/>
+          <a:p>
+            <a:r>
+              <a:rPr lang="en-GB" sz="1600" b="1" dirty="0" smtClean="0">
+                <a:solidFill>
+                  <a:schemeClr val="accent6">
+                    <a:lumMod val="75000"/>
+                  </a:schemeClr>
+                </a:solidFill>
+              </a:rPr>
+              <a:t>chrome</a:t>
+            </a:r>
+            <a:r>
+              <a:rPr lang="en-GB" sz="1600" dirty="0" smtClean="0">
+                <a:solidFill>
+                  <a:schemeClr val="accent6">
+                    <a:lumMod val="75000"/>
+                  </a:schemeClr>
+                </a:solidFill>
+              </a:rPr>
+              <a:t> </a:t>
+            </a:r>
+            <a:r>
+              <a:rPr lang="en-GB" sz="1600" dirty="0" smtClean="0">
+                <a:solidFill>
+                  <a:schemeClr val="tx1"/>
+                </a:solidFill>
+              </a:rPr>
+              <a:t>browser </a:t>
+            </a:r>
+          </a:p>
+          <a:p>
+            <a:r>
+              <a:rPr lang="en-GB" sz="1600" dirty="0" smtClean="0">
+                <a:solidFill>
+                  <a:schemeClr val="tx1"/>
+                </a:solidFill>
+              </a:rPr>
+              <a:t>(alternatively choose </a:t>
+            </a:r>
+            <a:r>
+              <a:rPr lang="en-GB" sz="1600" dirty="0" err="1" smtClean="0">
+                <a:solidFill>
+                  <a:schemeClr val="tx1"/>
+                </a:solidFill>
+              </a:rPr>
+              <a:t>firefox</a:t>
+            </a:r>
+            <a:r>
+              <a:rPr lang="en-GB" sz="1600" dirty="0" smtClean="0">
+                <a:solidFill>
+                  <a:schemeClr val="tx1"/>
+                </a:solidFill>
+              </a:rPr>
+              <a:t> or internet explorer)</a:t>
+            </a:r>
+            <a:endParaRPr lang="en-GB" sz="1600" dirty="0">
+              <a:solidFill>
+                <a:schemeClr val="tx1"/>
+              </a:solidFill>
+            </a:endParaRPr>
+          </a:p>
+        </p:txBody>
+      </p:sp>
+      <p:sp>
+        <p:nvSpPr>
+          <p:cNvPr id="32" name="Rectangle 31"/>
+          <p:cNvSpPr/>
+          <p:nvPr/>
+        </p:nvSpPr>
+        <p:spPr>
+          <a:xfrm>
+            <a:off x="7219260" y="4185459"/>
+            <a:ext cx="4432990" cy="260191"/>
+          </a:xfrm>
+          <a:prstGeom prst="rect">
+            <a:avLst/>
+          </a:prstGeom>
+          <a:solidFill>
+            <a:schemeClr val="accent4">
+              <a:lumMod val="20000"/>
+              <a:lumOff val="80000"/>
+            </a:schemeClr>
+          </a:solidFill>
+          <a:ln>
+            <a:solidFill>
+              <a:srgbClr val="FF0000"/>
+            </a:solidFill>
+          </a:ln>
+        </p:spPr>
+        <p:style>
+          <a:lnRef idx="2">
+            <a:schemeClr val="accent1">
+              <a:shade val="50000"/>
+            </a:schemeClr>
+          </a:lnRef>
+          <a:fillRef idx="1">
+            <a:schemeClr val="accent1"/>
+          </a:fillRef>
+          <a:effectRef idx="0">
+            <a:schemeClr val="accent1"/>
+          </a:effectRef>
+          <a:fontRef idx="minor">
+            <a:schemeClr val="lt1"/>
+          </a:fontRef>
+        </p:style>
+        <p:txBody>
+          <a:bodyPr rtlCol="0" anchor="ctr"/>
+          <a:lstStyle/>
+          <a:p>
+            <a:r>
+              <a:rPr lang="en-GB" sz="1600" dirty="0">
+                <a:solidFill>
+                  <a:schemeClr val="tx1"/>
+                </a:solidFill>
+              </a:rPr>
+              <a:t>r</a:t>
+            </a:r>
+            <a:r>
+              <a:rPr lang="en-GB" sz="1600" dirty="0" smtClean="0">
+                <a:solidFill>
+                  <a:schemeClr val="tx1"/>
+                </a:solidFill>
+              </a:rPr>
+              <a:t>un all the tests in ./tests/</a:t>
+            </a:r>
+            <a:r>
+              <a:rPr lang="en-GB" sz="1600" b="1" dirty="0" err="1" smtClean="0">
+                <a:solidFill>
+                  <a:srgbClr val="7030A0"/>
+                </a:solidFill>
+              </a:rPr>
+              <a:t>AngularJSYourName</a:t>
+            </a:r>
+            <a:r>
+              <a:rPr lang="en-GB" sz="1600" dirty="0" smtClean="0">
+                <a:solidFill>
+                  <a:schemeClr val="tx1"/>
+                </a:solidFill>
+              </a:rPr>
+              <a:t>/</a:t>
+            </a:r>
+            <a:endParaRPr lang="en-GB" sz="1600" dirty="0">
+              <a:solidFill>
+                <a:schemeClr val="tx1"/>
+              </a:solidFill>
+            </a:endParaRPr>
+          </a:p>
+        </p:txBody>
+      </p:sp>
+      <p:cxnSp>
+        <p:nvCxnSpPr>
+          <p:cNvPr id="33" name="Straight Arrow Connector 32"/>
+          <p:cNvCxnSpPr>
+            <a:stCxn id="31" idx="1"/>
+          </p:cNvCxnSpPr>
+          <p:nvPr/>
+        </p:nvCxnSpPr>
+        <p:spPr>
+          <a:xfrm flipH="1">
+            <a:off x="5757332" y="3740150"/>
+            <a:ext cx="1145118" cy="1911"/>
+          </a:xfrm>
+          <a:prstGeom prst="straightConnector1">
+            <a:avLst/>
+          </a:prstGeom>
+          <a:ln>
+            <a:solidFill>
+              <a:srgbClr val="FF0000"/>
+            </a:solidFill>
+            <a:tailEnd type="triangle"/>
+          </a:ln>
+        </p:spPr>
+        <p:style>
+          <a:lnRef idx="1">
+            <a:schemeClr val="accent1"/>
+          </a:lnRef>
+          <a:fillRef idx="0">
+            <a:schemeClr val="accent1"/>
+          </a:fillRef>
+          <a:effectRef idx="0">
+            <a:schemeClr val="accent1"/>
+          </a:effectRef>
+          <a:fontRef idx="minor">
+            <a:schemeClr val="tx1"/>
+          </a:fontRef>
+        </p:style>
+      </p:cxnSp>
+      <p:cxnSp>
+        <p:nvCxnSpPr>
+          <p:cNvPr id="36" name="Straight Arrow Connector 35"/>
+          <p:cNvCxnSpPr>
+            <a:stCxn id="30" idx="1"/>
+          </p:cNvCxnSpPr>
+          <p:nvPr/>
+        </p:nvCxnSpPr>
+        <p:spPr>
+          <a:xfrm flipH="1">
+            <a:off x="3492500" y="3195151"/>
+            <a:ext cx="1337808" cy="0"/>
+          </a:xfrm>
+          <a:prstGeom prst="straightConnector1">
+            <a:avLst/>
+          </a:prstGeom>
+          <a:ln>
+            <a:solidFill>
+              <a:srgbClr val="FF0000"/>
+            </a:solidFill>
+            <a:tailEnd type="triangle"/>
+          </a:ln>
+        </p:spPr>
+        <p:style>
+          <a:lnRef idx="1">
+            <a:schemeClr val="accent1"/>
+          </a:lnRef>
+          <a:fillRef idx="0">
+            <a:schemeClr val="accent1"/>
+          </a:fillRef>
+          <a:effectRef idx="0">
+            <a:schemeClr val="accent1"/>
+          </a:effectRef>
+          <a:fontRef idx="minor">
+            <a:schemeClr val="tx1"/>
+          </a:fontRef>
+        </p:style>
+      </p:cxnSp>
+      <p:cxnSp>
+        <p:nvCxnSpPr>
+          <p:cNvPr id="37" name="Straight Arrow Connector 36"/>
+          <p:cNvCxnSpPr>
+            <a:stCxn id="32" idx="1"/>
+          </p:cNvCxnSpPr>
+          <p:nvPr/>
+        </p:nvCxnSpPr>
+        <p:spPr>
+          <a:xfrm flipH="1">
+            <a:off x="6711952" y="4315555"/>
+            <a:ext cx="507308" cy="0"/>
+          </a:xfrm>
+          <a:prstGeom prst="straightConnector1">
+            <a:avLst/>
+          </a:prstGeom>
+          <a:ln>
+            <a:solidFill>
+              <a:srgbClr val="FF0000"/>
+            </a:solidFill>
+            <a:tailEnd type="triangle"/>
+          </a:ln>
+        </p:spPr>
+        <p:style>
+          <a:lnRef idx="1">
+            <a:schemeClr val="accent1"/>
+          </a:lnRef>
+          <a:fillRef idx="0">
+            <a:schemeClr val="accent1"/>
+          </a:fillRef>
+          <a:effectRef idx="0">
+            <a:schemeClr val="accent1"/>
+          </a:effectRef>
+          <a:fontRef idx="minor">
+            <a:schemeClr val="tx1"/>
+          </a:fontRef>
+        </p:style>
+      </p:cxnSp>
+    </p:spTree>
+    <p:extLst>
+      <p:ext uri="{BB962C8B-B14F-4D97-AF65-F5344CB8AC3E}">
+        <p14:creationId xmlns:p14="http://schemas.microsoft.com/office/powerpoint/2010/main" val="3480107630"/>
+      </p:ext>
+    </p:extLst>
+  </p:cSld>
+  <p:clrMapOvr>
+    <a:masterClrMapping/>
+  </p:clrMapOvr>
+  <p:timing>
+    <p:tnLst>
+      <p:par>
+        <p:cTn id="1" dur="indefinite" restart="never" nodeType="tmRoot"/>
+      </p:par>
+    </p:tnLst>
+  </p:timing>
+</p:sld>
+</file>
+
+<file path=ppt/slides/slide15.xml><?xml version="1.0" encoding="utf-8"?>
+<p:sld xmlns:a="http://schemas.openxmlformats.org/drawingml/2006/main" xmlns:r="http://schemas.openxmlformats.org/officeDocument/2006/relationships" xmlns:p="http://schemas.openxmlformats.org/presentationml/2006/main">
+  <p:cSld>
+    <p:spTree>
+      <p:nvGrpSpPr>
+        <p:cNvPr id="1" name=""/>
+        <p:cNvGrpSpPr/>
+        <p:nvPr/>
+      </p:nvGrpSpPr>
+      <p:grpSpPr>
+        <a:xfrm>
+          <a:off x="0" y="0"/>
+          <a:ext cx="0" cy="0"/>
+          <a:chOff x="0" y="0"/>
+          <a:chExt cx="0" cy="0"/>
+        </a:xfrm>
+      </p:grpSpPr>
+      <p:sp>
+        <p:nvSpPr>
+          <p:cNvPr id="5" name="Rectangle 4"/>
+          <p:cNvSpPr/>
+          <p:nvPr/>
+        </p:nvSpPr>
+        <p:spPr>
+          <a:xfrm>
+            <a:off x="124645" y="1295399"/>
+            <a:ext cx="11948823" cy="5427133"/>
+          </a:xfrm>
+          <a:prstGeom prst="rect">
+            <a:avLst/>
+          </a:prstGeom>
+          <a:solidFill>
+            <a:schemeClr val="bg2">
+              <a:lumMod val="90000"/>
+            </a:schemeClr>
+          </a:solidFill>
+          <a:ln w="38100">
+            <a:noFill/>
+          </a:ln>
+        </p:spPr>
+        <p:style>
+          <a:lnRef idx="2">
+            <a:schemeClr val="accent1">
+              <a:shade val="50000"/>
+            </a:schemeClr>
+          </a:lnRef>
+          <a:fillRef idx="1">
+            <a:schemeClr val="accent1"/>
+          </a:fillRef>
+          <a:effectRef idx="0">
+            <a:schemeClr val="accent1"/>
+          </a:effectRef>
+          <a:fontRef idx="minor">
+            <a:schemeClr val="lt1"/>
+          </a:fontRef>
+        </p:style>
+        <p:txBody>
+          <a:bodyPr rtlCol="0" anchor="b"/>
+          <a:lstStyle/>
+          <a:p>
+            <a:pPr>
+              <a:lnSpc>
+                <a:spcPct val="150000"/>
+              </a:lnSpc>
+            </a:pPr>
+            <a:r>
+              <a:rPr lang="en-GB" b="1" dirty="0" smtClean="0">
+                <a:solidFill>
+                  <a:schemeClr val="tx1"/>
+                </a:solidFill>
+              </a:rPr>
+              <a:t>&gt; protractor </a:t>
+            </a:r>
+            <a:r>
+              <a:rPr lang="en-GB" b="1" dirty="0">
+                <a:solidFill>
+                  <a:schemeClr val="accent2">
+                    <a:lumMod val="50000"/>
+                  </a:schemeClr>
+                </a:solidFill>
+              </a:rPr>
+              <a:t>protractorConfig.js </a:t>
+            </a:r>
+            <a:endParaRPr lang="en-GB" b="1" dirty="0" smtClean="0">
+              <a:solidFill>
+                <a:schemeClr val="accent2">
+                  <a:lumMod val="50000"/>
+                </a:schemeClr>
+              </a:solidFill>
+            </a:endParaRPr>
+          </a:p>
+          <a:p>
+            <a:pPr>
+              <a:lnSpc>
+                <a:spcPct val="150000"/>
+              </a:lnSpc>
+            </a:pPr>
+            <a:r>
+              <a:rPr lang="en-GB" b="1" dirty="0" smtClean="0">
+                <a:solidFill>
+                  <a:schemeClr val="tx1"/>
+                </a:solidFill>
+              </a:rPr>
+              <a:t>	--</a:t>
+            </a:r>
+            <a:r>
+              <a:rPr lang="en-GB" b="1" dirty="0" err="1" smtClean="0">
+                <a:solidFill>
+                  <a:schemeClr val="tx1"/>
+                </a:solidFill>
+              </a:rPr>
+              <a:t>params.</a:t>
+            </a:r>
+            <a:r>
+              <a:rPr lang="en-GB" b="1" dirty="0" err="1" smtClean="0">
+                <a:solidFill>
+                  <a:srgbClr val="0070C0"/>
+                </a:solidFill>
+              </a:rPr>
+              <a:t>testEnv</a:t>
+            </a:r>
+            <a:r>
+              <a:rPr lang="en-GB" b="1" dirty="0" smtClean="0">
+                <a:solidFill>
+                  <a:srgbClr val="0070C0"/>
+                </a:solidFill>
+              </a:rPr>
+              <a:t>=live</a:t>
+            </a:r>
+            <a:r>
+              <a:rPr lang="en-GB" b="1" dirty="0" smtClean="0">
+                <a:solidFill>
+                  <a:schemeClr val="tx1"/>
+                </a:solidFill>
+              </a:rPr>
+              <a:t> </a:t>
+            </a:r>
+            <a:endParaRPr lang="en-GB" b="1" dirty="0" smtClean="0">
+              <a:solidFill>
+                <a:schemeClr val="tx1"/>
+              </a:solidFill>
+            </a:endParaRPr>
+          </a:p>
+          <a:p>
+            <a:pPr>
+              <a:lnSpc>
+                <a:spcPct val="150000"/>
+              </a:lnSpc>
+            </a:pPr>
+            <a:r>
+              <a:rPr lang="en-GB" b="1" dirty="0" smtClean="0">
+                <a:solidFill>
+                  <a:schemeClr val="tx1"/>
+                </a:solidFill>
+              </a:rPr>
+              <a:t>	--</a:t>
+            </a:r>
+            <a:r>
+              <a:rPr lang="en-GB" b="1" dirty="0" err="1">
+                <a:solidFill>
+                  <a:schemeClr val="tx1"/>
+                </a:solidFill>
+              </a:rPr>
+              <a:t>capabilities.</a:t>
+            </a:r>
+            <a:r>
+              <a:rPr lang="en-GB" b="1" dirty="0" err="1">
+                <a:solidFill>
+                  <a:schemeClr val="accent6">
+                    <a:lumMod val="75000"/>
+                  </a:schemeClr>
+                </a:solidFill>
+              </a:rPr>
+              <a:t>browserName</a:t>
+            </a:r>
+            <a:r>
+              <a:rPr lang="en-GB" b="1" dirty="0" smtClean="0">
+                <a:solidFill>
+                  <a:schemeClr val="accent6">
+                    <a:lumMod val="75000"/>
+                  </a:schemeClr>
+                </a:solidFill>
+              </a:rPr>
+              <a:t>=</a:t>
+            </a:r>
+            <a:r>
+              <a:rPr lang="en-GB" b="1" dirty="0" smtClean="0">
+                <a:solidFill>
+                  <a:schemeClr val="accent6">
+                    <a:lumMod val="75000"/>
+                  </a:schemeClr>
+                </a:solidFill>
+                <a:cs typeface="Consolas" panose="020B0609020204030204" pitchFamily="49" charset="0"/>
+              </a:rPr>
+              <a:t>"</a:t>
+            </a:r>
+            <a:r>
+              <a:rPr lang="en-GB" b="1" dirty="0">
+                <a:solidFill>
+                  <a:schemeClr val="accent6">
+                    <a:lumMod val="75000"/>
+                  </a:schemeClr>
+                </a:solidFill>
+                <a:cs typeface="Consolas" panose="020B0609020204030204" pitchFamily="49" charset="0"/>
+              </a:rPr>
+              <a:t>chrome"</a:t>
+            </a:r>
+            <a:r>
+              <a:rPr lang="en-GB" b="1" dirty="0" smtClean="0">
+                <a:solidFill>
+                  <a:schemeClr val="tx1"/>
+                </a:solidFill>
+              </a:rPr>
+              <a:t> </a:t>
+            </a:r>
+            <a:endParaRPr lang="en-GB" b="1" dirty="0" smtClean="0">
+              <a:solidFill>
+                <a:schemeClr val="tx1"/>
+              </a:solidFill>
+            </a:endParaRPr>
+          </a:p>
+          <a:p>
+            <a:pPr>
+              <a:lnSpc>
+                <a:spcPct val="150000"/>
+              </a:lnSpc>
+            </a:pPr>
+            <a:r>
+              <a:rPr lang="en-GB" b="1" dirty="0" smtClean="0">
+                <a:solidFill>
+                  <a:schemeClr val="tx1"/>
+                </a:solidFill>
+              </a:rPr>
+              <a:t>	--</a:t>
+            </a:r>
+            <a:r>
+              <a:rPr lang="en-GB" b="1" dirty="0" err="1">
+                <a:solidFill>
+                  <a:schemeClr val="tx1"/>
+                </a:solidFill>
+              </a:rPr>
+              <a:t>capabilities.</a:t>
+            </a:r>
+            <a:r>
+              <a:rPr lang="en-GB" b="1" dirty="0" err="1">
+                <a:solidFill>
+                  <a:srgbClr val="FF0000"/>
+                </a:solidFill>
+              </a:rPr>
+              <a:t>shardTestFiles</a:t>
+            </a:r>
+            <a:r>
+              <a:rPr lang="en-GB" b="1" dirty="0">
+                <a:solidFill>
+                  <a:srgbClr val="FF0000"/>
+                </a:solidFill>
+              </a:rPr>
+              <a:t>=true</a:t>
+            </a:r>
+            <a:r>
+              <a:rPr lang="en-GB" b="1" dirty="0">
+                <a:solidFill>
+                  <a:schemeClr val="tx1"/>
+                </a:solidFill>
+              </a:rPr>
+              <a:t> </a:t>
+            </a:r>
+            <a:endParaRPr lang="en-GB" b="1" dirty="0" smtClean="0">
+              <a:solidFill>
+                <a:schemeClr val="tx1"/>
+              </a:solidFill>
+            </a:endParaRPr>
+          </a:p>
+          <a:p>
+            <a:pPr>
+              <a:lnSpc>
+                <a:spcPct val="150000"/>
+              </a:lnSpc>
+            </a:pPr>
+            <a:r>
+              <a:rPr lang="en-GB" b="1" dirty="0" smtClean="0">
+                <a:solidFill>
+                  <a:schemeClr val="tx1"/>
+                </a:solidFill>
+              </a:rPr>
+              <a:t>	--</a:t>
+            </a:r>
+            <a:r>
+              <a:rPr lang="en-GB" b="1" dirty="0" err="1">
+                <a:solidFill>
+                  <a:schemeClr val="tx1"/>
+                </a:solidFill>
+              </a:rPr>
+              <a:t>capabilities.</a:t>
+            </a:r>
+            <a:r>
+              <a:rPr lang="en-GB" b="1" dirty="0" err="1">
+                <a:solidFill>
+                  <a:srgbClr val="FF0000"/>
+                </a:solidFill>
+              </a:rPr>
+              <a:t>maxInstances</a:t>
+            </a:r>
+            <a:r>
+              <a:rPr lang="en-GB" b="1" dirty="0">
+                <a:solidFill>
+                  <a:srgbClr val="FF0000"/>
+                </a:solidFill>
+              </a:rPr>
+              <a:t>=3</a:t>
+            </a:r>
+            <a:r>
+              <a:rPr lang="en-GB" b="1" dirty="0">
+                <a:solidFill>
+                  <a:schemeClr val="tx1"/>
+                </a:solidFill>
+              </a:rPr>
+              <a:t> </a:t>
+            </a:r>
+          </a:p>
+          <a:p>
+            <a:pPr>
+              <a:lnSpc>
+                <a:spcPct val="150000"/>
+              </a:lnSpc>
+            </a:pPr>
+            <a:r>
+              <a:rPr lang="en-GB" b="1" dirty="0" smtClean="0">
+                <a:solidFill>
+                  <a:schemeClr val="tx1"/>
+                </a:solidFill>
+              </a:rPr>
+              <a:t>	--</a:t>
+            </a:r>
+            <a:r>
+              <a:rPr lang="en-GB" b="1" dirty="0">
+                <a:solidFill>
+                  <a:schemeClr val="tx1"/>
+                </a:solidFill>
+              </a:rPr>
+              <a:t>specs=".\</a:t>
+            </a:r>
+            <a:r>
+              <a:rPr lang="en-GB" b="1" dirty="0" smtClean="0">
+                <a:solidFill>
+                  <a:schemeClr val="tx1"/>
+                </a:solidFill>
+              </a:rPr>
+              <a:t>tests\</a:t>
+            </a:r>
+            <a:r>
+              <a:rPr lang="en-GB" b="1" dirty="0" err="1" smtClean="0">
+                <a:solidFill>
+                  <a:srgbClr val="7030A0"/>
+                </a:solidFill>
+              </a:rPr>
+              <a:t>AngularJSYourName</a:t>
+            </a:r>
+            <a:r>
+              <a:rPr lang="en-GB" b="1" dirty="0" smtClean="0">
+                <a:solidFill>
+                  <a:schemeClr val="tx1"/>
+                </a:solidFill>
+              </a:rPr>
+              <a:t>\*.</a:t>
+            </a:r>
+            <a:r>
+              <a:rPr lang="en-GB" b="1" dirty="0">
+                <a:solidFill>
+                  <a:schemeClr val="tx1"/>
+                </a:solidFill>
+              </a:rPr>
+              <a:t>pro.js</a:t>
+            </a:r>
+            <a:r>
+              <a:rPr lang="en-GB" b="1" dirty="0" smtClean="0">
+                <a:solidFill>
+                  <a:schemeClr val="tx1"/>
+                </a:solidFill>
+              </a:rPr>
+              <a:t>"</a:t>
+            </a:r>
+            <a:endParaRPr lang="en-GB" b="1" dirty="0">
+              <a:solidFill>
+                <a:schemeClr val="tx1"/>
+              </a:solidFill>
+            </a:endParaRPr>
+          </a:p>
+        </p:txBody>
+      </p:sp>
+      <p:sp>
+        <p:nvSpPr>
+          <p:cNvPr id="2" name="Title 1"/>
+          <p:cNvSpPr>
+            <a:spLocks noGrp="1"/>
+          </p:cNvSpPr>
+          <p:nvPr>
+            <p:ph type="title"/>
+          </p:nvPr>
+        </p:nvSpPr>
+        <p:spPr/>
+        <p:txBody>
+          <a:bodyPr>
+            <a:normAutofit fontScale="90000"/>
+          </a:bodyPr>
+          <a:lstStyle/>
+          <a:p>
+            <a:r>
+              <a:rPr lang="en-GB" dirty="0" err="1" smtClean="0"/>
+              <a:t>Pasilla</a:t>
+            </a:r>
+            <a:r>
+              <a:rPr lang="en-GB" dirty="0" smtClean="0"/>
+              <a:t/>
+            </a:r>
+            <a:br>
+              <a:rPr lang="en-GB" dirty="0" smtClean="0"/>
+            </a:br>
+            <a:r>
+              <a:rPr lang="en-GB" sz="2700" dirty="0" smtClean="0"/>
+              <a:t>A Test Framework for Protractor</a:t>
+            </a:r>
+            <a:endParaRPr lang="en-GB" sz="2700" dirty="0"/>
+          </a:p>
+        </p:txBody>
+      </p:sp>
+      <p:sp>
+        <p:nvSpPr>
+          <p:cNvPr id="6" name="Rectangle 5"/>
+          <p:cNvSpPr/>
+          <p:nvPr/>
+        </p:nvSpPr>
+        <p:spPr>
+          <a:xfrm>
+            <a:off x="240085" y="1549395"/>
+            <a:ext cx="4899182" cy="2379842"/>
+          </a:xfrm>
+          <a:prstGeom prst="rect">
+            <a:avLst/>
+          </a:prstGeom>
+          <a:solidFill>
+            <a:schemeClr val="bg1"/>
+          </a:solidFill>
+          <a:ln w="38100">
+            <a:solidFill>
+              <a:srgbClr val="00B050"/>
+            </a:solidFill>
+          </a:ln>
+        </p:spPr>
+        <p:style>
+          <a:lnRef idx="2">
+            <a:schemeClr val="accent1">
+              <a:shade val="50000"/>
+            </a:schemeClr>
+          </a:lnRef>
+          <a:fillRef idx="1">
+            <a:schemeClr val="accent1"/>
+          </a:fillRef>
+          <a:effectRef idx="0">
+            <a:schemeClr val="accent1"/>
+          </a:effectRef>
+          <a:fontRef idx="minor">
+            <a:schemeClr val="lt1"/>
+          </a:fontRef>
+        </p:style>
+        <p:txBody>
+          <a:bodyPr rtlCol="0" anchor="t"/>
+          <a:lstStyle/>
+          <a:p>
+            <a:r>
+              <a:rPr lang="en-GB" b="1" dirty="0" smtClean="0">
+                <a:solidFill>
+                  <a:schemeClr val="tx1"/>
+                </a:solidFill>
+              </a:rPr>
+              <a:t>Session1.pro.js</a:t>
+            </a:r>
+            <a:endParaRPr lang="en-GB" b="1" dirty="0" smtClean="0">
+              <a:solidFill>
+                <a:schemeClr val="tx1"/>
+              </a:solidFill>
+            </a:endParaRPr>
+          </a:p>
+          <a:p>
+            <a:r>
+              <a:rPr lang="en-GB" b="1" dirty="0" smtClean="0">
+                <a:solidFill>
+                  <a:schemeClr val="tx1"/>
+                </a:solidFill>
+              </a:rPr>
+              <a:t>Session1.script.js</a:t>
+            </a:r>
+            <a:endParaRPr lang="en-GB" b="1" dirty="0">
+              <a:solidFill>
+                <a:schemeClr val="tx1"/>
+              </a:solidFill>
+            </a:endParaRPr>
+          </a:p>
+        </p:txBody>
+      </p:sp>
+      <p:sp>
+        <p:nvSpPr>
+          <p:cNvPr id="7" name="Rectangle 6"/>
+          <p:cNvSpPr/>
+          <p:nvPr/>
+        </p:nvSpPr>
+        <p:spPr>
+          <a:xfrm>
+            <a:off x="2839425" y="1435375"/>
+            <a:ext cx="4899182" cy="2689902"/>
+          </a:xfrm>
+          <a:prstGeom prst="rect">
+            <a:avLst/>
+          </a:prstGeom>
+          <a:solidFill>
+            <a:schemeClr val="bg1"/>
+          </a:solidFill>
+          <a:ln w="38100">
+            <a:solidFill>
+              <a:srgbClr val="0070C0"/>
+            </a:solidFill>
+          </a:ln>
+        </p:spPr>
+        <p:style>
+          <a:lnRef idx="2">
+            <a:schemeClr val="accent1">
+              <a:shade val="50000"/>
+            </a:schemeClr>
+          </a:lnRef>
+          <a:fillRef idx="1">
+            <a:schemeClr val="accent1"/>
+          </a:fillRef>
+          <a:effectRef idx="0">
+            <a:schemeClr val="accent1"/>
+          </a:effectRef>
+          <a:fontRef idx="minor">
+            <a:schemeClr val="lt1"/>
+          </a:fontRef>
+        </p:style>
+        <p:txBody>
+          <a:bodyPr rtlCol="0" anchor="t"/>
+          <a:lstStyle/>
+          <a:p>
+            <a:r>
+              <a:rPr lang="en-GB" b="1" dirty="0" smtClean="0">
+                <a:solidFill>
+                  <a:schemeClr val="tx1"/>
+                </a:solidFill>
+              </a:rPr>
+              <a:t>Session2.pro.js</a:t>
+            </a:r>
+            <a:endParaRPr lang="en-GB" b="1" dirty="0">
+              <a:solidFill>
+                <a:schemeClr val="tx1"/>
+              </a:solidFill>
+            </a:endParaRPr>
+          </a:p>
+          <a:p>
+            <a:r>
+              <a:rPr lang="en-GB" b="1" dirty="0" smtClean="0">
+                <a:solidFill>
+                  <a:schemeClr val="tx1"/>
+                </a:solidFill>
+              </a:rPr>
+              <a:t>Session2.script.js</a:t>
+            </a:r>
+            <a:endParaRPr lang="en-GB" b="1" dirty="0">
+              <a:solidFill>
+                <a:schemeClr val="tx1"/>
+              </a:solidFill>
+            </a:endParaRPr>
+          </a:p>
+        </p:txBody>
+      </p:sp>
+      <p:sp>
+        <p:nvSpPr>
+          <p:cNvPr id="8" name="Rectangle 7"/>
+          <p:cNvSpPr/>
+          <p:nvPr/>
+        </p:nvSpPr>
+        <p:spPr>
+          <a:xfrm>
+            <a:off x="6375401" y="1387656"/>
+            <a:ext cx="5597810" cy="2989611"/>
+          </a:xfrm>
+          <a:prstGeom prst="rect">
+            <a:avLst/>
+          </a:prstGeom>
+          <a:solidFill>
+            <a:schemeClr val="bg1"/>
+          </a:solidFill>
+          <a:ln w="38100">
+            <a:solidFill>
+              <a:srgbClr val="FF0000"/>
+            </a:solidFill>
+          </a:ln>
+        </p:spPr>
+        <p:style>
+          <a:lnRef idx="2">
+            <a:schemeClr val="accent1">
+              <a:shade val="50000"/>
+            </a:schemeClr>
+          </a:lnRef>
+          <a:fillRef idx="1">
+            <a:schemeClr val="accent1"/>
+          </a:fillRef>
+          <a:effectRef idx="0">
+            <a:schemeClr val="accent1"/>
+          </a:effectRef>
+          <a:fontRef idx="minor">
+            <a:schemeClr val="lt1"/>
+          </a:fontRef>
+        </p:style>
+        <p:txBody>
+          <a:bodyPr rtlCol="0" anchor="t"/>
+          <a:lstStyle/>
+          <a:p>
+            <a:r>
+              <a:rPr lang="en-GB" b="1" dirty="0" smtClean="0">
+                <a:solidFill>
+                  <a:schemeClr val="tx1"/>
+                </a:solidFill>
+              </a:rPr>
+              <a:t>Session3.pro.js</a:t>
+            </a:r>
+            <a:endParaRPr lang="en-GB" b="1" dirty="0">
+              <a:solidFill>
+                <a:schemeClr val="tx1"/>
+              </a:solidFill>
+            </a:endParaRPr>
+          </a:p>
+          <a:p>
+            <a:r>
+              <a:rPr lang="en-GB" b="1" dirty="0" smtClean="0">
+                <a:solidFill>
+                  <a:schemeClr val="tx1"/>
+                </a:solidFill>
+              </a:rPr>
+              <a:t>Session3.script.js</a:t>
+            </a:r>
+            <a:endParaRPr lang="en-GB" b="1" dirty="0">
+              <a:solidFill>
+                <a:schemeClr val="tx1"/>
+              </a:solidFill>
+            </a:endParaRPr>
+          </a:p>
+        </p:txBody>
+      </p:sp>
+      <p:grpSp>
+        <p:nvGrpSpPr>
+          <p:cNvPr id="9" name="Group 8"/>
+          <p:cNvGrpSpPr/>
+          <p:nvPr/>
+        </p:nvGrpSpPr>
+        <p:grpSpPr>
+          <a:xfrm>
+            <a:off x="811521" y="2865127"/>
+            <a:ext cx="1002085" cy="702078"/>
+            <a:chOff x="931332" y="1899933"/>
+            <a:chExt cx="1236135" cy="987200"/>
+          </a:xfrm>
+        </p:grpSpPr>
+        <p:sp>
+          <p:nvSpPr>
+            <p:cNvPr id="10" name="Curved Right Arrow 9"/>
+            <p:cNvSpPr/>
+            <p:nvPr/>
+          </p:nvSpPr>
+          <p:spPr>
+            <a:xfrm>
+              <a:off x="931332" y="1913467"/>
+              <a:ext cx="541867" cy="973666"/>
+            </a:xfrm>
+            <a:prstGeom prst="curvedRightArrow">
+              <a:avLst/>
+            </a:prstGeom>
+          </p:spPr>
+          <p:style>
+            <a:lnRef idx="2">
+              <a:schemeClr val="accent6">
+                <a:shade val="50000"/>
+              </a:schemeClr>
+            </a:lnRef>
+            <a:fillRef idx="1">
+              <a:schemeClr val="accent6"/>
+            </a:fillRef>
+            <a:effectRef idx="0">
+              <a:schemeClr val="accent6"/>
+            </a:effectRef>
+            <a:fontRef idx="minor">
+              <a:schemeClr val="lt1"/>
+            </a:fontRef>
+          </p:style>
+          <p:txBody>
+            <a:bodyPr rtlCol="0" anchor="t"/>
+            <a:lstStyle/>
+            <a:p>
+              <a:pPr algn="ctr"/>
+              <a:endParaRPr lang="en-GB">
+                <a:solidFill>
+                  <a:schemeClr val="tx1"/>
+                </a:solidFill>
+              </a:endParaRPr>
+            </a:p>
+          </p:txBody>
+        </p:sp>
+        <p:sp>
+          <p:nvSpPr>
+            <p:cNvPr id="11" name="Curved Right Arrow 10"/>
+            <p:cNvSpPr/>
+            <p:nvPr/>
+          </p:nvSpPr>
+          <p:spPr>
+            <a:xfrm flipH="1" flipV="1">
+              <a:off x="1603291" y="1899933"/>
+              <a:ext cx="564176" cy="987200"/>
+            </a:xfrm>
+            <a:prstGeom prst="curvedRightArrow">
+              <a:avLst/>
+            </a:prstGeom>
+          </p:spPr>
+          <p:style>
+            <a:lnRef idx="2">
+              <a:schemeClr val="accent6">
+                <a:shade val="50000"/>
+              </a:schemeClr>
+            </a:lnRef>
+            <a:fillRef idx="1">
+              <a:schemeClr val="accent6"/>
+            </a:fillRef>
+            <a:effectRef idx="0">
+              <a:schemeClr val="accent6"/>
+            </a:effectRef>
+            <a:fontRef idx="minor">
+              <a:schemeClr val="lt1"/>
+            </a:fontRef>
+          </p:style>
+          <p:txBody>
+            <a:bodyPr rtlCol="0" anchor="t"/>
+            <a:lstStyle/>
+            <a:p>
+              <a:pPr algn="ctr"/>
+              <a:endParaRPr lang="en-GB">
+                <a:solidFill>
+                  <a:schemeClr val="tx1"/>
+                </a:solidFill>
+              </a:endParaRPr>
+            </a:p>
+          </p:txBody>
+        </p:sp>
+      </p:grpSp>
+      <p:grpSp>
+        <p:nvGrpSpPr>
+          <p:cNvPr id="12" name="Group 11"/>
+          <p:cNvGrpSpPr/>
+          <p:nvPr/>
+        </p:nvGrpSpPr>
+        <p:grpSpPr>
+          <a:xfrm>
+            <a:off x="3636582" y="2927606"/>
+            <a:ext cx="1002085" cy="702078"/>
+            <a:chOff x="931332" y="1899933"/>
+            <a:chExt cx="1236135" cy="987200"/>
+          </a:xfrm>
+        </p:grpSpPr>
+        <p:sp>
+          <p:nvSpPr>
+            <p:cNvPr id="13" name="Curved Right Arrow 12"/>
+            <p:cNvSpPr/>
+            <p:nvPr/>
+          </p:nvSpPr>
+          <p:spPr>
+            <a:xfrm>
+              <a:off x="931332" y="1913467"/>
+              <a:ext cx="541867" cy="973666"/>
+            </a:xfrm>
+            <a:prstGeom prst="curvedRightArrow">
+              <a:avLst/>
+            </a:prstGeom>
+          </p:spPr>
+          <p:style>
+            <a:lnRef idx="2">
+              <a:schemeClr val="accent1">
+                <a:shade val="50000"/>
+              </a:schemeClr>
+            </a:lnRef>
+            <a:fillRef idx="1">
+              <a:schemeClr val="accent1"/>
+            </a:fillRef>
+            <a:effectRef idx="0">
+              <a:schemeClr val="accent1"/>
+            </a:effectRef>
+            <a:fontRef idx="minor">
+              <a:schemeClr val="lt1"/>
+            </a:fontRef>
+          </p:style>
+          <p:txBody>
+            <a:bodyPr rtlCol="0" anchor="t"/>
+            <a:lstStyle/>
+            <a:p>
+              <a:pPr algn="ctr"/>
+              <a:endParaRPr lang="en-GB">
+                <a:solidFill>
+                  <a:schemeClr val="tx1"/>
+                </a:solidFill>
+              </a:endParaRPr>
+            </a:p>
+          </p:txBody>
+        </p:sp>
+        <p:sp>
+          <p:nvSpPr>
+            <p:cNvPr id="14" name="Curved Right Arrow 13"/>
+            <p:cNvSpPr/>
+            <p:nvPr/>
+          </p:nvSpPr>
+          <p:spPr>
+            <a:xfrm flipH="1" flipV="1">
+              <a:off x="1603291" y="1899933"/>
+              <a:ext cx="564176" cy="987200"/>
+            </a:xfrm>
+            <a:prstGeom prst="curvedRightArrow">
+              <a:avLst/>
+            </a:prstGeom>
+          </p:spPr>
+          <p:style>
+            <a:lnRef idx="2">
+              <a:schemeClr val="accent1">
+                <a:shade val="50000"/>
+              </a:schemeClr>
+            </a:lnRef>
+            <a:fillRef idx="1">
+              <a:schemeClr val="accent1"/>
+            </a:fillRef>
+            <a:effectRef idx="0">
+              <a:schemeClr val="accent1"/>
+            </a:effectRef>
+            <a:fontRef idx="minor">
+              <a:schemeClr val="lt1"/>
+            </a:fontRef>
+          </p:style>
+          <p:txBody>
+            <a:bodyPr rtlCol="0" anchor="t"/>
+            <a:lstStyle/>
+            <a:p>
+              <a:pPr algn="ctr"/>
+              <a:endParaRPr lang="en-GB">
+                <a:solidFill>
+                  <a:schemeClr val="tx1"/>
+                </a:solidFill>
+              </a:endParaRPr>
+            </a:p>
+          </p:txBody>
+        </p:sp>
+      </p:grpSp>
+      <p:grpSp>
+        <p:nvGrpSpPr>
+          <p:cNvPr id="15" name="Group 14"/>
+          <p:cNvGrpSpPr/>
+          <p:nvPr/>
+        </p:nvGrpSpPr>
+        <p:grpSpPr>
+          <a:xfrm>
+            <a:off x="7313984" y="3026000"/>
+            <a:ext cx="1002085" cy="702078"/>
+            <a:chOff x="931332" y="1899933"/>
+            <a:chExt cx="1236135" cy="987200"/>
+          </a:xfrm>
+        </p:grpSpPr>
+        <p:sp>
+          <p:nvSpPr>
+            <p:cNvPr id="16" name="Curved Right Arrow 15"/>
+            <p:cNvSpPr/>
+            <p:nvPr/>
+          </p:nvSpPr>
+          <p:spPr>
+            <a:xfrm>
+              <a:off x="931332" y="1913467"/>
+              <a:ext cx="541867" cy="973666"/>
+            </a:xfrm>
+            <a:prstGeom prst="curvedRightArrow">
+              <a:avLst/>
+            </a:prstGeom>
+          </p:spPr>
+          <p:style>
+            <a:lnRef idx="2">
+              <a:schemeClr val="accent2">
+                <a:shade val="50000"/>
+              </a:schemeClr>
+            </a:lnRef>
+            <a:fillRef idx="1">
+              <a:schemeClr val="accent2"/>
+            </a:fillRef>
+            <a:effectRef idx="0">
+              <a:schemeClr val="accent2"/>
+            </a:effectRef>
+            <a:fontRef idx="minor">
+              <a:schemeClr val="lt1"/>
+            </a:fontRef>
+          </p:style>
+          <p:txBody>
+            <a:bodyPr rtlCol="0" anchor="t"/>
+            <a:lstStyle/>
+            <a:p>
+              <a:pPr algn="ctr"/>
+              <a:endParaRPr lang="en-GB">
+                <a:solidFill>
+                  <a:schemeClr val="tx1"/>
+                </a:solidFill>
+              </a:endParaRPr>
+            </a:p>
+          </p:txBody>
+        </p:sp>
+        <p:sp>
+          <p:nvSpPr>
+            <p:cNvPr id="17" name="Curved Right Arrow 16"/>
+            <p:cNvSpPr/>
+            <p:nvPr/>
+          </p:nvSpPr>
+          <p:spPr>
+            <a:xfrm flipH="1" flipV="1">
+              <a:off x="1603291" y="1899933"/>
+              <a:ext cx="564176" cy="987200"/>
+            </a:xfrm>
+            <a:prstGeom prst="curvedRightArrow">
+              <a:avLst/>
+            </a:prstGeom>
+          </p:spPr>
+          <p:style>
+            <a:lnRef idx="2">
+              <a:schemeClr val="accent2">
+                <a:shade val="50000"/>
+              </a:schemeClr>
+            </a:lnRef>
+            <a:fillRef idx="1">
+              <a:schemeClr val="accent2"/>
+            </a:fillRef>
+            <a:effectRef idx="0">
+              <a:schemeClr val="accent2"/>
+            </a:effectRef>
+            <a:fontRef idx="minor">
+              <a:schemeClr val="lt1"/>
+            </a:fontRef>
+          </p:style>
+          <p:txBody>
+            <a:bodyPr rtlCol="0" anchor="t"/>
+            <a:lstStyle/>
+            <a:p>
+              <a:pPr algn="ctr"/>
+              <a:endParaRPr lang="en-GB">
+                <a:solidFill>
+                  <a:schemeClr val="tx1"/>
+                </a:solidFill>
+              </a:endParaRPr>
+            </a:p>
+          </p:txBody>
+        </p:sp>
+      </p:grpSp>
+      <p:sp>
+        <p:nvSpPr>
+          <p:cNvPr id="18" name="Rectangle 17"/>
+          <p:cNvSpPr/>
+          <p:nvPr/>
+        </p:nvSpPr>
+        <p:spPr>
+          <a:xfrm>
+            <a:off x="240085" y="355599"/>
+            <a:ext cx="2376115" cy="787401"/>
+          </a:xfrm>
+          <a:prstGeom prst="rect">
+            <a:avLst/>
+          </a:prstGeom>
+          <a:solidFill>
+            <a:schemeClr val="accent4">
+              <a:lumMod val="20000"/>
+              <a:lumOff val="80000"/>
+            </a:schemeClr>
+          </a:solidFill>
+          <a:ln>
+            <a:solidFill>
+              <a:srgbClr val="FF0000"/>
+            </a:solidFill>
+          </a:ln>
+        </p:spPr>
+        <p:style>
+          <a:lnRef idx="2">
+            <a:schemeClr val="accent1">
+              <a:shade val="50000"/>
+            </a:schemeClr>
+          </a:lnRef>
+          <a:fillRef idx="1">
+            <a:schemeClr val="accent1"/>
+          </a:fillRef>
+          <a:effectRef idx="0">
+            <a:schemeClr val="accent1"/>
+          </a:effectRef>
+          <a:fontRef idx="minor">
+            <a:schemeClr val="lt1"/>
+          </a:fontRef>
+        </p:style>
+        <p:txBody>
+          <a:bodyPr rtlCol="0" anchor="ctr"/>
+          <a:lstStyle/>
+          <a:p>
+            <a:r>
+              <a:rPr lang="en-GB" sz="2800" b="1" dirty="0" smtClean="0">
+                <a:solidFill>
+                  <a:schemeClr val="tx1"/>
+                </a:solidFill>
+              </a:rPr>
+              <a:t>Run </a:t>
+            </a:r>
+            <a:r>
+              <a:rPr lang="en-GB" sz="2800" b="1" dirty="0" smtClean="0">
+                <a:solidFill>
+                  <a:schemeClr val="tx1"/>
+                </a:solidFill>
+              </a:rPr>
+              <a:t>all tests concurrently</a:t>
+            </a:r>
+            <a:endParaRPr lang="en-GB" sz="2800" b="1" dirty="0" smtClean="0">
+              <a:solidFill>
+                <a:schemeClr val="tx1"/>
+              </a:solidFill>
+            </a:endParaRPr>
+          </a:p>
+        </p:txBody>
+      </p:sp>
+      <p:sp>
+        <p:nvSpPr>
+          <p:cNvPr id="19" name="Rectangle 18"/>
+          <p:cNvSpPr/>
+          <p:nvPr/>
+        </p:nvSpPr>
+        <p:spPr>
+          <a:xfrm>
+            <a:off x="5471340" y="5755478"/>
+            <a:ext cx="2169827" cy="261562"/>
+          </a:xfrm>
+          <a:prstGeom prst="rect">
+            <a:avLst/>
+          </a:prstGeom>
+          <a:solidFill>
+            <a:schemeClr val="accent4">
+              <a:lumMod val="20000"/>
+              <a:lumOff val="80000"/>
+            </a:schemeClr>
+          </a:solidFill>
+          <a:ln>
+            <a:solidFill>
+              <a:srgbClr val="FF0000"/>
+            </a:solidFill>
+          </a:ln>
+        </p:spPr>
+        <p:style>
+          <a:lnRef idx="2">
+            <a:schemeClr val="accent1">
+              <a:shade val="50000"/>
+            </a:schemeClr>
+          </a:lnRef>
+          <a:fillRef idx="1">
+            <a:schemeClr val="accent1"/>
+          </a:fillRef>
+          <a:effectRef idx="0">
+            <a:schemeClr val="accent1"/>
+          </a:effectRef>
+          <a:fontRef idx="minor">
+            <a:schemeClr val="lt1"/>
+          </a:fontRef>
+        </p:style>
+        <p:txBody>
+          <a:bodyPr rtlCol="0" anchor="ctr"/>
+          <a:lstStyle/>
+          <a:p>
+            <a:r>
+              <a:rPr lang="en-GB" sz="1600" b="1" dirty="0" smtClean="0">
+                <a:solidFill>
+                  <a:srgbClr val="FF0000"/>
+                </a:solidFill>
+              </a:rPr>
+              <a:t>3</a:t>
+            </a:r>
+            <a:r>
+              <a:rPr lang="en-GB" sz="1600" dirty="0" smtClean="0">
+                <a:solidFill>
+                  <a:schemeClr val="tx1"/>
+                </a:solidFill>
+              </a:rPr>
+              <a:t> concurrent instances </a:t>
+            </a:r>
+            <a:endParaRPr lang="en-GB" sz="1600" dirty="0">
+              <a:solidFill>
+                <a:schemeClr val="tx1"/>
+              </a:solidFill>
+            </a:endParaRPr>
+          </a:p>
+        </p:txBody>
+      </p:sp>
+      <p:sp>
+        <p:nvSpPr>
+          <p:cNvPr id="20" name="Rectangle 19"/>
+          <p:cNvSpPr/>
+          <p:nvPr/>
+        </p:nvSpPr>
+        <p:spPr>
+          <a:xfrm>
+            <a:off x="4923519" y="4628246"/>
+            <a:ext cx="1963687" cy="260191"/>
+          </a:xfrm>
+          <a:prstGeom prst="rect">
+            <a:avLst/>
+          </a:prstGeom>
+          <a:solidFill>
+            <a:schemeClr val="accent4">
+              <a:lumMod val="20000"/>
+              <a:lumOff val="80000"/>
+            </a:schemeClr>
+          </a:solidFill>
+          <a:ln>
+            <a:solidFill>
+              <a:srgbClr val="FF0000"/>
+            </a:solidFill>
+          </a:ln>
+        </p:spPr>
+        <p:style>
+          <a:lnRef idx="2">
+            <a:schemeClr val="accent1">
+              <a:shade val="50000"/>
+            </a:schemeClr>
+          </a:lnRef>
+          <a:fillRef idx="1">
+            <a:schemeClr val="accent1"/>
+          </a:fillRef>
+          <a:effectRef idx="0">
+            <a:schemeClr val="accent1"/>
+          </a:effectRef>
+          <a:fontRef idx="minor">
+            <a:schemeClr val="lt1"/>
+          </a:fontRef>
+        </p:style>
+        <p:txBody>
+          <a:bodyPr rtlCol="0" anchor="ctr"/>
+          <a:lstStyle/>
+          <a:p>
+            <a:r>
+              <a:rPr lang="en-GB" sz="1600" b="1" dirty="0">
+                <a:solidFill>
+                  <a:schemeClr val="accent1">
+                    <a:lumMod val="75000"/>
+                  </a:schemeClr>
+                </a:solidFill>
+              </a:rPr>
+              <a:t>l</a:t>
+            </a:r>
+            <a:r>
+              <a:rPr lang="en-GB" sz="1600" b="1" dirty="0" smtClean="0">
+                <a:solidFill>
+                  <a:schemeClr val="accent1">
+                    <a:lumMod val="75000"/>
+                  </a:schemeClr>
+                </a:solidFill>
+              </a:rPr>
+              <a:t>ive </a:t>
+            </a:r>
+            <a:r>
+              <a:rPr lang="en-GB" sz="1600" dirty="0" smtClean="0">
+                <a:solidFill>
+                  <a:schemeClr val="tx1"/>
+                </a:solidFill>
+              </a:rPr>
+              <a:t>environment</a:t>
+            </a:r>
+            <a:endParaRPr lang="en-GB" sz="1600" dirty="0">
+              <a:solidFill>
+                <a:schemeClr val="tx1"/>
+              </a:solidFill>
+            </a:endParaRPr>
+          </a:p>
+        </p:txBody>
+      </p:sp>
+      <p:sp>
+        <p:nvSpPr>
+          <p:cNvPr id="21" name="Rectangle 20"/>
+          <p:cNvSpPr/>
+          <p:nvPr/>
+        </p:nvSpPr>
+        <p:spPr>
+          <a:xfrm>
+            <a:off x="5387778" y="5156658"/>
+            <a:ext cx="1678579" cy="260191"/>
+          </a:xfrm>
+          <a:prstGeom prst="rect">
+            <a:avLst/>
+          </a:prstGeom>
+          <a:solidFill>
+            <a:schemeClr val="accent4">
+              <a:lumMod val="20000"/>
+              <a:lumOff val="80000"/>
+            </a:schemeClr>
+          </a:solidFill>
+          <a:ln>
+            <a:solidFill>
+              <a:srgbClr val="FF0000"/>
+            </a:solidFill>
+          </a:ln>
+        </p:spPr>
+        <p:style>
+          <a:lnRef idx="2">
+            <a:schemeClr val="accent1">
+              <a:shade val="50000"/>
+            </a:schemeClr>
+          </a:lnRef>
+          <a:fillRef idx="1">
+            <a:schemeClr val="accent1"/>
+          </a:fillRef>
+          <a:effectRef idx="0">
+            <a:schemeClr val="accent1"/>
+          </a:effectRef>
+          <a:fontRef idx="minor">
+            <a:schemeClr val="lt1"/>
+          </a:fontRef>
+        </p:style>
+        <p:txBody>
+          <a:bodyPr rtlCol="0" anchor="ctr"/>
+          <a:lstStyle/>
+          <a:p>
+            <a:r>
+              <a:rPr lang="en-GB" sz="1600" b="1" dirty="0" smtClean="0">
+                <a:solidFill>
+                  <a:schemeClr val="accent6">
+                    <a:lumMod val="75000"/>
+                  </a:schemeClr>
+                </a:solidFill>
+              </a:rPr>
+              <a:t>chrome</a:t>
+            </a:r>
+            <a:r>
+              <a:rPr lang="en-GB" sz="1600" dirty="0" smtClean="0">
+                <a:solidFill>
+                  <a:schemeClr val="accent6">
+                    <a:lumMod val="75000"/>
+                  </a:schemeClr>
+                </a:solidFill>
+              </a:rPr>
+              <a:t> </a:t>
+            </a:r>
+            <a:r>
+              <a:rPr lang="en-GB" sz="1600" dirty="0" smtClean="0">
+                <a:solidFill>
+                  <a:schemeClr val="tx1"/>
+                </a:solidFill>
+              </a:rPr>
+              <a:t>browser</a:t>
+            </a:r>
+            <a:endParaRPr lang="en-GB" sz="1600" dirty="0">
+              <a:solidFill>
+                <a:schemeClr val="tx1"/>
+              </a:solidFill>
+            </a:endParaRPr>
+          </a:p>
+        </p:txBody>
+      </p:sp>
+      <p:sp>
+        <p:nvSpPr>
+          <p:cNvPr id="22" name="Rectangle 21"/>
+          <p:cNvSpPr/>
+          <p:nvPr/>
+        </p:nvSpPr>
+        <p:spPr>
+          <a:xfrm>
+            <a:off x="6556252" y="6384044"/>
+            <a:ext cx="4486397" cy="260191"/>
+          </a:xfrm>
+          <a:prstGeom prst="rect">
+            <a:avLst/>
+          </a:prstGeom>
+          <a:solidFill>
+            <a:schemeClr val="accent4">
+              <a:lumMod val="20000"/>
+              <a:lumOff val="80000"/>
+            </a:schemeClr>
+          </a:solidFill>
+          <a:ln>
+            <a:solidFill>
+              <a:srgbClr val="FF0000"/>
+            </a:solidFill>
+          </a:ln>
+        </p:spPr>
+        <p:style>
+          <a:lnRef idx="2">
+            <a:schemeClr val="accent1">
+              <a:shade val="50000"/>
+            </a:schemeClr>
+          </a:lnRef>
+          <a:fillRef idx="1">
+            <a:schemeClr val="accent1"/>
+          </a:fillRef>
+          <a:effectRef idx="0">
+            <a:schemeClr val="accent1"/>
+          </a:effectRef>
+          <a:fontRef idx="minor">
+            <a:schemeClr val="lt1"/>
+          </a:fontRef>
+        </p:style>
+        <p:txBody>
+          <a:bodyPr rtlCol="0" anchor="ctr"/>
+          <a:lstStyle/>
+          <a:p>
+            <a:r>
+              <a:rPr lang="en-GB" sz="1600" dirty="0">
+                <a:solidFill>
+                  <a:schemeClr val="tx1"/>
+                </a:solidFill>
+              </a:rPr>
+              <a:t>run all the tests in ./tests/</a:t>
+            </a:r>
+            <a:r>
+              <a:rPr lang="en-GB" sz="1600" b="1" dirty="0" err="1">
+                <a:solidFill>
+                  <a:srgbClr val="7030A0"/>
+                </a:solidFill>
+              </a:rPr>
+              <a:t>AngularJSYourName</a:t>
+            </a:r>
+            <a:r>
+              <a:rPr lang="en-GB" sz="1600" dirty="0" smtClean="0">
+                <a:solidFill>
+                  <a:schemeClr val="tx1"/>
+                </a:solidFill>
+              </a:rPr>
+              <a:t>/</a:t>
+            </a:r>
+            <a:endParaRPr lang="en-GB" sz="1600" dirty="0">
+              <a:solidFill>
+                <a:schemeClr val="tx1"/>
+              </a:solidFill>
+            </a:endParaRPr>
+          </a:p>
+        </p:txBody>
+      </p:sp>
+      <p:cxnSp>
+        <p:nvCxnSpPr>
+          <p:cNvPr id="23" name="Straight Arrow Connector 22"/>
+          <p:cNvCxnSpPr>
+            <a:stCxn id="21" idx="1"/>
+          </p:cNvCxnSpPr>
+          <p:nvPr/>
+        </p:nvCxnSpPr>
+        <p:spPr>
+          <a:xfrm flipH="1">
+            <a:off x="4856984" y="5286754"/>
+            <a:ext cx="530794" cy="16920"/>
+          </a:xfrm>
+          <a:prstGeom prst="straightConnector1">
+            <a:avLst/>
+          </a:prstGeom>
+          <a:ln>
+            <a:solidFill>
+              <a:srgbClr val="FF0000"/>
+            </a:solidFill>
+            <a:tailEnd type="triangle"/>
+          </a:ln>
+        </p:spPr>
+        <p:style>
+          <a:lnRef idx="1">
+            <a:schemeClr val="accent1"/>
+          </a:lnRef>
+          <a:fillRef idx="0">
+            <a:schemeClr val="accent1"/>
+          </a:fillRef>
+          <a:effectRef idx="0">
+            <a:schemeClr val="accent1"/>
+          </a:effectRef>
+          <a:fontRef idx="minor">
+            <a:schemeClr val="tx1"/>
+          </a:fontRef>
+        </p:style>
+      </p:cxnSp>
+      <p:cxnSp>
+        <p:nvCxnSpPr>
+          <p:cNvPr id="24" name="Straight Arrow Connector 23"/>
+          <p:cNvCxnSpPr>
+            <a:stCxn id="19" idx="1"/>
+          </p:cNvCxnSpPr>
+          <p:nvPr/>
+        </p:nvCxnSpPr>
+        <p:spPr>
+          <a:xfrm flipH="1" flipV="1">
+            <a:off x="4254500" y="5685731"/>
+            <a:ext cx="1216840" cy="200528"/>
+          </a:xfrm>
+          <a:prstGeom prst="straightConnector1">
+            <a:avLst/>
+          </a:prstGeom>
+          <a:ln>
+            <a:solidFill>
+              <a:srgbClr val="FF0000"/>
+            </a:solidFill>
+            <a:tailEnd type="triangle"/>
+          </a:ln>
+        </p:spPr>
+        <p:style>
+          <a:lnRef idx="1">
+            <a:schemeClr val="accent1"/>
+          </a:lnRef>
+          <a:fillRef idx="0">
+            <a:schemeClr val="accent1"/>
+          </a:fillRef>
+          <a:effectRef idx="0">
+            <a:schemeClr val="accent1"/>
+          </a:effectRef>
+          <a:fontRef idx="minor">
+            <a:schemeClr val="tx1"/>
+          </a:fontRef>
+        </p:style>
+      </p:cxnSp>
+      <p:cxnSp>
+        <p:nvCxnSpPr>
+          <p:cNvPr id="25" name="Straight Arrow Connector 24"/>
+          <p:cNvCxnSpPr>
+            <a:stCxn id="19" idx="1"/>
+          </p:cNvCxnSpPr>
+          <p:nvPr/>
+        </p:nvCxnSpPr>
+        <p:spPr>
+          <a:xfrm flipH="1">
+            <a:off x="4000500" y="5886259"/>
+            <a:ext cx="1470840" cy="225732"/>
+          </a:xfrm>
+          <a:prstGeom prst="straightConnector1">
+            <a:avLst/>
+          </a:prstGeom>
+          <a:ln>
+            <a:solidFill>
+              <a:srgbClr val="FF0000"/>
+            </a:solidFill>
+            <a:tailEnd type="triangle"/>
+          </a:ln>
+        </p:spPr>
+        <p:style>
+          <a:lnRef idx="1">
+            <a:schemeClr val="accent1"/>
+          </a:lnRef>
+          <a:fillRef idx="0">
+            <a:schemeClr val="accent1"/>
+          </a:fillRef>
+          <a:effectRef idx="0">
+            <a:schemeClr val="accent1"/>
+          </a:effectRef>
+          <a:fontRef idx="minor">
+            <a:schemeClr val="tx1"/>
+          </a:fontRef>
+        </p:style>
+      </p:cxnSp>
+      <p:cxnSp>
+        <p:nvCxnSpPr>
+          <p:cNvPr id="26" name="Straight Arrow Connector 25"/>
+          <p:cNvCxnSpPr>
+            <a:stCxn id="20" idx="1"/>
+          </p:cNvCxnSpPr>
+          <p:nvPr/>
+        </p:nvCxnSpPr>
+        <p:spPr>
+          <a:xfrm flipH="1">
+            <a:off x="3534833" y="4758342"/>
+            <a:ext cx="1388686" cy="98283"/>
+          </a:xfrm>
+          <a:prstGeom prst="straightConnector1">
+            <a:avLst/>
+          </a:prstGeom>
+          <a:ln>
+            <a:solidFill>
+              <a:srgbClr val="FF0000"/>
+            </a:solidFill>
+            <a:tailEnd type="triangle"/>
+          </a:ln>
+        </p:spPr>
+        <p:style>
+          <a:lnRef idx="1">
+            <a:schemeClr val="accent1"/>
+          </a:lnRef>
+          <a:fillRef idx="0">
+            <a:schemeClr val="accent1"/>
+          </a:fillRef>
+          <a:effectRef idx="0">
+            <a:schemeClr val="accent1"/>
+          </a:effectRef>
+          <a:fontRef idx="minor">
+            <a:schemeClr val="tx1"/>
+          </a:fontRef>
+        </p:style>
+      </p:cxnSp>
+      <p:cxnSp>
+        <p:nvCxnSpPr>
+          <p:cNvPr id="27" name="Straight Arrow Connector 26"/>
+          <p:cNvCxnSpPr>
+            <a:stCxn id="22" idx="1"/>
+          </p:cNvCxnSpPr>
+          <p:nvPr/>
+        </p:nvCxnSpPr>
+        <p:spPr>
+          <a:xfrm flipH="1" flipV="1">
+            <a:off x="5565768" y="6508112"/>
+            <a:ext cx="990484" cy="6028"/>
+          </a:xfrm>
+          <a:prstGeom prst="straightConnector1">
+            <a:avLst/>
+          </a:prstGeom>
+          <a:ln>
+            <a:solidFill>
+              <a:srgbClr val="FF0000"/>
+            </a:solidFill>
+            <a:tailEnd type="triangle"/>
+          </a:ln>
+        </p:spPr>
+        <p:style>
+          <a:lnRef idx="1">
+            <a:schemeClr val="accent1"/>
+          </a:lnRef>
+          <a:fillRef idx="0">
+            <a:schemeClr val="accent1"/>
+          </a:fillRef>
+          <a:effectRef idx="0">
+            <a:schemeClr val="accent1"/>
+          </a:effectRef>
+          <a:fontRef idx="minor">
+            <a:schemeClr val="tx1"/>
+          </a:fontRef>
+        </p:style>
+      </p:cxnSp>
+      <p:sp>
+        <p:nvSpPr>
+          <p:cNvPr id="28" name="Rectangle 27"/>
+          <p:cNvSpPr/>
+          <p:nvPr/>
+        </p:nvSpPr>
+        <p:spPr>
+          <a:xfrm>
+            <a:off x="1383298" y="2338119"/>
+            <a:ext cx="6769613" cy="329750"/>
+          </a:xfrm>
+          <a:prstGeom prst="rect">
+            <a:avLst/>
+          </a:prstGeom>
+          <a:solidFill>
+            <a:srgbClr val="FFFF00"/>
+          </a:solidFill>
+          <a:ln>
+            <a:solidFill>
+              <a:srgbClr val="FF0000"/>
+            </a:solidFill>
+          </a:ln>
+        </p:spPr>
+        <p:style>
+          <a:lnRef idx="2">
+            <a:schemeClr val="accent1">
+              <a:shade val="50000"/>
+            </a:schemeClr>
+          </a:lnRef>
+          <a:fillRef idx="1">
+            <a:schemeClr val="accent1"/>
+          </a:fillRef>
+          <a:effectRef idx="0">
+            <a:schemeClr val="accent1"/>
+          </a:effectRef>
+          <a:fontRef idx="minor">
+            <a:schemeClr val="lt1"/>
+          </a:fontRef>
+        </p:style>
+        <p:txBody>
+          <a:bodyPr rtlCol="0" anchor="ctr"/>
+          <a:lstStyle/>
+          <a:p>
+            <a:pPr algn="ctr"/>
+            <a:r>
+              <a:rPr lang="en-GB" sz="1600" b="1" dirty="0" smtClean="0">
+                <a:solidFill>
+                  <a:schemeClr val="tx1"/>
+                </a:solidFill>
+              </a:rPr>
+              <a:t>each of these runs in a separate browser, and they all run concurrently</a:t>
+            </a:r>
+            <a:endParaRPr lang="en-GB" sz="1600" b="1" dirty="0">
+              <a:solidFill>
+                <a:schemeClr val="tx1"/>
+              </a:solidFill>
+            </a:endParaRPr>
+          </a:p>
+        </p:txBody>
+      </p:sp>
+    </p:spTree>
+    <p:extLst>
+      <p:ext uri="{BB962C8B-B14F-4D97-AF65-F5344CB8AC3E}">
+        <p14:creationId xmlns:p14="http://schemas.microsoft.com/office/powerpoint/2010/main" val="231798746"/>
+      </p:ext>
+    </p:extLst>
+  </p:cSld>
+  <p:clrMapOvr>
+    <a:masterClrMapping/>
+  </p:clrMapOvr>
+  <p:timing>
+    <p:tnLst>
+      <p:par>
+        <p:cTn id="1" dur="indefinite" restart="never" nodeType="tmRoot"/>
+      </p:par>
+    </p:tnLst>
+  </p:timing>
+</p:sld>
+</file>
+
+<file path=ppt/slides/slide16.xml><?xml version="1.0" encoding="utf-8"?>
+<p:sld xmlns:a="http://schemas.openxmlformats.org/drawingml/2006/main" xmlns:r="http://schemas.openxmlformats.org/officeDocument/2006/relationships" xmlns:p="http://schemas.openxmlformats.org/presentationml/2006/main">
+  <p:cSld>
+    <p:spTree>
+      <p:nvGrpSpPr>
+        <p:cNvPr id="1" name=""/>
+        <p:cNvGrpSpPr/>
+        <p:nvPr/>
+      </p:nvGrpSpPr>
+      <p:grpSpPr>
+        <a:xfrm>
+          <a:off x="0" y="0"/>
+          <a:ext cx="0" cy="0"/>
+          <a:chOff x="0" y="0"/>
+          <a:chExt cx="0" cy="0"/>
+        </a:xfrm>
+      </p:grpSpPr>
+      <p:sp>
+        <p:nvSpPr>
           <p:cNvPr id="2" name="Title 1"/>
           <p:cNvSpPr>
             <a:spLocks noGrp="1"/>
@@ -23381,7 +26596,7 @@
     </p:spTree>
     <p:extLst>
       <p:ext uri="{BB962C8B-B14F-4D97-AF65-F5344CB8AC3E}">
-        <p14:creationId xmlns:p14="http://schemas.microsoft.com/office/powerpoint/2010/main" val="231798746"/>
+        <p14:creationId xmlns:p14="http://schemas.microsoft.com/office/powerpoint/2010/main" val="1484555288"/>
       </p:ext>
     </p:extLst>
   </p:cSld>
@@ -29446,15 +32661,7 @@
                   <a:schemeClr val="tx1"/>
                 </a:solidFill>
               </a:rPr>
-              <a:t>by </a:t>
-            </a:r>
-            <a:r>
-              <a:rPr lang="en-GB" sz="1200" b="1" dirty="0" smtClean="0">
-                <a:solidFill>
-                  <a:schemeClr val="tx1"/>
-                </a:solidFill>
-              </a:rPr>
-              <a:t>environment by test</a:t>
+              <a:t>by environment by test</a:t>
             </a:r>
             <a:endParaRPr lang="en-GB" sz="1200" b="1" dirty="0">
               <a:solidFill>
@@ -31290,19 +34497,16 @@
   <a:extraClrSchemeLst/>
   <a:extLst>
     <a:ext uri="{05A4C25C-085E-4340-85A3-A5531E510DB2}">
-      <thm15:themeFamily xmlns="" xmlns:thm15="http://schemas.microsoft.com/office/thememl/2012/main" name="ParsleyAKeywordDrivenTestFrameworkForProtractor.pptx" id="{FAB09FEF-1788-43F4-86C8-751AB120A1F7}" vid="{6CFE0173-6A2D-4064-B9B0-3164DE0801F8}"/>
+      <thm15:themeFamily xmlns:thm15="http://schemas.microsoft.com/office/thememl/2012/main" xmlns="" name="ParsleyAKeywordDrivenTestFrameworkForProtractor.pptx" id="{FAB09FEF-1788-43F4-86C8-751AB120A1F7}" vid="{6CFE0173-6A2D-4064-B9B0-3164DE0801F8}"/>
     </a:ext>
   </a:extLst>
 </a:theme>
 </file>
 
 <file path=customXml/item1.xml><?xml version="1.0" encoding="utf-8"?>
-<?mso-contentType ?>
-<FormTemplates xmlns="http://schemas.microsoft.com/sharepoint/v3/contenttype/forms">
-  <Display>DocumentLibraryForm</Display>
-  <Edit>DocumentLibraryForm</Edit>
-  <New>DocumentLibraryForm</New>
-</FormTemplates>
+<p:properties xmlns:p="http://schemas.microsoft.com/office/2006/metadata/properties" xmlns:xsi="http://www.w3.org/2001/XMLSchema-instance" xmlns:pc="http://schemas.microsoft.com/office/infopath/2007/PartnerControls">
+  <documentManagement/>
+</p:properties>
 </file>
 
 <file path=customXml/item2.xml><?xml version="1.0" encoding="utf-8"?>
@@ -31446,15 +34650,26 @@
 </file>
 
 <file path=customXml/item3.xml><?xml version="1.0" encoding="utf-8"?>
-<p:properties xmlns:p="http://schemas.microsoft.com/office/2006/metadata/properties" xmlns:xsi="http://www.w3.org/2001/XMLSchema-instance" xmlns:pc="http://schemas.microsoft.com/office/infopath/2007/PartnerControls">
-  <documentManagement/>
-</p:properties>
+<?mso-contentType ?>
+<FormTemplates xmlns="http://schemas.microsoft.com/sharepoint/v3/contenttype/forms">
+  <Display>DocumentLibraryForm</Display>
+  <Edit>DocumentLibraryForm</Edit>
+  <New>DocumentLibraryForm</New>
+</FormTemplates>
 </file>
 
 <file path=customXml/itemProps1.xml><?xml version="1.0" encoding="utf-8"?>
-<ds:datastoreItem xmlns:ds="http://schemas.openxmlformats.org/officeDocument/2006/customXml" ds:itemID="{26F4B761-0256-4821-AC41-5D7435186A4A}">
+<ds:datastoreItem xmlns:ds="http://schemas.openxmlformats.org/officeDocument/2006/customXml" ds:itemID="{24CDC820-645A-4E71-AE40-26FA1AB98D28}">
   <ds:schemaRefs>
-    <ds:schemaRef ds:uri="http://schemas.microsoft.com/sharepoint/v3/contenttype/forms"/>
+    <ds:schemaRef ds:uri="http://schemas.microsoft.com/office/infopath/2007/PartnerControls"/>
+    <ds:schemaRef ds:uri="http://purl.org/dc/dcmitype/"/>
+    <ds:schemaRef ds:uri="http://www.w3.org/XML/1998/namespace"/>
+    <ds:schemaRef ds:uri="2f4b48f1-5643-4dd3-bcf3-1f93a11fc8e6"/>
+    <ds:schemaRef ds:uri="http://schemas.microsoft.com/office/2006/documentManagement/types"/>
+    <ds:schemaRef ds:uri="http://purl.org/dc/elements/1.1/"/>
+    <ds:schemaRef ds:uri="http://schemas.openxmlformats.org/package/2006/metadata/core-properties"/>
+    <ds:schemaRef ds:uri="http://purl.org/dc/terms/"/>
+    <ds:schemaRef ds:uri="http://schemas.microsoft.com/office/2006/metadata/properties"/>
   </ds:schemaRefs>
 </ds:datastoreItem>
 </file>
@@ -31478,17 +34693,9 @@
 </file>
 
 <file path=customXml/itemProps3.xml><?xml version="1.0" encoding="utf-8"?>
-<ds:datastoreItem xmlns:ds="http://schemas.openxmlformats.org/officeDocument/2006/customXml" ds:itemID="{24CDC820-645A-4E71-AE40-26FA1AB98D28}">
+<ds:datastoreItem xmlns:ds="http://schemas.openxmlformats.org/officeDocument/2006/customXml" ds:itemID="{26F4B761-0256-4821-AC41-5D7435186A4A}">
   <ds:schemaRefs>
-    <ds:schemaRef ds:uri="http://schemas.microsoft.com/office/infopath/2007/PartnerControls"/>
-    <ds:schemaRef ds:uri="http://purl.org/dc/dcmitype/"/>
-    <ds:schemaRef ds:uri="http://www.w3.org/XML/1998/namespace"/>
-    <ds:schemaRef ds:uri="2f4b48f1-5643-4dd3-bcf3-1f93a11fc8e6"/>
-    <ds:schemaRef ds:uri="http://schemas.microsoft.com/office/2006/documentManagement/types"/>
-    <ds:schemaRef ds:uri="http://purl.org/dc/elements/1.1/"/>
-    <ds:schemaRef ds:uri="http://schemas.openxmlformats.org/package/2006/metadata/core-properties"/>
-    <ds:schemaRef ds:uri="http://purl.org/dc/terms/"/>
-    <ds:schemaRef ds:uri="http://schemas.microsoft.com/office/2006/metadata/properties"/>
+    <ds:schemaRef ds:uri="http://schemas.microsoft.com/sharepoint/v3/contenttype/forms"/>
   </ds:schemaRefs>
 </ds:datastoreItem>
 </file>
--- a/documentation/PasillaAKeywordDrivenTestFrameworkForProtractor.pptx
+++ b/documentation/PasillaAKeywordDrivenTestFrameworkForProtractor.pptx
@@ -121,7 +121,7 @@
   </p:defaultTextStyle>
   <p:extLst>
     <p:ext uri="{EFAFB233-063F-42B5-8137-9DF3F51BA10A}">
-      <p15:sldGuideLst xmlns:p15="http://schemas.microsoft.com/office/powerpoint/2012/main" xmlns=""/>
+      <p15:sldGuideLst xmlns="" xmlns:p15="http://schemas.microsoft.com/office/powerpoint/2012/main"/>
     </p:ext>
   </p:extLst>
 </p:presentation>
@@ -4364,49 +4364,6 @@
         </a:p>
       </dgm:t>
     </dgm:pt>
-    <dgm:pt modelId="{2074BDB5-1D06-422A-B45B-78C9FD3A9D32}">
-      <dgm:prSet phldrT="[Text]" custT="1"/>
-      <dgm:spPr>
-        <a:solidFill>
-          <a:schemeClr val="accent3">
-            <a:lumMod val="50000"/>
-          </a:schemeClr>
-        </a:solidFill>
-      </dgm:spPr>
-      <dgm:t>
-        <a:bodyPr/>
-        <a:lstStyle/>
-        <a:p>
-          <a:r>
-            <a:rPr lang="en-GB" sz="1200" dirty="0" smtClean="0"/>
-            <a:t>tests/</a:t>
-          </a:r>
-          <a:endParaRPr lang="en-GB" sz="1200" dirty="0"/>
-        </a:p>
-      </dgm:t>
-    </dgm:pt>
-    <dgm:pt modelId="{45DF46FE-5552-4308-A066-84250BE98403}" type="parTrans" cxnId="{E584A865-1282-4043-99F5-C2664DBA198C}">
-      <dgm:prSet/>
-      <dgm:spPr/>
-      <dgm:t>
-        <a:bodyPr/>
-        <a:lstStyle/>
-        <a:p>
-          <a:endParaRPr lang="en-GB"/>
-        </a:p>
-      </dgm:t>
-    </dgm:pt>
-    <dgm:pt modelId="{E31254C1-5FC3-4D12-96C0-2AAB305B28F4}" type="sibTrans" cxnId="{E584A865-1282-4043-99F5-C2664DBA198C}">
-      <dgm:prSet/>
-      <dgm:spPr/>
-      <dgm:t>
-        <a:bodyPr/>
-        <a:lstStyle/>
-        <a:p>
-          <a:endParaRPr lang="en-GB"/>
-        </a:p>
-      </dgm:t>
-    </dgm:pt>
     <dgm:pt modelId="{D405E58C-0BFF-479D-9ABA-FB5264CAF22D}">
       <dgm:prSet phldrT="[Text]" custT="1"/>
       <dgm:spPr>
@@ -4424,14 +4381,18 @@
           <a:r>
             <a:rPr lang="en-GB" sz="1200" dirty="0" smtClean="0">
               <a:solidFill>
-                <a:schemeClr val="tx1"/>
+                <a:schemeClr val="bg1">
+                  <a:lumMod val="50000"/>
+                </a:schemeClr>
               </a:solidFill>
             </a:rPr>
             <a:t>AngularJS.keywords.js</a:t>
           </a:r>
           <a:endParaRPr lang="en-GB" sz="1200" dirty="0">
             <a:solidFill>
-              <a:schemeClr val="tx1"/>
+              <a:schemeClr val="bg1">
+                <a:lumMod val="50000"/>
+              </a:schemeClr>
             </a:solidFill>
           </a:endParaRPr>
         </a:p>
@@ -4451,10 +4412,10 @@
         <a:lstStyle/>
         <a:p>
           <a:r>
-            <a:rPr lang="en-GB" sz="1200" dirty="0" smtClean="0"/>
+            <a:rPr lang="en-GB" sz="1200" b="1" dirty="0" smtClean="0"/>
             <a:t>keywords/</a:t>
           </a:r>
-          <a:endParaRPr lang="en-GB" sz="1200" dirty="0"/>
+          <a:endParaRPr lang="en-GB" sz="1200" b="1" dirty="0"/>
         </a:p>
       </dgm:t>
     </dgm:pt>
@@ -4516,7 +4477,7 @@
         <a:lstStyle/>
         <a:p>
           <a:r>
-            <a:rPr lang="en-GB" sz="1200" dirty="0" smtClean="0"/>
+            <a:rPr lang="en-GB" sz="1200" b="1" dirty="0" smtClean="0"/>
             <a:t>pages/</a:t>
           </a:r>
         </a:p>
@@ -4544,152 +4505,6 @@
         </a:p>
       </dgm:t>
     </dgm:pt>
-    <dgm:pt modelId="{23D88E99-9DEC-41CD-B88B-F00127A2CB99}">
-      <dgm:prSet phldrT="[Text]" custT="1"/>
-      <dgm:spPr>
-        <a:solidFill>
-          <a:schemeClr val="accent1">
-            <a:lumMod val="40000"/>
-            <a:lumOff val="60000"/>
-          </a:schemeClr>
-        </a:solidFill>
-      </dgm:spPr>
-      <dgm:t>
-        <a:bodyPr/>
-        <a:lstStyle/>
-        <a:p>
-          <a:r>
-            <a:rPr lang="en-GB" sz="1200" dirty="0" smtClean="0">
-              <a:solidFill>
-                <a:schemeClr val="tx1"/>
-              </a:solidFill>
-            </a:rPr>
-            <a:t> protractorConfig.js</a:t>
-          </a:r>
-        </a:p>
-      </dgm:t>
-    </dgm:pt>
-    <dgm:pt modelId="{D4EB8AF8-10F2-4E4D-BBD0-522BA8DC214B}" type="parTrans" cxnId="{42B0A21D-ECF5-43DC-A0B7-B084D1D1CCB7}">
-      <dgm:prSet/>
-      <dgm:spPr/>
-      <dgm:t>
-        <a:bodyPr/>
-        <a:lstStyle/>
-        <a:p>
-          <a:endParaRPr lang="en-GB"/>
-        </a:p>
-      </dgm:t>
-    </dgm:pt>
-    <dgm:pt modelId="{E4DBB80B-177F-4778-97C2-6D268A4D569E}" type="sibTrans" cxnId="{42B0A21D-ECF5-43DC-A0B7-B084D1D1CCB7}">
-      <dgm:prSet/>
-      <dgm:spPr/>
-      <dgm:t>
-        <a:bodyPr/>
-        <a:lstStyle/>
-        <a:p>
-          <a:endParaRPr lang="en-GB"/>
-        </a:p>
-      </dgm:t>
-    </dgm:pt>
-    <dgm:pt modelId="{B5EB50BD-139D-4A8E-BB05-9ABBC2CBC816}">
-      <dgm:prSet phldrT="[Text]" custT="1"/>
-      <dgm:spPr>
-        <a:solidFill>
-          <a:schemeClr val="accent3">
-            <a:lumMod val="50000"/>
-          </a:schemeClr>
-        </a:solidFill>
-      </dgm:spPr>
-      <dgm:t>
-        <a:bodyPr/>
-        <a:lstStyle/>
-        <a:p>
-          <a:r>
-            <a:rPr lang="en-GB" sz="1200" dirty="0" err="1" smtClean="0"/>
-            <a:t>TestData</a:t>
-          </a:r>
-          <a:r>
-            <a:rPr lang="en-GB" sz="1200" dirty="0" smtClean="0"/>
-            <a:t>/</a:t>
-          </a:r>
-          <a:endParaRPr lang="en-GB" sz="1200" dirty="0"/>
-        </a:p>
-      </dgm:t>
-    </dgm:pt>
-    <dgm:pt modelId="{07427257-7B7F-437A-A691-85AFD6F2228C}" type="parTrans" cxnId="{DB83C23A-6598-4FBF-B3E7-4E23A75AF737}">
-      <dgm:prSet/>
-      <dgm:spPr/>
-      <dgm:t>
-        <a:bodyPr/>
-        <a:lstStyle/>
-        <a:p>
-          <a:endParaRPr lang="en-GB"/>
-        </a:p>
-      </dgm:t>
-    </dgm:pt>
-    <dgm:pt modelId="{FE8A4410-44C0-44EC-94D6-99F60AF48F4D}" type="sibTrans" cxnId="{DB83C23A-6598-4FBF-B3E7-4E23A75AF737}">
-      <dgm:prSet/>
-      <dgm:spPr/>
-      <dgm:t>
-        <a:bodyPr/>
-        <a:lstStyle/>
-        <a:p>
-          <a:endParaRPr lang="en-GB"/>
-        </a:p>
-      </dgm:t>
-    </dgm:pt>
-    <dgm:pt modelId="{18D34A5D-5386-4676-A8EE-8B438C23CD72}">
-      <dgm:prSet phldrT="[Text]" custT="1"/>
-      <dgm:spPr>
-        <a:solidFill>
-          <a:schemeClr val="accent1">
-            <a:lumMod val="40000"/>
-            <a:lumOff val="60000"/>
-          </a:schemeClr>
-        </a:solidFill>
-      </dgm:spPr>
-      <dgm:t>
-        <a:bodyPr/>
-        <a:lstStyle/>
-        <a:p>
-          <a:r>
-            <a:rPr lang="en-GB" sz="1200" dirty="0" smtClean="0">
-              <a:solidFill>
-                <a:schemeClr val="tx1"/>
-              </a:solidFill>
-            </a:rPr>
-            <a:t>LIVE.AngularJSYourName.data.js</a:t>
-          </a:r>
-          <a:endParaRPr lang="en-GB" sz="1200" dirty="0">
-            <a:solidFill>
-              <a:schemeClr val="tx1"/>
-            </a:solidFill>
-          </a:endParaRPr>
-        </a:p>
-      </dgm:t>
-    </dgm:pt>
-    <dgm:pt modelId="{2D57EFD5-DB3D-4156-A3F7-2D8E61616C45}" type="parTrans" cxnId="{5997FF70-C511-40C4-9F81-8755E09BE590}">
-      <dgm:prSet/>
-      <dgm:spPr/>
-      <dgm:t>
-        <a:bodyPr/>
-        <a:lstStyle/>
-        <a:p>
-          <a:endParaRPr lang="en-GB"/>
-        </a:p>
-      </dgm:t>
-    </dgm:pt>
-    <dgm:pt modelId="{9942721D-F78A-471F-8C4E-DE5F8362113F}" type="sibTrans" cxnId="{5997FF70-C511-40C4-9F81-8755E09BE590}">
-      <dgm:prSet/>
-      <dgm:spPr/>
-      <dgm:t>
-        <a:bodyPr/>
-        <a:lstStyle/>
-        <a:p>
-          <a:endParaRPr lang="en-GB"/>
-        </a:p>
-      </dgm:t>
-    </dgm:pt>
     <dgm:pt modelId="{A4ADDFF1-7882-423C-AA64-6F9186D451D8}">
       <dgm:prSet phldrT="[Text]" custT="1"/>
       <dgm:spPr>
@@ -4704,7 +4519,7 @@
         <a:lstStyle/>
         <a:p>
           <a:r>
-            <a:rPr lang="en-GB" sz="1200" dirty="0" smtClean="0"/>
+            <a:rPr lang="en-GB" sz="1200" b="1" dirty="0" smtClean="0"/>
             <a:t>helpers/</a:t>
           </a:r>
         </a:p>
@@ -4746,7 +4561,7 @@
         <a:lstStyle/>
         <a:p>
           <a:r>
-            <a:rPr lang="en-GB" sz="1200" dirty="0" smtClean="0"/>
+            <a:rPr lang="en-GB" sz="1200" b="1" dirty="0" smtClean="0"/>
             <a:t>documentation/</a:t>
           </a:r>
         </a:p>
@@ -4789,7 +4604,7 @@
         <a:lstStyle/>
         <a:p>
           <a:r>
-            <a:rPr lang="en-GB" sz="1200" dirty="0" smtClean="0">
+            <a:rPr lang="en-GB" sz="1200" b="1" dirty="0" smtClean="0">
               <a:solidFill>
                 <a:schemeClr val="tx1"/>
               </a:solidFill>
@@ -4838,11 +4653,20 @@
           <a:r>
             <a:rPr lang="en-GB" sz="1200" dirty="0" smtClean="0">
               <a:solidFill>
-                <a:schemeClr val="tx1"/>
+                <a:schemeClr val="bg1">
+                  <a:lumMod val="50000"/>
+                </a:schemeClr>
               </a:solidFill>
             </a:rPr>
-            <a:t>LoginPage.js</a:t>
+            <a:t>AngularJSHomePage.js</a:t>
           </a:r>
+          <a:endParaRPr lang="en-GB" sz="1200" dirty="0" smtClean="0">
+            <a:solidFill>
+              <a:schemeClr val="bg1">
+                <a:lumMod val="50000"/>
+              </a:schemeClr>
+            </a:solidFill>
+          </a:endParaRPr>
         </a:p>
       </dgm:t>
     </dgm:pt>
@@ -4868,12 +4692,13 @@
         </a:p>
       </dgm:t>
     </dgm:pt>
-    <dgm:pt modelId="{75BE9B0B-2BDB-463F-BE9D-C31D09866519}">
+    <dgm:pt modelId="{0E592EFC-EC4B-49B2-8762-E878CD593E3A}">
       <dgm:prSet phldrT="[Text]" custT="1"/>
       <dgm:spPr>
         <a:solidFill>
-          <a:schemeClr val="accent3">
-            <a:lumMod val="50000"/>
+          <a:schemeClr val="tx1">
+            <a:lumMod val="65000"/>
+            <a:lumOff val="35000"/>
           </a:schemeClr>
         </a:solidFill>
       </dgm:spPr>
@@ -4882,57 +4707,18 @@
         <a:lstStyle/>
         <a:p>
           <a:r>
-            <a:rPr lang="en-GB" sz="1200" dirty="0" smtClean="0"/>
-            <a:t>data/</a:t>
-          </a:r>
-          <a:endParaRPr lang="en-GB" sz="1200" dirty="0"/>
-        </a:p>
-      </dgm:t>
-    </dgm:pt>
-    <dgm:pt modelId="{AF2E6075-12BB-44F9-B338-5D2CF97E2C60}" type="parTrans" cxnId="{B8B550B1-6E1A-48D0-A0B8-E2E02CF3C2D1}">
-      <dgm:prSet/>
-      <dgm:spPr/>
-      <dgm:t>
-        <a:bodyPr/>
-        <a:lstStyle/>
-        <a:p>
-          <a:endParaRPr lang="en-GB"/>
-        </a:p>
-      </dgm:t>
-    </dgm:pt>
-    <dgm:pt modelId="{9AF4F34E-EDF6-4F59-84CA-83CCB479BB3D}" type="sibTrans" cxnId="{B8B550B1-6E1A-48D0-A0B8-E2E02CF3C2D1}">
-      <dgm:prSet/>
-      <dgm:spPr/>
-      <dgm:t>
-        <a:bodyPr/>
-        <a:lstStyle/>
-        <a:p>
-          <a:endParaRPr lang="en-GB"/>
-        </a:p>
-      </dgm:t>
-    </dgm:pt>
-    <dgm:pt modelId="{0E592EFC-EC4B-49B2-8762-E878CD593E3A}">
-      <dgm:prSet phldrT="[Text]" custT="1"/>
-      <dgm:spPr>
-        <a:solidFill>
-          <a:schemeClr val="accent1">
-            <a:lumMod val="40000"/>
-            <a:lumOff val="60000"/>
-          </a:schemeClr>
-        </a:solidFill>
-      </dgm:spPr>
-      <dgm:t>
-        <a:bodyPr/>
-        <a:lstStyle/>
-        <a:p>
-          <a:r>
-            <a:rPr lang="en-GB" sz="1200" dirty="0" smtClean="0">
+            <a:rPr lang="en-GB" sz="1200" b="1" dirty="0" smtClean="0">
               <a:solidFill>
-                <a:schemeClr val="tx1"/>
+                <a:schemeClr val="bg1"/>
               </a:solidFill>
             </a:rPr>
-            <a:t>templates</a:t>
+            <a:t>templates/</a:t>
           </a:r>
+          <a:endParaRPr lang="en-GB" sz="1200" b="1" dirty="0" smtClean="0">
+            <a:solidFill>
+              <a:schemeClr val="bg1"/>
+            </a:solidFill>
+          </a:endParaRPr>
         </a:p>
       </dgm:t>
     </dgm:pt>
@@ -4973,7 +4759,7 @@
         <a:lstStyle/>
         <a:p>
           <a:r>
-            <a:rPr lang="en-GB" sz="1200" dirty="0" smtClean="0">
+            <a:rPr lang="en-GB" sz="1200" b="1" dirty="0" smtClean="0">
               <a:solidFill>
                 <a:schemeClr val="tx1"/>
               </a:solidFill>
@@ -5005,12 +4791,13 @@
         </a:p>
       </dgm:t>
     </dgm:pt>
-    <dgm:pt modelId="{37EC1EA4-ACA7-4ABD-B5B5-A17145C565E3}">
+    <dgm:pt modelId="{2D211BC0-FFE3-4E0A-AB82-1D796DFD4AF7}">
       <dgm:prSet phldrT="[Text]" custT="1"/>
       <dgm:spPr>
         <a:solidFill>
-          <a:schemeClr val="accent3">
-            <a:lumMod val="50000"/>
+          <a:schemeClr val="tx1">
+            <a:lumMod val="65000"/>
+            <a:lumOff val="35000"/>
           </a:schemeClr>
         </a:solidFill>
       </dgm:spPr>
@@ -5019,220 +4806,18 @@
         <a:lstStyle/>
         <a:p>
           <a:r>
-            <a:rPr lang="en-GB" sz="1200" dirty="0" err="1" smtClean="0">
+            <a:rPr lang="en-GB" sz="1200" b="1" dirty="0" smtClean="0">
               <a:solidFill>
                 <a:schemeClr val="bg1"/>
               </a:solidFill>
             </a:rPr>
-            <a:t>AngularJSYourName</a:t>
+            <a:t>utilities/</a:t>
           </a:r>
-          <a:r>
-            <a:rPr lang="en-GB" sz="1200" dirty="0" smtClean="0">
-              <a:solidFill>
-                <a:schemeClr val="bg1"/>
-              </a:solidFill>
-            </a:rPr>
-            <a:t>/</a:t>
-          </a:r>
-          <a:endParaRPr lang="en-GB" sz="1200" dirty="0">
+          <a:endParaRPr lang="en-GB" sz="1200" b="1" dirty="0" smtClean="0">
             <a:solidFill>
               <a:schemeClr val="bg1"/>
             </a:solidFill>
           </a:endParaRPr>
-        </a:p>
-      </dgm:t>
-    </dgm:pt>
-    <dgm:pt modelId="{06B43761-256B-49F9-ACEE-56B0392FC81A}" type="parTrans" cxnId="{6252555F-F498-4519-9B64-A89E3E9A91B4}">
-      <dgm:prSet/>
-      <dgm:spPr/>
-      <dgm:t>
-        <a:bodyPr/>
-        <a:lstStyle/>
-        <a:p>
-          <a:endParaRPr lang="en-GB"/>
-        </a:p>
-      </dgm:t>
-    </dgm:pt>
-    <dgm:pt modelId="{F2B738F4-3F99-4A3F-A286-290423A0181B}" type="sibTrans" cxnId="{6252555F-F498-4519-9B64-A89E3E9A91B4}">
-      <dgm:prSet/>
-      <dgm:spPr/>
-      <dgm:t>
-        <a:bodyPr/>
-        <a:lstStyle/>
-        <a:p>
-          <a:endParaRPr lang="en-GB"/>
-        </a:p>
-      </dgm:t>
-    </dgm:pt>
-    <dgm:pt modelId="{558E9BE2-A6B2-4E85-921C-9FD684EA2FD7}">
-      <dgm:prSet phldrT="[Text]" custT="1"/>
-      <dgm:spPr>
-        <a:solidFill>
-          <a:schemeClr val="accent1">
-            <a:lumMod val="40000"/>
-            <a:lumOff val="60000"/>
-          </a:schemeClr>
-        </a:solidFill>
-      </dgm:spPr>
-      <dgm:t>
-        <a:bodyPr/>
-        <a:lstStyle/>
-        <a:p>
-          <a:r>
-            <a:rPr lang="en-GB" sz="1200" dirty="0" smtClean="0">
-              <a:solidFill>
-                <a:schemeClr val="tx1"/>
-              </a:solidFill>
-            </a:rPr>
-            <a:t>Session1.pro.js</a:t>
-          </a:r>
-        </a:p>
-      </dgm:t>
-    </dgm:pt>
-    <dgm:pt modelId="{69D32B0C-CC73-4041-8EB4-7ECB98363973}" type="parTrans" cxnId="{05F5D036-D327-4104-82F3-99FA94EAA78B}">
-      <dgm:prSet/>
-      <dgm:spPr/>
-      <dgm:t>
-        <a:bodyPr/>
-        <a:lstStyle/>
-        <a:p>
-          <a:endParaRPr lang="en-GB"/>
-        </a:p>
-      </dgm:t>
-    </dgm:pt>
-    <dgm:pt modelId="{E79B7ED0-F8D9-468E-953C-8B4CEAAD469E}" type="sibTrans" cxnId="{05F5D036-D327-4104-82F3-99FA94EAA78B}">
-      <dgm:prSet/>
-      <dgm:spPr/>
-      <dgm:t>
-        <a:bodyPr/>
-        <a:lstStyle/>
-        <a:p>
-          <a:endParaRPr lang="en-GB"/>
-        </a:p>
-      </dgm:t>
-    </dgm:pt>
-    <dgm:pt modelId="{DF7503A4-9748-46BE-BE4E-64ECDC4FBBB9}">
-      <dgm:prSet phldrT="[Text]" custT="1"/>
-      <dgm:spPr>
-        <a:solidFill>
-          <a:schemeClr val="accent1">
-            <a:lumMod val="40000"/>
-            <a:lumOff val="60000"/>
-          </a:schemeClr>
-        </a:solidFill>
-      </dgm:spPr>
-      <dgm:t>
-        <a:bodyPr/>
-        <a:lstStyle/>
-        <a:p>
-          <a:r>
-            <a:rPr lang="en-GB" sz="1200" dirty="0" smtClean="0">
-              <a:solidFill>
-                <a:schemeClr val="tx1"/>
-              </a:solidFill>
-            </a:rPr>
-            <a:t>Session1.script.js</a:t>
-          </a:r>
-          <a:endParaRPr lang="en-GB" sz="1200" dirty="0">
-            <a:solidFill>
-              <a:schemeClr val="tx1"/>
-            </a:solidFill>
-          </a:endParaRPr>
-        </a:p>
-      </dgm:t>
-    </dgm:pt>
-    <dgm:pt modelId="{5C6EAECC-8A47-475F-ACA6-E09A3CB62EA0}" type="parTrans" cxnId="{747DE1EC-7668-4618-A003-975E5806A38C}">
-      <dgm:prSet/>
-      <dgm:spPr/>
-      <dgm:t>
-        <a:bodyPr/>
-        <a:lstStyle/>
-        <a:p>
-          <a:endParaRPr lang="en-GB"/>
-        </a:p>
-      </dgm:t>
-    </dgm:pt>
-    <dgm:pt modelId="{159613EF-CE22-4E0C-8DA5-1CB9869A9657}" type="sibTrans" cxnId="{747DE1EC-7668-4618-A003-975E5806A38C}">
-      <dgm:prSet/>
-      <dgm:spPr/>
-      <dgm:t>
-        <a:bodyPr/>
-        <a:lstStyle/>
-        <a:p>
-          <a:endParaRPr lang="en-GB"/>
-        </a:p>
-      </dgm:t>
-    </dgm:pt>
-    <dgm:pt modelId="{6F8F7E8C-B811-4B12-AABD-CF8B632A3E0C}">
-      <dgm:prSet phldrT="[Text]" custT="1"/>
-      <dgm:spPr>
-        <a:solidFill>
-          <a:schemeClr val="accent1">
-            <a:lumMod val="40000"/>
-            <a:lumOff val="60000"/>
-          </a:schemeClr>
-        </a:solidFill>
-      </dgm:spPr>
-      <dgm:t>
-        <a:bodyPr/>
-        <a:lstStyle/>
-        <a:p>
-          <a:r>
-            <a:rPr lang="en-GB" sz="1200" dirty="0" smtClean="0">
-              <a:solidFill>
-                <a:schemeClr val="tx1"/>
-              </a:solidFill>
-            </a:rPr>
-            <a:t>AngularJSYourName.xlsx</a:t>
-          </a:r>
-          <a:endParaRPr lang="en-GB" sz="1200" dirty="0"/>
-        </a:p>
-      </dgm:t>
-    </dgm:pt>
-    <dgm:pt modelId="{24F8A180-91FD-4857-8800-1B193E7B5E68}" type="parTrans" cxnId="{4CA8C21E-C329-4F31-ABF2-D39FEEFC32E9}">
-      <dgm:prSet/>
-      <dgm:spPr/>
-      <dgm:t>
-        <a:bodyPr/>
-        <a:lstStyle/>
-        <a:p>
-          <a:endParaRPr lang="en-GB"/>
-        </a:p>
-      </dgm:t>
-    </dgm:pt>
-    <dgm:pt modelId="{A90B35EE-AE4F-4A88-B79B-C87AA5BFA83C}" type="sibTrans" cxnId="{4CA8C21E-C329-4F31-ABF2-D39FEEFC32E9}">
-      <dgm:prSet/>
-      <dgm:spPr/>
-      <dgm:t>
-        <a:bodyPr/>
-        <a:lstStyle/>
-        <a:p>
-          <a:endParaRPr lang="en-GB"/>
-        </a:p>
-      </dgm:t>
-    </dgm:pt>
-    <dgm:pt modelId="{2D211BC0-FFE3-4E0A-AB82-1D796DFD4AF7}">
-      <dgm:prSet phldrT="[Text]" custT="1"/>
-      <dgm:spPr>
-        <a:solidFill>
-          <a:schemeClr val="accent1">
-            <a:lumMod val="40000"/>
-            <a:lumOff val="60000"/>
-          </a:schemeClr>
-        </a:solidFill>
-      </dgm:spPr>
-      <dgm:t>
-        <a:bodyPr/>
-        <a:lstStyle/>
-        <a:p>
-          <a:r>
-            <a:rPr lang="en-GB" sz="1200" dirty="0" smtClean="0">
-              <a:solidFill>
-                <a:schemeClr val="tx1"/>
-              </a:solidFill>
-            </a:rPr>
-            <a:t>utilities</a:t>
-          </a:r>
         </a:p>
       </dgm:t>
     </dgm:pt>
@@ -5273,7 +4858,7 @@
         <a:lstStyle/>
         <a:p>
           <a:r>
-            <a:rPr lang="en-GB" sz="1200" dirty="0" smtClean="0">
+            <a:rPr lang="en-GB" sz="1200" b="1" dirty="0" smtClean="0">
               <a:solidFill>
                 <a:schemeClr val="tx1"/>
               </a:solidFill>
@@ -5305,7 +4890,7 @@
         </a:p>
       </dgm:t>
     </dgm:pt>
-    <dgm:pt modelId="{3A2E7E30-0D97-4988-AEC1-EA43BF7AE0B4}">
+    <dgm:pt modelId="{7FDA7A2D-7937-4983-9070-9DF7C511A23B}">
       <dgm:prSet phldrT="[Text]" custT="1"/>
       <dgm:spPr>
         <a:solidFill>
@@ -5320,18 +4905,18 @@
         <a:lstStyle/>
         <a:p>
           <a:r>
-            <a:rPr lang="en-GB" sz="1200" smtClean="0">
+            <a:rPr lang="en-GB" sz="1200" b="1" dirty="0" smtClean="0">
               <a:solidFill>
                 <a:schemeClr val="tx1"/>
               </a:solidFill>
             </a:rPr>
-            <a:t>TestData.xlsm</a:t>
+            <a:t>protractorConfig.js</a:t>
           </a:r>
-          <a:endParaRPr lang="en-GB" sz="1200" dirty="0"/>
+          <a:endParaRPr lang="en-GB" sz="1200" dirty="0" smtClean="0"/>
         </a:p>
       </dgm:t>
     </dgm:pt>
-    <dgm:pt modelId="{AD4B420A-E960-4C56-904D-B17CBDF70A3B}" type="parTrans" cxnId="{B6DD3BBF-7755-4518-9FBB-0085EE837966}">
+    <dgm:pt modelId="{A9F767A8-41B4-407B-9C08-B566A1AC4927}" type="parTrans" cxnId="{DD03DAE4-CC4D-4856-AFE2-EB70BA8A9747}">
       <dgm:prSet/>
       <dgm:spPr/>
       <dgm:t>
@@ -5342,7 +4927,468 @@
         </a:p>
       </dgm:t>
     </dgm:pt>
-    <dgm:pt modelId="{48C0F6BD-9179-41F2-858A-8A6A668E4926}" type="sibTrans" cxnId="{B6DD3BBF-7755-4518-9FBB-0085EE837966}">
+    <dgm:pt modelId="{0912709A-4B86-49F8-876C-436586C5A322}" type="sibTrans" cxnId="{DD03DAE4-CC4D-4856-AFE2-EB70BA8A9747}">
+      <dgm:prSet/>
+      <dgm:spPr/>
+      <dgm:t>
+        <a:bodyPr/>
+        <a:lstStyle/>
+        <a:p>
+          <a:endParaRPr lang="en-GB"/>
+        </a:p>
+      </dgm:t>
+    </dgm:pt>
+    <dgm:pt modelId="{3FCF1F2A-FD07-43B4-B879-471F983406EE}">
+      <dgm:prSet phldrT="[Text]" custT="1"/>
+      <dgm:spPr>
+        <a:solidFill>
+          <a:schemeClr val="accent3">
+            <a:lumMod val="50000"/>
+          </a:schemeClr>
+        </a:solidFill>
+      </dgm:spPr>
+      <dgm:t>
+        <a:bodyPr/>
+        <a:lstStyle/>
+        <a:p>
+          <a:r>
+            <a:rPr lang="en-GB" sz="1200" b="1" smtClean="0"/>
+            <a:t>tests/</a:t>
+          </a:r>
+          <a:endParaRPr lang="en-GB" sz="1200" b="1" dirty="0" smtClean="0">
+            <a:solidFill>
+              <a:schemeClr val="tx1"/>
+            </a:solidFill>
+          </a:endParaRPr>
+        </a:p>
+      </dgm:t>
+    </dgm:pt>
+    <dgm:pt modelId="{4199B668-0B8E-471A-A525-11E16A4D3F5F}" type="parTrans" cxnId="{7E10CFD1-7719-46DC-90DC-81E1BDA365CC}">
+      <dgm:prSet/>
+      <dgm:spPr/>
+      <dgm:t>
+        <a:bodyPr/>
+        <a:lstStyle/>
+        <a:p>
+          <a:endParaRPr lang="en-GB"/>
+        </a:p>
+      </dgm:t>
+    </dgm:pt>
+    <dgm:pt modelId="{EA8FB4D2-D8D8-4EE0-9A23-99462835D0E9}" type="sibTrans" cxnId="{7E10CFD1-7719-46DC-90DC-81E1BDA365CC}">
+      <dgm:prSet/>
+      <dgm:spPr/>
+      <dgm:t>
+        <a:bodyPr/>
+        <a:lstStyle/>
+        <a:p>
+          <a:endParaRPr lang="en-GB"/>
+        </a:p>
+      </dgm:t>
+    </dgm:pt>
+    <dgm:pt modelId="{E8228F9F-DDFD-462E-B835-579497478985}">
+      <dgm:prSet phldrT="[Text]" custT="1"/>
+      <dgm:spPr>
+        <a:solidFill>
+          <a:schemeClr val="accent1">
+            <a:lumMod val="40000"/>
+            <a:lumOff val="60000"/>
+          </a:schemeClr>
+        </a:solidFill>
+      </dgm:spPr>
+      <dgm:t>
+        <a:bodyPr/>
+        <a:lstStyle/>
+        <a:p>
+          <a:r>
+            <a:rPr lang="en-GB" sz="1200" dirty="0" smtClean="0">
+              <a:solidFill>
+                <a:schemeClr val="bg1">
+                  <a:lumMod val="50000"/>
+                </a:schemeClr>
+              </a:solidFill>
+            </a:rPr>
+            <a:t>AngularJSYourName.xlsx</a:t>
+          </a:r>
+          <a:endParaRPr lang="en-GB" sz="1200" dirty="0">
+            <a:solidFill>
+              <a:schemeClr val="bg1">
+                <a:lumMod val="50000"/>
+              </a:schemeClr>
+            </a:solidFill>
+          </a:endParaRPr>
+        </a:p>
+      </dgm:t>
+    </dgm:pt>
+    <dgm:pt modelId="{EE8E16E6-627C-4D07-8E02-9AE58BB63366}" type="parTrans" cxnId="{F6388762-1808-4748-B0B3-D6176D203D72}">
+      <dgm:prSet/>
+      <dgm:spPr/>
+      <dgm:t>
+        <a:bodyPr/>
+        <a:lstStyle/>
+        <a:p>
+          <a:endParaRPr lang="en-GB"/>
+        </a:p>
+      </dgm:t>
+    </dgm:pt>
+    <dgm:pt modelId="{EDC9C1F8-5DB2-4951-84D7-07CE9B703208}" type="sibTrans" cxnId="{F6388762-1808-4748-B0B3-D6176D203D72}">
+      <dgm:prSet/>
+      <dgm:spPr/>
+      <dgm:t>
+        <a:bodyPr/>
+        <a:lstStyle/>
+        <a:p>
+          <a:endParaRPr lang="en-GB"/>
+        </a:p>
+      </dgm:t>
+    </dgm:pt>
+    <dgm:pt modelId="{B6DB16EE-E97D-4862-B529-4C94EEA394AE}">
+      <dgm:prSet phldrT="[Text]" custT="1"/>
+      <dgm:spPr>
+        <a:solidFill>
+          <a:schemeClr val="accent3">
+            <a:lumMod val="50000"/>
+          </a:schemeClr>
+        </a:solidFill>
+      </dgm:spPr>
+      <dgm:t>
+        <a:bodyPr/>
+        <a:lstStyle/>
+        <a:p>
+          <a:r>
+            <a:rPr lang="en-GB" sz="1200" dirty="0" err="1" smtClean="0">
+              <a:solidFill>
+                <a:schemeClr val="bg1"/>
+              </a:solidFill>
+            </a:rPr>
+            <a:t>AngularJSYourName</a:t>
+          </a:r>
+          <a:r>
+            <a:rPr lang="en-GB" sz="1200" dirty="0" smtClean="0">
+              <a:solidFill>
+                <a:schemeClr val="bg1"/>
+              </a:solidFill>
+            </a:rPr>
+            <a:t>/</a:t>
+          </a:r>
+          <a:endParaRPr lang="en-GB" sz="1200" dirty="0">
+            <a:solidFill>
+              <a:schemeClr val="bg1"/>
+            </a:solidFill>
+          </a:endParaRPr>
+        </a:p>
+      </dgm:t>
+    </dgm:pt>
+    <dgm:pt modelId="{C45DF2C0-B93A-4B75-8DF1-E8BF3CD3D08A}" type="parTrans" cxnId="{C7579C7E-1CA1-4778-BF13-BF440499F383}">
+      <dgm:prSet/>
+      <dgm:spPr/>
+      <dgm:t>
+        <a:bodyPr/>
+        <a:lstStyle/>
+        <a:p>
+          <a:endParaRPr lang="en-GB"/>
+        </a:p>
+      </dgm:t>
+    </dgm:pt>
+    <dgm:pt modelId="{C85F78CD-1AC7-4BDE-9B09-9D0460E780B2}" type="sibTrans" cxnId="{C7579C7E-1CA1-4778-BF13-BF440499F383}">
+      <dgm:prSet/>
+      <dgm:spPr/>
+      <dgm:t>
+        <a:bodyPr/>
+        <a:lstStyle/>
+        <a:p>
+          <a:endParaRPr lang="en-GB"/>
+        </a:p>
+      </dgm:t>
+    </dgm:pt>
+    <dgm:pt modelId="{40F64F40-29E1-4825-8265-5C136AA57213}">
+      <dgm:prSet phldrT="[Text]" custT="1"/>
+      <dgm:spPr>
+        <a:solidFill>
+          <a:schemeClr val="accent1">
+            <a:lumMod val="40000"/>
+            <a:lumOff val="60000"/>
+          </a:schemeClr>
+        </a:solidFill>
+      </dgm:spPr>
+      <dgm:t>
+        <a:bodyPr/>
+        <a:lstStyle/>
+        <a:p>
+          <a:r>
+            <a:rPr lang="en-GB" sz="1200" dirty="0" smtClean="0">
+              <a:solidFill>
+                <a:schemeClr val="bg1">
+                  <a:lumMod val="50000"/>
+                </a:schemeClr>
+              </a:solidFill>
+            </a:rPr>
+            <a:t>Session1.pro.js</a:t>
+          </a:r>
+        </a:p>
+      </dgm:t>
+    </dgm:pt>
+    <dgm:pt modelId="{61BB162E-D6CB-4DDB-BADD-26CF607C68D6}" type="parTrans" cxnId="{3BB54C0C-CB97-4247-9CB2-DA4F1E36A4EB}">
+      <dgm:prSet/>
+      <dgm:spPr/>
+      <dgm:t>
+        <a:bodyPr/>
+        <a:lstStyle/>
+        <a:p>
+          <a:endParaRPr lang="en-GB"/>
+        </a:p>
+      </dgm:t>
+    </dgm:pt>
+    <dgm:pt modelId="{6A804942-E506-43B5-957B-76F300DA784E}" type="sibTrans" cxnId="{3BB54C0C-CB97-4247-9CB2-DA4F1E36A4EB}">
+      <dgm:prSet/>
+      <dgm:spPr/>
+      <dgm:t>
+        <a:bodyPr/>
+        <a:lstStyle/>
+        <a:p>
+          <a:endParaRPr lang="en-GB"/>
+        </a:p>
+      </dgm:t>
+    </dgm:pt>
+    <dgm:pt modelId="{50EF9952-B732-439E-8DB0-E39A7B77AE06}">
+      <dgm:prSet phldrT="[Text]" custT="1"/>
+      <dgm:spPr>
+        <a:solidFill>
+          <a:schemeClr val="accent1">
+            <a:lumMod val="40000"/>
+            <a:lumOff val="60000"/>
+          </a:schemeClr>
+        </a:solidFill>
+      </dgm:spPr>
+      <dgm:t>
+        <a:bodyPr/>
+        <a:lstStyle/>
+        <a:p>
+          <a:r>
+            <a:rPr lang="en-GB" sz="1200" dirty="0" smtClean="0">
+              <a:solidFill>
+                <a:schemeClr val="bg1">
+                  <a:lumMod val="50000"/>
+                </a:schemeClr>
+              </a:solidFill>
+            </a:rPr>
+            <a:t>Session1.script.js</a:t>
+          </a:r>
+          <a:endParaRPr lang="en-GB" sz="1200" dirty="0">
+            <a:solidFill>
+              <a:schemeClr val="bg1">
+                <a:lumMod val="50000"/>
+              </a:schemeClr>
+            </a:solidFill>
+          </a:endParaRPr>
+        </a:p>
+      </dgm:t>
+    </dgm:pt>
+    <dgm:pt modelId="{104B82BD-60F8-4705-9410-1A92324DD223}" type="parTrans" cxnId="{C40F9D2D-94C3-4608-B645-36A30087636E}">
+      <dgm:prSet/>
+      <dgm:spPr/>
+      <dgm:t>
+        <a:bodyPr/>
+        <a:lstStyle/>
+        <a:p>
+          <a:endParaRPr lang="en-GB"/>
+        </a:p>
+      </dgm:t>
+    </dgm:pt>
+    <dgm:pt modelId="{B9C578C1-2734-44A9-BD5B-96FCECB75FDB}" type="sibTrans" cxnId="{C40F9D2D-94C3-4608-B645-36A30087636E}">
+      <dgm:prSet/>
+      <dgm:spPr/>
+      <dgm:t>
+        <a:bodyPr/>
+        <a:lstStyle/>
+        <a:p>
+          <a:endParaRPr lang="en-GB"/>
+        </a:p>
+      </dgm:t>
+    </dgm:pt>
+    <dgm:pt modelId="{93A3A072-C16A-406C-99B9-CD23953D5599}">
+      <dgm:prSet phldrT="[Text]" custT="1"/>
+      <dgm:spPr>
+        <a:solidFill>
+          <a:schemeClr val="accent3">
+            <a:lumMod val="50000"/>
+          </a:schemeClr>
+        </a:solidFill>
+      </dgm:spPr>
+      <dgm:t>
+        <a:bodyPr/>
+        <a:lstStyle/>
+        <a:p>
+          <a:r>
+            <a:rPr lang="en-GB" sz="1200" b="1" dirty="0" smtClean="0"/>
+            <a:t>data/</a:t>
+          </a:r>
+          <a:endParaRPr lang="en-GB" sz="1200" b="1" dirty="0"/>
+        </a:p>
+      </dgm:t>
+    </dgm:pt>
+    <dgm:pt modelId="{2C008328-FD85-4AE4-91F1-9A943B010F73}" type="parTrans" cxnId="{7DB828BC-5981-487C-8C13-7DCA1901C223}">
+      <dgm:prSet/>
+      <dgm:spPr/>
+      <dgm:t>
+        <a:bodyPr/>
+        <a:lstStyle/>
+        <a:p>
+          <a:endParaRPr lang="en-GB"/>
+        </a:p>
+      </dgm:t>
+    </dgm:pt>
+    <dgm:pt modelId="{B78B0FDA-9C64-4149-A9EC-AAE291A09890}" type="sibTrans" cxnId="{7DB828BC-5981-487C-8C13-7DCA1901C223}">
+      <dgm:prSet/>
+      <dgm:spPr/>
+      <dgm:t>
+        <a:bodyPr/>
+        <a:lstStyle/>
+        <a:p>
+          <a:endParaRPr lang="en-GB"/>
+        </a:p>
+      </dgm:t>
+    </dgm:pt>
+    <dgm:pt modelId="{F6582A67-A139-4B74-A2EA-21A1C864407F}">
+      <dgm:prSet phldrT="[Text]" custT="1"/>
+      <dgm:spPr>
+        <a:solidFill>
+          <a:schemeClr val="accent1">
+            <a:lumMod val="40000"/>
+            <a:lumOff val="60000"/>
+          </a:schemeClr>
+        </a:solidFill>
+      </dgm:spPr>
+      <dgm:t>
+        <a:bodyPr/>
+        <a:lstStyle/>
+        <a:p>
+          <a:r>
+            <a:rPr lang="en-GB" sz="1200" b="1" dirty="0" smtClean="0">
+              <a:solidFill>
+                <a:schemeClr val="tx1"/>
+              </a:solidFill>
+            </a:rPr>
+            <a:t>TestData.xlsm</a:t>
+          </a:r>
+          <a:endParaRPr lang="en-GB" sz="1200" b="1" dirty="0"/>
+        </a:p>
+      </dgm:t>
+    </dgm:pt>
+    <dgm:pt modelId="{7ADFD6C0-7688-4607-A280-C83802679844}" type="parTrans" cxnId="{8389D00D-AD82-4E2D-8423-764E5FEB7066}">
+      <dgm:prSet/>
+      <dgm:spPr/>
+      <dgm:t>
+        <a:bodyPr/>
+        <a:lstStyle/>
+        <a:p>
+          <a:endParaRPr lang="en-GB"/>
+        </a:p>
+      </dgm:t>
+    </dgm:pt>
+    <dgm:pt modelId="{2770CE1B-680D-4E59-9ECF-945B95007EEA}" type="sibTrans" cxnId="{8389D00D-AD82-4E2D-8423-764E5FEB7066}">
+      <dgm:prSet/>
+      <dgm:spPr/>
+      <dgm:t>
+        <a:bodyPr/>
+        <a:lstStyle/>
+        <a:p>
+          <a:endParaRPr lang="en-GB"/>
+        </a:p>
+      </dgm:t>
+    </dgm:pt>
+    <dgm:pt modelId="{89F05746-7530-4AC5-8136-A9C4E5576ED2}">
+      <dgm:prSet phldrT="[Text]" custT="1"/>
+      <dgm:spPr>
+        <a:solidFill>
+          <a:schemeClr val="accent3">
+            <a:lumMod val="50000"/>
+          </a:schemeClr>
+        </a:solidFill>
+      </dgm:spPr>
+      <dgm:t>
+        <a:bodyPr/>
+        <a:lstStyle/>
+        <a:p>
+          <a:r>
+            <a:rPr lang="en-GB" sz="1200" b="1" dirty="0" err="1" smtClean="0"/>
+            <a:t>TestData</a:t>
+          </a:r>
+          <a:r>
+            <a:rPr lang="en-GB" sz="1200" b="1" dirty="0" smtClean="0"/>
+            <a:t>/</a:t>
+          </a:r>
+          <a:endParaRPr lang="en-GB" sz="1200" b="1" dirty="0"/>
+        </a:p>
+      </dgm:t>
+    </dgm:pt>
+    <dgm:pt modelId="{C3E03338-09AD-4F62-BBB1-D19C1FC1696F}" type="parTrans" cxnId="{C2BD3B88-2398-447A-9D43-F20FAE4C7FF4}">
+      <dgm:prSet/>
+      <dgm:spPr/>
+      <dgm:t>
+        <a:bodyPr/>
+        <a:lstStyle/>
+        <a:p>
+          <a:endParaRPr lang="en-GB"/>
+        </a:p>
+      </dgm:t>
+    </dgm:pt>
+    <dgm:pt modelId="{F126672B-7348-42A9-AD31-D78C28A8A341}" type="sibTrans" cxnId="{C2BD3B88-2398-447A-9D43-F20FAE4C7FF4}">
+      <dgm:prSet/>
+      <dgm:spPr/>
+      <dgm:t>
+        <a:bodyPr/>
+        <a:lstStyle/>
+        <a:p>
+          <a:endParaRPr lang="en-GB"/>
+        </a:p>
+      </dgm:t>
+    </dgm:pt>
+    <dgm:pt modelId="{81C85202-6A35-4EAB-9B10-2FB4EFE2B5C1}">
+      <dgm:prSet phldrT="[Text]" custT="1"/>
+      <dgm:spPr>
+        <a:solidFill>
+          <a:schemeClr val="accent1">
+            <a:lumMod val="40000"/>
+            <a:lumOff val="60000"/>
+          </a:schemeClr>
+        </a:solidFill>
+      </dgm:spPr>
+      <dgm:t>
+        <a:bodyPr/>
+        <a:lstStyle/>
+        <a:p>
+          <a:r>
+            <a:rPr lang="en-GB" sz="1200" dirty="0" smtClean="0">
+              <a:solidFill>
+                <a:schemeClr val="bg1">
+                  <a:lumMod val="50000"/>
+                </a:schemeClr>
+              </a:solidFill>
+            </a:rPr>
+            <a:t>LIVE.AngularJSYourName.data.js</a:t>
+          </a:r>
+          <a:endParaRPr lang="en-GB" sz="1200" dirty="0">
+            <a:solidFill>
+              <a:schemeClr val="bg1">
+                <a:lumMod val="50000"/>
+              </a:schemeClr>
+            </a:solidFill>
+          </a:endParaRPr>
+        </a:p>
+      </dgm:t>
+    </dgm:pt>
+    <dgm:pt modelId="{019FEC18-91AB-4546-8C6D-7D5C8CE8B8CE}" type="parTrans" cxnId="{85D676D2-F30B-47F5-B432-C177F4B214F0}">
+      <dgm:prSet/>
+      <dgm:spPr/>
+      <dgm:t>
+        <a:bodyPr/>
+        <a:lstStyle/>
+        <a:p>
+          <a:endParaRPr lang="en-GB"/>
+        </a:p>
+      </dgm:t>
+    </dgm:pt>
+    <dgm:pt modelId="{A8593AA4-04AE-4834-8D27-562720717B28}" type="sibTrans" cxnId="{85D676D2-F30B-47F5-B432-C177F4B214F0}">
       <dgm:prSet/>
       <dgm:spPr/>
       <dgm:t>
@@ -5413,8 +5459,43 @@
         </a:p>
       </dgm:t>
     </dgm:pt>
+    <dgm:pt modelId="{DBA4CA91-E385-4850-9C79-2C53D314572F}" type="pres">
+      <dgm:prSet presAssocID="{A9F767A8-41B4-407B-9C08-B566A1AC4927}" presName="conn2-1" presStyleLbl="parChTrans1D2" presStyleIdx="0" presStyleCnt="9"/>
+      <dgm:spPr/>
+    </dgm:pt>
+    <dgm:pt modelId="{D4F042F9-7F33-48B6-BE52-18A5504D12C6}" type="pres">
+      <dgm:prSet presAssocID="{A9F767A8-41B4-407B-9C08-B566A1AC4927}" presName="connTx" presStyleLbl="parChTrans1D2" presStyleIdx="0" presStyleCnt="9"/>
+      <dgm:spPr/>
+    </dgm:pt>
+    <dgm:pt modelId="{FD0A6A39-FE12-40F2-8604-5FE4F32AD643}" type="pres">
+      <dgm:prSet presAssocID="{7FDA7A2D-7937-4983-9070-9DF7C511A23B}" presName="root2" presStyleCnt="0"/>
+      <dgm:spPr/>
+    </dgm:pt>
+    <dgm:pt modelId="{6FF0C949-3F9D-4789-AC90-F1566F9E4506}" type="pres">
+      <dgm:prSet presAssocID="{7FDA7A2D-7937-4983-9070-9DF7C511A23B}" presName="LevelTwoTextNode" presStyleLbl="node2" presStyleIdx="0" presStyleCnt="9" custScaleX="112913">
+        <dgm:presLayoutVars>
+          <dgm:chPref val="3"/>
+        </dgm:presLayoutVars>
+      </dgm:prSet>
+      <dgm:spPr>
+        <a:prstGeom prst="flowChartDocument">
+          <a:avLst/>
+        </a:prstGeom>
+      </dgm:spPr>
+      <dgm:t>
+        <a:bodyPr/>
+        <a:lstStyle/>
+        <a:p>
+          <a:endParaRPr lang="en-GB"/>
+        </a:p>
+      </dgm:t>
+    </dgm:pt>
+    <dgm:pt modelId="{015FF68E-D38A-4796-B706-970B68D7D8C0}" type="pres">
+      <dgm:prSet presAssocID="{7FDA7A2D-7937-4983-9070-9DF7C511A23B}" presName="level3hierChild" presStyleCnt="0"/>
+      <dgm:spPr/>
+    </dgm:pt>
     <dgm:pt modelId="{7F012391-3332-4BCA-873A-034FD03600FE}" type="pres">
-      <dgm:prSet presAssocID="{1AD49B2B-CE49-4482-99A1-C3A65402D993}" presName="conn2-1" presStyleLbl="parChTrans1D2" presStyleIdx="0" presStyleCnt="9" custScaleX="2000000"/>
+      <dgm:prSet presAssocID="{1AD49B2B-CE49-4482-99A1-C3A65402D993}" presName="conn2-1" presStyleLbl="parChTrans1D2" presStyleIdx="1" presStyleCnt="9" custScaleX="2000000"/>
       <dgm:spPr/>
       <dgm:t>
         <a:bodyPr/>
@@ -5425,7 +5506,7 @@
       </dgm:t>
     </dgm:pt>
     <dgm:pt modelId="{8F67BFA0-5899-4F66-988A-B943E15B2679}" type="pres">
-      <dgm:prSet presAssocID="{1AD49B2B-CE49-4482-99A1-C3A65402D993}" presName="connTx" presStyleLbl="parChTrans1D2" presStyleIdx="0" presStyleCnt="9"/>
+      <dgm:prSet presAssocID="{1AD49B2B-CE49-4482-99A1-C3A65402D993}" presName="connTx" presStyleLbl="parChTrans1D2" presStyleIdx="1" presStyleCnt="9"/>
       <dgm:spPr/>
       <dgm:t>
         <a:bodyPr/>
@@ -5447,7 +5528,7 @@
       </dgm:t>
     </dgm:pt>
     <dgm:pt modelId="{31066EA5-3788-412A-8DFC-F65B6009BADF}" type="pres">
-      <dgm:prSet presAssocID="{B6B8F82E-09CD-4F01-834B-E97FC90C517D}" presName="LevelTwoTextNode" presStyleLbl="node2" presStyleIdx="0" presStyleCnt="9" custScaleX="112913">
+      <dgm:prSet presAssocID="{B6B8F82E-09CD-4F01-834B-E97FC90C517D}" presName="LevelTwoTextNode" presStyleLbl="node2" presStyleIdx="1" presStyleCnt="9" custScaleX="112913">
         <dgm:presLayoutVars>
           <dgm:chPref val="3"/>
         </dgm:presLayoutVars>
@@ -5477,7 +5558,7 @@
       </dgm:t>
     </dgm:pt>
     <dgm:pt modelId="{713DFD89-4B6B-47B2-8203-544899CE5C74}" type="pres">
-      <dgm:prSet presAssocID="{303742BD-6784-441F-93B8-679D96BEDC3D}" presName="conn2-1" presStyleLbl="parChTrans1D2" presStyleIdx="1" presStyleCnt="9" custScaleX="2000000"/>
+      <dgm:prSet presAssocID="{303742BD-6784-441F-93B8-679D96BEDC3D}" presName="conn2-1" presStyleLbl="parChTrans1D2" presStyleIdx="2" presStyleCnt="9" custScaleX="2000000"/>
       <dgm:spPr/>
       <dgm:t>
         <a:bodyPr/>
@@ -5488,7 +5569,7 @@
       </dgm:t>
     </dgm:pt>
     <dgm:pt modelId="{771C85E9-EA07-4D9D-82E2-641FCFAA20BC}" type="pres">
-      <dgm:prSet presAssocID="{303742BD-6784-441F-93B8-679D96BEDC3D}" presName="connTx" presStyleLbl="parChTrans1D2" presStyleIdx="1" presStyleCnt="9"/>
+      <dgm:prSet presAssocID="{303742BD-6784-441F-93B8-679D96BEDC3D}" presName="connTx" presStyleLbl="parChTrans1D2" presStyleIdx="2" presStyleCnt="9"/>
       <dgm:spPr/>
       <dgm:t>
         <a:bodyPr/>
@@ -5510,7 +5591,7 @@
       </dgm:t>
     </dgm:pt>
     <dgm:pt modelId="{548BEBB0-D16C-432C-B6DC-C7FC389D01DC}" type="pres">
-      <dgm:prSet presAssocID="{1156188F-2B8C-4396-9898-051C2329E1C5}" presName="LevelTwoTextNode" presStyleLbl="node2" presStyleIdx="1" presStyleCnt="9" custScaleX="112913">
+      <dgm:prSet presAssocID="{1156188F-2B8C-4396-9898-051C2329E1C5}" presName="LevelTwoTextNode" presStyleLbl="node2" presStyleIdx="2" presStyleCnt="9" custScaleX="112913">
         <dgm:presLayoutVars>
           <dgm:chPref val="3"/>
         </dgm:presLayoutVars>
@@ -5603,7 +5684,7 @@
       </dgm:t>
     </dgm:pt>
     <dgm:pt modelId="{57C8A3E4-7C9A-43C4-9524-3ECCF2EC63A7}" type="pres">
-      <dgm:prSet presAssocID="{950E381D-ED7E-4D83-A4B8-8568AB6025F9}" presName="conn2-1" presStyleLbl="parChTrans1D2" presStyleIdx="2" presStyleCnt="9" custScaleX="2000000"/>
+      <dgm:prSet presAssocID="{950E381D-ED7E-4D83-A4B8-8568AB6025F9}" presName="conn2-1" presStyleLbl="parChTrans1D2" presStyleIdx="3" presStyleCnt="9" custScaleX="2000000"/>
       <dgm:spPr/>
       <dgm:t>
         <a:bodyPr/>
@@ -5614,7 +5695,7 @@
       </dgm:t>
     </dgm:pt>
     <dgm:pt modelId="{09D12B51-B6C7-4DC6-B49C-FFFA5368F147}" type="pres">
-      <dgm:prSet presAssocID="{950E381D-ED7E-4D83-A4B8-8568AB6025F9}" presName="connTx" presStyleLbl="parChTrans1D2" presStyleIdx="2" presStyleCnt="9"/>
+      <dgm:prSet presAssocID="{950E381D-ED7E-4D83-A4B8-8568AB6025F9}" presName="connTx" presStyleLbl="parChTrans1D2" presStyleIdx="3" presStyleCnt="9"/>
       <dgm:spPr/>
       <dgm:t>
         <a:bodyPr/>
@@ -5636,7 +5717,7 @@
       </dgm:t>
     </dgm:pt>
     <dgm:pt modelId="{A5B26C97-0E77-41FA-A583-0CC5586F7601}" type="pres">
-      <dgm:prSet presAssocID="{A4ADDFF1-7882-423C-AA64-6F9186D451D8}" presName="LevelTwoTextNode" presStyleLbl="node2" presStyleIdx="2" presStyleCnt="9" custScaleX="112913">
+      <dgm:prSet presAssocID="{A4ADDFF1-7882-423C-AA64-6F9186D451D8}" presName="LevelTwoTextNode" presStyleLbl="node2" presStyleIdx="3" presStyleCnt="9" custScaleX="112913">
         <dgm:presLayoutVars>
           <dgm:chPref val="3"/>
         </dgm:presLayoutVars>
@@ -5729,7 +5810,7 @@
       </dgm:t>
     </dgm:pt>
     <dgm:pt modelId="{8AE0D171-6F72-469E-B5C6-F9E7C296DEDB}" type="pres">
-      <dgm:prSet presAssocID="{ECB0ED73-865F-4932-9831-3E4B37074419}" presName="conn2-1" presStyleLbl="parChTrans1D2" presStyleIdx="3" presStyleCnt="9" custScaleX="2000000"/>
+      <dgm:prSet presAssocID="{ECB0ED73-865F-4932-9831-3E4B37074419}" presName="conn2-1" presStyleLbl="parChTrans1D2" presStyleIdx="4" presStyleCnt="9" custScaleX="2000000"/>
       <dgm:spPr/>
       <dgm:t>
         <a:bodyPr/>
@@ -5740,7 +5821,7 @@
       </dgm:t>
     </dgm:pt>
     <dgm:pt modelId="{94E6744A-2397-490C-9C52-22C4C5813703}" type="pres">
-      <dgm:prSet presAssocID="{ECB0ED73-865F-4932-9831-3E4B37074419}" presName="connTx" presStyleLbl="parChTrans1D2" presStyleIdx="3" presStyleCnt="9"/>
+      <dgm:prSet presAssocID="{ECB0ED73-865F-4932-9831-3E4B37074419}" presName="connTx" presStyleLbl="parChTrans1D2" presStyleIdx="4" presStyleCnt="9"/>
       <dgm:spPr/>
       <dgm:t>
         <a:bodyPr/>
@@ -5762,7 +5843,7 @@
       </dgm:t>
     </dgm:pt>
     <dgm:pt modelId="{0A31862F-7E3F-46A2-99D4-B96370DB3536}" type="pres">
-      <dgm:prSet presAssocID="{8AEEA6EE-B10B-493B-AC72-ABCB89445B81}" presName="LevelTwoTextNode" presStyleLbl="node2" presStyleIdx="3" presStyleCnt="9" custScaleX="112913">
+      <dgm:prSet presAssocID="{8AEEA6EE-B10B-493B-AC72-ABCB89445B81}" presName="LevelTwoTextNode" presStyleLbl="node2" presStyleIdx="4" presStyleCnt="9" custScaleX="112913">
         <dgm:presLayoutVars>
           <dgm:chPref val="3"/>
         </dgm:presLayoutVars>
@@ -5854,550 +5935,8 @@
         </a:p>
       </dgm:t>
     </dgm:pt>
-    <dgm:pt modelId="{064AC099-D32D-4278-BEE3-BFD4EF1F841F}" type="pres">
-      <dgm:prSet presAssocID="{45DF46FE-5552-4308-A066-84250BE98403}" presName="conn2-1" presStyleLbl="parChTrans1D2" presStyleIdx="4" presStyleCnt="9" custScaleX="2000000"/>
-      <dgm:spPr/>
-      <dgm:t>
-        <a:bodyPr/>
-        <a:lstStyle/>
-        <a:p>
-          <a:endParaRPr lang="en-GB"/>
-        </a:p>
-      </dgm:t>
-    </dgm:pt>
-    <dgm:pt modelId="{BFEC901C-22E4-4D42-8427-77359DF98E38}" type="pres">
-      <dgm:prSet presAssocID="{45DF46FE-5552-4308-A066-84250BE98403}" presName="connTx" presStyleLbl="parChTrans1D2" presStyleIdx="4" presStyleCnt="9"/>
-      <dgm:spPr/>
-      <dgm:t>
-        <a:bodyPr/>
-        <a:lstStyle/>
-        <a:p>
-          <a:endParaRPr lang="en-GB"/>
-        </a:p>
-      </dgm:t>
-    </dgm:pt>
-    <dgm:pt modelId="{27E869EF-63E5-4976-864E-E83089219957}" type="pres">
-      <dgm:prSet presAssocID="{2074BDB5-1D06-422A-B45B-78C9FD3A9D32}" presName="root2" presStyleCnt="0"/>
-      <dgm:spPr/>
-      <dgm:t>
-        <a:bodyPr/>
-        <a:lstStyle/>
-        <a:p>
-          <a:endParaRPr lang="en-GB"/>
-        </a:p>
-      </dgm:t>
-    </dgm:pt>
-    <dgm:pt modelId="{EB125274-52C0-4A02-8826-AB14A67FBF68}" type="pres">
-      <dgm:prSet presAssocID="{2074BDB5-1D06-422A-B45B-78C9FD3A9D32}" presName="LevelTwoTextNode" presStyleLbl="node2" presStyleIdx="4" presStyleCnt="9" custScaleX="112913">
-        <dgm:presLayoutVars>
-          <dgm:chPref val="3"/>
-        </dgm:presLayoutVars>
-      </dgm:prSet>
-      <dgm:spPr>
-        <a:prstGeom prst="snip1Rect">
-          <a:avLst/>
-        </a:prstGeom>
-      </dgm:spPr>
-      <dgm:t>
-        <a:bodyPr/>
-        <a:lstStyle/>
-        <a:p>
-          <a:endParaRPr lang="en-GB"/>
-        </a:p>
-      </dgm:t>
-    </dgm:pt>
-    <dgm:pt modelId="{91840B3D-D4F2-4606-9E57-301905B0F100}" type="pres">
-      <dgm:prSet presAssocID="{2074BDB5-1D06-422A-B45B-78C9FD3A9D32}" presName="level3hierChild" presStyleCnt="0"/>
-      <dgm:spPr/>
-      <dgm:t>
-        <a:bodyPr/>
-        <a:lstStyle/>
-        <a:p>
-          <a:endParaRPr lang="en-GB"/>
-        </a:p>
-      </dgm:t>
-    </dgm:pt>
-    <dgm:pt modelId="{0D74CEF3-9335-4B23-98D6-9ADDEA51D7F9}" type="pres">
-      <dgm:prSet presAssocID="{24F8A180-91FD-4857-8800-1B193E7B5E68}" presName="conn2-1" presStyleLbl="parChTrans1D3" presStyleIdx="3" presStyleCnt="9"/>
-      <dgm:spPr/>
-      <dgm:t>
-        <a:bodyPr/>
-        <a:lstStyle/>
-        <a:p>
-          <a:endParaRPr lang="en-GB"/>
-        </a:p>
-      </dgm:t>
-    </dgm:pt>
-    <dgm:pt modelId="{567A8510-BCF0-4F9A-9060-73BFD0AFD777}" type="pres">
-      <dgm:prSet presAssocID="{24F8A180-91FD-4857-8800-1B193E7B5E68}" presName="connTx" presStyleLbl="parChTrans1D3" presStyleIdx="3" presStyleCnt="9"/>
-      <dgm:spPr/>
-      <dgm:t>
-        <a:bodyPr/>
-        <a:lstStyle/>
-        <a:p>
-          <a:endParaRPr lang="en-GB"/>
-        </a:p>
-      </dgm:t>
-    </dgm:pt>
-    <dgm:pt modelId="{6F8D81B8-0BD4-403C-BF7D-605A2BEAD89F}" type="pres">
-      <dgm:prSet presAssocID="{6F8F7E8C-B811-4B12-AABD-CF8B632A3E0C}" presName="root2" presStyleCnt="0"/>
-      <dgm:spPr/>
-    </dgm:pt>
-    <dgm:pt modelId="{D3B2807E-2D00-4BBB-B68D-AB005D2F6015}" type="pres">
-      <dgm:prSet presAssocID="{6F8F7E8C-B811-4B12-AABD-CF8B632A3E0C}" presName="LevelTwoTextNode" presStyleLbl="node3" presStyleIdx="3" presStyleCnt="9" custScaleX="153573">
-        <dgm:presLayoutVars>
-          <dgm:chPref val="3"/>
-        </dgm:presLayoutVars>
-      </dgm:prSet>
-      <dgm:spPr>
-        <a:prstGeom prst="flowChartMultidocument">
-          <a:avLst/>
-        </a:prstGeom>
-      </dgm:spPr>
-      <dgm:t>
-        <a:bodyPr/>
-        <a:lstStyle/>
-        <a:p>
-          <a:endParaRPr lang="en-GB"/>
-        </a:p>
-      </dgm:t>
-    </dgm:pt>
-    <dgm:pt modelId="{9BFC1412-46F1-469A-9367-68D9850BC305}" type="pres">
-      <dgm:prSet presAssocID="{6F8F7E8C-B811-4B12-AABD-CF8B632A3E0C}" presName="level3hierChild" presStyleCnt="0"/>
-      <dgm:spPr/>
-    </dgm:pt>
-    <dgm:pt modelId="{26936758-9DAB-4781-9F1B-CA9EEBD18245}" type="pres">
-      <dgm:prSet presAssocID="{06B43761-256B-49F9-ACEE-56B0392FC81A}" presName="conn2-1" presStyleLbl="parChTrans1D3" presStyleIdx="4" presStyleCnt="9"/>
-      <dgm:spPr/>
-      <dgm:t>
-        <a:bodyPr/>
-        <a:lstStyle/>
-        <a:p>
-          <a:endParaRPr lang="en-GB"/>
-        </a:p>
-      </dgm:t>
-    </dgm:pt>
-    <dgm:pt modelId="{1BCD8A5B-C559-4EB4-A181-899C76ED3F1B}" type="pres">
-      <dgm:prSet presAssocID="{06B43761-256B-49F9-ACEE-56B0392FC81A}" presName="connTx" presStyleLbl="parChTrans1D3" presStyleIdx="4" presStyleCnt="9"/>
-      <dgm:spPr/>
-      <dgm:t>
-        <a:bodyPr/>
-        <a:lstStyle/>
-        <a:p>
-          <a:endParaRPr lang="en-GB"/>
-        </a:p>
-      </dgm:t>
-    </dgm:pt>
-    <dgm:pt modelId="{8162A29A-8510-401F-AF6F-7777E7F725A3}" type="pres">
-      <dgm:prSet presAssocID="{37EC1EA4-ACA7-4ABD-B5B5-A17145C565E3}" presName="root2" presStyleCnt="0"/>
-      <dgm:spPr/>
-    </dgm:pt>
-    <dgm:pt modelId="{47C09220-D8AF-482D-A8EF-E0E0574EBB2F}" type="pres">
-      <dgm:prSet presAssocID="{37EC1EA4-ACA7-4ABD-B5B5-A17145C565E3}" presName="LevelTwoTextNode" presStyleLbl="node3" presStyleIdx="4" presStyleCnt="9" custScaleX="112913" custLinFactNeighborX="-310">
-        <dgm:presLayoutVars>
-          <dgm:chPref val="3"/>
-        </dgm:presLayoutVars>
-      </dgm:prSet>
-      <dgm:spPr>
-        <a:prstGeom prst="snip1Rect">
-          <a:avLst/>
-        </a:prstGeom>
-      </dgm:spPr>
-      <dgm:t>
-        <a:bodyPr/>
-        <a:lstStyle/>
-        <a:p>
-          <a:endParaRPr lang="en-GB"/>
-        </a:p>
-      </dgm:t>
-    </dgm:pt>
-    <dgm:pt modelId="{C2DF1C32-04DF-4CEC-B0C7-65C05AF5453E}" type="pres">
-      <dgm:prSet presAssocID="{37EC1EA4-ACA7-4ABD-B5B5-A17145C565E3}" presName="level3hierChild" presStyleCnt="0"/>
-      <dgm:spPr/>
-    </dgm:pt>
-    <dgm:pt modelId="{BFE6B8CB-9F7C-4749-8551-B221692DA4A1}" type="pres">
-      <dgm:prSet presAssocID="{69D32B0C-CC73-4041-8EB4-7ECB98363973}" presName="conn2-1" presStyleLbl="parChTrans1D4" presStyleIdx="0" presStyleCnt="3" custScaleX="2000000"/>
-      <dgm:spPr/>
-      <dgm:t>
-        <a:bodyPr/>
-        <a:lstStyle/>
-        <a:p>
-          <a:endParaRPr lang="en-GB"/>
-        </a:p>
-      </dgm:t>
-    </dgm:pt>
-    <dgm:pt modelId="{842A7FF0-811E-408E-B9A8-59EE86BF36C3}" type="pres">
-      <dgm:prSet presAssocID="{69D32B0C-CC73-4041-8EB4-7ECB98363973}" presName="connTx" presStyleLbl="parChTrans1D4" presStyleIdx="0" presStyleCnt="3"/>
-      <dgm:spPr/>
-      <dgm:t>
-        <a:bodyPr/>
-        <a:lstStyle/>
-        <a:p>
-          <a:endParaRPr lang="en-GB"/>
-        </a:p>
-      </dgm:t>
-    </dgm:pt>
-    <dgm:pt modelId="{38CE1C75-D8E8-4946-8AA9-962C401DC149}" type="pres">
-      <dgm:prSet presAssocID="{558E9BE2-A6B2-4E85-921C-9FD684EA2FD7}" presName="root2" presStyleCnt="0"/>
-      <dgm:spPr/>
-    </dgm:pt>
-    <dgm:pt modelId="{1A4EAC15-35BF-4DF8-915E-FE48D53012CE}" type="pres">
-      <dgm:prSet presAssocID="{558E9BE2-A6B2-4E85-921C-9FD684EA2FD7}" presName="LevelTwoTextNode" presStyleLbl="node4" presStyleIdx="0" presStyleCnt="3" custScaleX="185839" custLinFactNeighborX="18012">
-        <dgm:presLayoutVars>
-          <dgm:chPref val="3"/>
-        </dgm:presLayoutVars>
-      </dgm:prSet>
-      <dgm:spPr>
-        <a:prstGeom prst="flowChartMultidocument">
-          <a:avLst/>
-        </a:prstGeom>
-      </dgm:spPr>
-      <dgm:t>
-        <a:bodyPr/>
-        <a:lstStyle/>
-        <a:p>
-          <a:endParaRPr lang="en-GB"/>
-        </a:p>
-      </dgm:t>
-    </dgm:pt>
-    <dgm:pt modelId="{5FB52C02-C0DA-4A12-AE35-442A6AA65D39}" type="pres">
-      <dgm:prSet presAssocID="{558E9BE2-A6B2-4E85-921C-9FD684EA2FD7}" presName="level3hierChild" presStyleCnt="0"/>
-      <dgm:spPr/>
-    </dgm:pt>
-    <dgm:pt modelId="{E0E86F4F-9ECB-400B-9239-FDD1022B52B7}" type="pres">
-      <dgm:prSet presAssocID="{5C6EAECC-8A47-475F-ACA6-E09A3CB62EA0}" presName="conn2-1" presStyleLbl="parChTrans1D4" presStyleIdx="1" presStyleCnt="3" custScaleX="2000000"/>
-      <dgm:spPr/>
-      <dgm:t>
-        <a:bodyPr/>
-        <a:lstStyle/>
-        <a:p>
-          <a:endParaRPr lang="en-GB"/>
-        </a:p>
-      </dgm:t>
-    </dgm:pt>
-    <dgm:pt modelId="{74FE04A5-0ACE-4AE9-9389-E8B1F70860CC}" type="pres">
-      <dgm:prSet presAssocID="{5C6EAECC-8A47-475F-ACA6-E09A3CB62EA0}" presName="connTx" presStyleLbl="parChTrans1D4" presStyleIdx="1" presStyleCnt="3"/>
-      <dgm:spPr/>
-      <dgm:t>
-        <a:bodyPr/>
-        <a:lstStyle/>
-        <a:p>
-          <a:endParaRPr lang="en-GB"/>
-        </a:p>
-      </dgm:t>
-    </dgm:pt>
-    <dgm:pt modelId="{F466AF56-AE71-4206-BC4E-0683EA79EF4D}" type="pres">
-      <dgm:prSet presAssocID="{DF7503A4-9748-46BE-BE4E-64ECDC4FBBB9}" presName="root2" presStyleCnt="0"/>
-      <dgm:spPr/>
-    </dgm:pt>
-    <dgm:pt modelId="{D4C30831-3188-44F0-B926-9FEBEF4AA72D}" type="pres">
-      <dgm:prSet presAssocID="{DF7503A4-9748-46BE-BE4E-64ECDC4FBBB9}" presName="LevelTwoTextNode" presStyleLbl="node4" presStyleIdx="1" presStyleCnt="3" custScaleX="185839" custLinFactNeighborX="18012">
-        <dgm:presLayoutVars>
-          <dgm:chPref val="3"/>
-        </dgm:presLayoutVars>
-      </dgm:prSet>
-      <dgm:spPr>
-        <a:prstGeom prst="flowChartMultidocument">
-          <a:avLst/>
-        </a:prstGeom>
-      </dgm:spPr>
-      <dgm:t>
-        <a:bodyPr/>
-        <a:lstStyle/>
-        <a:p>
-          <a:endParaRPr lang="en-GB"/>
-        </a:p>
-      </dgm:t>
-    </dgm:pt>
-    <dgm:pt modelId="{60A354C7-FCBE-48C2-A3C3-637151A8B3A5}" type="pres">
-      <dgm:prSet presAssocID="{DF7503A4-9748-46BE-BE4E-64ECDC4FBBB9}" presName="level3hierChild" presStyleCnt="0"/>
-      <dgm:spPr/>
-    </dgm:pt>
-    <dgm:pt modelId="{243F0976-F465-4195-A98A-24EBB1E78465}" type="pres">
-      <dgm:prSet presAssocID="{AF2E6075-12BB-44F9-B338-5D2CF97E2C60}" presName="conn2-1" presStyleLbl="parChTrans1D2" presStyleIdx="5" presStyleCnt="9"/>
-      <dgm:spPr/>
-      <dgm:t>
-        <a:bodyPr/>
-        <a:lstStyle/>
-        <a:p>
-          <a:endParaRPr lang="en-GB"/>
-        </a:p>
-      </dgm:t>
-    </dgm:pt>
-    <dgm:pt modelId="{8BEA92FD-7AA7-4C54-A363-77F672F47FAD}" type="pres">
-      <dgm:prSet presAssocID="{AF2E6075-12BB-44F9-B338-5D2CF97E2C60}" presName="connTx" presStyleLbl="parChTrans1D2" presStyleIdx="5" presStyleCnt="9"/>
-      <dgm:spPr/>
-      <dgm:t>
-        <a:bodyPr/>
-        <a:lstStyle/>
-        <a:p>
-          <a:endParaRPr lang="en-GB"/>
-        </a:p>
-      </dgm:t>
-    </dgm:pt>
-    <dgm:pt modelId="{E1866E84-D7A7-4CAA-9A14-529A3179A5E7}" type="pres">
-      <dgm:prSet presAssocID="{75BE9B0B-2BDB-463F-BE9D-C31D09866519}" presName="root2" presStyleCnt="0"/>
-      <dgm:spPr/>
-    </dgm:pt>
-    <dgm:pt modelId="{9FC171B3-9375-4F0A-989D-6E293A8A8369}" type="pres">
-      <dgm:prSet presAssocID="{75BE9B0B-2BDB-463F-BE9D-C31D09866519}" presName="LevelTwoTextNode" presStyleLbl="node2" presStyleIdx="5" presStyleCnt="9">
-        <dgm:presLayoutVars>
-          <dgm:chPref val="3"/>
-        </dgm:presLayoutVars>
-      </dgm:prSet>
-      <dgm:spPr/>
-      <dgm:t>
-        <a:bodyPr/>
-        <a:lstStyle/>
-        <a:p>
-          <a:endParaRPr lang="en-GB"/>
-        </a:p>
-      </dgm:t>
-    </dgm:pt>
-    <dgm:pt modelId="{007FDE6A-2CA4-4373-8639-2382C4B7E1EB}" type="pres">
-      <dgm:prSet presAssocID="{75BE9B0B-2BDB-463F-BE9D-C31D09866519}" presName="level3hierChild" presStyleCnt="0"/>
-      <dgm:spPr/>
-    </dgm:pt>
-    <dgm:pt modelId="{EED7BC17-370A-4425-8FB3-91D3F62D87AC}" type="pres">
-      <dgm:prSet presAssocID="{AD4B420A-E960-4C56-904D-B17CBDF70A3B}" presName="conn2-1" presStyleLbl="parChTrans1D3" presStyleIdx="5" presStyleCnt="9"/>
-      <dgm:spPr/>
-      <dgm:t>
-        <a:bodyPr/>
-        <a:lstStyle/>
-        <a:p>
-          <a:endParaRPr lang="en-GB"/>
-        </a:p>
-      </dgm:t>
-    </dgm:pt>
-    <dgm:pt modelId="{3F46C014-7FFA-4A99-B0F2-7B36FACEBAB0}" type="pres">
-      <dgm:prSet presAssocID="{AD4B420A-E960-4C56-904D-B17CBDF70A3B}" presName="connTx" presStyleLbl="parChTrans1D3" presStyleIdx="5" presStyleCnt="9"/>
-      <dgm:spPr/>
-      <dgm:t>
-        <a:bodyPr/>
-        <a:lstStyle/>
-        <a:p>
-          <a:endParaRPr lang="en-GB"/>
-        </a:p>
-      </dgm:t>
-    </dgm:pt>
-    <dgm:pt modelId="{AE2A95FD-17BE-4187-B462-B0A7F570B853}" type="pres">
-      <dgm:prSet presAssocID="{3A2E7E30-0D97-4988-AEC1-EA43BF7AE0B4}" presName="root2" presStyleCnt="0"/>
-      <dgm:spPr/>
-    </dgm:pt>
-    <dgm:pt modelId="{3300BBCC-6AC9-4DD6-9568-E0A5DA875C00}" type="pres">
-      <dgm:prSet presAssocID="{3A2E7E30-0D97-4988-AEC1-EA43BF7AE0B4}" presName="LevelTwoTextNode" presStyleLbl="node3" presStyleIdx="5" presStyleCnt="9" custScaleX="112913" custLinFactNeighborX="13746">
-        <dgm:presLayoutVars>
-          <dgm:chPref val="3"/>
-        </dgm:presLayoutVars>
-      </dgm:prSet>
-      <dgm:spPr>
-        <a:prstGeom prst="flowChartDocument">
-          <a:avLst/>
-        </a:prstGeom>
-      </dgm:spPr>
-      <dgm:t>
-        <a:bodyPr/>
-        <a:lstStyle/>
-        <a:p>
-          <a:endParaRPr lang="en-GB"/>
-        </a:p>
-      </dgm:t>
-    </dgm:pt>
-    <dgm:pt modelId="{BB4DA326-B03E-45E9-81A3-4ED250D74967}" type="pres">
-      <dgm:prSet presAssocID="{3A2E7E30-0D97-4988-AEC1-EA43BF7AE0B4}" presName="level3hierChild" presStyleCnt="0"/>
-      <dgm:spPr/>
-    </dgm:pt>
-    <dgm:pt modelId="{5DD0E4A8-000C-499E-915B-3F505C9926E8}" type="pres">
-      <dgm:prSet presAssocID="{07427257-7B7F-437A-A691-85AFD6F2228C}" presName="conn2-1" presStyleLbl="parChTrans1D3" presStyleIdx="6" presStyleCnt="9" custScaleX="2000000"/>
-      <dgm:spPr/>
-      <dgm:t>
-        <a:bodyPr/>
-        <a:lstStyle/>
-        <a:p>
-          <a:endParaRPr lang="en-GB"/>
-        </a:p>
-      </dgm:t>
-    </dgm:pt>
-    <dgm:pt modelId="{5FE8D906-13BB-4994-997F-60B4BEDC516D}" type="pres">
-      <dgm:prSet presAssocID="{07427257-7B7F-437A-A691-85AFD6F2228C}" presName="connTx" presStyleLbl="parChTrans1D3" presStyleIdx="6" presStyleCnt="9"/>
-      <dgm:spPr/>
-      <dgm:t>
-        <a:bodyPr/>
-        <a:lstStyle/>
-        <a:p>
-          <a:endParaRPr lang="en-GB"/>
-        </a:p>
-      </dgm:t>
-    </dgm:pt>
-    <dgm:pt modelId="{90C9AA81-F7A0-4A7A-95C4-997C68A96FFA}" type="pres">
-      <dgm:prSet presAssocID="{B5EB50BD-139D-4A8E-BB05-9ABBC2CBC816}" presName="root2" presStyleCnt="0"/>
-      <dgm:spPr/>
-      <dgm:t>
-        <a:bodyPr/>
-        <a:lstStyle/>
-        <a:p>
-          <a:endParaRPr lang="en-GB"/>
-        </a:p>
-      </dgm:t>
-    </dgm:pt>
-    <dgm:pt modelId="{386D4363-5B6C-48F8-8046-C063024F0CD4}" type="pres">
-      <dgm:prSet presAssocID="{B5EB50BD-139D-4A8E-BB05-9ABBC2CBC816}" presName="LevelTwoTextNode" presStyleLbl="node3" presStyleIdx="6" presStyleCnt="9" custScaleX="112913" custLinFactNeighborX="13746">
-        <dgm:presLayoutVars>
-          <dgm:chPref val="3"/>
-        </dgm:presLayoutVars>
-      </dgm:prSet>
-      <dgm:spPr>
-        <a:prstGeom prst="snip1Rect">
-          <a:avLst/>
-        </a:prstGeom>
-      </dgm:spPr>
-      <dgm:t>
-        <a:bodyPr/>
-        <a:lstStyle/>
-        <a:p>
-          <a:endParaRPr lang="en-GB"/>
-        </a:p>
-      </dgm:t>
-    </dgm:pt>
-    <dgm:pt modelId="{C1BA67B5-1C61-44F8-8111-8942FA90E5BD}" type="pres">
-      <dgm:prSet presAssocID="{B5EB50BD-139D-4A8E-BB05-9ABBC2CBC816}" presName="level3hierChild" presStyleCnt="0"/>
-      <dgm:spPr/>
-      <dgm:t>
-        <a:bodyPr/>
-        <a:lstStyle/>
-        <a:p>
-          <a:endParaRPr lang="en-GB"/>
-        </a:p>
-      </dgm:t>
-    </dgm:pt>
-    <dgm:pt modelId="{A400F115-1E3B-44F8-8D1E-40E47E660FAF}" type="pres">
-      <dgm:prSet presAssocID="{2D57EFD5-DB3D-4156-A3F7-2D8E61616C45}" presName="conn2-1" presStyleLbl="parChTrans1D4" presStyleIdx="2" presStyleCnt="3" custScaleX="2000000"/>
-      <dgm:spPr/>
-      <dgm:t>
-        <a:bodyPr/>
-        <a:lstStyle/>
-        <a:p>
-          <a:endParaRPr lang="en-GB"/>
-        </a:p>
-      </dgm:t>
-    </dgm:pt>
-    <dgm:pt modelId="{88C98D39-914E-476B-A9DB-31880AF3EEFA}" type="pres">
-      <dgm:prSet presAssocID="{2D57EFD5-DB3D-4156-A3F7-2D8E61616C45}" presName="connTx" presStyleLbl="parChTrans1D4" presStyleIdx="2" presStyleCnt="3"/>
-      <dgm:spPr/>
-      <dgm:t>
-        <a:bodyPr/>
-        <a:lstStyle/>
-        <a:p>
-          <a:endParaRPr lang="en-GB"/>
-        </a:p>
-      </dgm:t>
-    </dgm:pt>
-    <dgm:pt modelId="{CAFF1931-6B63-48EC-93D5-5DDCAEA69617}" type="pres">
-      <dgm:prSet presAssocID="{18D34A5D-5386-4676-A8EE-8B438C23CD72}" presName="root2" presStyleCnt="0"/>
-      <dgm:spPr/>
-      <dgm:t>
-        <a:bodyPr/>
-        <a:lstStyle/>
-        <a:p>
-          <a:endParaRPr lang="en-GB"/>
-        </a:p>
-      </dgm:t>
-    </dgm:pt>
-    <dgm:pt modelId="{29DBE660-6C98-40EF-8C86-F54F31F8182B}" type="pres">
-      <dgm:prSet presAssocID="{18D34A5D-5386-4676-A8EE-8B438C23CD72}" presName="LevelTwoTextNode" presStyleLbl="node4" presStyleIdx="2" presStyleCnt="3" custScaleX="209266" custLinFactNeighborX="30336">
-        <dgm:presLayoutVars>
-          <dgm:chPref val="3"/>
-        </dgm:presLayoutVars>
-      </dgm:prSet>
-      <dgm:spPr>
-        <a:prstGeom prst="flowChartMultidocument">
-          <a:avLst/>
-        </a:prstGeom>
-      </dgm:spPr>
-      <dgm:t>
-        <a:bodyPr/>
-        <a:lstStyle/>
-        <a:p>
-          <a:endParaRPr lang="en-GB"/>
-        </a:p>
-      </dgm:t>
-    </dgm:pt>
-    <dgm:pt modelId="{A64CB312-511F-4201-8D40-7CA7AD027BAE}" type="pres">
-      <dgm:prSet presAssocID="{18D34A5D-5386-4676-A8EE-8B438C23CD72}" presName="level3hierChild" presStyleCnt="0"/>
-      <dgm:spPr/>
-      <dgm:t>
-        <a:bodyPr/>
-        <a:lstStyle/>
-        <a:p>
-          <a:endParaRPr lang="en-GB"/>
-        </a:p>
-      </dgm:t>
-    </dgm:pt>
-    <dgm:pt modelId="{F7509987-79F8-422F-86DB-9BD48BBE0910}" type="pres">
-      <dgm:prSet presAssocID="{D4EB8AF8-10F2-4E4D-BBD0-522BA8DC214B}" presName="conn2-1" presStyleLbl="parChTrans1D2" presStyleIdx="6" presStyleCnt="9" custScaleX="2000000"/>
-      <dgm:spPr/>
-      <dgm:t>
-        <a:bodyPr/>
-        <a:lstStyle/>
-        <a:p>
-          <a:endParaRPr lang="en-GB"/>
-        </a:p>
-      </dgm:t>
-    </dgm:pt>
-    <dgm:pt modelId="{F2ED5852-3CED-4262-ABB1-DF46CF491E0B}" type="pres">
-      <dgm:prSet presAssocID="{D4EB8AF8-10F2-4E4D-BBD0-522BA8DC214B}" presName="connTx" presStyleLbl="parChTrans1D2" presStyleIdx="6" presStyleCnt="9"/>
-      <dgm:spPr/>
-      <dgm:t>
-        <a:bodyPr/>
-        <a:lstStyle/>
-        <a:p>
-          <a:endParaRPr lang="en-GB"/>
-        </a:p>
-      </dgm:t>
-    </dgm:pt>
-    <dgm:pt modelId="{5BD5D1C9-11CC-4BE2-8CAB-CAE463194B19}" type="pres">
-      <dgm:prSet presAssocID="{23D88E99-9DEC-41CD-B88B-F00127A2CB99}" presName="root2" presStyleCnt="0"/>
-      <dgm:spPr/>
-      <dgm:t>
-        <a:bodyPr/>
-        <a:lstStyle/>
-        <a:p>
-          <a:endParaRPr lang="en-GB"/>
-        </a:p>
-      </dgm:t>
-    </dgm:pt>
-    <dgm:pt modelId="{DB581C1F-BBD5-4295-8422-3423C0CC7014}" type="pres">
-      <dgm:prSet presAssocID="{23D88E99-9DEC-41CD-B88B-F00127A2CB99}" presName="LevelTwoTextNode" presStyleLbl="node2" presStyleIdx="6" presStyleCnt="9" custScaleX="112913">
-        <dgm:presLayoutVars>
-          <dgm:chPref val="3"/>
-        </dgm:presLayoutVars>
-      </dgm:prSet>
-      <dgm:spPr>
-        <a:prstGeom prst="flowChartDocument">
-          <a:avLst/>
-        </a:prstGeom>
-      </dgm:spPr>
-      <dgm:t>
-        <a:bodyPr/>
-        <a:lstStyle/>
-        <a:p>
-          <a:endParaRPr lang="en-GB"/>
-        </a:p>
-      </dgm:t>
-    </dgm:pt>
-    <dgm:pt modelId="{0DCBE86A-67C3-4F37-88E7-2C1985499292}" type="pres">
-      <dgm:prSet presAssocID="{23D88E99-9DEC-41CD-B88B-F00127A2CB99}" presName="level3hierChild" presStyleCnt="0"/>
-      <dgm:spPr/>
-      <dgm:t>
-        <a:bodyPr/>
-        <a:lstStyle/>
-        <a:p>
-          <a:endParaRPr lang="en-GB"/>
-        </a:p>
-      </dgm:t>
-    </dgm:pt>
     <dgm:pt modelId="{7659A773-C789-41EE-A0CA-AE19E2F1CC90}" type="pres">
-      <dgm:prSet presAssocID="{B9813F5B-48F3-4EF5-BC3B-B4D57540B159}" presName="conn2-1" presStyleLbl="parChTrans1D2" presStyleIdx="7" presStyleCnt="9"/>
+      <dgm:prSet presAssocID="{B9813F5B-48F3-4EF5-BC3B-B4D57540B159}" presName="conn2-1" presStyleLbl="parChTrans1D2" presStyleIdx="5" presStyleCnt="9"/>
       <dgm:spPr/>
       <dgm:t>
         <a:bodyPr/>
@@ -6408,7 +5947,7 @@
       </dgm:t>
     </dgm:pt>
     <dgm:pt modelId="{CE5F5186-9E85-4C7D-9636-7B4CA1401932}" type="pres">
-      <dgm:prSet presAssocID="{B9813F5B-48F3-4EF5-BC3B-B4D57540B159}" presName="connTx" presStyleLbl="parChTrans1D2" presStyleIdx="7" presStyleCnt="9"/>
+      <dgm:prSet presAssocID="{B9813F5B-48F3-4EF5-BC3B-B4D57540B159}" presName="connTx" presStyleLbl="parChTrans1D2" presStyleIdx="5" presStyleCnt="9"/>
       <dgm:spPr/>
       <dgm:t>
         <a:bodyPr/>
@@ -6423,7 +5962,7 @@
       <dgm:spPr/>
     </dgm:pt>
     <dgm:pt modelId="{5E070DCA-6141-4CDC-B670-2C6E03B4A759}" type="pres">
-      <dgm:prSet presAssocID="{2D211BC0-FFE3-4E0A-AB82-1D796DFD4AF7}" presName="LevelTwoTextNode" presStyleLbl="node2" presStyleIdx="7" presStyleCnt="9">
+      <dgm:prSet presAssocID="{2D211BC0-FFE3-4E0A-AB82-1D796DFD4AF7}" presName="LevelTwoTextNode" presStyleLbl="node2" presStyleIdx="5" presStyleCnt="9">
         <dgm:presLayoutVars>
           <dgm:chPref val="3"/>
         </dgm:presLayoutVars>
@@ -6442,7 +5981,7 @@
       <dgm:spPr/>
     </dgm:pt>
     <dgm:pt modelId="{05F44D56-B815-42FF-A0CE-47047ADBDAD2}" type="pres">
-      <dgm:prSet presAssocID="{C6606349-5672-442E-A5B1-3B6EC2A628D0}" presName="conn2-1" presStyleLbl="parChTrans1D3" presStyleIdx="7" presStyleCnt="9"/>
+      <dgm:prSet presAssocID="{C6606349-5672-442E-A5B1-3B6EC2A628D0}" presName="conn2-1" presStyleLbl="parChTrans1D3" presStyleIdx="3" presStyleCnt="9"/>
       <dgm:spPr/>
       <dgm:t>
         <a:bodyPr/>
@@ -6453,7 +5992,7 @@
       </dgm:t>
     </dgm:pt>
     <dgm:pt modelId="{B22B7B04-0F48-48E1-ABEE-8E9989B97F5A}" type="pres">
-      <dgm:prSet presAssocID="{C6606349-5672-442E-A5B1-3B6EC2A628D0}" presName="connTx" presStyleLbl="parChTrans1D3" presStyleIdx="7" presStyleCnt="9"/>
+      <dgm:prSet presAssocID="{C6606349-5672-442E-A5B1-3B6EC2A628D0}" presName="connTx" presStyleLbl="parChTrans1D3" presStyleIdx="3" presStyleCnt="9"/>
       <dgm:spPr/>
       <dgm:t>
         <a:bodyPr/>
@@ -6468,7 +6007,7 @@
       <dgm:spPr/>
     </dgm:pt>
     <dgm:pt modelId="{983E0EB7-A579-4F15-934C-D56985D0E97D}" type="pres">
-      <dgm:prSet presAssocID="{1827863C-95DB-45C4-8D42-0D85AC7DB1F9}" presName="LevelTwoTextNode" presStyleLbl="node3" presStyleIdx="7" presStyleCnt="9" custScaleX="139803" custLinFactNeighborX="13746">
+      <dgm:prSet presAssocID="{1827863C-95DB-45C4-8D42-0D85AC7DB1F9}" presName="LevelTwoTextNode" presStyleLbl="node3" presStyleIdx="3" presStyleCnt="9" custScaleX="139803" custLinFactNeighborX="13746">
         <dgm:presLayoutVars>
           <dgm:chPref val="3"/>
         </dgm:presLayoutVars>
@@ -6491,7 +6030,7 @@
       <dgm:spPr/>
     </dgm:pt>
     <dgm:pt modelId="{3C9CBFC3-FB4D-43C3-9946-F80DA72775D5}" type="pres">
-      <dgm:prSet presAssocID="{7F70E8A9-9CDB-4BE3-97A0-A547CB509FBF}" presName="conn2-1" presStyleLbl="parChTrans1D2" presStyleIdx="8" presStyleCnt="9"/>
+      <dgm:prSet presAssocID="{7F70E8A9-9CDB-4BE3-97A0-A547CB509FBF}" presName="conn2-1" presStyleLbl="parChTrans1D2" presStyleIdx="6" presStyleCnt="9"/>
       <dgm:spPr/>
       <dgm:t>
         <a:bodyPr/>
@@ -6502,7 +6041,7 @@
       </dgm:t>
     </dgm:pt>
     <dgm:pt modelId="{2012A195-9D04-4B40-A67C-D87382A06527}" type="pres">
-      <dgm:prSet presAssocID="{7F70E8A9-9CDB-4BE3-97A0-A547CB509FBF}" presName="connTx" presStyleLbl="parChTrans1D2" presStyleIdx="8" presStyleCnt="9"/>
+      <dgm:prSet presAssocID="{7F70E8A9-9CDB-4BE3-97A0-A547CB509FBF}" presName="connTx" presStyleLbl="parChTrans1D2" presStyleIdx="6" presStyleCnt="9"/>
       <dgm:spPr/>
       <dgm:t>
         <a:bodyPr/>
@@ -6517,7 +6056,7 @@
       <dgm:spPr/>
     </dgm:pt>
     <dgm:pt modelId="{008AA575-C7EE-481F-8E5A-70B498B23351}" type="pres">
-      <dgm:prSet presAssocID="{0E592EFC-EC4B-49B2-8762-E878CD593E3A}" presName="LevelTwoTextNode" presStyleLbl="node2" presStyleIdx="8" presStyleCnt="9">
+      <dgm:prSet presAssocID="{0E592EFC-EC4B-49B2-8762-E878CD593E3A}" presName="LevelTwoTextNode" presStyleLbl="node2" presStyleIdx="6" presStyleCnt="9">
         <dgm:presLayoutVars>
           <dgm:chPref val="3"/>
         </dgm:presLayoutVars>
@@ -6536,7 +6075,7 @@
       <dgm:spPr/>
     </dgm:pt>
     <dgm:pt modelId="{6A0827AD-C4ED-47CF-9A76-9E8009271F53}" type="pres">
-      <dgm:prSet presAssocID="{84C27BA7-C52C-4E4A-AC03-08EB641A07C9}" presName="conn2-1" presStyleLbl="parChTrans1D3" presStyleIdx="8" presStyleCnt="9"/>
+      <dgm:prSet presAssocID="{84C27BA7-C52C-4E4A-AC03-08EB641A07C9}" presName="conn2-1" presStyleLbl="parChTrans1D3" presStyleIdx="4" presStyleCnt="9"/>
       <dgm:spPr/>
       <dgm:t>
         <a:bodyPr/>
@@ -6547,7 +6086,7 @@
       </dgm:t>
     </dgm:pt>
     <dgm:pt modelId="{3296692A-1800-409F-B58C-374559757FCB}" type="pres">
-      <dgm:prSet presAssocID="{84C27BA7-C52C-4E4A-AC03-08EB641A07C9}" presName="connTx" presStyleLbl="parChTrans1D3" presStyleIdx="8" presStyleCnt="9"/>
+      <dgm:prSet presAssocID="{84C27BA7-C52C-4E4A-AC03-08EB641A07C9}" presName="connTx" presStyleLbl="parChTrans1D3" presStyleIdx="4" presStyleCnt="9"/>
       <dgm:spPr/>
       <dgm:t>
         <a:bodyPr/>
@@ -6562,7 +6101,248 @@
       <dgm:spPr/>
     </dgm:pt>
     <dgm:pt modelId="{7F95FDAB-3B35-4D5B-BBC5-204E545D0876}" type="pres">
-      <dgm:prSet presAssocID="{25637585-FB37-4C6E-AE64-5D712056C643}" presName="LevelTwoTextNode" presStyleLbl="node3" presStyleIdx="8" presStyleCnt="9" custScaleX="111477" custLinFactNeighborX="13746">
+      <dgm:prSet presAssocID="{25637585-FB37-4C6E-AE64-5D712056C643}" presName="LevelTwoTextNode" presStyleLbl="node3" presStyleIdx="4" presStyleCnt="9" custScaleX="111477" custLinFactNeighborX="13746">
+        <dgm:presLayoutVars>
+          <dgm:chPref val="3"/>
+        </dgm:presLayoutVars>
+      </dgm:prSet>
+      <dgm:spPr>
+        <a:prstGeom prst="flowChartMultidocument">
+          <a:avLst/>
+        </a:prstGeom>
+      </dgm:spPr>
+      <dgm:t>
+        <a:bodyPr/>
+        <a:lstStyle/>
+        <a:p>
+          <a:endParaRPr lang="en-GB"/>
+        </a:p>
+      </dgm:t>
+    </dgm:pt>
+    <dgm:pt modelId="{310E5CCC-B08B-41B3-88C5-0ACFBECEB274}" type="pres">
+      <dgm:prSet presAssocID="{25637585-FB37-4C6E-AE64-5D712056C643}" presName="level3hierChild" presStyleCnt="0"/>
+      <dgm:spPr/>
+    </dgm:pt>
+    <dgm:pt modelId="{A7F4A0F6-B66F-4F00-A083-909E1F094419}" type="pres">
+      <dgm:prSet presAssocID="{4199B668-0B8E-471A-A525-11E16A4D3F5F}" presName="conn2-1" presStyleLbl="parChTrans1D2" presStyleIdx="7" presStyleCnt="9"/>
+      <dgm:spPr/>
+    </dgm:pt>
+    <dgm:pt modelId="{B7BBC026-ADB3-4877-99D8-0C780C0F6FD1}" type="pres">
+      <dgm:prSet presAssocID="{4199B668-0B8E-471A-A525-11E16A4D3F5F}" presName="connTx" presStyleLbl="parChTrans1D2" presStyleIdx="7" presStyleCnt="9"/>
+      <dgm:spPr/>
+    </dgm:pt>
+    <dgm:pt modelId="{03FEDB97-A874-4A28-AB1B-3E0E2305FCD6}" type="pres">
+      <dgm:prSet presAssocID="{3FCF1F2A-FD07-43B4-B879-471F983406EE}" presName="root2" presStyleCnt="0"/>
+      <dgm:spPr/>
+    </dgm:pt>
+    <dgm:pt modelId="{74081302-62A8-41A5-BEA1-B03723F76D79}" type="pres">
+      <dgm:prSet presAssocID="{3FCF1F2A-FD07-43B4-B879-471F983406EE}" presName="LevelTwoTextNode" presStyleLbl="node2" presStyleIdx="7" presStyleCnt="9" custScaleX="112913">
+        <dgm:presLayoutVars>
+          <dgm:chPref val="3"/>
+        </dgm:presLayoutVars>
+      </dgm:prSet>
+      <dgm:spPr>
+        <a:prstGeom prst="snip1Rect">
+          <a:avLst/>
+        </a:prstGeom>
+      </dgm:spPr>
+      <dgm:t>
+        <a:bodyPr/>
+        <a:lstStyle/>
+        <a:p>
+          <a:endParaRPr lang="en-GB"/>
+        </a:p>
+      </dgm:t>
+    </dgm:pt>
+    <dgm:pt modelId="{F3C695D8-892E-40FB-B4FC-F72061FFC0AF}" type="pres">
+      <dgm:prSet presAssocID="{3FCF1F2A-FD07-43B4-B879-471F983406EE}" presName="level3hierChild" presStyleCnt="0"/>
+      <dgm:spPr/>
+    </dgm:pt>
+    <dgm:pt modelId="{4B3D3D49-E887-48AF-8019-22CC76D161CF}" type="pres">
+      <dgm:prSet presAssocID="{EE8E16E6-627C-4D07-8E02-9AE58BB63366}" presName="conn2-1" presStyleLbl="parChTrans1D3" presStyleIdx="5" presStyleCnt="9"/>
+      <dgm:spPr/>
+    </dgm:pt>
+    <dgm:pt modelId="{32914054-5201-4F4C-84B8-D8E945DB307E}" type="pres">
+      <dgm:prSet presAssocID="{EE8E16E6-627C-4D07-8E02-9AE58BB63366}" presName="connTx" presStyleLbl="parChTrans1D3" presStyleIdx="5" presStyleCnt="9"/>
+      <dgm:spPr/>
+    </dgm:pt>
+    <dgm:pt modelId="{62738D4B-DC4A-4058-9790-93ACB645E184}" type="pres">
+      <dgm:prSet presAssocID="{E8228F9F-DDFD-462E-B835-579497478985}" presName="root2" presStyleCnt="0"/>
+      <dgm:spPr/>
+    </dgm:pt>
+    <dgm:pt modelId="{0D30C521-978A-42D4-B3BF-B04C2BC16A78}" type="pres">
+      <dgm:prSet presAssocID="{E8228F9F-DDFD-462E-B835-579497478985}" presName="LevelTwoTextNode" presStyleLbl="node3" presStyleIdx="5" presStyleCnt="9" custScaleX="153573">
+        <dgm:presLayoutVars>
+          <dgm:chPref val="3"/>
+        </dgm:presLayoutVars>
+      </dgm:prSet>
+      <dgm:spPr>
+        <a:prstGeom prst="flowChartMultidocument">
+          <a:avLst/>
+        </a:prstGeom>
+      </dgm:spPr>
+      <dgm:t>
+        <a:bodyPr/>
+        <a:lstStyle/>
+        <a:p>
+          <a:endParaRPr lang="en-GB"/>
+        </a:p>
+      </dgm:t>
+    </dgm:pt>
+    <dgm:pt modelId="{4039C5F8-4949-4FC6-8CF6-DB8A7E965CCB}" type="pres">
+      <dgm:prSet presAssocID="{E8228F9F-DDFD-462E-B835-579497478985}" presName="level3hierChild" presStyleCnt="0"/>
+      <dgm:spPr/>
+    </dgm:pt>
+    <dgm:pt modelId="{3BF25A95-3620-426F-99FE-2E8CD08A8CE4}" type="pres">
+      <dgm:prSet presAssocID="{C45DF2C0-B93A-4B75-8DF1-E8BF3CD3D08A}" presName="conn2-1" presStyleLbl="parChTrans1D3" presStyleIdx="6" presStyleCnt="9"/>
+      <dgm:spPr/>
+    </dgm:pt>
+    <dgm:pt modelId="{222FC34D-1811-47AB-857F-B0D46949E408}" type="pres">
+      <dgm:prSet presAssocID="{C45DF2C0-B93A-4B75-8DF1-E8BF3CD3D08A}" presName="connTx" presStyleLbl="parChTrans1D3" presStyleIdx="6" presStyleCnt="9"/>
+      <dgm:spPr/>
+    </dgm:pt>
+    <dgm:pt modelId="{775B7C3D-884E-4F60-815A-D626AE204BB6}" type="pres">
+      <dgm:prSet presAssocID="{B6DB16EE-E97D-4862-B529-4C94EEA394AE}" presName="root2" presStyleCnt="0"/>
+      <dgm:spPr/>
+    </dgm:pt>
+    <dgm:pt modelId="{EACEC2A6-7951-4968-AA9B-D272FA3F4B6C}" type="pres">
+      <dgm:prSet presAssocID="{B6DB16EE-E97D-4862-B529-4C94EEA394AE}" presName="LevelTwoTextNode" presStyleLbl="node3" presStyleIdx="6" presStyleCnt="9" custScaleX="112913" custLinFactNeighborX="-310">
+        <dgm:presLayoutVars>
+          <dgm:chPref val="3"/>
+        </dgm:presLayoutVars>
+      </dgm:prSet>
+      <dgm:spPr>
+        <a:prstGeom prst="snip1Rect">
+          <a:avLst/>
+        </a:prstGeom>
+      </dgm:spPr>
+      <dgm:t>
+        <a:bodyPr/>
+        <a:lstStyle/>
+        <a:p>
+          <a:endParaRPr lang="en-GB"/>
+        </a:p>
+      </dgm:t>
+    </dgm:pt>
+    <dgm:pt modelId="{68EBCD2B-A391-40DB-85C2-7BF9473C2E76}" type="pres">
+      <dgm:prSet presAssocID="{B6DB16EE-E97D-4862-B529-4C94EEA394AE}" presName="level3hierChild" presStyleCnt="0"/>
+      <dgm:spPr/>
+    </dgm:pt>
+    <dgm:pt modelId="{A49807EE-F733-4759-A61F-A4B482785FC1}" type="pres">
+      <dgm:prSet presAssocID="{61BB162E-D6CB-4DDB-BADD-26CF607C68D6}" presName="conn2-1" presStyleLbl="parChTrans1D4" presStyleIdx="0" presStyleCnt="3" custScaleX="2000000"/>
+      <dgm:spPr/>
+    </dgm:pt>
+    <dgm:pt modelId="{8DE5A080-748F-4909-A22F-FFA3A21B780B}" type="pres">
+      <dgm:prSet presAssocID="{61BB162E-D6CB-4DDB-BADD-26CF607C68D6}" presName="connTx" presStyleLbl="parChTrans1D4" presStyleIdx="0" presStyleCnt="3"/>
+      <dgm:spPr/>
+    </dgm:pt>
+    <dgm:pt modelId="{F822039A-F02A-447A-B060-C8824E0E9963}" type="pres">
+      <dgm:prSet presAssocID="{40F64F40-29E1-4825-8265-5C136AA57213}" presName="root2" presStyleCnt="0"/>
+      <dgm:spPr/>
+    </dgm:pt>
+    <dgm:pt modelId="{D474315A-A521-493F-8025-B9C26A01D152}" type="pres">
+      <dgm:prSet presAssocID="{40F64F40-29E1-4825-8265-5C136AA57213}" presName="LevelTwoTextNode" presStyleLbl="node4" presStyleIdx="0" presStyleCnt="3" custScaleX="185839" custLinFactNeighborX="18012">
+        <dgm:presLayoutVars>
+          <dgm:chPref val="3"/>
+        </dgm:presLayoutVars>
+      </dgm:prSet>
+      <dgm:spPr>
+        <a:prstGeom prst="flowChartMultidocument">
+          <a:avLst/>
+        </a:prstGeom>
+      </dgm:spPr>
+      <dgm:t>
+        <a:bodyPr/>
+        <a:lstStyle/>
+        <a:p>
+          <a:endParaRPr lang="en-GB"/>
+        </a:p>
+      </dgm:t>
+    </dgm:pt>
+    <dgm:pt modelId="{680C12CF-7029-4EA2-8F11-72BA653649E4}" type="pres">
+      <dgm:prSet presAssocID="{40F64F40-29E1-4825-8265-5C136AA57213}" presName="level3hierChild" presStyleCnt="0"/>
+      <dgm:spPr/>
+    </dgm:pt>
+    <dgm:pt modelId="{34D49760-BA84-4BD7-B73E-D0E72C2EE2B4}" type="pres">
+      <dgm:prSet presAssocID="{104B82BD-60F8-4705-9410-1A92324DD223}" presName="conn2-1" presStyleLbl="parChTrans1D4" presStyleIdx="1" presStyleCnt="3" custScaleX="2000000"/>
+      <dgm:spPr/>
+    </dgm:pt>
+    <dgm:pt modelId="{55EF61AB-7728-4180-811E-46C0333973BB}" type="pres">
+      <dgm:prSet presAssocID="{104B82BD-60F8-4705-9410-1A92324DD223}" presName="connTx" presStyleLbl="parChTrans1D4" presStyleIdx="1" presStyleCnt="3"/>
+      <dgm:spPr/>
+    </dgm:pt>
+    <dgm:pt modelId="{755A3255-C505-410D-8712-4730D5106752}" type="pres">
+      <dgm:prSet presAssocID="{50EF9952-B732-439E-8DB0-E39A7B77AE06}" presName="root2" presStyleCnt="0"/>
+      <dgm:spPr/>
+    </dgm:pt>
+    <dgm:pt modelId="{04483C0E-574D-4496-AC9A-2B671985B453}" type="pres">
+      <dgm:prSet presAssocID="{50EF9952-B732-439E-8DB0-E39A7B77AE06}" presName="LevelTwoTextNode" presStyleLbl="node4" presStyleIdx="1" presStyleCnt="3" custScaleX="185839" custLinFactNeighborX="18012">
+        <dgm:presLayoutVars>
+          <dgm:chPref val="3"/>
+        </dgm:presLayoutVars>
+      </dgm:prSet>
+      <dgm:spPr>
+        <a:prstGeom prst="flowChartMultidocument">
+          <a:avLst/>
+        </a:prstGeom>
+      </dgm:spPr>
+      <dgm:t>
+        <a:bodyPr/>
+        <a:lstStyle/>
+        <a:p>
+          <a:endParaRPr lang="en-GB"/>
+        </a:p>
+      </dgm:t>
+    </dgm:pt>
+    <dgm:pt modelId="{8BD81A33-5258-4E92-AB06-B16144AD63C2}" type="pres">
+      <dgm:prSet presAssocID="{50EF9952-B732-439E-8DB0-E39A7B77AE06}" presName="level3hierChild" presStyleCnt="0"/>
+      <dgm:spPr/>
+    </dgm:pt>
+    <dgm:pt modelId="{C4A6E93C-56E8-4190-8124-02E9A0682B32}" type="pres">
+      <dgm:prSet presAssocID="{2C008328-FD85-4AE4-91F1-9A943B010F73}" presName="conn2-1" presStyleLbl="parChTrans1D2" presStyleIdx="8" presStyleCnt="9"/>
+      <dgm:spPr/>
+    </dgm:pt>
+    <dgm:pt modelId="{9F597C50-5DB0-4EA6-8A48-7C5118307BF2}" type="pres">
+      <dgm:prSet presAssocID="{2C008328-FD85-4AE4-91F1-9A943B010F73}" presName="connTx" presStyleLbl="parChTrans1D2" presStyleIdx="8" presStyleCnt="9"/>
+      <dgm:spPr/>
+    </dgm:pt>
+    <dgm:pt modelId="{F6C3382D-2B81-4200-826E-5550AB31B568}" type="pres">
+      <dgm:prSet presAssocID="{93A3A072-C16A-406C-99B9-CD23953D5599}" presName="root2" presStyleCnt="0"/>
+      <dgm:spPr/>
+    </dgm:pt>
+    <dgm:pt modelId="{5F123EE8-D741-4D3A-A784-DC8C926059E5}" type="pres">
+      <dgm:prSet presAssocID="{93A3A072-C16A-406C-99B9-CD23953D5599}" presName="LevelTwoTextNode" presStyleLbl="node2" presStyleIdx="8" presStyleCnt="9">
+        <dgm:presLayoutVars>
+          <dgm:chPref val="3"/>
+        </dgm:presLayoutVars>
+      </dgm:prSet>
+      <dgm:spPr/>
+      <dgm:t>
+        <a:bodyPr/>
+        <a:lstStyle/>
+        <a:p>
+          <a:endParaRPr lang="en-GB"/>
+        </a:p>
+      </dgm:t>
+    </dgm:pt>
+    <dgm:pt modelId="{678F73B0-4F71-44F6-989D-019F2D8E3BC5}" type="pres">
+      <dgm:prSet presAssocID="{93A3A072-C16A-406C-99B9-CD23953D5599}" presName="level3hierChild" presStyleCnt="0"/>
+      <dgm:spPr/>
+    </dgm:pt>
+    <dgm:pt modelId="{78750218-D6E4-46CD-BE1C-A851C3C97E92}" type="pres">
+      <dgm:prSet presAssocID="{7ADFD6C0-7688-4607-A280-C83802679844}" presName="conn2-1" presStyleLbl="parChTrans1D3" presStyleIdx="7" presStyleCnt="9"/>
+      <dgm:spPr/>
+    </dgm:pt>
+    <dgm:pt modelId="{247F949D-0480-4157-8AF0-B64093454D6E}" type="pres">
+      <dgm:prSet presAssocID="{7ADFD6C0-7688-4607-A280-C83802679844}" presName="connTx" presStyleLbl="parChTrans1D3" presStyleIdx="7" presStyleCnt="9"/>
+      <dgm:spPr/>
+    </dgm:pt>
+    <dgm:pt modelId="{B29FA774-BF68-4374-A1DD-B110AFDF2ECC}" type="pres">
+      <dgm:prSet presAssocID="{F6582A67-A139-4B74-A2EA-21A1C864407F}" presName="root2" presStyleCnt="0"/>
+      <dgm:spPr/>
+    </dgm:pt>
+    <dgm:pt modelId="{75421B01-0B16-4D3F-85AC-9FDF895596FE}" type="pres">
+      <dgm:prSet presAssocID="{F6582A67-A139-4B74-A2EA-21A1C864407F}" presName="LevelTwoTextNode" presStyleLbl="node3" presStyleIdx="7" presStyleCnt="9" custScaleX="112913" custLinFactNeighborX="13746">
         <dgm:presLayoutVars>
           <dgm:chPref val="3"/>
         </dgm:presLayoutVars>
@@ -6580,207 +6360,277 @@
         </a:p>
       </dgm:t>
     </dgm:pt>
-    <dgm:pt modelId="{310E5CCC-B08B-41B3-88C5-0ACFBECEB274}" type="pres">
-      <dgm:prSet presAssocID="{25637585-FB37-4C6E-AE64-5D712056C643}" presName="level3hierChild" presStyleCnt="0"/>
+    <dgm:pt modelId="{DDF7A274-CC0C-4CFE-A079-A81CDB6B7DD1}" type="pres">
+      <dgm:prSet presAssocID="{F6582A67-A139-4B74-A2EA-21A1C864407F}" presName="level3hierChild" presStyleCnt="0"/>
+      <dgm:spPr/>
+    </dgm:pt>
+    <dgm:pt modelId="{DC3EC34F-D3D6-47D6-9614-ACE62C55A5F1}" type="pres">
+      <dgm:prSet presAssocID="{C3E03338-09AD-4F62-BBB1-D19C1FC1696F}" presName="conn2-1" presStyleLbl="parChTrans1D3" presStyleIdx="8" presStyleCnt="9" custScaleX="2000000"/>
+      <dgm:spPr/>
+    </dgm:pt>
+    <dgm:pt modelId="{0D9D7F72-FB67-4937-BC7E-AB386D785450}" type="pres">
+      <dgm:prSet presAssocID="{C3E03338-09AD-4F62-BBB1-D19C1FC1696F}" presName="connTx" presStyleLbl="parChTrans1D3" presStyleIdx="8" presStyleCnt="9"/>
+      <dgm:spPr/>
+    </dgm:pt>
+    <dgm:pt modelId="{82C5C202-24F4-477D-B480-FC4862943F27}" type="pres">
+      <dgm:prSet presAssocID="{89F05746-7530-4AC5-8136-A9C4E5576ED2}" presName="root2" presStyleCnt="0"/>
+      <dgm:spPr/>
+    </dgm:pt>
+    <dgm:pt modelId="{DB0AC17B-B174-4DA2-8E4D-0D7D3240691F}" type="pres">
+      <dgm:prSet presAssocID="{89F05746-7530-4AC5-8136-A9C4E5576ED2}" presName="LevelTwoTextNode" presStyleLbl="node3" presStyleIdx="8" presStyleCnt="9" custScaleX="112913" custLinFactNeighborX="13746">
+        <dgm:presLayoutVars>
+          <dgm:chPref val="3"/>
+        </dgm:presLayoutVars>
+      </dgm:prSet>
+      <dgm:spPr>
+        <a:prstGeom prst="snip1Rect">
+          <a:avLst/>
+        </a:prstGeom>
+      </dgm:spPr>
+      <dgm:t>
+        <a:bodyPr/>
+        <a:lstStyle/>
+        <a:p>
+          <a:endParaRPr lang="en-GB"/>
+        </a:p>
+      </dgm:t>
+    </dgm:pt>
+    <dgm:pt modelId="{263B5615-7A44-42B1-9FDF-798FBADDCD47}" type="pres">
+      <dgm:prSet presAssocID="{89F05746-7530-4AC5-8136-A9C4E5576ED2}" presName="level3hierChild" presStyleCnt="0"/>
+      <dgm:spPr/>
+    </dgm:pt>
+    <dgm:pt modelId="{AE193854-5DD4-461D-8B56-86C5F0C4F7E1}" type="pres">
+      <dgm:prSet presAssocID="{019FEC18-91AB-4546-8C6D-7D5C8CE8B8CE}" presName="conn2-1" presStyleLbl="parChTrans1D4" presStyleIdx="2" presStyleCnt="3" custScaleX="2000000"/>
+      <dgm:spPr/>
+    </dgm:pt>
+    <dgm:pt modelId="{E404A033-74EF-4246-BC47-F72448528B01}" type="pres">
+      <dgm:prSet presAssocID="{019FEC18-91AB-4546-8C6D-7D5C8CE8B8CE}" presName="connTx" presStyleLbl="parChTrans1D4" presStyleIdx="2" presStyleCnt="3"/>
+      <dgm:spPr/>
+    </dgm:pt>
+    <dgm:pt modelId="{06EAC2CE-3ACC-4EC7-9AF2-76D894C8E624}" type="pres">
+      <dgm:prSet presAssocID="{81C85202-6A35-4EAB-9B10-2FB4EFE2B5C1}" presName="root2" presStyleCnt="0"/>
+      <dgm:spPr/>
+    </dgm:pt>
+    <dgm:pt modelId="{E18A34BE-33AC-43AF-85AE-018BFC2FFD84}" type="pres">
+      <dgm:prSet presAssocID="{81C85202-6A35-4EAB-9B10-2FB4EFE2B5C1}" presName="LevelTwoTextNode" presStyleLbl="node4" presStyleIdx="2" presStyleCnt="3" custScaleX="209266" custLinFactNeighborX="30336">
+        <dgm:presLayoutVars>
+          <dgm:chPref val="3"/>
+        </dgm:presLayoutVars>
+      </dgm:prSet>
+      <dgm:spPr>
+        <a:prstGeom prst="flowChartMultidocument">
+          <a:avLst/>
+        </a:prstGeom>
+      </dgm:spPr>
+      <dgm:t>
+        <a:bodyPr/>
+        <a:lstStyle/>
+        <a:p>
+          <a:endParaRPr lang="en-GB"/>
+        </a:p>
+      </dgm:t>
+    </dgm:pt>
+    <dgm:pt modelId="{10B6093F-F787-4800-A0D2-CAA446D757AE}" type="pres">
+      <dgm:prSet presAssocID="{81C85202-6A35-4EAB-9B10-2FB4EFE2B5C1}" presName="level3hierChild" presStyleCnt="0"/>
       <dgm:spPr/>
     </dgm:pt>
   </dgm:ptLst>
   <dgm:cxnLst>
-    <dgm:cxn modelId="{ED28C4A0-279A-4BF3-B11A-EE6C5211CA30}" type="presOf" srcId="{D405E58C-0BFF-479D-9ABA-FB5264CAF22D}" destId="{7FFA155F-0FA2-4989-8D7F-60AF2E6F04E5}" srcOrd="0" destOrd="0" presId="urn:microsoft.com/office/officeart/2008/layout/HorizontalMultiLevelHierarchy"/>
-    <dgm:cxn modelId="{9BE75BCA-7CC9-45E2-B5E8-793E16603A38}" type="presOf" srcId="{1F72B363-B160-4A80-A6C8-370EDD94B4CF}" destId="{0D01B59A-5FFE-4A83-B8D9-A6EDCFE2B05E}" srcOrd="0" destOrd="0" presId="urn:microsoft.com/office/officeart/2008/layout/HorizontalMultiLevelHierarchy"/>
-    <dgm:cxn modelId="{547F4613-64F8-4988-90B3-9DDE4217EA46}" srcId="{54B13330-F421-42C5-AA70-1A17008674B8}" destId="{2D211BC0-FFE3-4E0A-AB82-1D796DFD4AF7}" srcOrd="7" destOrd="0" parTransId="{B9813F5B-48F3-4EF5-BC3B-B4D57540B159}" sibTransId="{B0B6D1A6-A7AD-4739-90D7-D41478B995FB}"/>
-    <dgm:cxn modelId="{ED4CF839-E53D-4990-BF7C-63F005C4ACE7}" type="presOf" srcId="{C6606349-5672-442E-A5B1-3B6EC2A628D0}" destId="{B22B7B04-0F48-48E1-ABEE-8E9989B97F5A}" srcOrd="1" destOrd="0" presId="urn:microsoft.com/office/officeart/2008/layout/HorizontalMultiLevelHierarchy"/>
-    <dgm:cxn modelId="{BFB13174-842A-4814-A9D5-64C55736CF59}" type="presOf" srcId="{B6B8F82E-09CD-4F01-834B-E97FC90C517D}" destId="{31066EA5-3788-412A-8DFC-F65B6009BADF}" srcOrd="0" destOrd="0" presId="urn:microsoft.com/office/officeart/2008/layout/HorizontalMultiLevelHierarchy"/>
-    <dgm:cxn modelId="{23A33620-BAE4-4812-A79A-5655C985684E}" type="presOf" srcId="{24F8A180-91FD-4857-8800-1B193E7B5E68}" destId="{567A8510-BCF0-4F9A-9060-73BFD0AFD777}" srcOrd="1" destOrd="0" presId="urn:microsoft.com/office/officeart/2008/layout/HorizontalMultiLevelHierarchy"/>
-    <dgm:cxn modelId="{5063BB7D-3A2B-4068-A4FD-66E810768AE3}" type="presOf" srcId="{84C27BA7-C52C-4E4A-AC03-08EB641A07C9}" destId="{3296692A-1800-409F-B58C-374559757FCB}" srcOrd="1" destOrd="0" presId="urn:microsoft.com/office/officeart/2008/layout/HorizontalMultiLevelHierarchy"/>
-    <dgm:cxn modelId="{3F62E1D9-6E43-4391-9713-042CE4F149D4}" type="presOf" srcId="{D4EB8AF8-10F2-4E4D-BBD0-522BA8DC214B}" destId="{F7509987-79F8-422F-86DB-9BD48BBE0910}" srcOrd="0" destOrd="0" presId="urn:microsoft.com/office/officeart/2008/layout/HorizontalMultiLevelHierarchy"/>
-    <dgm:cxn modelId="{9DA39498-A2C2-4202-B484-81064AA77DB3}" type="presOf" srcId="{23D88E99-9DEC-41CD-B88B-F00127A2CB99}" destId="{DB581C1F-BBD5-4295-8422-3423C0CC7014}" srcOrd="0" destOrd="0" presId="urn:microsoft.com/office/officeart/2008/layout/HorizontalMultiLevelHierarchy"/>
-    <dgm:cxn modelId="{727ABCE2-8E4B-4A49-BB27-1E36A2EBD394}" srcId="{54B13330-F421-42C5-AA70-1A17008674B8}" destId="{8AEEA6EE-B10B-493B-AC72-ABCB89445B81}" srcOrd="3" destOrd="0" parTransId="{ECB0ED73-865F-4932-9831-3E4B37074419}" sibTransId="{DF4AEA0E-8521-4B97-997D-E1258734E68D}"/>
-    <dgm:cxn modelId="{7944238B-BDF2-443E-B960-B356C3745AC4}" type="presOf" srcId="{A4ADDFF1-7882-423C-AA64-6F9186D451D8}" destId="{A5B26C97-0E77-41FA-A583-0CC5586F7601}" srcOrd="0" destOrd="0" presId="urn:microsoft.com/office/officeart/2008/layout/HorizontalMultiLevelHierarchy"/>
-    <dgm:cxn modelId="{B185EFBC-8C3B-41A6-A48B-F6EBC1492B49}" type="presOf" srcId="{25637585-FB37-4C6E-AE64-5D712056C643}" destId="{7F95FDAB-3B35-4D5B-BBC5-204E545D0876}" srcOrd="0" destOrd="0" presId="urn:microsoft.com/office/officeart/2008/layout/HorizontalMultiLevelHierarchy"/>
-    <dgm:cxn modelId="{3DFAD267-6BE6-4398-AFA8-C1BE0C736A8B}" type="presOf" srcId="{B5EB50BD-139D-4A8E-BB05-9ABBC2CBC816}" destId="{386D4363-5B6C-48F8-8046-C063024F0CD4}" srcOrd="0" destOrd="0" presId="urn:microsoft.com/office/officeart/2008/layout/HorizontalMultiLevelHierarchy"/>
-    <dgm:cxn modelId="{A0523A2B-01FA-40D1-BA6F-CE4832505751}" type="presOf" srcId="{DF7503A4-9748-46BE-BE4E-64ECDC4FBBB9}" destId="{D4C30831-3188-44F0-B926-9FEBEF4AA72D}" srcOrd="0" destOrd="0" presId="urn:microsoft.com/office/officeart/2008/layout/HorizontalMultiLevelHierarchy"/>
+    <dgm:cxn modelId="{C6EED5D4-1573-46D8-B3AE-C5C0142ADC4F}" type="presOf" srcId="{84C27BA7-C52C-4E4A-AC03-08EB641A07C9}" destId="{3296692A-1800-409F-B58C-374559757FCB}" srcOrd="1" destOrd="0" presId="urn:microsoft.com/office/officeart/2008/layout/HorizontalMultiLevelHierarchy"/>
+    <dgm:cxn modelId="{B6A2F386-AE30-419B-9457-DC0684A6611E}" type="presOf" srcId="{C6606349-5672-442E-A5B1-3B6EC2A628D0}" destId="{B22B7B04-0F48-48E1-ABEE-8E9989B97F5A}" srcOrd="1" destOrd="0" presId="urn:microsoft.com/office/officeart/2008/layout/HorizontalMultiLevelHierarchy"/>
+    <dgm:cxn modelId="{B3F183A0-1DD1-4E52-BD14-7496374D285A}" type="presOf" srcId="{8AEEA6EE-B10B-493B-AC72-ABCB89445B81}" destId="{0A31862F-7E3F-46A2-99D4-B96370DB3536}" srcOrd="0" destOrd="0" presId="urn:microsoft.com/office/officeart/2008/layout/HorizontalMultiLevelHierarchy"/>
+    <dgm:cxn modelId="{2146700B-9EF8-459B-9E62-661C12D25D05}" type="presOf" srcId="{54B13330-F421-42C5-AA70-1A17008674B8}" destId="{B325A06F-D7AF-48D6-A433-D30945A84C4F}" srcOrd="0" destOrd="0" presId="urn:microsoft.com/office/officeart/2008/layout/HorizontalMultiLevelHierarchy"/>
+    <dgm:cxn modelId="{FF90B160-07B9-41BB-912D-80F500DB4902}" type="presOf" srcId="{1AD49B2B-CE49-4482-99A1-C3A65402D993}" destId="{8F67BFA0-5899-4F66-988A-B943E15B2679}" srcOrd="1" destOrd="0" presId="urn:microsoft.com/office/officeart/2008/layout/HorizontalMultiLevelHierarchy"/>
+    <dgm:cxn modelId="{9FCF22C4-5F88-4F80-B49A-B104D588CE43}" srcId="{54B13330-F421-42C5-AA70-1A17008674B8}" destId="{1156188F-2B8C-4396-9898-051C2329E1C5}" srcOrd="2" destOrd="0" parTransId="{303742BD-6784-441F-93B8-679D96BEDC3D}" sibTransId="{8DDB81A5-8CA1-4913-9826-078D259DDE78}"/>
+    <dgm:cxn modelId="{4500107C-880E-4960-8F24-F7A8C502969A}" srcId="{8AEEA6EE-B10B-493B-AC72-ABCB89445B81}" destId="{D405E58C-0BFF-479D-9ABA-FB5264CAF22D}" srcOrd="0" destOrd="0" parTransId="{1F72B363-B160-4A80-A6C8-370EDD94B4CF}" sibTransId="{ED46DFF8-ADE0-40BB-818A-3E8B74A47F42}"/>
+    <dgm:cxn modelId="{CDEA4F60-1ECB-4B58-94C0-2D1FD64310E9}" type="presOf" srcId="{ECB0ED73-865F-4932-9831-3E4B37074419}" destId="{94E6744A-2397-490C-9C52-22C4C5813703}" srcOrd="1" destOrd="0" presId="urn:microsoft.com/office/officeart/2008/layout/HorizontalMultiLevelHierarchy"/>
+    <dgm:cxn modelId="{85D676D2-F30B-47F5-B432-C177F4B214F0}" srcId="{89F05746-7530-4AC5-8136-A9C4E5576ED2}" destId="{81C85202-6A35-4EAB-9B10-2FB4EFE2B5C1}" srcOrd="0" destOrd="0" parTransId="{019FEC18-91AB-4546-8C6D-7D5C8CE8B8CE}" sibTransId="{A8593AA4-04AE-4834-8D27-562720717B28}"/>
+    <dgm:cxn modelId="{D8EBAA90-EB16-40BE-B2CB-78D894AFB956}" srcId="{54B13330-F421-42C5-AA70-1A17008674B8}" destId="{A4ADDFF1-7882-423C-AA64-6F9186D451D8}" srcOrd="3" destOrd="0" parTransId="{950E381D-ED7E-4D83-A4B8-8568AB6025F9}" sibTransId="{705E98B6-93FA-4737-877F-575788DFD423}"/>
+    <dgm:cxn modelId="{7E10CFD1-7719-46DC-90DC-81E1BDA365CC}" srcId="{54B13330-F421-42C5-AA70-1A17008674B8}" destId="{3FCF1F2A-FD07-43B4-B879-471F983406EE}" srcOrd="7" destOrd="0" parTransId="{4199B668-0B8E-471A-A525-11E16A4D3F5F}" sibTransId="{EA8FB4D2-D8D8-4EE0-9A23-99462835D0E9}"/>
+    <dgm:cxn modelId="{DD03DAE4-CC4D-4856-AFE2-EB70BA8A9747}" srcId="{54B13330-F421-42C5-AA70-1A17008674B8}" destId="{7FDA7A2D-7937-4983-9070-9DF7C511A23B}" srcOrd="0" destOrd="0" parTransId="{A9F767A8-41B4-407B-9C08-B566A1AC4927}" sibTransId="{0912709A-4B86-49F8-876C-436586C5A322}"/>
+    <dgm:cxn modelId="{6A475175-6A17-43AE-89EC-2B81FCD980C1}" type="presOf" srcId="{B5A78A89-EE21-443A-AD88-636D47ABC153}" destId="{F688013D-F0BE-46BB-B736-4D8ADB403A7C}" srcOrd="1" destOrd="0" presId="urn:microsoft.com/office/officeart/2008/layout/HorizontalMultiLevelHierarchy"/>
+    <dgm:cxn modelId="{DD07FE90-E2EE-4717-9401-92752E969759}" type="presOf" srcId="{50EF9952-B732-439E-8DB0-E39A7B77AE06}" destId="{04483C0E-574D-4496-AC9A-2B671985B453}" srcOrd="0" destOrd="0" presId="urn:microsoft.com/office/officeart/2008/layout/HorizontalMultiLevelHierarchy"/>
+    <dgm:cxn modelId="{D5E259EA-B18E-4E73-9B37-0EFB60751D34}" type="presOf" srcId="{0345B78C-878B-4902-8084-0AE80E9CF16A}" destId="{F2BF9794-4818-4C17-B71E-F6D2CFB4B961}" srcOrd="0" destOrd="0" presId="urn:microsoft.com/office/officeart/2008/layout/HorizontalMultiLevelHierarchy"/>
+    <dgm:cxn modelId="{B83FE361-A56C-4019-9A4A-3121F0446361}" type="presOf" srcId="{019FEC18-91AB-4546-8C6D-7D5C8CE8B8CE}" destId="{AE193854-5DD4-461D-8B56-86C5F0C4F7E1}" srcOrd="0" destOrd="0" presId="urn:microsoft.com/office/officeart/2008/layout/HorizontalMultiLevelHierarchy"/>
+    <dgm:cxn modelId="{82F75153-343B-4284-8D2E-95D54D3B8513}" type="presOf" srcId="{93A3A072-C16A-406C-99B9-CD23953D5599}" destId="{5F123EE8-D741-4D3A-A784-DC8C926059E5}" srcOrd="0" destOrd="0" presId="urn:microsoft.com/office/officeart/2008/layout/HorizontalMultiLevelHierarchy"/>
+    <dgm:cxn modelId="{AF9E6DE0-2607-4235-9FA6-E242C3E16179}" srcId="{2D211BC0-FFE3-4E0A-AB82-1D796DFD4AF7}" destId="{1827863C-95DB-45C4-8D42-0D85AC7DB1F9}" srcOrd="0" destOrd="0" parTransId="{C6606349-5672-442E-A5B1-3B6EC2A628D0}" sibTransId="{1BF275A3-99EF-4F2B-B786-745EA761BCA8}"/>
+    <dgm:cxn modelId="{269F8ADE-3908-4D4F-ADEC-058A8AD3C532}" type="presOf" srcId="{EE8E16E6-627C-4D07-8E02-9AE58BB63366}" destId="{4B3D3D49-E887-48AF-8019-22CC76D161CF}" srcOrd="0" destOrd="0" presId="urn:microsoft.com/office/officeart/2008/layout/HorizontalMultiLevelHierarchy"/>
+    <dgm:cxn modelId="{A6EAAE6B-7058-4F36-A9BE-0117E9B574D0}" type="presOf" srcId="{C6606349-5672-442E-A5B1-3B6EC2A628D0}" destId="{05F44D56-B815-42FF-A0CE-47047ADBDAD2}" srcOrd="0" destOrd="0" presId="urn:microsoft.com/office/officeart/2008/layout/HorizontalMultiLevelHierarchy"/>
+    <dgm:cxn modelId="{3BB54C0C-CB97-4247-9CB2-DA4F1E36A4EB}" srcId="{B6DB16EE-E97D-4862-B529-4C94EEA394AE}" destId="{40F64F40-29E1-4825-8265-5C136AA57213}" srcOrd="0" destOrd="0" parTransId="{61BB162E-D6CB-4DDB-BADD-26CF607C68D6}" sibTransId="{6A804942-E506-43B5-957B-76F300DA784E}"/>
+    <dgm:cxn modelId="{2420A103-3CAA-4B4E-9261-B72D59032D8E}" type="presOf" srcId="{4199B668-0B8E-471A-A525-11E16A4D3F5F}" destId="{A7F4A0F6-B66F-4F00-A083-909E1F094419}" srcOrd="0" destOrd="0" presId="urn:microsoft.com/office/officeart/2008/layout/HorizontalMultiLevelHierarchy"/>
+    <dgm:cxn modelId="{83E174E8-1880-4E00-A1FA-CBF0AC5C38C6}" type="presOf" srcId="{7F70E8A9-9CDB-4BE3-97A0-A547CB509FBF}" destId="{2012A195-9D04-4B40-A67C-D87382A06527}" srcOrd="1" destOrd="0" presId="urn:microsoft.com/office/officeart/2008/layout/HorizontalMultiLevelHierarchy"/>
+    <dgm:cxn modelId="{1854C9E7-D5B5-4F52-BC70-5E6B8F9896D8}" type="presOf" srcId="{3FCF1F2A-FD07-43B4-B879-471F983406EE}" destId="{74081302-62A8-41A5-BEA1-B03723F76D79}" srcOrd="0" destOrd="0" presId="urn:microsoft.com/office/officeart/2008/layout/HorizontalMultiLevelHierarchy"/>
+    <dgm:cxn modelId="{CE71EC21-5FA3-4010-A7C5-D051889330C3}" type="presOf" srcId="{F6582A67-A139-4B74-A2EA-21A1C864407F}" destId="{75421B01-0B16-4D3F-85AC-9FDF895596FE}" srcOrd="0" destOrd="0" presId="urn:microsoft.com/office/officeart/2008/layout/HorizontalMultiLevelHierarchy"/>
+    <dgm:cxn modelId="{110135BA-0F0D-4CD3-B5DA-EA94FE542B31}" type="presOf" srcId="{303742BD-6784-441F-93B8-679D96BEDC3D}" destId="{713DFD89-4B6B-47B2-8203-544899CE5C74}" srcOrd="0" destOrd="0" presId="urn:microsoft.com/office/officeart/2008/layout/HorizontalMultiLevelHierarchy"/>
+    <dgm:cxn modelId="{98DC0F83-96C8-4F25-8E25-844CA943558C}" type="presOf" srcId="{7ADFD6C0-7688-4607-A280-C83802679844}" destId="{78750218-D6E4-46CD-BE1C-A851C3C97E92}" srcOrd="0" destOrd="0" presId="urn:microsoft.com/office/officeart/2008/layout/HorizontalMultiLevelHierarchy"/>
+    <dgm:cxn modelId="{85B0CDC2-D592-4E24-BB9B-7DD7D2B5D151}" type="presOf" srcId="{C3E03338-09AD-4F62-BBB1-D19C1FC1696F}" destId="{0D9D7F72-FB67-4937-BC7E-AB386D785450}" srcOrd="1" destOrd="0" presId="urn:microsoft.com/office/officeart/2008/layout/HorizontalMultiLevelHierarchy"/>
+    <dgm:cxn modelId="{EC41F3F4-B2F8-4FA7-8FA8-35D6D5BCBCD5}" type="presOf" srcId="{61BB162E-D6CB-4DDB-BADD-26CF607C68D6}" destId="{8DE5A080-748F-4909-A22F-FFA3A21B780B}" srcOrd="1" destOrd="0" presId="urn:microsoft.com/office/officeart/2008/layout/HorizontalMultiLevelHierarchy"/>
+    <dgm:cxn modelId="{D01336A0-1657-4FE0-AE15-040B9DB2FA3E}" type="presOf" srcId="{1156188F-2B8C-4396-9898-051C2329E1C5}" destId="{548BEBB0-D16C-432C-B6DC-C7FC389D01DC}" srcOrd="0" destOrd="0" presId="urn:microsoft.com/office/officeart/2008/layout/HorizontalMultiLevelHierarchy"/>
+    <dgm:cxn modelId="{5AF3FF2E-8573-403E-9A60-131B8F79DA30}" type="presOf" srcId="{2F5FAEFE-1EA9-41CB-9537-E3948DA75E82}" destId="{E50C2439-5302-4073-A4A6-DD0B3CA2D779}" srcOrd="0" destOrd="0" presId="urn:microsoft.com/office/officeart/2008/layout/HorizontalMultiLevelHierarchy"/>
+    <dgm:cxn modelId="{C2BD3B88-2398-447A-9D43-F20FAE4C7FF4}" srcId="{93A3A072-C16A-406C-99B9-CD23953D5599}" destId="{89F05746-7530-4AC5-8136-A9C4E5576ED2}" srcOrd="1" destOrd="0" parTransId="{C3E03338-09AD-4F62-BBB1-D19C1FC1696F}" sibTransId="{F126672B-7348-42A9-AD31-D78C28A8A341}"/>
+    <dgm:cxn modelId="{A57252B8-FC8F-427F-9145-6C09096CF479}" type="presOf" srcId="{C45DF2C0-B93A-4B75-8DF1-E8BF3CD3D08A}" destId="{222FC34D-1811-47AB-857F-B0D46949E408}" srcOrd="1" destOrd="0" presId="urn:microsoft.com/office/officeart/2008/layout/HorizontalMultiLevelHierarchy"/>
+    <dgm:cxn modelId="{727ABCE2-8E4B-4A49-BB27-1E36A2EBD394}" srcId="{54B13330-F421-42C5-AA70-1A17008674B8}" destId="{8AEEA6EE-B10B-493B-AC72-ABCB89445B81}" srcOrd="4" destOrd="0" parTransId="{ECB0ED73-865F-4932-9831-3E4B37074419}" sibTransId="{DF4AEA0E-8521-4B97-997D-E1258734E68D}"/>
+    <dgm:cxn modelId="{25A8F24F-760D-4E53-91DF-FAE8604777D2}" type="presOf" srcId="{EE8E16E6-627C-4D07-8E02-9AE58BB63366}" destId="{32914054-5201-4F4C-84B8-D8E945DB307E}" srcOrd="1" destOrd="0" presId="urn:microsoft.com/office/officeart/2008/layout/HorizontalMultiLevelHierarchy"/>
+    <dgm:cxn modelId="{1D5BF787-6DEA-434D-81AB-BA2AE2042859}" type="presOf" srcId="{4199B668-0B8E-471A-A525-11E16A4D3F5F}" destId="{B7BBC026-ADB3-4877-99D8-0C780C0F6FD1}" srcOrd="1" destOrd="0" presId="urn:microsoft.com/office/officeart/2008/layout/HorizontalMultiLevelHierarchy"/>
+    <dgm:cxn modelId="{52DFCC7F-F975-4A41-8115-431C9658E9C6}" type="presOf" srcId="{958148BA-D080-4F89-906C-07651A29ED1D}" destId="{1AEACB23-D78F-4B4D-A9E4-0DBACFC420C3}" srcOrd="0" destOrd="0" presId="urn:microsoft.com/office/officeart/2008/layout/HorizontalMultiLevelHierarchy"/>
+    <dgm:cxn modelId="{0626B16C-A45B-4316-B4BE-E1B73945DEFC}" type="presOf" srcId="{D405E58C-0BFF-479D-9ABA-FB5264CAF22D}" destId="{7FFA155F-0FA2-4989-8D7F-60AF2E6F04E5}" srcOrd="0" destOrd="0" presId="urn:microsoft.com/office/officeart/2008/layout/HorizontalMultiLevelHierarchy"/>
+    <dgm:cxn modelId="{DADDC4CB-6CFB-4DF1-A1CA-A77318E03DAE}" type="presOf" srcId="{950E381D-ED7E-4D83-A4B8-8568AB6025F9}" destId="{09D12B51-B6C7-4DC6-B49C-FFFA5368F147}" srcOrd="1" destOrd="0" presId="urn:microsoft.com/office/officeart/2008/layout/HorizontalMultiLevelHierarchy"/>
+    <dgm:cxn modelId="{FFE6C905-1C38-47D4-B413-F6DBD21F8BF5}" type="presOf" srcId="{2D211BC0-FFE3-4E0A-AB82-1D796DFD4AF7}" destId="{5E070DCA-6141-4CDC-B670-2C6E03B4A759}" srcOrd="0" destOrd="0" presId="urn:microsoft.com/office/officeart/2008/layout/HorizontalMultiLevelHierarchy"/>
+    <dgm:cxn modelId="{EB17667E-7268-41BC-AB39-B42DD3D08F27}" type="presOf" srcId="{7FDA7A2D-7937-4983-9070-9DF7C511A23B}" destId="{6FF0C949-3F9D-4789-AC90-F1566F9E4506}" srcOrd="0" destOrd="0" presId="urn:microsoft.com/office/officeart/2008/layout/HorizontalMultiLevelHierarchy"/>
+    <dgm:cxn modelId="{547F4613-64F8-4988-90B3-9DDE4217EA46}" srcId="{54B13330-F421-42C5-AA70-1A17008674B8}" destId="{2D211BC0-FFE3-4E0A-AB82-1D796DFD4AF7}" srcOrd="5" destOrd="0" parTransId="{B9813F5B-48F3-4EF5-BC3B-B4D57540B159}" sibTransId="{B0B6D1A6-A7AD-4739-90D7-D41478B995FB}"/>
+    <dgm:cxn modelId="{EEF119B3-AEE3-4AB3-B4D0-8E4CEB881A28}" type="presOf" srcId="{7ADFD6C0-7688-4607-A280-C83802679844}" destId="{247F949D-0480-4157-8AF0-B64093454D6E}" srcOrd="1" destOrd="0" presId="urn:microsoft.com/office/officeart/2008/layout/HorizontalMultiLevelHierarchy"/>
+    <dgm:cxn modelId="{B2657C5F-9945-46FB-9C62-05E5E0A7F67C}" srcId="{54B13330-F421-42C5-AA70-1A17008674B8}" destId="{0E592EFC-EC4B-49B2-8762-E878CD593E3A}" srcOrd="6" destOrd="0" parTransId="{7F70E8A9-9CDB-4BE3-97A0-A547CB509FBF}" sibTransId="{AB8BD533-E981-4ACF-81AF-C006C75E7DB4}"/>
+    <dgm:cxn modelId="{8389D00D-AD82-4E2D-8423-764E5FEB7066}" srcId="{93A3A072-C16A-406C-99B9-CD23953D5599}" destId="{F6582A67-A139-4B74-A2EA-21A1C864407F}" srcOrd="0" destOrd="0" parTransId="{7ADFD6C0-7688-4607-A280-C83802679844}" sibTransId="{2770CE1B-680D-4E59-9ECF-945B95007EEA}"/>
+    <dgm:cxn modelId="{E5BD989F-08FD-4615-8328-32B9A67FC8EC}" type="presOf" srcId="{81C85202-6A35-4EAB-9B10-2FB4EFE2B5C1}" destId="{E18A34BE-33AC-43AF-85AE-018BFC2FFD84}" srcOrd="0" destOrd="0" presId="urn:microsoft.com/office/officeart/2008/layout/HorizontalMultiLevelHierarchy"/>
+    <dgm:cxn modelId="{2F46BB57-B63A-47E8-912C-40E97CA1466C}" type="presOf" srcId="{0E592EFC-EC4B-49B2-8762-E878CD593E3A}" destId="{008AA575-C7EE-481F-8E5A-70B498B23351}" srcOrd="0" destOrd="0" presId="urn:microsoft.com/office/officeart/2008/layout/HorizontalMultiLevelHierarchy"/>
+    <dgm:cxn modelId="{85EB802E-2D8E-41AE-AE5A-F93FA7F3A4C5}" type="presOf" srcId="{1827863C-95DB-45C4-8D42-0D85AC7DB1F9}" destId="{983E0EB7-A579-4F15-934C-D56985D0E97D}" srcOrd="0" destOrd="0" presId="urn:microsoft.com/office/officeart/2008/layout/HorizontalMultiLevelHierarchy"/>
+    <dgm:cxn modelId="{F67B2359-7437-461E-B432-7F8579E5F53F}" type="presOf" srcId="{C45DF2C0-B93A-4B75-8DF1-E8BF3CD3D08A}" destId="{3BF25A95-3620-426F-99FE-2E8CD08A8CE4}" srcOrd="0" destOrd="0" presId="urn:microsoft.com/office/officeart/2008/layout/HorizontalMultiLevelHierarchy"/>
+    <dgm:cxn modelId="{4B6CF69F-9554-4220-B3AA-C0C6CA8E11DD}" type="presOf" srcId="{B9813F5B-48F3-4EF5-BC3B-B4D57540B159}" destId="{CE5F5186-9E85-4C7D-9636-7B4CA1401932}" srcOrd="1" destOrd="0" presId="urn:microsoft.com/office/officeart/2008/layout/HorizontalMultiLevelHierarchy"/>
+    <dgm:cxn modelId="{E54E5D22-EEB8-4607-BF64-0E0260720E18}" type="presOf" srcId="{04CB74A5-873C-4FFA-8B5E-52E083C039A1}" destId="{48A74B45-5CE6-4774-8729-4169037FAAEA}" srcOrd="0" destOrd="0" presId="urn:microsoft.com/office/officeart/2008/layout/HorizontalMultiLevelHierarchy"/>
     <dgm:cxn modelId="{5BC65BEB-1979-41D4-9310-92D47F995F5F}" srcId="{0E592EFC-EC4B-49B2-8762-E878CD593E3A}" destId="{25637585-FB37-4C6E-AE64-5D712056C643}" srcOrd="0" destOrd="0" parTransId="{84C27BA7-C52C-4E4A-AC03-08EB641A07C9}" sibTransId="{2B491D82-BC58-4B4D-B568-73EDAE69CF33}"/>
-    <dgm:cxn modelId="{FF6DD803-C982-4761-8C4F-D641DC900C35}" type="presOf" srcId="{B9813F5B-48F3-4EF5-BC3B-B4D57540B159}" destId="{7659A773-C789-41EE-A0CA-AE19E2F1CC90}" srcOrd="0" destOrd="0" presId="urn:microsoft.com/office/officeart/2008/layout/HorizontalMultiLevelHierarchy"/>
-    <dgm:cxn modelId="{63222AF8-ED80-46CA-B54D-F3CD2E14E39E}" type="presOf" srcId="{0345B78C-878B-4902-8084-0AE80E9CF16A}" destId="{F2BF9794-4818-4C17-B71E-F6D2CFB4B961}" srcOrd="0" destOrd="0" presId="urn:microsoft.com/office/officeart/2008/layout/HorizontalMultiLevelHierarchy"/>
-    <dgm:cxn modelId="{B6DD3BBF-7755-4518-9FBB-0085EE837966}" srcId="{75BE9B0B-2BDB-463F-BE9D-C31D09866519}" destId="{3A2E7E30-0D97-4988-AEC1-EA43BF7AE0B4}" srcOrd="0" destOrd="0" parTransId="{AD4B420A-E960-4C56-904D-B17CBDF70A3B}" sibTransId="{48C0F6BD-9179-41F2-858A-8A6A668E4926}"/>
-    <dgm:cxn modelId="{F9E7C4AB-3AEF-4BB4-8907-19A4B41DA803}" type="presOf" srcId="{950E381D-ED7E-4D83-A4B8-8568AB6025F9}" destId="{09D12B51-B6C7-4DC6-B49C-FFFA5368F147}" srcOrd="1" destOrd="0" presId="urn:microsoft.com/office/officeart/2008/layout/HorizontalMultiLevelHierarchy"/>
-    <dgm:cxn modelId="{D8EBAA90-EB16-40BE-B2CB-78D894AFB956}" srcId="{54B13330-F421-42C5-AA70-1A17008674B8}" destId="{A4ADDFF1-7882-423C-AA64-6F9186D451D8}" srcOrd="2" destOrd="0" parTransId="{950E381D-ED7E-4D83-A4B8-8568AB6025F9}" sibTransId="{705E98B6-93FA-4737-877F-575788DFD423}"/>
-    <dgm:cxn modelId="{8AA70EFA-1EB9-47CA-A040-C1DA24D6C150}" type="presOf" srcId="{B5A78A89-EE21-443A-AD88-636D47ABC153}" destId="{F688013D-F0BE-46BB-B736-4D8ADB403A7C}" srcOrd="1" destOrd="0" presId="urn:microsoft.com/office/officeart/2008/layout/HorizontalMultiLevelHierarchy"/>
-    <dgm:cxn modelId="{747DE1EC-7668-4618-A003-975E5806A38C}" srcId="{37EC1EA4-ACA7-4ABD-B5B5-A17145C565E3}" destId="{DF7503A4-9748-46BE-BE4E-64ECDC4FBBB9}" srcOrd="1" destOrd="0" parTransId="{5C6EAECC-8A47-475F-ACA6-E09A3CB62EA0}" sibTransId="{159613EF-CE22-4E0C-8DA5-1CB9869A9657}"/>
-    <dgm:cxn modelId="{6A47DB7C-7D66-42EE-BDAC-B9401957C971}" type="presOf" srcId="{1827863C-95DB-45C4-8D42-0D85AC7DB1F9}" destId="{983E0EB7-A579-4F15-934C-D56985D0E97D}" srcOrd="0" destOrd="0" presId="urn:microsoft.com/office/officeart/2008/layout/HorizontalMultiLevelHierarchy"/>
-    <dgm:cxn modelId="{0BDF4435-9B61-49D5-973C-C6B85D9F6D24}" type="presOf" srcId="{950E381D-ED7E-4D83-A4B8-8568AB6025F9}" destId="{57C8A3E4-7C9A-43C4-9524-3ECCF2EC63A7}" srcOrd="0" destOrd="0" presId="urn:microsoft.com/office/officeart/2008/layout/HorizontalMultiLevelHierarchy"/>
-    <dgm:cxn modelId="{A6F50D59-F4A7-4809-A57C-9BCE9B0215E5}" type="presOf" srcId="{3A2E7E30-0D97-4988-AEC1-EA43BF7AE0B4}" destId="{3300BBCC-6AC9-4DD6-9568-E0A5DA875C00}" srcOrd="0" destOrd="0" presId="urn:microsoft.com/office/officeart/2008/layout/HorizontalMultiLevelHierarchy"/>
-    <dgm:cxn modelId="{EE226C17-FBD6-419A-90C4-3C3C17E7DD36}" type="presOf" srcId="{45DF46FE-5552-4308-A066-84250BE98403}" destId="{BFEC901C-22E4-4D42-8427-77359DF98E38}" srcOrd="1" destOrd="0" presId="urn:microsoft.com/office/officeart/2008/layout/HorizontalMultiLevelHierarchy"/>
-    <dgm:cxn modelId="{DE309ADF-90DF-40EB-B7B9-DBC9026EBB8E}" type="presOf" srcId="{B5A78A89-EE21-443A-AD88-636D47ABC153}" destId="{35A4DAB7-D9B6-4AE1-885E-5EF0DCB1A387}" srcOrd="0" destOrd="0" presId="urn:microsoft.com/office/officeart/2008/layout/HorizontalMultiLevelHierarchy"/>
-    <dgm:cxn modelId="{6252555F-F498-4519-9B64-A89E3E9A91B4}" srcId="{2074BDB5-1D06-422A-B45B-78C9FD3A9D32}" destId="{37EC1EA4-ACA7-4ABD-B5B5-A17145C565E3}" srcOrd="1" destOrd="0" parTransId="{06B43761-256B-49F9-ACEE-56B0392FC81A}" sibTransId="{F2B738F4-3F99-4A3F-A286-290423A0181B}"/>
-    <dgm:cxn modelId="{2B24D462-30A8-4F79-91B1-80D46FB9D043}" type="presOf" srcId="{07427257-7B7F-437A-A691-85AFD6F2228C}" destId="{5DD0E4A8-000C-499E-915B-3F505C9926E8}" srcOrd="0" destOrd="0" presId="urn:microsoft.com/office/officeart/2008/layout/HorizontalMultiLevelHierarchy"/>
-    <dgm:cxn modelId="{E8AA6B42-6E5D-4085-865F-FCD2455C9144}" type="presOf" srcId="{AD4B420A-E960-4C56-904D-B17CBDF70A3B}" destId="{EED7BC17-370A-4425-8FB3-91D3F62D87AC}" srcOrd="0" destOrd="0" presId="urn:microsoft.com/office/officeart/2008/layout/HorizontalMultiLevelHierarchy"/>
-    <dgm:cxn modelId="{2897EF48-3C35-4FC7-B6B0-E36BBB922C2B}" type="presOf" srcId="{558E9BE2-A6B2-4E85-921C-9FD684EA2FD7}" destId="{1A4EAC15-35BF-4DF8-915E-FE48D53012CE}" srcOrd="0" destOrd="0" presId="urn:microsoft.com/office/officeart/2008/layout/HorizontalMultiLevelHierarchy"/>
-    <dgm:cxn modelId="{9DD86AE0-C846-4AE9-857E-1FB0CCB27ED7}" type="presOf" srcId="{7F70E8A9-9CDB-4BE3-97A0-A547CB509FBF}" destId="{3C9CBFC3-FB4D-43C3-9946-F80DA72775D5}" srcOrd="0" destOrd="0" presId="urn:microsoft.com/office/officeart/2008/layout/HorizontalMultiLevelHierarchy"/>
-    <dgm:cxn modelId="{96562B11-8F95-4074-8FC5-AA728BFC6F4F}" type="presOf" srcId="{2074BDB5-1D06-422A-B45B-78C9FD3A9D32}" destId="{EB125274-52C0-4A02-8826-AB14A67FBF68}" srcOrd="0" destOrd="0" presId="urn:microsoft.com/office/officeart/2008/layout/HorizontalMultiLevelHierarchy"/>
-    <dgm:cxn modelId="{EE42B666-4971-4476-81A5-59E178F243EE}" type="presOf" srcId="{AF2E6075-12BB-44F9-B338-5D2CF97E2C60}" destId="{8BEA92FD-7AA7-4C54-A363-77F672F47FAD}" srcOrd="1" destOrd="0" presId="urn:microsoft.com/office/officeart/2008/layout/HorizontalMultiLevelHierarchy"/>
-    <dgm:cxn modelId="{E54E5D22-EEB8-4607-BF64-0E0260720E18}" type="presOf" srcId="{04CB74A5-873C-4FFA-8B5E-52E083C039A1}" destId="{48A74B45-5CE6-4774-8729-4169037FAAEA}" srcOrd="0" destOrd="0" presId="urn:microsoft.com/office/officeart/2008/layout/HorizontalMultiLevelHierarchy"/>
-    <dgm:cxn modelId="{3FE31B4A-EBE0-4A30-A3A4-965F324DAF88}" type="presOf" srcId="{7F70E8A9-9CDB-4BE3-97A0-A547CB509FBF}" destId="{2012A195-9D04-4B40-A67C-D87382A06527}" srcOrd="1" destOrd="0" presId="urn:microsoft.com/office/officeart/2008/layout/HorizontalMultiLevelHierarchy"/>
+    <dgm:cxn modelId="{3C74D69B-D05C-4215-8E2F-2BEB01D5C233}" type="presOf" srcId="{B5A78A89-EE21-443A-AD88-636D47ABC153}" destId="{35A4DAB7-D9B6-4AE1-885E-5EF0DCB1A387}" srcOrd="0" destOrd="0" presId="urn:microsoft.com/office/officeart/2008/layout/HorizontalMultiLevelHierarchy"/>
+    <dgm:cxn modelId="{BD64F324-2A4E-4488-9708-E0431AEFBD07}" type="presOf" srcId="{104B82BD-60F8-4705-9410-1A92324DD223}" destId="{55EF61AB-7728-4180-811E-46C0333973BB}" srcOrd="1" destOrd="0" presId="urn:microsoft.com/office/officeart/2008/layout/HorizontalMultiLevelHierarchy"/>
+    <dgm:cxn modelId="{3EFC3675-D156-43A2-839F-CB18D5F1EB04}" type="presOf" srcId="{ECB0ED73-865F-4932-9831-3E4B37074419}" destId="{8AE0D171-6F72-469E-B5C6-F9E7C296DEDB}" srcOrd="0" destOrd="0" presId="urn:microsoft.com/office/officeart/2008/layout/HorizontalMultiLevelHierarchy"/>
+    <dgm:cxn modelId="{C7579C7E-1CA1-4778-BF13-BF440499F383}" srcId="{3FCF1F2A-FD07-43B4-B879-471F983406EE}" destId="{B6DB16EE-E97D-4862-B529-4C94EEA394AE}" srcOrd="1" destOrd="0" parTransId="{C45DF2C0-B93A-4B75-8DF1-E8BF3CD3D08A}" sibTransId="{C85F78CD-1AC7-4BDE-9B09-9D0460E780B2}"/>
+    <dgm:cxn modelId="{C40F9D2D-94C3-4608-B645-36A30087636E}" srcId="{B6DB16EE-E97D-4862-B529-4C94EEA394AE}" destId="{50EF9952-B732-439E-8DB0-E39A7B77AE06}" srcOrd="1" destOrd="0" parTransId="{104B82BD-60F8-4705-9410-1A92324DD223}" sibTransId="{B9C578C1-2734-44A9-BD5B-96FCECB75FDB}"/>
+    <dgm:cxn modelId="{3CFD2860-1AD0-4AF0-8B15-2D01D8F153BF}" srcId="{A4ADDFF1-7882-423C-AA64-6F9186D451D8}" destId="{958148BA-D080-4F89-906C-07651A29ED1D}" srcOrd="0" destOrd="0" parTransId="{0345B78C-878B-4902-8084-0AE80E9CF16A}" sibTransId="{3FF8CE95-583A-4852-8201-EB1C191B396D}"/>
+    <dgm:cxn modelId="{336EC260-D909-4B6D-9955-970D0A80F35E}" type="presOf" srcId="{A9F767A8-41B4-407B-9C08-B566A1AC4927}" destId="{DBA4CA91-E385-4850-9C79-2C53D314572F}" srcOrd="0" destOrd="0" presId="urn:microsoft.com/office/officeart/2008/layout/HorizontalMultiLevelHierarchy"/>
+    <dgm:cxn modelId="{FE6156C8-89CD-476F-8A2B-3D89A33D3F06}" type="presOf" srcId="{1F72B363-B160-4A80-A6C8-370EDD94B4CF}" destId="{0D01B59A-5FFE-4A83-B8D9-A6EDCFE2B05E}" srcOrd="0" destOrd="0" presId="urn:microsoft.com/office/officeart/2008/layout/HorizontalMultiLevelHierarchy"/>
+    <dgm:cxn modelId="{BB634F35-3005-411E-813A-C14E94470567}" type="presOf" srcId="{7F70E8A9-9CDB-4BE3-97A0-A547CB509FBF}" destId="{3C9CBFC3-FB4D-43C3-9946-F80DA72775D5}" srcOrd="0" destOrd="0" presId="urn:microsoft.com/office/officeart/2008/layout/HorizontalMultiLevelHierarchy"/>
+    <dgm:cxn modelId="{97496D86-7A7E-486E-9C50-F48287192D8A}" type="presOf" srcId="{104B82BD-60F8-4705-9410-1A92324DD223}" destId="{34D49760-BA84-4BD7-B73E-D0E72C2EE2B4}" srcOrd="0" destOrd="0" presId="urn:microsoft.com/office/officeart/2008/layout/HorizontalMultiLevelHierarchy"/>
+    <dgm:cxn modelId="{F6388762-1808-4748-B0B3-D6176D203D72}" srcId="{3FCF1F2A-FD07-43B4-B879-471F983406EE}" destId="{E8228F9F-DDFD-462E-B835-579497478985}" srcOrd="0" destOrd="0" parTransId="{EE8E16E6-627C-4D07-8E02-9AE58BB63366}" sibTransId="{EDC9C1F8-5DB2-4951-84D7-07CE9B703208}"/>
+    <dgm:cxn modelId="{217B51BA-3BA4-4AE6-84DA-6EB1B9047874}" type="presOf" srcId="{B9813F5B-48F3-4EF5-BC3B-B4D57540B159}" destId="{7659A773-C789-41EE-A0CA-AE19E2F1CC90}" srcOrd="0" destOrd="0" presId="urn:microsoft.com/office/officeart/2008/layout/HorizontalMultiLevelHierarchy"/>
+    <dgm:cxn modelId="{B79F9C6B-CDF6-4D5B-BE7C-16BA4B50C93A}" type="presOf" srcId="{89F05746-7530-4AC5-8136-A9C4E5576ED2}" destId="{DB0AC17B-B174-4DA2-8E4D-0D7D3240691F}" srcOrd="0" destOrd="0" presId="urn:microsoft.com/office/officeart/2008/layout/HorizontalMultiLevelHierarchy"/>
+    <dgm:cxn modelId="{56F64DCD-5A23-4DAD-8C14-742E71D3E221}" srcId="{54B13330-F421-42C5-AA70-1A17008674B8}" destId="{B6B8F82E-09CD-4F01-834B-E97FC90C517D}" srcOrd="1" destOrd="0" parTransId="{1AD49B2B-CE49-4482-99A1-C3A65402D993}" sibTransId="{06483560-7260-45FD-912E-BDDB9C621AEE}"/>
+    <dgm:cxn modelId="{D3F43EBE-2266-4024-A517-39F2043616CA}" type="presOf" srcId="{A9F767A8-41B4-407B-9C08-B566A1AC4927}" destId="{D4F042F9-7F33-48B6-BE52-18A5504D12C6}" srcOrd="1" destOrd="0" presId="urn:microsoft.com/office/officeart/2008/layout/HorizontalMultiLevelHierarchy"/>
     <dgm:cxn modelId="{34547986-B343-478F-90BB-17AA42064569}" srcId="{1156188F-2B8C-4396-9898-051C2329E1C5}" destId="{2F5FAEFE-1EA9-41CB-9537-E3948DA75E82}" srcOrd="0" destOrd="0" parTransId="{B5A78A89-EE21-443A-AD88-636D47ABC153}" sibTransId="{329E628C-3532-40B0-AA1C-6ED2CC5FDCD9}"/>
-    <dgm:cxn modelId="{3473A2BC-F93D-43DD-BF61-E79B2DC9FB11}" type="presOf" srcId="{6F8F7E8C-B811-4B12-AABD-CF8B632A3E0C}" destId="{D3B2807E-2D00-4BBB-B68D-AB005D2F6015}" srcOrd="0" destOrd="0" presId="urn:microsoft.com/office/officeart/2008/layout/HorizontalMultiLevelHierarchy"/>
-    <dgm:cxn modelId="{D7018761-998B-474F-A865-AE99B14DFD66}" type="presOf" srcId="{75BE9B0B-2BDB-463F-BE9D-C31D09866519}" destId="{9FC171B3-9375-4F0A-989D-6E293A8A8369}" srcOrd="0" destOrd="0" presId="urn:microsoft.com/office/officeart/2008/layout/HorizontalMultiLevelHierarchy"/>
-    <dgm:cxn modelId="{26499EAE-3008-4250-B2CD-55FE43E8BC7E}" type="presOf" srcId="{1AD49B2B-CE49-4482-99A1-C3A65402D993}" destId="{7F012391-3332-4BCA-873A-034FD03600FE}" srcOrd="0" destOrd="0" presId="urn:microsoft.com/office/officeart/2008/layout/HorizontalMultiLevelHierarchy"/>
-    <dgm:cxn modelId="{8BC04A61-E314-4F37-89CA-14D622551427}" type="presOf" srcId="{5C6EAECC-8A47-475F-ACA6-E09A3CB62EA0}" destId="{E0E86F4F-9ECB-400B-9239-FDD1022B52B7}" srcOrd="0" destOrd="0" presId="urn:microsoft.com/office/officeart/2008/layout/HorizontalMultiLevelHierarchy"/>
-    <dgm:cxn modelId="{5997FF70-C511-40C4-9F81-8755E09BE590}" srcId="{B5EB50BD-139D-4A8E-BB05-9ABBC2CBC816}" destId="{18D34A5D-5386-4676-A8EE-8B438C23CD72}" srcOrd="0" destOrd="0" parTransId="{2D57EFD5-DB3D-4156-A3F7-2D8E61616C45}" sibTransId="{9942721D-F78A-471F-8C4E-DE5F8362113F}"/>
-    <dgm:cxn modelId="{56F64DCD-5A23-4DAD-8C14-742E71D3E221}" srcId="{54B13330-F421-42C5-AA70-1A17008674B8}" destId="{B6B8F82E-09CD-4F01-834B-E97FC90C517D}" srcOrd="0" destOrd="0" parTransId="{1AD49B2B-CE49-4482-99A1-C3A65402D993}" sibTransId="{06483560-7260-45FD-912E-BDDB9C621AEE}"/>
-    <dgm:cxn modelId="{42B0A21D-ECF5-43DC-A0B7-B084D1D1CCB7}" srcId="{54B13330-F421-42C5-AA70-1A17008674B8}" destId="{23D88E99-9DEC-41CD-B88B-F00127A2CB99}" srcOrd="6" destOrd="0" parTransId="{D4EB8AF8-10F2-4E4D-BBD0-522BA8DC214B}" sibTransId="{E4DBB80B-177F-4778-97C2-6D268A4D569E}"/>
-    <dgm:cxn modelId="{12C5F24B-DB0D-4177-BF99-01C50A2CC487}" type="presOf" srcId="{45DF46FE-5552-4308-A066-84250BE98403}" destId="{064AC099-D32D-4278-BEE3-BFD4EF1F841F}" srcOrd="0" destOrd="0" presId="urn:microsoft.com/office/officeart/2008/layout/HorizontalMultiLevelHierarchy"/>
-    <dgm:cxn modelId="{0563D47E-8F3E-478D-A90F-43A1109CA333}" type="presOf" srcId="{B9813F5B-48F3-4EF5-BC3B-B4D57540B159}" destId="{CE5F5186-9E85-4C7D-9636-7B4CA1401932}" srcOrd="1" destOrd="0" presId="urn:microsoft.com/office/officeart/2008/layout/HorizontalMultiLevelHierarchy"/>
-    <dgm:cxn modelId="{4CA8C21E-C329-4F31-ABF2-D39FEEFC32E9}" srcId="{2074BDB5-1D06-422A-B45B-78C9FD3A9D32}" destId="{6F8F7E8C-B811-4B12-AABD-CF8B632A3E0C}" srcOrd="0" destOrd="0" parTransId="{24F8A180-91FD-4857-8800-1B193E7B5E68}" sibTransId="{A90B35EE-AE4F-4A88-B79B-C87AA5BFA83C}"/>
-    <dgm:cxn modelId="{CABC6690-9C61-4660-BD62-4B781140F62F}" type="presOf" srcId="{18D34A5D-5386-4676-A8EE-8B438C23CD72}" destId="{29DBE660-6C98-40EF-8C86-F54F31F8182B}" srcOrd="0" destOrd="0" presId="urn:microsoft.com/office/officeart/2008/layout/HorizontalMultiLevelHierarchy"/>
+    <dgm:cxn modelId="{FE6113A4-B654-4594-A766-68198F02DB5A}" type="presOf" srcId="{61BB162E-D6CB-4DDB-BADD-26CF607C68D6}" destId="{A49807EE-F733-4759-A61F-A4B482785FC1}" srcOrd="0" destOrd="0" presId="urn:microsoft.com/office/officeart/2008/layout/HorizontalMultiLevelHierarchy"/>
+    <dgm:cxn modelId="{836DD4D7-01CD-46FD-B646-288588C73241}" type="presOf" srcId="{B6DB16EE-E97D-4862-B529-4C94EEA394AE}" destId="{EACEC2A6-7951-4968-AA9B-D272FA3F4B6C}" srcOrd="0" destOrd="0" presId="urn:microsoft.com/office/officeart/2008/layout/HorizontalMultiLevelHierarchy"/>
+    <dgm:cxn modelId="{2270BEC3-F788-49FA-B7B0-48957961EC9C}" type="presOf" srcId="{40F64F40-29E1-4825-8265-5C136AA57213}" destId="{D474315A-A521-493F-8025-B9C26A01D152}" srcOrd="0" destOrd="0" presId="urn:microsoft.com/office/officeart/2008/layout/HorizontalMultiLevelHierarchy"/>
+    <dgm:cxn modelId="{7DB828BC-5981-487C-8C13-7DCA1901C223}" srcId="{54B13330-F421-42C5-AA70-1A17008674B8}" destId="{93A3A072-C16A-406C-99B9-CD23953D5599}" srcOrd="8" destOrd="0" parTransId="{2C008328-FD85-4AE4-91F1-9A943B010F73}" sibTransId="{B78B0FDA-9C64-4149-A9EC-AAE291A09890}"/>
+    <dgm:cxn modelId="{A8810A86-D921-4788-A354-57356BDD7207}" type="presOf" srcId="{303742BD-6784-441F-93B8-679D96BEDC3D}" destId="{771C85E9-EA07-4D9D-82E2-641FCFAA20BC}" srcOrd="1" destOrd="0" presId="urn:microsoft.com/office/officeart/2008/layout/HorizontalMultiLevelHierarchy"/>
+    <dgm:cxn modelId="{8A7DFAF6-9E14-4E02-9D52-782A0E74F44E}" type="presOf" srcId="{2C008328-FD85-4AE4-91F1-9A943B010F73}" destId="{C4A6E93C-56E8-4190-8124-02E9A0682B32}" srcOrd="0" destOrd="0" presId="urn:microsoft.com/office/officeart/2008/layout/HorizontalMultiLevelHierarchy"/>
+    <dgm:cxn modelId="{42CDE7AC-43A0-4734-B59D-9706AAC4E666}" type="presOf" srcId="{B6B8F82E-09CD-4F01-834B-E97FC90C517D}" destId="{31066EA5-3788-412A-8DFC-F65B6009BADF}" srcOrd="0" destOrd="0" presId="urn:microsoft.com/office/officeart/2008/layout/HorizontalMultiLevelHierarchy"/>
+    <dgm:cxn modelId="{8A07770C-6F2D-4766-A544-AD8D32EED84C}" type="presOf" srcId="{84C27BA7-C52C-4E4A-AC03-08EB641A07C9}" destId="{6A0827AD-C4ED-47CF-9A76-9E8009271F53}" srcOrd="0" destOrd="0" presId="urn:microsoft.com/office/officeart/2008/layout/HorizontalMultiLevelHierarchy"/>
+    <dgm:cxn modelId="{5AA6F1C7-CA5A-4B76-9B69-AEE689EF0ED8}" type="presOf" srcId="{1AD49B2B-CE49-4482-99A1-C3A65402D993}" destId="{7F012391-3332-4BCA-873A-034FD03600FE}" srcOrd="0" destOrd="0" presId="urn:microsoft.com/office/officeart/2008/layout/HorizontalMultiLevelHierarchy"/>
+    <dgm:cxn modelId="{D4F97384-4C39-493D-A039-4A16FBEE0230}" type="presOf" srcId="{E8228F9F-DDFD-462E-B835-579497478985}" destId="{0D30C521-978A-42D4-B3BF-B04C2BC16A78}" srcOrd="0" destOrd="0" presId="urn:microsoft.com/office/officeart/2008/layout/HorizontalMultiLevelHierarchy"/>
+    <dgm:cxn modelId="{35191DF8-AF5C-422A-8CFC-1B7CDE1EA2A5}" type="presOf" srcId="{0345B78C-878B-4902-8084-0AE80E9CF16A}" destId="{A72DC1AD-4E9F-4886-B3BA-14E3602FFE3E}" srcOrd="1" destOrd="0" presId="urn:microsoft.com/office/officeart/2008/layout/HorizontalMultiLevelHierarchy"/>
+    <dgm:cxn modelId="{BF5C295E-B86E-43F8-A68D-EFE93E8FC940}" type="presOf" srcId="{A4ADDFF1-7882-423C-AA64-6F9186D451D8}" destId="{A5B26C97-0E77-41FA-A583-0CC5586F7601}" srcOrd="0" destOrd="0" presId="urn:microsoft.com/office/officeart/2008/layout/HorizontalMultiLevelHierarchy"/>
+    <dgm:cxn modelId="{E8E3977F-463E-4699-9EEB-A57C721CDBCC}" type="presOf" srcId="{25637585-FB37-4C6E-AE64-5D712056C643}" destId="{7F95FDAB-3B35-4D5B-BBC5-204E545D0876}" srcOrd="0" destOrd="0" presId="urn:microsoft.com/office/officeart/2008/layout/HorizontalMultiLevelHierarchy"/>
+    <dgm:cxn modelId="{3B3405C1-29AA-4E9E-8112-82800D63BEED}" type="presOf" srcId="{2C008328-FD85-4AE4-91F1-9A943B010F73}" destId="{9F597C50-5DB0-4EA6-8A48-7C5118307BF2}" srcOrd="1" destOrd="0" presId="urn:microsoft.com/office/officeart/2008/layout/HorizontalMultiLevelHierarchy"/>
+    <dgm:cxn modelId="{2E47288E-F14E-4D39-966F-1121F2437986}" type="presOf" srcId="{1F72B363-B160-4A80-A6C8-370EDD94B4CF}" destId="{82E38931-4962-40FE-9F98-C9CB41EA7B26}" srcOrd="1" destOrd="0" presId="urn:microsoft.com/office/officeart/2008/layout/HorizontalMultiLevelHierarchy"/>
+    <dgm:cxn modelId="{72F87271-CC60-4AE4-9304-739B5FD30255}" type="presOf" srcId="{C3E03338-09AD-4F62-BBB1-D19C1FC1696F}" destId="{DC3EC34F-D3D6-47D6-9614-ACE62C55A5F1}" srcOrd="0" destOrd="0" presId="urn:microsoft.com/office/officeart/2008/layout/HorizontalMultiLevelHierarchy"/>
     <dgm:cxn modelId="{51962030-3B72-4200-8CF8-AE31AFA3C982}" srcId="{04CB74A5-873C-4FFA-8B5E-52E083C039A1}" destId="{54B13330-F421-42C5-AA70-1A17008674B8}" srcOrd="0" destOrd="0" parTransId="{EB9703AF-5954-4CCD-9613-126E35B6383E}" sibTransId="{955D7C21-EBD8-41F5-9484-C39C79E83882}"/>
-    <dgm:cxn modelId="{83054407-8274-4EB0-8EB7-BF0508BCD544}" type="presOf" srcId="{24F8A180-91FD-4857-8800-1B193E7B5E68}" destId="{0D74CEF3-9335-4B23-98D6-9ADDEA51D7F9}" srcOrd="0" destOrd="0" presId="urn:microsoft.com/office/officeart/2008/layout/HorizontalMultiLevelHierarchy"/>
-    <dgm:cxn modelId="{9BCB7AB4-8263-4854-A190-5D394D8EA03E}" type="presOf" srcId="{06B43761-256B-49F9-ACEE-56B0392FC81A}" destId="{26936758-9DAB-4781-9F1B-CA9EEBD18245}" srcOrd="0" destOrd="0" presId="urn:microsoft.com/office/officeart/2008/layout/HorizontalMultiLevelHierarchy"/>
-    <dgm:cxn modelId="{DB83C23A-6598-4FBF-B3E7-4E23A75AF737}" srcId="{75BE9B0B-2BDB-463F-BE9D-C31D09866519}" destId="{B5EB50BD-139D-4A8E-BB05-9ABBC2CBC816}" srcOrd="1" destOrd="0" parTransId="{07427257-7B7F-437A-A691-85AFD6F2228C}" sibTransId="{FE8A4410-44C0-44EC-94D6-99F60AF48F4D}"/>
-    <dgm:cxn modelId="{2146700B-9EF8-459B-9E62-661C12D25D05}" type="presOf" srcId="{54B13330-F421-42C5-AA70-1A17008674B8}" destId="{B325A06F-D7AF-48D6-A433-D30945A84C4F}" srcOrd="0" destOrd="0" presId="urn:microsoft.com/office/officeart/2008/layout/HorizontalMultiLevelHierarchy"/>
-    <dgm:cxn modelId="{005C04F6-DA63-4039-B237-B55298EDD5C3}" type="presOf" srcId="{84C27BA7-C52C-4E4A-AC03-08EB641A07C9}" destId="{6A0827AD-C4ED-47CF-9A76-9E8009271F53}" srcOrd="0" destOrd="0" presId="urn:microsoft.com/office/officeart/2008/layout/HorizontalMultiLevelHierarchy"/>
-    <dgm:cxn modelId="{EE6DA0BF-D8F5-4BC7-AA3D-18CAD3EDE323}" type="presOf" srcId="{2D211BC0-FFE3-4E0A-AB82-1D796DFD4AF7}" destId="{5E070DCA-6141-4CDC-B670-2C6E03B4A759}" srcOrd="0" destOrd="0" presId="urn:microsoft.com/office/officeart/2008/layout/HorizontalMultiLevelHierarchy"/>
-    <dgm:cxn modelId="{B8B550B1-6E1A-48D0-A0B8-E2E02CF3C2D1}" srcId="{54B13330-F421-42C5-AA70-1A17008674B8}" destId="{75BE9B0B-2BDB-463F-BE9D-C31D09866519}" srcOrd="5" destOrd="0" parTransId="{AF2E6075-12BB-44F9-B338-5D2CF97E2C60}" sibTransId="{9AF4F34E-EDF6-4F59-84CA-83CCB479BB3D}"/>
-    <dgm:cxn modelId="{E584A865-1282-4043-99F5-C2664DBA198C}" srcId="{54B13330-F421-42C5-AA70-1A17008674B8}" destId="{2074BDB5-1D06-422A-B45B-78C9FD3A9D32}" srcOrd="4" destOrd="0" parTransId="{45DF46FE-5552-4308-A066-84250BE98403}" sibTransId="{E31254C1-5FC3-4D12-96C0-2AAB305B28F4}"/>
-    <dgm:cxn modelId="{265B265E-2706-4FBE-9FCF-E82A089C95F9}" type="presOf" srcId="{2F5FAEFE-1EA9-41CB-9537-E3948DA75E82}" destId="{E50C2439-5302-4073-A4A6-DD0B3CA2D779}" srcOrd="0" destOrd="0" presId="urn:microsoft.com/office/officeart/2008/layout/HorizontalMultiLevelHierarchy"/>
-    <dgm:cxn modelId="{4500107C-880E-4960-8F24-F7A8C502969A}" srcId="{8AEEA6EE-B10B-493B-AC72-ABCB89445B81}" destId="{D405E58C-0BFF-479D-9ABA-FB5264CAF22D}" srcOrd="0" destOrd="0" parTransId="{1F72B363-B160-4A80-A6C8-370EDD94B4CF}" sibTransId="{ED46DFF8-ADE0-40BB-818A-3E8B74A47F42}"/>
-    <dgm:cxn modelId="{3DBECB0A-D97C-4103-9455-400C46699EDD}" type="presOf" srcId="{1156188F-2B8C-4396-9898-051C2329E1C5}" destId="{548BEBB0-D16C-432C-B6DC-C7FC389D01DC}" srcOrd="0" destOrd="0" presId="urn:microsoft.com/office/officeart/2008/layout/HorizontalMultiLevelHierarchy"/>
-    <dgm:cxn modelId="{C7433438-9693-43AB-A4DC-3DCD702B0EE0}" type="presOf" srcId="{8AEEA6EE-B10B-493B-AC72-ABCB89445B81}" destId="{0A31862F-7E3F-46A2-99D4-B96370DB3536}" srcOrd="0" destOrd="0" presId="urn:microsoft.com/office/officeart/2008/layout/HorizontalMultiLevelHierarchy"/>
-    <dgm:cxn modelId="{84865FF4-687E-483E-B6F7-E95131CE252B}" type="presOf" srcId="{69D32B0C-CC73-4041-8EB4-7ECB98363973}" destId="{842A7FF0-811E-408E-B9A8-59EE86BF36C3}" srcOrd="1" destOrd="0" presId="urn:microsoft.com/office/officeart/2008/layout/HorizontalMultiLevelHierarchy"/>
-    <dgm:cxn modelId="{3AD88144-6CCE-4D84-9BED-920DACA3330D}" type="presOf" srcId="{AD4B420A-E960-4C56-904D-B17CBDF70A3B}" destId="{3F46C014-7FFA-4A99-B0F2-7B36FACEBAB0}" srcOrd="1" destOrd="0" presId="urn:microsoft.com/office/officeart/2008/layout/HorizontalMultiLevelHierarchy"/>
-    <dgm:cxn modelId="{FEA85E63-E78F-4F17-91DA-C037A80EAFE3}" type="presOf" srcId="{AF2E6075-12BB-44F9-B338-5D2CF97E2C60}" destId="{243F0976-F465-4195-A98A-24EBB1E78465}" srcOrd="0" destOrd="0" presId="urn:microsoft.com/office/officeart/2008/layout/HorizontalMultiLevelHierarchy"/>
-    <dgm:cxn modelId="{4933B78C-C2EF-4CEE-A444-3977E004E7A3}" type="presOf" srcId="{0E592EFC-EC4B-49B2-8762-E878CD593E3A}" destId="{008AA575-C7EE-481F-8E5A-70B498B23351}" srcOrd="0" destOrd="0" presId="urn:microsoft.com/office/officeart/2008/layout/HorizontalMultiLevelHierarchy"/>
-    <dgm:cxn modelId="{18E36919-9B79-46FD-A855-13A822039C88}" type="presOf" srcId="{ECB0ED73-865F-4932-9831-3E4B37074419}" destId="{94E6744A-2397-490C-9C52-22C4C5813703}" srcOrd="1" destOrd="0" presId="urn:microsoft.com/office/officeart/2008/layout/HorizontalMultiLevelHierarchy"/>
-    <dgm:cxn modelId="{4A490BBD-18D4-40D2-83FB-A2535CF2347B}" type="presOf" srcId="{2D57EFD5-DB3D-4156-A3F7-2D8E61616C45}" destId="{88C98D39-914E-476B-A9DB-31880AF3EEFA}" srcOrd="1" destOrd="0" presId="urn:microsoft.com/office/officeart/2008/layout/HorizontalMultiLevelHierarchy"/>
-    <dgm:cxn modelId="{B2657C5F-9945-46FB-9C62-05E5E0A7F67C}" srcId="{54B13330-F421-42C5-AA70-1A17008674B8}" destId="{0E592EFC-EC4B-49B2-8762-E878CD593E3A}" srcOrd="8" destOrd="0" parTransId="{7F70E8A9-9CDB-4BE3-97A0-A547CB509FBF}" sibTransId="{AB8BD533-E981-4ACF-81AF-C006C75E7DB4}"/>
-    <dgm:cxn modelId="{EA6B65B5-64D4-48AE-84BA-18F4896DA1A4}" type="presOf" srcId="{1AD49B2B-CE49-4482-99A1-C3A65402D993}" destId="{8F67BFA0-5899-4F66-988A-B943E15B2679}" srcOrd="1" destOrd="0" presId="urn:microsoft.com/office/officeart/2008/layout/HorizontalMultiLevelHierarchy"/>
-    <dgm:cxn modelId="{9FCF22C4-5F88-4F80-B49A-B104D588CE43}" srcId="{54B13330-F421-42C5-AA70-1A17008674B8}" destId="{1156188F-2B8C-4396-9898-051C2329E1C5}" srcOrd="1" destOrd="0" parTransId="{303742BD-6784-441F-93B8-679D96BEDC3D}" sibTransId="{8DDB81A5-8CA1-4913-9826-078D259DDE78}"/>
-    <dgm:cxn modelId="{6227445D-F6B2-4219-964C-46AF91F12EBB}" type="presOf" srcId="{0345B78C-878B-4902-8084-0AE80E9CF16A}" destId="{A72DC1AD-4E9F-4886-B3BA-14E3602FFE3E}" srcOrd="1" destOrd="0" presId="urn:microsoft.com/office/officeart/2008/layout/HorizontalMultiLevelHierarchy"/>
-    <dgm:cxn modelId="{1C3B101C-A676-47E8-9A2E-C82EE6A94550}" type="presOf" srcId="{69D32B0C-CC73-4041-8EB4-7ECB98363973}" destId="{BFE6B8CB-9F7C-4749-8551-B221692DA4A1}" srcOrd="0" destOrd="0" presId="urn:microsoft.com/office/officeart/2008/layout/HorizontalMultiLevelHierarchy"/>
-    <dgm:cxn modelId="{71AC8494-EC5F-4DFA-A09B-F62F8DAAC5AA}" type="presOf" srcId="{5C6EAECC-8A47-475F-ACA6-E09A3CB62EA0}" destId="{74FE04A5-0ACE-4AE9-9389-E8B1F70860CC}" srcOrd="1" destOrd="0" presId="urn:microsoft.com/office/officeart/2008/layout/HorizontalMultiLevelHierarchy"/>
-    <dgm:cxn modelId="{AF9E6DE0-2607-4235-9FA6-E242C3E16179}" srcId="{2D211BC0-FFE3-4E0A-AB82-1D796DFD4AF7}" destId="{1827863C-95DB-45C4-8D42-0D85AC7DB1F9}" srcOrd="0" destOrd="0" parTransId="{C6606349-5672-442E-A5B1-3B6EC2A628D0}" sibTransId="{1BF275A3-99EF-4F2B-B786-745EA761BCA8}"/>
-    <dgm:cxn modelId="{AB86810C-503C-4483-B993-E3B5D1A8A517}" type="presOf" srcId="{303742BD-6784-441F-93B8-679D96BEDC3D}" destId="{771C85E9-EA07-4D9D-82E2-641FCFAA20BC}" srcOrd="1" destOrd="0" presId="urn:microsoft.com/office/officeart/2008/layout/HorizontalMultiLevelHierarchy"/>
-    <dgm:cxn modelId="{3CFD2860-1AD0-4AF0-8B15-2D01D8F153BF}" srcId="{A4ADDFF1-7882-423C-AA64-6F9186D451D8}" destId="{958148BA-D080-4F89-906C-07651A29ED1D}" srcOrd="0" destOrd="0" parTransId="{0345B78C-878B-4902-8084-0AE80E9CF16A}" sibTransId="{3FF8CE95-583A-4852-8201-EB1C191B396D}"/>
-    <dgm:cxn modelId="{05F5D036-D327-4104-82F3-99FA94EAA78B}" srcId="{37EC1EA4-ACA7-4ABD-B5B5-A17145C565E3}" destId="{558E9BE2-A6B2-4E85-921C-9FD684EA2FD7}" srcOrd="0" destOrd="0" parTransId="{69D32B0C-CC73-4041-8EB4-7ECB98363973}" sibTransId="{E79B7ED0-F8D9-468E-953C-8B4CEAAD469E}"/>
-    <dgm:cxn modelId="{245DFE69-E2DF-499C-BBB1-7D427E89FF8A}" type="presOf" srcId="{2D57EFD5-DB3D-4156-A3F7-2D8E61616C45}" destId="{A400F115-1E3B-44F8-8D1E-40E47E660FAF}" srcOrd="0" destOrd="0" presId="urn:microsoft.com/office/officeart/2008/layout/HorizontalMultiLevelHierarchy"/>
-    <dgm:cxn modelId="{02E9F5E3-FFA5-498D-B555-1D09FFD3FA28}" type="presOf" srcId="{D4EB8AF8-10F2-4E4D-BBD0-522BA8DC214B}" destId="{F2ED5852-3CED-4262-ABB1-DF46CF491E0B}" srcOrd="1" destOrd="0" presId="urn:microsoft.com/office/officeart/2008/layout/HorizontalMultiLevelHierarchy"/>
-    <dgm:cxn modelId="{61984FEE-0291-4581-8D53-CA04B7AB0976}" type="presOf" srcId="{303742BD-6784-441F-93B8-679D96BEDC3D}" destId="{713DFD89-4B6B-47B2-8203-544899CE5C74}" srcOrd="0" destOrd="0" presId="urn:microsoft.com/office/officeart/2008/layout/HorizontalMultiLevelHierarchy"/>
-    <dgm:cxn modelId="{62A386FC-BA66-4D2D-8C80-EEABA1A4BFE9}" type="presOf" srcId="{37EC1EA4-ACA7-4ABD-B5B5-A17145C565E3}" destId="{47C09220-D8AF-482D-A8EF-E0E0574EBB2F}" srcOrd="0" destOrd="0" presId="urn:microsoft.com/office/officeart/2008/layout/HorizontalMultiLevelHierarchy"/>
-    <dgm:cxn modelId="{5C02553D-2B1F-466D-BA31-884A93FD86FA}" type="presOf" srcId="{1F72B363-B160-4A80-A6C8-370EDD94B4CF}" destId="{82E38931-4962-40FE-9F98-C9CB41EA7B26}" srcOrd="1" destOrd="0" presId="urn:microsoft.com/office/officeart/2008/layout/HorizontalMultiLevelHierarchy"/>
-    <dgm:cxn modelId="{DD634649-B9AA-4DF0-A468-C22A7AD69AD1}" type="presOf" srcId="{07427257-7B7F-437A-A691-85AFD6F2228C}" destId="{5FE8D906-13BB-4994-997F-60B4BEDC516D}" srcOrd="1" destOrd="0" presId="urn:microsoft.com/office/officeart/2008/layout/HorizontalMultiLevelHierarchy"/>
-    <dgm:cxn modelId="{F2CB4F90-AB4C-4C72-83E4-1F5722D126F1}" type="presOf" srcId="{C6606349-5672-442E-A5B1-3B6EC2A628D0}" destId="{05F44D56-B815-42FF-A0CE-47047ADBDAD2}" srcOrd="0" destOrd="0" presId="urn:microsoft.com/office/officeart/2008/layout/HorizontalMultiLevelHierarchy"/>
-    <dgm:cxn modelId="{DC728E0C-71E8-4F5E-80FA-5B0FE8CBFB8D}" type="presOf" srcId="{ECB0ED73-865F-4932-9831-3E4B37074419}" destId="{8AE0D171-6F72-469E-B5C6-F9E7C296DEDB}" srcOrd="0" destOrd="0" presId="urn:microsoft.com/office/officeart/2008/layout/HorizontalMultiLevelHierarchy"/>
-    <dgm:cxn modelId="{CEC1A902-4CCE-4212-B125-9C5929C04CA8}" type="presOf" srcId="{06B43761-256B-49F9-ACEE-56B0392FC81A}" destId="{1BCD8A5B-C559-4EB4-A181-899C76ED3F1B}" srcOrd="1" destOrd="0" presId="urn:microsoft.com/office/officeart/2008/layout/HorizontalMultiLevelHierarchy"/>
-    <dgm:cxn modelId="{42ECDBD8-89A7-42A8-8640-495EECE04C56}" type="presOf" srcId="{958148BA-D080-4F89-906C-07651A29ED1D}" destId="{1AEACB23-D78F-4B4D-A9E4-0DBACFC420C3}" srcOrd="0" destOrd="0" presId="urn:microsoft.com/office/officeart/2008/layout/HorizontalMultiLevelHierarchy"/>
+    <dgm:cxn modelId="{2BBD69F0-F90F-40DE-8822-A81B62ECC357}" type="presOf" srcId="{019FEC18-91AB-4546-8C6D-7D5C8CE8B8CE}" destId="{E404A033-74EF-4246-BC47-F72448528B01}" srcOrd="1" destOrd="0" presId="urn:microsoft.com/office/officeart/2008/layout/HorizontalMultiLevelHierarchy"/>
+    <dgm:cxn modelId="{9B7F168C-F090-4607-BE27-4CE334AA798C}" type="presOf" srcId="{950E381D-ED7E-4D83-A4B8-8568AB6025F9}" destId="{57C8A3E4-7C9A-43C4-9524-3ECCF2EC63A7}" srcOrd="0" destOrd="0" presId="urn:microsoft.com/office/officeart/2008/layout/HorizontalMultiLevelHierarchy"/>
     <dgm:cxn modelId="{7162C5D5-4FB9-47A7-93CB-EF54D811FB44}" type="presParOf" srcId="{48A74B45-5CE6-4774-8729-4169037FAAEA}" destId="{8A2DDC9E-2737-4AD1-95EB-65BC48872029}" srcOrd="0" destOrd="0" presId="urn:microsoft.com/office/officeart/2008/layout/HorizontalMultiLevelHierarchy"/>
     <dgm:cxn modelId="{43A7452E-5E11-4805-ACEA-0525C2CC5CCC}" type="presParOf" srcId="{8A2DDC9E-2737-4AD1-95EB-65BC48872029}" destId="{B325A06F-D7AF-48D6-A433-D30945A84C4F}" srcOrd="0" destOrd="0" presId="urn:microsoft.com/office/officeart/2008/layout/HorizontalMultiLevelHierarchy"/>
     <dgm:cxn modelId="{87A9C5D0-4563-47CA-A044-BEA1180812D2}" type="presParOf" srcId="{8A2DDC9E-2737-4AD1-95EB-65BC48872029}" destId="{BE6D9DC3-4699-4B9B-A412-E4D71818AE5D}" srcOrd="1" destOrd="0" presId="urn:microsoft.com/office/officeart/2008/layout/HorizontalMultiLevelHierarchy"/>
-    <dgm:cxn modelId="{0367A7BC-270C-49EF-BEB2-FC8CA159F400}" type="presParOf" srcId="{BE6D9DC3-4699-4B9B-A412-E4D71818AE5D}" destId="{7F012391-3332-4BCA-873A-034FD03600FE}" srcOrd="0" destOrd="0" presId="urn:microsoft.com/office/officeart/2008/layout/HorizontalMultiLevelHierarchy"/>
-    <dgm:cxn modelId="{A95A780F-4E65-47CB-99B3-580EC68BD365}" type="presParOf" srcId="{7F012391-3332-4BCA-873A-034FD03600FE}" destId="{8F67BFA0-5899-4F66-988A-B943E15B2679}" srcOrd="0" destOrd="0" presId="urn:microsoft.com/office/officeart/2008/layout/HorizontalMultiLevelHierarchy"/>
-    <dgm:cxn modelId="{3608A035-4167-494F-BDF5-8EE32D15F87C}" type="presParOf" srcId="{BE6D9DC3-4699-4B9B-A412-E4D71818AE5D}" destId="{D8548136-1877-498A-9903-CF983E23E91C}" srcOrd="1" destOrd="0" presId="urn:microsoft.com/office/officeart/2008/layout/HorizontalMultiLevelHierarchy"/>
-    <dgm:cxn modelId="{BD672DBD-B196-4284-915C-0718BD06910A}" type="presParOf" srcId="{D8548136-1877-498A-9903-CF983E23E91C}" destId="{31066EA5-3788-412A-8DFC-F65B6009BADF}" srcOrd="0" destOrd="0" presId="urn:microsoft.com/office/officeart/2008/layout/HorizontalMultiLevelHierarchy"/>
-    <dgm:cxn modelId="{1864E5F1-558F-4463-96E2-9376173E6EE8}" type="presParOf" srcId="{D8548136-1877-498A-9903-CF983E23E91C}" destId="{330B6333-C247-4476-B85A-0F1C3E693687}" srcOrd="1" destOrd="0" presId="urn:microsoft.com/office/officeart/2008/layout/HorizontalMultiLevelHierarchy"/>
-    <dgm:cxn modelId="{2D745256-DD9A-46C4-BACB-4DCDED526CA0}" type="presParOf" srcId="{BE6D9DC3-4699-4B9B-A412-E4D71818AE5D}" destId="{713DFD89-4B6B-47B2-8203-544899CE5C74}" srcOrd="2" destOrd="0" presId="urn:microsoft.com/office/officeart/2008/layout/HorizontalMultiLevelHierarchy"/>
-    <dgm:cxn modelId="{571CE6FE-D197-4DE4-92AF-9E0F93366A80}" type="presParOf" srcId="{713DFD89-4B6B-47B2-8203-544899CE5C74}" destId="{771C85E9-EA07-4D9D-82E2-641FCFAA20BC}" srcOrd="0" destOrd="0" presId="urn:microsoft.com/office/officeart/2008/layout/HorizontalMultiLevelHierarchy"/>
-    <dgm:cxn modelId="{54EB45D7-C577-489B-A0D7-2C7434D6FDA2}" type="presParOf" srcId="{BE6D9DC3-4699-4B9B-A412-E4D71818AE5D}" destId="{404AE31F-1FDD-4E65-A790-28F753D7CFAB}" srcOrd="3" destOrd="0" presId="urn:microsoft.com/office/officeart/2008/layout/HorizontalMultiLevelHierarchy"/>
-    <dgm:cxn modelId="{9D6F3A40-0782-45BF-9926-7BA1713B250A}" type="presParOf" srcId="{404AE31F-1FDD-4E65-A790-28F753D7CFAB}" destId="{548BEBB0-D16C-432C-B6DC-C7FC389D01DC}" srcOrd="0" destOrd="0" presId="urn:microsoft.com/office/officeart/2008/layout/HorizontalMultiLevelHierarchy"/>
-    <dgm:cxn modelId="{81762E2F-95B4-484F-90B5-08AB60081801}" type="presParOf" srcId="{404AE31F-1FDD-4E65-A790-28F753D7CFAB}" destId="{583EF347-8BAE-4BE4-A9D5-B3EC4CD9313E}" srcOrd="1" destOrd="0" presId="urn:microsoft.com/office/officeart/2008/layout/HorizontalMultiLevelHierarchy"/>
-    <dgm:cxn modelId="{C255C492-3A02-47C4-B7D8-A092A28E7C13}" type="presParOf" srcId="{583EF347-8BAE-4BE4-A9D5-B3EC4CD9313E}" destId="{35A4DAB7-D9B6-4AE1-885E-5EF0DCB1A387}" srcOrd="0" destOrd="0" presId="urn:microsoft.com/office/officeart/2008/layout/HorizontalMultiLevelHierarchy"/>
-    <dgm:cxn modelId="{44DE7FF7-8673-4DE9-9739-6FE7D24897A6}" type="presParOf" srcId="{35A4DAB7-D9B6-4AE1-885E-5EF0DCB1A387}" destId="{F688013D-F0BE-46BB-B736-4D8ADB403A7C}" srcOrd="0" destOrd="0" presId="urn:microsoft.com/office/officeart/2008/layout/HorizontalMultiLevelHierarchy"/>
-    <dgm:cxn modelId="{EB23BED2-1513-4B94-8923-EB66480E1C24}" type="presParOf" srcId="{583EF347-8BAE-4BE4-A9D5-B3EC4CD9313E}" destId="{4E577D91-EE5D-4494-8F0B-1DA7F4FC807A}" srcOrd="1" destOrd="0" presId="urn:microsoft.com/office/officeart/2008/layout/HorizontalMultiLevelHierarchy"/>
-    <dgm:cxn modelId="{CDB5C804-1E66-47BE-9DC7-1E3DE5B96F82}" type="presParOf" srcId="{4E577D91-EE5D-4494-8F0B-1DA7F4FC807A}" destId="{E50C2439-5302-4073-A4A6-DD0B3CA2D779}" srcOrd="0" destOrd="0" presId="urn:microsoft.com/office/officeart/2008/layout/HorizontalMultiLevelHierarchy"/>
-    <dgm:cxn modelId="{B1CA86AF-8A60-4715-8361-3A3B5FB81539}" type="presParOf" srcId="{4E577D91-EE5D-4494-8F0B-1DA7F4FC807A}" destId="{E0151DD4-F1BB-4C0F-8549-B59E73DD9B6B}" srcOrd="1" destOrd="0" presId="urn:microsoft.com/office/officeart/2008/layout/HorizontalMultiLevelHierarchy"/>
-    <dgm:cxn modelId="{438969BB-E70A-4440-B375-5202C6B24520}" type="presParOf" srcId="{BE6D9DC3-4699-4B9B-A412-E4D71818AE5D}" destId="{57C8A3E4-7C9A-43C4-9524-3ECCF2EC63A7}" srcOrd="4" destOrd="0" presId="urn:microsoft.com/office/officeart/2008/layout/HorizontalMultiLevelHierarchy"/>
-    <dgm:cxn modelId="{F31AB295-29B4-4A73-95B2-610C3C864634}" type="presParOf" srcId="{57C8A3E4-7C9A-43C4-9524-3ECCF2EC63A7}" destId="{09D12B51-B6C7-4DC6-B49C-FFFA5368F147}" srcOrd="0" destOrd="0" presId="urn:microsoft.com/office/officeart/2008/layout/HorizontalMultiLevelHierarchy"/>
-    <dgm:cxn modelId="{7C09F28F-AF96-404C-B685-3883DBA4BA4B}" type="presParOf" srcId="{BE6D9DC3-4699-4B9B-A412-E4D71818AE5D}" destId="{A800586A-F5C1-4030-9A3A-78BDED87C293}" srcOrd="5" destOrd="0" presId="urn:microsoft.com/office/officeart/2008/layout/HorizontalMultiLevelHierarchy"/>
-    <dgm:cxn modelId="{4A01C464-47B5-43F2-B02F-39BDA1813F19}" type="presParOf" srcId="{A800586A-F5C1-4030-9A3A-78BDED87C293}" destId="{A5B26C97-0E77-41FA-A583-0CC5586F7601}" srcOrd="0" destOrd="0" presId="urn:microsoft.com/office/officeart/2008/layout/HorizontalMultiLevelHierarchy"/>
-    <dgm:cxn modelId="{B3A30454-1BB9-4D98-AA8E-2F8F98BEB6E6}" type="presParOf" srcId="{A800586A-F5C1-4030-9A3A-78BDED87C293}" destId="{AB1599FE-5BD0-4747-A199-179E13F30441}" srcOrd="1" destOrd="0" presId="urn:microsoft.com/office/officeart/2008/layout/HorizontalMultiLevelHierarchy"/>
-    <dgm:cxn modelId="{89CDE8A8-C68C-4EBB-AAD0-8ECCE1165599}" type="presParOf" srcId="{AB1599FE-5BD0-4747-A199-179E13F30441}" destId="{F2BF9794-4818-4C17-B71E-F6D2CFB4B961}" srcOrd="0" destOrd="0" presId="urn:microsoft.com/office/officeart/2008/layout/HorizontalMultiLevelHierarchy"/>
-    <dgm:cxn modelId="{F0E990E8-513D-48D6-A608-FAAA773F116B}" type="presParOf" srcId="{F2BF9794-4818-4C17-B71E-F6D2CFB4B961}" destId="{A72DC1AD-4E9F-4886-B3BA-14E3602FFE3E}" srcOrd="0" destOrd="0" presId="urn:microsoft.com/office/officeart/2008/layout/HorizontalMultiLevelHierarchy"/>
-    <dgm:cxn modelId="{F21B2FE2-4723-4A0A-88E0-856F55DE3437}" type="presParOf" srcId="{AB1599FE-5BD0-4747-A199-179E13F30441}" destId="{30FF6B4E-6584-4045-8EF2-B87E82389C0C}" srcOrd="1" destOrd="0" presId="urn:microsoft.com/office/officeart/2008/layout/HorizontalMultiLevelHierarchy"/>
-    <dgm:cxn modelId="{55D060E2-B70F-4650-BBCD-0A7D3371BA76}" type="presParOf" srcId="{30FF6B4E-6584-4045-8EF2-B87E82389C0C}" destId="{1AEACB23-D78F-4B4D-A9E4-0DBACFC420C3}" srcOrd="0" destOrd="0" presId="urn:microsoft.com/office/officeart/2008/layout/HorizontalMultiLevelHierarchy"/>
-    <dgm:cxn modelId="{04EE631E-09E9-4272-900F-6BE47849726E}" type="presParOf" srcId="{30FF6B4E-6584-4045-8EF2-B87E82389C0C}" destId="{15C8B06C-74AD-4DA6-8DEE-E0E5F667E3C5}" srcOrd="1" destOrd="0" presId="urn:microsoft.com/office/officeart/2008/layout/HorizontalMultiLevelHierarchy"/>
-    <dgm:cxn modelId="{F4FC41B4-F942-4DE5-821D-5DB59A029BC5}" type="presParOf" srcId="{BE6D9DC3-4699-4B9B-A412-E4D71818AE5D}" destId="{8AE0D171-6F72-469E-B5C6-F9E7C296DEDB}" srcOrd="6" destOrd="0" presId="urn:microsoft.com/office/officeart/2008/layout/HorizontalMultiLevelHierarchy"/>
-    <dgm:cxn modelId="{66FAE474-3418-4054-935D-1319E95BF016}" type="presParOf" srcId="{8AE0D171-6F72-469E-B5C6-F9E7C296DEDB}" destId="{94E6744A-2397-490C-9C52-22C4C5813703}" srcOrd="0" destOrd="0" presId="urn:microsoft.com/office/officeart/2008/layout/HorizontalMultiLevelHierarchy"/>
-    <dgm:cxn modelId="{9F8C64A1-DBCE-4F33-B8A6-7A8DC25AB906}" type="presParOf" srcId="{BE6D9DC3-4699-4B9B-A412-E4D71818AE5D}" destId="{28BDE779-87C2-41AD-AEFF-82A773B4DEFC}" srcOrd="7" destOrd="0" presId="urn:microsoft.com/office/officeart/2008/layout/HorizontalMultiLevelHierarchy"/>
-    <dgm:cxn modelId="{33C6E24E-1159-4799-856B-96B41B9B597C}" type="presParOf" srcId="{28BDE779-87C2-41AD-AEFF-82A773B4DEFC}" destId="{0A31862F-7E3F-46A2-99D4-B96370DB3536}" srcOrd="0" destOrd="0" presId="urn:microsoft.com/office/officeart/2008/layout/HorizontalMultiLevelHierarchy"/>
-    <dgm:cxn modelId="{DCE95696-4D4A-46DB-9599-E2DA07404851}" type="presParOf" srcId="{28BDE779-87C2-41AD-AEFF-82A773B4DEFC}" destId="{D4677C2A-10AC-472B-91A3-4A294C9405EB}" srcOrd="1" destOrd="0" presId="urn:microsoft.com/office/officeart/2008/layout/HorizontalMultiLevelHierarchy"/>
-    <dgm:cxn modelId="{EFFB4550-9745-4815-B8EC-2B6E96BBE736}" type="presParOf" srcId="{D4677C2A-10AC-472B-91A3-4A294C9405EB}" destId="{0D01B59A-5FFE-4A83-B8D9-A6EDCFE2B05E}" srcOrd="0" destOrd="0" presId="urn:microsoft.com/office/officeart/2008/layout/HorizontalMultiLevelHierarchy"/>
-    <dgm:cxn modelId="{43F94C31-00EF-404C-9EDD-D24FD4BB60C0}" type="presParOf" srcId="{0D01B59A-5FFE-4A83-B8D9-A6EDCFE2B05E}" destId="{82E38931-4962-40FE-9F98-C9CB41EA7B26}" srcOrd="0" destOrd="0" presId="urn:microsoft.com/office/officeart/2008/layout/HorizontalMultiLevelHierarchy"/>
-    <dgm:cxn modelId="{6B65D13E-654E-4AA1-B6B3-2E67B6613150}" type="presParOf" srcId="{D4677C2A-10AC-472B-91A3-4A294C9405EB}" destId="{93089C34-C7F7-4DD1-BC20-757AE8BFC06A}" srcOrd="1" destOrd="0" presId="urn:microsoft.com/office/officeart/2008/layout/HorizontalMultiLevelHierarchy"/>
-    <dgm:cxn modelId="{FD611218-2377-4D18-95EA-E0C897D625F4}" type="presParOf" srcId="{93089C34-C7F7-4DD1-BC20-757AE8BFC06A}" destId="{7FFA155F-0FA2-4989-8D7F-60AF2E6F04E5}" srcOrd="0" destOrd="0" presId="urn:microsoft.com/office/officeart/2008/layout/HorizontalMultiLevelHierarchy"/>
-    <dgm:cxn modelId="{D3756F08-8AE2-4D42-8687-257A3FB9DAA6}" type="presParOf" srcId="{93089C34-C7F7-4DD1-BC20-757AE8BFC06A}" destId="{6E102D56-9D4C-4673-8AF5-3101F52492AB}" srcOrd="1" destOrd="0" presId="urn:microsoft.com/office/officeart/2008/layout/HorizontalMultiLevelHierarchy"/>
-    <dgm:cxn modelId="{59934A51-70B7-4C93-9FA1-8EC8CCF8A29E}" type="presParOf" srcId="{BE6D9DC3-4699-4B9B-A412-E4D71818AE5D}" destId="{064AC099-D32D-4278-BEE3-BFD4EF1F841F}" srcOrd="8" destOrd="0" presId="urn:microsoft.com/office/officeart/2008/layout/HorizontalMultiLevelHierarchy"/>
-    <dgm:cxn modelId="{6C3D08F1-DDB0-4DE0-BD88-3B1EF1BF7147}" type="presParOf" srcId="{064AC099-D32D-4278-BEE3-BFD4EF1F841F}" destId="{BFEC901C-22E4-4D42-8427-77359DF98E38}" srcOrd="0" destOrd="0" presId="urn:microsoft.com/office/officeart/2008/layout/HorizontalMultiLevelHierarchy"/>
-    <dgm:cxn modelId="{39E5AB5E-6FC1-4559-BB58-6F4874F9D544}" type="presParOf" srcId="{BE6D9DC3-4699-4B9B-A412-E4D71818AE5D}" destId="{27E869EF-63E5-4976-864E-E83089219957}" srcOrd="9" destOrd="0" presId="urn:microsoft.com/office/officeart/2008/layout/HorizontalMultiLevelHierarchy"/>
-    <dgm:cxn modelId="{DDBFAB04-F048-4E97-863B-8B28E6FA8EBD}" type="presParOf" srcId="{27E869EF-63E5-4976-864E-E83089219957}" destId="{EB125274-52C0-4A02-8826-AB14A67FBF68}" srcOrd="0" destOrd="0" presId="urn:microsoft.com/office/officeart/2008/layout/HorizontalMultiLevelHierarchy"/>
-    <dgm:cxn modelId="{57630479-D82F-466D-AEDE-3DFA66F43E49}" type="presParOf" srcId="{27E869EF-63E5-4976-864E-E83089219957}" destId="{91840B3D-D4F2-4606-9E57-301905B0F100}" srcOrd="1" destOrd="0" presId="urn:microsoft.com/office/officeart/2008/layout/HorizontalMultiLevelHierarchy"/>
-    <dgm:cxn modelId="{0D1D91A4-F51E-4DD3-AC47-1E78E6A00FEB}" type="presParOf" srcId="{91840B3D-D4F2-4606-9E57-301905B0F100}" destId="{0D74CEF3-9335-4B23-98D6-9ADDEA51D7F9}" srcOrd="0" destOrd="0" presId="urn:microsoft.com/office/officeart/2008/layout/HorizontalMultiLevelHierarchy"/>
-    <dgm:cxn modelId="{168C7D3B-9E94-4EB2-91C2-C6E0556CE4EC}" type="presParOf" srcId="{0D74CEF3-9335-4B23-98D6-9ADDEA51D7F9}" destId="{567A8510-BCF0-4F9A-9060-73BFD0AFD777}" srcOrd="0" destOrd="0" presId="urn:microsoft.com/office/officeart/2008/layout/HorizontalMultiLevelHierarchy"/>
-    <dgm:cxn modelId="{D2AE91D8-C1BE-4F66-B1DB-2559590132C6}" type="presParOf" srcId="{91840B3D-D4F2-4606-9E57-301905B0F100}" destId="{6F8D81B8-0BD4-403C-BF7D-605A2BEAD89F}" srcOrd="1" destOrd="0" presId="urn:microsoft.com/office/officeart/2008/layout/HorizontalMultiLevelHierarchy"/>
-    <dgm:cxn modelId="{81C2EC02-85C0-4967-BD3B-2F084AEDCDA4}" type="presParOf" srcId="{6F8D81B8-0BD4-403C-BF7D-605A2BEAD89F}" destId="{D3B2807E-2D00-4BBB-B68D-AB005D2F6015}" srcOrd="0" destOrd="0" presId="urn:microsoft.com/office/officeart/2008/layout/HorizontalMultiLevelHierarchy"/>
-    <dgm:cxn modelId="{7140DD42-7E54-42CA-9FAD-3D4CDAF76A23}" type="presParOf" srcId="{6F8D81B8-0BD4-403C-BF7D-605A2BEAD89F}" destId="{9BFC1412-46F1-469A-9367-68D9850BC305}" srcOrd="1" destOrd="0" presId="urn:microsoft.com/office/officeart/2008/layout/HorizontalMultiLevelHierarchy"/>
-    <dgm:cxn modelId="{D05FEF1D-B1D6-4C6E-AB2F-D9D10AAFD47B}" type="presParOf" srcId="{91840B3D-D4F2-4606-9E57-301905B0F100}" destId="{26936758-9DAB-4781-9F1B-CA9EEBD18245}" srcOrd="2" destOrd="0" presId="urn:microsoft.com/office/officeart/2008/layout/HorizontalMultiLevelHierarchy"/>
-    <dgm:cxn modelId="{CA592EB8-839E-491D-A434-E84EEA047A2F}" type="presParOf" srcId="{26936758-9DAB-4781-9F1B-CA9EEBD18245}" destId="{1BCD8A5B-C559-4EB4-A181-899C76ED3F1B}" srcOrd="0" destOrd="0" presId="urn:microsoft.com/office/officeart/2008/layout/HorizontalMultiLevelHierarchy"/>
-    <dgm:cxn modelId="{1B05716D-24AE-4D80-82F2-AA1CB6792315}" type="presParOf" srcId="{91840B3D-D4F2-4606-9E57-301905B0F100}" destId="{8162A29A-8510-401F-AF6F-7777E7F725A3}" srcOrd="3" destOrd="0" presId="urn:microsoft.com/office/officeart/2008/layout/HorizontalMultiLevelHierarchy"/>
-    <dgm:cxn modelId="{E02F7430-0A72-41C9-B41A-334CD856B6B1}" type="presParOf" srcId="{8162A29A-8510-401F-AF6F-7777E7F725A3}" destId="{47C09220-D8AF-482D-A8EF-E0E0574EBB2F}" srcOrd="0" destOrd="0" presId="urn:microsoft.com/office/officeart/2008/layout/HorizontalMultiLevelHierarchy"/>
-    <dgm:cxn modelId="{4C80276F-1D0B-4CFD-9BFB-88009D4DEF2E}" type="presParOf" srcId="{8162A29A-8510-401F-AF6F-7777E7F725A3}" destId="{C2DF1C32-04DF-4CEC-B0C7-65C05AF5453E}" srcOrd="1" destOrd="0" presId="urn:microsoft.com/office/officeart/2008/layout/HorizontalMultiLevelHierarchy"/>
-    <dgm:cxn modelId="{89D6063A-544D-4972-A0F7-4FD002E182EB}" type="presParOf" srcId="{C2DF1C32-04DF-4CEC-B0C7-65C05AF5453E}" destId="{BFE6B8CB-9F7C-4749-8551-B221692DA4A1}" srcOrd="0" destOrd="0" presId="urn:microsoft.com/office/officeart/2008/layout/HorizontalMultiLevelHierarchy"/>
-    <dgm:cxn modelId="{2902FF39-7033-4D29-9D68-DF9565C54FB7}" type="presParOf" srcId="{BFE6B8CB-9F7C-4749-8551-B221692DA4A1}" destId="{842A7FF0-811E-408E-B9A8-59EE86BF36C3}" srcOrd="0" destOrd="0" presId="urn:microsoft.com/office/officeart/2008/layout/HorizontalMultiLevelHierarchy"/>
-    <dgm:cxn modelId="{E30A278B-BCB1-40DE-8AD1-507CFE4AF13A}" type="presParOf" srcId="{C2DF1C32-04DF-4CEC-B0C7-65C05AF5453E}" destId="{38CE1C75-D8E8-4946-8AA9-962C401DC149}" srcOrd="1" destOrd="0" presId="urn:microsoft.com/office/officeart/2008/layout/HorizontalMultiLevelHierarchy"/>
-    <dgm:cxn modelId="{1E6EDE32-86C7-4496-9662-F20233A95573}" type="presParOf" srcId="{38CE1C75-D8E8-4946-8AA9-962C401DC149}" destId="{1A4EAC15-35BF-4DF8-915E-FE48D53012CE}" srcOrd="0" destOrd="0" presId="urn:microsoft.com/office/officeart/2008/layout/HorizontalMultiLevelHierarchy"/>
-    <dgm:cxn modelId="{E49A019B-A424-4357-8B89-153128A0CDD4}" type="presParOf" srcId="{38CE1C75-D8E8-4946-8AA9-962C401DC149}" destId="{5FB52C02-C0DA-4A12-AE35-442A6AA65D39}" srcOrd="1" destOrd="0" presId="urn:microsoft.com/office/officeart/2008/layout/HorizontalMultiLevelHierarchy"/>
-    <dgm:cxn modelId="{8003D42E-1F32-4E32-9BD8-090D9057B93F}" type="presParOf" srcId="{C2DF1C32-04DF-4CEC-B0C7-65C05AF5453E}" destId="{E0E86F4F-9ECB-400B-9239-FDD1022B52B7}" srcOrd="2" destOrd="0" presId="urn:microsoft.com/office/officeart/2008/layout/HorizontalMultiLevelHierarchy"/>
-    <dgm:cxn modelId="{9069B0AD-9EA1-4A76-B807-47CDC86BE2D8}" type="presParOf" srcId="{E0E86F4F-9ECB-400B-9239-FDD1022B52B7}" destId="{74FE04A5-0ACE-4AE9-9389-E8B1F70860CC}" srcOrd="0" destOrd="0" presId="urn:microsoft.com/office/officeart/2008/layout/HorizontalMultiLevelHierarchy"/>
-    <dgm:cxn modelId="{2A8C9BEB-85D2-4599-BF6F-5403A0A29E16}" type="presParOf" srcId="{C2DF1C32-04DF-4CEC-B0C7-65C05AF5453E}" destId="{F466AF56-AE71-4206-BC4E-0683EA79EF4D}" srcOrd="3" destOrd="0" presId="urn:microsoft.com/office/officeart/2008/layout/HorizontalMultiLevelHierarchy"/>
-    <dgm:cxn modelId="{4387E2E8-4A52-4E08-B18D-7649A449E100}" type="presParOf" srcId="{F466AF56-AE71-4206-BC4E-0683EA79EF4D}" destId="{D4C30831-3188-44F0-B926-9FEBEF4AA72D}" srcOrd="0" destOrd="0" presId="urn:microsoft.com/office/officeart/2008/layout/HorizontalMultiLevelHierarchy"/>
-    <dgm:cxn modelId="{B25000C7-9874-43F4-860B-5507645D2BDC}" type="presParOf" srcId="{F466AF56-AE71-4206-BC4E-0683EA79EF4D}" destId="{60A354C7-FCBE-48C2-A3C3-637151A8B3A5}" srcOrd="1" destOrd="0" presId="urn:microsoft.com/office/officeart/2008/layout/HorizontalMultiLevelHierarchy"/>
-    <dgm:cxn modelId="{CA776C0E-001B-41BC-AC36-03360678DFB7}" type="presParOf" srcId="{BE6D9DC3-4699-4B9B-A412-E4D71818AE5D}" destId="{243F0976-F465-4195-A98A-24EBB1E78465}" srcOrd="10" destOrd="0" presId="urn:microsoft.com/office/officeart/2008/layout/HorizontalMultiLevelHierarchy"/>
-    <dgm:cxn modelId="{266CE584-EEF0-465F-9C88-7FAA2C0C95BE}" type="presParOf" srcId="{243F0976-F465-4195-A98A-24EBB1E78465}" destId="{8BEA92FD-7AA7-4C54-A363-77F672F47FAD}" srcOrd="0" destOrd="0" presId="urn:microsoft.com/office/officeart/2008/layout/HorizontalMultiLevelHierarchy"/>
-    <dgm:cxn modelId="{CCAAE74C-0A38-46C3-AF75-EDC55FC3A7CD}" type="presParOf" srcId="{BE6D9DC3-4699-4B9B-A412-E4D71818AE5D}" destId="{E1866E84-D7A7-4CAA-9A14-529A3179A5E7}" srcOrd="11" destOrd="0" presId="urn:microsoft.com/office/officeart/2008/layout/HorizontalMultiLevelHierarchy"/>
-    <dgm:cxn modelId="{8DDB6C14-1BF9-4637-AA93-10469CD9779D}" type="presParOf" srcId="{E1866E84-D7A7-4CAA-9A14-529A3179A5E7}" destId="{9FC171B3-9375-4F0A-989D-6E293A8A8369}" srcOrd="0" destOrd="0" presId="urn:microsoft.com/office/officeart/2008/layout/HorizontalMultiLevelHierarchy"/>
-    <dgm:cxn modelId="{51F2F005-2579-465E-8CAA-DF0BC0013558}" type="presParOf" srcId="{E1866E84-D7A7-4CAA-9A14-529A3179A5E7}" destId="{007FDE6A-2CA4-4373-8639-2382C4B7E1EB}" srcOrd="1" destOrd="0" presId="urn:microsoft.com/office/officeart/2008/layout/HorizontalMultiLevelHierarchy"/>
-    <dgm:cxn modelId="{9C836C31-E635-4D80-9D49-A4C91256F362}" type="presParOf" srcId="{007FDE6A-2CA4-4373-8639-2382C4B7E1EB}" destId="{EED7BC17-370A-4425-8FB3-91D3F62D87AC}" srcOrd="0" destOrd="0" presId="urn:microsoft.com/office/officeart/2008/layout/HorizontalMultiLevelHierarchy"/>
-    <dgm:cxn modelId="{12897F5F-CEEA-4D56-AE79-8A8777574176}" type="presParOf" srcId="{EED7BC17-370A-4425-8FB3-91D3F62D87AC}" destId="{3F46C014-7FFA-4A99-B0F2-7B36FACEBAB0}" srcOrd="0" destOrd="0" presId="urn:microsoft.com/office/officeart/2008/layout/HorizontalMultiLevelHierarchy"/>
-    <dgm:cxn modelId="{7688CA3E-A50D-4E23-88E3-BF1C592CFF2B}" type="presParOf" srcId="{007FDE6A-2CA4-4373-8639-2382C4B7E1EB}" destId="{AE2A95FD-17BE-4187-B462-B0A7F570B853}" srcOrd="1" destOrd="0" presId="urn:microsoft.com/office/officeart/2008/layout/HorizontalMultiLevelHierarchy"/>
-    <dgm:cxn modelId="{EEE21A41-9566-4082-A428-DFF30F3F45D0}" type="presParOf" srcId="{AE2A95FD-17BE-4187-B462-B0A7F570B853}" destId="{3300BBCC-6AC9-4DD6-9568-E0A5DA875C00}" srcOrd="0" destOrd="0" presId="urn:microsoft.com/office/officeart/2008/layout/HorizontalMultiLevelHierarchy"/>
-    <dgm:cxn modelId="{BFB0C950-2AFD-4358-9090-1EB37FD07B44}" type="presParOf" srcId="{AE2A95FD-17BE-4187-B462-B0A7F570B853}" destId="{BB4DA326-B03E-45E9-81A3-4ED250D74967}" srcOrd="1" destOrd="0" presId="urn:microsoft.com/office/officeart/2008/layout/HorizontalMultiLevelHierarchy"/>
-    <dgm:cxn modelId="{B477584B-74C7-4FE9-AC97-6161F7DADDFE}" type="presParOf" srcId="{007FDE6A-2CA4-4373-8639-2382C4B7E1EB}" destId="{5DD0E4A8-000C-499E-915B-3F505C9926E8}" srcOrd="2" destOrd="0" presId="urn:microsoft.com/office/officeart/2008/layout/HorizontalMultiLevelHierarchy"/>
-    <dgm:cxn modelId="{9448B431-50E0-4E0E-A748-0F5B905DCC98}" type="presParOf" srcId="{5DD0E4A8-000C-499E-915B-3F505C9926E8}" destId="{5FE8D906-13BB-4994-997F-60B4BEDC516D}" srcOrd="0" destOrd="0" presId="urn:microsoft.com/office/officeart/2008/layout/HorizontalMultiLevelHierarchy"/>
-    <dgm:cxn modelId="{B1AA177E-A5E5-4CFF-AC40-FD8A03E62D96}" type="presParOf" srcId="{007FDE6A-2CA4-4373-8639-2382C4B7E1EB}" destId="{90C9AA81-F7A0-4A7A-95C4-997C68A96FFA}" srcOrd="3" destOrd="0" presId="urn:microsoft.com/office/officeart/2008/layout/HorizontalMultiLevelHierarchy"/>
-    <dgm:cxn modelId="{2D0F3AC0-A1D8-4946-9883-778A59412187}" type="presParOf" srcId="{90C9AA81-F7A0-4A7A-95C4-997C68A96FFA}" destId="{386D4363-5B6C-48F8-8046-C063024F0CD4}" srcOrd="0" destOrd="0" presId="urn:microsoft.com/office/officeart/2008/layout/HorizontalMultiLevelHierarchy"/>
-    <dgm:cxn modelId="{E352CF0B-4688-4D87-9692-E7C20362A47B}" type="presParOf" srcId="{90C9AA81-F7A0-4A7A-95C4-997C68A96FFA}" destId="{C1BA67B5-1C61-44F8-8111-8942FA90E5BD}" srcOrd="1" destOrd="0" presId="urn:microsoft.com/office/officeart/2008/layout/HorizontalMultiLevelHierarchy"/>
-    <dgm:cxn modelId="{4D6C7FD9-C577-45C2-9A58-FAAA78F761DD}" type="presParOf" srcId="{C1BA67B5-1C61-44F8-8111-8942FA90E5BD}" destId="{A400F115-1E3B-44F8-8D1E-40E47E660FAF}" srcOrd="0" destOrd="0" presId="urn:microsoft.com/office/officeart/2008/layout/HorizontalMultiLevelHierarchy"/>
-    <dgm:cxn modelId="{7B23CD76-9BDF-41BD-89A3-FAD1FFE95334}" type="presParOf" srcId="{A400F115-1E3B-44F8-8D1E-40E47E660FAF}" destId="{88C98D39-914E-476B-A9DB-31880AF3EEFA}" srcOrd="0" destOrd="0" presId="urn:microsoft.com/office/officeart/2008/layout/HorizontalMultiLevelHierarchy"/>
-    <dgm:cxn modelId="{45E500EE-7C75-46E6-83D4-845AD63B50F4}" type="presParOf" srcId="{C1BA67B5-1C61-44F8-8111-8942FA90E5BD}" destId="{CAFF1931-6B63-48EC-93D5-5DDCAEA69617}" srcOrd="1" destOrd="0" presId="urn:microsoft.com/office/officeart/2008/layout/HorizontalMultiLevelHierarchy"/>
-    <dgm:cxn modelId="{16462B2F-CD56-464E-9B58-61EFE261980F}" type="presParOf" srcId="{CAFF1931-6B63-48EC-93D5-5DDCAEA69617}" destId="{29DBE660-6C98-40EF-8C86-F54F31F8182B}" srcOrd="0" destOrd="0" presId="urn:microsoft.com/office/officeart/2008/layout/HorizontalMultiLevelHierarchy"/>
-    <dgm:cxn modelId="{10589BE5-CF92-49F4-B382-D9B9D22BFF8D}" type="presParOf" srcId="{CAFF1931-6B63-48EC-93D5-5DDCAEA69617}" destId="{A64CB312-511F-4201-8D40-7CA7AD027BAE}" srcOrd="1" destOrd="0" presId="urn:microsoft.com/office/officeart/2008/layout/HorizontalMultiLevelHierarchy"/>
-    <dgm:cxn modelId="{A9887A95-73DE-40D5-BEBA-92218D4C513B}" type="presParOf" srcId="{BE6D9DC3-4699-4B9B-A412-E4D71818AE5D}" destId="{F7509987-79F8-422F-86DB-9BD48BBE0910}" srcOrd="12" destOrd="0" presId="urn:microsoft.com/office/officeart/2008/layout/HorizontalMultiLevelHierarchy"/>
-    <dgm:cxn modelId="{0A05235A-CADA-4DCD-9532-D0692243ADEE}" type="presParOf" srcId="{F7509987-79F8-422F-86DB-9BD48BBE0910}" destId="{F2ED5852-3CED-4262-ABB1-DF46CF491E0B}" srcOrd="0" destOrd="0" presId="urn:microsoft.com/office/officeart/2008/layout/HorizontalMultiLevelHierarchy"/>
-    <dgm:cxn modelId="{8E530D85-3D64-4CBD-87F1-0F04085008F5}" type="presParOf" srcId="{BE6D9DC3-4699-4B9B-A412-E4D71818AE5D}" destId="{5BD5D1C9-11CC-4BE2-8CAB-CAE463194B19}" srcOrd="13" destOrd="0" presId="urn:microsoft.com/office/officeart/2008/layout/HorizontalMultiLevelHierarchy"/>
-    <dgm:cxn modelId="{F2192D01-A426-4060-A9E7-CCB8F13B4E82}" type="presParOf" srcId="{5BD5D1C9-11CC-4BE2-8CAB-CAE463194B19}" destId="{DB581C1F-BBD5-4295-8422-3423C0CC7014}" srcOrd="0" destOrd="0" presId="urn:microsoft.com/office/officeart/2008/layout/HorizontalMultiLevelHierarchy"/>
-    <dgm:cxn modelId="{12DB64EB-B688-488C-AE19-88AD47866C28}" type="presParOf" srcId="{5BD5D1C9-11CC-4BE2-8CAB-CAE463194B19}" destId="{0DCBE86A-67C3-4F37-88E7-2C1985499292}" srcOrd="1" destOrd="0" presId="urn:microsoft.com/office/officeart/2008/layout/HorizontalMultiLevelHierarchy"/>
-    <dgm:cxn modelId="{A8483235-3123-4A00-B247-93B457EFF5D0}" type="presParOf" srcId="{BE6D9DC3-4699-4B9B-A412-E4D71818AE5D}" destId="{7659A773-C789-41EE-A0CA-AE19E2F1CC90}" srcOrd="14" destOrd="0" presId="urn:microsoft.com/office/officeart/2008/layout/HorizontalMultiLevelHierarchy"/>
-    <dgm:cxn modelId="{12CE94AF-53F6-462E-8DDD-314CDA1B84F7}" type="presParOf" srcId="{7659A773-C789-41EE-A0CA-AE19E2F1CC90}" destId="{CE5F5186-9E85-4C7D-9636-7B4CA1401932}" srcOrd="0" destOrd="0" presId="urn:microsoft.com/office/officeart/2008/layout/HorizontalMultiLevelHierarchy"/>
-    <dgm:cxn modelId="{51C56FEB-326F-4163-BD7C-C8B6C9DBCD45}" type="presParOf" srcId="{BE6D9DC3-4699-4B9B-A412-E4D71818AE5D}" destId="{D76C5A26-7FA4-4DE8-B444-27250C5FE38C}" srcOrd="15" destOrd="0" presId="urn:microsoft.com/office/officeart/2008/layout/HorizontalMultiLevelHierarchy"/>
-    <dgm:cxn modelId="{228E4DC3-D9BF-4EF2-848F-CB852040B5B7}" type="presParOf" srcId="{D76C5A26-7FA4-4DE8-B444-27250C5FE38C}" destId="{5E070DCA-6141-4CDC-B670-2C6E03B4A759}" srcOrd="0" destOrd="0" presId="urn:microsoft.com/office/officeart/2008/layout/HorizontalMultiLevelHierarchy"/>
-    <dgm:cxn modelId="{E0143262-F880-4C63-8692-6A181BF98481}" type="presParOf" srcId="{D76C5A26-7FA4-4DE8-B444-27250C5FE38C}" destId="{40550EAA-2C78-445D-A362-D8EA5A7B3848}" srcOrd="1" destOrd="0" presId="urn:microsoft.com/office/officeart/2008/layout/HorizontalMultiLevelHierarchy"/>
-    <dgm:cxn modelId="{0079E949-B6B1-4369-B45B-CB68EABEDB71}" type="presParOf" srcId="{40550EAA-2C78-445D-A362-D8EA5A7B3848}" destId="{05F44D56-B815-42FF-A0CE-47047ADBDAD2}" srcOrd="0" destOrd="0" presId="urn:microsoft.com/office/officeart/2008/layout/HorizontalMultiLevelHierarchy"/>
-    <dgm:cxn modelId="{DFBAA589-BD56-404D-B459-AFDE813E4321}" type="presParOf" srcId="{05F44D56-B815-42FF-A0CE-47047ADBDAD2}" destId="{B22B7B04-0F48-48E1-ABEE-8E9989B97F5A}" srcOrd="0" destOrd="0" presId="urn:microsoft.com/office/officeart/2008/layout/HorizontalMultiLevelHierarchy"/>
-    <dgm:cxn modelId="{1DC1B9DC-016E-4ACF-99DE-F6CB9D7BF09C}" type="presParOf" srcId="{40550EAA-2C78-445D-A362-D8EA5A7B3848}" destId="{023B41BB-D227-41BB-BB6E-6A1EF76B3B15}" srcOrd="1" destOrd="0" presId="urn:microsoft.com/office/officeart/2008/layout/HorizontalMultiLevelHierarchy"/>
-    <dgm:cxn modelId="{A9878041-9AED-41DD-AA8D-DB70DE200636}" type="presParOf" srcId="{023B41BB-D227-41BB-BB6E-6A1EF76B3B15}" destId="{983E0EB7-A579-4F15-934C-D56985D0E97D}" srcOrd="0" destOrd="0" presId="urn:microsoft.com/office/officeart/2008/layout/HorizontalMultiLevelHierarchy"/>
-    <dgm:cxn modelId="{9111B29D-0041-43A7-91A3-B65118E70E7B}" type="presParOf" srcId="{023B41BB-D227-41BB-BB6E-6A1EF76B3B15}" destId="{FEB3AAF7-62E1-43D4-A60B-493487CF6E8D}" srcOrd="1" destOrd="0" presId="urn:microsoft.com/office/officeart/2008/layout/HorizontalMultiLevelHierarchy"/>
-    <dgm:cxn modelId="{AFFA2D6A-153C-4E73-B973-BD6955074C9D}" type="presParOf" srcId="{BE6D9DC3-4699-4B9B-A412-E4D71818AE5D}" destId="{3C9CBFC3-FB4D-43C3-9946-F80DA72775D5}" srcOrd="16" destOrd="0" presId="urn:microsoft.com/office/officeart/2008/layout/HorizontalMultiLevelHierarchy"/>
-    <dgm:cxn modelId="{A5202ECD-C574-4484-92B2-0FABD2B2D86C}" type="presParOf" srcId="{3C9CBFC3-FB4D-43C3-9946-F80DA72775D5}" destId="{2012A195-9D04-4B40-A67C-D87382A06527}" srcOrd="0" destOrd="0" presId="urn:microsoft.com/office/officeart/2008/layout/HorizontalMultiLevelHierarchy"/>
-    <dgm:cxn modelId="{BF42C07E-BFE7-4515-892E-A1FB1D79CEA4}" type="presParOf" srcId="{BE6D9DC3-4699-4B9B-A412-E4D71818AE5D}" destId="{65A1023A-4CD5-4DC6-ACCE-566CCC62B6B4}" srcOrd="17" destOrd="0" presId="urn:microsoft.com/office/officeart/2008/layout/HorizontalMultiLevelHierarchy"/>
-    <dgm:cxn modelId="{FBA6009D-C0A6-4A7D-9DA9-0C71001E1F77}" type="presParOf" srcId="{65A1023A-4CD5-4DC6-ACCE-566CCC62B6B4}" destId="{008AA575-C7EE-481F-8E5A-70B498B23351}" srcOrd="0" destOrd="0" presId="urn:microsoft.com/office/officeart/2008/layout/HorizontalMultiLevelHierarchy"/>
-    <dgm:cxn modelId="{2BCC1C84-6203-4E62-BB7E-685695BEE093}" type="presParOf" srcId="{65A1023A-4CD5-4DC6-ACCE-566CCC62B6B4}" destId="{B78E01C4-360A-4A54-94D2-2EF413C57A24}" srcOrd="1" destOrd="0" presId="urn:microsoft.com/office/officeart/2008/layout/HorizontalMultiLevelHierarchy"/>
-    <dgm:cxn modelId="{5260FD53-5E4F-4166-A2F9-B6D903CD49CF}" type="presParOf" srcId="{B78E01C4-360A-4A54-94D2-2EF413C57A24}" destId="{6A0827AD-C4ED-47CF-9A76-9E8009271F53}" srcOrd="0" destOrd="0" presId="urn:microsoft.com/office/officeart/2008/layout/HorizontalMultiLevelHierarchy"/>
-    <dgm:cxn modelId="{E476EF6E-2368-4AE8-9A9A-DF89225AF322}" type="presParOf" srcId="{6A0827AD-C4ED-47CF-9A76-9E8009271F53}" destId="{3296692A-1800-409F-B58C-374559757FCB}" srcOrd="0" destOrd="0" presId="urn:microsoft.com/office/officeart/2008/layout/HorizontalMultiLevelHierarchy"/>
-    <dgm:cxn modelId="{6213AB3C-B7DC-4F70-B5FA-16FBCA301B79}" type="presParOf" srcId="{B78E01C4-360A-4A54-94D2-2EF413C57A24}" destId="{418D6B30-FAB4-4C89-970F-19DAB08E44E3}" srcOrd="1" destOrd="0" presId="urn:microsoft.com/office/officeart/2008/layout/HorizontalMultiLevelHierarchy"/>
-    <dgm:cxn modelId="{B32DC5C4-2643-4A98-84EA-50A71FAFBE44}" type="presParOf" srcId="{418D6B30-FAB4-4C89-970F-19DAB08E44E3}" destId="{7F95FDAB-3B35-4D5B-BBC5-204E545D0876}" srcOrd="0" destOrd="0" presId="urn:microsoft.com/office/officeart/2008/layout/HorizontalMultiLevelHierarchy"/>
-    <dgm:cxn modelId="{F34DB61E-E1F2-4D66-B75B-0C6745E0F368}" type="presParOf" srcId="{418D6B30-FAB4-4C89-970F-19DAB08E44E3}" destId="{310E5CCC-B08B-41B3-88C5-0ACFBECEB274}" srcOrd="1" destOrd="0" presId="urn:microsoft.com/office/officeart/2008/layout/HorizontalMultiLevelHierarchy"/>
+    <dgm:cxn modelId="{B3B74B20-5550-4CB0-A758-B995C246F4F8}" type="presParOf" srcId="{BE6D9DC3-4699-4B9B-A412-E4D71818AE5D}" destId="{DBA4CA91-E385-4850-9C79-2C53D314572F}" srcOrd="0" destOrd="0" presId="urn:microsoft.com/office/officeart/2008/layout/HorizontalMultiLevelHierarchy"/>
+    <dgm:cxn modelId="{BB150201-21B7-493D-A858-8F824B2F7DD5}" type="presParOf" srcId="{DBA4CA91-E385-4850-9C79-2C53D314572F}" destId="{D4F042F9-7F33-48B6-BE52-18A5504D12C6}" srcOrd="0" destOrd="0" presId="urn:microsoft.com/office/officeart/2008/layout/HorizontalMultiLevelHierarchy"/>
+    <dgm:cxn modelId="{43EF374B-9427-49F1-A306-0977FEDCB118}" type="presParOf" srcId="{BE6D9DC3-4699-4B9B-A412-E4D71818AE5D}" destId="{FD0A6A39-FE12-40F2-8604-5FE4F32AD643}" srcOrd="1" destOrd="0" presId="urn:microsoft.com/office/officeart/2008/layout/HorizontalMultiLevelHierarchy"/>
+    <dgm:cxn modelId="{A2F0CDE5-AC47-431A-91F1-DD9E2093566D}" type="presParOf" srcId="{FD0A6A39-FE12-40F2-8604-5FE4F32AD643}" destId="{6FF0C949-3F9D-4789-AC90-F1566F9E4506}" srcOrd="0" destOrd="0" presId="urn:microsoft.com/office/officeart/2008/layout/HorizontalMultiLevelHierarchy"/>
+    <dgm:cxn modelId="{E2BFC170-D459-4C33-A916-188FC4AFE05D}" type="presParOf" srcId="{FD0A6A39-FE12-40F2-8604-5FE4F32AD643}" destId="{015FF68E-D38A-4796-B706-970B68D7D8C0}" srcOrd="1" destOrd="0" presId="urn:microsoft.com/office/officeart/2008/layout/HorizontalMultiLevelHierarchy"/>
+    <dgm:cxn modelId="{B12411DA-C8E6-474D-9F17-222869E3BA6D}" type="presParOf" srcId="{BE6D9DC3-4699-4B9B-A412-E4D71818AE5D}" destId="{7F012391-3332-4BCA-873A-034FD03600FE}" srcOrd="2" destOrd="0" presId="urn:microsoft.com/office/officeart/2008/layout/HorizontalMultiLevelHierarchy"/>
+    <dgm:cxn modelId="{97B7D824-91B0-41DB-B884-C16009034ED5}" type="presParOf" srcId="{7F012391-3332-4BCA-873A-034FD03600FE}" destId="{8F67BFA0-5899-4F66-988A-B943E15B2679}" srcOrd="0" destOrd="0" presId="urn:microsoft.com/office/officeart/2008/layout/HorizontalMultiLevelHierarchy"/>
+    <dgm:cxn modelId="{689A7071-774F-4F00-8250-9A5F8615FAE2}" type="presParOf" srcId="{BE6D9DC3-4699-4B9B-A412-E4D71818AE5D}" destId="{D8548136-1877-498A-9903-CF983E23E91C}" srcOrd="3" destOrd="0" presId="urn:microsoft.com/office/officeart/2008/layout/HorizontalMultiLevelHierarchy"/>
+    <dgm:cxn modelId="{B2DF42FF-3BEE-4E07-8641-C465B3DE911D}" type="presParOf" srcId="{D8548136-1877-498A-9903-CF983E23E91C}" destId="{31066EA5-3788-412A-8DFC-F65B6009BADF}" srcOrd="0" destOrd="0" presId="urn:microsoft.com/office/officeart/2008/layout/HorizontalMultiLevelHierarchy"/>
+    <dgm:cxn modelId="{F955E71B-8632-4AD1-B196-A41A150FC04A}" type="presParOf" srcId="{D8548136-1877-498A-9903-CF983E23E91C}" destId="{330B6333-C247-4476-B85A-0F1C3E693687}" srcOrd="1" destOrd="0" presId="urn:microsoft.com/office/officeart/2008/layout/HorizontalMultiLevelHierarchy"/>
+    <dgm:cxn modelId="{83030938-9BD9-4D59-96F5-7C999E243D35}" type="presParOf" srcId="{BE6D9DC3-4699-4B9B-A412-E4D71818AE5D}" destId="{713DFD89-4B6B-47B2-8203-544899CE5C74}" srcOrd="4" destOrd="0" presId="urn:microsoft.com/office/officeart/2008/layout/HorizontalMultiLevelHierarchy"/>
+    <dgm:cxn modelId="{A6CFE21C-89DB-45EE-8A06-AD393BD916B7}" type="presParOf" srcId="{713DFD89-4B6B-47B2-8203-544899CE5C74}" destId="{771C85E9-EA07-4D9D-82E2-641FCFAA20BC}" srcOrd="0" destOrd="0" presId="urn:microsoft.com/office/officeart/2008/layout/HorizontalMultiLevelHierarchy"/>
+    <dgm:cxn modelId="{54F22ACC-45A4-406B-8968-A5398163AF34}" type="presParOf" srcId="{BE6D9DC3-4699-4B9B-A412-E4D71818AE5D}" destId="{404AE31F-1FDD-4E65-A790-28F753D7CFAB}" srcOrd="5" destOrd="0" presId="urn:microsoft.com/office/officeart/2008/layout/HorizontalMultiLevelHierarchy"/>
+    <dgm:cxn modelId="{D9124B8D-77DD-4CFD-AB0B-AD4DAB8960CA}" type="presParOf" srcId="{404AE31F-1FDD-4E65-A790-28F753D7CFAB}" destId="{548BEBB0-D16C-432C-B6DC-C7FC389D01DC}" srcOrd="0" destOrd="0" presId="urn:microsoft.com/office/officeart/2008/layout/HorizontalMultiLevelHierarchy"/>
+    <dgm:cxn modelId="{CB0D9862-667C-454A-9257-BAE1E4EB6860}" type="presParOf" srcId="{404AE31F-1FDD-4E65-A790-28F753D7CFAB}" destId="{583EF347-8BAE-4BE4-A9D5-B3EC4CD9313E}" srcOrd="1" destOrd="0" presId="urn:microsoft.com/office/officeart/2008/layout/HorizontalMultiLevelHierarchy"/>
+    <dgm:cxn modelId="{C5288B5F-4CAC-42F9-A34A-7F455C712325}" type="presParOf" srcId="{583EF347-8BAE-4BE4-A9D5-B3EC4CD9313E}" destId="{35A4DAB7-D9B6-4AE1-885E-5EF0DCB1A387}" srcOrd="0" destOrd="0" presId="urn:microsoft.com/office/officeart/2008/layout/HorizontalMultiLevelHierarchy"/>
+    <dgm:cxn modelId="{5EC16140-2692-4A77-BA7F-005C48402722}" type="presParOf" srcId="{35A4DAB7-D9B6-4AE1-885E-5EF0DCB1A387}" destId="{F688013D-F0BE-46BB-B736-4D8ADB403A7C}" srcOrd="0" destOrd="0" presId="urn:microsoft.com/office/officeart/2008/layout/HorizontalMultiLevelHierarchy"/>
+    <dgm:cxn modelId="{4F524447-0EC3-4558-8F8F-FB289830EC32}" type="presParOf" srcId="{583EF347-8BAE-4BE4-A9D5-B3EC4CD9313E}" destId="{4E577D91-EE5D-4494-8F0B-1DA7F4FC807A}" srcOrd="1" destOrd="0" presId="urn:microsoft.com/office/officeart/2008/layout/HorizontalMultiLevelHierarchy"/>
+    <dgm:cxn modelId="{8FEB89F2-51D1-4C3F-8358-045E60F52422}" type="presParOf" srcId="{4E577D91-EE5D-4494-8F0B-1DA7F4FC807A}" destId="{E50C2439-5302-4073-A4A6-DD0B3CA2D779}" srcOrd="0" destOrd="0" presId="urn:microsoft.com/office/officeart/2008/layout/HorizontalMultiLevelHierarchy"/>
+    <dgm:cxn modelId="{95018D6A-CAC1-4809-90EB-02F757EFB8BC}" type="presParOf" srcId="{4E577D91-EE5D-4494-8F0B-1DA7F4FC807A}" destId="{E0151DD4-F1BB-4C0F-8549-B59E73DD9B6B}" srcOrd="1" destOrd="0" presId="urn:microsoft.com/office/officeart/2008/layout/HorizontalMultiLevelHierarchy"/>
+    <dgm:cxn modelId="{8FABF073-7FC5-4FF2-A9E7-FF09ABA735BA}" type="presParOf" srcId="{BE6D9DC3-4699-4B9B-A412-E4D71818AE5D}" destId="{57C8A3E4-7C9A-43C4-9524-3ECCF2EC63A7}" srcOrd="6" destOrd="0" presId="urn:microsoft.com/office/officeart/2008/layout/HorizontalMultiLevelHierarchy"/>
+    <dgm:cxn modelId="{0FC7EAF2-B8AD-4B74-B9C9-99692185DE87}" type="presParOf" srcId="{57C8A3E4-7C9A-43C4-9524-3ECCF2EC63A7}" destId="{09D12B51-B6C7-4DC6-B49C-FFFA5368F147}" srcOrd="0" destOrd="0" presId="urn:microsoft.com/office/officeart/2008/layout/HorizontalMultiLevelHierarchy"/>
+    <dgm:cxn modelId="{61C2AE38-F6A2-48AB-B3CE-64F048B8EE4D}" type="presParOf" srcId="{BE6D9DC3-4699-4B9B-A412-E4D71818AE5D}" destId="{A800586A-F5C1-4030-9A3A-78BDED87C293}" srcOrd="7" destOrd="0" presId="urn:microsoft.com/office/officeart/2008/layout/HorizontalMultiLevelHierarchy"/>
+    <dgm:cxn modelId="{D0E4AEE6-454B-4AF5-8B21-CA396A91B713}" type="presParOf" srcId="{A800586A-F5C1-4030-9A3A-78BDED87C293}" destId="{A5B26C97-0E77-41FA-A583-0CC5586F7601}" srcOrd="0" destOrd="0" presId="urn:microsoft.com/office/officeart/2008/layout/HorizontalMultiLevelHierarchy"/>
+    <dgm:cxn modelId="{F356A9EB-EF8B-4788-8999-33B56530EAD7}" type="presParOf" srcId="{A800586A-F5C1-4030-9A3A-78BDED87C293}" destId="{AB1599FE-5BD0-4747-A199-179E13F30441}" srcOrd="1" destOrd="0" presId="urn:microsoft.com/office/officeart/2008/layout/HorizontalMultiLevelHierarchy"/>
+    <dgm:cxn modelId="{25FE5A4B-F9AD-4FD6-AF4A-A69BD5483455}" type="presParOf" srcId="{AB1599FE-5BD0-4747-A199-179E13F30441}" destId="{F2BF9794-4818-4C17-B71E-F6D2CFB4B961}" srcOrd="0" destOrd="0" presId="urn:microsoft.com/office/officeart/2008/layout/HorizontalMultiLevelHierarchy"/>
+    <dgm:cxn modelId="{DEC73606-E1CB-4686-995A-4A3889D8BDF2}" type="presParOf" srcId="{F2BF9794-4818-4C17-B71E-F6D2CFB4B961}" destId="{A72DC1AD-4E9F-4886-B3BA-14E3602FFE3E}" srcOrd="0" destOrd="0" presId="urn:microsoft.com/office/officeart/2008/layout/HorizontalMultiLevelHierarchy"/>
+    <dgm:cxn modelId="{39070333-1669-4601-877E-12A31649C226}" type="presParOf" srcId="{AB1599FE-5BD0-4747-A199-179E13F30441}" destId="{30FF6B4E-6584-4045-8EF2-B87E82389C0C}" srcOrd="1" destOrd="0" presId="urn:microsoft.com/office/officeart/2008/layout/HorizontalMultiLevelHierarchy"/>
+    <dgm:cxn modelId="{5365AAB5-A02A-495C-9AAA-7113840BDFBA}" type="presParOf" srcId="{30FF6B4E-6584-4045-8EF2-B87E82389C0C}" destId="{1AEACB23-D78F-4B4D-A9E4-0DBACFC420C3}" srcOrd="0" destOrd="0" presId="urn:microsoft.com/office/officeart/2008/layout/HorizontalMultiLevelHierarchy"/>
+    <dgm:cxn modelId="{3ADEA43C-D3D2-48BC-B426-4E088C81B2A6}" type="presParOf" srcId="{30FF6B4E-6584-4045-8EF2-B87E82389C0C}" destId="{15C8B06C-74AD-4DA6-8DEE-E0E5F667E3C5}" srcOrd="1" destOrd="0" presId="urn:microsoft.com/office/officeart/2008/layout/HorizontalMultiLevelHierarchy"/>
+    <dgm:cxn modelId="{3D5F5A11-9EBE-471B-802C-353B87BD9C55}" type="presParOf" srcId="{BE6D9DC3-4699-4B9B-A412-E4D71818AE5D}" destId="{8AE0D171-6F72-469E-B5C6-F9E7C296DEDB}" srcOrd="8" destOrd="0" presId="urn:microsoft.com/office/officeart/2008/layout/HorizontalMultiLevelHierarchy"/>
+    <dgm:cxn modelId="{9FF8A611-2F5F-488D-9197-9D362C6475FD}" type="presParOf" srcId="{8AE0D171-6F72-469E-B5C6-F9E7C296DEDB}" destId="{94E6744A-2397-490C-9C52-22C4C5813703}" srcOrd="0" destOrd="0" presId="urn:microsoft.com/office/officeart/2008/layout/HorizontalMultiLevelHierarchy"/>
+    <dgm:cxn modelId="{081DF3DA-E30F-49CD-8BF4-150CCE9DDF21}" type="presParOf" srcId="{BE6D9DC3-4699-4B9B-A412-E4D71818AE5D}" destId="{28BDE779-87C2-41AD-AEFF-82A773B4DEFC}" srcOrd="9" destOrd="0" presId="urn:microsoft.com/office/officeart/2008/layout/HorizontalMultiLevelHierarchy"/>
+    <dgm:cxn modelId="{6F27A878-0008-44DA-984A-470EA198AA75}" type="presParOf" srcId="{28BDE779-87C2-41AD-AEFF-82A773B4DEFC}" destId="{0A31862F-7E3F-46A2-99D4-B96370DB3536}" srcOrd="0" destOrd="0" presId="urn:microsoft.com/office/officeart/2008/layout/HorizontalMultiLevelHierarchy"/>
+    <dgm:cxn modelId="{BC99B0C7-D039-472D-86DD-B9DE4EFB5D4A}" type="presParOf" srcId="{28BDE779-87C2-41AD-AEFF-82A773B4DEFC}" destId="{D4677C2A-10AC-472B-91A3-4A294C9405EB}" srcOrd="1" destOrd="0" presId="urn:microsoft.com/office/officeart/2008/layout/HorizontalMultiLevelHierarchy"/>
+    <dgm:cxn modelId="{75C4EE90-7490-4123-8C40-5F8EC0D0938C}" type="presParOf" srcId="{D4677C2A-10AC-472B-91A3-4A294C9405EB}" destId="{0D01B59A-5FFE-4A83-B8D9-A6EDCFE2B05E}" srcOrd="0" destOrd="0" presId="urn:microsoft.com/office/officeart/2008/layout/HorizontalMultiLevelHierarchy"/>
+    <dgm:cxn modelId="{20C02C29-3478-4C09-B124-BD7CD9164937}" type="presParOf" srcId="{0D01B59A-5FFE-4A83-B8D9-A6EDCFE2B05E}" destId="{82E38931-4962-40FE-9F98-C9CB41EA7B26}" srcOrd="0" destOrd="0" presId="urn:microsoft.com/office/officeart/2008/layout/HorizontalMultiLevelHierarchy"/>
+    <dgm:cxn modelId="{5C1F409A-A558-432D-A064-99FB7847230A}" type="presParOf" srcId="{D4677C2A-10AC-472B-91A3-4A294C9405EB}" destId="{93089C34-C7F7-4DD1-BC20-757AE8BFC06A}" srcOrd="1" destOrd="0" presId="urn:microsoft.com/office/officeart/2008/layout/HorizontalMultiLevelHierarchy"/>
+    <dgm:cxn modelId="{DE8708EA-1CF7-4D2A-B15C-9F58917A14B3}" type="presParOf" srcId="{93089C34-C7F7-4DD1-BC20-757AE8BFC06A}" destId="{7FFA155F-0FA2-4989-8D7F-60AF2E6F04E5}" srcOrd="0" destOrd="0" presId="urn:microsoft.com/office/officeart/2008/layout/HorizontalMultiLevelHierarchy"/>
+    <dgm:cxn modelId="{54A4423F-62F6-4217-A3AB-0E507C8C8868}" type="presParOf" srcId="{93089C34-C7F7-4DD1-BC20-757AE8BFC06A}" destId="{6E102D56-9D4C-4673-8AF5-3101F52492AB}" srcOrd="1" destOrd="0" presId="urn:microsoft.com/office/officeart/2008/layout/HorizontalMultiLevelHierarchy"/>
+    <dgm:cxn modelId="{6087BDF8-C49E-443A-8CAA-C49FEC23C5C3}" type="presParOf" srcId="{BE6D9DC3-4699-4B9B-A412-E4D71818AE5D}" destId="{7659A773-C789-41EE-A0CA-AE19E2F1CC90}" srcOrd="10" destOrd="0" presId="urn:microsoft.com/office/officeart/2008/layout/HorizontalMultiLevelHierarchy"/>
+    <dgm:cxn modelId="{BCC927BC-3519-49A5-9DCF-CEB9A76D6640}" type="presParOf" srcId="{7659A773-C789-41EE-A0CA-AE19E2F1CC90}" destId="{CE5F5186-9E85-4C7D-9636-7B4CA1401932}" srcOrd="0" destOrd="0" presId="urn:microsoft.com/office/officeart/2008/layout/HorizontalMultiLevelHierarchy"/>
+    <dgm:cxn modelId="{2A31EF5C-C146-4AE7-B2FE-8FC59842D7D6}" type="presParOf" srcId="{BE6D9DC3-4699-4B9B-A412-E4D71818AE5D}" destId="{D76C5A26-7FA4-4DE8-B444-27250C5FE38C}" srcOrd="11" destOrd="0" presId="urn:microsoft.com/office/officeart/2008/layout/HorizontalMultiLevelHierarchy"/>
+    <dgm:cxn modelId="{F03EFA95-2B88-4FA4-BC65-91D1015AEF55}" type="presParOf" srcId="{D76C5A26-7FA4-4DE8-B444-27250C5FE38C}" destId="{5E070DCA-6141-4CDC-B670-2C6E03B4A759}" srcOrd="0" destOrd="0" presId="urn:microsoft.com/office/officeart/2008/layout/HorizontalMultiLevelHierarchy"/>
+    <dgm:cxn modelId="{0DD8BD7A-2218-42E8-B6A8-86D27A569E53}" type="presParOf" srcId="{D76C5A26-7FA4-4DE8-B444-27250C5FE38C}" destId="{40550EAA-2C78-445D-A362-D8EA5A7B3848}" srcOrd="1" destOrd="0" presId="urn:microsoft.com/office/officeart/2008/layout/HorizontalMultiLevelHierarchy"/>
+    <dgm:cxn modelId="{17E4174D-B747-41D9-96C2-D64773B58B78}" type="presParOf" srcId="{40550EAA-2C78-445D-A362-D8EA5A7B3848}" destId="{05F44D56-B815-42FF-A0CE-47047ADBDAD2}" srcOrd="0" destOrd="0" presId="urn:microsoft.com/office/officeart/2008/layout/HorizontalMultiLevelHierarchy"/>
+    <dgm:cxn modelId="{4333BACD-E1FA-4F6C-A85F-D3FC6E3FB700}" type="presParOf" srcId="{05F44D56-B815-42FF-A0CE-47047ADBDAD2}" destId="{B22B7B04-0F48-48E1-ABEE-8E9989B97F5A}" srcOrd="0" destOrd="0" presId="urn:microsoft.com/office/officeart/2008/layout/HorizontalMultiLevelHierarchy"/>
+    <dgm:cxn modelId="{06FC7AFF-CB6A-463C-B629-5916C8D01EBC}" type="presParOf" srcId="{40550EAA-2C78-445D-A362-D8EA5A7B3848}" destId="{023B41BB-D227-41BB-BB6E-6A1EF76B3B15}" srcOrd="1" destOrd="0" presId="urn:microsoft.com/office/officeart/2008/layout/HorizontalMultiLevelHierarchy"/>
+    <dgm:cxn modelId="{2DE3361A-AF4D-4742-87E8-4C5588171193}" type="presParOf" srcId="{023B41BB-D227-41BB-BB6E-6A1EF76B3B15}" destId="{983E0EB7-A579-4F15-934C-D56985D0E97D}" srcOrd="0" destOrd="0" presId="urn:microsoft.com/office/officeart/2008/layout/HorizontalMultiLevelHierarchy"/>
+    <dgm:cxn modelId="{C5DB81BE-FD3C-4A5F-9614-5B84F3F05BFC}" type="presParOf" srcId="{023B41BB-D227-41BB-BB6E-6A1EF76B3B15}" destId="{FEB3AAF7-62E1-43D4-A60B-493487CF6E8D}" srcOrd="1" destOrd="0" presId="urn:microsoft.com/office/officeart/2008/layout/HorizontalMultiLevelHierarchy"/>
+    <dgm:cxn modelId="{10C1C77F-6D91-4AD6-920A-9CCD7050D780}" type="presParOf" srcId="{BE6D9DC3-4699-4B9B-A412-E4D71818AE5D}" destId="{3C9CBFC3-FB4D-43C3-9946-F80DA72775D5}" srcOrd="12" destOrd="0" presId="urn:microsoft.com/office/officeart/2008/layout/HorizontalMultiLevelHierarchy"/>
+    <dgm:cxn modelId="{7A82BE2F-F59B-49EA-B1F0-3D857DE6BDB9}" type="presParOf" srcId="{3C9CBFC3-FB4D-43C3-9946-F80DA72775D5}" destId="{2012A195-9D04-4B40-A67C-D87382A06527}" srcOrd="0" destOrd="0" presId="urn:microsoft.com/office/officeart/2008/layout/HorizontalMultiLevelHierarchy"/>
+    <dgm:cxn modelId="{C0744620-C996-4F49-B13A-99819F8D0C4B}" type="presParOf" srcId="{BE6D9DC3-4699-4B9B-A412-E4D71818AE5D}" destId="{65A1023A-4CD5-4DC6-ACCE-566CCC62B6B4}" srcOrd="13" destOrd="0" presId="urn:microsoft.com/office/officeart/2008/layout/HorizontalMultiLevelHierarchy"/>
+    <dgm:cxn modelId="{AC0068E4-6B61-4A77-A461-AF4FF4DDE886}" type="presParOf" srcId="{65A1023A-4CD5-4DC6-ACCE-566CCC62B6B4}" destId="{008AA575-C7EE-481F-8E5A-70B498B23351}" srcOrd="0" destOrd="0" presId="urn:microsoft.com/office/officeart/2008/layout/HorizontalMultiLevelHierarchy"/>
+    <dgm:cxn modelId="{309ACA70-9551-4A0B-BB93-AE84B927864F}" type="presParOf" srcId="{65A1023A-4CD5-4DC6-ACCE-566CCC62B6B4}" destId="{B78E01C4-360A-4A54-94D2-2EF413C57A24}" srcOrd="1" destOrd="0" presId="urn:microsoft.com/office/officeart/2008/layout/HorizontalMultiLevelHierarchy"/>
+    <dgm:cxn modelId="{BAAB067D-EC2F-4A8C-99FF-24367CA18F0F}" type="presParOf" srcId="{B78E01C4-360A-4A54-94D2-2EF413C57A24}" destId="{6A0827AD-C4ED-47CF-9A76-9E8009271F53}" srcOrd="0" destOrd="0" presId="urn:microsoft.com/office/officeart/2008/layout/HorizontalMultiLevelHierarchy"/>
+    <dgm:cxn modelId="{03FA226F-FFFB-49DA-A073-E75526608D41}" type="presParOf" srcId="{6A0827AD-C4ED-47CF-9A76-9E8009271F53}" destId="{3296692A-1800-409F-B58C-374559757FCB}" srcOrd="0" destOrd="0" presId="urn:microsoft.com/office/officeart/2008/layout/HorizontalMultiLevelHierarchy"/>
+    <dgm:cxn modelId="{7804E858-CBD2-4EE8-8AAE-DD94DF84B923}" type="presParOf" srcId="{B78E01C4-360A-4A54-94D2-2EF413C57A24}" destId="{418D6B30-FAB4-4C89-970F-19DAB08E44E3}" srcOrd="1" destOrd="0" presId="urn:microsoft.com/office/officeart/2008/layout/HorizontalMultiLevelHierarchy"/>
+    <dgm:cxn modelId="{1DACAF62-0BEB-4A99-B006-4809FCE4405E}" type="presParOf" srcId="{418D6B30-FAB4-4C89-970F-19DAB08E44E3}" destId="{7F95FDAB-3B35-4D5B-BBC5-204E545D0876}" srcOrd="0" destOrd="0" presId="urn:microsoft.com/office/officeart/2008/layout/HorizontalMultiLevelHierarchy"/>
+    <dgm:cxn modelId="{0D10510C-8495-4827-B725-78F5B6BD1528}" type="presParOf" srcId="{418D6B30-FAB4-4C89-970F-19DAB08E44E3}" destId="{310E5CCC-B08B-41B3-88C5-0ACFBECEB274}" srcOrd="1" destOrd="0" presId="urn:microsoft.com/office/officeart/2008/layout/HorizontalMultiLevelHierarchy"/>
+    <dgm:cxn modelId="{309F4819-077C-44B8-9573-341D4D7A62FC}" type="presParOf" srcId="{BE6D9DC3-4699-4B9B-A412-E4D71818AE5D}" destId="{A7F4A0F6-B66F-4F00-A083-909E1F094419}" srcOrd="14" destOrd="0" presId="urn:microsoft.com/office/officeart/2008/layout/HorizontalMultiLevelHierarchy"/>
+    <dgm:cxn modelId="{17BDA47A-A0E9-4C1F-81C9-F023D3339A5C}" type="presParOf" srcId="{A7F4A0F6-B66F-4F00-A083-909E1F094419}" destId="{B7BBC026-ADB3-4877-99D8-0C780C0F6FD1}" srcOrd="0" destOrd="0" presId="urn:microsoft.com/office/officeart/2008/layout/HorizontalMultiLevelHierarchy"/>
+    <dgm:cxn modelId="{F683488F-1C94-4848-A29B-FDFF28B80AC4}" type="presParOf" srcId="{BE6D9DC3-4699-4B9B-A412-E4D71818AE5D}" destId="{03FEDB97-A874-4A28-AB1B-3E0E2305FCD6}" srcOrd="15" destOrd="0" presId="urn:microsoft.com/office/officeart/2008/layout/HorizontalMultiLevelHierarchy"/>
+    <dgm:cxn modelId="{85D11740-276C-4A41-BF78-3F2CD950A458}" type="presParOf" srcId="{03FEDB97-A874-4A28-AB1B-3E0E2305FCD6}" destId="{74081302-62A8-41A5-BEA1-B03723F76D79}" srcOrd="0" destOrd="0" presId="urn:microsoft.com/office/officeart/2008/layout/HorizontalMultiLevelHierarchy"/>
+    <dgm:cxn modelId="{0E2B3819-21F3-4D17-BC96-EE75528261D8}" type="presParOf" srcId="{03FEDB97-A874-4A28-AB1B-3E0E2305FCD6}" destId="{F3C695D8-892E-40FB-B4FC-F72061FFC0AF}" srcOrd="1" destOrd="0" presId="urn:microsoft.com/office/officeart/2008/layout/HorizontalMultiLevelHierarchy"/>
+    <dgm:cxn modelId="{BCA2BA3A-B426-4514-8E08-D641C4A38481}" type="presParOf" srcId="{F3C695D8-892E-40FB-B4FC-F72061FFC0AF}" destId="{4B3D3D49-E887-48AF-8019-22CC76D161CF}" srcOrd="0" destOrd="0" presId="urn:microsoft.com/office/officeart/2008/layout/HorizontalMultiLevelHierarchy"/>
+    <dgm:cxn modelId="{955EB1CE-E11C-46C8-8CAF-CAF25EBD7E79}" type="presParOf" srcId="{4B3D3D49-E887-48AF-8019-22CC76D161CF}" destId="{32914054-5201-4F4C-84B8-D8E945DB307E}" srcOrd="0" destOrd="0" presId="urn:microsoft.com/office/officeart/2008/layout/HorizontalMultiLevelHierarchy"/>
+    <dgm:cxn modelId="{BC3605DA-7691-4F0E-9B2E-D31365A49F6C}" type="presParOf" srcId="{F3C695D8-892E-40FB-B4FC-F72061FFC0AF}" destId="{62738D4B-DC4A-4058-9790-93ACB645E184}" srcOrd="1" destOrd="0" presId="urn:microsoft.com/office/officeart/2008/layout/HorizontalMultiLevelHierarchy"/>
+    <dgm:cxn modelId="{F6034173-9C6E-4F52-977B-A9B02CE8A0C1}" type="presParOf" srcId="{62738D4B-DC4A-4058-9790-93ACB645E184}" destId="{0D30C521-978A-42D4-B3BF-B04C2BC16A78}" srcOrd="0" destOrd="0" presId="urn:microsoft.com/office/officeart/2008/layout/HorizontalMultiLevelHierarchy"/>
+    <dgm:cxn modelId="{1DFB1B5D-33E8-4210-A80E-43C75B0E95C7}" type="presParOf" srcId="{62738D4B-DC4A-4058-9790-93ACB645E184}" destId="{4039C5F8-4949-4FC6-8CF6-DB8A7E965CCB}" srcOrd="1" destOrd="0" presId="urn:microsoft.com/office/officeart/2008/layout/HorizontalMultiLevelHierarchy"/>
+    <dgm:cxn modelId="{14658A4F-3ED9-4036-8EFF-B776F03D7965}" type="presParOf" srcId="{F3C695D8-892E-40FB-B4FC-F72061FFC0AF}" destId="{3BF25A95-3620-426F-99FE-2E8CD08A8CE4}" srcOrd="2" destOrd="0" presId="urn:microsoft.com/office/officeart/2008/layout/HorizontalMultiLevelHierarchy"/>
+    <dgm:cxn modelId="{874BDAC8-4006-4F61-BC90-DAFC6A310205}" type="presParOf" srcId="{3BF25A95-3620-426F-99FE-2E8CD08A8CE4}" destId="{222FC34D-1811-47AB-857F-B0D46949E408}" srcOrd="0" destOrd="0" presId="urn:microsoft.com/office/officeart/2008/layout/HorizontalMultiLevelHierarchy"/>
+    <dgm:cxn modelId="{6E35EF12-34D7-4422-8BB2-B8F43D5026C2}" type="presParOf" srcId="{F3C695D8-892E-40FB-B4FC-F72061FFC0AF}" destId="{775B7C3D-884E-4F60-815A-D626AE204BB6}" srcOrd="3" destOrd="0" presId="urn:microsoft.com/office/officeart/2008/layout/HorizontalMultiLevelHierarchy"/>
+    <dgm:cxn modelId="{02C5E470-DDAA-4BA4-BECA-DC406567E9E0}" type="presParOf" srcId="{775B7C3D-884E-4F60-815A-D626AE204BB6}" destId="{EACEC2A6-7951-4968-AA9B-D272FA3F4B6C}" srcOrd="0" destOrd="0" presId="urn:microsoft.com/office/officeart/2008/layout/HorizontalMultiLevelHierarchy"/>
+    <dgm:cxn modelId="{CF75A0EF-294D-4389-A211-CC088FEF4AA3}" type="presParOf" srcId="{775B7C3D-884E-4F60-815A-D626AE204BB6}" destId="{68EBCD2B-A391-40DB-85C2-7BF9473C2E76}" srcOrd="1" destOrd="0" presId="urn:microsoft.com/office/officeart/2008/layout/HorizontalMultiLevelHierarchy"/>
+    <dgm:cxn modelId="{CD146E60-A30E-4D16-9795-B8FD909FB806}" type="presParOf" srcId="{68EBCD2B-A391-40DB-85C2-7BF9473C2E76}" destId="{A49807EE-F733-4759-A61F-A4B482785FC1}" srcOrd="0" destOrd="0" presId="urn:microsoft.com/office/officeart/2008/layout/HorizontalMultiLevelHierarchy"/>
+    <dgm:cxn modelId="{36CB18C5-4E2D-40E3-A1BA-36529B61468B}" type="presParOf" srcId="{A49807EE-F733-4759-A61F-A4B482785FC1}" destId="{8DE5A080-748F-4909-A22F-FFA3A21B780B}" srcOrd="0" destOrd="0" presId="urn:microsoft.com/office/officeart/2008/layout/HorizontalMultiLevelHierarchy"/>
+    <dgm:cxn modelId="{DE0E5DE2-E7EB-45F7-A2E4-B7F3A6C224D0}" type="presParOf" srcId="{68EBCD2B-A391-40DB-85C2-7BF9473C2E76}" destId="{F822039A-F02A-447A-B060-C8824E0E9963}" srcOrd="1" destOrd="0" presId="urn:microsoft.com/office/officeart/2008/layout/HorizontalMultiLevelHierarchy"/>
+    <dgm:cxn modelId="{E52F1C96-8C17-44C9-8DF4-D9B4D1F12089}" type="presParOf" srcId="{F822039A-F02A-447A-B060-C8824E0E9963}" destId="{D474315A-A521-493F-8025-B9C26A01D152}" srcOrd="0" destOrd="0" presId="urn:microsoft.com/office/officeart/2008/layout/HorizontalMultiLevelHierarchy"/>
+    <dgm:cxn modelId="{A1B4F847-5D1E-4B83-A12D-94920CF01AA7}" type="presParOf" srcId="{F822039A-F02A-447A-B060-C8824E0E9963}" destId="{680C12CF-7029-4EA2-8F11-72BA653649E4}" srcOrd="1" destOrd="0" presId="urn:microsoft.com/office/officeart/2008/layout/HorizontalMultiLevelHierarchy"/>
+    <dgm:cxn modelId="{5EC3C656-7EC4-4EAC-B839-B6B3533536FB}" type="presParOf" srcId="{68EBCD2B-A391-40DB-85C2-7BF9473C2E76}" destId="{34D49760-BA84-4BD7-B73E-D0E72C2EE2B4}" srcOrd="2" destOrd="0" presId="urn:microsoft.com/office/officeart/2008/layout/HorizontalMultiLevelHierarchy"/>
+    <dgm:cxn modelId="{65B0CE8F-B40D-4921-92D2-20230E646EC5}" type="presParOf" srcId="{34D49760-BA84-4BD7-B73E-D0E72C2EE2B4}" destId="{55EF61AB-7728-4180-811E-46C0333973BB}" srcOrd="0" destOrd="0" presId="urn:microsoft.com/office/officeart/2008/layout/HorizontalMultiLevelHierarchy"/>
+    <dgm:cxn modelId="{5F0009E0-D0E2-4109-9229-3A3AC5F3926F}" type="presParOf" srcId="{68EBCD2B-A391-40DB-85C2-7BF9473C2E76}" destId="{755A3255-C505-410D-8712-4730D5106752}" srcOrd="3" destOrd="0" presId="urn:microsoft.com/office/officeart/2008/layout/HorizontalMultiLevelHierarchy"/>
+    <dgm:cxn modelId="{59FA85BC-4666-45C6-9BFF-761A58EAC390}" type="presParOf" srcId="{755A3255-C505-410D-8712-4730D5106752}" destId="{04483C0E-574D-4496-AC9A-2B671985B453}" srcOrd="0" destOrd="0" presId="urn:microsoft.com/office/officeart/2008/layout/HorizontalMultiLevelHierarchy"/>
+    <dgm:cxn modelId="{8850C990-B4DA-4F65-BCEB-F38444BC7DA7}" type="presParOf" srcId="{755A3255-C505-410D-8712-4730D5106752}" destId="{8BD81A33-5258-4E92-AB06-B16144AD63C2}" srcOrd="1" destOrd="0" presId="urn:microsoft.com/office/officeart/2008/layout/HorizontalMultiLevelHierarchy"/>
+    <dgm:cxn modelId="{AE202866-9D4E-458B-ACF9-61A627B63E24}" type="presParOf" srcId="{BE6D9DC3-4699-4B9B-A412-E4D71818AE5D}" destId="{C4A6E93C-56E8-4190-8124-02E9A0682B32}" srcOrd="16" destOrd="0" presId="urn:microsoft.com/office/officeart/2008/layout/HorizontalMultiLevelHierarchy"/>
+    <dgm:cxn modelId="{C3B68F1B-4947-4042-88B8-E34432B649AA}" type="presParOf" srcId="{C4A6E93C-56E8-4190-8124-02E9A0682B32}" destId="{9F597C50-5DB0-4EA6-8A48-7C5118307BF2}" srcOrd="0" destOrd="0" presId="urn:microsoft.com/office/officeart/2008/layout/HorizontalMultiLevelHierarchy"/>
+    <dgm:cxn modelId="{EA58CE2D-58B3-4C6D-BB25-EA8A1ECC05C1}" type="presParOf" srcId="{BE6D9DC3-4699-4B9B-A412-E4D71818AE5D}" destId="{F6C3382D-2B81-4200-826E-5550AB31B568}" srcOrd="17" destOrd="0" presId="urn:microsoft.com/office/officeart/2008/layout/HorizontalMultiLevelHierarchy"/>
+    <dgm:cxn modelId="{F2AE804B-862F-468B-A4B1-FADF82516497}" type="presParOf" srcId="{F6C3382D-2B81-4200-826E-5550AB31B568}" destId="{5F123EE8-D741-4D3A-A784-DC8C926059E5}" srcOrd="0" destOrd="0" presId="urn:microsoft.com/office/officeart/2008/layout/HorizontalMultiLevelHierarchy"/>
+    <dgm:cxn modelId="{42C160F9-198B-4562-A1CF-1AE6144B4230}" type="presParOf" srcId="{F6C3382D-2B81-4200-826E-5550AB31B568}" destId="{678F73B0-4F71-44F6-989D-019F2D8E3BC5}" srcOrd="1" destOrd="0" presId="urn:microsoft.com/office/officeart/2008/layout/HorizontalMultiLevelHierarchy"/>
+    <dgm:cxn modelId="{EF23CE0A-C300-4B83-9C60-6BCF11A021C5}" type="presParOf" srcId="{678F73B0-4F71-44F6-989D-019F2D8E3BC5}" destId="{78750218-D6E4-46CD-BE1C-A851C3C97E92}" srcOrd="0" destOrd="0" presId="urn:microsoft.com/office/officeart/2008/layout/HorizontalMultiLevelHierarchy"/>
+    <dgm:cxn modelId="{6585AB5C-1D18-4EED-8365-294E79FAE3CD}" type="presParOf" srcId="{78750218-D6E4-46CD-BE1C-A851C3C97E92}" destId="{247F949D-0480-4157-8AF0-B64093454D6E}" srcOrd="0" destOrd="0" presId="urn:microsoft.com/office/officeart/2008/layout/HorizontalMultiLevelHierarchy"/>
+    <dgm:cxn modelId="{59296261-EC03-4101-BB59-9285A162F006}" type="presParOf" srcId="{678F73B0-4F71-44F6-989D-019F2D8E3BC5}" destId="{B29FA774-BF68-4374-A1DD-B110AFDF2ECC}" srcOrd="1" destOrd="0" presId="urn:microsoft.com/office/officeart/2008/layout/HorizontalMultiLevelHierarchy"/>
+    <dgm:cxn modelId="{9D461267-C25C-48F6-B782-03A2F96CF6DB}" type="presParOf" srcId="{B29FA774-BF68-4374-A1DD-B110AFDF2ECC}" destId="{75421B01-0B16-4D3F-85AC-9FDF895596FE}" srcOrd="0" destOrd="0" presId="urn:microsoft.com/office/officeart/2008/layout/HorizontalMultiLevelHierarchy"/>
+    <dgm:cxn modelId="{02983332-93B7-4C3F-BDBC-8D984314D30B}" type="presParOf" srcId="{B29FA774-BF68-4374-A1DD-B110AFDF2ECC}" destId="{DDF7A274-CC0C-4CFE-A079-A81CDB6B7DD1}" srcOrd="1" destOrd="0" presId="urn:microsoft.com/office/officeart/2008/layout/HorizontalMultiLevelHierarchy"/>
+    <dgm:cxn modelId="{0331B1C7-6552-42A9-941A-5A9C1FCD1996}" type="presParOf" srcId="{678F73B0-4F71-44F6-989D-019F2D8E3BC5}" destId="{DC3EC34F-D3D6-47D6-9614-ACE62C55A5F1}" srcOrd="2" destOrd="0" presId="urn:microsoft.com/office/officeart/2008/layout/HorizontalMultiLevelHierarchy"/>
+    <dgm:cxn modelId="{5A3D5D71-8586-48AE-B4F1-58D3CDE835AA}" type="presParOf" srcId="{DC3EC34F-D3D6-47D6-9614-ACE62C55A5F1}" destId="{0D9D7F72-FB67-4937-BC7E-AB386D785450}" srcOrd="0" destOrd="0" presId="urn:microsoft.com/office/officeart/2008/layout/HorizontalMultiLevelHierarchy"/>
+    <dgm:cxn modelId="{F27330CB-ED58-4B39-9259-7DC9630BEFF1}" type="presParOf" srcId="{678F73B0-4F71-44F6-989D-019F2D8E3BC5}" destId="{82C5C202-24F4-477D-B480-FC4862943F27}" srcOrd="3" destOrd="0" presId="urn:microsoft.com/office/officeart/2008/layout/HorizontalMultiLevelHierarchy"/>
+    <dgm:cxn modelId="{B4F08590-C5BB-4322-A130-2B13F7DF51D6}" type="presParOf" srcId="{82C5C202-24F4-477D-B480-FC4862943F27}" destId="{DB0AC17B-B174-4DA2-8E4D-0D7D3240691F}" srcOrd="0" destOrd="0" presId="urn:microsoft.com/office/officeart/2008/layout/HorizontalMultiLevelHierarchy"/>
+    <dgm:cxn modelId="{B5553064-58E7-4E90-A87D-55CC8407BF65}" type="presParOf" srcId="{82C5C202-24F4-477D-B480-FC4862943F27}" destId="{263B5615-7A44-42B1-9FDF-798FBADDCD47}" srcOrd="1" destOrd="0" presId="urn:microsoft.com/office/officeart/2008/layout/HorizontalMultiLevelHierarchy"/>
+    <dgm:cxn modelId="{16A5547C-4F9D-4F7D-9E09-90C517AE3701}" type="presParOf" srcId="{263B5615-7A44-42B1-9FDF-798FBADDCD47}" destId="{AE193854-5DD4-461D-8B56-86C5F0C4F7E1}" srcOrd="0" destOrd="0" presId="urn:microsoft.com/office/officeart/2008/layout/HorizontalMultiLevelHierarchy"/>
+    <dgm:cxn modelId="{D34E4D9C-2BEC-48D0-B612-D4647D52B013}" type="presParOf" srcId="{AE193854-5DD4-461D-8B56-86C5F0C4F7E1}" destId="{E404A033-74EF-4246-BC47-F72448528B01}" srcOrd="0" destOrd="0" presId="urn:microsoft.com/office/officeart/2008/layout/HorizontalMultiLevelHierarchy"/>
+    <dgm:cxn modelId="{2D386821-21DA-42F6-B749-E969F431E46C}" type="presParOf" srcId="{263B5615-7A44-42B1-9FDF-798FBADDCD47}" destId="{06EAC2CE-3ACC-4EC7-9AF2-76D894C8E624}" srcOrd="1" destOrd="0" presId="urn:microsoft.com/office/officeart/2008/layout/HorizontalMultiLevelHierarchy"/>
+    <dgm:cxn modelId="{3E95E495-85DB-43B4-B75D-B815812B481A}" type="presParOf" srcId="{06EAC2CE-3ACC-4EC7-9AF2-76D894C8E624}" destId="{E18A34BE-33AC-43AF-85AE-018BFC2FFD84}" srcOrd="0" destOrd="0" presId="urn:microsoft.com/office/officeart/2008/layout/HorizontalMultiLevelHierarchy"/>
+    <dgm:cxn modelId="{6405CE63-9D47-41DE-AF9C-0ABBCE933632}" type="presParOf" srcId="{06EAC2CE-3ACC-4EC7-9AF2-76D894C8E624}" destId="{10B6093F-F787-4800-A0D2-CAA446D757AE}" srcOrd="1" destOrd="0" presId="urn:microsoft.com/office/officeart/2008/layout/HorizontalMultiLevelHierarchy"/>
   </dgm:cxnLst>
   <dgm:bg>
     <a:effectLst>
@@ -7135,15 +6985,15 @@
       <dsp:cNvGrpSpPr/>
     </dsp:nvGrpSpPr>
     <dsp:grpSpPr/>
-    <dsp:sp modelId="{6A0827AD-C4ED-47CF-9A76-9E8009271F53}">
+    <dsp:sp modelId="{AE193854-5DD4-461D-8B56-86C5F0C4F7E1}">
       <dsp:nvSpPr>
         <dsp:cNvPr id="0" name=""/>
         <dsp:cNvSpPr/>
       </dsp:nvSpPr>
       <dsp:spPr>
         <a:xfrm>
-          <a:off x="2982112" y="5219919"/>
-          <a:ext cx="447980" cy="91440"/>
+          <a:off x="4887767" y="5051790"/>
+          <a:ext cx="448750" cy="91440"/>
         </a:xfrm>
         <a:custGeom>
           <a:avLst/>
@@ -7157,7 +7007,7 @@
                 <a:pt x="0" y="45720"/>
               </a:moveTo>
               <a:lnTo>
-                <a:pt x="447980" y="45720"/>
+                <a:pt x="448750" y="45720"/>
               </a:lnTo>
             </a:path>
           </a:pathLst>
@@ -7211,19 +7061,19 @@
         </a:p>
       </dsp:txBody>
       <dsp:txXfrm>
-        <a:off x="3194902" y="5254439"/>
-        <a:ext cx="22399" cy="22399"/>
+        <a:off x="4887767" y="5086291"/>
+        <a:ext cx="448750" cy="22437"/>
       </dsp:txXfrm>
     </dsp:sp>
-    <dsp:sp modelId="{3C9CBFC3-FB4D-43C3-9946-F80DA72775D5}">
+    <dsp:sp modelId="{DC3EC34F-D3D6-47D6-9614-ACE62C55A5F1}">
       <dsp:nvSpPr>
         <dsp:cNvPr id="0" name=""/>
         <dsp:cNvSpPr/>
       </dsp:nvSpPr>
       <dsp:spPr>
         <a:xfrm>
-          <a:off x="1389104" y="2736091"/>
-          <a:ext cx="265501" cy="2529547"/>
+          <a:off x="3089097" y="4863815"/>
+          <a:ext cx="413870" cy="233694"/>
         </a:xfrm>
         <a:custGeom>
           <a:avLst/>
@@ -7237,93 +7087,13 @@
                 <a:pt x="0" y="0"/>
               </a:moveTo>
               <a:lnTo>
-                <a:pt x="132750" y="0"/>
+                <a:pt x="206935" y="0"/>
               </a:lnTo>
               <a:lnTo>
-                <a:pt x="132750" y="2529547"/>
+                <a:pt x="206935" y="233694"/>
               </a:lnTo>
               <a:lnTo>
-                <a:pt x="265501" y="2529547"/>
-              </a:lnTo>
-            </a:path>
-          </a:pathLst>
-        </a:custGeom>
-        <a:noFill/>
-        <a:ln w="12700" cap="flat" cmpd="sng" algn="ctr">
-          <a:solidFill>
-            <a:schemeClr val="accent1">
-              <a:shade val="60000"/>
-              <a:hueOff val="0"/>
-              <a:satOff val="0"/>
-              <a:lumOff val="0"/>
-              <a:alphaOff val="0"/>
-            </a:schemeClr>
-          </a:solidFill>
-          <a:prstDash val="solid"/>
-          <a:miter lim="800000"/>
-        </a:ln>
-        <a:effectLst/>
-      </dsp:spPr>
-      <dsp:style>
-        <a:lnRef idx="2">
-          <a:scrgbClr r="0" g="0" b="0"/>
-        </a:lnRef>
-        <a:fillRef idx="0">
-          <a:scrgbClr r="0" g="0" b="0"/>
-        </a:fillRef>
-        <a:effectRef idx="0">
-          <a:scrgbClr r="0" g="0" b="0"/>
-        </a:effectRef>
-        <a:fontRef idx="minor"/>
-      </dsp:style>
-      <dsp:txBody>
-        <a:bodyPr spcFirstLastPara="0" vert="horz" wrap="square" lIns="12700" tIns="0" rIns="12700" bIns="0" numCol="1" spcCol="1270" anchor="ctr" anchorCtr="0">
-          <a:noAutofit/>
-        </a:bodyPr>
-        <a:lstStyle/>
-        <a:p>
-          <a:pPr lvl="0" algn="ctr" defTabSz="400050">
-            <a:lnSpc>
-              <a:spcPct val="90000"/>
-            </a:lnSpc>
-            <a:spcBef>
-              <a:spcPct val="0"/>
-            </a:spcBef>
-            <a:spcAft>
-              <a:spcPct val="35000"/>
-            </a:spcAft>
-          </a:pPr>
-          <a:endParaRPr lang="en-GB" sz="900" kern="1200"/>
-        </a:p>
-      </dsp:txBody>
-      <dsp:txXfrm>
-        <a:off x="1458268" y="3937279"/>
-        <a:ext cx="127172" cy="127172"/>
-      </dsp:txXfrm>
-    </dsp:sp>
-    <dsp:sp modelId="{05F44D56-B815-42FF-A0CE-47047ADBDAD2}">
-      <dsp:nvSpPr>
-        <dsp:cNvPr id="0" name=""/>
-        <dsp:cNvSpPr/>
-      </dsp:nvSpPr>
-      <dsp:spPr>
-        <a:xfrm>
-          <a:off x="2982112" y="4714009"/>
-          <a:ext cx="447980" cy="91440"/>
-        </a:xfrm>
-        <a:custGeom>
-          <a:avLst/>
-          <a:gdLst/>
-          <a:ahLst/>
-          <a:cxnLst/>
-          <a:rect l="0" t="0" r="0" b="0"/>
-          <a:pathLst>
-            <a:path>
-              <a:moveTo>
-                <a:pt x="0" y="45720"/>
-              </a:moveTo>
-              <a:lnTo>
-                <a:pt x="447980" y="45720"/>
+                <a:pt x="413870" y="233694"/>
               </a:lnTo>
             </a:path>
           </a:pathLst>
@@ -7377,19 +7147,105 @@
         </a:p>
       </dsp:txBody>
       <dsp:txXfrm>
-        <a:off x="3194902" y="4748530"/>
-        <a:ext cx="22399" cy="22399"/>
+        <a:off x="3058387" y="4968780"/>
+        <a:ext cx="475291" cy="23764"/>
       </dsp:txXfrm>
     </dsp:sp>
-    <dsp:sp modelId="{7659A773-C789-41EE-A0CA-AE19E2F1CC90}">
+    <dsp:sp modelId="{78750218-D6E4-46CD-BE1C-A851C3C97E92}">
       <dsp:nvSpPr>
         <dsp:cNvPr id="0" name=""/>
         <dsp:cNvSpPr/>
       </dsp:nvSpPr>
       <dsp:spPr>
         <a:xfrm>
-          <a:off x="1389104" y="2736091"/>
-          <a:ext cx="265501" cy="2023638"/>
+          <a:off x="3089097" y="4630120"/>
+          <a:ext cx="413870" cy="233694"/>
+        </a:xfrm>
+        <a:custGeom>
+          <a:avLst/>
+          <a:gdLst/>
+          <a:ahLst/>
+          <a:cxnLst/>
+          <a:rect l="0" t="0" r="0" b="0"/>
+          <a:pathLst>
+            <a:path>
+              <a:moveTo>
+                <a:pt x="0" y="233694"/>
+              </a:moveTo>
+              <a:lnTo>
+                <a:pt x="206935" y="233694"/>
+              </a:lnTo>
+              <a:lnTo>
+                <a:pt x="206935" y="0"/>
+              </a:lnTo>
+              <a:lnTo>
+                <a:pt x="413870" y="0"/>
+              </a:lnTo>
+            </a:path>
+          </a:pathLst>
+        </a:custGeom>
+        <a:noFill/>
+        <a:ln w="12700" cap="flat" cmpd="sng" algn="ctr">
+          <a:solidFill>
+            <a:schemeClr val="accent1">
+              <a:shade val="80000"/>
+              <a:hueOff val="0"/>
+              <a:satOff val="0"/>
+              <a:lumOff val="0"/>
+              <a:alphaOff val="0"/>
+            </a:schemeClr>
+          </a:solidFill>
+          <a:prstDash val="solid"/>
+          <a:miter lim="800000"/>
+        </a:ln>
+        <a:effectLst/>
+      </dsp:spPr>
+      <dsp:style>
+        <a:lnRef idx="2">
+          <a:scrgbClr r="0" g="0" b="0"/>
+        </a:lnRef>
+        <a:fillRef idx="0">
+          <a:scrgbClr r="0" g="0" b="0"/>
+        </a:fillRef>
+        <a:effectRef idx="0">
+          <a:scrgbClr r="0" g="0" b="0"/>
+        </a:effectRef>
+        <a:fontRef idx="minor"/>
+      </dsp:style>
+      <dsp:txBody>
+        <a:bodyPr spcFirstLastPara="0" vert="horz" wrap="square" lIns="12700" tIns="0" rIns="12700" bIns="0" numCol="1" spcCol="1270" anchor="ctr" anchorCtr="0">
+          <a:noAutofit/>
+        </a:bodyPr>
+        <a:lstStyle/>
+        <a:p>
+          <a:pPr lvl="0" algn="ctr" defTabSz="222250">
+            <a:lnSpc>
+              <a:spcPct val="90000"/>
+            </a:lnSpc>
+            <a:spcBef>
+              <a:spcPct val="0"/>
+            </a:spcBef>
+            <a:spcAft>
+              <a:spcPct val="35000"/>
+            </a:spcAft>
+          </a:pPr>
+          <a:endParaRPr lang="en-GB" sz="500" kern="1200"/>
+        </a:p>
+      </dsp:txBody>
+      <dsp:txXfrm>
+        <a:off x="3284151" y="4735085"/>
+        <a:ext cx="23764" cy="23764"/>
+      </dsp:txXfrm>
+    </dsp:sp>
+    <dsp:sp modelId="{C4A6E93C-56E8-4190-8124-02E9A0682B32}">
+      <dsp:nvSpPr>
+        <dsp:cNvPr id="0" name=""/>
+        <dsp:cNvSpPr/>
+      </dsp:nvSpPr>
+      <dsp:spPr>
+        <a:xfrm>
+          <a:off x="1617382" y="2526869"/>
+          <a:ext cx="245285" cy="2336946"/>
         </a:xfrm>
         <a:custGeom>
           <a:avLst/>
@@ -7403,13 +7259,13 @@
                 <a:pt x="0" y="0"/>
               </a:moveTo>
               <a:lnTo>
-                <a:pt x="132750" y="0"/>
+                <a:pt x="122642" y="0"/>
               </a:lnTo>
               <a:lnTo>
-                <a:pt x="132750" y="2023638"/>
+                <a:pt x="122642" y="2336946"/>
               </a:lnTo>
               <a:lnTo>
-                <a:pt x="265501" y="2023638"/>
+                <a:pt x="245285" y="2336946"/>
               </a:lnTo>
             </a:path>
           </a:pathLst>
@@ -7448,7 +7304,7 @@
         </a:bodyPr>
         <a:lstStyle/>
         <a:p>
-          <a:pPr lvl="0" algn="ctr" defTabSz="311150">
+          <a:pPr lvl="0" algn="ctr" defTabSz="355600">
             <a:lnSpc>
               <a:spcPct val="90000"/>
             </a:lnSpc>
@@ -7459,23 +7315,23 @@
               <a:spcPct val="35000"/>
             </a:spcAft>
           </a:pPr>
-          <a:endParaRPr lang="en-GB" sz="700" kern="1200"/>
+          <a:endParaRPr lang="en-GB" sz="800" kern="1200"/>
         </a:p>
       </dsp:txBody>
       <dsp:txXfrm>
-        <a:off x="1470830" y="3696886"/>
-        <a:ext cx="102049" cy="102049"/>
+        <a:off x="1681280" y="3636597"/>
+        <a:ext cx="117489" cy="117489"/>
       </dsp:txXfrm>
     </dsp:sp>
-    <dsp:sp modelId="{F7509987-79F8-422F-86DB-9BD48BBE0910}">
+    <dsp:sp modelId="{34D49760-BA84-4BD7-B73E-D0E72C2EE2B4}">
       <dsp:nvSpPr>
         <dsp:cNvPr id="0" name=""/>
         <dsp:cNvSpPr/>
       </dsp:nvSpPr>
       <dsp:spPr>
         <a:xfrm>
-          <a:off x="1389104" y="2736091"/>
-          <a:ext cx="265501" cy="1517728"/>
+          <a:off x="4873749" y="4162731"/>
+          <a:ext cx="469992" cy="233694"/>
         </a:xfrm>
         <a:custGeom>
           <a:avLst/>
@@ -7489,13 +7345,357 @@
                 <a:pt x="0" y="0"/>
               </a:moveTo>
               <a:lnTo>
-                <a:pt x="132750" y="0"/>
+                <a:pt x="234996" y="0"/>
               </a:lnTo>
               <a:lnTo>
-                <a:pt x="132750" y="1517728"/>
+                <a:pt x="234996" y="233694"/>
               </a:lnTo>
               <a:lnTo>
-                <a:pt x="265501" y="1517728"/>
+                <a:pt x="469992" y="233694"/>
+              </a:lnTo>
+            </a:path>
+          </a:pathLst>
+        </a:custGeom>
+        <a:noFill/>
+        <a:ln w="12700" cap="flat" cmpd="sng" algn="ctr">
+          <a:solidFill>
+            <a:schemeClr val="accent1">
+              <a:shade val="80000"/>
+              <a:hueOff val="0"/>
+              <a:satOff val="0"/>
+              <a:lumOff val="0"/>
+              <a:alphaOff val="0"/>
+            </a:schemeClr>
+          </a:solidFill>
+          <a:prstDash val="solid"/>
+          <a:miter lim="800000"/>
+        </a:ln>
+        <a:effectLst/>
+      </dsp:spPr>
+      <dsp:style>
+        <a:lnRef idx="2">
+          <a:scrgbClr r="0" g="0" b="0"/>
+        </a:lnRef>
+        <a:fillRef idx="0">
+          <a:scrgbClr r="0" g="0" b="0"/>
+        </a:fillRef>
+        <a:effectRef idx="0">
+          <a:scrgbClr r="0" g="0" b="0"/>
+        </a:effectRef>
+        <a:fontRef idx="minor"/>
+      </dsp:style>
+      <dsp:txBody>
+        <a:bodyPr spcFirstLastPara="0" vert="horz" wrap="square" lIns="12700" tIns="0" rIns="12700" bIns="0" numCol="1" spcCol="1270" anchor="ctr" anchorCtr="0">
+          <a:noAutofit/>
+        </a:bodyPr>
+        <a:lstStyle/>
+        <a:p>
+          <a:pPr lvl="0" algn="ctr" defTabSz="222250">
+            <a:lnSpc>
+              <a:spcPct val="90000"/>
+            </a:lnSpc>
+            <a:spcBef>
+              <a:spcPct val="0"/>
+            </a:spcBef>
+            <a:spcAft>
+              <a:spcPct val="35000"/>
+            </a:spcAft>
+          </a:pPr>
+          <a:endParaRPr lang="en-GB" sz="500" kern="1200"/>
+        </a:p>
+      </dsp:txBody>
+      <dsp:txXfrm>
+        <a:off x="4846301" y="4266456"/>
+        <a:ext cx="524886" cy="26244"/>
+      </dsp:txXfrm>
+    </dsp:sp>
+    <dsp:sp modelId="{A49807EE-F733-4759-A61F-A4B482785FC1}">
+      <dsp:nvSpPr>
+        <dsp:cNvPr id="0" name=""/>
+        <dsp:cNvSpPr/>
+      </dsp:nvSpPr>
+      <dsp:spPr>
+        <a:xfrm>
+          <a:off x="4873749" y="3929037"/>
+          <a:ext cx="469992" cy="233694"/>
+        </a:xfrm>
+        <a:custGeom>
+          <a:avLst/>
+          <a:gdLst/>
+          <a:ahLst/>
+          <a:cxnLst/>
+          <a:rect l="0" t="0" r="0" b="0"/>
+          <a:pathLst>
+            <a:path>
+              <a:moveTo>
+                <a:pt x="0" y="233694"/>
+              </a:moveTo>
+              <a:lnTo>
+                <a:pt x="234996" y="233694"/>
+              </a:lnTo>
+              <a:lnTo>
+                <a:pt x="234996" y="0"/>
+              </a:lnTo>
+              <a:lnTo>
+                <a:pt x="469992" y="0"/>
+              </a:lnTo>
+            </a:path>
+          </a:pathLst>
+        </a:custGeom>
+        <a:noFill/>
+        <a:ln w="12700" cap="flat" cmpd="sng" algn="ctr">
+          <a:solidFill>
+            <a:schemeClr val="accent1">
+              <a:shade val="80000"/>
+              <a:hueOff val="0"/>
+              <a:satOff val="0"/>
+              <a:lumOff val="0"/>
+              <a:alphaOff val="0"/>
+            </a:schemeClr>
+          </a:solidFill>
+          <a:prstDash val="solid"/>
+          <a:miter lim="800000"/>
+        </a:ln>
+        <a:effectLst/>
+      </dsp:spPr>
+      <dsp:style>
+        <a:lnRef idx="2">
+          <a:scrgbClr r="0" g="0" b="0"/>
+        </a:lnRef>
+        <a:fillRef idx="0">
+          <a:scrgbClr r="0" g="0" b="0"/>
+        </a:fillRef>
+        <a:effectRef idx="0">
+          <a:scrgbClr r="0" g="0" b="0"/>
+        </a:effectRef>
+        <a:fontRef idx="minor"/>
+      </dsp:style>
+      <dsp:txBody>
+        <a:bodyPr spcFirstLastPara="0" vert="horz" wrap="square" lIns="12700" tIns="0" rIns="12700" bIns="0" numCol="1" spcCol="1270" anchor="ctr" anchorCtr="0">
+          <a:noAutofit/>
+        </a:bodyPr>
+        <a:lstStyle/>
+        <a:p>
+          <a:pPr lvl="0" algn="ctr" defTabSz="222250">
+            <a:lnSpc>
+              <a:spcPct val="90000"/>
+            </a:lnSpc>
+            <a:spcBef>
+              <a:spcPct val="0"/>
+            </a:spcBef>
+            <a:spcAft>
+              <a:spcPct val="35000"/>
+            </a:spcAft>
+          </a:pPr>
+          <a:endParaRPr lang="en-GB" sz="500" kern="1200"/>
+        </a:p>
+      </dsp:txBody>
+      <dsp:txXfrm>
+        <a:off x="4846301" y="4032762"/>
+        <a:ext cx="524886" cy="26244"/>
+      </dsp:txXfrm>
+    </dsp:sp>
+    <dsp:sp modelId="{3BF25A95-3620-426F-99FE-2E8CD08A8CE4}">
+      <dsp:nvSpPr>
+        <dsp:cNvPr id="0" name=""/>
+        <dsp:cNvSpPr/>
+      </dsp:nvSpPr>
+      <dsp:spPr>
+        <a:xfrm>
+          <a:off x="3247466" y="3812189"/>
+          <a:ext cx="241483" cy="350541"/>
+        </a:xfrm>
+        <a:custGeom>
+          <a:avLst/>
+          <a:gdLst/>
+          <a:ahLst/>
+          <a:cxnLst/>
+          <a:rect l="0" t="0" r="0" b="0"/>
+          <a:pathLst>
+            <a:path>
+              <a:moveTo>
+                <a:pt x="0" y="0"/>
+              </a:moveTo>
+              <a:lnTo>
+                <a:pt x="120741" y="0"/>
+              </a:lnTo>
+              <a:lnTo>
+                <a:pt x="120741" y="350541"/>
+              </a:lnTo>
+              <a:lnTo>
+                <a:pt x="241483" y="350541"/>
+              </a:lnTo>
+            </a:path>
+          </a:pathLst>
+        </a:custGeom>
+        <a:noFill/>
+        <a:ln w="12700" cap="flat" cmpd="sng" algn="ctr">
+          <a:solidFill>
+            <a:schemeClr val="accent1">
+              <a:shade val="80000"/>
+              <a:hueOff val="0"/>
+              <a:satOff val="0"/>
+              <a:lumOff val="0"/>
+              <a:alphaOff val="0"/>
+            </a:schemeClr>
+          </a:solidFill>
+          <a:prstDash val="solid"/>
+          <a:miter lim="800000"/>
+        </a:ln>
+        <a:effectLst/>
+      </dsp:spPr>
+      <dsp:style>
+        <a:lnRef idx="2">
+          <a:scrgbClr r="0" g="0" b="0"/>
+        </a:lnRef>
+        <a:fillRef idx="0">
+          <a:scrgbClr r="0" g="0" b="0"/>
+        </a:fillRef>
+        <a:effectRef idx="0">
+          <a:scrgbClr r="0" g="0" b="0"/>
+        </a:effectRef>
+        <a:fontRef idx="minor"/>
+      </dsp:style>
+      <dsp:txBody>
+        <a:bodyPr spcFirstLastPara="0" vert="horz" wrap="square" lIns="12700" tIns="0" rIns="12700" bIns="0" numCol="1" spcCol="1270" anchor="ctr" anchorCtr="0">
+          <a:noAutofit/>
+        </a:bodyPr>
+        <a:lstStyle/>
+        <a:p>
+          <a:pPr lvl="0" algn="ctr" defTabSz="222250">
+            <a:lnSpc>
+              <a:spcPct val="90000"/>
+            </a:lnSpc>
+            <a:spcBef>
+              <a:spcPct val="0"/>
+            </a:spcBef>
+            <a:spcAft>
+              <a:spcPct val="35000"/>
+            </a:spcAft>
+          </a:pPr>
+          <a:endParaRPr lang="en-GB" sz="500" kern="1200"/>
+        </a:p>
+      </dsp:txBody>
+      <dsp:txXfrm>
+        <a:off x="3357566" y="3976818"/>
+        <a:ext cx="21283" cy="21283"/>
+      </dsp:txXfrm>
+    </dsp:sp>
+    <dsp:sp modelId="{4B3D3D49-E887-48AF-8019-22CC76D161CF}">
+      <dsp:nvSpPr>
+        <dsp:cNvPr id="0" name=""/>
+        <dsp:cNvSpPr/>
+      </dsp:nvSpPr>
+      <dsp:spPr>
+        <a:xfrm>
+          <a:off x="3247466" y="3461647"/>
+          <a:ext cx="245285" cy="350541"/>
+        </a:xfrm>
+        <a:custGeom>
+          <a:avLst/>
+          <a:gdLst/>
+          <a:ahLst/>
+          <a:cxnLst/>
+          <a:rect l="0" t="0" r="0" b="0"/>
+          <a:pathLst>
+            <a:path>
+              <a:moveTo>
+                <a:pt x="0" y="350541"/>
+              </a:moveTo>
+              <a:lnTo>
+                <a:pt x="122642" y="350541"/>
+              </a:lnTo>
+              <a:lnTo>
+                <a:pt x="122642" y="0"/>
+              </a:lnTo>
+              <a:lnTo>
+                <a:pt x="245285" y="0"/>
+              </a:lnTo>
+            </a:path>
+          </a:pathLst>
+        </a:custGeom>
+        <a:noFill/>
+        <a:ln w="12700" cap="flat" cmpd="sng" algn="ctr">
+          <a:solidFill>
+            <a:schemeClr val="accent1">
+              <a:shade val="80000"/>
+              <a:hueOff val="0"/>
+              <a:satOff val="0"/>
+              <a:lumOff val="0"/>
+              <a:alphaOff val="0"/>
+            </a:schemeClr>
+          </a:solidFill>
+          <a:prstDash val="solid"/>
+          <a:miter lim="800000"/>
+        </a:ln>
+        <a:effectLst/>
+      </dsp:spPr>
+      <dsp:style>
+        <a:lnRef idx="2">
+          <a:scrgbClr r="0" g="0" b="0"/>
+        </a:lnRef>
+        <a:fillRef idx="0">
+          <a:scrgbClr r="0" g="0" b="0"/>
+        </a:fillRef>
+        <a:effectRef idx="0">
+          <a:scrgbClr r="0" g="0" b="0"/>
+        </a:effectRef>
+        <a:fontRef idx="minor"/>
+      </dsp:style>
+      <dsp:txBody>
+        <a:bodyPr spcFirstLastPara="0" vert="horz" wrap="square" lIns="12700" tIns="0" rIns="12700" bIns="0" numCol="1" spcCol="1270" anchor="ctr" anchorCtr="0">
+          <a:noAutofit/>
+        </a:bodyPr>
+        <a:lstStyle/>
+        <a:p>
+          <a:pPr lvl="0" algn="ctr" defTabSz="222250">
+            <a:lnSpc>
+              <a:spcPct val="90000"/>
+            </a:lnSpc>
+            <a:spcBef>
+              <a:spcPct val="0"/>
+            </a:spcBef>
+            <a:spcAft>
+              <a:spcPct val="35000"/>
+            </a:spcAft>
+          </a:pPr>
+          <a:endParaRPr lang="en-GB" sz="500" kern="1200"/>
+        </a:p>
+      </dsp:txBody>
+      <dsp:txXfrm>
+        <a:off x="3359413" y="3626222"/>
+        <a:ext cx="21391" cy="21391"/>
+      </dsp:txXfrm>
+    </dsp:sp>
+    <dsp:sp modelId="{A7F4A0F6-B66F-4F00-A083-909E1F094419}">
+      <dsp:nvSpPr>
+        <dsp:cNvPr id="0" name=""/>
+        <dsp:cNvSpPr/>
+      </dsp:nvSpPr>
+      <dsp:spPr>
+        <a:xfrm>
+          <a:off x="1617382" y="2526869"/>
+          <a:ext cx="245285" cy="1285320"/>
+        </a:xfrm>
+        <a:custGeom>
+          <a:avLst/>
+          <a:gdLst/>
+          <a:ahLst/>
+          <a:cxnLst/>
+          <a:rect l="0" t="0" r="0" b="0"/>
+          <a:pathLst>
+            <a:path>
+              <a:moveTo>
+                <a:pt x="0" y="0"/>
+              </a:moveTo>
+              <a:lnTo>
+                <a:pt x="122642" y="0"/>
+              </a:lnTo>
+              <a:lnTo>
+                <a:pt x="122642" y="1285320"/>
+              </a:lnTo>
+              <a:lnTo>
+                <a:pt x="245285" y="1285320"/>
               </a:lnTo>
             </a:path>
           </a:pathLst>
@@ -7549,19 +7749,19 @@
         </a:p>
       </dsp:txBody>
       <dsp:txXfrm>
-        <a:off x="751467" y="3456436"/>
-        <a:ext cx="1540776" cy="77038"/>
+        <a:off x="1707312" y="3136816"/>
+        <a:ext cx="65425" cy="65425"/>
       </dsp:txXfrm>
     </dsp:sp>
-    <dsp:sp modelId="{A400F115-1E3B-44F8-8D1E-40E47E660FAF}">
+    <dsp:sp modelId="{6A0827AD-C4ED-47CF-9A76-9E8009271F53}">
       <dsp:nvSpPr>
         <dsp:cNvPr id="0" name=""/>
         <dsp:cNvSpPr/>
       </dsp:nvSpPr>
       <dsp:spPr>
         <a:xfrm>
-          <a:off x="4929020" y="3955145"/>
-          <a:ext cx="485734" cy="91440"/>
+          <a:off x="3089097" y="2948538"/>
+          <a:ext cx="413870" cy="91440"/>
         </a:xfrm>
         <a:custGeom>
           <a:avLst/>
@@ -7575,7 +7775,7 @@
                 <a:pt x="0" y="45720"/>
               </a:moveTo>
               <a:lnTo>
-                <a:pt x="485734" y="45720"/>
+                <a:pt x="413870" y="45720"/>
               </a:lnTo>
             </a:path>
           </a:pathLst>
@@ -7629,19 +7829,19 @@
         </a:p>
       </dsp:txBody>
       <dsp:txXfrm>
-        <a:off x="4929020" y="3988721"/>
-        <a:ext cx="485734" cy="24286"/>
+        <a:off x="3285686" y="2983911"/>
+        <a:ext cx="20693" cy="20693"/>
       </dsp:txXfrm>
     </dsp:sp>
-    <dsp:sp modelId="{5DD0E4A8-000C-499E-915B-3F505C9926E8}">
+    <dsp:sp modelId="{3C9CBFC3-FB4D-43C3-9946-F80DA72775D5}">
       <dsp:nvSpPr>
         <dsp:cNvPr id="0" name=""/>
         <dsp:cNvSpPr/>
       </dsp:nvSpPr>
       <dsp:spPr>
         <a:xfrm>
-          <a:off x="2982112" y="3747910"/>
-          <a:ext cx="447980" cy="252954"/>
+          <a:off x="1617382" y="2526869"/>
+          <a:ext cx="245285" cy="467389"/>
         </a:xfrm>
         <a:custGeom>
           <a:avLst/>
@@ -7655,13 +7855,93 @@
                 <a:pt x="0" y="0"/>
               </a:moveTo>
               <a:lnTo>
-                <a:pt x="223990" y="0"/>
+                <a:pt x="122642" y="0"/>
               </a:lnTo>
               <a:lnTo>
-                <a:pt x="223990" y="252954"/>
+                <a:pt x="122642" y="467389"/>
               </a:lnTo>
               <a:lnTo>
-                <a:pt x="447980" y="252954"/>
+                <a:pt x="245285" y="467389"/>
+              </a:lnTo>
+            </a:path>
+          </a:pathLst>
+        </a:custGeom>
+        <a:noFill/>
+        <a:ln w="12700" cap="flat" cmpd="sng" algn="ctr">
+          <a:solidFill>
+            <a:schemeClr val="accent1">
+              <a:shade val="60000"/>
+              <a:hueOff val="0"/>
+              <a:satOff val="0"/>
+              <a:lumOff val="0"/>
+              <a:alphaOff val="0"/>
+            </a:schemeClr>
+          </a:solidFill>
+          <a:prstDash val="solid"/>
+          <a:miter lim="800000"/>
+        </a:ln>
+        <a:effectLst/>
+      </dsp:spPr>
+      <dsp:style>
+        <a:lnRef idx="2">
+          <a:scrgbClr r="0" g="0" b="0"/>
+        </a:lnRef>
+        <a:fillRef idx="0">
+          <a:scrgbClr r="0" g="0" b="0"/>
+        </a:fillRef>
+        <a:effectRef idx="0">
+          <a:scrgbClr r="0" g="0" b="0"/>
+        </a:effectRef>
+        <a:fontRef idx="minor"/>
+      </dsp:style>
+      <dsp:txBody>
+        <a:bodyPr spcFirstLastPara="0" vert="horz" wrap="square" lIns="12700" tIns="0" rIns="12700" bIns="0" numCol="1" spcCol="1270" anchor="ctr" anchorCtr="0">
+          <a:noAutofit/>
+        </a:bodyPr>
+        <a:lstStyle/>
+        <a:p>
+          <a:pPr lvl="0" algn="ctr" defTabSz="222250">
+            <a:lnSpc>
+              <a:spcPct val="90000"/>
+            </a:lnSpc>
+            <a:spcBef>
+              <a:spcPct val="0"/>
+            </a:spcBef>
+            <a:spcAft>
+              <a:spcPct val="35000"/>
+            </a:spcAft>
+          </a:pPr>
+          <a:endParaRPr lang="en-GB" sz="500" kern="1200"/>
+        </a:p>
+      </dsp:txBody>
+      <dsp:txXfrm>
+        <a:off x="1726829" y="2747367"/>
+        <a:ext cx="26392" cy="26392"/>
+      </dsp:txXfrm>
+    </dsp:sp>
+    <dsp:sp modelId="{05F44D56-B815-42FF-A0CE-47047ADBDAD2}">
+      <dsp:nvSpPr>
+        <dsp:cNvPr id="0" name=""/>
+        <dsp:cNvSpPr/>
+      </dsp:nvSpPr>
+      <dsp:spPr>
+        <a:xfrm>
+          <a:off x="3089097" y="2481149"/>
+          <a:ext cx="413870" cy="91440"/>
+        </a:xfrm>
+        <a:custGeom>
+          <a:avLst/>
+          <a:gdLst/>
+          <a:ahLst/>
+          <a:cxnLst/>
+          <a:rect l="0" t="0" r="0" b="0"/>
+          <a:pathLst>
+            <a:path>
+              <a:moveTo>
+                <a:pt x="0" y="45720"/>
+              </a:moveTo>
+              <a:lnTo>
+                <a:pt x="413870" y="45720"/>
               </a:lnTo>
             </a:path>
           </a:pathLst>
@@ -7715,19 +7995,19 @@
         </a:p>
       </dsp:txBody>
       <dsp:txXfrm>
-        <a:off x="2948870" y="3861526"/>
-        <a:ext cx="514463" cy="25723"/>
+        <a:off x="3285686" y="2516522"/>
+        <a:ext cx="20693" cy="20693"/>
       </dsp:txXfrm>
     </dsp:sp>
-    <dsp:sp modelId="{EED7BC17-370A-4425-8FB3-91D3F62D87AC}">
+    <dsp:sp modelId="{7659A773-C789-41EE-A0CA-AE19E2F1CC90}">
       <dsp:nvSpPr>
         <dsp:cNvPr id="0" name=""/>
         <dsp:cNvSpPr/>
       </dsp:nvSpPr>
       <dsp:spPr>
         <a:xfrm>
-          <a:off x="2982112" y="3494955"/>
-          <a:ext cx="447980" cy="252954"/>
+          <a:off x="1617382" y="2481149"/>
+          <a:ext cx="245285" cy="91440"/>
         </a:xfrm>
         <a:custGeom>
           <a:avLst/>
@@ -7738,16 +8018,90 @@
           <a:pathLst>
             <a:path>
               <a:moveTo>
-                <a:pt x="0" y="252954"/>
+                <a:pt x="0" y="45720"/>
               </a:moveTo>
               <a:lnTo>
-                <a:pt x="223990" y="252954"/>
+                <a:pt x="245285" y="45720"/>
               </a:lnTo>
+            </a:path>
+          </a:pathLst>
+        </a:custGeom>
+        <a:noFill/>
+        <a:ln w="12700" cap="flat" cmpd="sng" algn="ctr">
+          <a:solidFill>
+            <a:schemeClr val="accent1">
+              <a:shade val="60000"/>
+              <a:hueOff val="0"/>
+              <a:satOff val="0"/>
+              <a:lumOff val="0"/>
+              <a:alphaOff val="0"/>
+            </a:schemeClr>
+          </a:solidFill>
+          <a:prstDash val="solid"/>
+          <a:miter lim="800000"/>
+        </a:ln>
+        <a:effectLst/>
+      </dsp:spPr>
+      <dsp:style>
+        <a:lnRef idx="2">
+          <a:scrgbClr r="0" g="0" b="0"/>
+        </a:lnRef>
+        <a:fillRef idx="0">
+          <a:scrgbClr r="0" g="0" b="0"/>
+        </a:fillRef>
+        <a:effectRef idx="0">
+          <a:scrgbClr r="0" g="0" b="0"/>
+        </a:effectRef>
+        <a:fontRef idx="minor"/>
+      </dsp:style>
+      <dsp:txBody>
+        <a:bodyPr spcFirstLastPara="0" vert="horz" wrap="square" lIns="12700" tIns="0" rIns="12700" bIns="0" numCol="1" spcCol="1270" anchor="ctr" anchorCtr="0">
+          <a:noAutofit/>
+        </a:bodyPr>
+        <a:lstStyle/>
+        <a:p>
+          <a:pPr lvl="0" algn="ctr" defTabSz="222250">
+            <a:lnSpc>
+              <a:spcPct val="90000"/>
+            </a:lnSpc>
+            <a:spcBef>
+              <a:spcPct val="0"/>
+            </a:spcBef>
+            <a:spcAft>
+              <a:spcPct val="35000"/>
+            </a:spcAft>
+          </a:pPr>
+          <a:endParaRPr lang="en-GB" sz="500" kern="1200"/>
+        </a:p>
+      </dsp:txBody>
+      <dsp:txXfrm>
+        <a:off x="1733893" y="2520737"/>
+        <a:ext cx="12264" cy="12264"/>
+      </dsp:txXfrm>
+    </dsp:sp>
+    <dsp:sp modelId="{0D01B59A-5FFE-4A83-B8D9-A6EDCFE2B05E}">
+      <dsp:nvSpPr>
+        <dsp:cNvPr id="0" name=""/>
+        <dsp:cNvSpPr/>
+      </dsp:nvSpPr>
+      <dsp:spPr>
+        <a:xfrm>
+          <a:off x="3247466" y="2013759"/>
+          <a:ext cx="245285" cy="91440"/>
+        </a:xfrm>
+        <a:custGeom>
+          <a:avLst/>
+          <a:gdLst/>
+          <a:ahLst/>
+          <a:cxnLst/>
+          <a:rect l="0" t="0" r="0" b="0"/>
+          <a:pathLst>
+            <a:path>
+              <a:moveTo>
+                <a:pt x="0" y="45720"/>
+              </a:moveTo>
               <a:lnTo>
-                <a:pt x="223990" y="0"/>
-              </a:lnTo>
-              <a:lnTo>
-                <a:pt x="447980" y="0"/>
+                <a:pt x="245285" y="45720"/>
               </a:lnTo>
             </a:path>
           </a:pathLst>
@@ -7801,19 +8155,19 @@
         </a:p>
       </dsp:txBody>
       <dsp:txXfrm>
-        <a:off x="3193240" y="3608571"/>
-        <a:ext cx="25723" cy="25723"/>
+        <a:off x="3247466" y="2053347"/>
+        <a:ext cx="245285" cy="12264"/>
       </dsp:txXfrm>
     </dsp:sp>
-    <dsp:sp modelId="{243F0976-F465-4195-A98A-24EBB1E78465}">
+    <dsp:sp modelId="{8AE0D171-6F72-469E-B5C6-F9E7C296DEDB}">
       <dsp:nvSpPr>
         <dsp:cNvPr id="0" name=""/>
         <dsp:cNvSpPr/>
       </dsp:nvSpPr>
       <dsp:spPr>
         <a:xfrm>
-          <a:off x="1389104" y="2736091"/>
-          <a:ext cx="265501" cy="1011819"/>
+          <a:off x="1617382" y="2059479"/>
+          <a:ext cx="245285" cy="467389"/>
         </a:xfrm>
         <a:custGeom>
           <a:avLst/>
@@ -7824,16 +8178,16 @@
           <a:pathLst>
             <a:path>
               <a:moveTo>
-                <a:pt x="0" y="0"/>
+                <a:pt x="0" y="467389"/>
               </a:moveTo>
               <a:lnTo>
-                <a:pt x="132750" y="0"/>
+                <a:pt x="122642" y="467389"/>
               </a:lnTo>
               <a:lnTo>
-                <a:pt x="132750" y="1011819"/>
+                <a:pt x="122642" y="0"/>
               </a:lnTo>
               <a:lnTo>
-                <a:pt x="265501" y="1011819"/>
+                <a:pt x="245285" y="0"/>
               </a:lnTo>
             </a:path>
           </a:pathLst>
@@ -7887,19 +8241,19 @@
         </a:p>
       </dsp:txBody>
       <dsp:txXfrm>
-        <a:off x="1495703" y="3215849"/>
-        <a:ext cx="52303" cy="52303"/>
+        <a:off x="1476104" y="2279978"/>
+        <a:ext cx="527842" cy="26392"/>
       </dsp:txXfrm>
     </dsp:sp>
-    <dsp:sp modelId="{E0E86F4F-9ECB-400B-9239-FDD1022B52B7}">
+    <dsp:sp modelId="{F2BF9794-4818-4C17-B71E-F6D2CFB4B961}">
       <dsp:nvSpPr>
         <dsp:cNvPr id="0" name=""/>
         <dsp:cNvSpPr/>
       </dsp:nvSpPr>
       <dsp:spPr>
         <a:xfrm>
-          <a:off x="4913846" y="2989046"/>
-          <a:ext cx="508727" cy="252954"/>
+          <a:off x="3247466" y="1546370"/>
+          <a:ext cx="245285" cy="91440"/>
         </a:xfrm>
         <a:custGeom>
           <a:avLst/>
@@ -7910,16 +8264,10 @@
           <a:pathLst>
             <a:path>
               <a:moveTo>
-                <a:pt x="0" y="0"/>
+                <a:pt x="0" y="45720"/>
               </a:moveTo>
               <a:lnTo>
-                <a:pt x="254363" y="0"/>
-              </a:lnTo>
-              <a:lnTo>
-                <a:pt x="254363" y="252954"/>
-              </a:lnTo>
-              <a:lnTo>
-                <a:pt x="508727" y="252954"/>
+                <a:pt x="245285" y="45720"/>
               </a:lnTo>
             </a:path>
           </a:pathLst>
@@ -7973,19 +8321,19 @@
         </a:p>
       </dsp:txBody>
       <dsp:txXfrm>
-        <a:off x="4884137" y="3101319"/>
-        <a:ext cx="568145" cy="28407"/>
+        <a:off x="3247466" y="1585958"/>
+        <a:ext cx="245285" cy="12264"/>
       </dsp:txXfrm>
     </dsp:sp>
-    <dsp:sp modelId="{BFE6B8CB-9F7C-4749-8551-B221692DA4A1}">
+    <dsp:sp modelId="{57C8A3E4-7C9A-43C4-9524-3ECCF2EC63A7}">
       <dsp:nvSpPr>
         <dsp:cNvPr id="0" name=""/>
         <dsp:cNvSpPr/>
       </dsp:nvSpPr>
       <dsp:spPr>
         <a:xfrm>
-          <a:off x="4913846" y="2736091"/>
-          <a:ext cx="508727" cy="252954"/>
+          <a:off x="1617382" y="1592090"/>
+          <a:ext cx="245285" cy="934778"/>
         </a:xfrm>
         <a:custGeom>
           <a:avLst/>
@@ -7996,16 +8344,96 @@
           <a:pathLst>
             <a:path>
               <a:moveTo>
-                <a:pt x="0" y="252954"/>
+                <a:pt x="0" y="934778"/>
               </a:moveTo>
               <a:lnTo>
-                <a:pt x="254363" y="252954"/>
+                <a:pt x="122642" y="934778"/>
               </a:lnTo>
               <a:lnTo>
-                <a:pt x="254363" y="0"/>
+                <a:pt x="122642" y="0"/>
               </a:lnTo>
               <a:lnTo>
-                <a:pt x="508727" y="0"/>
+                <a:pt x="245285" y="0"/>
+              </a:lnTo>
+            </a:path>
+          </a:pathLst>
+        </a:custGeom>
+        <a:noFill/>
+        <a:ln w="12700" cap="flat" cmpd="sng" algn="ctr">
+          <a:solidFill>
+            <a:schemeClr val="accent1">
+              <a:shade val="60000"/>
+              <a:hueOff val="0"/>
+              <a:satOff val="0"/>
+              <a:lumOff val="0"/>
+              <a:alphaOff val="0"/>
+            </a:schemeClr>
+          </a:solidFill>
+          <a:prstDash val="solid"/>
+          <a:miter lim="800000"/>
+        </a:ln>
+        <a:effectLst/>
+      </dsp:spPr>
+      <dsp:style>
+        <a:lnRef idx="2">
+          <a:scrgbClr r="0" g="0" b="0"/>
+        </a:lnRef>
+        <a:fillRef idx="0">
+          <a:scrgbClr r="0" g="0" b="0"/>
+        </a:fillRef>
+        <a:effectRef idx="0">
+          <a:scrgbClr r="0" g="0" b="0"/>
+        </a:effectRef>
+        <a:fontRef idx="minor"/>
+      </dsp:style>
+      <dsp:txBody>
+        <a:bodyPr spcFirstLastPara="0" vert="horz" wrap="square" lIns="12700" tIns="0" rIns="12700" bIns="0" numCol="1" spcCol="1270" anchor="ctr" anchorCtr="0">
+          <a:noAutofit/>
+        </a:bodyPr>
+        <a:lstStyle/>
+        <a:p>
+          <a:pPr lvl="0" algn="ctr" defTabSz="222250">
+            <a:lnSpc>
+              <a:spcPct val="90000"/>
+            </a:lnSpc>
+            <a:spcBef>
+              <a:spcPct val="0"/>
+            </a:spcBef>
+            <a:spcAft>
+              <a:spcPct val="35000"/>
+            </a:spcAft>
+          </a:pPr>
+          <a:endParaRPr lang="en-GB" sz="500" kern="1200"/>
+        </a:p>
+      </dsp:txBody>
+      <dsp:txXfrm>
+        <a:off x="1256813" y="2035319"/>
+        <a:ext cx="966424" cy="48321"/>
+      </dsp:txXfrm>
+    </dsp:sp>
+    <dsp:sp modelId="{35A4DAB7-D9B6-4AE1-885E-5EF0DCB1A387}">
+      <dsp:nvSpPr>
+        <dsp:cNvPr id="0" name=""/>
+        <dsp:cNvSpPr/>
+      </dsp:nvSpPr>
+      <dsp:spPr>
+        <a:xfrm>
+          <a:off x="3247466" y="1078981"/>
+          <a:ext cx="245285" cy="91440"/>
+        </a:xfrm>
+        <a:custGeom>
+          <a:avLst/>
+          <a:gdLst/>
+          <a:ahLst/>
+          <a:cxnLst/>
+          <a:rect l="0" t="0" r="0" b="0"/>
+          <a:pathLst>
+            <a:path>
+              <a:moveTo>
+                <a:pt x="0" y="45720"/>
+              </a:moveTo>
+              <a:lnTo>
+                <a:pt x="245285" y="45720"/>
               </a:lnTo>
             </a:path>
           </a:pathLst>
@@ -8059,19 +8487,19 @@
         </a:p>
       </dsp:txBody>
       <dsp:txXfrm>
-        <a:off x="4884137" y="2848365"/>
-        <a:ext cx="568145" cy="28407"/>
+        <a:off x="3247466" y="1118569"/>
+        <a:ext cx="245285" cy="12264"/>
       </dsp:txXfrm>
     </dsp:sp>
-    <dsp:sp modelId="{26936758-9DAB-4781-9F1B-CA9EEBD18245}">
+    <dsp:sp modelId="{713DFD89-4B6B-47B2-8203-544899CE5C74}">
       <dsp:nvSpPr>
         <dsp:cNvPr id="0" name=""/>
         <dsp:cNvSpPr/>
       </dsp:nvSpPr>
       <dsp:spPr>
         <a:xfrm>
-          <a:off x="3153533" y="2609614"/>
-          <a:ext cx="261386" cy="379432"/>
+          <a:off x="1617382" y="1124701"/>
+          <a:ext cx="245285" cy="1402167"/>
         </a:xfrm>
         <a:custGeom>
           <a:avLst/>
@@ -8082,188 +8510,16 @@
           <a:pathLst>
             <a:path>
               <a:moveTo>
-                <a:pt x="0" y="0"/>
+                <a:pt x="0" y="1402167"/>
               </a:moveTo>
               <a:lnTo>
-                <a:pt x="130693" y="0"/>
+                <a:pt x="122642" y="1402167"/>
               </a:lnTo>
               <a:lnTo>
-                <a:pt x="130693" y="379432"/>
+                <a:pt x="122642" y="0"/>
               </a:lnTo>
               <a:lnTo>
-                <a:pt x="261386" y="379432"/>
-              </a:lnTo>
-            </a:path>
-          </a:pathLst>
-        </a:custGeom>
-        <a:noFill/>
-        <a:ln w="12700" cap="flat" cmpd="sng" algn="ctr">
-          <a:solidFill>
-            <a:schemeClr val="accent1">
-              <a:shade val="80000"/>
-              <a:hueOff val="0"/>
-              <a:satOff val="0"/>
-              <a:lumOff val="0"/>
-              <a:alphaOff val="0"/>
-            </a:schemeClr>
-          </a:solidFill>
-          <a:prstDash val="solid"/>
-          <a:miter lim="800000"/>
-        </a:ln>
-        <a:effectLst/>
-      </dsp:spPr>
-      <dsp:style>
-        <a:lnRef idx="2">
-          <a:scrgbClr r="0" g="0" b="0"/>
-        </a:lnRef>
-        <a:fillRef idx="0">
-          <a:scrgbClr r="0" g="0" b="0"/>
-        </a:fillRef>
-        <a:effectRef idx="0">
-          <a:scrgbClr r="0" g="0" b="0"/>
-        </a:effectRef>
-        <a:fontRef idx="minor"/>
-      </dsp:style>
-      <dsp:txBody>
-        <a:bodyPr spcFirstLastPara="0" vert="horz" wrap="square" lIns="12700" tIns="0" rIns="12700" bIns="0" numCol="1" spcCol="1270" anchor="ctr" anchorCtr="0">
-          <a:noAutofit/>
-        </a:bodyPr>
-        <a:lstStyle/>
-        <a:p>
-          <a:pPr lvl="0" algn="ctr" defTabSz="222250">
-            <a:lnSpc>
-              <a:spcPct val="90000"/>
-            </a:lnSpc>
-            <a:spcBef>
-              <a:spcPct val="0"/>
-            </a:spcBef>
-            <a:spcAft>
-              <a:spcPct val="35000"/>
-            </a:spcAft>
-          </a:pPr>
-          <a:endParaRPr lang="en-GB" sz="500" kern="1200"/>
-        </a:p>
-      </dsp:txBody>
-      <dsp:txXfrm>
-        <a:off x="3272707" y="2787811"/>
-        <a:ext cx="23037" cy="23037"/>
-      </dsp:txXfrm>
-    </dsp:sp>
-    <dsp:sp modelId="{0D74CEF3-9335-4B23-98D6-9ADDEA51D7F9}">
-      <dsp:nvSpPr>
-        <dsp:cNvPr id="0" name=""/>
-        <dsp:cNvSpPr/>
-      </dsp:nvSpPr>
-      <dsp:spPr>
-        <a:xfrm>
-          <a:off x="3153533" y="2230181"/>
-          <a:ext cx="265501" cy="379432"/>
-        </a:xfrm>
-        <a:custGeom>
-          <a:avLst/>
-          <a:gdLst/>
-          <a:ahLst/>
-          <a:cxnLst/>
-          <a:rect l="0" t="0" r="0" b="0"/>
-          <a:pathLst>
-            <a:path>
-              <a:moveTo>
-                <a:pt x="0" y="379432"/>
-              </a:moveTo>
-              <a:lnTo>
-                <a:pt x="132750" y="379432"/>
-              </a:lnTo>
-              <a:lnTo>
-                <a:pt x="132750" y="0"/>
-              </a:lnTo>
-              <a:lnTo>
-                <a:pt x="265501" y="0"/>
-              </a:lnTo>
-            </a:path>
-          </a:pathLst>
-        </a:custGeom>
-        <a:noFill/>
-        <a:ln w="12700" cap="flat" cmpd="sng" algn="ctr">
-          <a:solidFill>
-            <a:schemeClr val="accent1">
-              <a:shade val="80000"/>
-              <a:hueOff val="0"/>
-              <a:satOff val="0"/>
-              <a:lumOff val="0"/>
-              <a:alphaOff val="0"/>
-            </a:schemeClr>
-          </a:solidFill>
-          <a:prstDash val="solid"/>
-          <a:miter lim="800000"/>
-        </a:ln>
-        <a:effectLst/>
-      </dsp:spPr>
-      <dsp:style>
-        <a:lnRef idx="2">
-          <a:scrgbClr r="0" g="0" b="0"/>
-        </a:lnRef>
-        <a:fillRef idx="0">
-          <a:scrgbClr r="0" g="0" b="0"/>
-        </a:fillRef>
-        <a:effectRef idx="0">
-          <a:scrgbClr r="0" g="0" b="0"/>
-        </a:effectRef>
-        <a:fontRef idx="minor"/>
-      </dsp:style>
-      <dsp:txBody>
-        <a:bodyPr spcFirstLastPara="0" vert="horz" wrap="square" lIns="12700" tIns="0" rIns="12700" bIns="0" numCol="1" spcCol="1270" anchor="ctr" anchorCtr="0">
-          <a:noAutofit/>
-        </a:bodyPr>
-        <a:lstStyle/>
-        <a:p>
-          <a:pPr lvl="0" algn="ctr" defTabSz="222250">
-            <a:lnSpc>
-              <a:spcPct val="90000"/>
-            </a:lnSpc>
-            <a:spcBef>
-              <a:spcPct val="0"/>
-            </a:spcBef>
-            <a:spcAft>
-              <a:spcPct val="35000"/>
-            </a:spcAft>
-          </a:pPr>
-          <a:endParaRPr lang="en-GB" sz="500" kern="1200"/>
-        </a:p>
-      </dsp:txBody>
-      <dsp:txXfrm>
-        <a:off x="3274706" y="2408320"/>
-        <a:ext cx="23154" cy="23154"/>
-      </dsp:txXfrm>
-    </dsp:sp>
-    <dsp:sp modelId="{064AC099-D32D-4278-BEE3-BFD4EF1F841F}">
-      <dsp:nvSpPr>
-        <dsp:cNvPr id="0" name=""/>
-        <dsp:cNvSpPr/>
-      </dsp:nvSpPr>
-      <dsp:spPr>
-        <a:xfrm>
-          <a:off x="1389104" y="2609614"/>
-          <a:ext cx="265501" cy="126477"/>
-        </a:xfrm>
-        <a:custGeom>
-          <a:avLst/>
-          <a:gdLst/>
-          <a:ahLst/>
-          <a:cxnLst/>
-          <a:rect l="0" t="0" r="0" b="0"/>
-          <a:pathLst>
-            <a:path>
-              <a:moveTo>
-                <a:pt x="0" y="126477"/>
-              </a:moveTo>
-              <a:lnTo>
-                <a:pt x="132750" y="126477"/>
-              </a:lnTo>
-              <a:lnTo>
-                <a:pt x="132750" y="0"/>
-              </a:lnTo>
-              <a:lnTo>
-                <a:pt x="265501" y="0"/>
+                <a:pt x="245285" y="0"/>
               </a:lnTo>
             </a:path>
           </a:pathLst>
@@ -8317,19 +8573,19 @@
         </a:p>
       </dsp:txBody>
       <dsp:txXfrm>
-        <a:off x="1374811" y="2665500"/>
-        <a:ext cx="294087" cy="14704"/>
+        <a:off x="1028295" y="1790198"/>
+        <a:ext cx="1423460" cy="71173"/>
       </dsp:txXfrm>
     </dsp:sp>
-    <dsp:sp modelId="{0D01B59A-5FFE-4A83-B8D9-A6EDCFE2B05E}">
+    <dsp:sp modelId="{7F012391-3332-4BCA-873A-034FD03600FE}">
       <dsp:nvSpPr>
         <dsp:cNvPr id="0" name=""/>
         <dsp:cNvSpPr/>
       </dsp:nvSpPr>
       <dsp:spPr>
         <a:xfrm>
-          <a:off x="3153533" y="1678552"/>
-          <a:ext cx="265501" cy="91440"/>
+          <a:off x="1617382" y="657312"/>
+          <a:ext cx="245285" cy="1869557"/>
         </a:xfrm>
         <a:custGeom>
           <a:avLst/>
@@ -8340,96 +8596,16 @@
           <a:pathLst>
             <a:path>
               <a:moveTo>
-                <a:pt x="0" y="45720"/>
+                <a:pt x="0" y="1869557"/>
               </a:moveTo>
               <a:lnTo>
-                <a:pt x="265501" y="45720"/>
-              </a:lnTo>
-            </a:path>
-          </a:pathLst>
-        </a:custGeom>
-        <a:noFill/>
-        <a:ln w="12700" cap="flat" cmpd="sng" algn="ctr">
-          <a:solidFill>
-            <a:schemeClr val="accent1">
-              <a:shade val="80000"/>
-              <a:hueOff val="0"/>
-              <a:satOff val="0"/>
-              <a:lumOff val="0"/>
-              <a:alphaOff val="0"/>
-            </a:schemeClr>
-          </a:solidFill>
-          <a:prstDash val="solid"/>
-          <a:miter lim="800000"/>
-        </a:ln>
-        <a:effectLst/>
-      </dsp:spPr>
-      <dsp:style>
-        <a:lnRef idx="2">
-          <a:scrgbClr r="0" g="0" b="0"/>
-        </a:lnRef>
-        <a:fillRef idx="0">
-          <a:scrgbClr r="0" g="0" b="0"/>
-        </a:fillRef>
-        <a:effectRef idx="0">
-          <a:scrgbClr r="0" g="0" b="0"/>
-        </a:effectRef>
-        <a:fontRef idx="minor"/>
-      </dsp:style>
-      <dsp:txBody>
-        <a:bodyPr spcFirstLastPara="0" vert="horz" wrap="square" lIns="12700" tIns="0" rIns="12700" bIns="0" numCol="1" spcCol="1270" anchor="ctr" anchorCtr="0">
-          <a:noAutofit/>
-        </a:bodyPr>
-        <a:lstStyle/>
-        <a:p>
-          <a:pPr lvl="0" algn="ctr" defTabSz="222250">
-            <a:lnSpc>
-              <a:spcPct val="90000"/>
-            </a:lnSpc>
-            <a:spcBef>
-              <a:spcPct val="0"/>
-            </a:spcBef>
-            <a:spcAft>
-              <a:spcPct val="35000"/>
-            </a:spcAft>
-          </a:pPr>
-          <a:endParaRPr lang="en-GB" sz="500" kern="1200"/>
-        </a:p>
-      </dsp:txBody>
-      <dsp:txXfrm>
-        <a:off x="3153533" y="1717634"/>
-        <a:ext cx="265501" cy="13275"/>
-      </dsp:txXfrm>
-    </dsp:sp>
-    <dsp:sp modelId="{8AE0D171-6F72-469E-B5C6-F9E7C296DEDB}">
-      <dsp:nvSpPr>
-        <dsp:cNvPr id="0" name=""/>
-        <dsp:cNvSpPr/>
-      </dsp:nvSpPr>
-      <dsp:spPr>
-        <a:xfrm>
-          <a:off x="1389104" y="1724272"/>
-          <a:ext cx="265501" cy="1011819"/>
-        </a:xfrm>
-        <a:custGeom>
-          <a:avLst/>
-          <a:gdLst/>
-          <a:ahLst/>
-          <a:cxnLst/>
-          <a:rect l="0" t="0" r="0" b="0"/>
-          <a:pathLst>
-            <a:path>
-              <a:moveTo>
-                <a:pt x="0" y="1011819"/>
-              </a:moveTo>
-              <a:lnTo>
-                <a:pt x="132750" y="1011819"/>
+                <a:pt x="122642" y="1869557"/>
               </a:lnTo>
               <a:lnTo>
-                <a:pt x="132750" y="0"/>
+                <a:pt x="122642" y="0"/>
               </a:lnTo>
               <a:lnTo>
-                <a:pt x="265501" y="0"/>
+                <a:pt x="245285" y="0"/>
               </a:lnTo>
             </a:path>
           </a:pathLst>
@@ -8468,7 +8644,7 @@
         </a:bodyPr>
         <a:lstStyle/>
         <a:p>
-          <a:pPr lvl="0" algn="ctr" defTabSz="222250">
+          <a:pPr lvl="0" algn="ctr" defTabSz="266700">
             <a:lnSpc>
               <a:spcPct val="90000"/>
             </a:lnSpc>
@@ -8479,23 +8655,23 @@
               <a:spcPct val="35000"/>
             </a:spcAft>
           </a:pPr>
-          <a:endParaRPr lang="en-GB" sz="500" kern="1200"/>
+          <a:endParaRPr lang="en-GB" sz="600" kern="1200"/>
         </a:p>
       </dsp:txBody>
       <dsp:txXfrm>
-        <a:off x="998818" y="2204030"/>
-        <a:ext cx="1046072" cy="52303"/>
+        <a:off x="797235" y="1544951"/>
+        <a:ext cx="1885579" cy="94278"/>
       </dsp:txXfrm>
     </dsp:sp>
-    <dsp:sp modelId="{F2BF9794-4818-4C17-B71E-F6D2CFB4B961}">
+    <dsp:sp modelId="{DBA4CA91-E385-4850-9C79-2C53D314572F}">
       <dsp:nvSpPr>
         <dsp:cNvPr id="0" name=""/>
         <dsp:cNvSpPr/>
       </dsp:nvSpPr>
       <dsp:spPr>
         <a:xfrm>
-          <a:off x="3153533" y="1172642"/>
-          <a:ext cx="265501" cy="91440"/>
+          <a:off x="1617382" y="189922"/>
+          <a:ext cx="245285" cy="2336946"/>
         </a:xfrm>
         <a:custGeom>
           <a:avLst/>
@@ -8506,96 +8682,16 @@
           <a:pathLst>
             <a:path>
               <a:moveTo>
-                <a:pt x="0" y="45720"/>
+                <a:pt x="0" y="2336946"/>
               </a:moveTo>
               <a:lnTo>
-                <a:pt x="265501" y="45720"/>
-              </a:lnTo>
-            </a:path>
-          </a:pathLst>
-        </a:custGeom>
-        <a:noFill/>
-        <a:ln w="12700" cap="flat" cmpd="sng" algn="ctr">
-          <a:solidFill>
-            <a:schemeClr val="accent1">
-              <a:shade val="80000"/>
-              <a:hueOff val="0"/>
-              <a:satOff val="0"/>
-              <a:lumOff val="0"/>
-              <a:alphaOff val="0"/>
-            </a:schemeClr>
-          </a:solidFill>
-          <a:prstDash val="solid"/>
-          <a:miter lim="800000"/>
-        </a:ln>
-        <a:effectLst/>
-      </dsp:spPr>
-      <dsp:style>
-        <a:lnRef idx="2">
-          <a:scrgbClr r="0" g="0" b="0"/>
-        </a:lnRef>
-        <a:fillRef idx="0">
-          <a:scrgbClr r="0" g="0" b="0"/>
-        </a:fillRef>
-        <a:effectRef idx="0">
-          <a:scrgbClr r="0" g="0" b="0"/>
-        </a:effectRef>
-        <a:fontRef idx="minor"/>
-      </dsp:style>
-      <dsp:txBody>
-        <a:bodyPr spcFirstLastPara="0" vert="horz" wrap="square" lIns="12700" tIns="0" rIns="12700" bIns="0" numCol="1" spcCol="1270" anchor="ctr" anchorCtr="0">
-          <a:noAutofit/>
-        </a:bodyPr>
-        <a:lstStyle/>
-        <a:p>
-          <a:pPr lvl="0" algn="ctr" defTabSz="222250">
-            <a:lnSpc>
-              <a:spcPct val="90000"/>
-            </a:lnSpc>
-            <a:spcBef>
-              <a:spcPct val="0"/>
-            </a:spcBef>
-            <a:spcAft>
-              <a:spcPct val="35000"/>
-            </a:spcAft>
-          </a:pPr>
-          <a:endParaRPr lang="en-GB" sz="500" kern="1200"/>
-        </a:p>
-      </dsp:txBody>
-      <dsp:txXfrm>
-        <a:off x="3153533" y="1211725"/>
-        <a:ext cx="265501" cy="13275"/>
-      </dsp:txXfrm>
-    </dsp:sp>
-    <dsp:sp modelId="{57C8A3E4-7C9A-43C4-9524-3ECCF2EC63A7}">
-      <dsp:nvSpPr>
-        <dsp:cNvPr id="0" name=""/>
-        <dsp:cNvSpPr/>
-      </dsp:nvSpPr>
-      <dsp:spPr>
-        <a:xfrm>
-          <a:off x="1389104" y="1218362"/>
-          <a:ext cx="265501" cy="1517728"/>
-        </a:xfrm>
-        <a:custGeom>
-          <a:avLst/>
-          <a:gdLst/>
-          <a:ahLst/>
-          <a:cxnLst/>
-          <a:rect l="0" t="0" r="0" b="0"/>
-          <a:pathLst>
-            <a:path>
-              <a:moveTo>
-                <a:pt x="0" y="1517728"/>
-              </a:moveTo>
-              <a:lnTo>
-                <a:pt x="132750" y="1517728"/>
+                <a:pt x="122642" y="2336946"/>
               </a:lnTo>
               <a:lnTo>
-                <a:pt x="132750" y="0"/>
+                <a:pt x="122642" y="0"/>
               </a:lnTo>
               <a:lnTo>
-                <a:pt x="265501" y="0"/>
+                <a:pt x="245285" y="0"/>
               </a:lnTo>
             </a:path>
           </a:pathLst>
@@ -8634,7 +8730,7 @@
         </a:bodyPr>
         <a:lstStyle/>
         <a:p>
-          <a:pPr lvl="0" algn="ctr" defTabSz="222250">
+          <a:pPr lvl="0" algn="ctr" defTabSz="355600">
             <a:lnSpc>
               <a:spcPct val="90000"/>
             </a:lnSpc>
@@ -8645,264 +8741,12 @@
               <a:spcPct val="35000"/>
             </a:spcAft>
           </a:pPr>
-          <a:endParaRPr lang="en-GB" sz="500" kern="1200"/>
+          <a:endParaRPr lang="en-GB" sz="800" kern="1200"/>
         </a:p>
       </dsp:txBody>
       <dsp:txXfrm>
-        <a:off x="751467" y="1938707"/>
-        <a:ext cx="1540776" cy="77038"/>
-      </dsp:txXfrm>
-    </dsp:sp>
-    <dsp:sp modelId="{35A4DAB7-D9B6-4AE1-885E-5EF0DCB1A387}">
-      <dsp:nvSpPr>
-        <dsp:cNvPr id="0" name=""/>
-        <dsp:cNvSpPr/>
-      </dsp:nvSpPr>
-      <dsp:spPr>
-        <a:xfrm>
-          <a:off x="3153533" y="666733"/>
-          <a:ext cx="265501" cy="91440"/>
-        </a:xfrm>
-        <a:custGeom>
-          <a:avLst/>
-          <a:gdLst/>
-          <a:ahLst/>
-          <a:cxnLst/>
-          <a:rect l="0" t="0" r="0" b="0"/>
-          <a:pathLst>
-            <a:path>
-              <a:moveTo>
-                <a:pt x="0" y="45720"/>
-              </a:moveTo>
-              <a:lnTo>
-                <a:pt x="265501" y="45720"/>
-              </a:lnTo>
-            </a:path>
-          </a:pathLst>
-        </a:custGeom>
-        <a:noFill/>
-        <a:ln w="12700" cap="flat" cmpd="sng" algn="ctr">
-          <a:solidFill>
-            <a:schemeClr val="accent1">
-              <a:shade val="80000"/>
-              <a:hueOff val="0"/>
-              <a:satOff val="0"/>
-              <a:lumOff val="0"/>
-              <a:alphaOff val="0"/>
-            </a:schemeClr>
-          </a:solidFill>
-          <a:prstDash val="solid"/>
-          <a:miter lim="800000"/>
-        </a:ln>
-        <a:effectLst/>
-      </dsp:spPr>
-      <dsp:style>
-        <a:lnRef idx="2">
-          <a:scrgbClr r="0" g="0" b="0"/>
-        </a:lnRef>
-        <a:fillRef idx="0">
-          <a:scrgbClr r="0" g="0" b="0"/>
-        </a:fillRef>
-        <a:effectRef idx="0">
-          <a:scrgbClr r="0" g="0" b="0"/>
-        </a:effectRef>
-        <a:fontRef idx="minor"/>
-      </dsp:style>
-      <dsp:txBody>
-        <a:bodyPr spcFirstLastPara="0" vert="horz" wrap="square" lIns="12700" tIns="0" rIns="12700" bIns="0" numCol="1" spcCol="1270" anchor="ctr" anchorCtr="0">
-          <a:noAutofit/>
-        </a:bodyPr>
-        <a:lstStyle/>
-        <a:p>
-          <a:pPr lvl="0" algn="ctr" defTabSz="222250">
-            <a:lnSpc>
-              <a:spcPct val="90000"/>
-            </a:lnSpc>
-            <a:spcBef>
-              <a:spcPct val="0"/>
-            </a:spcBef>
-            <a:spcAft>
-              <a:spcPct val="35000"/>
-            </a:spcAft>
-          </a:pPr>
-          <a:endParaRPr lang="en-GB" sz="500" kern="1200"/>
-        </a:p>
-      </dsp:txBody>
-      <dsp:txXfrm>
-        <a:off x="3153533" y="705815"/>
-        <a:ext cx="265501" cy="13275"/>
-      </dsp:txXfrm>
-    </dsp:sp>
-    <dsp:sp modelId="{713DFD89-4B6B-47B2-8203-544899CE5C74}">
-      <dsp:nvSpPr>
-        <dsp:cNvPr id="0" name=""/>
-        <dsp:cNvSpPr/>
-      </dsp:nvSpPr>
-      <dsp:spPr>
-        <a:xfrm>
-          <a:off x="1389104" y="712453"/>
-          <a:ext cx="265501" cy="2023638"/>
-        </a:xfrm>
-        <a:custGeom>
-          <a:avLst/>
-          <a:gdLst/>
-          <a:ahLst/>
-          <a:cxnLst/>
-          <a:rect l="0" t="0" r="0" b="0"/>
-          <a:pathLst>
-            <a:path>
-              <a:moveTo>
-                <a:pt x="0" y="2023638"/>
-              </a:moveTo>
-              <a:lnTo>
-                <a:pt x="132750" y="2023638"/>
-              </a:lnTo>
-              <a:lnTo>
-                <a:pt x="132750" y="0"/>
-              </a:lnTo>
-              <a:lnTo>
-                <a:pt x="265501" y="0"/>
-              </a:lnTo>
-            </a:path>
-          </a:pathLst>
-        </a:custGeom>
-        <a:noFill/>
-        <a:ln w="12700" cap="flat" cmpd="sng" algn="ctr">
-          <a:solidFill>
-            <a:schemeClr val="accent1">
-              <a:shade val="60000"/>
-              <a:hueOff val="0"/>
-              <a:satOff val="0"/>
-              <a:lumOff val="0"/>
-              <a:alphaOff val="0"/>
-            </a:schemeClr>
-          </a:solidFill>
-          <a:prstDash val="solid"/>
-          <a:miter lim="800000"/>
-        </a:ln>
-        <a:effectLst/>
-      </dsp:spPr>
-      <dsp:style>
-        <a:lnRef idx="2">
-          <a:scrgbClr r="0" g="0" b="0"/>
-        </a:lnRef>
-        <a:fillRef idx="0">
-          <a:scrgbClr r="0" g="0" b="0"/>
-        </a:fillRef>
-        <a:effectRef idx="0">
-          <a:scrgbClr r="0" g="0" b="0"/>
-        </a:effectRef>
-        <a:fontRef idx="minor"/>
-      </dsp:style>
-      <dsp:txBody>
-        <a:bodyPr spcFirstLastPara="0" vert="horz" wrap="square" lIns="12700" tIns="0" rIns="12700" bIns="0" numCol="1" spcCol="1270" anchor="ctr" anchorCtr="0">
-          <a:noAutofit/>
-        </a:bodyPr>
-        <a:lstStyle/>
-        <a:p>
-          <a:pPr lvl="0" algn="ctr" defTabSz="311150">
-            <a:lnSpc>
-              <a:spcPct val="90000"/>
-            </a:lnSpc>
-            <a:spcBef>
-              <a:spcPct val="0"/>
-            </a:spcBef>
-            <a:spcAft>
-              <a:spcPct val="35000"/>
-            </a:spcAft>
-          </a:pPr>
-          <a:endParaRPr lang="en-GB" sz="700" kern="1200"/>
-        </a:p>
-      </dsp:txBody>
-      <dsp:txXfrm>
-        <a:off x="501364" y="1673247"/>
-        <a:ext cx="2040980" cy="102049"/>
-      </dsp:txXfrm>
-    </dsp:sp>
-    <dsp:sp modelId="{7F012391-3332-4BCA-873A-034FD03600FE}">
-      <dsp:nvSpPr>
-        <dsp:cNvPr id="0" name=""/>
-        <dsp:cNvSpPr/>
-      </dsp:nvSpPr>
-      <dsp:spPr>
-        <a:xfrm>
-          <a:off x="1389104" y="206543"/>
-          <a:ext cx="265501" cy="2529547"/>
-        </a:xfrm>
-        <a:custGeom>
-          <a:avLst/>
-          <a:gdLst/>
-          <a:ahLst/>
-          <a:cxnLst/>
-          <a:rect l="0" t="0" r="0" b="0"/>
-          <a:pathLst>
-            <a:path>
-              <a:moveTo>
-                <a:pt x="0" y="2529547"/>
-              </a:moveTo>
-              <a:lnTo>
-                <a:pt x="132750" y="2529547"/>
-              </a:lnTo>
-              <a:lnTo>
-                <a:pt x="132750" y="0"/>
-              </a:lnTo>
-              <a:lnTo>
-                <a:pt x="265501" y="0"/>
-              </a:lnTo>
-            </a:path>
-          </a:pathLst>
-        </a:custGeom>
-        <a:noFill/>
-        <a:ln w="12700" cap="flat" cmpd="sng" algn="ctr">
-          <a:solidFill>
-            <a:schemeClr val="accent1">
-              <a:shade val="60000"/>
-              <a:hueOff val="0"/>
-              <a:satOff val="0"/>
-              <a:lumOff val="0"/>
-              <a:alphaOff val="0"/>
-            </a:schemeClr>
-          </a:solidFill>
-          <a:prstDash val="solid"/>
-          <a:miter lim="800000"/>
-        </a:ln>
-        <a:effectLst/>
-      </dsp:spPr>
-      <dsp:style>
-        <a:lnRef idx="2">
-          <a:scrgbClr r="0" g="0" b="0"/>
-        </a:lnRef>
-        <a:fillRef idx="0">
-          <a:scrgbClr r="0" g="0" b="0"/>
-        </a:fillRef>
-        <a:effectRef idx="0">
-          <a:scrgbClr r="0" g="0" b="0"/>
-        </a:effectRef>
-        <a:fontRef idx="minor"/>
-      </dsp:style>
-      <dsp:txBody>
-        <a:bodyPr spcFirstLastPara="0" vert="horz" wrap="square" lIns="12700" tIns="0" rIns="12700" bIns="0" numCol="1" spcCol="1270" anchor="ctr" anchorCtr="0">
-          <a:noAutofit/>
-        </a:bodyPr>
-        <a:lstStyle/>
-        <a:p>
-          <a:pPr lvl="0" algn="ctr" defTabSz="400050">
-            <a:lnSpc>
-              <a:spcPct val="90000"/>
-            </a:lnSpc>
-            <a:spcBef>
-              <a:spcPct val="0"/>
-            </a:spcBef>
-            <a:spcAft>
-              <a:spcPct val="35000"/>
-            </a:spcAft>
-          </a:pPr>
-          <a:endParaRPr lang="en-GB" sz="900" kern="1200"/>
-        </a:p>
-      </dsp:txBody>
-      <dsp:txXfrm>
-        <a:off x="250133" y="1407731"/>
-        <a:ext cx="2543442" cy="127172"/>
+        <a:off x="1681280" y="1299651"/>
+        <a:ext cx="117489" cy="117489"/>
       </dsp:txXfrm>
     </dsp:sp>
     <dsp:sp modelId="{B325A06F-D7AF-48D6-A433-D30945A84C4F}">
@@ -8912,8 +8756,8 @@
       </dsp:nvSpPr>
       <dsp:spPr>
         <a:xfrm rot="16200000">
-          <a:off x="121667" y="2533727"/>
-          <a:ext cx="2130145" cy="404727"/>
+          <a:off x="446449" y="2339913"/>
+          <a:ext cx="1967954" cy="373911"/>
         </a:xfrm>
         <a:prstGeom prst="snip1Rect">
           <a:avLst/>
@@ -8979,8 +8823,88 @@
         </a:p>
       </dsp:txBody>
       <dsp:txXfrm>
-        <a:off x="155395" y="2567455"/>
-        <a:ext cx="2096417" cy="370999"/>
+        <a:off x="477609" y="2371073"/>
+        <a:ext cx="1936794" cy="342751"/>
+      </dsp:txXfrm>
+    </dsp:sp>
+    <dsp:sp modelId="{6FF0C949-3F9D-4789-AC90-F1566F9E4506}">
+      <dsp:nvSpPr>
+        <dsp:cNvPr id="0" name=""/>
+        <dsp:cNvSpPr/>
+      </dsp:nvSpPr>
+      <dsp:spPr>
+        <a:xfrm>
+          <a:off x="1862668" y="2967"/>
+          <a:ext cx="1384798" cy="373911"/>
+        </a:xfrm>
+        <a:prstGeom prst="flowChartDocument">
+          <a:avLst/>
+        </a:prstGeom>
+        <a:solidFill>
+          <a:schemeClr val="accent1">
+            <a:lumMod val="40000"/>
+            <a:lumOff val="60000"/>
+          </a:schemeClr>
+        </a:solidFill>
+        <a:ln w="12700" cap="flat" cmpd="sng" algn="ctr">
+          <a:solidFill>
+            <a:schemeClr val="lt1">
+              <a:hueOff val="0"/>
+              <a:satOff val="0"/>
+              <a:lumOff val="0"/>
+              <a:alphaOff val="0"/>
+            </a:schemeClr>
+          </a:solidFill>
+          <a:prstDash val="solid"/>
+          <a:miter lim="800000"/>
+        </a:ln>
+        <a:effectLst/>
+      </dsp:spPr>
+      <dsp:style>
+        <a:lnRef idx="2">
+          <a:scrgbClr r="0" g="0" b="0"/>
+        </a:lnRef>
+        <a:fillRef idx="1">
+          <a:scrgbClr r="0" g="0" b="0"/>
+        </a:fillRef>
+        <a:effectRef idx="0">
+          <a:scrgbClr r="0" g="0" b="0"/>
+        </a:effectRef>
+        <a:fontRef idx="minor">
+          <a:schemeClr val="lt1"/>
+        </a:fontRef>
+      </dsp:style>
+      <dsp:txBody>
+        <a:bodyPr spcFirstLastPara="0" vert="horz" wrap="square" lIns="7620" tIns="7620" rIns="7620" bIns="7620" numCol="1" spcCol="1270" anchor="ctr" anchorCtr="0">
+          <a:noAutofit/>
+        </a:bodyPr>
+        <a:lstStyle/>
+        <a:p>
+          <a:pPr lvl="0" algn="ctr" defTabSz="533400">
+            <a:lnSpc>
+              <a:spcPct val="90000"/>
+            </a:lnSpc>
+            <a:spcBef>
+              <a:spcPct val="0"/>
+            </a:spcBef>
+            <a:spcAft>
+              <a:spcPct val="35000"/>
+            </a:spcAft>
+          </a:pPr>
+          <a:r>
+            <a:rPr lang="en-GB" sz="1200" b="1" kern="1200" dirty="0" smtClean="0">
+              <a:solidFill>
+                <a:schemeClr val="tx1"/>
+              </a:solidFill>
+            </a:rPr>
+            <a:t>protractorConfig.js</a:t>
+          </a:r>
+          <a:endParaRPr lang="en-GB" sz="1200" kern="1200" dirty="0" smtClean="0"/>
+        </a:p>
+      </dsp:txBody>
+      <dsp:txXfrm>
+        <a:off x="1862668" y="2967"/>
+        <a:ext cx="1384798" cy="299856"/>
       </dsp:txXfrm>
     </dsp:sp>
     <dsp:sp modelId="{31066EA5-3788-412A-8DFC-F65B6009BADF}">
@@ -8990,8 +8914,8 @@
       </dsp:nvSpPr>
       <dsp:spPr>
         <a:xfrm>
-          <a:off x="1654605" y="4180"/>
-          <a:ext cx="1498927" cy="404727"/>
+          <a:off x="1862668" y="470356"/>
+          <a:ext cx="1384798" cy="373911"/>
         </a:xfrm>
         <a:prstGeom prst="snip1Rect">
           <a:avLst/>
@@ -9047,14 +8971,14 @@
             </a:spcAft>
           </a:pPr>
           <a:r>
-            <a:rPr lang="en-GB" sz="1200" kern="1200" dirty="0" smtClean="0"/>
+            <a:rPr lang="en-GB" sz="1200" b="1" kern="1200" dirty="0" smtClean="0"/>
             <a:t>documentation/</a:t>
           </a:r>
         </a:p>
       </dsp:txBody>
       <dsp:txXfrm>
-        <a:off x="1654605" y="37908"/>
-        <a:ext cx="1465199" cy="370999"/>
+        <a:off x="1862668" y="501516"/>
+        <a:ext cx="1353638" cy="342751"/>
       </dsp:txXfrm>
     </dsp:sp>
     <dsp:sp modelId="{548BEBB0-D16C-432C-B6DC-C7FC389D01DC}">
@@ -9064,8 +8988,8 @@
       </dsp:nvSpPr>
       <dsp:spPr>
         <a:xfrm>
-          <a:off x="1654605" y="510089"/>
-          <a:ext cx="1498927" cy="404727"/>
+          <a:off x="1862668" y="937745"/>
+          <a:ext cx="1384798" cy="373911"/>
         </a:xfrm>
         <a:prstGeom prst="snip1Rect">
           <a:avLst/>
@@ -9121,14 +9045,14 @@
             </a:spcAft>
           </a:pPr>
           <a:r>
-            <a:rPr lang="en-GB" sz="1200" kern="1200" dirty="0" smtClean="0"/>
+            <a:rPr lang="en-GB" sz="1200" b="1" kern="1200" dirty="0" smtClean="0"/>
             <a:t>pages/</a:t>
           </a:r>
         </a:p>
       </dsp:txBody>
       <dsp:txXfrm>
-        <a:off x="1654605" y="543817"/>
-        <a:ext cx="1465199" cy="370999"/>
+        <a:off x="1862668" y="968905"/>
+        <a:ext cx="1353638" cy="342751"/>
       </dsp:txXfrm>
     </dsp:sp>
     <dsp:sp modelId="{E50C2439-5302-4073-A4A6-DD0B3CA2D779}">
@@ -9138,8 +9062,8 @@
       </dsp:nvSpPr>
       <dsp:spPr>
         <a:xfrm>
-          <a:off x="3419034" y="510089"/>
-          <a:ext cx="2039514" cy="404727"/>
+          <a:off x="3492752" y="937745"/>
+          <a:ext cx="1884224" cy="373911"/>
         </a:xfrm>
         <a:prstGeom prst="flowChartMultidocument">
           <a:avLst/>
@@ -9198,16 +9122,25 @@
           <a:r>
             <a:rPr lang="en-GB" sz="1200" kern="1200" dirty="0" smtClean="0">
               <a:solidFill>
-                <a:schemeClr val="tx1"/>
+                <a:schemeClr val="bg1">
+                  <a:lumMod val="50000"/>
+                </a:schemeClr>
               </a:solidFill>
             </a:rPr>
-            <a:t>LoginPage.js</a:t>
+            <a:t>AngularJSHomePage.js</a:t>
           </a:r>
+          <a:endParaRPr lang="en-GB" sz="1200" kern="1200" dirty="0" smtClean="0">
+            <a:solidFill>
+              <a:schemeClr val="bg1">
+                <a:lumMod val="50000"/>
+              </a:schemeClr>
+            </a:solidFill>
+          </a:endParaRPr>
         </a:p>
       </dsp:txBody>
       <dsp:txXfrm>
-        <a:off x="3419034" y="578949"/>
-        <a:ext cx="1755776" cy="320540"/>
+        <a:off x="3492752" y="1001362"/>
+        <a:ext cx="1622090" cy="296134"/>
       </dsp:txXfrm>
     </dsp:sp>
     <dsp:sp modelId="{A5B26C97-0E77-41FA-A583-0CC5586F7601}">
@@ -9217,8 +9150,8 @@
       </dsp:nvSpPr>
       <dsp:spPr>
         <a:xfrm>
-          <a:off x="1654605" y="1015999"/>
-          <a:ext cx="1498927" cy="404727"/>
+          <a:off x="1862668" y="1405134"/>
+          <a:ext cx="1384798" cy="373911"/>
         </a:xfrm>
         <a:prstGeom prst="snip1Rect">
           <a:avLst/>
@@ -9274,14 +9207,14 @@
             </a:spcAft>
           </a:pPr>
           <a:r>
-            <a:rPr lang="en-GB" sz="1200" kern="1200" dirty="0" smtClean="0"/>
+            <a:rPr lang="en-GB" sz="1200" b="1" kern="1200" dirty="0" smtClean="0"/>
             <a:t>helpers/</a:t>
           </a:r>
         </a:p>
       </dsp:txBody>
       <dsp:txXfrm>
-        <a:off x="1654605" y="1049727"/>
-        <a:ext cx="1465199" cy="370999"/>
+        <a:off x="1862668" y="1436294"/>
+        <a:ext cx="1353638" cy="342751"/>
       </dsp:txXfrm>
     </dsp:sp>
     <dsp:sp modelId="{1AEACB23-D78F-4B4D-A9E4-0DBACFC420C3}">
@@ -9291,8 +9224,162 @@
       </dsp:nvSpPr>
       <dsp:spPr>
         <a:xfrm>
-          <a:off x="3419034" y="1015999"/>
-          <a:ext cx="2039514" cy="404727"/>
+          <a:off x="3492752" y="1405134"/>
+          <a:ext cx="1884224" cy="373911"/>
+        </a:xfrm>
+        <a:prstGeom prst="flowChartMultidocument">
+          <a:avLst/>
+        </a:prstGeom>
+        <a:solidFill>
+          <a:schemeClr val="accent1">
+            <a:lumMod val="40000"/>
+            <a:lumOff val="60000"/>
+          </a:schemeClr>
+        </a:solidFill>
+        <a:ln w="12700" cap="flat" cmpd="sng" algn="ctr">
+          <a:solidFill>
+            <a:schemeClr val="lt1">
+              <a:hueOff val="0"/>
+              <a:satOff val="0"/>
+              <a:lumOff val="0"/>
+              <a:alphaOff val="0"/>
+            </a:schemeClr>
+          </a:solidFill>
+          <a:prstDash val="solid"/>
+          <a:miter lim="800000"/>
+        </a:ln>
+        <a:effectLst/>
+      </dsp:spPr>
+      <dsp:style>
+        <a:lnRef idx="2">
+          <a:scrgbClr r="0" g="0" b="0"/>
+        </a:lnRef>
+        <a:fillRef idx="1">
+          <a:scrgbClr r="0" g="0" b="0"/>
+        </a:fillRef>
+        <a:effectRef idx="0">
+          <a:scrgbClr r="0" g="0" b="0"/>
+        </a:effectRef>
+        <a:fontRef idx="minor">
+          <a:schemeClr val="lt1"/>
+        </a:fontRef>
+      </dsp:style>
+      <dsp:txBody>
+        <a:bodyPr spcFirstLastPara="0" vert="horz" wrap="square" lIns="7620" tIns="7620" rIns="7620" bIns="7620" numCol="1" spcCol="1270" anchor="ctr" anchorCtr="0">
+          <a:noAutofit/>
+        </a:bodyPr>
+        <a:lstStyle/>
+        <a:p>
+          <a:pPr lvl="0" algn="ctr" defTabSz="533400">
+            <a:lnSpc>
+              <a:spcPct val="90000"/>
+            </a:lnSpc>
+            <a:spcBef>
+              <a:spcPct val="0"/>
+            </a:spcBef>
+            <a:spcAft>
+              <a:spcPct val="35000"/>
+            </a:spcAft>
+          </a:pPr>
+          <a:r>
+            <a:rPr lang="en-GB" sz="1200" b="1" kern="1200" dirty="0" smtClean="0">
+              <a:solidFill>
+                <a:schemeClr val="tx1"/>
+              </a:solidFill>
+            </a:rPr>
+            <a:t>Automation.js</a:t>
+          </a:r>
+        </a:p>
+      </dsp:txBody>
+      <dsp:txXfrm>
+        <a:off x="3492752" y="1468751"/>
+        <a:ext cx="1622090" cy="296134"/>
+      </dsp:txXfrm>
+    </dsp:sp>
+    <dsp:sp modelId="{0A31862F-7E3F-46A2-99D4-B96370DB3536}">
+      <dsp:nvSpPr>
+        <dsp:cNvPr id="0" name=""/>
+        <dsp:cNvSpPr/>
+      </dsp:nvSpPr>
+      <dsp:spPr>
+        <a:xfrm>
+          <a:off x="1862668" y="1872524"/>
+          <a:ext cx="1384798" cy="373911"/>
+        </a:xfrm>
+        <a:prstGeom prst="snip1Rect">
+          <a:avLst/>
+        </a:prstGeom>
+        <a:solidFill>
+          <a:schemeClr val="accent3">
+            <a:lumMod val="50000"/>
+          </a:schemeClr>
+        </a:solidFill>
+        <a:ln w="12700" cap="flat" cmpd="sng" algn="ctr">
+          <a:solidFill>
+            <a:schemeClr val="lt1">
+              <a:hueOff val="0"/>
+              <a:satOff val="0"/>
+              <a:lumOff val="0"/>
+              <a:alphaOff val="0"/>
+            </a:schemeClr>
+          </a:solidFill>
+          <a:prstDash val="solid"/>
+          <a:miter lim="800000"/>
+        </a:ln>
+        <a:effectLst/>
+      </dsp:spPr>
+      <dsp:style>
+        <a:lnRef idx="2">
+          <a:scrgbClr r="0" g="0" b="0"/>
+        </a:lnRef>
+        <a:fillRef idx="1">
+          <a:scrgbClr r="0" g="0" b="0"/>
+        </a:fillRef>
+        <a:effectRef idx="0">
+          <a:scrgbClr r="0" g="0" b="0"/>
+        </a:effectRef>
+        <a:fontRef idx="minor">
+          <a:schemeClr val="lt1"/>
+        </a:fontRef>
+      </dsp:style>
+      <dsp:txBody>
+        <a:bodyPr spcFirstLastPara="0" vert="horz" wrap="square" lIns="7620" tIns="7620" rIns="7620" bIns="7620" numCol="1" spcCol="1270" anchor="ctr" anchorCtr="0">
+          <a:noAutofit/>
+        </a:bodyPr>
+        <a:lstStyle/>
+        <a:p>
+          <a:pPr lvl="0" algn="ctr" defTabSz="533400">
+            <a:lnSpc>
+              <a:spcPct val="90000"/>
+            </a:lnSpc>
+            <a:spcBef>
+              <a:spcPct val="0"/>
+            </a:spcBef>
+            <a:spcAft>
+              <a:spcPct val="35000"/>
+            </a:spcAft>
+          </a:pPr>
+          <a:r>
+            <a:rPr lang="en-GB" sz="1200" b="1" kern="1200" dirty="0" smtClean="0"/>
+            <a:t>keywords/</a:t>
+          </a:r>
+          <a:endParaRPr lang="en-GB" sz="1200" b="1" kern="1200" dirty="0"/>
+        </a:p>
+      </dsp:txBody>
+      <dsp:txXfrm>
+        <a:off x="1862668" y="1903684"/>
+        <a:ext cx="1353638" cy="342751"/>
+      </dsp:txXfrm>
+    </dsp:sp>
+    <dsp:sp modelId="{7FFA155F-0FA2-4989-8D7F-60AF2E6F04E5}">
+      <dsp:nvSpPr>
+        <dsp:cNvPr id="0" name=""/>
+        <dsp:cNvSpPr/>
+      </dsp:nvSpPr>
+      <dsp:spPr>
+        <a:xfrm>
+          <a:off x="3492752" y="1872524"/>
+          <a:ext cx="1894870" cy="373911"/>
         </a:xfrm>
         <a:prstGeom prst="flowChartMultidocument">
           <a:avLst/>
@@ -9351,27 +9438,362 @@
           <a:r>
             <a:rPr lang="en-GB" sz="1200" kern="1200" dirty="0" smtClean="0">
               <a:solidFill>
-                <a:schemeClr val="tx1"/>
+                <a:schemeClr val="bg1">
+                  <a:lumMod val="50000"/>
+                </a:schemeClr>
               </a:solidFill>
             </a:rPr>
-            <a:t>Automation.js</a:t>
+            <a:t>AngularJS.keywords.js</a:t>
           </a:r>
+          <a:endParaRPr lang="en-GB" sz="1200" kern="1200" dirty="0">
+            <a:solidFill>
+              <a:schemeClr val="bg1">
+                <a:lumMod val="50000"/>
+              </a:schemeClr>
+            </a:solidFill>
+          </a:endParaRPr>
         </a:p>
       </dsp:txBody>
       <dsp:txXfrm>
-        <a:off x="3419034" y="1084859"/>
-        <a:ext cx="1755776" cy="320540"/>
+        <a:off x="3492752" y="1936141"/>
+        <a:ext cx="1631255" cy="296134"/>
       </dsp:txXfrm>
     </dsp:sp>
-    <dsp:sp modelId="{0A31862F-7E3F-46A2-99D4-B96370DB3536}">
+    <dsp:sp modelId="{5E070DCA-6141-4CDC-B670-2C6E03B4A759}">
       <dsp:nvSpPr>
         <dsp:cNvPr id="0" name=""/>
         <dsp:cNvSpPr/>
       </dsp:nvSpPr>
       <dsp:spPr>
         <a:xfrm>
-          <a:off x="1654605" y="1521908"/>
-          <a:ext cx="1498927" cy="404727"/>
+          <a:off x="1862668" y="2339913"/>
+          <a:ext cx="1226429" cy="373911"/>
+        </a:xfrm>
+        <a:prstGeom prst="rect">
+          <a:avLst/>
+        </a:prstGeom>
+        <a:solidFill>
+          <a:schemeClr val="tx1">
+            <a:lumMod val="65000"/>
+            <a:lumOff val="35000"/>
+          </a:schemeClr>
+        </a:solidFill>
+        <a:ln w="12700" cap="flat" cmpd="sng" algn="ctr">
+          <a:solidFill>
+            <a:schemeClr val="lt1">
+              <a:hueOff val="0"/>
+              <a:satOff val="0"/>
+              <a:lumOff val="0"/>
+              <a:alphaOff val="0"/>
+            </a:schemeClr>
+          </a:solidFill>
+          <a:prstDash val="solid"/>
+          <a:miter lim="800000"/>
+        </a:ln>
+        <a:effectLst/>
+      </dsp:spPr>
+      <dsp:style>
+        <a:lnRef idx="2">
+          <a:scrgbClr r="0" g="0" b="0"/>
+        </a:lnRef>
+        <a:fillRef idx="1">
+          <a:scrgbClr r="0" g="0" b="0"/>
+        </a:fillRef>
+        <a:effectRef idx="0">
+          <a:scrgbClr r="0" g="0" b="0"/>
+        </a:effectRef>
+        <a:fontRef idx="minor">
+          <a:schemeClr val="lt1"/>
+        </a:fontRef>
+      </dsp:style>
+      <dsp:txBody>
+        <a:bodyPr spcFirstLastPara="0" vert="horz" wrap="square" lIns="7620" tIns="7620" rIns="7620" bIns="7620" numCol="1" spcCol="1270" anchor="ctr" anchorCtr="0">
+          <a:noAutofit/>
+        </a:bodyPr>
+        <a:lstStyle/>
+        <a:p>
+          <a:pPr lvl="0" algn="ctr" defTabSz="533400">
+            <a:lnSpc>
+              <a:spcPct val="90000"/>
+            </a:lnSpc>
+            <a:spcBef>
+              <a:spcPct val="0"/>
+            </a:spcBef>
+            <a:spcAft>
+              <a:spcPct val="35000"/>
+            </a:spcAft>
+          </a:pPr>
+          <a:r>
+            <a:rPr lang="en-GB" sz="1200" b="1" kern="1200" dirty="0" smtClean="0">
+              <a:solidFill>
+                <a:schemeClr val="bg1"/>
+              </a:solidFill>
+            </a:rPr>
+            <a:t>utilities/</a:t>
+          </a:r>
+          <a:endParaRPr lang="en-GB" sz="1200" b="1" kern="1200" dirty="0" smtClean="0">
+            <a:solidFill>
+              <a:schemeClr val="bg1"/>
+            </a:solidFill>
+          </a:endParaRPr>
+        </a:p>
+      </dsp:txBody>
+      <dsp:txXfrm>
+        <a:off x="1862668" y="2339913"/>
+        <a:ext cx="1226429" cy="373911"/>
+      </dsp:txXfrm>
+    </dsp:sp>
+    <dsp:sp modelId="{983E0EB7-A579-4F15-934C-D56985D0E97D}">
+      <dsp:nvSpPr>
+        <dsp:cNvPr id="0" name=""/>
+        <dsp:cNvSpPr/>
+      </dsp:nvSpPr>
+      <dsp:spPr>
+        <a:xfrm>
+          <a:off x="3502968" y="2339913"/>
+          <a:ext cx="1714585" cy="373911"/>
+        </a:xfrm>
+        <a:prstGeom prst="flowChartDocument">
+          <a:avLst/>
+        </a:prstGeom>
+        <a:solidFill>
+          <a:schemeClr val="accent1">
+            <a:lumMod val="40000"/>
+            <a:lumOff val="60000"/>
+          </a:schemeClr>
+        </a:solidFill>
+        <a:ln w="12700" cap="flat" cmpd="sng" algn="ctr">
+          <a:solidFill>
+            <a:schemeClr val="lt1">
+              <a:hueOff val="0"/>
+              <a:satOff val="0"/>
+              <a:lumOff val="0"/>
+              <a:alphaOff val="0"/>
+            </a:schemeClr>
+          </a:solidFill>
+          <a:prstDash val="solid"/>
+          <a:miter lim="800000"/>
+        </a:ln>
+        <a:effectLst/>
+      </dsp:spPr>
+      <dsp:style>
+        <a:lnRef idx="2">
+          <a:scrgbClr r="0" g="0" b="0"/>
+        </a:lnRef>
+        <a:fillRef idx="1">
+          <a:scrgbClr r="0" g="0" b="0"/>
+        </a:fillRef>
+        <a:effectRef idx="0">
+          <a:scrgbClr r="0" g="0" b="0"/>
+        </a:effectRef>
+        <a:fontRef idx="minor">
+          <a:schemeClr val="lt1"/>
+        </a:fontRef>
+      </dsp:style>
+      <dsp:txBody>
+        <a:bodyPr spcFirstLastPara="0" vert="horz" wrap="square" lIns="7620" tIns="7620" rIns="7620" bIns="7620" numCol="1" spcCol="1270" anchor="ctr" anchorCtr="0">
+          <a:noAutofit/>
+        </a:bodyPr>
+        <a:lstStyle/>
+        <a:p>
+          <a:pPr lvl="0" algn="ctr" defTabSz="533400">
+            <a:lnSpc>
+              <a:spcPct val="90000"/>
+            </a:lnSpc>
+            <a:spcBef>
+              <a:spcPct val="0"/>
+            </a:spcBef>
+            <a:spcAft>
+              <a:spcPct val="35000"/>
+            </a:spcAft>
+          </a:pPr>
+          <a:r>
+            <a:rPr lang="en-GB" sz="1200" b="1" kern="1200" dirty="0" smtClean="0">
+              <a:solidFill>
+                <a:schemeClr val="tx1"/>
+              </a:solidFill>
+            </a:rPr>
+            <a:t>GenerateScriptnPro.hta</a:t>
+          </a:r>
+        </a:p>
+      </dsp:txBody>
+      <dsp:txXfrm>
+        <a:off x="3502968" y="2339913"/>
+        <a:ext cx="1714585" cy="299856"/>
+      </dsp:txXfrm>
+    </dsp:sp>
+    <dsp:sp modelId="{008AA575-C7EE-481F-8E5A-70B498B23351}">
+      <dsp:nvSpPr>
+        <dsp:cNvPr id="0" name=""/>
+        <dsp:cNvSpPr/>
+      </dsp:nvSpPr>
+      <dsp:spPr>
+        <a:xfrm>
+          <a:off x="1862668" y="2807302"/>
+          <a:ext cx="1226429" cy="373911"/>
+        </a:xfrm>
+        <a:prstGeom prst="rect">
+          <a:avLst/>
+        </a:prstGeom>
+        <a:solidFill>
+          <a:schemeClr val="tx1">
+            <a:lumMod val="65000"/>
+            <a:lumOff val="35000"/>
+          </a:schemeClr>
+        </a:solidFill>
+        <a:ln w="12700" cap="flat" cmpd="sng" algn="ctr">
+          <a:solidFill>
+            <a:schemeClr val="lt1">
+              <a:hueOff val="0"/>
+              <a:satOff val="0"/>
+              <a:lumOff val="0"/>
+              <a:alphaOff val="0"/>
+            </a:schemeClr>
+          </a:solidFill>
+          <a:prstDash val="solid"/>
+          <a:miter lim="800000"/>
+        </a:ln>
+        <a:effectLst/>
+      </dsp:spPr>
+      <dsp:style>
+        <a:lnRef idx="2">
+          <a:scrgbClr r="0" g="0" b="0"/>
+        </a:lnRef>
+        <a:fillRef idx="1">
+          <a:scrgbClr r="0" g="0" b="0"/>
+        </a:fillRef>
+        <a:effectRef idx="0">
+          <a:scrgbClr r="0" g="0" b="0"/>
+        </a:effectRef>
+        <a:fontRef idx="minor">
+          <a:schemeClr val="lt1"/>
+        </a:fontRef>
+      </dsp:style>
+      <dsp:txBody>
+        <a:bodyPr spcFirstLastPara="0" vert="horz" wrap="square" lIns="7620" tIns="7620" rIns="7620" bIns="7620" numCol="1" spcCol="1270" anchor="ctr" anchorCtr="0">
+          <a:noAutofit/>
+        </a:bodyPr>
+        <a:lstStyle/>
+        <a:p>
+          <a:pPr lvl="0" algn="ctr" defTabSz="533400">
+            <a:lnSpc>
+              <a:spcPct val="90000"/>
+            </a:lnSpc>
+            <a:spcBef>
+              <a:spcPct val="0"/>
+            </a:spcBef>
+            <a:spcAft>
+              <a:spcPct val="35000"/>
+            </a:spcAft>
+          </a:pPr>
+          <a:r>
+            <a:rPr lang="en-GB" sz="1200" b="1" kern="1200" dirty="0" smtClean="0">
+              <a:solidFill>
+                <a:schemeClr val="bg1"/>
+              </a:solidFill>
+            </a:rPr>
+            <a:t>templates/</a:t>
+          </a:r>
+          <a:endParaRPr lang="en-GB" sz="1200" b="1" kern="1200" dirty="0" smtClean="0">
+            <a:solidFill>
+              <a:schemeClr val="bg1"/>
+            </a:solidFill>
+          </a:endParaRPr>
+        </a:p>
+      </dsp:txBody>
+      <dsp:txXfrm>
+        <a:off x="1862668" y="2807302"/>
+        <a:ext cx="1226429" cy="373911"/>
+      </dsp:txXfrm>
+    </dsp:sp>
+    <dsp:sp modelId="{7F95FDAB-3B35-4D5B-BBC5-204E545D0876}">
+      <dsp:nvSpPr>
+        <dsp:cNvPr id="0" name=""/>
+        <dsp:cNvSpPr/>
+      </dsp:nvSpPr>
+      <dsp:spPr>
+        <a:xfrm>
+          <a:off x="3502968" y="2807302"/>
+          <a:ext cx="1367186" cy="373911"/>
+        </a:xfrm>
+        <a:prstGeom prst="flowChartMultidocument">
+          <a:avLst/>
+        </a:prstGeom>
+        <a:solidFill>
+          <a:schemeClr val="accent1">
+            <a:lumMod val="40000"/>
+            <a:lumOff val="60000"/>
+          </a:schemeClr>
+        </a:solidFill>
+        <a:ln w="12700" cap="flat" cmpd="sng" algn="ctr">
+          <a:solidFill>
+            <a:schemeClr val="lt1">
+              <a:hueOff val="0"/>
+              <a:satOff val="0"/>
+              <a:lumOff val="0"/>
+              <a:alphaOff val="0"/>
+            </a:schemeClr>
+          </a:solidFill>
+          <a:prstDash val="solid"/>
+          <a:miter lim="800000"/>
+        </a:ln>
+        <a:effectLst/>
+      </dsp:spPr>
+      <dsp:style>
+        <a:lnRef idx="2">
+          <a:scrgbClr r="0" g="0" b="0"/>
+        </a:lnRef>
+        <a:fillRef idx="1">
+          <a:scrgbClr r="0" g="0" b="0"/>
+        </a:fillRef>
+        <a:effectRef idx="0">
+          <a:scrgbClr r="0" g="0" b="0"/>
+        </a:effectRef>
+        <a:fontRef idx="minor">
+          <a:schemeClr val="lt1"/>
+        </a:fontRef>
+      </dsp:style>
+      <dsp:txBody>
+        <a:bodyPr spcFirstLastPara="0" vert="horz" wrap="square" lIns="7620" tIns="7620" rIns="7620" bIns="7620" numCol="1" spcCol="1270" anchor="ctr" anchorCtr="0">
+          <a:noAutofit/>
+        </a:bodyPr>
+        <a:lstStyle/>
+        <a:p>
+          <a:pPr lvl="0" algn="ctr" defTabSz="533400">
+            <a:lnSpc>
+              <a:spcPct val="90000"/>
+            </a:lnSpc>
+            <a:spcBef>
+              <a:spcPct val="0"/>
+            </a:spcBef>
+            <a:spcAft>
+              <a:spcPct val="35000"/>
+            </a:spcAft>
+          </a:pPr>
+          <a:r>
+            <a:rPr lang="en-GB" sz="1200" b="1" kern="1200" dirty="0" smtClean="0">
+              <a:solidFill>
+                <a:schemeClr val="tx1"/>
+              </a:solidFill>
+            </a:rPr>
+            <a:t>Vanilla.pro.js</a:t>
+          </a:r>
+        </a:p>
+      </dsp:txBody>
+      <dsp:txXfrm>
+        <a:off x="3502968" y="2870919"/>
+        <a:ext cx="1176983" cy="296134"/>
+      </dsp:txXfrm>
+    </dsp:sp>
+    <dsp:sp modelId="{74081302-62A8-41A5-BEA1-B03723F76D79}">
+      <dsp:nvSpPr>
+        <dsp:cNvPr id="0" name=""/>
+        <dsp:cNvSpPr/>
+      </dsp:nvSpPr>
+      <dsp:spPr>
+        <a:xfrm>
+          <a:off x="1862668" y="3625234"/>
+          <a:ext cx="1384798" cy="373911"/>
         </a:xfrm>
         <a:prstGeom prst="snip1Rect">
           <a:avLst/>
@@ -9427,26 +9849,30 @@
             </a:spcAft>
           </a:pPr>
           <a:r>
-            <a:rPr lang="en-GB" sz="1200" kern="1200" dirty="0" smtClean="0"/>
-            <a:t>keywords/</a:t>
+            <a:rPr lang="en-GB" sz="1200" b="1" kern="1200" smtClean="0"/>
+            <a:t>tests/</a:t>
           </a:r>
-          <a:endParaRPr lang="en-GB" sz="1200" kern="1200" dirty="0"/>
+          <a:endParaRPr lang="en-GB" sz="1200" b="1" kern="1200" dirty="0" smtClean="0">
+            <a:solidFill>
+              <a:schemeClr val="tx1"/>
+            </a:solidFill>
+          </a:endParaRPr>
         </a:p>
       </dsp:txBody>
       <dsp:txXfrm>
-        <a:off x="1654605" y="1555636"/>
-        <a:ext cx="1465199" cy="370999"/>
+        <a:off x="1862668" y="3656394"/>
+        <a:ext cx="1353638" cy="342751"/>
       </dsp:txXfrm>
     </dsp:sp>
-    <dsp:sp modelId="{7FFA155F-0FA2-4989-8D7F-60AF2E6F04E5}">
+    <dsp:sp modelId="{0D30C521-978A-42D4-B3BF-B04C2BC16A78}">
       <dsp:nvSpPr>
         <dsp:cNvPr id="0" name=""/>
         <dsp:cNvSpPr/>
       </dsp:nvSpPr>
       <dsp:spPr>
         <a:xfrm>
-          <a:off x="3419034" y="1521908"/>
-          <a:ext cx="2051037" cy="404727"/>
+          <a:off x="3492752" y="3274692"/>
+          <a:ext cx="1883464" cy="373911"/>
         </a:xfrm>
         <a:prstGeom prst="flowChartMultidocument">
           <a:avLst/>
@@ -9505,187 +9931,36 @@
           <a:r>
             <a:rPr lang="en-GB" sz="1200" kern="1200" dirty="0" smtClean="0">
               <a:solidFill>
-                <a:schemeClr val="tx1"/>
+                <a:schemeClr val="bg1">
+                  <a:lumMod val="50000"/>
+                </a:schemeClr>
               </a:solidFill>
             </a:rPr>
-            <a:t>AngularJS.keywords.js</a:t>
+            <a:t>AngularJSYourName.xlsx</a:t>
           </a:r>
           <a:endParaRPr lang="en-GB" sz="1200" kern="1200" dirty="0">
             <a:solidFill>
-              <a:schemeClr val="tx1"/>
+              <a:schemeClr val="bg1">
+                <a:lumMod val="50000"/>
+              </a:schemeClr>
             </a:solidFill>
           </a:endParaRPr>
         </a:p>
       </dsp:txBody>
       <dsp:txXfrm>
-        <a:off x="3419034" y="1590768"/>
-        <a:ext cx="1765696" cy="320540"/>
+        <a:off x="3492752" y="3338309"/>
+        <a:ext cx="1621436" cy="296134"/>
       </dsp:txXfrm>
     </dsp:sp>
-    <dsp:sp modelId="{EB125274-52C0-4A02-8826-AB14A67FBF68}">
+    <dsp:sp modelId="{EACEC2A6-7951-4968-AA9B-D272FA3F4B6C}">
       <dsp:nvSpPr>
         <dsp:cNvPr id="0" name=""/>
         <dsp:cNvSpPr/>
       </dsp:nvSpPr>
       <dsp:spPr>
         <a:xfrm>
-          <a:off x="1654605" y="2407250"/>
-          <a:ext cx="1498927" cy="404727"/>
-        </a:xfrm>
-        <a:prstGeom prst="snip1Rect">
-          <a:avLst/>
-        </a:prstGeom>
-        <a:solidFill>
-          <a:schemeClr val="accent3">
-            <a:lumMod val="50000"/>
-          </a:schemeClr>
-        </a:solidFill>
-        <a:ln w="12700" cap="flat" cmpd="sng" algn="ctr">
-          <a:solidFill>
-            <a:schemeClr val="lt1">
-              <a:hueOff val="0"/>
-              <a:satOff val="0"/>
-              <a:lumOff val="0"/>
-              <a:alphaOff val="0"/>
-            </a:schemeClr>
-          </a:solidFill>
-          <a:prstDash val="solid"/>
-          <a:miter lim="800000"/>
-        </a:ln>
-        <a:effectLst/>
-      </dsp:spPr>
-      <dsp:style>
-        <a:lnRef idx="2">
-          <a:scrgbClr r="0" g="0" b="0"/>
-        </a:lnRef>
-        <a:fillRef idx="1">
-          <a:scrgbClr r="0" g="0" b="0"/>
-        </a:fillRef>
-        <a:effectRef idx="0">
-          <a:scrgbClr r="0" g="0" b="0"/>
-        </a:effectRef>
-        <a:fontRef idx="minor">
-          <a:schemeClr val="lt1"/>
-        </a:fontRef>
-      </dsp:style>
-      <dsp:txBody>
-        <a:bodyPr spcFirstLastPara="0" vert="horz" wrap="square" lIns="7620" tIns="7620" rIns="7620" bIns="7620" numCol="1" spcCol="1270" anchor="ctr" anchorCtr="0">
-          <a:noAutofit/>
-        </a:bodyPr>
-        <a:lstStyle/>
-        <a:p>
-          <a:pPr lvl="0" algn="ctr" defTabSz="533400">
-            <a:lnSpc>
-              <a:spcPct val="90000"/>
-            </a:lnSpc>
-            <a:spcBef>
-              <a:spcPct val="0"/>
-            </a:spcBef>
-            <a:spcAft>
-              <a:spcPct val="35000"/>
-            </a:spcAft>
-          </a:pPr>
-          <a:r>
-            <a:rPr lang="en-GB" sz="1200" kern="1200" dirty="0" smtClean="0"/>
-            <a:t>tests/</a:t>
-          </a:r>
-          <a:endParaRPr lang="en-GB" sz="1200" kern="1200" dirty="0"/>
-        </a:p>
-      </dsp:txBody>
-      <dsp:txXfrm>
-        <a:off x="1654605" y="2440978"/>
-        <a:ext cx="1465199" cy="370999"/>
-      </dsp:txXfrm>
-    </dsp:sp>
-    <dsp:sp modelId="{D3B2807E-2D00-4BBB-B68D-AB005D2F6015}">
-      <dsp:nvSpPr>
-        <dsp:cNvPr id="0" name=""/>
-        <dsp:cNvSpPr/>
-      </dsp:nvSpPr>
-      <dsp:spPr>
-        <a:xfrm>
-          <a:off x="3419034" y="2027818"/>
-          <a:ext cx="2038691" cy="404727"/>
-        </a:xfrm>
-        <a:prstGeom prst="flowChartMultidocument">
-          <a:avLst/>
-        </a:prstGeom>
-        <a:solidFill>
-          <a:schemeClr val="accent1">
-            <a:lumMod val="40000"/>
-            <a:lumOff val="60000"/>
-          </a:schemeClr>
-        </a:solidFill>
-        <a:ln w="12700" cap="flat" cmpd="sng" algn="ctr">
-          <a:solidFill>
-            <a:schemeClr val="lt1">
-              <a:hueOff val="0"/>
-              <a:satOff val="0"/>
-              <a:lumOff val="0"/>
-              <a:alphaOff val="0"/>
-            </a:schemeClr>
-          </a:solidFill>
-          <a:prstDash val="solid"/>
-          <a:miter lim="800000"/>
-        </a:ln>
-        <a:effectLst/>
-      </dsp:spPr>
-      <dsp:style>
-        <a:lnRef idx="2">
-          <a:scrgbClr r="0" g="0" b="0"/>
-        </a:lnRef>
-        <a:fillRef idx="1">
-          <a:scrgbClr r="0" g="0" b="0"/>
-        </a:fillRef>
-        <a:effectRef idx="0">
-          <a:scrgbClr r="0" g="0" b="0"/>
-        </a:effectRef>
-        <a:fontRef idx="minor">
-          <a:schemeClr val="lt1"/>
-        </a:fontRef>
-      </dsp:style>
-      <dsp:txBody>
-        <a:bodyPr spcFirstLastPara="0" vert="horz" wrap="square" lIns="7620" tIns="7620" rIns="7620" bIns="7620" numCol="1" spcCol="1270" anchor="ctr" anchorCtr="0">
-          <a:noAutofit/>
-        </a:bodyPr>
-        <a:lstStyle/>
-        <a:p>
-          <a:pPr lvl="0" algn="ctr" defTabSz="533400">
-            <a:lnSpc>
-              <a:spcPct val="90000"/>
-            </a:lnSpc>
-            <a:spcBef>
-              <a:spcPct val="0"/>
-            </a:spcBef>
-            <a:spcAft>
-              <a:spcPct val="35000"/>
-            </a:spcAft>
-          </a:pPr>
-          <a:r>
-            <a:rPr lang="en-GB" sz="1200" kern="1200" dirty="0" smtClean="0">
-              <a:solidFill>
-                <a:schemeClr val="tx1"/>
-              </a:solidFill>
-            </a:rPr>
-            <a:t>AngularJSYourName.xlsx</a:t>
-          </a:r>
-          <a:endParaRPr lang="en-GB" sz="1200" kern="1200" dirty="0"/>
-        </a:p>
-      </dsp:txBody>
-      <dsp:txXfrm>
-        <a:off x="3419034" y="2096678"/>
-        <a:ext cx="1755068" cy="320540"/>
-      </dsp:txXfrm>
-    </dsp:sp>
-    <dsp:sp modelId="{47C09220-D8AF-482D-A8EF-E0E0574EBB2F}">
-      <dsp:nvSpPr>
-        <dsp:cNvPr id="0" name=""/>
-        <dsp:cNvSpPr/>
-      </dsp:nvSpPr>
-      <dsp:spPr>
-        <a:xfrm>
-          <a:off x="3414919" y="2786682"/>
-          <a:ext cx="1498927" cy="404727"/>
+          <a:off x="3488950" y="3975775"/>
+          <a:ext cx="1384798" cy="373911"/>
         </a:xfrm>
         <a:prstGeom prst="snip1Rect">
           <a:avLst/>
@@ -9764,19 +10039,19 @@
         </a:p>
       </dsp:txBody>
       <dsp:txXfrm>
-        <a:off x="3414919" y="2820410"/>
-        <a:ext cx="1465199" cy="370999"/>
+        <a:off x="3488950" y="4006935"/>
+        <a:ext cx="1353638" cy="342751"/>
       </dsp:txXfrm>
     </dsp:sp>
-    <dsp:sp modelId="{1A4EAC15-35BF-4DF8-915E-FE48D53012CE}">
+    <dsp:sp modelId="{D474315A-A521-493F-8025-B9C26A01D152}">
       <dsp:nvSpPr>
         <dsp:cNvPr id="0" name=""/>
         <dsp:cNvSpPr/>
       </dsp:nvSpPr>
       <dsp:spPr>
         <a:xfrm>
-          <a:off x="5422573" y="2533727"/>
-          <a:ext cx="2467024" cy="404727"/>
+          <a:off x="5343741" y="3742081"/>
+          <a:ext cx="2279184" cy="373911"/>
         </a:xfrm>
         <a:prstGeom prst="flowChartMultidocument">
           <a:avLst/>
@@ -9835,7 +10110,9 @@
           <a:r>
             <a:rPr lang="en-GB" sz="1200" kern="1200" dirty="0" smtClean="0">
               <a:solidFill>
-                <a:schemeClr val="tx1"/>
+                <a:schemeClr val="bg1">
+                  <a:lumMod val="50000"/>
+                </a:schemeClr>
               </a:solidFill>
             </a:rPr>
             <a:t>Session1.pro.js</a:t>
@@ -9843,19 +10120,19 @@
         </a:p>
       </dsp:txBody>
       <dsp:txXfrm>
-        <a:off x="5422573" y="2602587"/>
-        <a:ext cx="2123811" cy="320540"/>
+        <a:off x="5343741" y="3805698"/>
+        <a:ext cx="1962103" cy="296134"/>
       </dsp:txXfrm>
     </dsp:sp>
-    <dsp:sp modelId="{D4C30831-3188-44F0-B926-9FEBEF4AA72D}">
+    <dsp:sp modelId="{04483C0E-574D-4496-AC9A-2B671985B453}">
       <dsp:nvSpPr>
         <dsp:cNvPr id="0" name=""/>
         <dsp:cNvSpPr/>
       </dsp:nvSpPr>
       <dsp:spPr>
         <a:xfrm>
-          <a:off x="5422573" y="3039637"/>
-          <a:ext cx="2467024" cy="404727"/>
+          <a:off x="5343741" y="4209470"/>
+          <a:ext cx="2279184" cy="373911"/>
         </a:xfrm>
         <a:prstGeom prst="flowChartMultidocument">
           <a:avLst/>
@@ -9914,32 +10191,36 @@
           <a:r>
             <a:rPr lang="en-GB" sz="1200" kern="1200" dirty="0" smtClean="0">
               <a:solidFill>
-                <a:schemeClr val="tx1"/>
+                <a:schemeClr val="bg1">
+                  <a:lumMod val="50000"/>
+                </a:schemeClr>
               </a:solidFill>
             </a:rPr>
             <a:t>Session1.script.js</a:t>
           </a:r>
           <a:endParaRPr lang="en-GB" sz="1200" kern="1200" dirty="0">
             <a:solidFill>
-              <a:schemeClr val="tx1"/>
+              <a:schemeClr val="bg1">
+                <a:lumMod val="50000"/>
+              </a:schemeClr>
             </a:solidFill>
           </a:endParaRPr>
         </a:p>
       </dsp:txBody>
       <dsp:txXfrm>
-        <a:off x="5422573" y="3108497"/>
-        <a:ext cx="2123811" cy="320540"/>
+        <a:off x="5343741" y="4273087"/>
+        <a:ext cx="1962103" cy="296134"/>
       </dsp:txXfrm>
     </dsp:sp>
-    <dsp:sp modelId="{9FC171B3-9375-4F0A-989D-6E293A8A8369}">
+    <dsp:sp modelId="{5F123EE8-D741-4D3A-A784-DC8C926059E5}">
       <dsp:nvSpPr>
         <dsp:cNvPr id="0" name=""/>
         <dsp:cNvSpPr/>
       </dsp:nvSpPr>
       <dsp:spPr>
         <a:xfrm>
-          <a:off x="1654605" y="3545546"/>
-          <a:ext cx="1327506" cy="404727"/>
+          <a:off x="1862668" y="4676859"/>
+          <a:ext cx="1226429" cy="373911"/>
         </a:xfrm>
         <a:prstGeom prst="rect">
           <a:avLst/>
@@ -9995,26 +10276,26 @@
             </a:spcAft>
           </a:pPr>
           <a:r>
-            <a:rPr lang="en-GB" sz="1200" kern="1200" dirty="0" smtClean="0"/>
+            <a:rPr lang="en-GB" sz="1200" b="1" kern="1200" dirty="0" smtClean="0"/>
             <a:t>data/</a:t>
           </a:r>
-          <a:endParaRPr lang="en-GB" sz="1200" kern="1200" dirty="0"/>
+          <a:endParaRPr lang="en-GB" sz="1200" b="1" kern="1200" dirty="0"/>
         </a:p>
       </dsp:txBody>
       <dsp:txXfrm>
-        <a:off x="1654605" y="3545546"/>
-        <a:ext cx="1327506" cy="404727"/>
+        <a:off x="1862668" y="4676859"/>
+        <a:ext cx="1226429" cy="373911"/>
       </dsp:txXfrm>
     </dsp:sp>
-    <dsp:sp modelId="{3300BBCC-6AC9-4DD6-9568-E0A5DA875C00}">
+    <dsp:sp modelId="{75421B01-0B16-4D3F-85AC-9FDF895596FE}">
       <dsp:nvSpPr>
         <dsp:cNvPr id="0" name=""/>
         <dsp:cNvSpPr/>
       </dsp:nvSpPr>
       <dsp:spPr>
         <a:xfrm>
-          <a:off x="3430092" y="3292591"/>
-          <a:ext cx="1498927" cy="404727"/>
+          <a:off x="3502968" y="4443165"/>
+          <a:ext cx="1384798" cy="373911"/>
         </a:xfrm>
         <a:prstGeom prst="flowChartDocument">
           <a:avLst/>
@@ -10071,30 +10352,30 @@
             </a:spcAft>
           </a:pPr>
           <a:r>
-            <a:rPr lang="en-GB" sz="1200" kern="1200" smtClean="0">
+            <a:rPr lang="en-GB" sz="1200" b="1" kern="1200" dirty="0" smtClean="0">
               <a:solidFill>
                 <a:schemeClr val="tx1"/>
               </a:solidFill>
             </a:rPr>
             <a:t>TestData.xlsm</a:t>
           </a:r>
-          <a:endParaRPr lang="en-GB" sz="1200" kern="1200" dirty="0"/>
+          <a:endParaRPr lang="en-GB" sz="1200" b="1" kern="1200" dirty="0"/>
         </a:p>
       </dsp:txBody>
       <dsp:txXfrm>
-        <a:off x="3430092" y="3292591"/>
-        <a:ext cx="1498927" cy="324569"/>
+        <a:off x="3502968" y="4443165"/>
+        <a:ext cx="1384798" cy="299856"/>
       </dsp:txXfrm>
     </dsp:sp>
-    <dsp:sp modelId="{386D4363-5B6C-48F8-8046-C063024F0CD4}">
+    <dsp:sp modelId="{DB0AC17B-B174-4DA2-8E4D-0D7D3240691F}">
       <dsp:nvSpPr>
         <dsp:cNvPr id="0" name=""/>
         <dsp:cNvSpPr/>
       </dsp:nvSpPr>
       <dsp:spPr>
         <a:xfrm>
-          <a:off x="3430092" y="3798501"/>
-          <a:ext cx="1498927" cy="404727"/>
+          <a:off x="3502968" y="4910554"/>
+          <a:ext cx="1384798" cy="373911"/>
         </a:xfrm>
         <a:prstGeom prst="snip1Rect">
           <a:avLst/>
@@ -10150,30 +10431,30 @@
             </a:spcAft>
           </a:pPr>
           <a:r>
-            <a:rPr lang="en-GB" sz="1200" kern="1200" dirty="0" err="1" smtClean="0"/>
+            <a:rPr lang="en-GB" sz="1200" b="1" kern="1200" dirty="0" err="1" smtClean="0"/>
             <a:t>TestData</a:t>
           </a:r>
           <a:r>
-            <a:rPr lang="en-GB" sz="1200" kern="1200" dirty="0" smtClean="0"/>
+            <a:rPr lang="en-GB" sz="1200" b="1" kern="1200" dirty="0" smtClean="0"/>
             <a:t>/</a:t>
           </a:r>
-          <a:endParaRPr lang="en-GB" sz="1200" kern="1200" dirty="0"/>
+          <a:endParaRPr lang="en-GB" sz="1200" b="1" kern="1200" dirty="0"/>
         </a:p>
       </dsp:txBody>
       <dsp:txXfrm>
-        <a:off x="3430092" y="3832229"/>
-        <a:ext cx="1465199" cy="370999"/>
+        <a:off x="3502968" y="4941714"/>
+        <a:ext cx="1353638" cy="342751"/>
       </dsp:txXfrm>
     </dsp:sp>
-    <dsp:sp modelId="{29DBE660-6C98-40EF-8C86-F54F31F8182B}">
+    <dsp:sp modelId="{E18A34BE-33AC-43AF-85AE-018BFC2FFD84}">
       <dsp:nvSpPr>
         <dsp:cNvPr id="0" name=""/>
         <dsp:cNvSpPr/>
       </dsp:nvSpPr>
       <dsp:spPr>
         <a:xfrm>
-          <a:off x="5414754" y="3798501"/>
-          <a:ext cx="2778019" cy="404727"/>
+          <a:off x="5336517" y="4910554"/>
+          <a:ext cx="2566499" cy="373911"/>
         </a:xfrm>
         <a:prstGeom prst="flowChartMultidocument">
           <a:avLst/>
@@ -10232,416 +10513,25 @@
           <a:r>
             <a:rPr lang="en-GB" sz="1200" kern="1200" dirty="0" smtClean="0">
               <a:solidFill>
-                <a:schemeClr val="tx1"/>
+                <a:schemeClr val="bg1">
+                  <a:lumMod val="50000"/>
+                </a:schemeClr>
               </a:solidFill>
             </a:rPr>
             <a:t>LIVE.AngularJSYourName.data.js</a:t>
           </a:r>
           <a:endParaRPr lang="en-GB" sz="1200" kern="1200" dirty="0">
             <a:solidFill>
-              <a:schemeClr val="tx1"/>
+              <a:schemeClr val="bg1">
+                <a:lumMod val="50000"/>
+              </a:schemeClr>
             </a:solidFill>
           </a:endParaRPr>
         </a:p>
       </dsp:txBody>
       <dsp:txXfrm>
-        <a:off x="5414754" y="3867361"/>
-        <a:ext cx="2391540" cy="320540"/>
-      </dsp:txXfrm>
-    </dsp:sp>
-    <dsp:sp modelId="{DB581C1F-BBD5-4295-8422-3423C0CC7014}">
-      <dsp:nvSpPr>
-        <dsp:cNvPr id="0" name=""/>
-        <dsp:cNvSpPr/>
-      </dsp:nvSpPr>
-      <dsp:spPr>
-        <a:xfrm>
-          <a:off x="1654605" y="4051456"/>
-          <a:ext cx="1498927" cy="404727"/>
-        </a:xfrm>
-        <a:prstGeom prst="flowChartDocument">
-          <a:avLst/>
-        </a:prstGeom>
-        <a:solidFill>
-          <a:schemeClr val="accent1">
-            <a:lumMod val="40000"/>
-            <a:lumOff val="60000"/>
-          </a:schemeClr>
-        </a:solidFill>
-        <a:ln w="12700" cap="flat" cmpd="sng" algn="ctr">
-          <a:solidFill>
-            <a:schemeClr val="lt1">
-              <a:hueOff val="0"/>
-              <a:satOff val="0"/>
-              <a:lumOff val="0"/>
-              <a:alphaOff val="0"/>
-            </a:schemeClr>
-          </a:solidFill>
-          <a:prstDash val="solid"/>
-          <a:miter lim="800000"/>
-        </a:ln>
-        <a:effectLst/>
-      </dsp:spPr>
-      <dsp:style>
-        <a:lnRef idx="2">
-          <a:scrgbClr r="0" g="0" b="0"/>
-        </a:lnRef>
-        <a:fillRef idx="1">
-          <a:scrgbClr r="0" g="0" b="0"/>
-        </a:fillRef>
-        <a:effectRef idx="0">
-          <a:scrgbClr r="0" g="0" b="0"/>
-        </a:effectRef>
-        <a:fontRef idx="minor">
-          <a:schemeClr val="lt1"/>
-        </a:fontRef>
-      </dsp:style>
-      <dsp:txBody>
-        <a:bodyPr spcFirstLastPara="0" vert="horz" wrap="square" lIns="7620" tIns="7620" rIns="7620" bIns="7620" numCol="1" spcCol="1270" anchor="ctr" anchorCtr="0">
-          <a:noAutofit/>
-        </a:bodyPr>
-        <a:lstStyle/>
-        <a:p>
-          <a:pPr lvl="0" algn="ctr" defTabSz="533400">
-            <a:lnSpc>
-              <a:spcPct val="90000"/>
-            </a:lnSpc>
-            <a:spcBef>
-              <a:spcPct val="0"/>
-            </a:spcBef>
-            <a:spcAft>
-              <a:spcPct val="35000"/>
-            </a:spcAft>
-          </a:pPr>
-          <a:r>
-            <a:rPr lang="en-GB" sz="1200" kern="1200" dirty="0" smtClean="0">
-              <a:solidFill>
-                <a:schemeClr val="tx1"/>
-              </a:solidFill>
-            </a:rPr>
-            <a:t> protractorConfig.js</a:t>
-          </a:r>
-        </a:p>
-      </dsp:txBody>
-      <dsp:txXfrm>
-        <a:off x="1654605" y="4051456"/>
-        <a:ext cx="1498927" cy="324569"/>
-      </dsp:txXfrm>
-    </dsp:sp>
-    <dsp:sp modelId="{5E070DCA-6141-4CDC-B670-2C6E03B4A759}">
-      <dsp:nvSpPr>
-        <dsp:cNvPr id="0" name=""/>
-        <dsp:cNvSpPr/>
-      </dsp:nvSpPr>
-      <dsp:spPr>
-        <a:xfrm>
-          <a:off x="1654605" y="4557365"/>
-          <a:ext cx="1327506" cy="404727"/>
-        </a:xfrm>
-        <a:prstGeom prst="rect">
-          <a:avLst/>
-        </a:prstGeom>
-        <a:solidFill>
-          <a:schemeClr val="accent1">
-            <a:lumMod val="40000"/>
-            <a:lumOff val="60000"/>
-          </a:schemeClr>
-        </a:solidFill>
-        <a:ln w="12700" cap="flat" cmpd="sng" algn="ctr">
-          <a:solidFill>
-            <a:schemeClr val="lt1">
-              <a:hueOff val="0"/>
-              <a:satOff val="0"/>
-              <a:lumOff val="0"/>
-              <a:alphaOff val="0"/>
-            </a:schemeClr>
-          </a:solidFill>
-          <a:prstDash val="solid"/>
-          <a:miter lim="800000"/>
-        </a:ln>
-        <a:effectLst/>
-      </dsp:spPr>
-      <dsp:style>
-        <a:lnRef idx="2">
-          <a:scrgbClr r="0" g="0" b="0"/>
-        </a:lnRef>
-        <a:fillRef idx="1">
-          <a:scrgbClr r="0" g="0" b="0"/>
-        </a:fillRef>
-        <a:effectRef idx="0">
-          <a:scrgbClr r="0" g="0" b="0"/>
-        </a:effectRef>
-        <a:fontRef idx="minor">
-          <a:schemeClr val="lt1"/>
-        </a:fontRef>
-      </dsp:style>
-      <dsp:txBody>
-        <a:bodyPr spcFirstLastPara="0" vert="horz" wrap="square" lIns="7620" tIns="7620" rIns="7620" bIns="7620" numCol="1" spcCol="1270" anchor="ctr" anchorCtr="0">
-          <a:noAutofit/>
-        </a:bodyPr>
-        <a:lstStyle/>
-        <a:p>
-          <a:pPr lvl="0" algn="ctr" defTabSz="533400">
-            <a:lnSpc>
-              <a:spcPct val="90000"/>
-            </a:lnSpc>
-            <a:spcBef>
-              <a:spcPct val="0"/>
-            </a:spcBef>
-            <a:spcAft>
-              <a:spcPct val="35000"/>
-            </a:spcAft>
-          </a:pPr>
-          <a:r>
-            <a:rPr lang="en-GB" sz="1200" kern="1200" dirty="0" smtClean="0">
-              <a:solidFill>
-                <a:schemeClr val="tx1"/>
-              </a:solidFill>
-            </a:rPr>
-            <a:t>utilities</a:t>
-          </a:r>
-        </a:p>
-      </dsp:txBody>
-      <dsp:txXfrm>
-        <a:off x="1654605" y="4557365"/>
-        <a:ext cx="1327506" cy="404727"/>
-      </dsp:txXfrm>
-    </dsp:sp>
-    <dsp:sp modelId="{983E0EB7-A579-4F15-934C-D56985D0E97D}">
-      <dsp:nvSpPr>
-        <dsp:cNvPr id="0" name=""/>
-        <dsp:cNvSpPr/>
-      </dsp:nvSpPr>
-      <dsp:spPr>
-        <a:xfrm>
-          <a:off x="3430092" y="4557365"/>
-          <a:ext cx="1855893" cy="404727"/>
-        </a:xfrm>
-        <a:prstGeom prst="flowChartDocument">
-          <a:avLst/>
-        </a:prstGeom>
-        <a:solidFill>
-          <a:schemeClr val="accent1">
-            <a:lumMod val="40000"/>
-            <a:lumOff val="60000"/>
-          </a:schemeClr>
-        </a:solidFill>
-        <a:ln w="12700" cap="flat" cmpd="sng" algn="ctr">
-          <a:solidFill>
-            <a:schemeClr val="lt1">
-              <a:hueOff val="0"/>
-              <a:satOff val="0"/>
-              <a:lumOff val="0"/>
-              <a:alphaOff val="0"/>
-            </a:schemeClr>
-          </a:solidFill>
-          <a:prstDash val="solid"/>
-          <a:miter lim="800000"/>
-        </a:ln>
-        <a:effectLst/>
-      </dsp:spPr>
-      <dsp:style>
-        <a:lnRef idx="2">
-          <a:scrgbClr r="0" g="0" b="0"/>
-        </a:lnRef>
-        <a:fillRef idx="1">
-          <a:scrgbClr r="0" g="0" b="0"/>
-        </a:fillRef>
-        <a:effectRef idx="0">
-          <a:scrgbClr r="0" g="0" b="0"/>
-        </a:effectRef>
-        <a:fontRef idx="minor">
-          <a:schemeClr val="lt1"/>
-        </a:fontRef>
-      </dsp:style>
-      <dsp:txBody>
-        <a:bodyPr spcFirstLastPara="0" vert="horz" wrap="square" lIns="7620" tIns="7620" rIns="7620" bIns="7620" numCol="1" spcCol="1270" anchor="ctr" anchorCtr="0">
-          <a:noAutofit/>
-        </a:bodyPr>
-        <a:lstStyle/>
-        <a:p>
-          <a:pPr lvl="0" algn="ctr" defTabSz="533400">
-            <a:lnSpc>
-              <a:spcPct val="90000"/>
-            </a:lnSpc>
-            <a:spcBef>
-              <a:spcPct val="0"/>
-            </a:spcBef>
-            <a:spcAft>
-              <a:spcPct val="35000"/>
-            </a:spcAft>
-          </a:pPr>
-          <a:r>
-            <a:rPr lang="en-GB" sz="1200" kern="1200" dirty="0" smtClean="0">
-              <a:solidFill>
-                <a:schemeClr val="tx1"/>
-              </a:solidFill>
-            </a:rPr>
-            <a:t>GenerateScriptnPro.hta</a:t>
-          </a:r>
-        </a:p>
-      </dsp:txBody>
-      <dsp:txXfrm>
-        <a:off x="3430092" y="4557365"/>
-        <a:ext cx="1855893" cy="324569"/>
-      </dsp:txXfrm>
-    </dsp:sp>
-    <dsp:sp modelId="{008AA575-C7EE-481F-8E5A-70B498B23351}">
-      <dsp:nvSpPr>
-        <dsp:cNvPr id="0" name=""/>
-        <dsp:cNvSpPr/>
-      </dsp:nvSpPr>
-      <dsp:spPr>
-        <a:xfrm>
-          <a:off x="1654605" y="5063275"/>
-          <a:ext cx="1327506" cy="404727"/>
-        </a:xfrm>
-        <a:prstGeom prst="rect">
-          <a:avLst/>
-        </a:prstGeom>
-        <a:solidFill>
-          <a:schemeClr val="accent1">
-            <a:lumMod val="40000"/>
-            <a:lumOff val="60000"/>
-          </a:schemeClr>
-        </a:solidFill>
-        <a:ln w="12700" cap="flat" cmpd="sng" algn="ctr">
-          <a:solidFill>
-            <a:schemeClr val="lt1">
-              <a:hueOff val="0"/>
-              <a:satOff val="0"/>
-              <a:lumOff val="0"/>
-              <a:alphaOff val="0"/>
-            </a:schemeClr>
-          </a:solidFill>
-          <a:prstDash val="solid"/>
-          <a:miter lim="800000"/>
-        </a:ln>
-        <a:effectLst/>
-      </dsp:spPr>
-      <dsp:style>
-        <a:lnRef idx="2">
-          <a:scrgbClr r="0" g="0" b="0"/>
-        </a:lnRef>
-        <a:fillRef idx="1">
-          <a:scrgbClr r="0" g="0" b="0"/>
-        </a:fillRef>
-        <a:effectRef idx="0">
-          <a:scrgbClr r="0" g="0" b="0"/>
-        </a:effectRef>
-        <a:fontRef idx="minor">
-          <a:schemeClr val="lt1"/>
-        </a:fontRef>
-      </dsp:style>
-      <dsp:txBody>
-        <a:bodyPr spcFirstLastPara="0" vert="horz" wrap="square" lIns="7620" tIns="7620" rIns="7620" bIns="7620" numCol="1" spcCol="1270" anchor="ctr" anchorCtr="0">
-          <a:noAutofit/>
-        </a:bodyPr>
-        <a:lstStyle/>
-        <a:p>
-          <a:pPr lvl="0" algn="ctr" defTabSz="533400">
-            <a:lnSpc>
-              <a:spcPct val="90000"/>
-            </a:lnSpc>
-            <a:spcBef>
-              <a:spcPct val="0"/>
-            </a:spcBef>
-            <a:spcAft>
-              <a:spcPct val="35000"/>
-            </a:spcAft>
-          </a:pPr>
-          <a:r>
-            <a:rPr lang="en-GB" sz="1200" kern="1200" dirty="0" smtClean="0">
-              <a:solidFill>
-                <a:schemeClr val="tx1"/>
-              </a:solidFill>
-            </a:rPr>
-            <a:t>templates</a:t>
-          </a:r>
-        </a:p>
-      </dsp:txBody>
-      <dsp:txXfrm>
-        <a:off x="1654605" y="5063275"/>
-        <a:ext cx="1327506" cy="404727"/>
-      </dsp:txXfrm>
-    </dsp:sp>
-    <dsp:sp modelId="{7F95FDAB-3B35-4D5B-BBC5-204E545D0876}">
-      <dsp:nvSpPr>
-        <dsp:cNvPr id="0" name=""/>
-        <dsp:cNvSpPr/>
-      </dsp:nvSpPr>
-      <dsp:spPr>
-        <a:xfrm>
-          <a:off x="3430092" y="5063275"/>
-          <a:ext cx="1479864" cy="404727"/>
-        </a:xfrm>
-        <a:prstGeom prst="flowChartDocument">
-          <a:avLst/>
-        </a:prstGeom>
-        <a:solidFill>
-          <a:schemeClr val="accent1">
-            <a:lumMod val="40000"/>
-            <a:lumOff val="60000"/>
-          </a:schemeClr>
-        </a:solidFill>
-        <a:ln w="12700" cap="flat" cmpd="sng" algn="ctr">
-          <a:solidFill>
-            <a:schemeClr val="lt1">
-              <a:hueOff val="0"/>
-              <a:satOff val="0"/>
-              <a:lumOff val="0"/>
-              <a:alphaOff val="0"/>
-            </a:schemeClr>
-          </a:solidFill>
-          <a:prstDash val="solid"/>
-          <a:miter lim="800000"/>
-        </a:ln>
-        <a:effectLst/>
-      </dsp:spPr>
-      <dsp:style>
-        <a:lnRef idx="2">
-          <a:scrgbClr r="0" g="0" b="0"/>
-        </a:lnRef>
-        <a:fillRef idx="1">
-          <a:scrgbClr r="0" g="0" b="0"/>
-        </a:fillRef>
-        <a:effectRef idx="0">
-          <a:scrgbClr r="0" g="0" b="0"/>
-        </a:effectRef>
-        <a:fontRef idx="minor">
-          <a:schemeClr val="lt1"/>
-        </a:fontRef>
-      </dsp:style>
-      <dsp:txBody>
-        <a:bodyPr spcFirstLastPara="0" vert="horz" wrap="square" lIns="7620" tIns="7620" rIns="7620" bIns="7620" numCol="1" spcCol="1270" anchor="ctr" anchorCtr="0">
-          <a:noAutofit/>
-        </a:bodyPr>
-        <a:lstStyle/>
-        <a:p>
-          <a:pPr lvl="0" algn="ctr" defTabSz="533400">
-            <a:lnSpc>
-              <a:spcPct val="90000"/>
-            </a:lnSpc>
-            <a:spcBef>
-              <a:spcPct val="0"/>
-            </a:spcBef>
-            <a:spcAft>
-              <a:spcPct val="35000"/>
-            </a:spcAft>
-          </a:pPr>
-          <a:r>
-            <a:rPr lang="en-GB" sz="1200" kern="1200" dirty="0" smtClean="0">
-              <a:solidFill>
-                <a:schemeClr val="tx1"/>
-              </a:solidFill>
-            </a:rPr>
-            <a:t>Vanilla.pro.js</a:t>
-          </a:r>
-        </a:p>
-      </dsp:txBody>
-      <dsp:txXfrm>
-        <a:off x="3430092" y="5063275"/>
-        <a:ext cx="1479864" cy="324569"/>
+        <a:off x="5336517" y="4974171"/>
+        <a:ext cx="2209447" cy="296134"/>
       </dsp:txXfrm>
     </dsp:sp>
   </dsp:spTree>
@@ -23408,40 +23298,7 @@
                 </a:solidFill>
                 <a:cs typeface="Consolas" panose="020B0609020204030204" pitchFamily="49" charset="0"/>
               </a:rPr>
-              <a:t>=</a:t>
-            </a:r>
-            <a:r>
-              <a:rPr lang="en-GB" sz="2400" b="1" dirty="0" smtClean="0">
-                <a:solidFill>
-                  <a:schemeClr val="accent6">
-                    <a:lumMod val="75000"/>
-                  </a:schemeClr>
-                </a:solidFill>
-                <a:cs typeface="Consolas" panose="020B0609020204030204" pitchFamily="49" charset="0"/>
-              </a:rPr>
-              <a:t>"</a:t>
-            </a:r>
-            <a:r>
-              <a:rPr lang="en-GB" sz="2400" b="1" dirty="0" smtClean="0">
-                <a:solidFill>
-                  <a:schemeClr val="accent6">
-                    <a:lumMod val="75000"/>
-                  </a:schemeClr>
-                </a:solidFill>
-                <a:cs typeface="Consolas" panose="020B0609020204030204" pitchFamily="49" charset="0"/>
-              </a:rPr>
-              <a:t>chrome</a:t>
-            </a:r>
-            <a:r>
-              <a:rPr lang="en-GB" sz="2400" b="1" dirty="0" smtClean="0">
-                <a:solidFill>
-                  <a:schemeClr val="accent6">
-                    <a:lumMod val="75000"/>
-                  </a:schemeClr>
-                </a:solidFill>
-                <a:cs typeface="Consolas" panose="020B0609020204030204" pitchFamily="49" charset="0"/>
-              </a:rPr>
-              <a:t>"</a:t>
+              <a:t>="chrome"</a:t>
             </a:r>
             <a:r>
               <a:rPr lang="en-GB" sz="2400" b="1" dirty="0" smtClean="0">
@@ -23504,12 +23361,6 @@
               </a:rPr>
               <a:t>\Session1.pro.js"</a:t>
             </a:r>
-            <a:endParaRPr lang="en-GB" sz="2400" b="1" dirty="0" smtClean="0">
-              <a:solidFill>
-                <a:schemeClr val="tx1"/>
-              </a:solidFill>
-              <a:cs typeface="Consolas" panose="020B0609020204030204" pitchFamily="49" charset="0"/>
-            </a:endParaRPr>
           </a:p>
           <a:p>
             <a:pPr>
@@ -23627,21 +23478,8 @@
                   <a:schemeClr val="tx1"/>
                 </a:solidFill>
               </a:rPr>
-              <a:t>Run </a:t>
-            </a:r>
-            <a:r>
-              <a:rPr lang="en-GB" sz="2800" b="1" dirty="0" smtClean="0">
-                <a:solidFill>
-                  <a:schemeClr val="tx1"/>
-                </a:solidFill>
-              </a:rPr>
-              <a:t>a test</a:t>
-            </a:r>
-            <a:endParaRPr lang="en-GB" sz="2800" b="1" dirty="0" smtClean="0">
-              <a:solidFill>
-                <a:schemeClr val="tx1"/>
-              </a:solidFill>
-            </a:endParaRPr>
+              <a:t>Run a test</a:t>
+            </a:r>
           </a:p>
         </p:txBody>
       </p:sp>
@@ -24221,40 +24059,7 @@
                 </a:solidFill>
                 <a:cs typeface="Consolas" panose="020B0609020204030204" pitchFamily="49" charset="0"/>
               </a:rPr>
-              <a:t>=</a:t>
-            </a:r>
-            <a:r>
-              <a:rPr lang="en-GB" sz="2400" b="1" dirty="0" smtClean="0">
-                <a:solidFill>
-                  <a:schemeClr val="accent6">
-                    <a:lumMod val="75000"/>
-                  </a:schemeClr>
-                </a:solidFill>
-                <a:cs typeface="Consolas" panose="020B0609020204030204" pitchFamily="49" charset="0"/>
-              </a:rPr>
-              <a:t>"</a:t>
-            </a:r>
-            <a:r>
-              <a:rPr lang="en-GB" sz="2400" b="1" dirty="0" smtClean="0">
-                <a:solidFill>
-                  <a:schemeClr val="accent6">
-                    <a:lumMod val="75000"/>
-                  </a:schemeClr>
-                </a:solidFill>
-                <a:cs typeface="Consolas" panose="020B0609020204030204" pitchFamily="49" charset="0"/>
-              </a:rPr>
-              <a:t>chrome</a:t>
-            </a:r>
-            <a:r>
-              <a:rPr lang="en-GB" sz="2400" b="1" dirty="0" smtClean="0">
-                <a:solidFill>
-                  <a:schemeClr val="accent6">
-                    <a:lumMod val="75000"/>
-                  </a:schemeClr>
-                </a:solidFill>
-                <a:cs typeface="Consolas" panose="020B0609020204030204" pitchFamily="49" charset="0"/>
-              </a:rPr>
-              <a:t>"</a:t>
+              <a:t>="chrome"</a:t>
             </a:r>
             <a:r>
               <a:rPr lang="en-GB" sz="2400" b="1" dirty="0" smtClean="0">
@@ -24317,12 +24122,6 @@
               </a:rPr>
               <a:t>\*.pro.js"</a:t>
             </a:r>
-            <a:endParaRPr lang="en-GB" sz="2400" b="1" dirty="0" smtClean="0">
-              <a:solidFill>
-                <a:schemeClr val="tx1"/>
-              </a:solidFill>
-              <a:cs typeface="Consolas" panose="020B0609020204030204" pitchFamily="49" charset="0"/>
-            </a:endParaRPr>
           </a:p>
           <a:p>
             <a:pPr>
@@ -24440,21 +24239,8 @@
                   <a:schemeClr val="tx1"/>
                 </a:solidFill>
               </a:rPr>
-              <a:t>Run </a:t>
-            </a:r>
-            <a:r>
-              <a:rPr lang="en-GB" sz="2800" b="1" dirty="0" smtClean="0">
-                <a:solidFill>
-                  <a:schemeClr val="tx1"/>
-                </a:solidFill>
-              </a:rPr>
-              <a:t>all tests sequentially</a:t>
-            </a:r>
-            <a:endParaRPr lang="en-GB" sz="2800" b="1" dirty="0" smtClean="0">
-              <a:solidFill>
-                <a:schemeClr val="tx1"/>
-              </a:solidFill>
-            </a:endParaRPr>
+              <a:t>Run all tests sequentially</a:t>
+            </a:r>
           </a:p>
         </p:txBody>
       </p:sp>
@@ -25005,11 +24791,6 @@
               </a:rPr>
               <a:t> </a:t>
             </a:r>
-            <a:endParaRPr lang="en-GB" b="1" dirty="0" smtClean="0">
-              <a:solidFill>
-                <a:schemeClr val="tx1"/>
-              </a:solidFill>
-            </a:endParaRPr>
           </a:p>
           <a:p>
             <a:pPr>
@@ -25083,11 +24864,6 @@
               </a:rPr>
               <a:t> </a:t>
             </a:r>
-            <a:endParaRPr lang="en-GB" b="1" dirty="0" smtClean="0">
-              <a:solidFill>
-                <a:schemeClr val="tx1"/>
-              </a:solidFill>
-            </a:endParaRPr>
           </a:p>
           <a:p>
             <a:pPr>
@@ -25345,11 +25121,6 @@
               </a:rPr>
               <a:t>Session1.pro.js</a:t>
             </a:r>
-            <a:endParaRPr lang="en-GB" b="1" dirty="0" smtClean="0">
-              <a:solidFill>
-                <a:schemeClr val="tx1"/>
-              </a:solidFill>
-            </a:endParaRPr>
           </a:p>
           <a:p>
             <a:r>
@@ -25877,21 +25648,8 @@
                   <a:schemeClr val="tx1"/>
                 </a:solidFill>
               </a:rPr>
-              <a:t>Run </a:t>
-            </a:r>
-            <a:r>
-              <a:rPr lang="en-GB" sz="2800" b="1" dirty="0" smtClean="0">
-                <a:solidFill>
-                  <a:schemeClr val="tx1"/>
-                </a:solidFill>
-              </a:rPr>
-              <a:t>all tests concurrently</a:t>
-            </a:r>
-            <a:endParaRPr lang="en-GB" sz="2800" b="1" dirty="0" smtClean="0">
-              <a:solidFill>
-                <a:schemeClr val="tx1"/>
-              </a:solidFill>
-            </a:endParaRPr>
+              <a:t>Run all tests concurrently</a:t>
+            </a:r>
           </a:p>
         </p:txBody>
       </p:sp>
@@ -32579,14 +32337,14 @@
           <p:nvPr>
             <p:extLst>
               <p:ext uri="{D42A27DB-BD31-4B8C-83A1-F6EECF244321}">
-                <p14:modId xmlns:p14="http://schemas.microsoft.com/office/powerpoint/2010/main" val="1678525767"/>
+                <p14:modId xmlns:p14="http://schemas.microsoft.com/office/powerpoint/2010/main" val="3973036005"/>
               </p:ext>
             </p:extLst>
           </p:nvPr>
         </p:nvGraphicFramePr>
         <p:xfrm>
           <a:off x="301827" y="1227666"/>
-          <a:ext cx="8774439" cy="5472183"/>
+          <a:ext cx="8774439" cy="5287433"/>
         </p:xfrm>
         <a:graphic>
           <a:graphicData uri="http://schemas.openxmlformats.org/drawingml/2006/diagram">
@@ -32602,15 +32360,15 @@
         </p:nvSpPr>
         <p:spPr>
           <a:xfrm>
-            <a:off x="9536180" y="5066222"/>
-            <a:ext cx="1422401" cy="533400"/>
+            <a:off x="9434579" y="5910772"/>
+            <a:ext cx="1422401" cy="597978"/>
           </a:xfrm>
           <a:prstGeom prst="borderCallout1">
             <a:avLst>
               <a:gd name="adj1" fmla="val 48750"/>
               <a:gd name="adj2" fmla="val 0"/>
-              <a:gd name="adj3" fmla="val 21531"/>
-              <a:gd name="adj4" fmla="val -73471"/>
+              <a:gd name="adj3" fmla="val 63197"/>
+              <a:gd name="adj4" fmla="val -85971"/>
             </a:avLst>
           </a:prstGeom>
           <a:solidFill>
@@ -32651,17 +32409,43 @@
                   <a:schemeClr val="tx1"/>
                 </a:solidFill>
               </a:rPr>
-              <a:t>Test data</a:t>
-            </a:r>
-          </a:p>
-          <a:p>
+              <a:t>Test </a:t>
+            </a:r>
             <a:r>
               <a:rPr lang="en-GB" sz="1200" b="1" dirty="0" smtClean="0">
                 <a:solidFill>
                   <a:schemeClr val="tx1"/>
                 </a:solidFill>
               </a:rPr>
-              <a:t>by environment by test</a:t>
+              <a:t>data</a:t>
+            </a:r>
+          </a:p>
+          <a:p>
+            <a:r>
+              <a:rPr lang="en-GB" sz="1200" b="1" dirty="0" smtClean="0">
+                <a:solidFill>
+                  <a:schemeClr val="tx1"/>
+                </a:solidFill>
+              </a:rPr>
+              <a:t>by environment</a:t>
+            </a:r>
+          </a:p>
+          <a:p>
+            <a:r>
+              <a:rPr lang="en-GB" sz="1200" b="1" dirty="0" smtClean="0">
+                <a:solidFill>
+                  <a:schemeClr val="tx1"/>
+                </a:solidFill>
+              </a:rPr>
+              <a:t>by </a:t>
+            </a:r>
+            <a:r>
+              <a:rPr lang="en-GB" sz="1200" b="1" dirty="0" smtClean="0">
+                <a:solidFill>
+                  <a:schemeClr val="tx1"/>
+                </a:solidFill>
+              </a:rPr>
+              <a:t>test</a:t>
             </a:r>
             <a:endParaRPr lang="en-GB" sz="1200" b="1" dirty="0">
               <a:solidFill>
@@ -32679,7 +32463,7 @@
         </p:nvSpPr>
         <p:spPr>
           <a:xfrm>
-            <a:off x="9536180" y="2870323"/>
+            <a:off x="9434580" y="4083173"/>
             <a:ext cx="1422401" cy="533400"/>
           </a:xfrm>
           <a:prstGeom prst="borderCallout1">
@@ -32687,7 +32471,7 @@
               <a:gd name="adj1" fmla="val 48750"/>
               <a:gd name="adj2" fmla="val 0"/>
               <a:gd name="adj3" fmla="val 189275"/>
-              <a:gd name="adj4" fmla="val -95024"/>
+              <a:gd name="adj4" fmla="val -105738"/>
             </a:avLst>
           </a:prstGeom>
           <a:solidFill>
@@ -32728,7 +32512,15 @@
                   <a:schemeClr val="tx1"/>
                 </a:solidFill>
               </a:rPr>
-              <a:t>Protractor/Jasmine test specifications</a:t>
+              <a:t>Protractor </a:t>
+            </a:r>
+            <a:r>
+              <a:rPr lang="en-GB" sz="1200" b="1" dirty="0" smtClean="0">
+                <a:solidFill>
+                  <a:schemeClr val="tx1"/>
+                </a:solidFill>
+              </a:rPr>
+              <a:t>test specifications</a:t>
             </a:r>
             <a:endParaRPr lang="en-GB" sz="1200" b="1" dirty="0">
               <a:solidFill>
@@ -32746,15 +32538,15 @@
         </p:nvSpPr>
         <p:spPr>
           <a:xfrm>
-            <a:off x="9536180" y="3884086"/>
+            <a:off x="9434580" y="5096936"/>
             <a:ext cx="1422401" cy="533400"/>
           </a:xfrm>
           <a:prstGeom prst="borderCallout1">
             <a:avLst>
               <a:gd name="adj1" fmla="val 48750"/>
               <a:gd name="adj2" fmla="val 0"/>
-              <a:gd name="adj3" fmla="val 96824"/>
-              <a:gd name="adj4" fmla="val -95893"/>
+              <a:gd name="adj3" fmla="val 87300"/>
+              <a:gd name="adj4" fmla="val -106607"/>
             </a:avLst>
           </a:prstGeom>
           <a:solidFill>
@@ -34497,16 +34289,19 @@
   <a:extraClrSchemeLst/>
   <a:extLst>
     <a:ext uri="{05A4C25C-085E-4340-85A3-A5531E510DB2}">
-      <thm15:themeFamily xmlns:thm15="http://schemas.microsoft.com/office/thememl/2012/main" xmlns="" name="ParsleyAKeywordDrivenTestFrameworkForProtractor.pptx" id="{FAB09FEF-1788-43F4-86C8-751AB120A1F7}" vid="{6CFE0173-6A2D-4064-B9B0-3164DE0801F8}"/>
+      <thm15:themeFamily xmlns="" xmlns:thm15="http://schemas.microsoft.com/office/thememl/2012/main" name="ParsleyAKeywordDrivenTestFrameworkForProtractor.pptx" id="{FAB09FEF-1788-43F4-86C8-751AB120A1F7}" vid="{6CFE0173-6A2D-4064-B9B0-3164DE0801F8}"/>
     </a:ext>
   </a:extLst>
 </a:theme>
 </file>
 
 <file path=customXml/item1.xml><?xml version="1.0" encoding="utf-8"?>
-<p:properties xmlns:p="http://schemas.microsoft.com/office/2006/metadata/properties" xmlns:xsi="http://www.w3.org/2001/XMLSchema-instance" xmlns:pc="http://schemas.microsoft.com/office/infopath/2007/PartnerControls">
-  <documentManagement/>
-</p:properties>
+<?mso-contentType ?>
+<FormTemplates xmlns="http://schemas.microsoft.com/sharepoint/v3/contenttype/forms">
+  <Display>DocumentLibraryForm</Display>
+  <Edit>DocumentLibraryForm</Edit>
+  <New>DocumentLibraryForm</New>
+</FormTemplates>
 </file>
 
 <file path=customXml/item2.xml><?xml version="1.0" encoding="utf-8"?>
@@ -34650,26 +34445,15 @@
 </file>
 
 <file path=customXml/item3.xml><?xml version="1.0" encoding="utf-8"?>
-<?mso-contentType ?>
-<FormTemplates xmlns="http://schemas.microsoft.com/sharepoint/v3/contenttype/forms">
-  <Display>DocumentLibraryForm</Display>
-  <Edit>DocumentLibraryForm</Edit>
-  <New>DocumentLibraryForm</New>
-</FormTemplates>
+<p:properties xmlns:p="http://schemas.microsoft.com/office/2006/metadata/properties" xmlns:xsi="http://www.w3.org/2001/XMLSchema-instance" xmlns:pc="http://schemas.microsoft.com/office/infopath/2007/PartnerControls">
+  <documentManagement/>
+</p:properties>
 </file>
 
 <file path=customXml/itemProps1.xml><?xml version="1.0" encoding="utf-8"?>
-<ds:datastoreItem xmlns:ds="http://schemas.openxmlformats.org/officeDocument/2006/customXml" ds:itemID="{24CDC820-645A-4E71-AE40-26FA1AB98D28}">
+<ds:datastoreItem xmlns:ds="http://schemas.openxmlformats.org/officeDocument/2006/customXml" ds:itemID="{26F4B761-0256-4821-AC41-5D7435186A4A}">
   <ds:schemaRefs>
-    <ds:schemaRef ds:uri="http://schemas.microsoft.com/office/infopath/2007/PartnerControls"/>
-    <ds:schemaRef ds:uri="http://purl.org/dc/dcmitype/"/>
-    <ds:schemaRef ds:uri="http://www.w3.org/XML/1998/namespace"/>
-    <ds:schemaRef ds:uri="2f4b48f1-5643-4dd3-bcf3-1f93a11fc8e6"/>
-    <ds:schemaRef ds:uri="http://schemas.microsoft.com/office/2006/documentManagement/types"/>
-    <ds:schemaRef ds:uri="http://purl.org/dc/elements/1.1/"/>
-    <ds:schemaRef ds:uri="http://schemas.openxmlformats.org/package/2006/metadata/core-properties"/>
-    <ds:schemaRef ds:uri="http://purl.org/dc/terms/"/>
-    <ds:schemaRef ds:uri="http://schemas.microsoft.com/office/2006/metadata/properties"/>
+    <ds:schemaRef ds:uri="http://schemas.microsoft.com/sharepoint/v3/contenttype/forms"/>
   </ds:schemaRefs>
 </ds:datastoreItem>
 </file>
@@ -34693,9 +34477,17 @@
 </file>
 
 <file path=customXml/itemProps3.xml><?xml version="1.0" encoding="utf-8"?>
-<ds:datastoreItem xmlns:ds="http://schemas.openxmlformats.org/officeDocument/2006/customXml" ds:itemID="{26F4B761-0256-4821-AC41-5D7435186A4A}">
+<ds:datastoreItem xmlns:ds="http://schemas.openxmlformats.org/officeDocument/2006/customXml" ds:itemID="{24CDC820-645A-4E71-AE40-26FA1AB98D28}">
   <ds:schemaRefs>
-    <ds:schemaRef ds:uri="http://schemas.microsoft.com/sharepoint/v3/contenttype/forms"/>
+    <ds:schemaRef ds:uri="http://schemas.microsoft.com/office/infopath/2007/PartnerControls"/>
+    <ds:schemaRef ds:uri="http://purl.org/dc/dcmitype/"/>
+    <ds:schemaRef ds:uri="http://www.w3.org/XML/1998/namespace"/>
+    <ds:schemaRef ds:uri="2f4b48f1-5643-4dd3-bcf3-1f93a11fc8e6"/>
+    <ds:schemaRef ds:uri="http://schemas.microsoft.com/office/2006/documentManagement/types"/>
+    <ds:schemaRef ds:uri="http://purl.org/dc/elements/1.1/"/>
+    <ds:schemaRef ds:uri="http://schemas.openxmlformats.org/package/2006/metadata/core-properties"/>
+    <ds:schemaRef ds:uri="http://purl.org/dc/terms/"/>
+    <ds:schemaRef ds:uri="http://schemas.microsoft.com/office/2006/metadata/properties"/>
   </ds:schemaRefs>
 </ds:datastoreItem>
 </file>
--- a/documentation/PasillaAKeywordDrivenTestFrameworkForProtractor.pptx
+++ b/documentation/PasillaAKeywordDrivenTestFrameworkForProtractor.pptx
@@ -11,16 +11,17 @@
     <p:sldId id="258" r:id="rId8"/>
     <p:sldId id="259" r:id="rId9"/>
     <p:sldId id="260" r:id="rId10"/>
-    <p:sldId id="261" r:id="rId11"/>
-    <p:sldId id="264" r:id="rId12"/>
-    <p:sldId id="265" r:id="rId13"/>
-    <p:sldId id="266" r:id="rId14"/>
-    <p:sldId id="267" r:id="rId15"/>
-    <p:sldId id="268" r:id="rId16"/>
-    <p:sldId id="275" r:id="rId17"/>
-    <p:sldId id="276" r:id="rId18"/>
-    <p:sldId id="273" r:id="rId19"/>
-    <p:sldId id="274" r:id="rId20"/>
+    <p:sldId id="277" r:id="rId11"/>
+    <p:sldId id="261" r:id="rId12"/>
+    <p:sldId id="264" r:id="rId13"/>
+    <p:sldId id="265" r:id="rId14"/>
+    <p:sldId id="266" r:id="rId15"/>
+    <p:sldId id="267" r:id="rId16"/>
+    <p:sldId id="268" r:id="rId17"/>
+    <p:sldId id="275" r:id="rId18"/>
+    <p:sldId id="276" r:id="rId19"/>
+    <p:sldId id="273" r:id="rId20"/>
+    <p:sldId id="274" r:id="rId21"/>
   </p:sldIdLst>
   <p:sldSz cx="12192000" cy="6858000"/>
   <p:notesSz cx="9926638" cy="14295438"/>
@@ -121,7 +122,18 @@
   </p:defaultTextStyle>
   <p:extLst>
     <p:ext uri="{EFAFB233-063F-42B5-8137-9DF3F51BA10A}">
-      <p15:sldGuideLst xmlns="" xmlns:p15="http://schemas.microsoft.com/office/powerpoint/2012/main"/>
+      <p15:sldGuideLst xmlns:p15="http://schemas.microsoft.com/office/powerpoint/2012/main">
+        <p15:guide id="1" orient="horz" pos="2160">
+          <p15:clr>
+            <a:srgbClr val="A4A3A4"/>
+          </p15:clr>
+        </p15:guide>
+        <p15:guide id="2" pos="3840">
+          <p15:clr>
+            <a:srgbClr val="A4A3A4"/>
+          </p15:clr>
+        </p15:guide>
+      </p15:sldGuideLst>
     </p:ext>
   </p:extLst>
 </p:presentation>
@@ -4660,13 +4672,6 @@
             </a:rPr>
             <a:t>AngularJSHomePage.js</a:t>
           </a:r>
-          <a:endParaRPr lang="en-GB" sz="1200" dirty="0" smtClean="0">
-            <a:solidFill>
-              <a:schemeClr val="bg1">
-                <a:lumMod val="50000"/>
-              </a:schemeClr>
-            </a:solidFill>
-          </a:endParaRPr>
         </a:p>
       </dgm:t>
     </dgm:pt>
@@ -4714,11 +4719,6 @@
             </a:rPr>
             <a:t>templates/</a:t>
           </a:r>
-          <a:endParaRPr lang="en-GB" sz="1200" b="1" dirty="0" smtClean="0">
-            <a:solidFill>
-              <a:schemeClr val="bg1"/>
-            </a:solidFill>
-          </a:endParaRPr>
         </a:p>
       </dgm:t>
     </dgm:pt>
@@ -4813,11 +4813,6 @@
             </a:rPr>
             <a:t>utilities/</a:t>
           </a:r>
-          <a:endParaRPr lang="en-GB" sz="1200" b="1" dirty="0" smtClean="0">
-            <a:solidFill>
-              <a:schemeClr val="bg1"/>
-            </a:solidFill>
-          </a:endParaRPr>
         </a:p>
       </dgm:t>
     </dgm:pt>
@@ -5462,10 +5457,24 @@
     <dgm:pt modelId="{DBA4CA91-E385-4850-9C79-2C53D314572F}" type="pres">
       <dgm:prSet presAssocID="{A9F767A8-41B4-407B-9C08-B566A1AC4927}" presName="conn2-1" presStyleLbl="parChTrans1D2" presStyleIdx="0" presStyleCnt="9"/>
       <dgm:spPr/>
+      <dgm:t>
+        <a:bodyPr/>
+        <a:lstStyle/>
+        <a:p>
+          <a:endParaRPr lang="en-GB"/>
+        </a:p>
+      </dgm:t>
     </dgm:pt>
     <dgm:pt modelId="{D4F042F9-7F33-48B6-BE52-18A5504D12C6}" type="pres">
       <dgm:prSet presAssocID="{A9F767A8-41B4-407B-9C08-B566A1AC4927}" presName="connTx" presStyleLbl="parChTrans1D2" presStyleIdx="0" presStyleCnt="9"/>
       <dgm:spPr/>
+      <dgm:t>
+        <a:bodyPr/>
+        <a:lstStyle/>
+        <a:p>
+          <a:endParaRPr lang="en-GB"/>
+        </a:p>
+      </dgm:t>
     </dgm:pt>
     <dgm:pt modelId="{FD0A6A39-FE12-40F2-8604-5FE4F32AD643}" type="pres">
       <dgm:prSet presAssocID="{7FDA7A2D-7937-4983-9070-9DF7C511A23B}" presName="root2" presStyleCnt="0"/>
@@ -6126,10 +6135,24 @@
     <dgm:pt modelId="{A7F4A0F6-B66F-4F00-A083-909E1F094419}" type="pres">
       <dgm:prSet presAssocID="{4199B668-0B8E-471A-A525-11E16A4D3F5F}" presName="conn2-1" presStyleLbl="parChTrans1D2" presStyleIdx="7" presStyleCnt="9"/>
       <dgm:spPr/>
+      <dgm:t>
+        <a:bodyPr/>
+        <a:lstStyle/>
+        <a:p>
+          <a:endParaRPr lang="en-GB"/>
+        </a:p>
+      </dgm:t>
     </dgm:pt>
     <dgm:pt modelId="{B7BBC026-ADB3-4877-99D8-0C780C0F6FD1}" type="pres">
       <dgm:prSet presAssocID="{4199B668-0B8E-471A-A525-11E16A4D3F5F}" presName="connTx" presStyleLbl="parChTrans1D2" presStyleIdx="7" presStyleCnt="9"/>
       <dgm:spPr/>
+      <dgm:t>
+        <a:bodyPr/>
+        <a:lstStyle/>
+        <a:p>
+          <a:endParaRPr lang="en-GB"/>
+        </a:p>
+      </dgm:t>
     </dgm:pt>
     <dgm:pt modelId="{03FEDB97-A874-4A28-AB1B-3E0E2305FCD6}" type="pres">
       <dgm:prSet presAssocID="{3FCF1F2A-FD07-43B4-B879-471F983406EE}" presName="root2" presStyleCnt="0"/>
@@ -6161,10 +6184,24 @@
     <dgm:pt modelId="{4B3D3D49-E887-48AF-8019-22CC76D161CF}" type="pres">
       <dgm:prSet presAssocID="{EE8E16E6-627C-4D07-8E02-9AE58BB63366}" presName="conn2-1" presStyleLbl="parChTrans1D3" presStyleIdx="5" presStyleCnt="9"/>
       <dgm:spPr/>
+      <dgm:t>
+        <a:bodyPr/>
+        <a:lstStyle/>
+        <a:p>
+          <a:endParaRPr lang="en-GB"/>
+        </a:p>
+      </dgm:t>
     </dgm:pt>
     <dgm:pt modelId="{32914054-5201-4F4C-84B8-D8E945DB307E}" type="pres">
       <dgm:prSet presAssocID="{EE8E16E6-627C-4D07-8E02-9AE58BB63366}" presName="connTx" presStyleLbl="parChTrans1D3" presStyleIdx="5" presStyleCnt="9"/>
       <dgm:spPr/>
+      <dgm:t>
+        <a:bodyPr/>
+        <a:lstStyle/>
+        <a:p>
+          <a:endParaRPr lang="en-GB"/>
+        </a:p>
+      </dgm:t>
     </dgm:pt>
     <dgm:pt modelId="{62738D4B-DC4A-4058-9790-93ACB645E184}" type="pres">
       <dgm:prSet presAssocID="{E8228F9F-DDFD-462E-B835-579497478985}" presName="root2" presStyleCnt="0"/>
@@ -6196,10 +6233,24 @@
     <dgm:pt modelId="{3BF25A95-3620-426F-99FE-2E8CD08A8CE4}" type="pres">
       <dgm:prSet presAssocID="{C45DF2C0-B93A-4B75-8DF1-E8BF3CD3D08A}" presName="conn2-1" presStyleLbl="parChTrans1D3" presStyleIdx="6" presStyleCnt="9"/>
       <dgm:spPr/>
+      <dgm:t>
+        <a:bodyPr/>
+        <a:lstStyle/>
+        <a:p>
+          <a:endParaRPr lang="en-GB"/>
+        </a:p>
+      </dgm:t>
     </dgm:pt>
     <dgm:pt modelId="{222FC34D-1811-47AB-857F-B0D46949E408}" type="pres">
       <dgm:prSet presAssocID="{C45DF2C0-B93A-4B75-8DF1-E8BF3CD3D08A}" presName="connTx" presStyleLbl="parChTrans1D3" presStyleIdx="6" presStyleCnt="9"/>
       <dgm:spPr/>
+      <dgm:t>
+        <a:bodyPr/>
+        <a:lstStyle/>
+        <a:p>
+          <a:endParaRPr lang="en-GB"/>
+        </a:p>
+      </dgm:t>
     </dgm:pt>
     <dgm:pt modelId="{775B7C3D-884E-4F60-815A-D626AE204BB6}" type="pres">
       <dgm:prSet presAssocID="{B6DB16EE-E97D-4862-B529-4C94EEA394AE}" presName="root2" presStyleCnt="0"/>
@@ -6231,10 +6282,24 @@
     <dgm:pt modelId="{A49807EE-F733-4759-A61F-A4B482785FC1}" type="pres">
       <dgm:prSet presAssocID="{61BB162E-D6CB-4DDB-BADD-26CF607C68D6}" presName="conn2-1" presStyleLbl="parChTrans1D4" presStyleIdx="0" presStyleCnt="3" custScaleX="2000000"/>
       <dgm:spPr/>
+      <dgm:t>
+        <a:bodyPr/>
+        <a:lstStyle/>
+        <a:p>
+          <a:endParaRPr lang="en-GB"/>
+        </a:p>
+      </dgm:t>
     </dgm:pt>
     <dgm:pt modelId="{8DE5A080-748F-4909-A22F-FFA3A21B780B}" type="pres">
       <dgm:prSet presAssocID="{61BB162E-D6CB-4DDB-BADD-26CF607C68D6}" presName="connTx" presStyleLbl="parChTrans1D4" presStyleIdx="0" presStyleCnt="3"/>
       <dgm:spPr/>
+      <dgm:t>
+        <a:bodyPr/>
+        <a:lstStyle/>
+        <a:p>
+          <a:endParaRPr lang="en-GB"/>
+        </a:p>
+      </dgm:t>
     </dgm:pt>
     <dgm:pt modelId="{F822039A-F02A-447A-B060-C8824E0E9963}" type="pres">
       <dgm:prSet presAssocID="{40F64F40-29E1-4825-8265-5C136AA57213}" presName="root2" presStyleCnt="0"/>
@@ -6266,10 +6331,24 @@
     <dgm:pt modelId="{34D49760-BA84-4BD7-B73E-D0E72C2EE2B4}" type="pres">
       <dgm:prSet presAssocID="{104B82BD-60F8-4705-9410-1A92324DD223}" presName="conn2-1" presStyleLbl="parChTrans1D4" presStyleIdx="1" presStyleCnt="3" custScaleX="2000000"/>
       <dgm:spPr/>
+      <dgm:t>
+        <a:bodyPr/>
+        <a:lstStyle/>
+        <a:p>
+          <a:endParaRPr lang="en-GB"/>
+        </a:p>
+      </dgm:t>
     </dgm:pt>
     <dgm:pt modelId="{55EF61AB-7728-4180-811E-46C0333973BB}" type="pres">
       <dgm:prSet presAssocID="{104B82BD-60F8-4705-9410-1A92324DD223}" presName="connTx" presStyleLbl="parChTrans1D4" presStyleIdx="1" presStyleCnt="3"/>
       <dgm:spPr/>
+      <dgm:t>
+        <a:bodyPr/>
+        <a:lstStyle/>
+        <a:p>
+          <a:endParaRPr lang="en-GB"/>
+        </a:p>
+      </dgm:t>
     </dgm:pt>
     <dgm:pt modelId="{755A3255-C505-410D-8712-4730D5106752}" type="pres">
       <dgm:prSet presAssocID="{50EF9952-B732-439E-8DB0-E39A7B77AE06}" presName="root2" presStyleCnt="0"/>
@@ -6301,10 +6380,24 @@
     <dgm:pt modelId="{C4A6E93C-56E8-4190-8124-02E9A0682B32}" type="pres">
       <dgm:prSet presAssocID="{2C008328-FD85-4AE4-91F1-9A943B010F73}" presName="conn2-1" presStyleLbl="parChTrans1D2" presStyleIdx="8" presStyleCnt="9"/>
       <dgm:spPr/>
+      <dgm:t>
+        <a:bodyPr/>
+        <a:lstStyle/>
+        <a:p>
+          <a:endParaRPr lang="en-GB"/>
+        </a:p>
+      </dgm:t>
     </dgm:pt>
     <dgm:pt modelId="{9F597C50-5DB0-4EA6-8A48-7C5118307BF2}" type="pres">
       <dgm:prSet presAssocID="{2C008328-FD85-4AE4-91F1-9A943B010F73}" presName="connTx" presStyleLbl="parChTrans1D2" presStyleIdx="8" presStyleCnt="9"/>
       <dgm:spPr/>
+      <dgm:t>
+        <a:bodyPr/>
+        <a:lstStyle/>
+        <a:p>
+          <a:endParaRPr lang="en-GB"/>
+        </a:p>
+      </dgm:t>
     </dgm:pt>
     <dgm:pt modelId="{F6C3382D-2B81-4200-826E-5550AB31B568}" type="pres">
       <dgm:prSet presAssocID="{93A3A072-C16A-406C-99B9-CD23953D5599}" presName="root2" presStyleCnt="0"/>
@@ -6332,10 +6425,24 @@
     <dgm:pt modelId="{78750218-D6E4-46CD-BE1C-A851C3C97E92}" type="pres">
       <dgm:prSet presAssocID="{7ADFD6C0-7688-4607-A280-C83802679844}" presName="conn2-1" presStyleLbl="parChTrans1D3" presStyleIdx="7" presStyleCnt="9"/>
       <dgm:spPr/>
+      <dgm:t>
+        <a:bodyPr/>
+        <a:lstStyle/>
+        <a:p>
+          <a:endParaRPr lang="en-GB"/>
+        </a:p>
+      </dgm:t>
     </dgm:pt>
     <dgm:pt modelId="{247F949D-0480-4157-8AF0-B64093454D6E}" type="pres">
       <dgm:prSet presAssocID="{7ADFD6C0-7688-4607-A280-C83802679844}" presName="connTx" presStyleLbl="parChTrans1D3" presStyleIdx="7" presStyleCnt="9"/>
       <dgm:spPr/>
+      <dgm:t>
+        <a:bodyPr/>
+        <a:lstStyle/>
+        <a:p>
+          <a:endParaRPr lang="en-GB"/>
+        </a:p>
+      </dgm:t>
     </dgm:pt>
     <dgm:pt modelId="{B29FA774-BF68-4374-A1DD-B110AFDF2ECC}" type="pres">
       <dgm:prSet presAssocID="{F6582A67-A139-4B74-A2EA-21A1C864407F}" presName="root2" presStyleCnt="0"/>
@@ -6367,10 +6474,24 @@
     <dgm:pt modelId="{DC3EC34F-D3D6-47D6-9614-ACE62C55A5F1}" type="pres">
       <dgm:prSet presAssocID="{C3E03338-09AD-4F62-BBB1-D19C1FC1696F}" presName="conn2-1" presStyleLbl="parChTrans1D3" presStyleIdx="8" presStyleCnt="9" custScaleX="2000000"/>
       <dgm:spPr/>
+      <dgm:t>
+        <a:bodyPr/>
+        <a:lstStyle/>
+        <a:p>
+          <a:endParaRPr lang="en-GB"/>
+        </a:p>
+      </dgm:t>
     </dgm:pt>
     <dgm:pt modelId="{0D9D7F72-FB67-4937-BC7E-AB386D785450}" type="pres">
       <dgm:prSet presAssocID="{C3E03338-09AD-4F62-BBB1-D19C1FC1696F}" presName="connTx" presStyleLbl="parChTrans1D3" presStyleIdx="8" presStyleCnt="9"/>
       <dgm:spPr/>
+      <dgm:t>
+        <a:bodyPr/>
+        <a:lstStyle/>
+        <a:p>
+          <a:endParaRPr lang="en-GB"/>
+        </a:p>
+      </dgm:t>
     </dgm:pt>
     <dgm:pt modelId="{82C5C202-24F4-477D-B480-FC4862943F27}" type="pres">
       <dgm:prSet presAssocID="{89F05746-7530-4AC5-8136-A9C4E5576ED2}" presName="root2" presStyleCnt="0"/>
@@ -6402,10 +6523,24 @@
     <dgm:pt modelId="{AE193854-5DD4-461D-8B56-86C5F0C4F7E1}" type="pres">
       <dgm:prSet presAssocID="{019FEC18-91AB-4546-8C6D-7D5C8CE8B8CE}" presName="conn2-1" presStyleLbl="parChTrans1D4" presStyleIdx="2" presStyleCnt="3" custScaleX="2000000"/>
       <dgm:spPr/>
+      <dgm:t>
+        <a:bodyPr/>
+        <a:lstStyle/>
+        <a:p>
+          <a:endParaRPr lang="en-GB"/>
+        </a:p>
+      </dgm:t>
     </dgm:pt>
     <dgm:pt modelId="{E404A033-74EF-4246-BC47-F72448528B01}" type="pres">
       <dgm:prSet presAssocID="{019FEC18-91AB-4546-8C6D-7D5C8CE8B8CE}" presName="connTx" presStyleLbl="parChTrans1D4" presStyleIdx="2" presStyleCnt="3"/>
       <dgm:spPr/>
+      <dgm:t>
+        <a:bodyPr/>
+        <a:lstStyle/>
+        <a:p>
+          <a:endParaRPr lang="en-GB"/>
+        </a:p>
+      </dgm:t>
     </dgm:pt>
     <dgm:pt modelId="{06EAC2CE-3ACC-4EC7-9AF2-76D894C8E624}" type="pres">
       <dgm:prSet presAssocID="{81C85202-6A35-4EAB-9B10-2FB4EFE2B5C1}" presName="root2" presStyleCnt="0"/>
@@ -6436,93 +6571,93 @@
     </dgm:pt>
   </dgm:ptLst>
   <dgm:cxnLst>
+    <dgm:cxn modelId="{85EB802E-2D8E-41AE-AE5A-F93FA7F3A4C5}" type="presOf" srcId="{1827863C-95DB-45C4-8D42-0D85AC7DB1F9}" destId="{983E0EB7-A579-4F15-934C-D56985D0E97D}" srcOrd="0" destOrd="0" presId="urn:microsoft.com/office/officeart/2008/layout/HorizontalMultiLevelHierarchy"/>
+    <dgm:cxn modelId="{B2657C5F-9945-46FB-9C62-05E5E0A7F67C}" srcId="{54B13330-F421-42C5-AA70-1A17008674B8}" destId="{0E592EFC-EC4B-49B2-8762-E878CD593E3A}" srcOrd="6" destOrd="0" parTransId="{7F70E8A9-9CDB-4BE3-97A0-A547CB509FBF}" sibTransId="{AB8BD533-E981-4ACF-81AF-C006C75E7DB4}"/>
+    <dgm:cxn modelId="{1D5BF787-6DEA-434D-81AB-BA2AE2042859}" type="presOf" srcId="{4199B668-0B8E-471A-A525-11E16A4D3F5F}" destId="{B7BBC026-ADB3-4877-99D8-0C780C0F6FD1}" srcOrd="1" destOrd="0" presId="urn:microsoft.com/office/officeart/2008/layout/HorizontalMultiLevelHierarchy"/>
+    <dgm:cxn modelId="{2F46BB57-B63A-47E8-912C-40E97CA1466C}" type="presOf" srcId="{0E592EFC-EC4B-49B2-8762-E878CD593E3A}" destId="{008AA575-C7EE-481F-8E5A-70B498B23351}" srcOrd="0" destOrd="0" presId="urn:microsoft.com/office/officeart/2008/layout/HorizontalMultiLevelHierarchy"/>
+    <dgm:cxn modelId="{336EC260-D909-4B6D-9955-970D0A80F35E}" type="presOf" srcId="{A9F767A8-41B4-407B-9C08-B566A1AC4927}" destId="{DBA4CA91-E385-4850-9C79-2C53D314572F}" srcOrd="0" destOrd="0" presId="urn:microsoft.com/office/officeart/2008/layout/HorizontalMultiLevelHierarchy"/>
+    <dgm:cxn modelId="{0626B16C-A45B-4316-B4BE-E1B73945DEFC}" type="presOf" srcId="{D405E58C-0BFF-479D-9ABA-FB5264CAF22D}" destId="{7FFA155F-0FA2-4989-8D7F-60AF2E6F04E5}" srcOrd="0" destOrd="0" presId="urn:microsoft.com/office/officeart/2008/layout/HorizontalMultiLevelHierarchy"/>
+    <dgm:cxn modelId="{2BBD69F0-F90F-40DE-8822-A81B62ECC357}" type="presOf" srcId="{019FEC18-91AB-4546-8C6D-7D5C8CE8B8CE}" destId="{E404A033-74EF-4246-BC47-F72448528B01}" srcOrd="1" destOrd="0" presId="urn:microsoft.com/office/officeart/2008/layout/HorizontalMultiLevelHierarchy"/>
+    <dgm:cxn modelId="{C40F9D2D-94C3-4608-B645-36A30087636E}" srcId="{B6DB16EE-E97D-4862-B529-4C94EEA394AE}" destId="{50EF9952-B732-439E-8DB0-E39A7B77AE06}" srcOrd="1" destOrd="0" parTransId="{104B82BD-60F8-4705-9410-1A92324DD223}" sibTransId="{B9C578C1-2734-44A9-BD5B-96FCECB75FDB}"/>
+    <dgm:cxn modelId="{9B7F168C-F090-4607-BE27-4CE334AA798C}" type="presOf" srcId="{950E381D-ED7E-4D83-A4B8-8568AB6025F9}" destId="{57C8A3E4-7C9A-43C4-9524-3ECCF2EC63A7}" srcOrd="0" destOrd="0" presId="urn:microsoft.com/office/officeart/2008/layout/HorizontalMultiLevelHierarchy"/>
+    <dgm:cxn modelId="{727ABCE2-8E4B-4A49-BB27-1E36A2EBD394}" srcId="{54B13330-F421-42C5-AA70-1A17008674B8}" destId="{8AEEA6EE-B10B-493B-AC72-ABCB89445B81}" srcOrd="4" destOrd="0" parTransId="{ECB0ED73-865F-4932-9831-3E4B37074419}" sibTransId="{DF4AEA0E-8521-4B97-997D-E1258734E68D}"/>
+    <dgm:cxn modelId="{DADDC4CB-6CFB-4DF1-A1CA-A77318E03DAE}" type="presOf" srcId="{950E381D-ED7E-4D83-A4B8-8568AB6025F9}" destId="{09D12B51-B6C7-4DC6-B49C-FFFA5368F147}" srcOrd="1" destOrd="0" presId="urn:microsoft.com/office/officeart/2008/layout/HorizontalMultiLevelHierarchy"/>
+    <dgm:cxn modelId="{BD64F324-2A4E-4488-9708-E0431AEFBD07}" type="presOf" srcId="{104B82BD-60F8-4705-9410-1A92324DD223}" destId="{55EF61AB-7728-4180-811E-46C0333973BB}" srcOrd="1" destOrd="0" presId="urn:microsoft.com/office/officeart/2008/layout/HorizontalMultiLevelHierarchy"/>
+    <dgm:cxn modelId="{4500107C-880E-4960-8F24-F7A8C502969A}" srcId="{8AEEA6EE-B10B-493B-AC72-ABCB89445B81}" destId="{D405E58C-0BFF-479D-9ABA-FB5264CAF22D}" srcOrd="0" destOrd="0" parTransId="{1F72B363-B160-4A80-A6C8-370EDD94B4CF}" sibTransId="{ED46DFF8-ADE0-40BB-818A-3E8B74A47F42}"/>
+    <dgm:cxn modelId="{3EFC3675-D156-43A2-839F-CB18D5F1EB04}" type="presOf" srcId="{ECB0ED73-865F-4932-9831-3E4B37074419}" destId="{8AE0D171-6F72-469E-B5C6-F9E7C296DEDB}" srcOrd="0" destOrd="0" presId="urn:microsoft.com/office/officeart/2008/layout/HorizontalMultiLevelHierarchy"/>
+    <dgm:cxn modelId="{2420A103-3CAA-4B4E-9261-B72D59032D8E}" type="presOf" srcId="{4199B668-0B8E-471A-A525-11E16A4D3F5F}" destId="{A7F4A0F6-B66F-4F00-A083-909E1F094419}" srcOrd="0" destOrd="0" presId="urn:microsoft.com/office/officeart/2008/layout/HorizontalMultiLevelHierarchy"/>
+    <dgm:cxn modelId="{3B3405C1-29AA-4E9E-8112-82800D63BEED}" type="presOf" srcId="{2C008328-FD85-4AE4-91F1-9A943B010F73}" destId="{9F597C50-5DB0-4EA6-8A48-7C5118307BF2}" srcOrd="1" destOrd="0" presId="urn:microsoft.com/office/officeart/2008/layout/HorizontalMultiLevelHierarchy"/>
+    <dgm:cxn modelId="{2E47288E-F14E-4D39-966F-1121F2437986}" type="presOf" srcId="{1F72B363-B160-4A80-A6C8-370EDD94B4CF}" destId="{82E38931-4962-40FE-9F98-C9CB41EA7B26}" srcOrd="1" destOrd="0" presId="urn:microsoft.com/office/officeart/2008/layout/HorizontalMultiLevelHierarchy"/>
+    <dgm:cxn modelId="{2270BEC3-F788-49FA-B7B0-48957961EC9C}" type="presOf" srcId="{40F64F40-29E1-4825-8265-5C136AA57213}" destId="{D474315A-A521-493F-8025-B9C26A01D152}" srcOrd="0" destOrd="0" presId="urn:microsoft.com/office/officeart/2008/layout/HorizontalMultiLevelHierarchy"/>
     <dgm:cxn modelId="{C6EED5D4-1573-46D8-B3AE-C5C0142ADC4F}" type="presOf" srcId="{84C27BA7-C52C-4E4A-AC03-08EB641A07C9}" destId="{3296692A-1800-409F-B58C-374559757FCB}" srcOrd="1" destOrd="0" presId="urn:microsoft.com/office/officeart/2008/layout/HorizontalMultiLevelHierarchy"/>
+    <dgm:cxn modelId="{9FCF22C4-5F88-4F80-B49A-B104D588CE43}" srcId="{54B13330-F421-42C5-AA70-1A17008674B8}" destId="{1156188F-2B8C-4396-9898-051C2329E1C5}" srcOrd="2" destOrd="0" parTransId="{303742BD-6784-441F-93B8-679D96BEDC3D}" sibTransId="{8DDB81A5-8CA1-4913-9826-078D259DDE78}"/>
+    <dgm:cxn modelId="{7E10CFD1-7719-46DC-90DC-81E1BDA365CC}" srcId="{54B13330-F421-42C5-AA70-1A17008674B8}" destId="{3FCF1F2A-FD07-43B4-B879-471F983406EE}" srcOrd="7" destOrd="0" parTransId="{4199B668-0B8E-471A-A525-11E16A4D3F5F}" sibTransId="{EA8FB4D2-D8D8-4EE0-9A23-99462835D0E9}"/>
     <dgm:cxn modelId="{B6A2F386-AE30-419B-9457-DC0684A6611E}" type="presOf" srcId="{C6606349-5672-442E-A5B1-3B6EC2A628D0}" destId="{B22B7B04-0F48-48E1-ABEE-8E9989B97F5A}" srcOrd="1" destOrd="0" presId="urn:microsoft.com/office/officeart/2008/layout/HorizontalMultiLevelHierarchy"/>
+    <dgm:cxn modelId="{B79F9C6B-CDF6-4D5B-BE7C-16BA4B50C93A}" type="presOf" srcId="{89F05746-7530-4AC5-8136-A9C4E5576ED2}" destId="{DB0AC17B-B174-4DA2-8E4D-0D7D3240691F}" srcOrd="0" destOrd="0" presId="urn:microsoft.com/office/officeart/2008/layout/HorizontalMultiLevelHierarchy"/>
+    <dgm:cxn modelId="{DD07FE90-E2EE-4717-9401-92752E969759}" type="presOf" srcId="{50EF9952-B732-439E-8DB0-E39A7B77AE06}" destId="{04483C0E-574D-4496-AC9A-2B671985B453}" srcOrd="0" destOrd="0" presId="urn:microsoft.com/office/officeart/2008/layout/HorizontalMultiLevelHierarchy"/>
+    <dgm:cxn modelId="{F67B2359-7437-461E-B432-7F8579E5F53F}" type="presOf" srcId="{C45DF2C0-B93A-4B75-8DF1-E8BF3CD3D08A}" destId="{3BF25A95-3620-426F-99FE-2E8CD08A8CE4}" srcOrd="0" destOrd="0" presId="urn:microsoft.com/office/officeart/2008/layout/HorizontalMultiLevelHierarchy"/>
+    <dgm:cxn modelId="{7DB828BC-5981-487C-8C13-7DCA1901C223}" srcId="{54B13330-F421-42C5-AA70-1A17008674B8}" destId="{93A3A072-C16A-406C-99B9-CD23953D5599}" srcOrd="8" destOrd="0" parTransId="{2C008328-FD85-4AE4-91F1-9A943B010F73}" sibTransId="{B78B0FDA-9C64-4149-A9EC-AAE291A09890}"/>
+    <dgm:cxn modelId="{E5BD989F-08FD-4615-8328-32B9A67FC8EC}" type="presOf" srcId="{81C85202-6A35-4EAB-9B10-2FB4EFE2B5C1}" destId="{E18A34BE-33AC-43AF-85AE-018BFC2FFD84}" srcOrd="0" destOrd="0" presId="urn:microsoft.com/office/officeart/2008/layout/HorizontalMultiLevelHierarchy"/>
+    <dgm:cxn modelId="{3C74D69B-D05C-4215-8E2F-2BEB01D5C233}" type="presOf" srcId="{B5A78A89-EE21-443A-AD88-636D47ABC153}" destId="{35A4DAB7-D9B6-4AE1-885E-5EF0DCB1A387}" srcOrd="0" destOrd="0" presId="urn:microsoft.com/office/officeart/2008/layout/HorizontalMultiLevelHierarchy"/>
+    <dgm:cxn modelId="{EC41F3F4-B2F8-4FA7-8FA8-35D6D5BCBCD5}" type="presOf" srcId="{61BB162E-D6CB-4DDB-BADD-26CF607C68D6}" destId="{8DE5A080-748F-4909-A22F-FFA3A21B780B}" srcOrd="1" destOrd="0" presId="urn:microsoft.com/office/officeart/2008/layout/HorizontalMultiLevelHierarchy"/>
+    <dgm:cxn modelId="{217B51BA-3BA4-4AE6-84DA-6EB1B9047874}" type="presOf" srcId="{B9813F5B-48F3-4EF5-BC3B-B4D57540B159}" destId="{7659A773-C789-41EE-A0CA-AE19E2F1CC90}" srcOrd="0" destOrd="0" presId="urn:microsoft.com/office/officeart/2008/layout/HorizontalMultiLevelHierarchy"/>
+    <dgm:cxn modelId="{C7579C7E-1CA1-4778-BF13-BF440499F383}" srcId="{3FCF1F2A-FD07-43B4-B879-471F983406EE}" destId="{B6DB16EE-E97D-4862-B529-4C94EEA394AE}" srcOrd="1" destOrd="0" parTransId="{C45DF2C0-B93A-4B75-8DF1-E8BF3CD3D08A}" sibTransId="{C85F78CD-1AC7-4BDE-9B09-9D0460E780B2}"/>
+    <dgm:cxn modelId="{A8810A86-D921-4788-A354-57356BDD7207}" type="presOf" srcId="{303742BD-6784-441F-93B8-679D96BEDC3D}" destId="{771C85E9-EA07-4D9D-82E2-641FCFAA20BC}" srcOrd="1" destOrd="0" presId="urn:microsoft.com/office/officeart/2008/layout/HorizontalMultiLevelHierarchy"/>
+    <dgm:cxn modelId="{3BB54C0C-CB97-4247-9CB2-DA4F1E36A4EB}" srcId="{B6DB16EE-E97D-4862-B529-4C94EEA394AE}" destId="{40F64F40-29E1-4825-8265-5C136AA57213}" srcOrd="0" destOrd="0" parTransId="{61BB162E-D6CB-4DDB-BADD-26CF607C68D6}" sibTransId="{6A804942-E506-43B5-957B-76F300DA784E}"/>
+    <dgm:cxn modelId="{98DC0F83-96C8-4F25-8E25-844CA943558C}" type="presOf" srcId="{7ADFD6C0-7688-4607-A280-C83802679844}" destId="{78750218-D6E4-46CD-BE1C-A851C3C97E92}" srcOrd="0" destOrd="0" presId="urn:microsoft.com/office/officeart/2008/layout/HorizontalMultiLevelHierarchy"/>
+    <dgm:cxn modelId="{D8EBAA90-EB16-40BE-B2CB-78D894AFB956}" srcId="{54B13330-F421-42C5-AA70-1A17008674B8}" destId="{A4ADDFF1-7882-423C-AA64-6F9186D451D8}" srcOrd="3" destOrd="0" parTransId="{950E381D-ED7E-4D83-A4B8-8568AB6025F9}" sibTransId="{705E98B6-93FA-4737-877F-575788DFD423}"/>
+    <dgm:cxn modelId="{AF9E6DE0-2607-4235-9FA6-E242C3E16179}" srcId="{2D211BC0-FFE3-4E0A-AB82-1D796DFD4AF7}" destId="{1827863C-95DB-45C4-8D42-0D85AC7DB1F9}" srcOrd="0" destOrd="0" parTransId="{C6606349-5672-442E-A5B1-3B6EC2A628D0}" sibTransId="{1BF275A3-99EF-4F2B-B786-745EA761BCA8}"/>
+    <dgm:cxn modelId="{5AA6F1C7-CA5A-4B76-9B69-AEE689EF0ED8}" type="presOf" srcId="{1AD49B2B-CE49-4482-99A1-C3A65402D993}" destId="{7F012391-3332-4BCA-873A-034FD03600FE}" srcOrd="0" destOrd="0" presId="urn:microsoft.com/office/officeart/2008/layout/HorizontalMultiLevelHierarchy"/>
+    <dgm:cxn modelId="{8389D00D-AD82-4E2D-8423-764E5FEB7066}" srcId="{93A3A072-C16A-406C-99B9-CD23953D5599}" destId="{F6582A67-A139-4B74-A2EA-21A1C864407F}" srcOrd="0" destOrd="0" parTransId="{7ADFD6C0-7688-4607-A280-C83802679844}" sibTransId="{2770CE1B-680D-4E59-9ECF-945B95007EEA}"/>
+    <dgm:cxn modelId="{42CDE7AC-43A0-4734-B59D-9706AAC4E666}" type="presOf" srcId="{B6B8F82E-09CD-4F01-834B-E97FC90C517D}" destId="{31066EA5-3788-412A-8DFC-F65B6009BADF}" srcOrd="0" destOrd="0" presId="urn:microsoft.com/office/officeart/2008/layout/HorizontalMultiLevelHierarchy"/>
+    <dgm:cxn modelId="{E54E5D22-EEB8-4607-BF64-0E0260720E18}" type="presOf" srcId="{04CB74A5-873C-4FFA-8B5E-52E083C039A1}" destId="{48A74B45-5CE6-4774-8729-4169037FAAEA}" srcOrd="0" destOrd="0" presId="urn:microsoft.com/office/officeart/2008/layout/HorizontalMultiLevelHierarchy"/>
+    <dgm:cxn modelId="{110135BA-0F0D-4CD3-B5DA-EA94FE542B31}" type="presOf" srcId="{303742BD-6784-441F-93B8-679D96BEDC3D}" destId="{713DFD89-4B6B-47B2-8203-544899CE5C74}" srcOrd="0" destOrd="0" presId="urn:microsoft.com/office/officeart/2008/layout/HorizontalMultiLevelHierarchy"/>
+    <dgm:cxn modelId="{FF90B160-07B9-41BB-912D-80F500DB4902}" type="presOf" srcId="{1AD49B2B-CE49-4482-99A1-C3A65402D993}" destId="{8F67BFA0-5899-4F66-988A-B943E15B2679}" srcOrd="1" destOrd="0" presId="urn:microsoft.com/office/officeart/2008/layout/HorizontalMultiLevelHierarchy"/>
+    <dgm:cxn modelId="{A57252B8-FC8F-427F-9145-6C09096CF479}" type="presOf" srcId="{C45DF2C0-B93A-4B75-8DF1-E8BF3CD3D08A}" destId="{222FC34D-1811-47AB-857F-B0D46949E408}" srcOrd="1" destOrd="0" presId="urn:microsoft.com/office/officeart/2008/layout/HorizontalMultiLevelHierarchy"/>
+    <dgm:cxn modelId="{EEF119B3-AEE3-4AB3-B4D0-8E4CEB881A28}" type="presOf" srcId="{7ADFD6C0-7688-4607-A280-C83802679844}" destId="{247F949D-0480-4157-8AF0-B64093454D6E}" srcOrd="1" destOrd="0" presId="urn:microsoft.com/office/officeart/2008/layout/HorizontalMultiLevelHierarchy"/>
+    <dgm:cxn modelId="{EB17667E-7268-41BC-AB39-B42DD3D08F27}" type="presOf" srcId="{7FDA7A2D-7937-4983-9070-9DF7C511A23B}" destId="{6FF0C949-3F9D-4789-AC90-F1566F9E4506}" srcOrd="0" destOrd="0" presId="urn:microsoft.com/office/officeart/2008/layout/HorizontalMultiLevelHierarchy"/>
+    <dgm:cxn modelId="{2146700B-9EF8-459B-9E62-661C12D25D05}" type="presOf" srcId="{54B13330-F421-42C5-AA70-1A17008674B8}" destId="{B325A06F-D7AF-48D6-A433-D30945A84C4F}" srcOrd="0" destOrd="0" presId="urn:microsoft.com/office/officeart/2008/layout/HorizontalMultiLevelHierarchy"/>
+    <dgm:cxn modelId="{5AF3FF2E-8573-403E-9A60-131B8F79DA30}" type="presOf" srcId="{2F5FAEFE-1EA9-41CB-9537-E3948DA75E82}" destId="{E50C2439-5302-4073-A4A6-DD0B3CA2D779}" srcOrd="0" destOrd="0" presId="urn:microsoft.com/office/officeart/2008/layout/HorizontalMultiLevelHierarchy"/>
+    <dgm:cxn modelId="{35191DF8-AF5C-422A-8CFC-1B7CDE1EA2A5}" type="presOf" srcId="{0345B78C-878B-4902-8084-0AE80E9CF16A}" destId="{A72DC1AD-4E9F-4886-B3BA-14E3602FFE3E}" srcOrd="1" destOrd="0" presId="urn:microsoft.com/office/officeart/2008/layout/HorizontalMultiLevelHierarchy"/>
+    <dgm:cxn modelId="{FE6113A4-B654-4594-A766-68198F02DB5A}" type="presOf" srcId="{61BB162E-D6CB-4DDB-BADD-26CF607C68D6}" destId="{A49807EE-F733-4759-A61F-A4B482785FC1}" srcOrd="0" destOrd="0" presId="urn:microsoft.com/office/officeart/2008/layout/HorizontalMultiLevelHierarchy"/>
+    <dgm:cxn modelId="{D01336A0-1657-4FE0-AE15-040B9DB2FA3E}" type="presOf" srcId="{1156188F-2B8C-4396-9898-051C2329E1C5}" destId="{548BEBB0-D16C-432C-B6DC-C7FC389D01DC}" srcOrd="0" destOrd="0" presId="urn:microsoft.com/office/officeart/2008/layout/HorizontalMultiLevelHierarchy"/>
+    <dgm:cxn modelId="{52DFCC7F-F975-4A41-8115-431C9658E9C6}" type="presOf" srcId="{958148BA-D080-4F89-906C-07651A29ED1D}" destId="{1AEACB23-D78F-4B4D-A9E4-0DBACFC420C3}" srcOrd="0" destOrd="0" presId="urn:microsoft.com/office/officeart/2008/layout/HorizontalMultiLevelHierarchy"/>
+    <dgm:cxn modelId="{97496D86-7A7E-486E-9C50-F48287192D8A}" type="presOf" srcId="{104B82BD-60F8-4705-9410-1A92324DD223}" destId="{34D49760-BA84-4BD7-B73E-D0E72C2EE2B4}" srcOrd="0" destOrd="0" presId="urn:microsoft.com/office/officeart/2008/layout/HorizontalMultiLevelHierarchy"/>
+    <dgm:cxn modelId="{269F8ADE-3908-4D4F-ADEC-058A8AD3C532}" type="presOf" srcId="{EE8E16E6-627C-4D07-8E02-9AE58BB63366}" destId="{4B3D3D49-E887-48AF-8019-22CC76D161CF}" srcOrd="0" destOrd="0" presId="urn:microsoft.com/office/officeart/2008/layout/HorizontalMultiLevelHierarchy"/>
+    <dgm:cxn modelId="{547F4613-64F8-4988-90B3-9DDE4217EA46}" srcId="{54B13330-F421-42C5-AA70-1A17008674B8}" destId="{2D211BC0-FFE3-4E0A-AB82-1D796DFD4AF7}" srcOrd="5" destOrd="0" parTransId="{B9813F5B-48F3-4EF5-BC3B-B4D57540B159}" sibTransId="{B0B6D1A6-A7AD-4739-90D7-D41478B995FB}"/>
+    <dgm:cxn modelId="{FE6156C8-89CD-476F-8A2B-3D89A33D3F06}" type="presOf" srcId="{1F72B363-B160-4A80-A6C8-370EDD94B4CF}" destId="{0D01B59A-5FFE-4A83-B8D9-A6EDCFE2B05E}" srcOrd="0" destOrd="0" presId="urn:microsoft.com/office/officeart/2008/layout/HorizontalMultiLevelHierarchy"/>
+    <dgm:cxn modelId="{51962030-3B72-4200-8CF8-AE31AFA3C982}" srcId="{04CB74A5-873C-4FFA-8B5E-52E083C039A1}" destId="{54B13330-F421-42C5-AA70-1A17008674B8}" srcOrd="0" destOrd="0" parTransId="{EB9703AF-5954-4CCD-9613-126E35B6383E}" sibTransId="{955D7C21-EBD8-41F5-9484-C39C79E83882}"/>
+    <dgm:cxn modelId="{D4F97384-4C39-493D-A039-4A16FBEE0230}" type="presOf" srcId="{E8228F9F-DDFD-462E-B835-579497478985}" destId="{0D30C521-978A-42D4-B3BF-B04C2BC16A78}" srcOrd="0" destOrd="0" presId="urn:microsoft.com/office/officeart/2008/layout/HorizontalMultiLevelHierarchy"/>
+    <dgm:cxn modelId="{836DD4D7-01CD-46FD-B646-288588C73241}" type="presOf" srcId="{B6DB16EE-E97D-4862-B529-4C94EEA394AE}" destId="{EACEC2A6-7951-4968-AA9B-D272FA3F4B6C}" srcOrd="0" destOrd="0" presId="urn:microsoft.com/office/officeart/2008/layout/HorizontalMultiLevelHierarchy"/>
+    <dgm:cxn modelId="{DD03DAE4-CC4D-4856-AFE2-EB70BA8A9747}" srcId="{54B13330-F421-42C5-AA70-1A17008674B8}" destId="{7FDA7A2D-7937-4983-9070-9DF7C511A23B}" srcOrd="0" destOrd="0" parTransId="{A9F767A8-41B4-407B-9C08-B566A1AC4927}" sibTransId="{0912709A-4B86-49F8-876C-436586C5A322}"/>
+    <dgm:cxn modelId="{3CFD2860-1AD0-4AF0-8B15-2D01D8F153BF}" srcId="{A4ADDFF1-7882-423C-AA64-6F9186D451D8}" destId="{958148BA-D080-4F89-906C-07651A29ED1D}" srcOrd="0" destOrd="0" parTransId="{0345B78C-878B-4902-8084-0AE80E9CF16A}" sibTransId="{3FF8CE95-583A-4852-8201-EB1C191B396D}"/>
+    <dgm:cxn modelId="{FFE6C905-1C38-47D4-B413-F6DBD21F8BF5}" type="presOf" srcId="{2D211BC0-FFE3-4E0A-AB82-1D796DFD4AF7}" destId="{5E070DCA-6141-4CDC-B670-2C6E03B4A759}" srcOrd="0" destOrd="0" presId="urn:microsoft.com/office/officeart/2008/layout/HorizontalMultiLevelHierarchy"/>
+    <dgm:cxn modelId="{83E174E8-1880-4E00-A1FA-CBF0AC5C38C6}" type="presOf" srcId="{7F70E8A9-9CDB-4BE3-97A0-A547CB509FBF}" destId="{2012A195-9D04-4B40-A67C-D87382A06527}" srcOrd="1" destOrd="0" presId="urn:microsoft.com/office/officeart/2008/layout/HorizontalMultiLevelHierarchy"/>
+    <dgm:cxn modelId="{85D676D2-F30B-47F5-B432-C177F4B214F0}" srcId="{89F05746-7530-4AC5-8136-A9C4E5576ED2}" destId="{81C85202-6A35-4EAB-9B10-2FB4EFE2B5C1}" srcOrd="0" destOrd="0" parTransId="{019FEC18-91AB-4546-8C6D-7D5C8CE8B8CE}" sibTransId="{A8593AA4-04AE-4834-8D27-562720717B28}"/>
+    <dgm:cxn modelId="{5BC65BEB-1979-41D4-9310-92D47F995F5F}" srcId="{0E592EFC-EC4B-49B2-8762-E878CD593E3A}" destId="{25637585-FB37-4C6E-AE64-5D712056C643}" srcOrd="0" destOrd="0" parTransId="{84C27BA7-C52C-4E4A-AC03-08EB641A07C9}" sibTransId="{2B491D82-BC58-4B4D-B568-73EDAE69CF33}"/>
+    <dgm:cxn modelId="{BB634F35-3005-411E-813A-C14E94470567}" type="presOf" srcId="{7F70E8A9-9CDB-4BE3-97A0-A547CB509FBF}" destId="{3C9CBFC3-FB4D-43C3-9946-F80DA72775D5}" srcOrd="0" destOrd="0" presId="urn:microsoft.com/office/officeart/2008/layout/HorizontalMultiLevelHierarchy"/>
+    <dgm:cxn modelId="{D5E259EA-B18E-4E73-9B37-0EFB60751D34}" type="presOf" srcId="{0345B78C-878B-4902-8084-0AE80E9CF16A}" destId="{F2BF9794-4818-4C17-B71E-F6D2CFB4B961}" srcOrd="0" destOrd="0" presId="urn:microsoft.com/office/officeart/2008/layout/HorizontalMultiLevelHierarchy"/>
+    <dgm:cxn modelId="{8A07770C-6F2D-4766-A544-AD8D32EED84C}" type="presOf" srcId="{84C27BA7-C52C-4E4A-AC03-08EB641A07C9}" destId="{6A0827AD-C4ED-47CF-9A76-9E8009271F53}" srcOrd="0" destOrd="0" presId="urn:microsoft.com/office/officeart/2008/layout/HorizontalMultiLevelHierarchy"/>
     <dgm:cxn modelId="{B3F183A0-1DD1-4E52-BD14-7496374D285A}" type="presOf" srcId="{8AEEA6EE-B10B-493B-AC72-ABCB89445B81}" destId="{0A31862F-7E3F-46A2-99D4-B96370DB3536}" srcOrd="0" destOrd="0" presId="urn:microsoft.com/office/officeart/2008/layout/HorizontalMultiLevelHierarchy"/>
-    <dgm:cxn modelId="{2146700B-9EF8-459B-9E62-661C12D25D05}" type="presOf" srcId="{54B13330-F421-42C5-AA70-1A17008674B8}" destId="{B325A06F-D7AF-48D6-A433-D30945A84C4F}" srcOrd="0" destOrd="0" presId="urn:microsoft.com/office/officeart/2008/layout/HorizontalMultiLevelHierarchy"/>
-    <dgm:cxn modelId="{FF90B160-07B9-41BB-912D-80F500DB4902}" type="presOf" srcId="{1AD49B2B-CE49-4482-99A1-C3A65402D993}" destId="{8F67BFA0-5899-4F66-988A-B943E15B2679}" srcOrd="1" destOrd="0" presId="urn:microsoft.com/office/officeart/2008/layout/HorizontalMultiLevelHierarchy"/>
-    <dgm:cxn modelId="{9FCF22C4-5F88-4F80-B49A-B104D588CE43}" srcId="{54B13330-F421-42C5-AA70-1A17008674B8}" destId="{1156188F-2B8C-4396-9898-051C2329E1C5}" srcOrd="2" destOrd="0" parTransId="{303742BD-6784-441F-93B8-679D96BEDC3D}" sibTransId="{8DDB81A5-8CA1-4913-9826-078D259DDE78}"/>
-    <dgm:cxn modelId="{4500107C-880E-4960-8F24-F7A8C502969A}" srcId="{8AEEA6EE-B10B-493B-AC72-ABCB89445B81}" destId="{D405E58C-0BFF-479D-9ABA-FB5264CAF22D}" srcOrd="0" destOrd="0" parTransId="{1F72B363-B160-4A80-A6C8-370EDD94B4CF}" sibTransId="{ED46DFF8-ADE0-40BB-818A-3E8B74A47F42}"/>
-    <dgm:cxn modelId="{CDEA4F60-1ECB-4B58-94C0-2D1FD64310E9}" type="presOf" srcId="{ECB0ED73-865F-4932-9831-3E4B37074419}" destId="{94E6744A-2397-490C-9C52-22C4C5813703}" srcOrd="1" destOrd="0" presId="urn:microsoft.com/office/officeart/2008/layout/HorizontalMultiLevelHierarchy"/>
-    <dgm:cxn modelId="{85D676D2-F30B-47F5-B432-C177F4B214F0}" srcId="{89F05746-7530-4AC5-8136-A9C4E5576ED2}" destId="{81C85202-6A35-4EAB-9B10-2FB4EFE2B5C1}" srcOrd="0" destOrd="0" parTransId="{019FEC18-91AB-4546-8C6D-7D5C8CE8B8CE}" sibTransId="{A8593AA4-04AE-4834-8D27-562720717B28}"/>
-    <dgm:cxn modelId="{D8EBAA90-EB16-40BE-B2CB-78D894AFB956}" srcId="{54B13330-F421-42C5-AA70-1A17008674B8}" destId="{A4ADDFF1-7882-423C-AA64-6F9186D451D8}" srcOrd="3" destOrd="0" parTransId="{950E381D-ED7E-4D83-A4B8-8568AB6025F9}" sibTransId="{705E98B6-93FA-4737-877F-575788DFD423}"/>
-    <dgm:cxn modelId="{7E10CFD1-7719-46DC-90DC-81E1BDA365CC}" srcId="{54B13330-F421-42C5-AA70-1A17008674B8}" destId="{3FCF1F2A-FD07-43B4-B879-471F983406EE}" srcOrd="7" destOrd="0" parTransId="{4199B668-0B8E-471A-A525-11E16A4D3F5F}" sibTransId="{EA8FB4D2-D8D8-4EE0-9A23-99462835D0E9}"/>
-    <dgm:cxn modelId="{DD03DAE4-CC4D-4856-AFE2-EB70BA8A9747}" srcId="{54B13330-F421-42C5-AA70-1A17008674B8}" destId="{7FDA7A2D-7937-4983-9070-9DF7C511A23B}" srcOrd="0" destOrd="0" parTransId="{A9F767A8-41B4-407B-9C08-B566A1AC4927}" sibTransId="{0912709A-4B86-49F8-876C-436586C5A322}"/>
-    <dgm:cxn modelId="{6A475175-6A17-43AE-89EC-2B81FCD980C1}" type="presOf" srcId="{B5A78A89-EE21-443A-AD88-636D47ABC153}" destId="{F688013D-F0BE-46BB-B736-4D8ADB403A7C}" srcOrd="1" destOrd="0" presId="urn:microsoft.com/office/officeart/2008/layout/HorizontalMultiLevelHierarchy"/>
-    <dgm:cxn modelId="{DD07FE90-E2EE-4717-9401-92752E969759}" type="presOf" srcId="{50EF9952-B732-439E-8DB0-E39A7B77AE06}" destId="{04483C0E-574D-4496-AC9A-2B671985B453}" srcOrd="0" destOrd="0" presId="urn:microsoft.com/office/officeart/2008/layout/HorizontalMultiLevelHierarchy"/>
-    <dgm:cxn modelId="{D5E259EA-B18E-4E73-9B37-0EFB60751D34}" type="presOf" srcId="{0345B78C-878B-4902-8084-0AE80E9CF16A}" destId="{F2BF9794-4818-4C17-B71E-F6D2CFB4B961}" srcOrd="0" destOrd="0" presId="urn:microsoft.com/office/officeart/2008/layout/HorizontalMultiLevelHierarchy"/>
-    <dgm:cxn modelId="{B83FE361-A56C-4019-9A4A-3121F0446361}" type="presOf" srcId="{019FEC18-91AB-4546-8C6D-7D5C8CE8B8CE}" destId="{AE193854-5DD4-461D-8B56-86C5F0C4F7E1}" srcOrd="0" destOrd="0" presId="urn:microsoft.com/office/officeart/2008/layout/HorizontalMultiLevelHierarchy"/>
-    <dgm:cxn modelId="{82F75153-343B-4284-8D2E-95D54D3B8513}" type="presOf" srcId="{93A3A072-C16A-406C-99B9-CD23953D5599}" destId="{5F123EE8-D741-4D3A-A784-DC8C926059E5}" srcOrd="0" destOrd="0" presId="urn:microsoft.com/office/officeart/2008/layout/HorizontalMultiLevelHierarchy"/>
-    <dgm:cxn modelId="{AF9E6DE0-2607-4235-9FA6-E242C3E16179}" srcId="{2D211BC0-FFE3-4E0A-AB82-1D796DFD4AF7}" destId="{1827863C-95DB-45C4-8D42-0D85AC7DB1F9}" srcOrd="0" destOrd="0" parTransId="{C6606349-5672-442E-A5B1-3B6EC2A628D0}" sibTransId="{1BF275A3-99EF-4F2B-B786-745EA761BCA8}"/>
-    <dgm:cxn modelId="{269F8ADE-3908-4D4F-ADEC-058A8AD3C532}" type="presOf" srcId="{EE8E16E6-627C-4D07-8E02-9AE58BB63366}" destId="{4B3D3D49-E887-48AF-8019-22CC76D161CF}" srcOrd="0" destOrd="0" presId="urn:microsoft.com/office/officeart/2008/layout/HorizontalMultiLevelHierarchy"/>
-    <dgm:cxn modelId="{A6EAAE6B-7058-4F36-A9BE-0117E9B574D0}" type="presOf" srcId="{C6606349-5672-442E-A5B1-3B6EC2A628D0}" destId="{05F44D56-B815-42FF-A0CE-47047ADBDAD2}" srcOrd="0" destOrd="0" presId="urn:microsoft.com/office/officeart/2008/layout/HorizontalMultiLevelHierarchy"/>
-    <dgm:cxn modelId="{3BB54C0C-CB97-4247-9CB2-DA4F1E36A4EB}" srcId="{B6DB16EE-E97D-4862-B529-4C94EEA394AE}" destId="{40F64F40-29E1-4825-8265-5C136AA57213}" srcOrd="0" destOrd="0" parTransId="{61BB162E-D6CB-4DDB-BADD-26CF607C68D6}" sibTransId="{6A804942-E506-43B5-957B-76F300DA784E}"/>
-    <dgm:cxn modelId="{2420A103-3CAA-4B4E-9261-B72D59032D8E}" type="presOf" srcId="{4199B668-0B8E-471A-A525-11E16A4D3F5F}" destId="{A7F4A0F6-B66F-4F00-A083-909E1F094419}" srcOrd="0" destOrd="0" presId="urn:microsoft.com/office/officeart/2008/layout/HorizontalMultiLevelHierarchy"/>
-    <dgm:cxn modelId="{83E174E8-1880-4E00-A1FA-CBF0AC5C38C6}" type="presOf" srcId="{7F70E8A9-9CDB-4BE3-97A0-A547CB509FBF}" destId="{2012A195-9D04-4B40-A67C-D87382A06527}" srcOrd="1" destOrd="0" presId="urn:microsoft.com/office/officeart/2008/layout/HorizontalMultiLevelHierarchy"/>
-    <dgm:cxn modelId="{1854C9E7-D5B5-4F52-BC70-5E6B8F9896D8}" type="presOf" srcId="{3FCF1F2A-FD07-43B4-B879-471F983406EE}" destId="{74081302-62A8-41A5-BEA1-B03723F76D79}" srcOrd="0" destOrd="0" presId="urn:microsoft.com/office/officeart/2008/layout/HorizontalMultiLevelHierarchy"/>
-    <dgm:cxn modelId="{CE71EC21-5FA3-4010-A7C5-D051889330C3}" type="presOf" srcId="{F6582A67-A139-4B74-A2EA-21A1C864407F}" destId="{75421B01-0B16-4D3F-85AC-9FDF895596FE}" srcOrd="0" destOrd="0" presId="urn:microsoft.com/office/officeart/2008/layout/HorizontalMultiLevelHierarchy"/>
-    <dgm:cxn modelId="{110135BA-0F0D-4CD3-B5DA-EA94FE542B31}" type="presOf" srcId="{303742BD-6784-441F-93B8-679D96BEDC3D}" destId="{713DFD89-4B6B-47B2-8203-544899CE5C74}" srcOrd="0" destOrd="0" presId="urn:microsoft.com/office/officeart/2008/layout/HorizontalMultiLevelHierarchy"/>
-    <dgm:cxn modelId="{98DC0F83-96C8-4F25-8E25-844CA943558C}" type="presOf" srcId="{7ADFD6C0-7688-4607-A280-C83802679844}" destId="{78750218-D6E4-46CD-BE1C-A851C3C97E92}" srcOrd="0" destOrd="0" presId="urn:microsoft.com/office/officeart/2008/layout/HorizontalMultiLevelHierarchy"/>
-    <dgm:cxn modelId="{85B0CDC2-D592-4E24-BB9B-7DD7D2B5D151}" type="presOf" srcId="{C3E03338-09AD-4F62-BBB1-D19C1FC1696F}" destId="{0D9D7F72-FB67-4937-BC7E-AB386D785450}" srcOrd="1" destOrd="0" presId="urn:microsoft.com/office/officeart/2008/layout/HorizontalMultiLevelHierarchy"/>
-    <dgm:cxn modelId="{EC41F3F4-B2F8-4FA7-8FA8-35D6D5BCBCD5}" type="presOf" srcId="{61BB162E-D6CB-4DDB-BADD-26CF607C68D6}" destId="{8DE5A080-748F-4909-A22F-FFA3A21B780B}" srcOrd="1" destOrd="0" presId="urn:microsoft.com/office/officeart/2008/layout/HorizontalMultiLevelHierarchy"/>
-    <dgm:cxn modelId="{D01336A0-1657-4FE0-AE15-040B9DB2FA3E}" type="presOf" srcId="{1156188F-2B8C-4396-9898-051C2329E1C5}" destId="{548BEBB0-D16C-432C-B6DC-C7FC389D01DC}" srcOrd="0" destOrd="0" presId="urn:microsoft.com/office/officeart/2008/layout/HorizontalMultiLevelHierarchy"/>
-    <dgm:cxn modelId="{5AF3FF2E-8573-403E-9A60-131B8F79DA30}" type="presOf" srcId="{2F5FAEFE-1EA9-41CB-9537-E3948DA75E82}" destId="{E50C2439-5302-4073-A4A6-DD0B3CA2D779}" srcOrd="0" destOrd="0" presId="urn:microsoft.com/office/officeart/2008/layout/HorizontalMultiLevelHierarchy"/>
-    <dgm:cxn modelId="{C2BD3B88-2398-447A-9D43-F20FAE4C7FF4}" srcId="{93A3A072-C16A-406C-99B9-CD23953D5599}" destId="{89F05746-7530-4AC5-8136-A9C4E5576ED2}" srcOrd="1" destOrd="0" parTransId="{C3E03338-09AD-4F62-BBB1-D19C1FC1696F}" sibTransId="{F126672B-7348-42A9-AD31-D78C28A8A341}"/>
-    <dgm:cxn modelId="{A57252B8-FC8F-427F-9145-6C09096CF479}" type="presOf" srcId="{C45DF2C0-B93A-4B75-8DF1-E8BF3CD3D08A}" destId="{222FC34D-1811-47AB-857F-B0D46949E408}" srcOrd="1" destOrd="0" presId="urn:microsoft.com/office/officeart/2008/layout/HorizontalMultiLevelHierarchy"/>
-    <dgm:cxn modelId="{727ABCE2-8E4B-4A49-BB27-1E36A2EBD394}" srcId="{54B13330-F421-42C5-AA70-1A17008674B8}" destId="{8AEEA6EE-B10B-493B-AC72-ABCB89445B81}" srcOrd="4" destOrd="0" parTransId="{ECB0ED73-865F-4932-9831-3E4B37074419}" sibTransId="{DF4AEA0E-8521-4B97-997D-E1258734E68D}"/>
-    <dgm:cxn modelId="{25A8F24F-760D-4E53-91DF-FAE8604777D2}" type="presOf" srcId="{EE8E16E6-627C-4D07-8E02-9AE58BB63366}" destId="{32914054-5201-4F4C-84B8-D8E945DB307E}" srcOrd="1" destOrd="0" presId="urn:microsoft.com/office/officeart/2008/layout/HorizontalMultiLevelHierarchy"/>
-    <dgm:cxn modelId="{1D5BF787-6DEA-434D-81AB-BA2AE2042859}" type="presOf" srcId="{4199B668-0B8E-471A-A525-11E16A4D3F5F}" destId="{B7BBC026-ADB3-4877-99D8-0C780C0F6FD1}" srcOrd="1" destOrd="0" presId="urn:microsoft.com/office/officeart/2008/layout/HorizontalMultiLevelHierarchy"/>
-    <dgm:cxn modelId="{52DFCC7F-F975-4A41-8115-431C9658E9C6}" type="presOf" srcId="{958148BA-D080-4F89-906C-07651A29ED1D}" destId="{1AEACB23-D78F-4B4D-A9E4-0DBACFC420C3}" srcOrd="0" destOrd="0" presId="urn:microsoft.com/office/officeart/2008/layout/HorizontalMultiLevelHierarchy"/>
-    <dgm:cxn modelId="{0626B16C-A45B-4316-B4BE-E1B73945DEFC}" type="presOf" srcId="{D405E58C-0BFF-479D-9ABA-FB5264CAF22D}" destId="{7FFA155F-0FA2-4989-8D7F-60AF2E6F04E5}" srcOrd="0" destOrd="0" presId="urn:microsoft.com/office/officeart/2008/layout/HorizontalMultiLevelHierarchy"/>
-    <dgm:cxn modelId="{DADDC4CB-6CFB-4DF1-A1CA-A77318E03DAE}" type="presOf" srcId="{950E381D-ED7E-4D83-A4B8-8568AB6025F9}" destId="{09D12B51-B6C7-4DC6-B49C-FFFA5368F147}" srcOrd="1" destOrd="0" presId="urn:microsoft.com/office/officeart/2008/layout/HorizontalMultiLevelHierarchy"/>
-    <dgm:cxn modelId="{FFE6C905-1C38-47D4-B413-F6DBD21F8BF5}" type="presOf" srcId="{2D211BC0-FFE3-4E0A-AB82-1D796DFD4AF7}" destId="{5E070DCA-6141-4CDC-B670-2C6E03B4A759}" srcOrd="0" destOrd="0" presId="urn:microsoft.com/office/officeart/2008/layout/HorizontalMultiLevelHierarchy"/>
-    <dgm:cxn modelId="{EB17667E-7268-41BC-AB39-B42DD3D08F27}" type="presOf" srcId="{7FDA7A2D-7937-4983-9070-9DF7C511A23B}" destId="{6FF0C949-3F9D-4789-AC90-F1566F9E4506}" srcOrd="0" destOrd="0" presId="urn:microsoft.com/office/officeart/2008/layout/HorizontalMultiLevelHierarchy"/>
-    <dgm:cxn modelId="{547F4613-64F8-4988-90B3-9DDE4217EA46}" srcId="{54B13330-F421-42C5-AA70-1A17008674B8}" destId="{2D211BC0-FFE3-4E0A-AB82-1D796DFD4AF7}" srcOrd="5" destOrd="0" parTransId="{B9813F5B-48F3-4EF5-BC3B-B4D57540B159}" sibTransId="{B0B6D1A6-A7AD-4739-90D7-D41478B995FB}"/>
-    <dgm:cxn modelId="{EEF119B3-AEE3-4AB3-B4D0-8E4CEB881A28}" type="presOf" srcId="{7ADFD6C0-7688-4607-A280-C83802679844}" destId="{247F949D-0480-4157-8AF0-B64093454D6E}" srcOrd="1" destOrd="0" presId="urn:microsoft.com/office/officeart/2008/layout/HorizontalMultiLevelHierarchy"/>
-    <dgm:cxn modelId="{B2657C5F-9945-46FB-9C62-05E5E0A7F67C}" srcId="{54B13330-F421-42C5-AA70-1A17008674B8}" destId="{0E592EFC-EC4B-49B2-8762-E878CD593E3A}" srcOrd="6" destOrd="0" parTransId="{7F70E8A9-9CDB-4BE3-97A0-A547CB509FBF}" sibTransId="{AB8BD533-E981-4ACF-81AF-C006C75E7DB4}"/>
-    <dgm:cxn modelId="{8389D00D-AD82-4E2D-8423-764E5FEB7066}" srcId="{93A3A072-C16A-406C-99B9-CD23953D5599}" destId="{F6582A67-A139-4B74-A2EA-21A1C864407F}" srcOrd="0" destOrd="0" parTransId="{7ADFD6C0-7688-4607-A280-C83802679844}" sibTransId="{2770CE1B-680D-4E59-9ECF-945B95007EEA}"/>
-    <dgm:cxn modelId="{E5BD989F-08FD-4615-8328-32B9A67FC8EC}" type="presOf" srcId="{81C85202-6A35-4EAB-9B10-2FB4EFE2B5C1}" destId="{E18A34BE-33AC-43AF-85AE-018BFC2FFD84}" srcOrd="0" destOrd="0" presId="urn:microsoft.com/office/officeart/2008/layout/HorizontalMultiLevelHierarchy"/>
-    <dgm:cxn modelId="{2F46BB57-B63A-47E8-912C-40E97CA1466C}" type="presOf" srcId="{0E592EFC-EC4B-49B2-8762-E878CD593E3A}" destId="{008AA575-C7EE-481F-8E5A-70B498B23351}" srcOrd="0" destOrd="0" presId="urn:microsoft.com/office/officeart/2008/layout/HorizontalMultiLevelHierarchy"/>
-    <dgm:cxn modelId="{85EB802E-2D8E-41AE-AE5A-F93FA7F3A4C5}" type="presOf" srcId="{1827863C-95DB-45C4-8D42-0D85AC7DB1F9}" destId="{983E0EB7-A579-4F15-934C-D56985D0E97D}" srcOrd="0" destOrd="0" presId="urn:microsoft.com/office/officeart/2008/layout/HorizontalMultiLevelHierarchy"/>
-    <dgm:cxn modelId="{F67B2359-7437-461E-B432-7F8579E5F53F}" type="presOf" srcId="{C45DF2C0-B93A-4B75-8DF1-E8BF3CD3D08A}" destId="{3BF25A95-3620-426F-99FE-2E8CD08A8CE4}" srcOrd="0" destOrd="0" presId="urn:microsoft.com/office/officeart/2008/layout/HorizontalMultiLevelHierarchy"/>
-    <dgm:cxn modelId="{4B6CF69F-9554-4220-B3AA-C0C6CA8E11DD}" type="presOf" srcId="{B9813F5B-48F3-4EF5-BC3B-B4D57540B159}" destId="{CE5F5186-9E85-4C7D-9636-7B4CA1401932}" srcOrd="1" destOrd="0" presId="urn:microsoft.com/office/officeart/2008/layout/HorizontalMultiLevelHierarchy"/>
-    <dgm:cxn modelId="{E54E5D22-EEB8-4607-BF64-0E0260720E18}" type="presOf" srcId="{04CB74A5-873C-4FFA-8B5E-52E083C039A1}" destId="{48A74B45-5CE6-4774-8729-4169037FAAEA}" srcOrd="0" destOrd="0" presId="urn:microsoft.com/office/officeart/2008/layout/HorizontalMultiLevelHierarchy"/>
-    <dgm:cxn modelId="{5BC65BEB-1979-41D4-9310-92D47F995F5F}" srcId="{0E592EFC-EC4B-49B2-8762-E878CD593E3A}" destId="{25637585-FB37-4C6E-AE64-5D712056C643}" srcOrd="0" destOrd="0" parTransId="{84C27BA7-C52C-4E4A-AC03-08EB641A07C9}" sibTransId="{2B491D82-BC58-4B4D-B568-73EDAE69CF33}"/>
-    <dgm:cxn modelId="{3C74D69B-D05C-4215-8E2F-2BEB01D5C233}" type="presOf" srcId="{B5A78A89-EE21-443A-AD88-636D47ABC153}" destId="{35A4DAB7-D9B6-4AE1-885E-5EF0DCB1A387}" srcOrd="0" destOrd="0" presId="urn:microsoft.com/office/officeart/2008/layout/HorizontalMultiLevelHierarchy"/>
-    <dgm:cxn modelId="{BD64F324-2A4E-4488-9708-E0431AEFBD07}" type="presOf" srcId="{104B82BD-60F8-4705-9410-1A92324DD223}" destId="{55EF61AB-7728-4180-811E-46C0333973BB}" srcOrd="1" destOrd="0" presId="urn:microsoft.com/office/officeart/2008/layout/HorizontalMultiLevelHierarchy"/>
-    <dgm:cxn modelId="{3EFC3675-D156-43A2-839F-CB18D5F1EB04}" type="presOf" srcId="{ECB0ED73-865F-4932-9831-3E4B37074419}" destId="{8AE0D171-6F72-469E-B5C6-F9E7C296DEDB}" srcOrd="0" destOrd="0" presId="urn:microsoft.com/office/officeart/2008/layout/HorizontalMultiLevelHierarchy"/>
-    <dgm:cxn modelId="{C7579C7E-1CA1-4778-BF13-BF440499F383}" srcId="{3FCF1F2A-FD07-43B4-B879-471F983406EE}" destId="{B6DB16EE-E97D-4862-B529-4C94EEA394AE}" srcOrd="1" destOrd="0" parTransId="{C45DF2C0-B93A-4B75-8DF1-E8BF3CD3D08A}" sibTransId="{C85F78CD-1AC7-4BDE-9B09-9D0460E780B2}"/>
-    <dgm:cxn modelId="{C40F9D2D-94C3-4608-B645-36A30087636E}" srcId="{B6DB16EE-E97D-4862-B529-4C94EEA394AE}" destId="{50EF9952-B732-439E-8DB0-E39A7B77AE06}" srcOrd="1" destOrd="0" parTransId="{104B82BD-60F8-4705-9410-1A92324DD223}" sibTransId="{B9C578C1-2734-44A9-BD5B-96FCECB75FDB}"/>
-    <dgm:cxn modelId="{3CFD2860-1AD0-4AF0-8B15-2D01D8F153BF}" srcId="{A4ADDFF1-7882-423C-AA64-6F9186D451D8}" destId="{958148BA-D080-4F89-906C-07651A29ED1D}" srcOrd="0" destOrd="0" parTransId="{0345B78C-878B-4902-8084-0AE80E9CF16A}" sibTransId="{3FF8CE95-583A-4852-8201-EB1C191B396D}"/>
-    <dgm:cxn modelId="{336EC260-D909-4B6D-9955-970D0A80F35E}" type="presOf" srcId="{A9F767A8-41B4-407B-9C08-B566A1AC4927}" destId="{DBA4CA91-E385-4850-9C79-2C53D314572F}" srcOrd="0" destOrd="0" presId="urn:microsoft.com/office/officeart/2008/layout/HorizontalMultiLevelHierarchy"/>
-    <dgm:cxn modelId="{FE6156C8-89CD-476F-8A2B-3D89A33D3F06}" type="presOf" srcId="{1F72B363-B160-4A80-A6C8-370EDD94B4CF}" destId="{0D01B59A-5FFE-4A83-B8D9-A6EDCFE2B05E}" srcOrd="0" destOrd="0" presId="urn:microsoft.com/office/officeart/2008/layout/HorizontalMultiLevelHierarchy"/>
-    <dgm:cxn modelId="{BB634F35-3005-411E-813A-C14E94470567}" type="presOf" srcId="{7F70E8A9-9CDB-4BE3-97A0-A547CB509FBF}" destId="{3C9CBFC3-FB4D-43C3-9946-F80DA72775D5}" srcOrd="0" destOrd="0" presId="urn:microsoft.com/office/officeart/2008/layout/HorizontalMultiLevelHierarchy"/>
-    <dgm:cxn modelId="{97496D86-7A7E-486E-9C50-F48287192D8A}" type="presOf" srcId="{104B82BD-60F8-4705-9410-1A92324DD223}" destId="{34D49760-BA84-4BD7-B73E-D0E72C2EE2B4}" srcOrd="0" destOrd="0" presId="urn:microsoft.com/office/officeart/2008/layout/HorizontalMultiLevelHierarchy"/>
-    <dgm:cxn modelId="{F6388762-1808-4748-B0B3-D6176D203D72}" srcId="{3FCF1F2A-FD07-43B4-B879-471F983406EE}" destId="{E8228F9F-DDFD-462E-B835-579497478985}" srcOrd="0" destOrd="0" parTransId="{EE8E16E6-627C-4D07-8E02-9AE58BB63366}" sibTransId="{EDC9C1F8-5DB2-4951-84D7-07CE9B703208}"/>
-    <dgm:cxn modelId="{217B51BA-3BA4-4AE6-84DA-6EB1B9047874}" type="presOf" srcId="{B9813F5B-48F3-4EF5-BC3B-B4D57540B159}" destId="{7659A773-C789-41EE-A0CA-AE19E2F1CC90}" srcOrd="0" destOrd="0" presId="urn:microsoft.com/office/officeart/2008/layout/HorizontalMultiLevelHierarchy"/>
-    <dgm:cxn modelId="{B79F9C6B-CDF6-4D5B-BE7C-16BA4B50C93A}" type="presOf" srcId="{89F05746-7530-4AC5-8136-A9C4E5576ED2}" destId="{DB0AC17B-B174-4DA2-8E4D-0D7D3240691F}" srcOrd="0" destOrd="0" presId="urn:microsoft.com/office/officeart/2008/layout/HorizontalMultiLevelHierarchy"/>
-    <dgm:cxn modelId="{56F64DCD-5A23-4DAD-8C14-742E71D3E221}" srcId="{54B13330-F421-42C5-AA70-1A17008674B8}" destId="{B6B8F82E-09CD-4F01-834B-E97FC90C517D}" srcOrd="1" destOrd="0" parTransId="{1AD49B2B-CE49-4482-99A1-C3A65402D993}" sibTransId="{06483560-7260-45FD-912E-BDDB9C621AEE}"/>
     <dgm:cxn modelId="{D3F43EBE-2266-4024-A517-39F2043616CA}" type="presOf" srcId="{A9F767A8-41B4-407B-9C08-B566A1AC4927}" destId="{D4F042F9-7F33-48B6-BE52-18A5504D12C6}" srcOrd="1" destOrd="0" presId="urn:microsoft.com/office/officeart/2008/layout/HorizontalMultiLevelHierarchy"/>
     <dgm:cxn modelId="{34547986-B343-478F-90BB-17AA42064569}" srcId="{1156188F-2B8C-4396-9898-051C2329E1C5}" destId="{2F5FAEFE-1EA9-41CB-9537-E3948DA75E82}" srcOrd="0" destOrd="0" parTransId="{B5A78A89-EE21-443A-AD88-636D47ABC153}" sibTransId="{329E628C-3532-40B0-AA1C-6ED2CC5FDCD9}"/>
-    <dgm:cxn modelId="{FE6113A4-B654-4594-A766-68198F02DB5A}" type="presOf" srcId="{61BB162E-D6CB-4DDB-BADD-26CF607C68D6}" destId="{A49807EE-F733-4759-A61F-A4B482785FC1}" srcOrd="0" destOrd="0" presId="urn:microsoft.com/office/officeart/2008/layout/HorizontalMultiLevelHierarchy"/>
-    <dgm:cxn modelId="{836DD4D7-01CD-46FD-B646-288588C73241}" type="presOf" srcId="{B6DB16EE-E97D-4862-B529-4C94EEA394AE}" destId="{EACEC2A6-7951-4968-AA9B-D272FA3F4B6C}" srcOrd="0" destOrd="0" presId="urn:microsoft.com/office/officeart/2008/layout/HorizontalMultiLevelHierarchy"/>
-    <dgm:cxn modelId="{2270BEC3-F788-49FA-B7B0-48957961EC9C}" type="presOf" srcId="{40F64F40-29E1-4825-8265-5C136AA57213}" destId="{D474315A-A521-493F-8025-B9C26A01D152}" srcOrd="0" destOrd="0" presId="urn:microsoft.com/office/officeart/2008/layout/HorizontalMultiLevelHierarchy"/>
-    <dgm:cxn modelId="{7DB828BC-5981-487C-8C13-7DCA1901C223}" srcId="{54B13330-F421-42C5-AA70-1A17008674B8}" destId="{93A3A072-C16A-406C-99B9-CD23953D5599}" srcOrd="8" destOrd="0" parTransId="{2C008328-FD85-4AE4-91F1-9A943B010F73}" sibTransId="{B78B0FDA-9C64-4149-A9EC-AAE291A09890}"/>
-    <dgm:cxn modelId="{A8810A86-D921-4788-A354-57356BDD7207}" type="presOf" srcId="{303742BD-6784-441F-93B8-679D96BEDC3D}" destId="{771C85E9-EA07-4D9D-82E2-641FCFAA20BC}" srcOrd="1" destOrd="0" presId="urn:microsoft.com/office/officeart/2008/layout/HorizontalMultiLevelHierarchy"/>
+    <dgm:cxn modelId="{CE71EC21-5FA3-4010-A7C5-D051889330C3}" type="presOf" srcId="{F6582A67-A139-4B74-A2EA-21A1C864407F}" destId="{75421B01-0B16-4D3F-85AC-9FDF895596FE}" srcOrd="0" destOrd="0" presId="urn:microsoft.com/office/officeart/2008/layout/HorizontalMultiLevelHierarchy"/>
+    <dgm:cxn modelId="{F6388762-1808-4748-B0B3-D6176D203D72}" srcId="{3FCF1F2A-FD07-43B4-B879-471F983406EE}" destId="{E8228F9F-DDFD-462E-B835-579497478985}" srcOrd="0" destOrd="0" parTransId="{EE8E16E6-627C-4D07-8E02-9AE58BB63366}" sibTransId="{EDC9C1F8-5DB2-4951-84D7-07CE9B703208}"/>
+    <dgm:cxn modelId="{CDEA4F60-1ECB-4B58-94C0-2D1FD64310E9}" type="presOf" srcId="{ECB0ED73-865F-4932-9831-3E4B37074419}" destId="{94E6744A-2397-490C-9C52-22C4C5813703}" srcOrd="1" destOrd="0" presId="urn:microsoft.com/office/officeart/2008/layout/HorizontalMultiLevelHierarchy"/>
     <dgm:cxn modelId="{8A7DFAF6-9E14-4E02-9D52-782A0E74F44E}" type="presOf" srcId="{2C008328-FD85-4AE4-91F1-9A943B010F73}" destId="{C4A6E93C-56E8-4190-8124-02E9A0682B32}" srcOrd="0" destOrd="0" presId="urn:microsoft.com/office/officeart/2008/layout/HorizontalMultiLevelHierarchy"/>
-    <dgm:cxn modelId="{42CDE7AC-43A0-4734-B59D-9706AAC4E666}" type="presOf" srcId="{B6B8F82E-09CD-4F01-834B-E97FC90C517D}" destId="{31066EA5-3788-412A-8DFC-F65B6009BADF}" srcOrd="0" destOrd="0" presId="urn:microsoft.com/office/officeart/2008/layout/HorizontalMultiLevelHierarchy"/>
-    <dgm:cxn modelId="{8A07770C-6F2D-4766-A544-AD8D32EED84C}" type="presOf" srcId="{84C27BA7-C52C-4E4A-AC03-08EB641A07C9}" destId="{6A0827AD-C4ED-47CF-9A76-9E8009271F53}" srcOrd="0" destOrd="0" presId="urn:microsoft.com/office/officeart/2008/layout/HorizontalMultiLevelHierarchy"/>
-    <dgm:cxn modelId="{5AA6F1C7-CA5A-4B76-9B69-AEE689EF0ED8}" type="presOf" srcId="{1AD49B2B-CE49-4482-99A1-C3A65402D993}" destId="{7F012391-3332-4BCA-873A-034FD03600FE}" srcOrd="0" destOrd="0" presId="urn:microsoft.com/office/officeart/2008/layout/HorizontalMultiLevelHierarchy"/>
-    <dgm:cxn modelId="{D4F97384-4C39-493D-A039-4A16FBEE0230}" type="presOf" srcId="{E8228F9F-DDFD-462E-B835-579497478985}" destId="{0D30C521-978A-42D4-B3BF-B04C2BC16A78}" srcOrd="0" destOrd="0" presId="urn:microsoft.com/office/officeart/2008/layout/HorizontalMultiLevelHierarchy"/>
-    <dgm:cxn modelId="{35191DF8-AF5C-422A-8CFC-1B7CDE1EA2A5}" type="presOf" srcId="{0345B78C-878B-4902-8084-0AE80E9CF16A}" destId="{A72DC1AD-4E9F-4886-B3BA-14E3602FFE3E}" srcOrd="1" destOrd="0" presId="urn:microsoft.com/office/officeart/2008/layout/HorizontalMultiLevelHierarchy"/>
+    <dgm:cxn modelId="{E8E3977F-463E-4699-9EEB-A57C721CDBCC}" type="presOf" srcId="{25637585-FB37-4C6E-AE64-5D712056C643}" destId="{7F95FDAB-3B35-4D5B-BBC5-204E545D0876}" srcOrd="0" destOrd="0" presId="urn:microsoft.com/office/officeart/2008/layout/HorizontalMultiLevelHierarchy"/>
+    <dgm:cxn modelId="{C2BD3B88-2398-447A-9D43-F20FAE4C7FF4}" srcId="{93A3A072-C16A-406C-99B9-CD23953D5599}" destId="{89F05746-7530-4AC5-8136-A9C4E5576ED2}" srcOrd="1" destOrd="0" parTransId="{C3E03338-09AD-4F62-BBB1-D19C1FC1696F}" sibTransId="{F126672B-7348-42A9-AD31-D78C28A8A341}"/>
+    <dgm:cxn modelId="{B83FE361-A56C-4019-9A4A-3121F0446361}" type="presOf" srcId="{019FEC18-91AB-4546-8C6D-7D5C8CE8B8CE}" destId="{AE193854-5DD4-461D-8B56-86C5F0C4F7E1}" srcOrd="0" destOrd="0" presId="urn:microsoft.com/office/officeart/2008/layout/HorizontalMultiLevelHierarchy"/>
+    <dgm:cxn modelId="{4B6CF69F-9554-4220-B3AA-C0C6CA8E11DD}" type="presOf" srcId="{B9813F5B-48F3-4EF5-BC3B-B4D57540B159}" destId="{CE5F5186-9E85-4C7D-9636-7B4CA1401932}" srcOrd="1" destOrd="0" presId="urn:microsoft.com/office/officeart/2008/layout/HorizontalMultiLevelHierarchy"/>
+    <dgm:cxn modelId="{85B0CDC2-D592-4E24-BB9B-7DD7D2B5D151}" type="presOf" srcId="{C3E03338-09AD-4F62-BBB1-D19C1FC1696F}" destId="{0D9D7F72-FB67-4937-BC7E-AB386D785450}" srcOrd="1" destOrd="0" presId="urn:microsoft.com/office/officeart/2008/layout/HorizontalMultiLevelHierarchy"/>
+    <dgm:cxn modelId="{25A8F24F-760D-4E53-91DF-FAE8604777D2}" type="presOf" srcId="{EE8E16E6-627C-4D07-8E02-9AE58BB63366}" destId="{32914054-5201-4F4C-84B8-D8E945DB307E}" srcOrd="1" destOrd="0" presId="urn:microsoft.com/office/officeart/2008/layout/HorizontalMultiLevelHierarchy"/>
+    <dgm:cxn modelId="{A6EAAE6B-7058-4F36-A9BE-0117E9B574D0}" type="presOf" srcId="{C6606349-5672-442E-A5B1-3B6EC2A628D0}" destId="{05F44D56-B815-42FF-A0CE-47047ADBDAD2}" srcOrd="0" destOrd="0" presId="urn:microsoft.com/office/officeart/2008/layout/HorizontalMultiLevelHierarchy"/>
     <dgm:cxn modelId="{BF5C295E-B86E-43F8-A68D-EFE93E8FC940}" type="presOf" srcId="{A4ADDFF1-7882-423C-AA64-6F9186D451D8}" destId="{A5B26C97-0E77-41FA-A583-0CC5586F7601}" srcOrd="0" destOrd="0" presId="urn:microsoft.com/office/officeart/2008/layout/HorizontalMultiLevelHierarchy"/>
-    <dgm:cxn modelId="{E8E3977F-463E-4699-9EEB-A57C721CDBCC}" type="presOf" srcId="{25637585-FB37-4C6E-AE64-5D712056C643}" destId="{7F95FDAB-3B35-4D5B-BBC5-204E545D0876}" srcOrd="0" destOrd="0" presId="urn:microsoft.com/office/officeart/2008/layout/HorizontalMultiLevelHierarchy"/>
-    <dgm:cxn modelId="{3B3405C1-29AA-4E9E-8112-82800D63BEED}" type="presOf" srcId="{2C008328-FD85-4AE4-91F1-9A943B010F73}" destId="{9F597C50-5DB0-4EA6-8A48-7C5118307BF2}" srcOrd="1" destOrd="0" presId="urn:microsoft.com/office/officeart/2008/layout/HorizontalMultiLevelHierarchy"/>
-    <dgm:cxn modelId="{2E47288E-F14E-4D39-966F-1121F2437986}" type="presOf" srcId="{1F72B363-B160-4A80-A6C8-370EDD94B4CF}" destId="{82E38931-4962-40FE-9F98-C9CB41EA7B26}" srcOrd="1" destOrd="0" presId="urn:microsoft.com/office/officeart/2008/layout/HorizontalMultiLevelHierarchy"/>
     <dgm:cxn modelId="{72F87271-CC60-4AE4-9304-739B5FD30255}" type="presOf" srcId="{C3E03338-09AD-4F62-BBB1-D19C1FC1696F}" destId="{DC3EC34F-D3D6-47D6-9614-ACE62C55A5F1}" srcOrd="0" destOrd="0" presId="urn:microsoft.com/office/officeart/2008/layout/HorizontalMultiLevelHierarchy"/>
-    <dgm:cxn modelId="{51962030-3B72-4200-8CF8-AE31AFA3C982}" srcId="{04CB74A5-873C-4FFA-8B5E-52E083C039A1}" destId="{54B13330-F421-42C5-AA70-1A17008674B8}" srcOrd="0" destOrd="0" parTransId="{EB9703AF-5954-4CCD-9613-126E35B6383E}" sibTransId="{955D7C21-EBD8-41F5-9484-C39C79E83882}"/>
-    <dgm:cxn modelId="{2BBD69F0-F90F-40DE-8822-A81B62ECC357}" type="presOf" srcId="{019FEC18-91AB-4546-8C6D-7D5C8CE8B8CE}" destId="{E404A033-74EF-4246-BC47-F72448528B01}" srcOrd="1" destOrd="0" presId="urn:microsoft.com/office/officeart/2008/layout/HorizontalMultiLevelHierarchy"/>
-    <dgm:cxn modelId="{9B7F168C-F090-4607-BE27-4CE334AA798C}" type="presOf" srcId="{950E381D-ED7E-4D83-A4B8-8568AB6025F9}" destId="{57C8A3E4-7C9A-43C4-9524-3ECCF2EC63A7}" srcOrd="0" destOrd="0" presId="urn:microsoft.com/office/officeart/2008/layout/HorizontalMultiLevelHierarchy"/>
+    <dgm:cxn modelId="{1854C9E7-D5B5-4F52-BC70-5E6B8F9896D8}" type="presOf" srcId="{3FCF1F2A-FD07-43B4-B879-471F983406EE}" destId="{74081302-62A8-41A5-BEA1-B03723F76D79}" srcOrd="0" destOrd="0" presId="urn:microsoft.com/office/officeart/2008/layout/HorizontalMultiLevelHierarchy"/>
+    <dgm:cxn modelId="{56F64DCD-5A23-4DAD-8C14-742E71D3E221}" srcId="{54B13330-F421-42C5-AA70-1A17008674B8}" destId="{B6B8F82E-09CD-4F01-834B-E97FC90C517D}" srcOrd="1" destOrd="0" parTransId="{1AD49B2B-CE49-4482-99A1-C3A65402D993}" sibTransId="{06483560-7260-45FD-912E-BDDB9C621AEE}"/>
+    <dgm:cxn modelId="{82F75153-343B-4284-8D2E-95D54D3B8513}" type="presOf" srcId="{93A3A072-C16A-406C-99B9-CD23953D5599}" destId="{5F123EE8-D741-4D3A-A784-DC8C926059E5}" srcOrd="0" destOrd="0" presId="urn:microsoft.com/office/officeart/2008/layout/HorizontalMultiLevelHierarchy"/>
+    <dgm:cxn modelId="{6A475175-6A17-43AE-89EC-2B81FCD980C1}" type="presOf" srcId="{B5A78A89-EE21-443A-AD88-636D47ABC153}" destId="{F688013D-F0BE-46BB-B736-4D8ADB403A7C}" srcOrd="1" destOrd="0" presId="urn:microsoft.com/office/officeart/2008/layout/HorizontalMultiLevelHierarchy"/>
     <dgm:cxn modelId="{7162C5D5-4FB9-47A7-93CB-EF54D811FB44}" type="presParOf" srcId="{48A74B45-5CE6-4774-8729-4169037FAAEA}" destId="{8A2DDC9E-2737-4AD1-95EB-65BC48872029}" srcOrd="0" destOrd="0" presId="urn:microsoft.com/office/officeart/2008/layout/HorizontalMultiLevelHierarchy"/>
     <dgm:cxn modelId="{43A7452E-5E11-4805-ACEA-0525C2CC5CCC}" type="presParOf" srcId="{8A2DDC9E-2737-4AD1-95EB-65BC48872029}" destId="{B325A06F-D7AF-48D6-A433-D30945A84C4F}" srcOrd="0" destOrd="0" presId="urn:microsoft.com/office/officeart/2008/layout/HorizontalMultiLevelHierarchy"/>
     <dgm:cxn modelId="{87A9C5D0-4563-47CA-A044-BEA1180812D2}" type="presParOf" srcId="{8A2DDC9E-2737-4AD1-95EB-65BC48872029}" destId="{BE6D9DC3-4699-4B9B-A412-E4D71818AE5D}" srcOrd="1" destOrd="0" presId="urn:microsoft.com/office/officeart/2008/layout/HorizontalMultiLevelHierarchy"/>
@@ -9129,13 +9264,6 @@
             </a:rPr>
             <a:t>AngularJSHomePage.js</a:t>
           </a:r>
-          <a:endParaRPr lang="en-GB" sz="1200" kern="1200" dirty="0" smtClean="0">
-            <a:solidFill>
-              <a:schemeClr val="bg1">
-                <a:lumMod val="50000"/>
-              </a:schemeClr>
-            </a:solidFill>
-          </a:endParaRPr>
         </a:p>
       </dsp:txBody>
       <dsp:txXfrm>
@@ -9531,11 +9659,6 @@
             </a:rPr>
             <a:t>utilities/</a:t>
           </a:r>
-          <a:endParaRPr lang="en-GB" sz="1200" b="1" kern="1200" dirty="0" smtClean="0">
-            <a:solidFill>
-              <a:schemeClr val="bg1"/>
-            </a:solidFill>
-          </a:endParaRPr>
         </a:p>
       </dsp:txBody>
       <dsp:txXfrm>
@@ -9694,11 +9817,6 @@
             </a:rPr>
             <a:t>templates/</a:t>
           </a:r>
-          <a:endParaRPr lang="en-GB" sz="1200" b="1" kern="1200" dirty="0" smtClean="0">
-            <a:solidFill>
-              <a:schemeClr val="bg1"/>
-            </a:solidFill>
-          </a:endParaRPr>
         </a:p>
       </dsp:txBody>
       <dsp:txXfrm>
@@ -17026,7 +17144,7 @@
           <a:p>
             <a:fld id="{0BDE0493-6EAE-48DA-87CC-104BC8C245B6}" type="datetimeFigureOut">
               <a:rPr lang="en-GB" smtClean="0"/>
-              <a:t>14/03/2015</a:t>
+              <a:t>16/03/2015</a:t>
             </a:fld>
             <a:endParaRPr lang="en-GB"/>
           </a:p>
@@ -17236,7 +17354,7 @@
           <a:p>
             <a:fld id="{0BDE0493-6EAE-48DA-87CC-104BC8C245B6}" type="datetimeFigureOut">
               <a:rPr lang="en-GB" smtClean="0"/>
-              <a:t>14/03/2015</a:t>
+              <a:t>16/03/2015</a:t>
             </a:fld>
             <a:endParaRPr lang="en-GB"/>
           </a:p>
@@ -17416,7 +17534,7 @@
           <a:p>
             <a:fld id="{0BDE0493-6EAE-48DA-87CC-104BC8C245B6}" type="datetimeFigureOut">
               <a:rPr lang="en-GB" smtClean="0"/>
-              <a:t>14/03/2015</a:t>
+              <a:t>16/03/2015</a:t>
             </a:fld>
             <a:endParaRPr lang="en-GB"/>
           </a:p>
@@ -17611,7 +17729,7 @@
           <a:p>
             <a:fld id="{0BDE0493-6EAE-48DA-87CC-104BC8C245B6}" type="datetimeFigureOut">
               <a:rPr lang="en-GB" smtClean="0"/>
-              <a:t>14/03/2015</a:t>
+              <a:t>16/03/2015</a:t>
             </a:fld>
             <a:endParaRPr lang="en-GB"/>
           </a:p>
@@ -17918,7 +18036,7 @@
           <a:p>
             <a:fld id="{0BDE0493-6EAE-48DA-87CC-104BC8C245B6}" type="datetimeFigureOut">
               <a:rPr lang="en-GB" smtClean="0"/>
-              <a:t>14/03/2015</a:t>
+              <a:t>16/03/2015</a:t>
             </a:fld>
             <a:endParaRPr lang="en-GB"/>
           </a:p>
@@ -18157,7 +18275,7 @@
           <a:p>
             <a:fld id="{0BDE0493-6EAE-48DA-87CC-104BC8C245B6}" type="datetimeFigureOut">
               <a:rPr lang="en-GB" smtClean="0"/>
-              <a:t>14/03/2015</a:t>
+              <a:t>16/03/2015</a:t>
             </a:fld>
             <a:endParaRPr lang="en-GB"/>
           </a:p>
@@ -18531,7 +18649,7 @@
           <a:p>
             <a:fld id="{0BDE0493-6EAE-48DA-87CC-104BC8C245B6}" type="datetimeFigureOut">
               <a:rPr lang="en-GB" smtClean="0"/>
-              <a:t>14/03/2015</a:t>
+              <a:t>16/03/2015</a:t>
             </a:fld>
             <a:endParaRPr lang="en-GB"/>
           </a:p>
@@ -18656,7 +18774,7 @@
           <a:p>
             <a:fld id="{0BDE0493-6EAE-48DA-87CC-104BC8C245B6}" type="datetimeFigureOut">
               <a:rPr lang="en-GB" smtClean="0"/>
-              <a:t>14/03/2015</a:t>
+              <a:t>16/03/2015</a:t>
             </a:fld>
             <a:endParaRPr lang="en-GB"/>
           </a:p>
@@ -18758,7 +18876,7 @@
           <a:p>
             <a:fld id="{0BDE0493-6EAE-48DA-87CC-104BC8C245B6}" type="datetimeFigureOut">
               <a:rPr lang="en-GB" smtClean="0"/>
-              <a:t>14/03/2015</a:t>
+              <a:t>16/03/2015</a:t>
             </a:fld>
             <a:endParaRPr lang="en-GB"/>
           </a:p>
@@ -19035,7 +19153,7 @@
           <a:p>
             <a:fld id="{0BDE0493-6EAE-48DA-87CC-104BC8C245B6}" type="datetimeFigureOut">
               <a:rPr lang="en-GB" smtClean="0"/>
-              <a:t>14/03/2015</a:t>
+              <a:t>16/03/2015</a:t>
             </a:fld>
             <a:endParaRPr lang="en-GB"/>
           </a:p>
@@ -19292,7 +19410,7 @@
           <a:p>
             <a:fld id="{0BDE0493-6EAE-48DA-87CC-104BC8C245B6}" type="datetimeFigureOut">
               <a:rPr lang="en-GB" smtClean="0"/>
-              <a:t>14/03/2015</a:t>
+              <a:t>16/03/2015</a:t>
             </a:fld>
             <a:endParaRPr lang="en-GB"/>
           </a:p>
@@ -19505,7 +19623,7 @@
           <a:p>
             <a:fld id="{0BDE0493-6EAE-48DA-87CC-104BC8C245B6}" type="datetimeFigureOut">
               <a:rPr lang="en-GB" smtClean="0"/>
-              <a:t>14/03/2015</a:t>
+              <a:t>16/03/2015</a:t>
             </a:fld>
             <a:endParaRPr lang="en-GB"/>
           </a:p>
@@ -20052,6 +20170,168 @@
         </p:nvSpPr>
         <p:spPr>
           <a:xfrm>
+            <a:off x="301827" y="252441"/>
+            <a:ext cx="2034973" cy="884733"/>
+          </a:xfrm>
+          <a:prstGeom prst="rect">
+            <a:avLst/>
+          </a:prstGeom>
+          <a:solidFill>
+            <a:schemeClr val="accent4">
+              <a:lumMod val="20000"/>
+              <a:lumOff val="80000"/>
+            </a:schemeClr>
+          </a:solidFill>
+          <a:ln>
+            <a:solidFill>
+              <a:srgbClr val="FF0000"/>
+            </a:solidFill>
+          </a:ln>
+        </p:spPr>
+        <p:style>
+          <a:lnRef idx="2">
+            <a:schemeClr val="accent1">
+              <a:shade val="50000"/>
+            </a:schemeClr>
+          </a:lnRef>
+          <a:fillRef idx="1">
+            <a:schemeClr val="accent1"/>
+          </a:fillRef>
+          <a:effectRef idx="0">
+            <a:schemeClr val="accent1"/>
+          </a:effectRef>
+          <a:fontRef idx="minor">
+            <a:schemeClr val="lt1"/>
+          </a:fontRef>
+        </p:style>
+        <p:txBody>
+          <a:bodyPr rtlCol="0" anchor="ctr"/>
+          <a:lstStyle/>
+          <a:p>
+            <a:r>
+              <a:rPr lang="en-GB" sz="2400" b="1" dirty="0" smtClean="0">
+                <a:solidFill>
+                  <a:schemeClr val="tx1"/>
+                </a:solidFill>
+              </a:rPr>
+              <a:t>A tester’s view of a test?</a:t>
+            </a:r>
+          </a:p>
+        </p:txBody>
+      </p:sp>
+      <p:pic>
+        <p:nvPicPr>
+          <p:cNvPr id="4" name="Picture 3"/>
+          <p:cNvPicPr>
+            <a:picLocks noChangeAspect="1"/>
+          </p:cNvPicPr>
+          <p:nvPr/>
+        </p:nvPicPr>
+        <p:blipFill>
+          <a:blip r:embed="rId2"/>
+          <a:stretch>
+            <a:fillRect/>
+          </a:stretch>
+        </p:blipFill>
+        <p:spPr>
+          <a:xfrm>
+            <a:off x="2115457" y="2045111"/>
+            <a:ext cx="7620000" cy="3371850"/>
+          </a:xfrm>
+          <a:prstGeom prst="rect">
+            <a:avLst/>
+          </a:prstGeom>
+          <a:ln>
+            <a:solidFill>
+              <a:schemeClr val="tx1"/>
+            </a:solidFill>
+          </a:ln>
+        </p:spPr>
+      </p:pic>
+    </p:spTree>
+    <p:extLst>
+      <p:ext uri="{BB962C8B-B14F-4D97-AF65-F5344CB8AC3E}">
+        <p14:creationId xmlns:p14="http://schemas.microsoft.com/office/powerpoint/2010/main" val="2427437118"/>
+      </p:ext>
+    </p:extLst>
+  </p:cSld>
+  <p:clrMapOvr>
+    <a:masterClrMapping/>
+  </p:clrMapOvr>
+  <p:timing>
+    <p:tnLst>
+      <p:par>
+        <p:cTn id="1" dur="indefinite" restart="never" nodeType="tmRoot"/>
+      </p:par>
+    </p:tnLst>
+  </p:timing>
+</p:sld>
+</file>
+
+<file path=ppt/slides/slide11.xml><?xml version="1.0" encoding="utf-8"?>
+<p:sld xmlns:a="http://schemas.openxmlformats.org/drawingml/2006/main" xmlns:r="http://schemas.openxmlformats.org/officeDocument/2006/relationships" xmlns:p="http://schemas.openxmlformats.org/presentationml/2006/main">
+  <p:cSld>
+    <p:spTree>
+      <p:nvGrpSpPr>
+        <p:cNvPr id="1" name=""/>
+        <p:cNvGrpSpPr/>
+        <p:nvPr/>
+      </p:nvGrpSpPr>
+      <p:grpSpPr>
+        <a:xfrm>
+          <a:off x="0" y="0"/>
+          <a:ext cx="0" cy="0"/>
+          <a:chOff x="0" y="0"/>
+          <a:chExt cx="0" cy="0"/>
+        </a:xfrm>
+      </p:grpSpPr>
+      <p:sp>
+        <p:nvSpPr>
+          <p:cNvPr id="2" name="Title 1"/>
+          <p:cNvSpPr>
+            <a:spLocks noGrp="1"/>
+          </p:cNvSpPr>
+          <p:nvPr>
+            <p:ph type="title"/>
+          </p:nvPr>
+        </p:nvSpPr>
+        <p:spPr/>
+        <p:txBody>
+          <a:bodyPr>
+            <a:normAutofit fontScale="90000"/>
+          </a:bodyPr>
+          <a:lstStyle/>
+          <a:p>
+            <a:r>
+              <a:rPr lang="en-GB" dirty="0" err="1" smtClean="0"/>
+              <a:t>Pasilla</a:t>
+            </a:r>
+            <a:r>
+              <a:rPr lang="en-GB" dirty="0"/>
+              <a:t/>
+            </a:r>
+            <a:br>
+              <a:rPr lang="en-GB" dirty="0"/>
+            </a:br>
+            <a:r>
+              <a:rPr lang="en-GB" sz="2700" dirty="0" smtClean="0"/>
+              <a:t>A Test </a:t>
+            </a:r>
+            <a:r>
+              <a:rPr lang="en-GB" sz="2700" dirty="0"/>
+              <a:t>Framework for Protractor</a:t>
+            </a:r>
+          </a:p>
+        </p:txBody>
+      </p:sp>
+      <p:sp>
+        <p:nvSpPr>
+          <p:cNvPr id="22" name="Rectangle 21"/>
+          <p:cNvSpPr/>
+          <p:nvPr/>
+        </p:nvSpPr>
+        <p:spPr>
+          <a:xfrm>
             <a:off x="301827" y="274442"/>
             <a:ext cx="2394720" cy="1001114"/>
           </a:xfrm>
@@ -20201,7 +20481,7 @@
 </p:sld>
 </file>
 
-<file path=ppt/slides/slide11.xml><?xml version="1.0" encoding="utf-8"?>
+<file path=ppt/slides/slide12.xml><?xml version="1.0" encoding="utf-8"?>
 <p:sld xmlns:a="http://schemas.openxmlformats.org/drawingml/2006/main" xmlns:r="http://schemas.openxmlformats.org/officeDocument/2006/relationships" xmlns:p="http://schemas.openxmlformats.org/presentationml/2006/main">
   <p:cSld>
     <p:spTree>
@@ -21659,7 +21939,7 @@
 </p:sld>
 </file>
 
-<file path=ppt/slides/slide12.xml><?xml version="1.0" encoding="utf-8"?>
+<file path=ppt/slides/slide13.xml><?xml version="1.0" encoding="utf-8"?>
 <p:sld xmlns:a="http://schemas.openxmlformats.org/drawingml/2006/main" xmlns:r="http://schemas.openxmlformats.org/officeDocument/2006/relationships" xmlns:p="http://schemas.openxmlformats.org/presentationml/2006/main">
   <p:cSld>
     <p:spTree>
@@ -23116,7 +23396,7 @@
 </p:sld>
 </file>
 
-<file path=ppt/slides/slide13.xml><?xml version="1.0" encoding="utf-8"?>
+<file path=ppt/slides/slide14.xml><?xml version="1.0" encoding="utf-8"?>
 <p:sld xmlns:a="http://schemas.openxmlformats.org/drawingml/2006/main" xmlns:r="http://schemas.openxmlformats.org/officeDocument/2006/relationships" xmlns:p="http://schemas.openxmlformats.org/presentationml/2006/main">
   <p:cSld>
     <p:spTree>
@@ -23877,7 +24157,7 @@
 </p:sld>
 </file>
 
-<file path=ppt/slides/slide14.xml><?xml version="1.0" encoding="utf-8"?>
+<file path=ppt/slides/slide15.xml><?xml version="1.0" encoding="utf-8"?>
 <p:sld xmlns:a="http://schemas.openxmlformats.org/drawingml/2006/main" xmlns:r="http://schemas.openxmlformats.org/officeDocument/2006/relationships" xmlns:p="http://schemas.openxmlformats.org/presentationml/2006/main">
   <p:cSld>
     <p:spTree>
@@ -24654,7 +24934,7 @@
 </p:sld>
 </file>
 
-<file path=ppt/slides/slide15.xml><?xml version="1.0" encoding="utf-8"?>
+<file path=ppt/slides/slide16.xml><?xml version="1.0" encoding="utf-8"?>
 <p:sld xmlns:a="http://schemas.openxmlformats.org/drawingml/2006/main" xmlns:r="http://schemas.openxmlformats.org/officeDocument/2006/relationships" xmlns:p="http://schemas.openxmlformats.org/presentationml/2006/main">
   <p:cSld>
     <p:spTree>
@@ -26235,7 +26515,7 @@
 </p:sld>
 </file>
 
-<file path=ppt/slides/slide16.xml><?xml version="1.0" encoding="utf-8"?>
+<file path=ppt/slides/slide17.xml><?xml version="1.0" encoding="utf-8"?>
 <p:sld xmlns:a="http://schemas.openxmlformats.org/drawingml/2006/main" xmlns:r="http://schemas.openxmlformats.org/officeDocument/2006/relationships" xmlns:p="http://schemas.openxmlformats.org/presentationml/2006/main">
   <p:cSld>
     <p:spTree>
@@ -32301,6 +32581,683 @@
             <p:ph type="title"/>
           </p:nvPr>
         </p:nvSpPr>
+        <p:spPr>
+          <a:xfrm>
+            <a:off x="656337" y="-21028"/>
+            <a:ext cx="10515600" cy="918173"/>
+          </a:xfrm>
+        </p:spPr>
+        <p:txBody>
+          <a:bodyPr>
+            <a:normAutofit fontScale="90000"/>
+          </a:bodyPr>
+          <a:lstStyle/>
+          <a:p>
+            <a:r>
+              <a:rPr lang="en-GB" dirty="0" err="1" smtClean="0"/>
+              <a:t>Pasilla</a:t>
+            </a:r>
+            <a:r>
+              <a:rPr lang="en-GB" dirty="0"/>
+              <a:t/>
+            </a:r>
+            <a:br>
+              <a:rPr lang="en-GB" dirty="0"/>
+            </a:br>
+            <a:r>
+              <a:rPr lang="en-GB" sz="2700" dirty="0" smtClean="0"/>
+              <a:t>A Test </a:t>
+            </a:r>
+            <a:r>
+              <a:rPr lang="en-GB" sz="2700" dirty="0"/>
+              <a:t>Framework for Protractor</a:t>
+            </a:r>
+          </a:p>
+        </p:txBody>
+      </p:sp>
+      <p:cxnSp>
+        <p:nvCxnSpPr>
+          <p:cNvPr id="81" name="Elbow Connector 80"/>
+          <p:cNvCxnSpPr>
+            <a:stCxn id="44" idx="2"/>
+            <a:endCxn id="7" idx="0"/>
+          </p:cNvCxnSpPr>
+          <p:nvPr/>
+        </p:nvCxnSpPr>
+        <p:spPr>
+          <a:xfrm rot="16200000" flipH="1">
+            <a:off x="4060262" y="2497463"/>
+            <a:ext cx="1179086" cy="1"/>
+          </a:xfrm>
+          <a:prstGeom prst="bentConnector3">
+            <a:avLst>
+              <a:gd name="adj1" fmla="val 50000"/>
+            </a:avLst>
+          </a:prstGeom>
+          <a:ln>
+            <a:solidFill>
+              <a:schemeClr val="tx1"/>
+            </a:solidFill>
+            <a:tailEnd type="triangle"/>
+          </a:ln>
+        </p:spPr>
+        <p:style>
+          <a:lnRef idx="1">
+            <a:schemeClr val="accent1"/>
+          </a:lnRef>
+          <a:fillRef idx="0">
+            <a:schemeClr val="accent1"/>
+          </a:fillRef>
+          <a:effectRef idx="0">
+            <a:schemeClr val="accent1"/>
+          </a:effectRef>
+          <a:fontRef idx="minor">
+            <a:schemeClr val="tx1"/>
+          </a:fontRef>
+        </p:style>
+      </p:cxnSp>
+      <p:sp>
+        <p:nvSpPr>
+          <p:cNvPr id="4" name="Flowchart: Document 3"/>
+          <p:cNvSpPr/>
+          <p:nvPr/>
+        </p:nvSpPr>
+        <p:spPr>
+          <a:xfrm>
+            <a:off x="5131310" y="2200331"/>
+            <a:ext cx="1366168" cy="684155"/>
+          </a:xfrm>
+          <a:prstGeom prst="flowChartDocument">
+            <a:avLst/>
+          </a:prstGeom>
+          <a:solidFill>
+            <a:schemeClr val="accent6">
+              <a:lumMod val="40000"/>
+              <a:lumOff val="60000"/>
+            </a:schemeClr>
+          </a:solidFill>
+          <a:ln>
+            <a:solidFill>
+              <a:schemeClr val="tx1"/>
+            </a:solidFill>
+          </a:ln>
+        </p:spPr>
+        <p:style>
+          <a:lnRef idx="2">
+            <a:schemeClr val="accent1">
+              <a:shade val="50000"/>
+            </a:schemeClr>
+          </a:lnRef>
+          <a:fillRef idx="1">
+            <a:schemeClr val="accent1"/>
+          </a:fillRef>
+          <a:effectRef idx="0">
+            <a:schemeClr val="accent1"/>
+          </a:effectRef>
+          <a:fontRef idx="minor">
+            <a:schemeClr val="lt1"/>
+          </a:fontRef>
+        </p:style>
+        <p:txBody>
+          <a:bodyPr rtlCol="0" anchor="ctr"/>
+          <a:lstStyle/>
+          <a:p>
+            <a:pPr algn="ctr"/>
+            <a:r>
+              <a:rPr lang="en-GB" sz="1400" b="1" dirty="0">
+                <a:solidFill>
+                  <a:schemeClr val="tx1"/>
+                </a:solidFill>
+              </a:rPr>
+              <a:t>myTest.pro.js</a:t>
+            </a:r>
+          </a:p>
+        </p:txBody>
+      </p:sp>
+      <p:sp>
+        <p:nvSpPr>
+          <p:cNvPr id="43" name="Flowchart: Document 42"/>
+          <p:cNvSpPr/>
+          <p:nvPr/>
+        </p:nvSpPr>
+        <p:spPr>
+          <a:xfrm>
+            <a:off x="6796869" y="2199329"/>
+            <a:ext cx="1366166" cy="684155"/>
+          </a:xfrm>
+          <a:prstGeom prst="flowChartDocument">
+            <a:avLst/>
+          </a:prstGeom>
+          <a:solidFill>
+            <a:schemeClr val="accent6">
+              <a:lumMod val="40000"/>
+              <a:lumOff val="60000"/>
+            </a:schemeClr>
+          </a:solidFill>
+          <a:ln>
+            <a:solidFill>
+              <a:schemeClr val="tx1"/>
+            </a:solidFill>
+          </a:ln>
+        </p:spPr>
+        <p:style>
+          <a:lnRef idx="2">
+            <a:schemeClr val="accent1">
+              <a:shade val="50000"/>
+            </a:schemeClr>
+          </a:lnRef>
+          <a:fillRef idx="1">
+            <a:schemeClr val="accent1"/>
+          </a:fillRef>
+          <a:effectRef idx="0">
+            <a:schemeClr val="accent1"/>
+          </a:effectRef>
+          <a:fontRef idx="minor">
+            <a:schemeClr val="lt1"/>
+          </a:fontRef>
+        </p:style>
+        <p:txBody>
+          <a:bodyPr rtlCol="0" anchor="ctr"/>
+          <a:lstStyle/>
+          <a:p>
+            <a:pPr algn="ctr"/>
+            <a:r>
+              <a:rPr lang="en-GB" sz="1400" b="1" dirty="0">
+                <a:solidFill>
+                  <a:schemeClr val="tx1"/>
+                </a:solidFill>
+              </a:rPr>
+              <a:t>myTest.script.js</a:t>
+            </a:r>
+          </a:p>
+        </p:txBody>
+      </p:sp>
+      <p:sp>
+        <p:nvSpPr>
+          <p:cNvPr id="44" name="Flowchart: Document 43"/>
+          <p:cNvSpPr/>
+          <p:nvPr/>
+        </p:nvSpPr>
+        <p:spPr>
+          <a:xfrm>
+            <a:off x="3779343" y="1268996"/>
+            <a:ext cx="1740923" cy="684155"/>
+          </a:xfrm>
+          <a:prstGeom prst="flowChartDocument">
+            <a:avLst/>
+          </a:prstGeom>
+          <a:solidFill>
+            <a:schemeClr val="accent2">
+              <a:lumMod val="20000"/>
+              <a:lumOff val="80000"/>
+            </a:schemeClr>
+          </a:solidFill>
+          <a:ln>
+            <a:solidFill>
+              <a:schemeClr val="tx1"/>
+            </a:solidFill>
+          </a:ln>
+        </p:spPr>
+        <p:style>
+          <a:lnRef idx="2">
+            <a:schemeClr val="accent1">
+              <a:shade val="50000"/>
+            </a:schemeClr>
+          </a:lnRef>
+          <a:fillRef idx="1">
+            <a:schemeClr val="accent1"/>
+          </a:fillRef>
+          <a:effectRef idx="0">
+            <a:schemeClr val="accent1"/>
+          </a:effectRef>
+          <a:fontRef idx="minor">
+            <a:schemeClr val="lt1"/>
+          </a:fontRef>
+        </p:style>
+        <p:txBody>
+          <a:bodyPr rot="0" spcFirstLastPara="0" vertOverflow="overflow" horzOverflow="overflow" vert="horz" wrap="square" lIns="91440" tIns="45720" rIns="91440" bIns="45720" numCol="1" spcCol="0" rtlCol="0" fromWordArt="0" anchor="ctr" anchorCtr="0" forceAA="0" compatLnSpc="1">
+            <a:prstTxWarp prst="textNoShape">
+              <a:avLst/>
+            </a:prstTxWarp>
+            <a:noAutofit/>
+          </a:bodyPr>
+          <a:lstStyle/>
+          <a:p>
+            <a:pPr algn="ctr"/>
+            <a:r>
+              <a:rPr lang="en-GB" sz="1400" b="1" dirty="0">
+                <a:solidFill>
+                  <a:schemeClr val="tx1"/>
+                </a:solidFill>
+              </a:rPr>
+              <a:t>protractorConfig.js</a:t>
+            </a:r>
+          </a:p>
+        </p:txBody>
+      </p:sp>
+      <p:sp>
+        <p:nvSpPr>
+          <p:cNvPr id="47" name="Flowchart: Document 46"/>
+          <p:cNvSpPr/>
+          <p:nvPr/>
+        </p:nvSpPr>
+        <p:spPr>
+          <a:xfrm>
+            <a:off x="7059328" y="1268996"/>
+            <a:ext cx="1366168" cy="684155"/>
+          </a:xfrm>
+          <a:prstGeom prst="flowChartDocument">
+            <a:avLst/>
+          </a:prstGeom>
+          <a:solidFill>
+            <a:schemeClr val="accent1">
+              <a:lumMod val="40000"/>
+              <a:lumOff val="60000"/>
+            </a:schemeClr>
+          </a:solidFill>
+          <a:ln>
+            <a:solidFill>
+              <a:schemeClr val="tx1"/>
+            </a:solidFill>
+          </a:ln>
+        </p:spPr>
+        <p:style>
+          <a:lnRef idx="2">
+            <a:schemeClr val="accent1">
+              <a:shade val="50000"/>
+            </a:schemeClr>
+          </a:lnRef>
+          <a:fillRef idx="1">
+            <a:schemeClr val="accent1"/>
+          </a:fillRef>
+          <a:effectRef idx="0">
+            <a:schemeClr val="accent1"/>
+          </a:effectRef>
+          <a:fontRef idx="minor">
+            <a:schemeClr val="lt1"/>
+          </a:fontRef>
+        </p:style>
+        <p:txBody>
+          <a:bodyPr rtlCol="0" anchor="ctr"/>
+          <a:lstStyle/>
+          <a:p>
+            <a:pPr algn="ctr"/>
+            <a:r>
+              <a:rPr lang="en-GB" sz="1400" b="1" dirty="0" smtClean="0">
+                <a:solidFill>
+                  <a:schemeClr val="bg2">
+                    <a:lumMod val="50000"/>
+                  </a:schemeClr>
+                </a:solidFill>
+              </a:rPr>
+              <a:t>myTest.data.js</a:t>
+            </a:r>
+          </a:p>
+          <a:p>
+            <a:pPr algn="ctr"/>
+            <a:r>
+              <a:rPr lang="en-GB" sz="1400" b="1" dirty="0" smtClean="0">
+                <a:solidFill>
+                  <a:schemeClr val="bg2">
+                    <a:lumMod val="50000"/>
+                  </a:schemeClr>
+                </a:solidFill>
+              </a:rPr>
+              <a:t>(optional)</a:t>
+            </a:r>
+            <a:endParaRPr lang="en-GB" sz="1400" b="1" dirty="0">
+              <a:solidFill>
+                <a:schemeClr val="bg2">
+                  <a:lumMod val="50000"/>
+                </a:schemeClr>
+              </a:solidFill>
+            </a:endParaRPr>
+          </a:p>
+        </p:txBody>
+      </p:sp>
+      <p:sp>
+        <p:nvSpPr>
+          <p:cNvPr id="7" name="Oval 6"/>
+          <p:cNvSpPr/>
+          <p:nvPr/>
+        </p:nvSpPr>
+        <p:spPr>
+          <a:xfrm>
+            <a:off x="3779345" y="3087007"/>
+            <a:ext cx="1740922" cy="1057187"/>
+          </a:xfrm>
+          <a:prstGeom prst="ellipse">
+            <a:avLst/>
+          </a:prstGeom>
+          <a:solidFill>
+            <a:schemeClr val="accent2">
+              <a:lumMod val="20000"/>
+              <a:lumOff val="80000"/>
+            </a:schemeClr>
+          </a:solidFill>
+          <a:ln>
+            <a:solidFill>
+              <a:schemeClr val="tx1"/>
+            </a:solidFill>
+          </a:ln>
+        </p:spPr>
+        <p:style>
+          <a:lnRef idx="2">
+            <a:schemeClr val="accent1">
+              <a:shade val="50000"/>
+            </a:schemeClr>
+          </a:lnRef>
+          <a:fillRef idx="1">
+            <a:schemeClr val="accent1"/>
+          </a:fillRef>
+          <a:effectRef idx="0">
+            <a:schemeClr val="accent1"/>
+          </a:effectRef>
+          <a:fontRef idx="minor">
+            <a:schemeClr val="lt1"/>
+          </a:fontRef>
+        </p:style>
+        <p:txBody>
+          <a:bodyPr rtlCol="0" anchor="ctr"/>
+          <a:lstStyle/>
+          <a:p>
+            <a:pPr algn="ctr"/>
+            <a:r>
+              <a:rPr lang="en-GB" b="1" dirty="0" smtClean="0">
+                <a:solidFill>
+                  <a:schemeClr val="tx1"/>
+                </a:solidFill>
+              </a:rPr>
+              <a:t>Protractor</a:t>
+            </a:r>
+            <a:endParaRPr lang="en-GB" b="1" dirty="0">
+              <a:solidFill>
+                <a:schemeClr val="tx1"/>
+              </a:solidFill>
+            </a:endParaRPr>
+          </a:p>
+        </p:txBody>
+      </p:sp>
+      <p:cxnSp>
+        <p:nvCxnSpPr>
+          <p:cNvPr id="48" name="Elbow Connector 47"/>
+          <p:cNvCxnSpPr>
+            <a:stCxn id="4" idx="2"/>
+            <a:endCxn id="7" idx="6"/>
+          </p:cNvCxnSpPr>
+          <p:nvPr/>
+        </p:nvCxnSpPr>
+        <p:spPr>
+          <a:xfrm rot="5400000">
+            <a:off x="5279159" y="3080365"/>
+            <a:ext cx="776345" cy="294127"/>
+          </a:xfrm>
+          <a:prstGeom prst="bentConnector2">
+            <a:avLst/>
+          </a:prstGeom>
+          <a:ln>
+            <a:solidFill>
+              <a:schemeClr val="tx1"/>
+            </a:solidFill>
+            <a:tailEnd type="triangle"/>
+          </a:ln>
+        </p:spPr>
+        <p:style>
+          <a:lnRef idx="1">
+            <a:schemeClr val="accent1"/>
+          </a:lnRef>
+          <a:fillRef idx="0">
+            <a:schemeClr val="accent1"/>
+          </a:fillRef>
+          <a:effectRef idx="0">
+            <a:schemeClr val="accent1"/>
+          </a:effectRef>
+          <a:fontRef idx="minor">
+            <a:schemeClr val="tx1"/>
+          </a:fontRef>
+        </p:style>
+      </p:cxnSp>
+      <p:cxnSp>
+        <p:nvCxnSpPr>
+          <p:cNvPr id="31" name="Straight Arrow Connector 30"/>
+          <p:cNvCxnSpPr>
+            <a:stCxn id="43" idx="1"/>
+            <a:endCxn id="4" idx="3"/>
+          </p:cNvCxnSpPr>
+          <p:nvPr/>
+        </p:nvCxnSpPr>
+        <p:spPr>
+          <a:xfrm rot="10800000" flipV="1">
+            <a:off x="6497479" y="2541407"/>
+            <a:ext cx="299391" cy="1002"/>
+          </a:xfrm>
+          <a:prstGeom prst="bentConnector3">
+            <a:avLst>
+              <a:gd name="adj1" fmla="val 50000"/>
+            </a:avLst>
+          </a:prstGeom>
+          <a:ln>
+            <a:solidFill>
+              <a:schemeClr val="tx1"/>
+            </a:solidFill>
+            <a:tailEnd type="triangle"/>
+          </a:ln>
+        </p:spPr>
+        <p:style>
+          <a:lnRef idx="1">
+            <a:schemeClr val="accent1"/>
+          </a:lnRef>
+          <a:fillRef idx="0">
+            <a:schemeClr val="accent1"/>
+          </a:fillRef>
+          <a:effectRef idx="0">
+            <a:schemeClr val="accent1"/>
+          </a:effectRef>
+          <a:fontRef idx="minor">
+            <a:schemeClr val="tx1"/>
+          </a:fontRef>
+        </p:style>
+      </p:cxnSp>
+      <p:cxnSp>
+        <p:nvCxnSpPr>
+          <p:cNvPr id="64" name="Straight Arrow Connector 63"/>
+          <p:cNvCxnSpPr>
+            <a:stCxn id="47" idx="2"/>
+            <a:endCxn id="43" idx="0"/>
+          </p:cNvCxnSpPr>
+          <p:nvPr/>
+        </p:nvCxnSpPr>
+        <p:spPr>
+          <a:xfrm rot="5400000">
+            <a:off x="7465478" y="1922395"/>
+            <a:ext cx="291408" cy="262460"/>
+          </a:xfrm>
+          <a:prstGeom prst="bentConnector3">
+            <a:avLst>
+              <a:gd name="adj1" fmla="val 50000"/>
+            </a:avLst>
+          </a:prstGeom>
+          <a:ln>
+            <a:solidFill>
+              <a:schemeClr val="tx1"/>
+            </a:solidFill>
+            <a:prstDash val="sysDot"/>
+            <a:tailEnd type="triangle"/>
+          </a:ln>
+        </p:spPr>
+        <p:style>
+          <a:lnRef idx="1">
+            <a:schemeClr val="accent1"/>
+          </a:lnRef>
+          <a:fillRef idx="0">
+            <a:schemeClr val="accent1"/>
+          </a:fillRef>
+          <a:effectRef idx="0">
+            <a:schemeClr val="accent1"/>
+          </a:effectRef>
+          <a:fontRef idx="minor">
+            <a:schemeClr val="tx1"/>
+          </a:fontRef>
+        </p:style>
+      </p:cxnSp>
+      <p:pic>
+        <p:nvPicPr>
+          <p:cNvPr id="1024" name="Picture 1023"/>
+          <p:cNvPicPr>
+            <a:picLocks noChangeAspect="1"/>
+          </p:cNvPicPr>
+          <p:nvPr/>
+        </p:nvPicPr>
+        <p:blipFill>
+          <a:blip r:embed="rId2"/>
+          <a:stretch>
+            <a:fillRect/>
+          </a:stretch>
+        </p:blipFill>
+        <p:spPr>
+          <a:xfrm>
+            <a:off x="6018249" y="4592375"/>
+            <a:ext cx="2407247" cy="1408629"/>
+          </a:xfrm>
+          <a:prstGeom prst="rect">
+            <a:avLst/>
+          </a:prstGeom>
+        </p:spPr>
+      </p:pic>
+      <p:pic>
+        <p:nvPicPr>
+          <p:cNvPr id="1025" name="Picture 1024"/>
+          <p:cNvPicPr>
+            <a:picLocks noChangeAspect="1"/>
+          </p:cNvPicPr>
+          <p:nvPr/>
+        </p:nvPicPr>
+        <p:blipFill>
+          <a:blip r:embed="rId3"/>
+          <a:stretch>
+            <a:fillRect/>
+          </a:stretch>
+        </p:blipFill>
+        <p:spPr>
+          <a:xfrm>
+            <a:off x="6018249" y="3118080"/>
+            <a:ext cx="2407247" cy="1344076"/>
+          </a:xfrm>
+          <a:prstGeom prst="rect">
+            <a:avLst/>
+          </a:prstGeom>
+        </p:spPr>
+      </p:pic>
+      <p:sp>
+        <p:nvSpPr>
+          <p:cNvPr id="139" name="Oval 138"/>
+          <p:cNvSpPr/>
+          <p:nvPr/>
+        </p:nvSpPr>
+        <p:spPr>
+          <a:xfrm>
+            <a:off x="3779344" y="3942518"/>
+            <a:ext cx="1740922" cy="1057187"/>
+          </a:xfrm>
+          <a:prstGeom prst="ellipse">
+            <a:avLst/>
+          </a:prstGeom>
+          <a:solidFill>
+            <a:schemeClr val="accent2">
+              <a:lumMod val="20000"/>
+              <a:lumOff val="80000"/>
+            </a:schemeClr>
+          </a:solidFill>
+          <a:ln>
+            <a:solidFill>
+              <a:schemeClr val="tx1"/>
+            </a:solidFill>
+          </a:ln>
+        </p:spPr>
+        <p:style>
+          <a:lnRef idx="2">
+            <a:schemeClr val="accent1">
+              <a:shade val="50000"/>
+            </a:schemeClr>
+          </a:lnRef>
+          <a:fillRef idx="1">
+            <a:schemeClr val="accent1"/>
+          </a:fillRef>
+          <a:effectRef idx="0">
+            <a:schemeClr val="accent1"/>
+          </a:effectRef>
+          <a:fontRef idx="minor">
+            <a:schemeClr val="lt1"/>
+          </a:fontRef>
+        </p:style>
+        <p:txBody>
+          <a:bodyPr rtlCol="0" anchor="ctr"/>
+          <a:lstStyle/>
+          <a:p>
+            <a:pPr algn="ctr"/>
+            <a:r>
+              <a:rPr lang="en-GB" b="1" dirty="0" err="1" smtClean="0">
+                <a:solidFill>
+                  <a:schemeClr val="tx1"/>
+                </a:solidFill>
+              </a:rPr>
+              <a:t>WebDriver</a:t>
+            </a:r>
+            <a:endParaRPr lang="en-GB" b="1" dirty="0">
+              <a:solidFill>
+                <a:schemeClr val="tx1"/>
+              </a:solidFill>
+            </a:endParaRPr>
+          </a:p>
+        </p:txBody>
+      </p:sp>
+    </p:spTree>
+    <p:extLst>
+      <p:ext uri="{BB962C8B-B14F-4D97-AF65-F5344CB8AC3E}">
+        <p14:creationId xmlns:p14="http://schemas.microsoft.com/office/powerpoint/2010/main" val="1256648783"/>
+      </p:ext>
+    </p:extLst>
+  </p:cSld>
+  <p:clrMapOvr>
+    <a:masterClrMapping/>
+  </p:clrMapOvr>
+  <p:timing>
+    <p:tnLst>
+      <p:par>
+        <p:cTn id="1" dur="indefinite" restart="never" nodeType="tmRoot"/>
+      </p:par>
+    </p:tnLst>
+  </p:timing>
+</p:sld>
+</file>
+
+<file path=ppt/slides/slide8.xml><?xml version="1.0" encoding="utf-8"?>
+<p:sld xmlns:a="http://schemas.openxmlformats.org/drawingml/2006/main" xmlns:r="http://schemas.openxmlformats.org/officeDocument/2006/relationships" xmlns:p="http://schemas.openxmlformats.org/presentationml/2006/main">
+  <p:cSld>
+    <p:spTree>
+      <p:nvGrpSpPr>
+        <p:cNvPr id="1" name=""/>
+        <p:cNvGrpSpPr/>
+        <p:nvPr/>
+      </p:nvGrpSpPr>
+      <p:grpSpPr>
+        <a:xfrm>
+          <a:off x="0" y="0"/>
+          <a:ext cx="0" cy="0"/>
+          <a:chOff x="0" y="0"/>
+          <a:chExt cx="0" cy="0"/>
+        </a:xfrm>
+      </p:grpSpPr>
+      <p:sp>
+        <p:nvSpPr>
+          <p:cNvPr id="2" name="Title 1"/>
+          <p:cNvSpPr>
+            <a:spLocks noGrp="1"/>
+          </p:cNvSpPr>
+          <p:nvPr>
+            <p:ph type="title"/>
+          </p:nvPr>
+        </p:nvSpPr>
         <p:spPr/>
         <p:txBody>
           <a:bodyPr>
@@ -32409,15 +33366,17 @@
                   <a:schemeClr val="tx1"/>
                 </a:solidFill>
               </a:rPr>
-              <a:t>Test </a:t>
-            </a:r>
+              <a:t>Test data</a:t>
+            </a:r>
+          </a:p>
+          <a:p>
             <a:r>
               <a:rPr lang="en-GB" sz="1200" b="1" dirty="0" smtClean="0">
                 <a:solidFill>
                   <a:schemeClr val="tx1"/>
                 </a:solidFill>
               </a:rPr>
-              <a:t>data</a:t>
+              <a:t>by environment</a:t>
             </a:r>
           </a:p>
           <a:p>
@@ -32427,25 +33386,7 @@
                   <a:schemeClr val="tx1"/>
                 </a:solidFill>
               </a:rPr>
-              <a:t>by environment</a:t>
-            </a:r>
-          </a:p>
-          <a:p>
-            <a:r>
-              <a:rPr lang="en-GB" sz="1200" b="1" dirty="0" smtClean="0">
-                <a:solidFill>
-                  <a:schemeClr val="tx1"/>
-                </a:solidFill>
-              </a:rPr>
-              <a:t>by </a:t>
-            </a:r>
-            <a:r>
-              <a:rPr lang="en-GB" sz="1200" b="1" dirty="0" smtClean="0">
-                <a:solidFill>
-                  <a:schemeClr val="tx1"/>
-                </a:solidFill>
-              </a:rPr>
-              <a:t>test</a:t>
+              <a:t>by test</a:t>
             </a:r>
             <a:endParaRPr lang="en-GB" sz="1200" b="1" dirty="0">
               <a:solidFill>
@@ -32512,15 +33453,7 @@
                   <a:schemeClr val="tx1"/>
                 </a:solidFill>
               </a:rPr>
-              <a:t>Protractor </a:t>
-            </a:r>
-            <a:r>
-              <a:rPr lang="en-GB" sz="1200" b="1" dirty="0" smtClean="0">
-                <a:solidFill>
-                  <a:schemeClr val="tx1"/>
-                </a:solidFill>
-              </a:rPr>
-              <a:t>test specifications</a:t>
+              <a:t>Protractor test specifications</a:t>
             </a:r>
             <a:endParaRPr lang="en-GB" sz="1200" b="1" dirty="0">
               <a:solidFill>
@@ -32674,7 +33607,7 @@
 </p:sld>
 </file>
 
-<file path=ppt/slides/slide8.xml><?xml version="1.0" encoding="utf-8"?>
+<file path=ppt/slides/slide9.xml><?xml version="1.0" encoding="utf-8"?>
 <p:sld xmlns:a="http://schemas.openxmlformats.org/drawingml/2006/main" xmlns:r="http://schemas.openxmlformats.org/officeDocument/2006/relationships" xmlns:p="http://schemas.openxmlformats.org/presentationml/2006/main">
   <p:cSld>
     <p:spTree>
@@ -33856,168 +34789,6 @@
     <p:extLst>
       <p:ext uri="{BB962C8B-B14F-4D97-AF65-F5344CB8AC3E}">
         <p14:creationId xmlns:p14="http://schemas.microsoft.com/office/powerpoint/2010/main" val="356965625"/>
-      </p:ext>
-    </p:extLst>
-  </p:cSld>
-  <p:clrMapOvr>
-    <a:masterClrMapping/>
-  </p:clrMapOvr>
-  <p:timing>
-    <p:tnLst>
-      <p:par>
-        <p:cTn id="1" dur="indefinite" restart="never" nodeType="tmRoot"/>
-      </p:par>
-    </p:tnLst>
-  </p:timing>
-</p:sld>
-</file>
-
-<file path=ppt/slides/slide9.xml><?xml version="1.0" encoding="utf-8"?>
-<p:sld xmlns:a="http://schemas.openxmlformats.org/drawingml/2006/main" xmlns:r="http://schemas.openxmlformats.org/officeDocument/2006/relationships" xmlns:p="http://schemas.openxmlformats.org/presentationml/2006/main">
-  <p:cSld>
-    <p:spTree>
-      <p:nvGrpSpPr>
-        <p:cNvPr id="1" name=""/>
-        <p:cNvGrpSpPr/>
-        <p:nvPr/>
-      </p:nvGrpSpPr>
-      <p:grpSpPr>
-        <a:xfrm>
-          <a:off x="0" y="0"/>
-          <a:ext cx="0" cy="0"/>
-          <a:chOff x="0" y="0"/>
-          <a:chExt cx="0" cy="0"/>
-        </a:xfrm>
-      </p:grpSpPr>
-      <p:sp>
-        <p:nvSpPr>
-          <p:cNvPr id="2" name="Title 1"/>
-          <p:cNvSpPr>
-            <a:spLocks noGrp="1"/>
-          </p:cNvSpPr>
-          <p:nvPr>
-            <p:ph type="title"/>
-          </p:nvPr>
-        </p:nvSpPr>
-        <p:spPr/>
-        <p:txBody>
-          <a:bodyPr>
-            <a:normAutofit fontScale="90000"/>
-          </a:bodyPr>
-          <a:lstStyle/>
-          <a:p>
-            <a:r>
-              <a:rPr lang="en-GB" dirty="0" err="1" smtClean="0"/>
-              <a:t>Pasilla</a:t>
-            </a:r>
-            <a:r>
-              <a:rPr lang="en-GB" dirty="0"/>
-              <a:t/>
-            </a:r>
-            <a:br>
-              <a:rPr lang="en-GB" dirty="0"/>
-            </a:br>
-            <a:r>
-              <a:rPr lang="en-GB" sz="2700" dirty="0" smtClean="0"/>
-              <a:t>A Test </a:t>
-            </a:r>
-            <a:r>
-              <a:rPr lang="en-GB" sz="2700" dirty="0"/>
-              <a:t>Framework for Protractor</a:t>
-            </a:r>
-          </a:p>
-        </p:txBody>
-      </p:sp>
-      <p:sp>
-        <p:nvSpPr>
-          <p:cNvPr id="22" name="Rectangle 21"/>
-          <p:cNvSpPr/>
-          <p:nvPr/>
-        </p:nvSpPr>
-        <p:spPr>
-          <a:xfrm>
-            <a:off x="301827" y="252441"/>
-            <a:ext cx="2034973" cy="884733"/>
-          </a:xfrm>
-          <a:prstGeom prst="rect">
-            <a:avLst/>
-          </a:prstGeom>
-          <a:solidFill>
-            <a:schemeClr val="accent4">
-              <a:lumMod val="20000"/>
-              <a:lumOff val="80000"/>
-            </a:schemeClr>
-          </a:solidFill>
-          <a:ln>
-            <a:solidFill>
-              <a:srgbClr val="FF0000"/>
-            </a:solidFill>
-          </a:ln>
-        </p:spPr>
-        <p:style>
-          <a:lnRef idx="2">
-            <a:schemeClr val="accent1">
-              <a:shade val="50000"/>
-            </a:schemeClr>
-          </a:lnRef>
-          <a:fillRef idx="1">
-            <a:schemeClr val="accent1"/>
-          </a:fillRef>
-          <a:effectRef idx="0">
-            <a:schemeClr val="accent1"/>
-          </a:effectRef>
-          <a:fontRef idx="minor">
-            <a:schemeClr val="lt1"/>
-          </a:fontRef>
-        </p:style>
-        <p:txBody>
-          <a:bodyPr rtlCol="0" anchor="ctr"/>
-          <a:lstStyle/>
-          <a:p>
-            <a:r>
-              <a:rPr lang="en-GB" sz="2400" b="1" dirty="0" smtClean="0">
-                <a:solidFill>
-                  <a:schemeClr val="tx1"/>
-                </a:solidFill>
-              </a:rPr>
-              <a:t>A tester’s view of a test?</a:t>
-            </a:r>
-          </a:p>
-        </p:txBody>
-      </p:sp>
-      <p:pic>
-        <p:nvPicPr>
-          <p:cNvPr id="4" name="Picture 3"/>
-          <p:cNvPicPr>
-            <a:picLocks noChangeAspect="1"/>
-          </p:cNvPicPr>
-          <p:nvPr/>
-        </p:nvPicPr>
-        <p:blipFill>
-          <a:blip r:embed="rId2"/>
-          <a:stretch>
-            <a:fillRect/>
-          </a:stretch>
-        </p:blipFill>
-        <p:spPr>
-          <a:xfrm>
-            <a:off x="2115457" y="2045111"/>
-            <a:ext cx="7620000" cy="3371850"/>
-          </a:xfrm>
-          <a:prstGeom prst="rect">
-            <a:avLst/>
-          </a:prstGeom>
-          <a:ln>
-            <a:solidFill>
-              <a:schemeClr val="tx1"/>
-            </a:solidFill>
-          </a:ln>
-        </p:spPr>
-      </p:pic>
-    </p:spTree>
-    <p:extLst>
-      <p:ext uri="{BB962C8B-B14F-4D97-AF65-F5344CB8AC3E}">
-        <p14:creationId xmlns:p14="http://schemas.microsoft.com/office/powerpoint/2010/main" val="2427437118"/>
       </p:ext>
     </p:extLst>
   </p:cSld>
@@ -34289,19 +35060,16 @@
   <a:extraClrSchemeLst/>
   <a:extLst>
     <a:ext uri="{05A4C25C-085E-4340-85A3-A5531E510DB2}">
-      <thm15:themeFamily xmlns="" xmlns:thm15="http://schemas.microsoft.com/office/thememl/2012/main" name="ParsleyAKeywordDrivenTestFrameworkForProtractor.pptx" id="{FAB09FEF-1788-43F4-86C8-751AB120A1F7}" vid="{6CFE0173-6A2D-4064-B9B0-3164DE0801F8}"/>
+      <thm15:themeFamily xmlns:thm15="http://schemas.microsoft.com/office/thememl/2012/main" name="ParsleyAKeywordDrivenTestFrameworkForProtractor.pptx" id="{FAB09FEF-1788-43F4-86C8-751AB120A1F7}" vid="{6CFE0173-6A2D-4064-B9B0-3164DE0801F8}"/>
     </a:ext>
   </a:extLst>
 </a:theme>
 </file>
 
 <file path=customXml/item1.xml><?xml version="1.0" encoding="utf-8"?>
-<?mso-contentType ?>
-<FormTemplates xmlns="http://schemas.microsoft.com/sharepoint/v3/contenttype/forms">
-  <Display>DocumentLibraryForm</Display>
-  <Edit>DocumentLibraryForm</Edit>
-  <New>DocumentLibraryForm</New>
-</FormTemplates>
+<p:properties xmlns:p="http://schemas.microsoft.com/office/2006/metadata/properties" xmlns:xsi="http://www.w3.org/2001/XMLSchema-instance" xmlns:pc="http://schemas.microsoft.com/office/infopath/2007/PartnerControls">
+  <documentManagement/>
+</p:properties>
 </file>
 
 <file path=customXml/item2.xml><?xml version="1.0" encoding="utf-8"?>
@@ -34445,15 +35213,26 @@
 </file>
 
 <file path=customXml/item3.xml><?xml version="1.0" encoding="utf-8"?>
-<p:properties xmlns:p="http://schemas.microsoft.com/office/2006/metadata/properties" xmlns:xsi="http://www.w3.org/2001/XMLSchema-instance" xmlns:pc="http://schemas.microsoft.com/office/infopath/2007/PartnerControls">
-  <documentManagement/>
-</p:properties>
+<?mso-contentType ?>
+<FormTemplates xmlns="http://schemas.microsoft.com/sharepoint/v3/contenttype/forms">
+  <Display>DocumentLibraryForm</Display>
+  <Edit>DocumentLibraryForm</Edit>
+  <New>DocumentLibraryForm</New>
+</FormTemplates>
 </file>
 
 <file path=customXml/itemProps1.xml><?xml version="1.0" encoding="utf-8"?>
-<ds:datastoreItem xmlns:ds="http://schemas.openxmlformats.org/officeDocument/2006/customXml" ds:itemID="{26F4B761-0256-4821-AC41-5D7435186A4A}">
+<ds:datastoreItem xmlns:ds="http://schemas.openxmlformats.org/officeDocument/2006/customXml" ds:itemID="{24CDC820-645A-4E71-AE40-26FA1AB98D28}">
   <ds:schemaRefs>
-    <ds:schemaRef ds:uri="http://schemas.microsoft.com/sharepoint/v3/contenttype/forms"/>
+    <ds:schemaRef ds:uri="http://schemas.microsoft.com/office/infopath/2007/PartnerControls"/>
+    <ds:schemaRef ds:uri="http://purl.org/dc/dcmitype/"/>
+    <ds:schemaRef ds:uri="http://www.w3.org/XML/1998/namespace"/>
+    <ds:schemaRef ds:uri="2f4b48f1-5643-4dd3-bcf3-1f93a11fc8e6"/>
+    <ds:schemaRef ds:uri="http://schemas.microsoft.com/office/2006/documentManagement/types"/>
+    <ds:schemaRef ds:uri="http://purl.org/dc/elements/1.1/"/>
+    <ds:schemaRef ds:uri="http://schemas.openxmlformats.org/package/2006/metadata/core-properties"/>
+    <ds:schemaRef ds:uri="http://purl.org/dc/terms/"/>
+    <ds:schemaRef ds:uri="http://schemas.microsoft.com/office/2006/metadata/properties"/>
   </ds:schemaRefs>
 </ds:datastoreItem>
 </file>
@@ -34477,17 +35256,9 @@
 </file>
 
 <file path=customXml/itemProps3.xml><?xml version="1.0" encoding="utf-8"?>
-<ds:datastoreItem xmlns:ds="http://schemas.openxmlformats.org/officeDocument/2006/customXml" ds:itemID="{24CDC820-645A-4E71-AE40-26FA1AB98D28}">
+<ds:datastoreItem xmlns:ds="http://schemas.openxmlformats.org/officeDocument/2006/customXml" ds:itemID="{26F4B761-0256-4821-AC41-5D7435186A4A}">
   <ds:schemaRefs>
-    <ds:schemaRef ds:uri="http://schemas.microsoft.com/office/infopath/2007/PartnerControls"/>
-    <ds:schemaRef ds:uri="http://purl.org/dc/dcmitype/"/>
-    <ds:schemaRef ds:uri="http://www.w3.org/XML/1998/namespace"/>
-    <ds:schemaRef ds:uri="2f4b48f1-5643-4dd3-bcf3-1f93a11fc8e6"/>
-    <ds:schemaRef ds:uri="http://schemas.microsoft.com/office/2006/documentManagement/types"/>
-    <ds:schemaRef ds:uri="http://purl.org/dc/elements/1.1/"/>
-    <ds:schemaRef ds:uri="http://schemas.openxmlformats.org/package/2006/metadata/core-properties"/>
-    <ds:schemaRef ds:uri="http://purl.org/dc/terms/"/>
-    <ds:schemaRef ds:uri="http://schemas.microsoft.com/office/2006/metadata/properties"/>
+    <ds:schemaRef ds:uri="http://schemas.microsoft.com/sharepoint/v3/contenttype/forms"/>
   </ds:schemaRefs>
 </ds:datastoreItem>
 </file>
--- a/documentation/PasillaAKeywordDrivenTestFrameworkForProtractor.pptx
+++ b/documentation/PasillaAKeywordDrivenTestFrameworkForProtractor.pptx
@@ -12,16 +12,17 @@
     <p:sldId id="259" r:id="rId9"/>
     <p:sldId id="260" r:id="rId10"/>
     <p:sldId id="277" r:id="rId11"/>
-    <p:sldId id="261" r:id="rId12"/>
-    <p:sldId id="264" r:id="rId13"/>
-    <p:sldId id="265" r:id="rId14"/>
-    <p:sldId id="266" r:id="rId15"/>
-    <p:sldId id="267" r:id="rId16"/>
-    <p:sldId id="268" r:id="rId17"/>
-    <p:sldId id="275" r:id="rId18"/>
-    <p:sldId id="276" r:id="rId19"/>
-    <p:sldId id="273" r:id="rId20"/>
-    <p:sldId id="274" r:id="rId21"/>
+    <p:sldId id="278" r:id="rId12"/>
+    <p:sldId id="261" r:id="rId13"/>
+    <p:sldId id="264" r:id="rId14"/>
+    <p:sldId id="265" r:id="rId15"/>
+    <p:sldId id="266" r:id="rId16"/>
+    <p:sldId id="267" r:id="rId17"/>
+    <p:sldId id="268" r:id="rId18"/>
+    <p:sldId id="275" r:id="rId19"/>
+    <p:sldId id="276" r:id="rId20"/>
+    <p:sldId id="273" r:id="rId21"/>
+    <p:sldId id="274" r:id="rId22"/>
   </p:sldIdLst>
   <p:sldSz cx="12192000" cy="6858000"/>
   <p:notesSz cx="9926638" cy="14295438"/>
@@ -6571,93 +6572,93 @@
     </dgm:pt>
   </dgm:ptLst>
   <dgm:cxnLst>
+    <dgm:cxn modelId="{3CFD2860-1AD0-4AF0-8B15-2D01D8F153BF}" srcId="{A4ADDFF1-7882-423C-AA64-6F9186D451D8}" destId="{958148BA-D080-4F89-906C-07651A29ED1D}" srcOrd="0" destOrd="0" parTransId="{0345B78C-878B-4902-8084-0AE80E9CF16A}" sibTransId="{3FF8CE95-583A-4852-8201-EB1C191B396D}"/>
+    <dgm:cxn modelId="{9FCF22C4-5F88-4F80-B49A-B104D588CE43}" srcId="{54B13330-F421-42C5-AA70-1A17008674B8}" destId="{1156188F-2B8C-4396-9898-051C2329E1C5}" srcOrd="2" destOrd="0" parTransId="{303742BD-6784-441F-93B8-679D96BEDC3D}" sibTransId="{8DDB81A5-8CA1-4913-9826-078D259DDE78}"/>
     <dgm:cxn modelId="{85EB802E-2D8E-41AE-AE5A-F93FA7F3A4C5}" type="presOf" srcId="{1827863C-95DB-45C4-8D42-0D85AC7DB1F9}" destId="{983E0EB7-A579-4F15-934C-D56985D0E97D}" srcOrd="0" destOrd="0" presId="urn:microsoft.com/office/officeart/2008/layout/HorizontalMultiLevelHierarchy"/>
+    <dgm:cxn modelId="{FE6156C8-89CD-476F-8A2B-3D89A33D3F06}" type="presOf" srcId="{1F72B363-B160-4A80-A6C8-370EDD94B4CF}" destId="{0D01B59A-5FFE-4A83-B8D9-A6EDCFE2B05E}" srcOrd="0" destOrd="0" presId="urn:microsoft.com/office/officeart/2008/layout/HorizontalMultiLevelHierarchy"/>
+    <dgm:cxn modelId="{2F46BB57-B63A-47E8-912C-40E97CA1466C}" type="presOf" srcId="{0E592EFC-EC4B-49B2-8762-E878CD593E3A}" destId="{008AA575-C7EE-481F-8E5A-70B498B23351}" srcOrd="0" destOrd="0" presId="urn:microsoft.com/office/officeart/2008/layout/HorizontalMultiLevelHierarchy"/>
+    <dgm:cxn modelId="{E5BD989F-08FD-4615-8328-32B9A67FC8EC}" type="presOf" srcId="{81C85202-6A35-4EAB-9B10-2FB4EFE2B5C1}" destId="{E18A34BE-33AC-43AF-85AE-018BFC2FFD84}" srcOrd="0" destOrd="0" presId="urn:microsoft.com/office/officeart/2008/layout/HorizontalMultiLevelHierarchy"/>
+    <dgm:cxn modelId="{336EC260-D909-4B6D-9955-970D0A80F35E}" type="presOf" srcId="{A9F767A8-41B4-407B-9C08-B566A1AC4927}" destId="{DBA4CA91-E385-4850-9C79-2C53D314572F}" srcOrd="0" destOrd="0" presId="urn:microsoft.com/office/officeart/2008/layout/HorizontalMultiLevelHierarchy"/>
+    <dgm:cxn modelId="{CDEA4F60-1ECB-4B58-94C0-2D1FD64310E9}" type="presOf" srcId="{ECB0ED73-865F-4932-9831-3E4B37074419}" destId="{94E6744A-2397-490C-9C52-22C4C5813703}" srcOrd="1" destOrd="0" presId="urn:microsoft.com/office/officeart/2008/layout/HorizontalMultiLevelHierarchy"/>
+    <dgm:cxn modelId="{DD07FE90-E2EE-4717-9401-92752E969759}" type="presOf" srcId="{50EF9952-B732-439E-8DB0-E39A7B77AE06}" destId="{04483C0E-574D-4496-AC9A-2B671985B453}" srcOrd="0" destOrd="0" presId="urn:microsoft.com/office/officeart/2008/layout/HorizontalMultiLevelHierarchy"/>
+    <dgm:cxn modelId="{2270BEC3-F788-49FA-B7B0-48957961EC9C}" type="presOf" srcId="{40F64F40-29E1-4825-8265-5C136AA57213}" destId="{D474315A-A521-493F-8025-B9C26A01D152}" srcOrd="0" destOrd="0" presId="urn:microsoft.com/office/officeart/2008/layout/HorizontalMultiLevelHierarchy"/>
+    <dgm:cxn modelId="{42CDE7AC-43A0-4734-B59D-9706AAC4E666}" type="presOf" srcId="{B6B8F82E-09CD-4F01-834B-E97FC90C517D}" destId="{31066EA5-3788-412A-8DFC-F65B6009BADF}" srcOrd="0" destOrd="0" presId="urn:microsoft.com/office/officeart/2008/layout/HorizontalMultiLevelHierarchy"/>
+    <dgm:cxn modelId="{2BBD69F0-F90F-40DE-8822-A81B62ECC357}" type="presOf" srcId="{019FEC18-91AB-4546-8C6D-7D5C8CE8B8CE}" destId="{E404A033-74EF-4246-BC47-F72448528B01}" srcOrd="1" destOrd="0" presId="urn:microsoft.com/office/officeart/2008/layout/HorizontalMultiLevelHierarchy"/>
     <dgm:cxn modelId="{B2657C5F-9945-46FB-9C62-05E5E0A7F67C}" srcId="{54B13330-F421-42C5-AA70-1A17008674B8}" destId="{0E592EFC-EC4B-49B2-8762-E878CD593E3A}" srcOrd="6" destOrd="0" parTransId="{7F70E8A9-9CDB-4BE3-97A0-A547CB509FBF}" sibTransId="{AB8BD533-E981-4ACF-81AF-C006C75E7DB4}"/>
-    <dgm:cxn modelId="{1D5BF787-6DEA-434D-81AB-BA2AE2042859}" type="presOf" srcId="{4199B668-0B8E-471A-A525-11E16A4D3F5F}" destId="{B7BBC026-ADB3-4877-99D8-0C780C0F6FD1}" srcOrd="1" destOrd="0" presId="urn:microsoft.com/office/officeart/2008/layout/HorizontalMultiLevelHierarchy"/>
-    <dgm:cxn modelId="{2F46BB57-B63A-47E8-912C-40E97CA1466C}" type="presOf" srcId="{0E592EFC-EC4B-49B2-8762-E878CD593E3A}" destId="{008AA575-C7EE-481F-8E5A-70B498B23351}" srcOrd="0" destOrd="0" presId="urn:microsoft.com/office/officeart/2008/layout/HorizontalMultiLevelHierarchy"/>
-    <dgm:cxn modelId="{336EC260-D909-4B6D-9955-970D0A80F35E}" type="presOf" srcId="{A9F767A8-41B4-407B-9C08-B566A1AC4927}" destId="{DBA4CA91-E385-4850-9C79-2C53D314572F}" srcOrd="0" destOrd="0" presId="urn:microsoft.com/office/officeart/2008/layout/HorizontalMultiLevelHierarchy"/>
+    <dgm:cxn modelId="{110135BA-0F0D-4CD3-B5DA-EA94FE542B31}" type="presOf" srcId="{303742BD-6784-441F-93B8-679D96BEDC3D}" destId="{713DFD89-4B6B-47B2-8203-544899CE5C74}" srcOrd="0" destOrd="0" presId="urn:microsoft.com/office/officeart/2008/layout/HorizontalMultiLevelHierarchy"/>
     <dgm:cxn modelId="{0626B16C-A45B-4316-B4BE-E1B73945DEFC}" type="presOf" srcId="{D405E58C-0BFF-479D-9ABA-FB5264CAF22D}" destId="{7FFA155F-0FA2-4989-8D7F-60AF2E6F04E5}" srcOrd="0" destOrd="0" presId="urn:microsoft.com/office/officeart/2008/layout/HorizontalMultiLevelHierarchy"/>
-    <dgm:cxn modelId="{2BBD69F0-F90F-40DE-8822-A81B62ECC357}" type="presOf" srcId="{019FEC18-91AB-4546-8C6D-7D5C8CE8B8CE}" destId="{E404A033-74EF-4246-BC47-F72448528B01}" srcOrd="1" destOrd="0" presId="urn:microsoft.com/office/officeart/2008/layout/HorizontalMultiLevelHierarchy"/>
+    <dgm:cxn modelId="{3BB54C0C-CB97-4247-9CB2-DA4F1E36A4EB}" srcId="{B6DB16EE-E97D-4862-B529-4C94EEA394AE}" destId="{40F64F40-29E1-4825-8265-5C136AA57213}" srcOrd="0" destOrd="0" parTransId="{61BB162E-D6CB-4DDB-BADD-26CF607C68D6}" sibTransId="{6A804942-E506-43B5-957B-76F300DA784E}"/>
+    <dgm:cxn modelId="{D01336A0-1657-4FE0-AE15-040B9DB2FA3E}" type="presOf" srcId="{1156188F-2B8C-4396-9898-051C2329E1C5}" destId="{548BEBB0-D16C-432C-B6DC-C7FC389D01DC}" srcOrd="0" destOrd="0" presId="urn:microsoft.com/office/officeart/2008/layout/HorizontalMultiLevelHierarchy"/>
+    <dgm:cxn modelId="{25A8F24F-760D-4E53-91DF-FAE8604777D2}" type="presOf" srcId="{EE8E16E6-627C-4D07-8E02-9AE58BB63366}" destId="{32914054-5201-4F4C-84B8-D8E945DB307E}" srcOrd="1" destOrd="0" presId="urn:microsoft.com/office/officeart/2008/layout/HorizontalMultiLevelHierarchy"/>
+    <dgm:cxn modelId="{97496D86-7A7E-486E-9C50-F48287192D8A}" type="presOf" srcId="{104B82BD-60F8-4705-9410-1A92324DD223}" destId="{34D49760-BA84-4BD7-B73E-D0E72C2EE2B4}" srcOrd="0" destOrd="0" presId="urn:microsoft.com/office/officeart/2008/layout/HorizontalMultiLevelHierarchy"/>
+    <dgm:cxn modelId="{A6EAAE6B-7058-4F36-A9BE-0117E9B574D0}" type="presOf" srcId="{C6606349-5672-442E-A5B1-3B6EC2A628D0}" destId="{05F44D56-B815-42FF-A0CE-47047ADBDAD2}" srcOrd="0" destOrd="0" presId="urn:microsoft.com/office/officeart/2008/layout/HorizontalMultiLevelHierarchy"/>
+    <dgm:cxn modelId="{52DFCC7F-F975-4A41-8115-431C9658E9C6}" type="presOf" srcId="{958148BA-D080-4F89-906C-07651A29ED1D}" destId="{1AEACB23-D78F-4B4D-A9E4-0DBACFC420C3}" srcOrd="0" destOrd="0" presId="urn:microsoft.com/office/officeart/2008/layout/HorizontalMultiLevelHierarchy"/>
+    <dgm:cxn modelId="{BD64F324-2A4E-4488-9708-E0431AEFBD07}" type="presOf" srcId="{104B82BD-60F8-4705-9410-1A92324DD223}" destId="{55EF61AB-7728-4180-811E-46C0333973BB}" srcOrd="1" destOrd="0" presId="urn:microsoft.com/office/officeart/2008/layout/HorizontalMultiLevelHierarchy"/>
+    <dgm:cxn modelId="{2E47288E-F14E-4D39-966F-1121F2437986}" type="presOf" srcId="{1F72B363-B160-4A80-A6C8-370EDD94B4CF}" destId="{82E38931-4962-40FE-9F98-C9CB41EA7B26}" srcOrd="1" destOrd="0" presId="urn:microsoft.com/office/officeart/2008/layout/HorizontalMultiLevelHierarchy"/>
+    <dgm:cxn modelId="{B3F183A0-1DD1-4E52-BD14-7496374D285A}" type="presOf" srcId="{8AEEA6EE-B10B-493B-AC72-ABCB89445B81}" destId="{0A31862F-7E3F-46A2-99D4-B96370DB3536}" srcOrd="0" destOrd="0" presId="urn:microsoft.com/office/officeart/2008/layout/HorizontalMultiLevelHierarchy"/>
+    <dgm:cxn modelId="{CE71EC21-5FA3-4010-A7C5-D051889330C3}" type="presOf" srcId="{F6582A67-A139-4B74-A2EA-21A1C864407F}" destId="{75421B01-0B16-4D3F-85AC-9FDF895596FE}" srcOrd="0" destOrd="0" presId="urn:microsoft.com/office/officeart/2008/layout/HorizontalMultiLevelHierarchy"/>
+    <dgm:cxn modelId="{5BC65BEB-1979-41D4-9310-92D47F995F5F}" srcId="{0E592EFC-EC4B-49B2-8762-E878CD593E3A}" destId="{25637585-FB37-4C6E-AE64-5D712056C643}" srcOrd="0" destOrd="0" parTransId="{84C27BA7-C52C-4E4A-AC03-08EB641A07C9}" sibTransId="{2B491D82-BC58-4B4D-B568-73EDAE69CF33}"/>
+    <dgm:cxn modelId="{5AF3FF2E-8573-403E-9A60-131B8F79DA30}" type="presOf" srcId="{2F5FAEFE-1EA9-41CB-9537-E3948DA75E82}" destId="{E50C2439-5302-4073-A4A6-DD0B3CA2D779}" srcOrd="0" destOrd="0" presId="urn:microsoft.com/office/officeart/2008/layout/HorizontalMultiLevelHierarchy"/>
+    <dgm:cxn modelId="{98DC0F83-96C8-4F25-8E25-844CA943558C}" type="presOf" srcId="{7ADFD6C0-7688-4607-A280-C83802679844}" destId="{78750218-D6E4-46CD-BE1C-A851C3C97E92}" srcOrd="0" destOrd="0" presId="urn:microsoft.com/office/officeart/2008/layout/HorizontalMultiLevelHierarchy"/>
+    <dgm:cxn modelId="{D8EBAA90-EB16-40BE-B2CB-78D894AFB956}" srcId="{54B13330-F421-42C5-AA70-1A17008674B8}" destId="{A4ADDFF1-7882-423C-AA64-6F9186D451D8}" srcOrd="3" destOrd="0" parTransId="{950E381D-ED7E-4D83-A4B8-8568AB6025F9}" sibTransId="{705E98B6-93FA-4737-877F-575788DFD423}"/>
+    <dgm:cxn modelId="{D5E259EA-B18E-4E73-9B37-0EFB60751D34}" type="presOf" srcId="{0345B78C-878B-4902-8084-0AE80E9CF16A}" destId="{F2BF9794-4818-4C17-B71E-F6D2CFB4B961}" srcOrd="0" destOrd="0" presId="urn:microsoft.com/office/officeart/2008/layout/HorizontalMultiLevelHierarchy"/>
+    <dgm:cxn modelId="{7DB828BC-5981-487C-8C13-7DCA1901C223}" srcId="{54B13330-F421-42C5-AA70-1A17008674B8}" destId="{93A3A072-C16A-406C-99B9-CD23953D5599}" srcOrd="8" destOrd="0" parTransId="{2C008328-FD85-4AE4-91F1-9A943B010F73}" sibTransId="{B78B0FDA-9C64-4149-A9EC-AAE291A09890}"/>
+    <dgm:cxn modelId="{82F75153-343B-4284-8D2E-95D54D3B8513}" type="presOf" srcId="{93A3A072-C16A-406C-99B9-CD23953D5599}" destId="{5F123EE8-D741-4D3A-A784-DC8C926059E5}" srcOrd="0" destOrd="0" presId="urn:microsoft.com/office/officeart/2008/layout/HorizontalMultiLevelHierarchy"/>
+    <dgm:cxn modelId="{DADDC4CB-6CFB-4DF1-A1CA-A77318E03DAE}" type="presOf" srcId="{950E381D-ED7E-4D83-A4B8-8568AB6025F9}" destId="{09D12B51-B6C7-4DC6-B49C-FFFA5368F147}" srcOrd="1" destOrd="0" presId="urn:microsoft.com/office/officeart/2008/layout/HorizontalMultiLevelHierarchy"/>
+    <dgm:cxn modelId="{F6388762-1808-4748-B0B3-D6176D203D72}" srcId="{3FCF1F2A-FD07-43B4-B879-471F983406EE}" destId="{E8228F9F-DDFD-462E-B835-579497478985}" srcOrd="0" destOrd="0" parTransId="{EE8E16E6-627C-4D07-8E02-9AE58BB63366}" sibTransId="{EDC9C1F8-5DB2-4951-84D7-07CE9B703208}"/>
+    <dgm:cxn modelId="{AF9E6DE0-2607-4235-9FA6-E242C3E16179}" srcId="{2D211BC0-FFE3-4E0A-AB82-1D796DFD4AF7}" destId="{1827863C-95DB-45C4-8D42-0D85AC7DB1F9}" srcOrd="0" destOrd="0" parTransId="{C6606349-5672-442E-A5B1-3B6EC2A628D0}" sibTransId="{1BF275A3-99EF-4F2B-B786-745EA761BCA8}"/>
+    <dgm:cxn modelId="{6A475175-6A17-43AE-89EC-2B81FCD980C1}" type="presOf" srcId="{B5A78A89-EE21-443A-AD88-636D47ABC153}" destId="{F688013D-F0BE-46BB-B736-4D8ADB403A7C}" srcOrd="1" destOrd="0" presId="urn:microsoft.com/office/officeart/2008/layout/HorizontalMultiLevelHierarchy"/>
+    <dgm:cxn modelId="{B6A2F386-AE30-419B-9457-DC0684A6611E}" type="presOf" srcId="{C6606349-5672-442E-A5B1-3B6EC2A628D0}" destId="{B22B7B04-0F48-48E1-ABEE-8E9989B97F5A}" srcOrd="1" destOrd="0" presId="urn:microsoft.com/office/officeart/2008/layout/HorizontalMultiLevelHierarchy"/>
+    <dgm:cxn modelId="{547F4613-64F8-4988-90B3-9DDE4217EA46}" srcId="{54B13330-F421-42C5-AA70-1A17008674B8}" destId="{2D211BC0-FFE3-4E0A-AB82-1D796DFD4AF7}" srcOrd="5" destOrd="0" parTransId="{B9813F5B-48F3-4EF5-BC3B-B4D57540B159}" sibTransId="{B0B6D1A6-A7AD-4739-90D7-D41478B995FB}"/>
+    <dgm:cxn modelId="{4500107C-880E-4960-8F24-F7A8C502969A}" srcId="{8AEEA6EE-B10B-493B-AC72-ABCB89445B81}" destId="{D405E58C-0BFF-479D-9ABA-FB5264CAF22D}" srcOrd="0" destOrd="0" parTransId="{1F72B363-B160-4A80-A6C8-370EDD94B4CF}" sibTransId="{ED46DFF8-ADE0-40BB-818A-3E8B74A47F42}"/>
+    <dgm:cxn modelId="{EC41F3F4-B2F8-4FA7-8FA8-35D6D5BCBCD5}" type="presOf" srcId="{61BB162E-D6CB-4DDB-BADD-26CF607C68D6}" destId="{8DE5A080-748F-4909-A22F-FFA3A21B780B}" srcOrd="1" destOrd="0" presId="urn:microsoft.com/office/officeart/2008/layout/HorizontalMultiLevelHierarchy"/>
+    <dgm:cxn modelId="{2146700B-9EF8-459B-9E62-661C12D25D05}" type="presOf" srcId="{54B13330-F421-42C5-AA70-1A17008674B8}" destId="{B325A06F-D7AF-48D6-A433-D30945A84C4F}" srcOrd="0" destOrd="0" presId="urn:microsoft.com/office/officeart/2008/layout/HorizontalMultiLevelHierarchy"/>
+    <dgm:cxn modelId="{217B51BA-3BA4-4AE6-84DA-6EB1B9047874}" type="presOf" srcId="{B9813F5B-48F3-4EF5-BC3B-B4D57540B159}" destId="{7659A773-C789-41EE-A0CA-AE19E2F1CC90}" srcOrd="0" destOrd="0" presId="urn:microsoft.com/office/officeart/2008/layout/HorizontalMultiLevelHierarchy"/>
+    <dgm:cxn modelId="{3B3405C1-29AA-4E9E-8112-82800D63BEED}" type="presOf" srcId="{2C008328-FD85-4AE4-91F1-9A943B010F73}" destId="{9F597C50-5DB0-4EA6-8A48-7C5118307BF2}" srcOrd="1" destOrd="0" presId="urn:microsoft.com/office/officeart/2008/layout/HorizontalMultiLevelHierarchy"/>
+    <dgm:cxn modelId="{8A7DFAF6-9E14-4E02-9D52-782A0E74F44E}" type="presOf" srcId="{2C008328-FD85-4AE4-91F1-9A943B010F73}" destId="{C4A6E93C-56E8-4190-8124-02E9A0682B32}" srcOrd="0" destOrd="0" presId="urn:microsoft.com/office/officeart/2008/layout/HorizontalMultiLevelHierarchy"/>
     <dgm:cxn modelId="{C40F9D2D-94C3-4608-B645-36A30087636E}" srcId="{B6DB16EE-E97D-4862-B529-4C94EEA394AE}" destId="{50EF9952-B732-439E-8DB0-E39A7B77AE06}" srcOrd="1" destOrd="0" parTransId="{104B82BD-60F8-4705-9410-1A92324DD223}" sibTransId="{B9C578C1-2734-44A9-BD5B-96FCECB75FDB}"/>
-    <dgm:cxn modelId="{9B7F168C-F090-4607-BE27-4CE334AA798C}" type="presOf" srcId="{950E381D-ED7E-4D83-A4B8-8568AB6025F9}" destId="{57C8A3E4-7C9A-43C4-9524-3ECCF2EC63A7}" srcOrd="0" destOrd="0" presId="urn:microsoft.com/office/officeart/2008/layout/HorizontalMultiLevelHierarchy"/>
-    <dgm:cxn modelId="{727ABCE2-8E4B-4A49-BB27-1E36A2EBD394}" srcId="{54B13330-F421-42C5-AA70-1A17008674B8}" destId="{8AEEA6EE-B10B-493B-AC72-ABCB89445B81}" srcOrd="4" destOrd="0" parTransId="{ECB0ED73-865F-4932-9831-3E4B37074419}" sibTransId="{DF4AEA0E-8521-4B97-997D-E1258734E68D}"/>
-    <dgm:cxn modelId="{DADDC4CB-6CFB-4DF1-A1CA-A77318E03DAE}" type="presOf" srcId="{950E381D-ED7E-4D83-A4B8-8568AB6025F9}" destId="{09D12B51-B6C7-4DC6-B49C-FFFA5368F147}" srcOrd="1" destOrd="0" presId="urn:microsoft.com/office/officeart/2008/layout/HorizontalMultiLevelHierarchy"/>
-    <dgm:cxn modelId="{BD64F324-2A4E-4488-9708-E0431AEFBD07}" type="presOf" srcId="{104B82BD-60F8-4705-9410-1A92324DD223}" destId="{55EF61AB-7728-4180-811E-46C0333973BB}" srcOrd="1" destOrd="0" presId="urn:microsoft.com/office/officeart/2008/layout/HorizontalMultiLevelHierarchy"/>
-    <dgm:cxn modelId="{4500107C-880E-4960-8F24-F7A8C502969A}" srcId="{8AEEA6EE-B10B-493B-AC72-ABCB89445B81}" destId="{D405E58C-0BFF-479D-9ABA-FB5264CAF22D}" srcOrd="0" destOrd="0" parTransId="{1F72B363-B160-4A80-A6C8-370EDD94B4CF}" sibTransId="{ED46DFF8-ADE0-40BB-818A-3E8B74A47F42}"/>
+    <dgm:cxn modelId="{35191DF8-AF5C-422A-8CFC-1B7CDE1EA2A5}" type="presOf" srcId="{0345B78C-878B-4902-8084-0AE80E9CF16A}" destId="{A72DC1AD-4E9F-4886-B3BA-14E3602FFE3E}" srcOrd="1" destOrd="0" presId="urn:microsoft.com/office/officeart/2008/layout/HorizontalMultiLevelHierarchy"/>
     <dgm:cxn modelId="{3EFC3675-D156-43A2-839F-CB18D5F1EB04}" type="presOf" srcId="{ECB0ED73-865F-4932-9831-3E4B37074419}" destId="{8AE0D171-6F72-469E-B5C6-F9E7C296DEDB}" srcOrd="0" destOrd="0" presId="urn:microsoft.com/office/officeart/2008/layout/HorizontalMultiLevelHierarchy"/>
     <dgm:cxn modelId="{2420A103-3CAA-4B4E-9261-B72D59032D8E}" type="presOf" srcId="{4199B668-0B8E-471A-A525-11E16A4D3F5F}" destId="{A7F4A0F6-B66F-4F00-A083-909E1F094419}" srcOrd="0" destOrd="0" presId="urn:microsoft.com/office/officeart/2008/layout/HorizontalMultiLevelHierarchy"/>
-    <dgm:cxn modelId="{3B3405C1-29AA-4E9E-8112-82800D63BEED}" type="presOf" srcId="{2C008328-FD85-4AE4-91F1-9A943B010F73}" destId="{9F597C50-5DB0-4EA6-8A48-7C5118307BF2}" srcOrd="1" destOrd="0" presId="urn:microsoft.com/office/officeart/2008/layout/HorizontalMultiLevelHierarchy"/>
-    <dgm:cxn modelId="{2E47288E-F14E-4D39-966F-1121F2437986}" type="presOf" srcId="{1F72B363-B160-4A80-A6C8-370EDD94B4CF}" destId="{82E38931-4962-40FE-9F98-C9CB41EA7B26}" srcOrd="1" destOrd="0" presId="urn:microsoft.com/office/officeart/2008/layout/HorizontalMultiLevelHierarchy"/>
-    <dgm:cxn modelId="{2270BEC3-F788-49FA-B7B0-48957961EC9C}" type="presOf" srcId="{40F64F40-29E1-4825-8265-5C136AA57213}" destId="{D474315A-A521-493F-8025-B9C26A01D152}" srcOrd="0" destOrd="0" presId="urn:microsoft.com/office/officeart/2008/layout/HorizontalMultiLevelHierarchy"/>
-    <dgm:cxn modelId="{C6EED5D4-1573-46D8-B3AE-C5C0142ADC4F}" type="presOf" srcId="{84C27BA7-C52C-4E4A-AC03-08EB641A07C9}" destId="{3296692A-1800-409F-B58C-374559757FCB}" srcOrd="1" destOrd="0" presId="urn:microsoft.com/office/officeart/2008/layout/HorizontalMultiLevelHierarchy"/>
-    <dgm:cxn modelId="{9FCF22C4-5F88-4F80-B49A-B104D588CE43}" srcId="{54B13330-F421-42C5-AA70-1A17008674B8}" destId="{1156188F-2B8C-4396-9898-051C2329E1C5}" srcOrd="2" destOrd="0" parTransId="{303742BD-6784-441F-93B8-679D96BEDC3D}" sibTransId="{8DDB81A5-8CA1-4913-9826-078D259DDE78}"/>
-    <dgm:cxn modelId="{7E10CFD1-7719-46DC-90DC-81E1BDA365CC}" srcId="{54B13330-F421-42C5-AA70-1A17008674B8}" destId="{3FCF1F2A-FD07-43B4-B879-471F983406EE}" srcOrd="7" destOrd="0" parTransId="{4199B668-0B8E-471A-A525-11E16A4D3F5F}" sibTransId="{EA8FB4D2-D8D8-4EE0-9A23-99462835D0E9}"/>
-    <dgm:cxn modelId="{B6A2F386-AE30-419B-9457-DC0684A6611E}" type="presOf" srcId="{C6606349-5672-442E-A5B1-3B6EC2A628D0}" destId="{B22B7B04-0F48-48E1-ABEE-8E9989B97F5A}" srcOrd="1" destOrd="0" presId="urn:microsoft.com/office/officeart/2008/layout/HorizontalMultiLevelHierarchy"/>
-    <dgm:cxn modelId="{B79F9C6B-CDF6-4D5B-BE7C-16BA4B50C93A}" type="presOf" srcId="{89F05746-7530-4AC5-8136-A9C4E5576ED2}" destId="{DB0AC17B-B174-4DA2-8E4D-0D7D3240691F}" srcOrd="0" destOrd="0" presId="urn:microsoft.com/office/officeart/2008/layout/HorizontalMultiLevelHierarchy"/>
-    <dgm:cxn modelId="{DD07FE90-E2EE-4717-9401-92752E969759}" type="presOf" srcId="{50EF9952-B732-439E-8DB0-E39A7B77AE06}" destId="{04483C0E-574D-4496-AC9A-2B671985B453}" srcOrd="0" destOrd="0" presId="urn:microsoft.com/office/officeart/2008/layout/HorizontalMultiLevelHierarchy"/>
-    <dgm:cxn modelId="{F67B2359-7437-461E-B432-7F8579E5F53F}" type="presOf" srcId="{C45DF2C0-B93A-4B75-8DF1-E8BF3CD3D08A}" destId="{3BF25A95-3620-426F-99FE-2E8CD08A8CE4}" srcOrd="0" destOrd="0" presId="urn:microsoft.com/office/officeart/2008/layout/HorizontalMultiLevelHierarchy"/>
-    <dgm:cxn modelId="{7DB828BC-5981-487C-8C13-7DCA1901C223}" srcId="{54B13330-F421-42C5-AA70-1A17008674B8}" destId="{93A3A072-C16A-406C-99B9-CD23953D5599}" srcOrd="8" destOrd="0" parTransId="{2C008328-FD85-4AE4-91F1-9A943B010F73}" sibTransId="{B78B0FDA-9C64-4149-A9EC-AAE291A09890}"/>
-    <dgm:cxn modelId="{E5BD989F-08FD-4615-8328-32B9A67FC8EC}" type="presOf" srcId="{81C85202-6A35-4EAB-9B10-2FB4EFE2B5C1}" destId="{E18A34BE-33AC-43AF-85AE-018BFC2FFD84}" srcOrd="0" destOrd="0" presId="urn:microsoft.com/office/officeart/2008/layout/HorizontalMultiLevelHierarchy"/>
-    <dgm:cxn modelId="{3C74D69B-D05C-4215-8E2F-2BEB01D5C233}" type="presOf" srcId="{B5A78A89-EE21-443A-AD88-636D47ABC153}" destId="{35A4DAB7-D9B6-4AE1-885E-5EF0DCB1A387}" srcOrd="0" destOrd="0" presId="urn:microsoft.com/office/officeart/2008/layout/HorizontalMultiLevelHierarchy"/>
-    <dgm:cxn modelId="{EC41F3F4-B2F8-4FA7-8FA8-35D6D5BCBCD5}" type="presOf" srcId="{61BB162E-D6CB-4DDB-BADD-26CF607C68D6}" destId="{8DE5A080-748F-4909-A22F-FFA3A21B780B}" srcOrd="1" destOrd="0" presId="urn:microsoft.com/office/officeart/2008/layout/HorizontalMultiLevelHierarchy"/>
-    <dgm:cxn modelId="{217B51BA-3BA4-4AE6-84DA-6EB1B9047874}" type="presOf" srcId="{B9813F5B-48F3-4EF5-BC3B-B4D57540B159}" destId="{7659A773-C789-41EE-A0CA-AE19E2F1CC90}" srcOrd="0" destOrd="0" presId="urn:microsoft.com/office/officeart/2008/layout/HorizontalMultiLevelHierarchy"/>
-    <dgm:cxn modelId="{C7579C7E-1CA1-4778-BF13-BF440499F383}" srcId="{3FCF1F2A-FD07-43B4-B879-471F983406EE}" destId="{B6DB16EE-E97D-4862-B529-4C94EEA394AE}" srcOrd="1" destOrd="0" parTransId="{C45DF2C0-B93A-4B75-8DF1-E8BF3CD3D08A}" sibTransId="{C85F78CD-1AC7-4BDE-9B09-9D0460E780B2}"/>
-    <dgm:cxn modelId="{A8810A86-D921-4788-A354-57356BDD7207}" type="presOf" srcId="{303742BD-6784-441F-93B8-679D96BEDC3D}" destId="{771C85E9-EA07-4D9D-82E2-641FCFAA20BC}" srcOrd="1" destOrd="0" presId="urn:microsoft.com/office/officeart/2008/layout/HorizontalMultiLevelHierarchy"/>
-    <dgm:cxn modelId="{3BB54C0C-CB97-4247-9CB2-DA4F1E36A4EB}" srcId="{B6DB16EE-E97D-4862-B529-4C94EEA394AE}" destId="{40F64F40-29E1-4825-8265-5C136AA57213}" srcOrd="0" destOrd="0" parTransId="{61BB162E-D6CB-4DDB-BADD-26CF607C68D6}" sibTransId="{6A804942-E506-43B5-957B-76F300DA784E}"/>
-    <dgm:cxn modelId="{98DC0F83-96C8-4F25-8E25-844CA943558C}" type="presOf" srcId="{7ADFD6C0-7688-4607-A280-C83802679844}" destId="{78750218-D6E4-46CD-BE1C-A851C3C97E92}" srcOrd="0" destOrd="0" presId="urn:microsoft.com/office/officeart/2008/layout/HorizontalMultiLevelHierarchy"/>
-    <dgm:cxn modelId="{D8EBAA90-EB16-40BE-B2CB-78D894AFB956}" srcId="{54B13330-F421-42C5-AA70-1A17008674B8}" destId="{A4ADDFF1-7882-423C-AA64-6F9186D451D8}" srcOrd="3" destOrd="0" parTransId="{950E381D-ED7E-4D83-A4B8-8568AB6025F9}" sibTransId="{705E98B6-93FA-4737-877F-575788DFD423}"/>
-    <dgm:cxn modelId="{AF9E6DE0-2607-4235-9FA6-E242C3E16179}" srcId="{2D211BC0-FFE3-4E0A-AB82-1D796DFD4AF7}" destId="{1827863C-95DB-45C4-8D42-0D85AC7DB1F9}" srcOrd="0" destOrd="0" parTransId="{C6606349-5672-442E-A5B1-3B6EC2A628D0}" sibTransId="{1BF275A3-99EF-4F2B-B786-745EA761BCA8}"/>
-    <dgm:cxn modelId="{5AA6F1C7-CA5A-4B76-9B69-AEE689EF0ED8}" type="presOf" srcId="{1AD49B2B-CE49-4482-99A1-C3A65402D993}" destId="{7F012391-3332-4BCA-873A-034FD03600FE}" srcOrd="0" destOrd="0" presId="urn:microsoft.com/office/officeart/2008/layout/HorizontalMultiLevelHierarchy"/>
-    <dgm:cxn modelId="{8389D00D-AD82-4E2D-8423-764E5FEB7066}" srcId="{93A3A072-C16A-406C-99B9-CD23953D5599}" destId="{F6582A67-A139-4B74-A2EA-21A1C864407F}" srcOrd="0" destOrd="0" parTransId="{7ADFD6C0-7688-4607-A280-C83802679844}" sibTransId="{2770CE1B-680D-4E59-9ECF-945B95007EEA}"/>
-    <dgm:cxn modelId="{42CDE7AC-43A0-4734-B59D-9706AAC4E666}" type="presOf" srcId="{B6B8F82E-09CD-4F01-834B-E97FC90C517D}" destId="{31066EA5-3788-412A-8DFC-F65B6009BADF}" srcOrd="0" destOrd="0" presId="urn:microsoft.com/office/officeart/2008/layout/HorizontalMultiLevelHierarchy"/>
-    <dgm:cxn modelId="{E54E5D22-EEB8-4607-BF64-0E0260720E18}" type="presOf" srcId="{04CB74A5-873C-4FFA-8B5E-52E083C039A1}" destId="{48A74B45-5CE6-4774-8729-4169037FAAEA}" srcOrd="0" destOrd="0" presId="urn:microsoft.com/office/officeart/2008/layout/HorizontalMultiLevelHierarchy"/>
-    <dgm:cxn modelId="{110135BA-0F0D-4CD3-B5DA-EA94FE542B31}" type="presOf" srcId="{303742BD-6784-441F-93B8-679D96BEDC3D}" destId="{713DFD89-4B6B-47B2-8203-544899CE5C74}" srcOrd="0" destOrd="0" presId="urn:microsoft.com/office/officeart/2008/layout/HorizontalMultiLevelHierarchy"/>
-    <dgm:cxn modelId="{FF90B160-07B9-41BB-912D-80F500DB4902}" type="presOf" srcId="{1AD49B2B-CE49-4482-99A1-C3A65402D993}" destId="{8F67BFA0-5899-4F66-988A-B943E15B2679}" srcOrd="1" destOrd="0" presId="urn:microsoft.com/office/officeart/2008/layout/HorizontalMultiLevelHierarchy"/>
-    <dgm:cxn modelId="{A57252B8-FC8F-427F-9145-6C09096CF479}" type="presOf" srcId="{C45DF2C0-B93A-4B75-8DF1-E8BF3CD3D08A}" destId="{222FC34D-1811-47AB-857F-B0D46949E408}" srcOrd="1" destOrd="0" presId="urn:microsoft.com/office/officeart/2008/layout/HorizontalMultiLevelHierarchy"/>
-    <dgm:cxn modelId="{EEF119B3-AEE3-4AB3-B4D0-8E4CEB881A28}" type="presOf" srcId="{7ADFD6C0-7688-4607-A280-C83802679844}" destId="{247F949D-0480-4157-8AF0-B64093454D6E}" srcOrd="1" destOrd="0" presId="urn:microsoft.com/office/officeart/2008/layout/HorizontalMultiLevelHierarchy"/>
-    <dgm:cxn modelId="{EB17667E-7268-41BC-AB39-B42DD3D08F27}" type="presOf" srcId="{7FDA7A2D-7937-4983-9070-9DF7C511A23B}" destId="{6FF0C949-3F9D-4789-AC90-F1566F9E4506}" srcOrd="0" destOrd="0" presId="urn:microsoft.com/office/officeart/2008/layout/HorizontalMultiLevelHierarchy"/>
-    <dgm:cxn modelId="{2146700B-9EF8-459B-9E62-661C12D25D05}" type="presOf" srcId="{54B13330-F421-42C5-AA70-1A17008674B8}" destId="{B325A06F-D7AF-48D6-A433-D30945A84C4F}" srcOrd="0" destOrd="0" presId="urn:microsoft.com/office/officeart/2008/layout/HorizontalMultiLevelHierarchy"/>
-    <dgm:cxn modelId="{5AF3FF2E-8573-403E-9A60-131B8F79DA30}" type="presOf" srcId="{2F5FAEFE-1EA9-41CB-9537-E3948DA75E82}" destId="{E50C2439-5302-4073-A4A6-DD0B3CA2D779}" srcOrd="0" destOrd="0" presId="urn:microsoft.com/office/officeart/2008/layout/HorizontalMultiLevelHierarchy"/>
-    <dgm:cxn modelId="{35191DF8-AF5C-422A-8CFC-1B7CDE1EA2A5}" type="presOf" srcId="{0345B78C-878B-4902-8084-0AE80E9CF16A}" destId="{A72DC1AD-4E9F-4886-B3BA-14E3602FFE3E}" srcOrd="1" destOrd="0" presId="urn:microsoft.com/office/officeart/2008/layout/HorizontalMultiLevelHierarchy"/>
-    <dgm:cxn modelId="{FE6113A4-B654-4594-A766-68198F02DB5A}" type="presOf" srcId="{61BB162E-D6CB-4DDB-BADD-26CF607C68D6}" destId="{A49807EE-F733-4759-A61F-A4B482785FC1}" srcOrd="0" destOrd="0" presId="urn:microsoft.com/office/officeart/2008/layout/HorizontalMultiLevelHierarchy"/>
-    <dgm:cxn modelId="{D01336A0-1657-4FE0-AE15-040B9DB2FA3E}" type="presOf" srcId="{1156188F-2B8C-4396-9898-051C2329E1C5}" destId="{548BEBB0-D16C-432C-B6DC-C7FC389D01DC}" srcOrd="0" destOrd="0" presId="urn:microsoft.com/office/officeart/2008/layout/HorizontalMultiLevelHierarchy"/>
-    <dgm:cxn modelId="{52DFCC7F-F975-4A41-8115-431C9658E9C6}" type="presOf" srcId="{958148BA-D080-4F89-906C-07651A29ED1D}" destId="{1AEACB23-D78F-4B4D-A9E4-0DBACFC420C3}" srcOrd="0" destOrd="0" presId="urn:microsoft.com/office/officeart/2008/layout/HorizontalMultiLevelHierarchy"/>
-    <dgm:cxn modelId="{97496D86-7A7E-486E-9C50-F48287192D8A}" type="presOf" srcId="{104B82BD-60F8-4705-9410-1A92324DD223}" destId="{34D49760-BA84-4BD7-B73E-D0E72C2EE2B4}" srcOrd="0" destOrd="0" presId="urn:microsoft.com/office/officeart/2008/layout/HorizontalMultiLevelHierarchy"/>
-    <dgm:cxn modelId="{269F8ADE-3908-4D4F-ADEC-058A8AD3C532}" type="presOf" srcId="{EE8E16E6-627C-4D07-8E02-9AE58BB63366}" destId="{4B3D3D49-E887-48AF-8019-22CC76D161CF}" srcOrd="0" destOrd="0" presId="urn:microsoft.com/office/officeart/2008/layout/HorizontalMultiLevelHierarchy"/>
-    <dgm:cxn modelId="{547F4613-64F8-4988-90B3-9DDE4217EA46}" srcId="{54B13330-F421-42C5-AA70-1A17008674B8}" destId="{2D211BC0-FFE3-4E0A-AB82-1D796DFD4AF7}" srcOrd="5" destOrd="0" parTransId="{B9813F5B-48F3-4EF5-BC3B-B4D57540B159}" sibTransId="{B0B6D1A6-A7AD-4739-90D7-D41478B995FB}"/>
-    <dgm:cxn modelId="{FE6156C8-89CD-476F-8A2B-3D89A33D3F06}" type="presOf" srcId="{1F72B363-B160-4A80-A6C8-370EDD94B4CF}" destId="{0D01B59A-5FFE-4A83-B8D9-A6EDCFE2B05E}" srcOrd="0" destOrd="0" presId="urn:microsoft.com/office/officeart/2008/layout/HorizontalMultiLevelHierarchy"/>
-    <dgm:cxn modelId="{51962030-3B72-4200-8CF8-AE31AFA3C982}" srcId="{04CB74A5-873C-4FFA-8B5E-52E083C039A1}" destId="{54B13330-F421-42C5-AA70-1A17008674B8}" srcOrd="0" destOrd="0" parTransId="{EB9703AF-5954-4CCD-9613-126E35B6383E}" sibTransId="{955D7C21-EBD8-41F5-9484-C39C79E83882}"/>
-    <dgm:cxn modelId="{D4F97384-4C39-493D-A039-4A16FBEE0230}" type="presOf" srcId="{E8228F9F-DDFD-462E-B835-579497478985}" destId="{0D30C521-978A-42D4-B3BF-B04C2BC16A78}" srcOrd="0" destOrd="0" presId="urn:microsoft.com/office/officeart/2008/layout/HorizontalMultiLevelHierarchy"/>
     <dgm:cxn modelId="{836DD4D7-01CD-46FD-B646-288588C73241}" type="presOf" srcId="{B6DB16EE-E97D-4862-B529-4C94EEA394AE}" destId="{EACEC2A6-7951-4968-AA9B-D272FA3F4B6C}" srcOrd="0" destOrd="0" presId="urn:microsoft.com/office/officeart/2008/layout/HorizontalMultiLevelHierarchy"/>
     <dgm:cxn modelId="{DD03DAE4-CC4D-4856-AFE2-EB70BA8A9747}" srcId="{54B13330-F421-42C5-AA70-1A17008674B8}" destId="{7FDA7A2D-7937-4983-9070-9DF7C511A23B}" srcOrd="0" destOrd="0" parTransId="{A9F767A8-41B4-407B-9C08-B566A1AC4927}" sibTransId="{0912709A-4B86-49F8-876C-436586C5A322}"/>
-    <dgm:cxn modelId="{3CFD2860-1AD0-4AF0-8B15-2D01D8F153BF}" srcId="{A4ADDFF1-7882-423C-AA64-6F9186D451D8}" destId="{958148BA-D080-4F89-906C-07651A29ED1D}" srcOrd="0" destOrd="0" parTransId="{0345B78C-878B-4902-8084-0AE80E9CF16A}" sibTransId="{3FF8CE95-583A-4852-8201-EB1C191B396D}"/>
+    <dgm:cxn modelId="{34547986-B343-478F-90BB-17AA42064569}" srcId="{1156188F-2B8C-4396-9898-051C2329E1C5}" destId="{2F5FAEFE-1EA9-41CB-9537-E3948DA75E82}" srcOrd="0" destOrd="0" parTransId="{B5A78A89-EE21-443A-AD88-636D47ABC153}" sibTransId="{329E628C-3532-40B0-AA1C-6ED2CC5FDCD9}"/>
+    <dgm:cxn modelId="{1854C9E7-D5B5-4F52-BC70-5E6B8F9896D8}" type="presOf" srcId="{3FCF1F2A-FD07-43B4-B879-471F983406EE}" destId="{74081302-62A8-41A5-BEA1-B03723F76D79}" srcOrd="0" destOrd="0" presId="urn:microsoft.com/office/officeart/2008/layout/HorizontalMultiLevelHierarchy"/>
+    <dgm:cxn modelId="{A8810A86-D921-4788-A354-57356BDD7207}" type="presOf" srcId="{303742BD-6784-441F-93B8-679D96BEDC3D}" destId="{771C85E9-EA07-4D9D-82E2-641FCFAA20BC}" srcOrd="1" destOrd="0" presId="urn:microsoft.com/office/officeart/2008/layout/HorizontalMultiLevelHierarchy"/>
+    <dgm:cxn modelId="{269F8ADE-3908-4D4F-ADEC-058A8AD3C532}" type="presOf" srcId="{EE8E16E6-627C-4D07-8E02-9AE58BB63366}" destId="{4B3D3D49-E887-48AF-8019-22CC76D161CF}" srcOrd="0" destOrd="0" presId="urn:microsoft.com/office/officeart/2008/layout/HorizontalMultiLevelHierarchy"/>
+    <dgm:cxn modelId="{EEF119B3-AEE3-4AB3-B4D0-8E4CEB881A28}" type="presOf" srcId="{7ADFD6C0-7688-4607-A280-C83802679844}" destId="{247F949D-0480-4157-8AF0-B64093454D6E}" srcOrd="1" destOrd="0" presId="urn:microsoft.com/office/officeart/2008/layout/HorizontalMultiLevelHierarchy"/>
+    <dgm:cxn modelId="{9B7F168C-F090-4607-BE27-4CE334AA798C}" type="presOf" srcId="{950E381D-ED7E-4D83-A4B8-8568AB6025F9}" destId="{57C8A3E4-7C9A-43C4-9524-3ECCF2EC63A7}" srcOrd="0" destOrd="0" presId="urn:microsoft.com/office/officeart/2008/layout/HorizontalMultiLevelHierarchy"/>
+    <dgm:cxn modelId="{FF90B160-07B9-41BB-912D-80F500DB4902}" type="presOf" srcId="{1AD49B2B-CE49-4482-99A1-C3A65402D993}" destId="{8F67BFA0-5899-4F66-988A-B943E15B2679}" srcOrd="1" destOrd="0" presId="urn:microsoft.com/office/officeart/2008/layout/HorizontalMultiLevelHierarchy"/>
+    <dgm:cxn modelId="{85D676D2-F30B-47F5-B432-C177F4B214F0}" srcId="{89F05746-7530-4AC5-8136-A9C4E5576ED2}" destId="{81C85202-6A35-4EAB-9B10-2FB4EFE2B5C1}" srcOrd="0" destOrd="0" parTransId="{019FEC18-91AB-4546-8C6D-7D5C8CE8B8CE}" sibTransId="{A8593AA4-04AE-4834-8D27-562720717B28}"/>
+    <dgm:cxn modelId="{B83FE361-A56C-4019-9A4A-3121F0446361}" type="presOf" srcId="{019FEC18-91AB-4546-8C6D-7D5C8CE8B8CE}" destId="{AE193854-5DD4-461D-8B56-86C5F0C4F7E1}" srcOrd="0" destOrd="0" presId="urn:microsoft.com/office/officeart/2008/layout/HorizontalMultiLevelHierarchy"/>
+    <dgm:cxn modelId="{E54E5D22-EEB8-4607-BF64-0E0260720E18}" type="presOf" srcId="{04CB74A5-873C-4FFA-8B5E-52E083C039A1}" destId="{48A74B45-5CE6-4774-8729-4169037FAAEA}" srcOrd="0" destOrd="0" presId="urn:microsoft.com/office/officeart/2008/layout/HorizontalMultiLevelHierarchy"/>
+    <dgm:cxn modelId="{F67B2359-7437-461E-B432-7F8579E5F53F}" type="presOf" srcId="{C45DF2C0-B93A-4B75-8DF1-E8BF3CD3D08A}" destId="{3BF25A95-3620-426F-99FE-2E8CD08A8CE4}" srcOrd="0" destOrd="0" presId="urn:microsoft.com/office/officeart/2008/layout/HorizontalMultiLevelHierarchy"/>
+    <dgm:cxn modelId="{56F64DCD-5A23-4DAD-8C14-742E71D3E221}" srcId="{54B13330-F421-42C5-AA70-1A17008674B8}" destId="{B6B8F82E-09CD-4F01-834B-E97FC90C517D}" srcOrd="1" destOrd="0" parTransId="{1AD49B2B-CE49-4482-99A1-C3A65402D993}" sibTransId="{06483560-7260-45FD-912E-BDDB9C621AEE}"/>
+    <dgm:cxn modelId="{D3F43EBE-2266-4024-A517-39F2043616CA}" type="presOf" srcId="{A9F767A8-41B4-407B-9C08-B566A1AC4927}" destId="{D4F042F9-7F33-48B6-BE52-18A5504D12C6}" srcOrd="1" destOrd="0" presId="urn:microsoft.com/office/officeart/2008/layout/HorizontalMultiLevelHierarchy"/>
+    <dgm:cxn modelId="{EB17667E-7268-41BC-AB39-B42DD3D08F27}" type="presOf" srcId="{7FDA7A2D-7937-4983-9070-9DF7C511A23B}" destId="{6FF0C949-3F9D-4789-AC90-F1566F9E4506}" srcOrd="0" destOrd="0" presId="urn:microsoft.com/office/officeart/2008/layout/HorizontalMultiLevelHierarchy"/>
+    <dgm:cxn modelId="{51962030-3B72-4200-8CF8-AE31AFA3C982}" srcId="{04CB74A5-873C-4FFA-8B5E-52E083C039A1}" destId="{54B13330-F421-42C5-AA70-1A17008674B8}" srcOrd="0" destOrd="0" parTransId="{EB9703AF-5954-4CCD-9613-126E35B6383E}" sibTransId="{955D7C21-EBD8-41F5-9484-C39C79E83882}"/>
+    <dgm:cxn modelId="{E8E3977F-463E-4699-9EEB-A57C721CDBCC}" type="presOf" srcId="{25637585-FB37-4C6E-AE64-5D712056C643}" destId="{7F95FDAB-3B35-4D5B-BBC5-204E545D0876}" srcOrd="0" destOrd="0" presId="urn:microsoft.com/office/officeart/2008/layout/HorizontalMultiLevelHierarchy"/>
+    <dgm:cxn modelId="{A57252B8-FC8F-427F-9145-6C09096CF479}" type="presOf" srcId="{C45DF2C0-B93A-4B75-8DF1-E8BF3CD3D08A}" destId="{222FC34D-1811-47AB-857F-B0D46949E408}" srcOrd="1" destOrd="0" presId="urn:microsoft.com/office/officeart/2008/layout/HorizontalMultiLevelHierarchy"/>
     <dgm:cxn modelId="{FFE6C905-1C38-47D4-B413-F6DBD21F8BF5}" type="presOf" srcId="{2D211BC0-FFE3-4E0A-AB82-1D796DFD4AF7}" destId="{5E070DCA-6141-4CDC-B670-2C6E03B4A759}" srcOrd="0" destOrd="0" presId="urn:microsoft.com/office/officeart/2008/layout/HorizontalMultiLevelHierarchy"/>
+    <dgm:cxn modelId="{8389D00D-AD82-4E2D-8423-764E5FEB7066}" srcId="{93A3A072-C16A-406C-99B9-CD23953D5599}" destId="{F6582A67-A139-4B74-A2EA-21A1C864407F}" srcOrd="0" destOrd="0" parTransId="{7ADFD6C0-7688-4607-A280-C83802679844}" sibTransId="{2770CE1B-680D-4E59-9ECF-945B95007EEA}"/>
+    <dgm:cxn modelId="{72F87271-CC60-4AE4-9304-739B5FD30255}" type="presOf" srcId="{C3E03338-09AD-4F62-BBB1-D19C1FC1696F}" destId="{DC3EC34F-D3D6-47D6-9614-ACE62C55A5F1}" srcOrd="0" destOrd="0" presId="urn:microsoft.com/office/officeart/2008/layout/HorizontalMultiLevelHierarchy"/>
+    <dgm:cxn modelId="{C7579C7E-1CA1-4778-BF13-BF440499F383}" srcId="{3FCF1F2A-FD07-43B4-B879-471F983406EE}" destId="{B6DB16EE-E97D-4862-B529-4C94EEA394AE}" srcOrd="1" destOrd="0" parTransId="{C45DF2C0-B93A-4B75-8DF1-E8BF3CD3D08A}" sibTransId="{C85F78CD-1AC7-4BDE-9B09-9D0460E780B2}"/>
+    <dgm:cxn modelId="{C2BD3B88-2398-447A-9D43-F20FAE4C7FF4}" srcId="{93A3A072-C16A-406C-99B9-CD23953D5599}" destId="{89F05746-7530-4AC5-8136-A9C4E5576ED2}" srcOrd="1" destOrd="0" parTransId="{C3E03338-09AD-4F62-BBB1-D19C1FC1696F}" sibTransId="{F126672B-7348-42A9-AD31-D78C28A8A341}"/>
+    <dgm:cxn modelId="{BF5C295E-B86E-43F8-A68D-EFE93E8FC940}" type="presOf" srcId="{A4ADDFF1-7882-423C-AA64-6F9186D451D8}" destId="{A5B26C97-0E77-41FA-A583-0CC5586F7601}" srcOrd="0" destOrd="0" presId="urn:microsoft.com/office/officeart/2008/layout/HorizontalMultiLevelHierarchy"/>
+    <dgm:cxn modelId="{8A07770C-6F2D-4766-A544-AD8D32EED84C}" type="presOf" srcId="{84C27BA7-C52C-4E4A-AC03-08EB641A07C9}" destId="{6A0827AD-C4ED-47CF-9A76-9E8009271F53}" srcOrd="0" destOrd="0" presId="urn:microsoft.com/office/officeart/2008/layout/HorizontalMultiLevelHierarchy"/>
+    <dgm:cxn modelId="{BB634F35-3005-411E-813A-C14E94470567}" type="presOf" srcId="{7F70E8A9-9CDB-4BE3-97A0-A547CB509FBF}" destId="{3C9CBFC3-FB4D-43C3-9946-F80DA72775D5}" srcOrd="0" destOrd="0" presId="urn:microsoft.com/office/officeart/2008/layout/HorizontalMultiLevelHierarchy"/>
+    <dgm:cxn modelId="{D4F97384-4C39-493D-A039-4A16FBEE0230}" type="presOf" srcId="{E8228F9F-DDFD-462E-B835-579497478985}" destId="{0D30C521-978A-42D4-B3BF-B04C2BC16A78}" srcOrd="0" destOrd="0" presId="urn:microsoft.com/office/officeart/2008/layout/HorizontalMultiLevelHierarchy"/>
+    <dgm:cxn modelId="{C6EED5D4-1573-46D8-B3AE-C5C0142ADC4F}" type="presOf" srcId="{84C27BA7-C52C-4E4A-AC03-08EB641A07C9}" destId="{3296692A-1800-409F-B58C-374559757FCB}" srcOrd="1" destOrd="0" presId="urn:microsoft.com/office/officeart/2008/layout/HorizontalMultiLevelHierarchy"/>
+    <dgm:cxn modelId="{7E10CFD1-7719-46DC-90DC-81E1BDA365CC}" srcId="{54B13330-F421-42C5-AA70-1A17008674B8}" destId="{3FCF1F2A-FD07-43B4-B879-471F983406EE}" srcOrd="7" destOrd="0" parTransId="{4199B668-0B8E-471A-A525-11E16A4D3F5F}" sibTransId="{EA8FB4D2-D8D8-4EE0-9A23-99462835D0E9}"/>
+    <dgm:cxn modelId="{5AA6F1C7-CA5A-4B76-9B69-AEE689EF0ED8}" type="presOf" srcId="{1AD49B2B-CE49-4482-99A1-C3A65402D993}" destId="{7F012391-3332-4BCA-873A-034FD03600FE}" srcOrd="0" destOrd="0" presId="urn:microsoft.com/office/officeart/2008/layout/HorizontalMultiLevelHierarchy"/>
+    <dgm:cxn modelId="{B79F9C6B-CDF6-4D5B-BE7C-16BA4B50C93A}" type="presOf" srcId="{89F05746-7530-4AC5-8136-A9C4E5576ED2}" destId="{DB0AC17B-B174-4DA2-8E4D-0D7D3240691F}" srcOrd="0" destOrd="0" presId="urn:microsoft.com/office/officeart/2008/layout/HorizontalMultiLevelHierarchy"/>
     <dgm:cxn modelId="{83E174E8-1880-4E00-A1FA-CBF0AC5C38C6}" type="presOf" srcId="{7F70E8A9-9CDB-4BE3-97A0-A547CB509FBF}" destId="{2012A195-9D04-4B40-A67C-D87382A06527}" srcOrd="1" destOrd="0" presId="urn:microsoft.com/office/officeart/2008/layout/HorizontalMultiLevelHierarchy"/>
-    <dgm:cxn modelId="{85D676D2-F30B-47F5-B432-C177F4B214F0}" srcId="{89F05746-7530-4AC5-8136-A9C4E5576ED2}" destId="{81C85202-6A35-4EAB-9B10-2FB4EFE2B5C1}" srcOrd="0" destOrd="0" parTransId="{019FEC18-91AB-4546-8C6D-7D5C8CE8B8CE}" sibTransId="{A8593AA4-04AE-4834-8D27-562720717B28}"/>
-    <dgm:cxn modelId="{5BC65BEB-1979-41D4-9310-92D47F995F5F}" srcId="{0E592EFC-EC4B-49B2-8762-E878CD593E3A}" destId="{25637585-FB37-4C6E-AE64-5D712056C643}" srcOrd="0" destOrd="0" parTransId="{84C27BA7-C52C-4E4A-AC03-08EB641A07C9}" sibTransId="{2B491D82-BC58-4B4D-B568-73EDAE69CF33}"/>
-    <dgm:cxn modelId="{BB634F35-3005-411E-813A-C14E94470567}" type="presOf" srcId="{7F70E8A9-9CDB-4BE3-97A0-A547CB509FBF}" destId="{3C9CBFC3-FB4D-43C3-9946-F80DA72775D5}" srcOrd="0" destOrd="0" presId="urn:microsoft.com/office/officeart/2008/layout/HorizontalMultiLevelHierarchy"/>
-    <dgm:cxn modelId="{D5E259EA-B18E-4E73-9B37-0EFB60751D34}" type="presOf" srcId="{0345B78C-878B-4902-8084-0AE80E9CF16A}" destId="{F2BF9794-4818-4C17-B71E-F6D2CFB4B961}" srcOrd="0" destOrd="0" presId="urn:microsoft.com/office/officeart/2008/layout/HorizontalMultiLevelHierarchy"/>
-    <dgm:cxn modelId="{8A07770C-6F2D-4766-A544-AD8D32EED84C}" type="presOf" srcId="{84C27BA7-C52C-4E4A-AC03-08EB641A07C9}" destId="{6A0827AD-C4ED-47CF-9A76-9E8009271F53}" srcOrd="0" destOrd="0" presId="urn:microsoft.com/office/officeart/2008/layout/HorizontalMultiLevelHierarchy"/>
-    <dgm:cxn modelId="{B3F183A0-1DD1-4E52-BD14-7496374D285A}" type="presOf" srcId="{8AEEA6EE-B10B-493B-AC72-ABCB89445B81}" destId="{0A31862F-7E3F-46A2-99D4-B96370DB3536}" srcOrd="0" destOrd="0" presId="urn:microsoft.com/office/officeart/2008/layout/HorizontalMultiLevelHierarchy"/>
-    <dgm:cxn modelId="{D3F43EBE-2266-4024-A517-39F2043616CA}" type="presOf" srcId="{A9F767A8-41B4-407B-9C08-B566A1AC4927}" destId="{D4F042F9-7F33-48B6-BE52-18A5504D12C6}" srcOrd="1" destOrd="0" presId="urn:microsoft.com/office/officeart/2008/layout/HorizontalMultiLevelHierarchy"/>
-    <dgm:cxn modelId="{34547986-B343-478F-90BB-17AA42064569}" srcId="{1156188F-2B8C-4396-9898-051C2329E1C5}" destId="{2F5FAEFE-1EA9-41CB-9537-E3948DA75E82}" srcOrd="0" destOrd="0" parTransId="{B5A78A89-EE21-443A-AD88-636D47ABC153}" sibTransId="{329E628C-3532-40B0-AA1C-6ED2CC5FDCD9}"/>
-    <dgm:cxn modelId="{CE71EC21-5FA3-4010-A7C5-D051889330C3}" type="presOf" srcId="{F6582A67-A139-4B74-A2EA-21A1C864407F}" destId="{75421B01-0B16-4D3F-85AC-9FDF895596FE}" srcOrd="0" destOrd="0" presId="urn:microsoft.com/office/officeart/2008/layout/HorizontalMultiLevelHierarchy"/>
-    <dgm:cxn modelId="{F6388762-1808-4748-B0B3-D6176D203D72}" srcId="{3FCF1F2A-FD07-43B4-B879-471F983406EE}" destId="{E8228F9F-DDFD-462E-B835-579497478985}" srcOrd="0" destOrd="0" parTransId="{EE8E16E6-627C-4D07-8E02-9AE58BB63366}" sibTransId="{EDC9C1F8-5DB2-4951-84D7-07CE9B703208}"/>
-    <dgm:cxn modelId="{CDEA4F60-1ECB-4B58-94C0-2D1FD64310E9}" type="presOf" srcId="{ECB0ED73-865F-4932-9831-3E4B37074419}" destId="{94E6744A-2397-490C-9C52-22C4C5813703}" srcOrd="1" destOrd="0" presId="urn:microsoft.com/office/officeart/2008/layout/HorizontalMultiLevelHierarchy"/>
-    <dgm:cxn modelId="{8A7DFAF6-9E14-4E02-9D52-782A0E74F44E}" type="presOf" srcId="{2C008328-FD85-4AE4-91F1-9A943B010F73}" destId="{C4A6E93C-56E8-4190-8124-02E9A0682B32}" srcOrd="0" destOrd="0" presId="urn:microsoft.com/office/officeart/2008/layout/HorizontalMultiLevelHierarchy"/>
-    <dgm:cxn modelId="{E8E3977F-463E-4699-9EEB-A57C721CDBCC}" type="presOf" srcId="{25637585-FB37-4C6E-AE64-5D712056C643}" destId="{7F95FDAB-3B35-4D5B-BBC5-204E545D0876}" srcOrd="0" destOrd="0" presId="urn:microsoft.com/office/officeart/2008/layout/HorizontalMultiLevelHierarchy"/>
-    <dgm:cxn modelId="{C2BD3B88-2398-447A-9D43-F20FAE4C7FF4}" srcId="{93A3A072-C16A-406C-99B9-CD23953D5599}" destId="{89F05746-7530-4AC5-8136-A9C4E5576ED2}" srcOrd="1" destOrd="0" parTransId="{C3E03338-09AD-4F62-BBB1-D19C1FC1696F}" sibTransId="{F126672B-7348-42A9-AD31-D78C28A8A341}"/>
-    <dgm:cxn modelId="{B83FE361-A56C-4019-9A4A-3121F0446361}" type="presOf" srcId="{019FEC18-91AB-4546-8C6D-7D5C8CE8B8CE}" destId="{AE193854-5DD4-461D-8B56-86C5F0C4F7E1}" srcOrd="0" destOrd="0" presId="urn:microsoft.com/office/officeart/2008/layout/HorizontalMultiLevelHierarchy"/>
     <dgm:cxn modelId="{4B6CF69F-9554-4220-B3AA-C0C6CA8E11DD}" type="presOf" srcId="{B9813F5B-48F3-4EF5-BC3B-B4D57540B159}" destId="{CE5F5186-9E85-4C7D-9636-7B4CA1401932}" srcOrd="1" destOrd="0" presId="urn:microsoft.com/office/officeart/2008/layout/HorizontalMultiLevelHierarchy"/>
     <dgm:cxn modelId="{85B0CDC2-D592-4E24-BB9B-7DD7D2B5D151}" type="presOf" srcId="{C3E03338-09AD-4F62-BBB1-D19C1FC1696F}" destId="{0D9D7F72-FB67-4937-BC7E-AB386D785450}" srcOrd="1" destOrd="0" presId="urn:microsoft.com/office/officeart/2008/layout/HorizontalMultiLevelHierarchy"/>
-    <dgm:cxn modelId="{25A8F24F-760D-4E53-91DF-FAE8604777D2}" type="presOf" srcId="{EE8E16E6-627C-4D07-8E02-9AE58BB63366}" destId="{32914054-5201-4F4C-84B8-D8E945DB307E}" srcOrd="1" destOrd="0" presId="urn:microsoft.com/office/officeart/2008/layout/HorizontalMultiLevelHierarchy"/>
-    <dgm:cxn modelId="{A6EAAE6B-7058-4F36-A9BE-0117E9B574D0}" type="presOf" srcId="{C6606349-5672-442E-A5B1-3B6EC2A628D0}" destId="{05F44D56-B815-42FF-A0CE-47047ADBDAD2}" srcOrd="0" destOrd="0" presId="urn:microsoft.com/office/officeart/2008/layout/HorizontalMultiLevelHierarchy"/>
-    <dgm:cxn modelId="{BF5C295E-B86E-43F8-A68D-EFE93E8FC940}" type="presOf" srcId="{A4ADDFF1-7882-423C-AA64-6F9186D451D8}" destId="{A5B26C97-0E77-41FA-A583-0CC5586F7601}" srcOrd="0" destOrd="0" presId="urn:microsoft.com/office/officeart/2008/layout/HorizontalMultiLevelHierarchy"/>
-    <dgm:cxn modelId="{72F87271-CC60-4AE4-9304-739B5FD30255}" type="presOf" srcId="{C3E03338-09AD-4F62-BBB1-D19C1FC1696F}" destId="{DC3EC34F-D3D6-47D6-9614-ACE62C55A5F1}" srcOrd="0" destOrd="0" presId="urn:microsoft.com/office/officeart/2008/layout/HorizontalMultiLevelHierarchy"/>
-    <dgm:cxn modelId="{1854C9E7-D5B5-4F52-BC70-5E6B8F9896D8}" type="presOf" srcId="{3FCF1F2A-FD07-43B4-B879-471F983406EE}" destId="{74081302-62A8-41A5-BEA1-B03723F76D79}" srcOrd="0" destOrd="0" presId="urn:microsoft.com/office/officeart/2008/layout/HorizontalMultiLevelHierarchy"/>
-    <dgm:cxn modelId="{56F64DCD-5A23-4DAD-8C14-742E71D3E221}" srcId="{54B13330-F421-42C5-AA70-1A17008674B8}" destId="{B6B8F82E-09CD-4F01-834B-E97FC90C517D}" srcOrd="1" destOrd="0" parTransId="{1AD49B2B-CE49-4482-99A1-C3A65402D993}" sibTransId="{06483560-7260-45FD-912E-BDDB9C621AEE}"/>
-    <dgm:cxn modelId="{82F75153-343B-4284-8D2E-95D54D3B8513}" type="presOf" srcId="{93A3A072-C16A-406C-99B9-CD23953D5599}" destId="{5F123EE8-D741-4D3A-A784-DC8C926059E5}" srcOrd="0" destOrd="0" presId="urn:microsoft.com/office/officeart/2008/layout/HorizontalMultiLevelHierarchy"/>
-    <dgm:cxn modelId="{6A475175-6A17-43AE-89EC-2B81FCD980C1}" type="presOf" srcId="{B5A78A89-EE21-443A-AD88-636D47ABC153}" destId="{F688013D-F0BE-46BB-B736-4D8ADB403A7C}" srcOrd="1" destOrd="0" presId="urn:microsoft.com/office/officeart/2008/layout/HorizontalMultiLevelHierarchy"/>
+    <dgm:cxn modelId="{FE6113A4-B654-4594-A766-68198F02DB5A}" type="presOf" srcId="{61BB162E-D6CB-4DDB-BADD-26CF607C68D6}" destId="{A49807EE-F733-4759-A61F-A4B482785FC1}" srcOrd="0" destOrd="0" presId="urn:microsoft.com/office/officeart/2008/layout/HorizontalMultiLevelHierarchy"/>
+    <dgm:cxn modelId="{1D5BF787-6DEA-434D-81AB-BA2AE2042859}" type="presOf" srcId="{4199B668-0B8E-471A-A525-11E16A4D3F5F}" destId="{B7BBC026-ADB3-4877-99D8-0C780C0F6FD1}" srcOrd="1" destOrd="0" presId="urn:microsoft.com/office/officeart/2008/layout/HorizontalMultiLevelHierarchy"/>
+    <dgm:cxn modelId="{3C74D69B-D05C-4215-8E2F-2BEB01D5C233}" type="presOf" srcId="{B5A78A89-EE21-443A-AD88-636D47ABC153}" destId="{35A4DAB7-D9B6-4AE1-885E-5EF0DCB1A387}" srcOrd="0" destOrd="0" presId="urn:microsoft.com/office/officeart/2008/layout/HorizontalMultiLevelHierarchy"/>
+    <dgm:cxn modelId="{727ABCE2-8E4B-4A49-BB27-1E36A2EBD394}" srcId="{54B13330-F421-42C5-AA70-1A17008674B8}" destId="{8AEEA6EE-B10B-493B-AC72-ABCB89445B81}" srcOrd="4" destOrd="0" parTransId="{ECB0ED73-865F-4932-9831-3E4B37074419}" sibTransId="{DF4AEA0E-8521-4B97-997D-E1258734E68D}"/>
     <dgm:cxn modelId="{7162C5D5-4FB9-47A7-93CB-EF54D811FB44}" type="presParOf" srcId="{48A74B45-5CE6-4774-8729-4169037FAAEA}" destId="{8A2DDC9E-2737-4AD1-95EB-65BC48872029}" srcOrd="0" destOrd="0" presId="urn:microsoft.com/office/officeart/2008/layout/HorizontalMultiLevelHierarchy"/>
     <dgm:cxn modelId="{43A7452E-5E11-4805-ACEA-0525C2CC5CCC}" type="presParOf" srcId="{8A2DDC9E-2737-4AD1-95EB-65BC48872029}" destId="{B325A06F-D7AF-48D6-A433-D30945A84C4F}" srcOrd="0" destOrd="0" presId="urn:microsoft.com/office/officeart/2008/layout/HorizontalMultiLevelHierarchy"/>
     <dgm:cxn modelId="{87A9C5D0-4563-47CA-A044-BEA1180812D2}" type="presParOf" srcId="{8A2DDC9E-2737-4AD1-95EB-65BC48872029}" destId="{BE6D9DC3-4699-4B9B-A412-E4D71818AE5D}" srcOrd="1" destOrd="0" presId="urn:microsoft.com/office/officeart/2008/layout/HorizontalMultiLevelHierarchy"/>
@@ -6794,77 +6795,6 @@
       <dsp:cNvGrpSpPr/>
     </dsp:nvGrpSpPr>
     <dsp:grpSpPr/>
-    <dsp:sp modelId="{3010384B-D87E-433D-8813-E291F52047FC}">
-      <dsp:nvSpPr>
-        <dsp:cNvPr id="0" name=""/>
-        <dsp:cNvSpPr/>
-      </dsp:nvSpPr>
-      <dsp:spPr>
-        <a:xfrm>
-          <a:off x="2666" y="2768"/>
-          <a:ext cx="1919635" cy="1131980"/>
-        </a:xfrm>
-        <a:prstGeom prst="ellipse">
-          <a:avLst/>
-        </a:prstGeom>
-        <a:solidFill>
-          <a:schemeClr val="accent1">
-            <a:hueOff val="0"/>
-            <a:satOff val="0"/>
-            <a:lumOff val="0"/>
-            <a:alpha val="34000"/>
-          </a:schemeClr>
-        </a:solidFill>
-        <a:ln w="12700" cap="flat" cmpd="sng" algn="ctr">
-          <a:noFill/>
-          <a:prstDash val="solid"/>
-          <a:miter lim="800000"/>
-        </a:ln>
-        <a:effectLst/>
-      </dsp:spPr>
-      <dsp:style>
-        <a:lnRef idx="2">
-          <a:scrgbClr r="0" g="0" b="0"/>
-        </a:lnRef>
-        <a:fillRef idx="1">
-          <a:scrgbClr r="0" g="0" b="0"/>
-        </a:fillRef>
-        <a:effectRef idx="0">
-          <a:scrgbClr r="0" g="0" b="0"/>
-        </a:effectRef>
-        <a:fontRef idx="minor">
-          <a:schemeClr val="lt1"/>
-        </a:fontRef>
-      </dsp:style>
-      <dsp:txBody>
-        <a:bodyPr spcFirstLastPara="0" vert="horz" wrap="square" lIns="39370" tIns="39370" rIns="39370" bIns="39370" numCol="1" spcCol="1270" anchor="ctr" anchorCtr="0">
-          <a:noAutofit/>
-        </a:bodyPr>
-        <a:lstStyle/>
-        <a:p>
-          <a:pPr lvl="0" algn="ctr" defTabSz="1377950" rtl="0">
-            <a:lnSpc>
-              <a:spcPct val="90000"/>
-            </a:lnSpc>
-            <a:spcBef>
-              <a:spcPct val="0"/>
-            </a:spcBef>
-            <a:spcAft>
-              <a:spcPct val="35000"/>
-            </a:spcAft>
-          </a:pPr>
-          <a:r>
-            <a:rPr lang="en-GB" sz="3100" b="1" kern="1200" dirty="0" smtClean="0"/>
-            <a:t>DESIGN</a:t>
-          </a:r>
-          <a:endParaRPr lang="en-GB" sz="3100" kern="1200" dirty="0"/>
-        </a:p>
-      </dsp:txBody>
-      <dsp:txXfrm>
-        <a:off x="283790" y="168543"/>
-        <a:ext cx="1357387" cy="800430"/>
-      </dsp:txXfrm>
-    </dsp:sp>
   </dsp:spTree>
 </dsp:drawing>
 </file>
@@ -6877,74 +6807,6 @@
       <dsp:cNvGrpSpPr/>
     </dsp:nvGrpSpPr>
     <dsp:grpSpPr/>
-    <dsp:sp modelId="{CE6E8874-A3CA-4C15-ADA3-415B0F526D30}">
-      <dsp:nvSpPr>
-        <dsp:cNvPr id="0" name=""/>
-        <dsp:cNvSpPr/>
-      </dsp:nvSpPr>
-      <dsp:spPr>
-        <a:xfrm>
-          <a:off x="188" y="2777"/>
-          <a:ext cx="1439416" cy="961611"/>
-        </a:xfrm>
-        <a:prstGeom prst="ellipse">
-          <a:avLst/>
-        </a:prstGeom>
-        <a:solidFill>
-          <a:schemeClr val="accent1">
-            <a:alpha val="34000"/>
-          </a:schemeClr>
-        </a:solidFill>
-        <a:ln w="12700" cap="flat" cmpd="sng" algn="ctr">
-          <a:noFill/>
-          <a:prstDash val="solid"/>
-          <a:miter lim="800000"/>
-        </a:ln>
-        <a:effectLst/>
-      </dsp:spPr>
-      <dsp:style>
-        <a:lnRef idx="2">
-          <a:scrgbClr r="0" g="0" b="0"/>
-        </a:lnRef>
-        <a:fillRef idx="1">
-          <a:scrgbClr r="0" g="0" b="0"/>
-        </a:fillRef>
-        <a:effectRef idx="0">
-          <a:scrgbClr r="0" g="0" b="0"/>
-        </a:effectRef>
-        <a:fontRef idx="minor">
-          <a:schemeClr val="lt1"/>
-        </a:fontRef>
-      </dsp:style>
-      <dsp:txBody>
-        <a:bodyPr spcFirstLastPara="0" vert="horz" wrap="square" lIns="48260" tIns="48260" rIns="48260" bIns="48260" numCol="1" spcCol="1270" anchor="ctr" anchorCtr="0">
-          <a:noAutofit/>
-        </a:bodyPr>
-        <a:lstStyle/>
-        <a:p>
-          <a:pPr lvl="0" algn="ctr" defTabSz="1689100" rtl="0">
-            <a:lnSpc>
-              <a:spcPct val="90000"/>
-            </a:lnSpc>
-            <a:spcBef>
-              <a:spcPct val="0"/>
-            </a:spcBef>
-            <a:spcAft>
-              <a:spcPct val="35000"/>
-            </a:spcAft>
-          </a:pPr>
-          <a:r>
-            <a:rPr lang="en-GB" sz="3800" b="1" kern="1200" dirty="0" smtClean="0"/>
-            <a:t>RUN</a:t>
-          </a:r>
-          <a:endParaRPr lang="en-GB" sz="3800" kern="1200" dirty="0"/>
-        </a:p>
-      </dsp:txBody>
-      <dsp:txXfrm>
-        <a:off x="210986" y="143602"/>
-        <a:ext cx="1017820" cy="679961"/>
-      </dsp:txXfrm>
-    </dsp:sp>
   </dsp:spTree>
 </dsp:drawing>
 </file>
@@ -6957,74 +6819,6 @@
       <dsp:cNvGrpSpPr/>
     </dsp:nvGrpSpPr>
     <dsp:grpSpPr/>
-    <dsp:sp modelId="{CE6E8874-A3CA-4C15-ADA3-415B0F526D30}">
-      <dsp:nvSpPr>
-        <dsp:cNvPr id="0" name=""/>
-        <dsp:cNvSpPr/>
-      </dsp:nvSpPr>
-      <dsp:spPr>
-        <a:xfrm>
-          <a:off x="622573" y="167939"/>
-          <a:ext cx="2476859" cy="1151205"/>
-        </a:xfrm>
-        <a:prstGeom prst="ellipse">
-          <a:avLst/>
-        </a:prstGeom>
-        <a:solidFill>
-          <a:schemeClr val="accent1">
-            <a:alpha val="34000"/>
-          </a:schemeClr>
-        </a:solidFill>
-        <a:ln w="12700" cap="flat" cmpd="sng" algn="ctr">
-          <a:noFill/>
-          <a:prstDash val="solid"/>
-          <a:miter lim="800000"/>
-        </a:ln>
-        <a:effectLst/>
-      </dsp:spPr>
-      <dsp:style>
-        <a:lnRef idx="2">
-          <a:scrgbClr r="0" g="0" b="0"/>
-        </a:lnRef>
-        <a:fillRef idx="1">
-          <a:scrgbClr r="0" g="0" b="0"/>
-        </a:fillRef>
-        <a:effectRef idx="0">
-          <a:scrgbClr r="0" g="0" b="0"/>
-        </a:effectRef>
-        <a:fontRef idx="minor">
-          <a:schemeClr val="lt1"/>
-        </a:fontRef>
-      </dsp:style>
-      <dsp:txBody>
-        <a:bodyPr spcFirstLastPara="0" vert="horz" wrap="square" lIns="38100" tIns="38100" rIns="38100" bIns="38100" numCol="1" spcCol="1270" anchor="ctr" anchorCtr="0">
-          <a:noAutofit/>
-        </a:bodyPr>
-        <a:lstStyle/>
-        <a:p>
-          <a:pPr lvl="0" algn="ctr" defTabSz="1333500" rtl="0">
-            <a:lnSpc>
-              <a:spcPct val="90000"/>
-            </a:lnSpc>
-            <a:spcBef>
-              <a:spcPct val="0"/>
-            </a:spcBef>
-            <a:spcAft>
-              <a:spcPct val="35000"/>
-            </a:spcAft>
-          </a:pPr>
-          <a:r>
-            <a:rPr lang="en-GB" sz="3000" b="1" kern="1200" dirty="0" smtClean="0"/>
-            <a:t>GENERATE</a:t>
-          </a:r>
-          <a:endParaRPr lang="en-GB" sz="3000" kern="1200" dirty="0"/>
-        </a:p>
-      </dsp:txBody>
-      <dsp:txXfrm>
-        <a:off x="985301" y="336529"/>
-        <a:ext cx="1751403" cy="814025"/>
-      </dsp:txXfrm>
-    </dsp:sp>
   </dsp:spTree>
 </dsp:drawing>
 </file>
@@ -7037,77 +6831,6 @@
       <dsp:cNvGrpSpPr/>
     </dsp:nvGrpSpPr>
     <dsp:grpSpPr/>
-    <dsp:sp modelId="{3010384B-D87E-433D-8813-E291F52047FC}">
-      <dsp:nvSpPr>
-        <dsp:cNvPr id="0" name=""/>
-        <dsp:cNvSpPr/>
-      </dsp:nvSpPr>
-      <dsp:spPr>
-        <a:xfrm>
-          <a:off x="2666" y="2768"/>
-          <a:ext cx="1919635" cy="1131980"/>
-        </a:xfrm>
-        <a:prstGeom prst="ellipse">
-          <a:avLst/>
-        </a:prstGeom>
-        <a:solidFill>
-          <a:schemeClr val="accent1">
-            <a:hueOff val="0"/>
-            <a:satOff val="0"/>
-            <a:lumOff val="0"/>
-            <a:alpha val="34000"/>
-          </a:schemeClr>
-        </a:solidFill>
-        <a:ln w="12700" cap="flat" cmpd="sng" algn="ctr">
-          <a:noFill/>
-          <a:prstDash val="solid"/>
-          <a:miter lim="800000"/>
-        </a:ln>
-        <a:effectLst/>
-      </dsp:spPr>
-      <dsp:style>
-        <a:lnRef idx="2">
-          <a:scrgbClr r="0" g="0" b="0"/>
-        </a:lnRef>
-        <a:fillRef idx="1">
-          <a:scrgbClr r="0" g="0" b="0"/>
-        </a:fillRef>
-        <a:effectRef idx="0">
-          <a:scrgbClr r="0" g="0" b="0"/>
-        </a:effectRef>
-        <a:fontRef idx="minor">
-          <a:schemeClr val="lt1"/>
-        </a:fontRef>
-      </dsp:style>
-      <dsp:txBody>
-        <a:bodyPr spcFirstLastPara="0" vert="horz" wrap="square" lIns="39370" tIns="39370" rIns="39370" bIns="39370" numCol="1" spcCol="1270" anchor="ctr" anchorCtr="0">
-          <a:noAutofit/>
-        </a:bodyPr>
-        <a:lstStyle/>
-        <a:p>
-          <a:pPr lvl="0" algn="ctr" defTabSz="1377950" rtl="0">
-            <a:lnSpc>
-              <a:spcPct val="90000"/>
-            </a:lnSpc>
-            <a:spcBef>
-              <a:spcPct val="0"/>
-            </a:spcBef>
-            <a:spcAft>
-              <a:spcPct val="35000"/>
-            </a:spcAft>
-          </a:pPr>
-          <a:r>
-            <a:rPr lang="en-GB" sz="3100" b="1" kern="1200" dirty="0" smtClean="0"/>
-            <a:t>DESIGN</a:t>
-          </a:r>
-          <a:endParaRPr lang="en-GB" sz="3100" kern="1200" dirty="0"/>
-        </a:p>
-      </dsp:txBody>
-      <dsp:txXfrm>
-        <a:off x="283790" y="168543"/>
-        <a:ext cx="1357387" cy="800430"/>
-      </dsp:txXfrm>
-    </dsp:sp>
   </dsp:spTree>
 </dsp:drawing>
 </file>
@@ -7120,3538 +6843,6 @@
       <dsp:cNvGrpSpPr/>
     </dsp:nvGrpSpPr>
     <dsp:grpSpPr/>
-    <dsp:sp modelId="{AE193854-5DD4-461D-8B56-86C5F0C4F7E1}">
-      <dsp:nvSpPr>
-        <dsp:cNvPr id="0" name=""/>
-        <dsp:cNvSpPr/>
-      </dsp:nvSpPr>
-      <dsp:spPr>
-        <a:xfrm>
-          <a:off x="4887767" y="5051790"/>
-          <a:ext cx="448750" cy="91440"/>
-        </a:xfrm>
-        <a:custGeom>
-          <a:avLst/>
-          <a:gdLst/>
-          <a:ahLst/>
-          <a:cxnLst/>
-          <a:rect l="0" t="0" r="0" b="0"/>
-          <a:pathLst>
-            <a:path>
-              <a:moveTo>
-                <a:pt x="0" y="45720"/>
-              </a:moveTo>
-              <a:lnTo>
-                <a:pt x="448750" y="45720"/>
-              </a:lnTo>
-            </a:path>
-          </a:pathLst>
-        </a:custGeom>
-        <a:noFill/>
-        <a:ln w="12700" cap="flat" cmpd="sng" algn="ctr">
-          <a:solidFill>
-            <a:schemeClr val="accent1">
-              <a:shade val="80000"/>
-              <a:hueOff val="0"/>
-              <a:satOff val="0"/>
-              <a:lumOff val="0"/>
-              <a:alphaOff val="0"/>
-            </a:schemeClr>
-          </a:solidFill>
-          <a:prstDash val="solid"/>
-          <a:miter lim="800000"/>
-        </a:ln>
-        <a:effectLst/>
-      </dsp:spPr>
-      <dsp:style>
-        <a:lnRef idx="2">
-          <a:scrgbClr r="0" g="0" b="0"/>
-        </a:lnRef>
-        <a:fillRef idx="0">
-          <a:scrgbClr r="0" g="0" b="0"/>
-        </a:fillRef>
-        <a:effectRef idx="0">
-          <a:scrgbClr r="0" g="0" b="0"/>
-        </a:effectRef>
-        <a:fontRef idx="minor"/>
-      </dsp:style>
-      <dsp:txBody>
-        <a:bodyPr spcFirstLastPara="0" vert="horz" wrap="square" lIns="12700" tIns="0" rIns="12700" bIns="0" numCol="1" spcCol="1270" anchor="ctr" anchorCtr="0">
-          <a:noAutofit/>
-        </a:bodyPr>
-        <a:lstStyle/>
-        <a:p>
-          <a:pPr lvl="0" algn="ctr" defTabSz="222250">
-            <a:lnSpc>
-              <a:spcPct val="90000"/>
-            </a:lnSpc>
-            <a:spcBef>
-              <a:spcPct val="0"/>
-            </a:spcBef>
-            <a:spcAft>
-              <a:spcPct val="35000"/>
-            </a:spcAft>
-          </a:pPr>
-          <a:endParaRPr lang="en-GB" sz="500" kern="1200"/>
-        </a:p>
-      </dsp:txBody>
-      <dsp:txXfrm>
-        <a:off x="4887767" y="5086291"/>
-        <a:ext cx="448750" cy="22437"/>
-      </dsp:txXfrm>
-    </dsp:sp>
-    <dsp:sp modelId="{DC3EC34F-D3D6-47D6-9614-ACE62C55A5F1}">
-      <dsp:nvSpPr>
-        <dsp:cNvPr id="0" name=""/>
-        <dsp:cNvSpPr/>
-      </dsp:nvSpPr>
-      <dsp:spPr>
-        <a:xfrm>
-          <a:off x="3089097" y="4863815"/>
-          <a:ext cx="413870" cy="233694"/>
-        </a:xfrm>
-        <a:custGeom>
-          <a:avLst/>
-          <a:gdLst/>
-          <a:ahLst/>
-          <a:cxnLst/>
-          <a:rect l="0" t="0" r="0" b="0"/>
-          <a:pathLst>
-            <a:path>
-              <a:moveTo>
-                <a:pt x="0" y="0"/>
-              </a:moveTo>
-              <a:lnTo>
-                <a:pt x="206935" y="0"/>
-              </a:lnTo>
-              <a:lnTo>
-                <a:pt x="206935" y="233694"/>
-              </a:lnTo>
-              <a:lnTo>
-                <a:pt x="413870" y="233694"/>
-              </a:lnTo>
-            </a:path>
-          </a:pathLst>
-        </a:custGeom>
-        <a:noFill/>
-        <a:ln w="12700" cap="flat" cmpd="sng" algn="ctr">
-          <a:solidFill>
-            <a:schemeClr val="accent1">
-              <a:shade val="80000"/>
-              <a:hueOff val="0"/>
-              <a:satOff val="0"/>
-              <a:lumOff val="0"/>
-              <a:alphaOff val="0"/>
-            </a:schemeClr>
-          </a:solidFill>
-          <a:prstDash val="solid"/>
-          <a:miter lim="800000"/>
-        </a:ln>
-        <a:effectLst/>
-      </dsp:spPr>
-      <dsp:style>
-        <a:lnRef idx="2">
-          <a:scrgbClr r="0" g="0" b="0"/>
-        </a:lnRef>
-        <a:fillRef idx="0">
-          <a:scrgbClr r="0" g="0" b="0"/>
-        </a:fillRef>
-        <a:effectRef idx="0">
-          <a:scrgbClr r="0" g="0" b="0"/>
-        </a:effectRef>
-        <a:fontRef idx="minor"/>
-      </dsp:style>
-      <dsp:txBody>
-        <a:bodyPr spcFirstLastPara="0" vert="horz" wrap="square" lIns="12700" tIns="0" rIns="12700" bIns="0" numCol="1" spcCol="1270" anchor="ctr" anchorCtr="0">
-          <a:noAutofit/>
-        </a:bodyPr>
-        <a:lstStyle/>
-        <a:p>
-          <a:pPr lvl="0" algn="ctr" defTabSz="222250">
-            <a:lnSpc>
-              <a:spcPct val="90000"/>
-            </a:lnSpc>
-            <a:spcBef>
-              <a:spcPct val="0"/>
-            </a:spcBef>
-            <a:spcAft>
-              <a:spcPct val="35000"/>
-            </a:spcAft>
-          </a:pPr>
-          <a:endParaRPr lang="en-GB" sz="500" kern="1200"/>
-        </a:p>
-      </dsp:txBody>
-      <dsp:txXfrm>
-        <a:off x="3058387" y="4968780"/>
-        <a:ext cx="475291" cy="23764"/>
-      </dsp:txXfrm>
-    </dsp:sp>
-    <dsp:sp modelId="{78750218-D6E4-46CD-BE1C-A851C3C97E92}">
-      <dsp:nvSpPr>
-        <dsp:cNvPr id="0" name=""/>
-        <dsp:cNvSpPr/>
-      </dsp:nvSpPr>
-      <dsp:spPr>
-        <a:xfrm>
-          <a:off x="3089097" y="4630120"/>
-          <a:ext cx="413870" cy="233694"/>
-        </a:xfrm>
-        <a:custGeom>
-          <a:avLst/>
-          <a:gdLst/>
-          <a:ahLst/>
-          <a:cxnLst/>
-          <a:rect l="0" t="0" r="0" b="0"/>
-          <a:pathLst>
-            <a:path>
-              <a:moveTo>
-                <a:pt x="0" y="233694"/>
-              </a:moveTo>
-              <a:lnTo>
-                <a:pt x="206935" y="233694"/>
-              </a:lnTo>
-              <a:lnTo>
-                <a:pt x="206935" y="0"/>
-              </a:lnTo>
-              <a:lnTo>
-                <a:pt x="413870" y="0"/>
-              </a:lnTo>
-            </a:path>
-          </a:pathLst>
-        </a:custGeom>
-        <a:noFill/>
-        <a:ln w="12700" cap="flat" cmpd="sng" algn="ctr">
-          <a:solidFill>
-            <a:schemeClr val="accent1">
-              <a:shade val="80000"/>
-              <a:hueOff val="0"/>
-              <a:satOff val="0"/>
-              <a:lumOff val="0"/>
-              <a:alphaOff val="0"/>
-            </a:schemeClr>
-          </a:solidFill>
-          <a:prstDash val="solid"/>
-          <a:miter lim="800000"/>
-        </a:ln>
-        <a:effectLst/>
-      </dsp:spPr>
-      <dsp:style>
-        <a:lnRef idx="2">
-          <a:scrgbClr r="0" g="0" b="0"/>
-        </a:lnRef>
-        <a:fillRef idx="0">
-          <a:scrgbClr r="0" g="0" b="0"/>
-        </a:fillRef>
-        <a:effectRef idx="0">
-          <a:scrgbClr r="0" g="0" b="0"/>
-        </a:effectRef>
-        <a:fontRef idx="minor"/>
-      </dsp:style>
-      <dsp:txBody>
-        <a:bodyPr spcFirstLastPara="0" vert="horz" wrap="square" lIns="12700" tIns="0" rIns="12700" bIns="0" numCol="1" spcCol="1270" anchor="ctr" anchorCtr="0">
-          <a:noAutofit/>
-        </a:bodyPr>
-        <a:lstStyle/>
-        <a:p>
-          <a:pPr lvl="0" algn="ctr" defTabSz="222250">
-            <a:lnSpc>
-              <a:spcPct val="90000"/>
-            </a:lnSpc>
-            <a:spcBef>
-              <a:spcPct val="0"/>
-            </a:spcBef>
-            <a:spcAft>
-              <a:spcPct val="35000"/>
-            </a:spcAft>
-          </a:pPr>
-          <a:endParaRPr lang="en-GB" sz="500" kern="1200"/>
-        </a:p>
-      </dsp:txBody>
-      <dsp:txXfrm>
-        <a:off x="3284151" y="4735085"/>
-        <a:ext cx="23764" cy="23764"/>
-      </dsp:txXfrm>
-    </dsp:sp>
-    <dsp:sp modelId="{C4A6E93C-56E8-4190-8124-02E9A0682B32}">
-      <dsp:nvSpPr>
-        <dsp:cNvPr id="0" name=""/>
-        <dsp:cNvSpPr/>
-      </dsp:nvSpPr>
-      <dsp:spPr>
-        <a:xfrm>
-          <a:off x="1617382" y="2526869"/>
-          <a:ext cx="245285" cy="2336946"/>
-        </a:xfrm>
-        <a:custGeom>
-          <a:avLst/>
-          <a:gdLst/>
-          <a:ahLst/>
-          <a:cxnLst/>
-          <a:rect l="0" t="0" r="0" b="0"/>
-          <a:pathLst>
-            <a:path>
-              <a:moveTo>
-                <a:pt x="0" y="0"/>
-              </a:moveTo>
-              <a:lnTo>
-                <a:pt x="122642" y="0"/>
-              </a:lnTo>
-              <a:lnTo>
-                <a:pt x="122642" y="2336946"/>
-              </a:lnTo>
-              <a:lnTo>
-                <a:pt x="245285" y="2336946"/>
-              </a:lnTo>
-            </a:path>
-          </a:pathLst>
-        </a:custGeom>
-        <a:noFill/>
-        <a:ln w="12700" cap="flat" cmpd="sng" algn="ctr">
-          <a:solidFill>
-            <a:schemeClr val="accent1">
-              <a:shade val="60000"/>
-              <a:hueOff val="0"/>
-              <a:satOff val="0"/>
-              <a:lumOff val="0"/>
-              <a:alphaOff val="0"/>
-            </a:schemeClr>
-          </a:solidFill>
-          <a:prstDash val="solid"/>
-          <a:miter lim="800000"/>
-        </a:ln>
-        <a:effectLst/>
-      </dsp:spPr>
-      <dsp:style>
-        <a:lnRef idx="2">
-          <a:scrgbClr r="0" g="0" b="0"/>
-        </a:lnRef>
-        <a:fillRef idx="0">
-          <a:scrgbClr r="0" g="0" b="0"/>
-        </a:fillRef>
-        <a:effectRef idx="0">
-          <a:scrgbClr r="0" g="0" b="0"/>
-        </a:effectRef>
-        <a:fontRef idx="minor"/>
-      </dsp:style>
-      <dsp:txBody>
-        <a:bodyPr spcFirstLastPara="0" vert="horz" wrap="square" lIns="12700" tIns="0" rIns="12700" bIns="0" numCol="1" spcCol="1270" anchor="ctr" anchorCtr="0">
-          <a:noAutofit/>
-        </a:bodyPr>
-        <a:lstStyle/>
-        <a:p>
-          <a:pPr lvl="0" algn="ctr" defTabSz="355600">
-            <a:lnSpc>
-              <a:spcPct val="90000"/>
-            </a:lnSpc>
-            <a:spcBef>
-              <a:spcPct val="0"/>
-            </a:spcBef>
-            <a:spcAft>
-              <a:spcPct val="35000"/>
-            </a:spcAft>
-          </a:pPr>
-          <a:endParaRPr lang="en-GB" sz="800" kern="1200"/>
-        </a:p>
-      </dsp:txBody>
-      <dsp:txXfrm>
-        <a:off x="1681280" y="3636597"/>
-        <a:ext cx="117489" cy="117489"/>
-      </dsp:txXfrm>
-    </dsp:sp>
-    <dsp:sp modelId="{34D49760-BA84-4BD7-B73E-D0E72C2EE2B4}">
-      <dsp:nvSpPr>
-        <dsp:cNvPr id="0" name=""/>
-        <dsp:cNvSpPr/>
-      </dsp:nvSpPr>
-      <dsp:spPr>
-        <a:xfrm>
-          <a:off x="4873749" y="4162731"/>
-          <a:ext cx="469992" cy="233694"/>
-        </a:xfrm>
-        <a:custGeom>
-          <a:avLst/>
-          <a:gdLst/>
-          <a:ahLst/>
-          <a:cxnLst/>
-          <a:rect l="0" t="0" r="0" b="0"/>
-          <a:pathLst>
-            <a:path>
-              <a:moveTo>
-                <a:pt x="0" y="0"/>
-              </a:moveTo>
-              <a:lnTo>
-                <a:pt x="234996" y="0"/>
-              </a:lnTo>
-              <a:lnTo>
-                <a:pt x="234996" y="233694"/>
-              </a:lnTo>
-              <a:lnTo>
-                <a:pt x="469992" y="233694"/>
-              </a:lnTo>
-            </a:path>
-          </a:pathLst>
-        </a:custGeom>
-        <a:noFill/>
-        <a:ln w="12700" cap="flat" cmpd="sng" algn="ctr">
-          <a:solidFill>
-            <a:schemeClr val="accent1">
-              <a:shade val="80000"/>
-              <a:hueOff val="0"/>
-              <a:satOff val="0"/>
-              <a:lumOff val="0"/>
-              <a:alphaOff val="0"/>
-            </a:schemeClr>
-          </a:solidFill>
-          <a:prstDash val="solid"/>
-          <a:miter lim="800000"/>
-        </a:ln>
-        <a:effectLst/>
-      </dsp:spPr>
-      <dsp:style>
-        <a:lnRef idx="2">
-          <a:scrgbClr r="0" g="0" b="0"/>
-        </a:lnRef>
-        <a:fillRef idx="0">
-          <a:scrgbClr r="0" g="0" b="0"/>
-        </a:fillRef>
-        <a:effectRef idx="0">
-          <a:scrgbClr r="0" g="0" b="0"/>
-        </a:effectRef>
-        <a:fontRef idx="minor"/>
-      </dsp:style>
-      <dsp:txBody>
-        <a:bodyPr spcFirstLastPara="0" vert="horz" wrap="square" lIns="12700" tIns="0" rIns="12700" bIns="0" numCol="1" spcCol="1270" anchor="ctr" anchorCtr="0">
-          <a:noAutofit/>
-        </a:bodyPr>
-        <a:lstStyle/>
-        <a:p>
-          <a:pPr lvl="0" algn="ctr" defTabSz="222250">
-            <a:lnSpc>
-              <a:spcPct val="90000"/>
-            </a:lnSpc>
-            <a:spcBef>
-              <a:spcPct val="0"/>
-            </a:spcBef>
-            <a:spcAft>
-              <a:spcPct val="35000"/>
-            </a:spcAft>
-          </a:pPr>
-          <a:endParaRPr lang="en-GB" sz="500" kern="1200"/>
-        </a:p>
-      </dsp:txBody>
-      <dsp:txXfrm>
-        <a:off x="4846301" y="4266456"/>
-        <a:ext cx="524886" cy="26244"/>
-      </dsp:txXfrm>
-    </dsp:sp>
-    <dsp:sp modelId="{A49807EE-F733-4759-A61F-A4B482785FC1}">
-      <dsp:nvSpPr>
-        <dsp:cNvPr id="0" name=""/>
-        <dsp:cNvSpPr/>
-      </dsp:nvSpPr>
-      <dsp:spPr>
-        <a:xfrm>
-          <a:off x="4873749" y="3929037"/>
-          <a:ext cx="469992" cy="233694"/>
-        </a:xfrm>
-        <a:custGeom>
-          <a:avLst/>
-          <a:gdLst/>
-          <a:ahLst/>
-          <a:cxnLst/>
-          <a:rect l="0" t="0" r="0" b="0"/>
-          <a:pathLst>
-            <a:path>
-              <a:moveTo>
-                <a:pt x="0" y="233694"/>
-              </a:moveTo>
-              <a:lnTo>
-                <a:pt x="234996" y="233694"/>
-              </a:lnTo>
-              <a:lnTo>
-                <a:pt x="234996" y="0"/>
-              </a:lnTo>
-              <a:lnTo>
-                <a:pt x="469992" y="0"/>
-              </a:lnTo>
-            </a:path>
-          </a:pathLst>
-        </a:custGeom>
-        <a:noFill/>
-        <a:ln w="12700" cap="flat" cmpd="sng" algn="ctr">
-          <a:solidFill>
-            <a:schemeClr val="accent1">
-              <a:shade val="80000"/>
-              <a:hueOff val="0"/>
-              <a:satOff val="0"/>
-              <a:lumOff val="0"/>
-              <a:alphaOff val="0"/>
-            </a:schemeClr>
-          </a:solidFill>
-          <a:prstDash val="solid"/>
-          <a:miter lim="800000"/>
-        </a:ln>
-        <a:effectLst/>
-      </dsp:spPr>
-      <dsp:style>
-        <a:lnRef idx="2">
-          <a:scrgbClr r="0" g="0" b="0"/>
-        </a:lnRef>
-        <a:fillRef idx="0">
-          <a:scrgbClr r="0" g="0" b="0"/>
-        </a:fillRef>
-        <a:effectRef idx="0">
-          <a:scrgbClr r="0" g="0" b="0"/>
-        </a:effectRef>
-        <a:fontRef idx="minor"/>
-      </dsp:style>
-      <dsp:txBody>
-        <a:bodyPr spcFirstLastPara="0" vert="horz" wrap="square" lIns="12700" tIns="0" rIns="12700" bIns="0" numCol="1" spcCol="1270" anchor="ctr" anchorCtr="0">
-          <a:noAutofit/>
-        </a:bodyPr>
-        <a:lstStyle/>
-        <a:p>
-          <a:pPr lvl="0" algn="ctr" defTabSz="222250">
-            <a:lnSpc>
-              <a:spcPct val="90000"/>
-            </a:lnSpc>
-            <a:spcBef>
-              <a:spcPct val="0"/>
-            </a:spcBef>
-            <a:spcAft>
-              <a:spcPct val="35000"/>
-            </a:spcAft>
-          </a:pPr>
-          <a:endParaRPr lang="en-GB" sz="500" kern="1200"/>
-        </a:p>
-      </dsp:txBody>
-      <dsp:txXfrm>
-        <a:off x="4846301" y="4032762"/>
-        <a:ext cx="524886" cy="26244"/>
-      </dsp:txXfrm>
-    </dsp:sp>
-    <dsp:sp modelId="{3BF25A95-3620-426F-99FE-2E8CD08A8CE4}">
-      <dsp:nvSpPr>
-        <dsp:cNvPr id="0" name=""/>
-        <dsp:cNvSpPr/>
-      </dsp:nvSpPr>
-      <dsp:spPr>
-        <a:xfrm>
-          <a:off x="3247466" y="3812189"/>
-          <a:ext cx="241483" cy="350541"/>
-        </a:xfrm>
-        <a:custGeom>
-          <a:avLst/>
-          <a:gdLst/>
-          <a:ahLst/>
-          <a:cxnLst/>
-          <a:rect l="0" t="0" r="0" b="0"/>
-          <a:pathLst>
-            <a:path>
-              <a:moveTo>
-                <a:pt x="0" y="0"/>
-              </a:moveTo>
-              <a:lnTo>
-                <a:pt x="120741" y="0"/>
-              </a:lnTo>
-              <a:lnTo>
-                <a:pt x="120741" y="350541"/>
-              </a:lnTo>
-              <a:lnTo>
-                <a:pt x="241483" y="350541"/>
-              </a:lnTo>
-            </a:path>
-          </a:pathLst>
-        </a:custGeom>
-        <a:noFill/>
-        <a:ln w="12700" cap="flat" cmpd="sng" algn="ctr">
-          <a:solidFill>
-            <a:schemeClr val="accent1">
-              <a:shade val="80000"/>
-              <a:hueOff val="0"/>
-              <a:satOff val="0"/>
-              <a:lumOff val="0"/>
-              <a:alphaOff val="0"/>
-            </a:schemeClr>
-          </a:solidFill>
-          <a:prstDash val="solid"/>
-          <a:miter lim="800000"/>
-        </a:ln>
-        <a:effectLst/>
-      </dsp:spPr>
-      <dsp:style>
-        <a:lnRef idx="2">
-          <a:scrgbClr r="0" g="0" b="0"/>
-        </a:lnRef>
-        <a:fillRef idx="0">
-          <a:scrgbClr r="0" g="0" b="0"/>
-        </a:fillRef>
-        <a:effectRef idx="0">
-          <a:scrgbClr r="0" g="0" b="0"/>
-        </a:effectRef>
-        <a:fontRef idx="minor"/>
-      </dsp:style>
-      <dsp:txBody>
-        <a:bodyPr spcFirstLastPara="0" vert="horz" wrap="square" lIns="12700" tIns="0" rIns="12700" bIns="0" numCol="1" spcCol="1270" anchor="ctr" anchorCtr="0">
-          <a:noAutofit/>
-        </a:bodyPr>
-        <a:lstStyle/>
-        <a:p>
-          <a:pPr lvl="0" algn="ctr" defTabSz="222250">
-            <a:lnSpc>
-              <a:spcPct val="90000"/>
-            </a:lnSpc>
-            <a:spcBef>
-              <a:spcPct val="0"/>
-            </a:spcBef>
-            <a:spcAft>
-              <a:spcPct val="35000"/>
-            </a:spcAft>
-          </a:pPr>
-          <a:endParaRPr lang="en-GB" sz="500" kern="1200"/>
-        </a:p>
-      </dsp:txBody>
-      <dsp:txXfrm>
-        <a:off x="3357566" y="3976818"/>
-        <a:ext cx="21283" cy="21283"/>
-      </dsp:txXfrm>
-    </dsp:sp>
-    <dsp:sp modelId="{4B3D3D49-E887-48AF-8019-22CC76D161CF}">
-      <dsp:nvSpPr>
-        <dsp:cNvPr id="0" name=""/>
-        <dsp:cNvSpPr/>
-      </dsp:nvSpPr>
-      <dsp:spPr>
-        <a:xfrm>
-          <a:off x="3247466" y="3461647"/>
-          <a:ext cx="245285" cy="350541"/>
-        </a:xfrm>
-        <a:custGeom>
-          <a:avLst/>
-          <a:gdLst/>
-          <a:ahLst/>
-          <a:cxnLst/>
-          <a:rect l="0" t="0" r="0" b="0"/>
-          <a:pathLst>
-            <a:path>
-              <a:moveTo>
-                <a:pt x="0" y="350541"/>
-              </a:moveTo>
-              <a:lnTo>
-                <a:pt x="122642" y="350541"/>
-              </a:lnTo>
-              <a:lnTo>
-                <a:pt x="122642" y="0"/>
-              </a:lnTo>
-              <a:lnTo>
-                <a:pt x="245285" y="0"/>
-              </a:lnTo>
-            </a:path>
-          </a:pathLst>
-        </a:custGeom>
-        <a:noFill/>
-        <a:ln w="12700" cap="flat" cmpd="sng" algn="ctr">
-          <a:solidFill>
-            <a:schemeClr val="accent1">
-              <a:shade val="80000"/>
-              <a:hueOff val="0"/>
-              <a:satOff val="0"/>
-              <a:lumOff val="0"/>
-              <a:alphaOff val="0"/>
-            </a:schemeClr>
-          </a:solidFill>
-          <a:prstDash val="solid"/>
-          <a:miter lim="800000"/>
-        </a:ln>
-        <a:effectLst/>
-      </dsp:spPr>
-      <dsp:style>
-        <a:lnRef idx="2">
-          <a:scrgbClr r="0" g="0" b="0"/>
-        </a:lnRef>
-        <a:fillRef idx="0">
-          <a:scrgbClr r="0" g="0" b="0"/>
-        </a:fillRef>
-        <a:effectRef idx="0">
-          <a:scrgbClr r="0" g="0" b="0"/>
-        </a:effectRef>
-        <a:fontRef idx="minor"/>
-      </dsp:style>
-      <dsp:txBody>
-        <a:bodyPr spcFirstLastPara="0" vert="horz" wrap="square" lIns="12700" tIns="0" rIns="12700" bIns="0" numCol="1" spcCol="1270" anchor="ctr" anchorCtr="0">
-          <a:noAutofit/>
-        </a:bodyPr>
-        <a:lstStyle/>
-        <a:p>
-          <a:pPr lvl="0" algn="ctr" defTabSz="222250">
-            <a:lnSpc>
-              <a:spcPct val="90000"/>
-            </a:lnSpc>
-            <a:spcBef>
-              <a:spcPct val="0"/>
-            </a:spcBef>
-            <a:spcAft>
-              <a:spcPct val="35000"/>
-            </a:spcAft>
-          </a:pPr>
-          <a:endParaRPr lang="en-GB" sz="500" kern="1200"/>
-        </a:p>
-      </dsp:txBody>
-      <dsp:txXfrm>
-        <a:off x="3359413" y="3626222"/>
-        <a:ext cx="21391" cy="21391"/>
-      </dsp:txXfrm>
-    </dsp:sp>
-    <dsp:sp modelId="{A7F4A0F6-B66F-4F00-A083-909E1F094419}">
-      <dsp:nvSpPr>
-        <dsp:cNvPr id="0" name=""/>
-        <dsp:cNvSpPr/>
-      </dsp:nvSpPr>
-      <dsp:spPr>
-        <a:xfrm>
-          <a:off x="1617382" y="2526869"/>
-          <a:ext cx="245285" cy="1285320"/>
-        </a:xfrm>
-        <a:custGeom>
-          <a:avLst/>
-          <a:gdLst/>
-          <a:ahLst/>
-          <a:cxnLst/>
-          <a:rect l="0" t="0" r="0" b="0"/>
-          <a:pathLst>
-            <a:path>
-              <a:moveTo>
-                <a:pt x="0" y="0"/>
-              </a:moveTo>
-              <a:lnTo>
-                <a:pt x="122642" y="0"/>
-              </a:lnTo>
-              <a:lnTo>
-                <a:pt x="122642" y="1285320"/>
-              </a:lnTo>
-              <a:lnTo>
-                <a:pt x="245285" y="1285320"/>
-              </a:lnTo>
-            </a:path>
-          </a:pathLst>
-        </a:custGeom>
-        <a:noFill/>
-        <a:ln w="12700" cap="flat" cmpd="sng" algn="ctr">
-          <a:solidFill>
-            <a:schemeClr val="accent1">
-              <a:shade val="60000"/>
-              <a:hueOff val="0"/>
-              <a:satOff val="0"/>
-              <a:lumOff val="0"/>
-              <a:alphaOff val="0"/>
-            </a:schemeClr>
-          </a:solidFill>
-          <a:prstDash val="solid"/>
-          <a:miter lim="800000"/>
-        </a:ln>
-        <a:effectLst/>
-      </dsp:spPr>
-      <dsp:style>
-        <a:lnRef idx="2">
-          <a:scrgbClr r="0" g="0" b="0"/>
-        </a:lnRef>
-        <a:fillRef idx="0">
-          <a:scrgbClr r="0" g="0" b="0"/>
-        </a:fillRef>
-        <a:effectRef idx="0">
-          <a:scrgbClr r="0" g="0" b="0"/>
-        </a:effectRef>
-        <a:fontRef idx="minor"/>
-      </dsp:style>
-      <dsp:txBody>
-        <a:bodyPr spcFirstLastPara="0" vert="horz" wrap="square" lIns="12700" tIns="0" rIns="12700" bIns="0" numCol="1" spcCol="1270" anchor="ctr" anchorCtr="0">
-          <a:noAutofit/>
-        </a:bodyPr>
-        <a:lstStyle/>
-        <a:p>
-          <a:pPr lvl="0" algn="ctr" defTabSz="222250">
-            <a:lnSpc>
-              <a:spcPct val="90000"/>
-            </a:lnSpc>
-            <a:spcBef>
-              <a:spcPct val="0"/>
-            </a:spcBef>
-            <a:spcAft>
-              <a:spcPct val="35000"/>
-            </a:spcAft>
-          </a:pPr>
-          <a:endParaRPr lang="en-GB" sz="500" kern="1200"/>
-        </a:p>
-      </dsp:txBody>
-      <dsp:txXfrm>
-        <a:off x="1707312" y="3136816"/>
-        <a:ext cx="65425" cy="65425"/>
-      </dsp:txXfrm>
-    </dsp:sp>
-    <dsp:sp modelId="{6A0827AD-C4ED-47CF-9A76-9E8009271F53}">
-      <dsp:nvSpPr>
-        <dsp:cNvPr id="0" name=""/>
-        <dsp:cNvSpPr/>
-      </dsp:nvSpPr>
-      <dsp:spPr>
-        <a:xfrm>
-          <a:off x="3089097" y="2948538"/>
-          <a:ext cx="413870" cy="91440"/>
-        </a:xfrm>
-        <a:custGeom>
-          <a:avLst/>
-          <a:gdLst/>
-          <a:ahLst/>
-          <a:cxnLst/>
-          <a:rect l="0" t="0" r="0" b="0"/>
-          <a:pathLst>
-            <a:path>
-              <a:moveTo>
-                <a:pt x="0" y="45720"/>
-              </a:moveTo>
-              <a:lnTo>
-                <a:pt x="413870" y="45720"/>
-              </a:lnTo>
-            </a:path>
-          </a:pathLst>
-        </a:custGeom>
-        <a:noFill/>
-        <a:ln w="12700" cap="flat" cmpd="sng" algn="ctr">
-          <a:solidFill>
-            <a:schemeClr val="accent1">
-              <a:shade val="80000"/>
-              <a:hueOff val="0"/>
-              <a:satOff val="0"/>
-              <a:lumOff val="0"/>
-              <a:alphaOff val="0"/>
-            </a:schemeClr>
-          </a:solidFill>
-          <a:prstDash val="solid"/>
-          <a:miter lim="800000"/>
-        </a:ln>
-        <a:effectLst/>
-      </dsp:spPr>
-      <dsp:style>
-        <a:lnRef idx="2">
-          <a:scrgbClr r="0" g="0" b="0"/>
-        </a:lnRef>
-        <a:fillRef idx="0">
-          <a:scrgbClr r="0" g="0" b="0"/>
-        </a:fillRef>
-        <a:effectRef idx="0">
-          <a:scrgbClr r="0" g="0" b="0"/>
-        </a:effectRef>
-        <a:fontRef idx="minor"/>
-      </dsp:style>
-      <dsp:txBody>
-        <a:bodyPr spcFirstLastPara="0" vert="horz" wrap="square" lIns="12700" tIns="0" rIns="12700" bIns="0" numCol="1" spcCol="1270" anchor="ctr" anchorCtr="0">
-          <a:noAutofit/>
-        </a:bodyPr>
-        <a:lstStyle/>
-        <a:p>
-          <a:pPr lvl="0" algn="ctr" defTabSz="222250">
-            <a:lnSpc>
-              <a:spcPct val="90000"/>
-            </a:lnSpc>
-            <a:spcBef>
-              <a:spcPct val="0"/>
-            </a:spcBef>
-            <a:spcAft>
-              <a:spcPct val="35000"/>
-            </a:spcAft>
-          </a:pPr>
-          <a:endParaRPr lang="en-GB" sz="500" kern="1200"/>
-        </a:p>
-      </dsp:txBody>
-      <dsp:txXfrm>
-        <a:off x="3285686" y="2983911"/>
-        <a:ext cx="20693" cy="20693"/>
-      </dsp:txXfrm>
-    </dsp:sp>
-    <dsp:sp modelId="{3C9CBFC3-FB4D-43C3-9946-F80DA72775D5}">
-      <dsp:nvSpPr>
-        <dsp:cNvPr id="0" name=""/>
-        <dsp:cNvSpPr/>
-      </dsp:nvSpPr>
-      <dsp:spPr>
-        <a:xfrm>
-          <a:off x="1617382" y="2526869"/>
-          <a:ext cx="245285" cy="467389"/>
-        </a:xfrm>
-        <a:custGeom>
-          <a:avLst/>
-          <a:gdLst/>
-          <a:ahLst/>
-          <a:cxnLst/>
-          <a:rect l="0" t="0" r="0" b="0"/>
-          <a:pathLst>
-            <a:path>
-              <a:moveTo>
-                <a:pt x="0" y="0"/>
-              </a:moveTo>
-              <a:lnTo>
-                <a:pt x="122642" y="0"/>
-              </a:lnTo>
-              <a:lnTo>
-                <a:pt x="122642" y="467389"/>
-              </a:lnTo>
-              <a:lnTo>
-                <a:pt x="245285" y="467389"/>
-              </a:lnTo>
-            </a:path>
-          </a:pathLst>
-        </a:custGeom>
-        <a:noFill/>
-        <a:ln w="12700" cap="flat" cmpd="sng" algn="ctr">
-          <a:solidFill>
-            <a:schemeClr val="accent1">
-              <a:shade val="60000"/>
-              <a:hueOff val="0"/>
-              <a:satOff val="0"/>
-              <a:lumOff val="0"/>
-              <a:alphaOff val="0"/>
-            </a:schemeClr>
-          </a:solidFill>
-          <a:prstDash val="solid"/>
-          <a:miter lim="800000"/>
-        </a:ln>
-        <a:effectLst/>
-      </dsp:spPr>
-      <dsp:style>
-        <a:lnRef idx="2">
-          <a:scrgbClr r="0" g="0" b="0"/>
-        </a:lnRef>
-        <a:fillRef idx="0">
-          <a:scrgbClr r="0" g="0" b="0"/>
-        </a:fillRef>
-        <a:effectRef idx="0">
-          <a:scrgbClr r="0" g="0" b="0"/>
-        </a:effectRef>
-        <a:fontRef idx="minor"/>
-      </dsp:style>
-      <dsp:txBody>
-        <a:bodyPr spcFirstLastPara="0" vert="horz" wrap="square" lIns="12700" tIns="0" rIns="12700" bIns="0" numCol="1" spcCol="1270" anchor="ctr" anchorCtr="0">
-          <a:noAutofit/>
-        </a:bodyPr>
-        <a:lstStyle/>
-        <a:p>
-          <a:pPr lvl="0" algn="ctr" defTabSz="222250">
-            <a:lnSpc>
-              <a:spcPct val="90000"/>
-            </a:lnSpc>
-            <a:spcBef>
-              <a:spcPct val="0"/>
-            </a:spcBef>
-            <a:spcAft>
-              <a:spcPct val="35000"/>
-            </a:spcAft>
-          </a:pPr>
-          <a:endParaRPr lang="en-GB" sz="500" kern="1200"/>
-        </a:p>
-      </dsp:txBody>
-      <dsp:txXfrm>
-        <a:off x="1726829" y="2747367"/>
-        <a:ext cx="26392" cy="26392"/>
-      </dsp:txXfrm>
-    </dsp:sp>
-    <dsp:sp modelId="{05F44D56-B815-42FF-A0CE-47047ADBDAD2}">
-      <dsp:nvSpPr>
-        <dsp:cNvPr id="0" name=""/>
-        <dsp:cNvSpPr/>
-      </dsp:nvSpPr>
-      <dsp:spPr>
-        <a:xfrm>
-          <a:off x="3089097" y="2481149"/>
-          <a:ext cx="413870" cy="91440"/>
-        </a:xfrm>
-        <a:custGeom>
-          <a:avLst/>
-          <a:gdLst/>
-          <a:ahLst/>
-          <a:cxnLst/>
-          <a:rect l="0" t="0" r="0" b="0"/>
-          <a:pathLst>
-            <a:path>
-              <a:moveTo>
-                <a:pt x="0" y="45720"/>
-              </a:moveTo>
-              <a:lnTo>
-                <a:pt x="413870" y="45720"/>
-              </a:lnTo>
-            </a:path>
-          </a:pathLst>
-        </a:custGeom>
-        <a:noFill/>
-        <a:ln w="12700" cap="flat" cmpd="sng" algn="ctr">
-          <a:solidFill>
-            <a:schemeClr val="accent1">
-              <a:shade val="80000"/>
-              <a:hueOff val="0"/>
-              <a:satOff val="0"/>
-              <a:lumOff val="0"/>
-              <a:alphaOff val="0"/>
-            </a:schemeClr>
-          </a:solidFill>
-          <a:prstDash val="solid"/>
-          <a:miter lim="800000"/>
-        </a:ln>
-        <a:effectLst/>
-      </dsp:spPr>
-      <dsp:style>
-        <a:lnRef idx="2">
-          <a:scrgbClr r="0" g="0" b="0"/>
-        </a:lnRef>
-        <a:fillRef idx="0">
-          <a:scrgbClr r="0" g="0" b="0"/>
-        </a:fillRef>
-        <a:effectRef idx="0">
-          <a:scrgbClr r="0" g="0" b="0"/>
-        </a:effectRef>
-        <a:fontRef idx="minor"/>
-      </dsp:style>
-      <dsp:txBody>
-        <a:bodyPr spcFirstLastPara="0" vert="horz" wrap="square" lIns="12700" tIns="0" rIns="12700" bIns="0" numCol="1" spcCol="1270" anchor="ctr" anchorCtr="0">
-          <a:noAutofit/>
-        </a:bodyPr>
-        <a:lstStyle/>
-        <a:p>
-          <a:pPr lvl="0" algn="ctr" defTabSz="222250">
-            <a:lnSpc>
-              <a:spcPct val="90000"/>
-            </a:lnSpc>
-            <a:spcBef>
-              <a:spcPct val="0"/>
-            </a:spcBef>
-            <a:spcAft>
-              <a:spcPct val="35000"/>
-            </a:spcAft>
-          </a:pPr>
-          <a:endParaRPr lang="en-GB" sz="500" kern="1200"/>
-        </a:p>
-      </dsp:txBody>
-      <dsp:txXfrm>
-        <a:off x="3285686" y="2516522"/>
-        <a:ext cx="20693" cy="20693"/>
-      </dsp:txXfrm>
-    </dsp:sp>
-    <dsp:sp modelId="{7659A773-C789-41EE-A0CA-AE19E2F1CC90}">
-      <dsp:nvSpPr>
-        <dsp:cNvPr id="0" name=""/>
-        <dsp:cNvSpPr/>
-      </dsp:nvSpPr>
-      <dsp:spPr>
-        <a:xfrm>
-          <a:off x="1617382" y="2481149"/>
-          <a:ext cx="245285" cy="91440"/>
-        </a:xfrm>
-        <a:custGeom>
-          <a:avLst/>
-          <a:gdLst/>
-          <a:ahLst/>
-          <a:cxnLst/>
-          <a:rect l="0" t="0" r="0" b="0"/>
-          <a:pathLst>
-            <a:path>
-              <a:moveTo>
-                <a:pt x="0" y="45720"/>
-              </a:moveTo>
-              <a:lnTo>
-                <a:pt x="245285" y="45720"/>
-              </a:lnTo>
-            </a:path>
-          </a:pathLst>
-        </a:custGeom>
-        <a:noFill/>
-        <a:ln w="12700" cap="flat" cmpd="sng" algn="ctr">
-          <a:solidFill>
-            <a:schemeClr val="accent1">
-              <a:shade val="60000"/>
-              <a:hueOff val="0"/>
-              <a:satOff val="0"/>
-              <a:lumOff val="0"/>
-              <a:alphaOff val="0"/>
-            </a:schemeClr>
-          </a:solidFill>
-          <a:prstDash val="solid"/>
-          <a:miter lim="800000"/>
-        </a:ln>
-        <a:effectLst/>
-      </dsp:spPr>
-      <dsp:style>
-        <a:lnRef idx="2">
-          <a:scrgbClr r="0" g="0" b="0"/>
-        </a:lnRef>
-        <a:fillRef idx="0">
-          <a:scrgbClr r="0" g="0" b="0"/>
-        </a:fillRef>
-        <a:effectRef idx="0">
-          <a:scrgbClr r="0" g="0" b="0"/>
-        </a:effectRef>
-        <a:fontRef idx="minor"/>
-      </dsp:style>
-      <dsp:txBody>
-        <a:bodyPr spcFirstLastPara="0" vert="horz" wrap="square" lIns="12700" tIns="0" rIns="12700" bIns="0" numCol="1" spcCol="1270" anchor="ctr" anchorCtr="0">
-          <a:noAutofit/>
-        </a:bodyPr>
-        <a:lstStyle/>
-        <a:p>
-          <a:pPr lvl="0" algn="ctr" defTabSz="222250">
-            <a:lnSpc>
-              <a:spcPct val="90000"/>
-            </a:lnSpc>
-            <a:spcBef>
-              <a:spcPct val="0"/>
-            </a:spcBef>
-            <a:spcAft>
-              <a:spcPct val="35000"/>
-            </a:spcAft>
-          </a:pPr>
-          <a:endParaRPr lang="en-GB" sz="500" kern="1200"/>
-        </a:p>
-      </dsp:txBody>
-      <dsp:txXfrm>
-        <a:off x="1733893" y="2520737"/>
-        <a:ext cx="12264" cy="12264"/>
-      </dsp:txXfrm>
-    </dsp:sp>
-    <dsp:sp modelId="{0D01B59A-5FFE-4A83-B8D9-A6EDCFE2B05E}">
-      <dsp:nvSpPr>
-        <dsp:cNvPr id="0" name=""/>
-        <dsp:cNvSpPr/>
-      </dsp:nvSpPr>
-      <dsp:spPr>
-        <a:xfrm>
-          <a:off x="3247466" y="2013759"/>
-          <a:ext cx="245285" cy="91440"/>
-        </a:xfrm>
-        <a:custGeom>
-          <a:avLst/>
-          <a:gdLst/>
-          <a:ahLst/>
-          <a:cxnLst/>
-          <a:rect l="0" t="0" r="0" b="0"/>
-          <a:pathLst>
-            <a:path>
-              <a:moveTo>
-                <a:pt x="0" y="45720"/>
-              </a:moveTo>
-              <a:lnTo>
-                <a:pt x="245285" y="45720"/>
-              </a:lnTo>
-            </a:path>
-          </a:pathLst>
-        </a:custGeom>
-        <a:noFill/>
-        <a:ln w="12700" cap="flat" cmpd="sng" algn="ctr">
-          <a:solidFill>
-            <a:schemeClr val="accent1">
-              <a:shade val="80000"/>
-              <a:hueOff val="0"/>
-              <a:satOff val="0"/>
-              <a:lumOff val="0"/>
-              <a:alphaOff val="0"/>
-            </a:schemeClr>
-          </a:solidFill>
-          <a:prstDash val="solid"/>
-          <a:miter lim="800000"/>
-        </a:ln>
-        <a:effectLst/>
-      </dsp:spPr>
-      <dsp:style>
-        <a:lnRef idx="2">
-          <a:scrgbClr r="0" g="0" b="0"/>
-        </a:lnRef>
-        <a:fillRef idx="0">
-          <a:scrgbClr r="0" g="0" b="0"/>
-        </a:fillRef>
-        <a:effectRef idx="0">
-          <a:scrgbClr r="0" g="0" b="0"/>
-        </a:effectRef>
-        <a:fontRef idx="minor"/>
-      </dsp:style>
-      <dsp:txBody>
-        <a:bodyPr spcFirstLastPara="0" vert="horz" wrap="square" lIns="12700" tIns="0" rIns="12700" bIns="0" numCol="1" spcCol="1270" anchor="ctr" anchorCtr="0">
-          <a:noAutofit/>
-        </a:bodyPr>
-        <a:lstStyle/>
-        <a:p>
-          <a:pPr lvl="0" algn="ctr" defTabSz="222250">
-            <a:lnSpc>
-              <a:spcPct val="90000"/>
-            </a:lnSpc>
-            <a:spcBef>
-              <a:spcPct val="0"/>
-            </a:spcBef>
-            <a:spcAft>
-              <a:spcPct val="35000"/>
-            </a:spcAft>
-          </a:pPr>
-          <a:endParaRPr lang="en-GB" sz="500" kern="1200"/>
-        </a:p>
-      </dsp:txBody>
-      <dsp:txXfrm>
-        <a:off x="3247466" y="2053347"/>
-        <a:ext cx="245285" cy="12264"/>
-      </dsp:txXfrm>
-    </dsp:sp>
-    <dsp:sp modelId="{8AE0D171-6F72-469E-B5C6-F9E7C296DEDB}">
-      <dsp:nvSpPr>
-        <dsp:cNvPr id="0" name=""/>
-        <dsp:cNvSpPr/>
-      </dsp:nvSpPr>
-      <dsp:spPr>
-        <a:xfrm>
-          <a:off x="1617382" y="2059479"/>
-          <a:ext cx="245285" cy="467389"/>
-        </a:xfrm>
-        <a:custGeom>
-          <a:avLst/>
-          <a:gdLst/>
-          <a:ahLst/>
-          <a:cxnLst/>
-          <a:rect l="0" t="0" r="0" b="0"/>
-          <a:pathLst>
-            <a:path>
-              <a:moveTo>
-                <a:pt x="0" y="467389"/>
-              </a:moveTo>
-              <a:lnTo>
-                <a:pt x="122642" y="467389"/>
-              </a:lnTo>
-              <a:lnTo>
-                <a:pt x="122642" y="0"/>
-              </a:lnTo>
-              <a:lnTo>
-                <a:pt x="245285" y="0"/>
-              </a:lnTo>
-            </a:path>
-          </a:pathLst>
-        </a:custGeom>
-        <a:noFill/>
-        <a:ln w="12700" cap="flat" cmpd="sng" algn="ctr">
-          <a:solidFill>
-            <a:schemeClr val="accent1">
-              <a:shade val="60000"/>
-              <a:hueOff val="0"/>
-              <a:satOff val="0"/>
-              <a:lumOff val="0"/>
-              <a:alphaOff val="0"/>
-            </a:schemeClr>
-          </a:solidFill>
-          <a:prstDash val="solid"/>
-          <a:miter lim="800000"/>
-        </a:ln>
-        <a:effectLst/>
-      </dsp:spPr>
-      <dsp:style>
-        <a:lnRef idx="2">
-          <a:scrgbClr r="0" g="0" b="0"/>
-        </a:lnRef>
-        <a:fillRef idx="0">
-          <a:scrgbClr r="0" g="0" b="0"/>
-        </a:fillRef>
-        <a:effectRef idx="0">
-          <a:scrgbClr r="0" g="0" b="0"/>
-        </a:effectRef>
-        <a:fontRef idx="minor"/>
-      </dsp:style>
-      <dsp:txBody>
-        <a:bodyPr spcFirstLastPara="0" vert="horz" wrap="square" lIns="12700" tIns="0" rIns="12700" bIns="0" numCol="1" spcCol="1270" anchor="ctr" anchorCtr="0">
-          <a:noAutofit/>
-        </a:bodyPr>
-        <a:lstStyle/>
-        <a:p>
-          <a:pPr lvl="0" algn="ctr" defTabSz="222250">
-            <a:lnSpc>
-              <a:spcPct val="90000"/>
-            </a:lnSpc>
-            <a:spcBef>
-              <a:spcPct val="0"/>
-            </a:spcBef>
-            <a:spcAft>
-              <a:spcPct val="35000"/>
-            </a:spcAft>
-          </a:pPr>
-          <a:endParaRPr lang="en-GB" sz="500" kern="1200"/>
-        </a:p>
-      </dsp:txBody>
-      <dsp:txXfrm>
-        <a:off x="1476104" y="2279978"/>
-        <a:ext cx="527842" cy="26392"/>
-      </dsp:txXfrm>
-    </dsp:sp>
-    <dsp:sp modelId="{F2BF9794-4818-4C17-B71E-F6D2CFB4B961}">
-      <dsp:nvSpPr>
-        <dsp:cNvPr id="0" name=""/>
-        <dsp:cNvSpPr/>
-      </dsp:nvSpPr>
-      <dsp:spPr>
-        <a:xfrm>
-          <a:off x="3247466" y="1546370"/>
-          <a:ext cx="245285" cy="91440"/>
-        </a:xfrm>
-        <a:custGeom>
-          <a:avLst/>
-          <a:gdLst/>
-          <a:ahLst/>
-          <a:cxnLst/>
-          <a:rect l="0" t="0" r="0" b="0"/>
-          <a:pathLst>
-            <a:path>
-              <a:moveTo>
-                <a:pt x="0" y="45720"/>
-              </a:moveTo>
-              <a:lnTo>
-                <a:pt x="245285" y="45720"/>
-              </a:lnTo>
-            </a:path>
-          </a:pathLst>
-        </a:custGeom>
-        <a:noFill/>
-        <a:ln w="12700" cap="flat" cmpd="sng" algn="ctr">
-          <a:solidFill>
-            <a:schemeClr val="accent1">
-              <a:shade val="80000"/>
-              <a:hueOff val="0"/>
-              <a:satOff val="0"/>
-              <a:lumOff val="0"/>
-              <a:alphaOff val="0"/>
-            </a:schemeClr>
-          </a:solidFill>
-          <a:prstDash val="solid"/>
-          <a:miter lim="800000"/>
-        </a:ln>
-        <a:effectLst/>
-      </dsp:spPr>
-      <dsp:style>
-        <a:lnRef idx="2">
-          <a:scrgbClr r="0" g="0" b="0"/>
-        </a:lnRef>
-        <a:fillRef idx="0">
-          <a:scrgbClr r="0" g="0" b="0"/>
-        </a:fillRef>
-        <a:effectRef idx="0">
-          <a:scrgbClr r="0" g="0" b="0"/>
-        </a:effectRef>
-        <a:fontRef idx="minor"/>
-      </dsp:style>
-      <dsp:txBody>
-        <a:bodyPr spcFirstLastPara="0" vert="horz" wrap="square" lIns="12700" tIns="0" rIns="12700" bIns="0" numCol="1" spcCol="1270" anchor="ctr" anchorCtr="0">
-          <a:noAutofit/>
-        </a:bodyPr>
-        <a:lstStyle/>
-        <a:p>
-          <a:pPr lvl="0" algn="ctr" defTabSz="222250">
-            <a:lnSpc>
-              <a:spcPct val="90000"/>
-            </a:lnSpc>
-            <a:spcBef>
-              <a:spcPct val="0"/>
-            </a:spcBef>
-            <a:spcAft>
-              <a:spcPct val="35000"/>
-            </a:spcAft>
-          </a:pPr>
-          <a:endParaRPr lang="en-GB" sz="500" kern="1200"/>
-        </a:p>
-      </dsp:txBody>
-      <dsp:txXfrm>
-        <a:off x="3247466" y="1585958"/>
-        <a:ext cx="245285" cy="12264"/>
-      </dsp:txXfrm>
-    </dsp:sp>
-    <dsp:sp modelId="{57C8A3E4-7C9A-43C4-9524-3ECCF2EC63A7}">
-      <dsp:nvSpPr>
-        <dsp:cNvPr id="0" name=""/>
-        <dsp:cNvSpPr/>
-      </dsp:nvSpPr>
-      <dsp:spPr>
-        <a:xfrm>
-          <a:off x="1617382" y="1592090"/>
-          <a:ext cx="245285" cy="934778"/>
-        </a:xfrm>
-        <a:custGeom>
-          <a:avLst/>
-          <a:gdLst/>
-          <a:ahLst/>
-          <a:cxnLst/>
-          <a:rect l="0" t="0" r="0" b="0"/>
-          <a:pathLst>
-            <a:path>
-              <a:moveTo>
-                <a:pt x="0" y="934778"/>
-              </a:moveTo>
-              <a:lnTo>
-                <a:pt x="122642" y="934778"/>
-              </a:lnTo>
-              <a:lnTo>
-                <a:pt x="122642" y="0"/>
-              </a:lnTo>
-              <a:lnTo>
-                <a:pt x="245285" y="0"/>
-              </a:lnTo>
-            </a:path>
-          </a:pathLst>
-        </a:custGeom>
-        <a:noFill/>
-        <a:ln w="12700" cap="flat" cmpd="sng" algn="ctr">
-          <a:solidFill>
-            <a:schemeClr val="accent1">
-              <a:shade val="60000"/>
-              <a:hueOff val="0"/>
-              <a:satOff val="0"/>
-              <a:lumOff val="0"/>
-              <a:alphaOff val="0"/>
-            </a:schemeClr>
-          </a:solidFill>
-          <a:prstDash val="solid"/>
-          <a:miter lim="800000"/>
-        </a:ln>
-        <a:effectLst/>
-      </dsp:spPr>
-      <dsp:style>
-        <a:lnRef idx="2">
-          <a:scrgbClr r="0" g="0" b="0"/>
-        </a:lnRef>
-        <a:fillRef idx="0">
-          <a:scrgbClr r="0" g="0" b="0"/>
-        </a:fillRef>
-        <a:effectRef idx="0">
-          <a:scrgbClr r="0" g="0" b="0"/>
-        </a:effectRef>
-        <a:fontRef idx="minor"/>
-      </dsp:style>
-      <dsp:txBody>
-        <a:bodyPr spcFirstLastPara="0" vert="horz" wrap="square" lIns="12700" tIns="0" rIns="12700" bIns="0" numCol="1" spcCol="1270" anchor="ctr" anchorCtr="0">
-          <a:noAutofit/>
-        </a:bodyPr>
-        <a:lstStyle/>
-        <a:p>
-          <a:pPr lvl="0" algn="ctr" defTabSz="222250">
-            <a:lnSpc>
-              <a:spcPct val="90000"/>
-            </a:lnSpc>
-            <a:spcBef>
-              <a:spcPct val="0"/>
-            </a:spcBef>
-            <a:spcAft>
-              <a:spcPct val="35000"/>
-            </a:spcAft>
-          </a:pPr>
-          <a:endParaRPr lang="en-GB" sz="500" kern="1200"/>
-        </a:p>
-      </dsp:txBody>
-      <dsp:txXfrm>
-        <a:off x="1256813" y="2035319"/>
-        <a:ext cx="966424" cy="48321"/>
-      </dsp:txXfrm>
-    </dsp:sp>
-    <dsp:sp modelId="{35A4DAB7-D9B6-4AE1-885E-5EF0DCB1A387}">
-      <dsp:nvSpPr>
-        <dsp:cNvPr id="0" name=""/>
-        <dsp:cNvSpPr/>
-      </dsp:nvSpPr>
-      <dsp:spPr>
-        <a:xfrm>
-          <a:off x="3247466" y="1078981"/>
-          <a:ext cx="245285" cy="91440"/>
-        </a:xfrm>
-        <a:custGeom>
-          <a:avLst/>
-          <a:gdLst/>
-          <a:ahLst/>
-          <a:cxnLst/>
-          <a:rect l="0" t="0" r="0" b="0"/>
-          <a:pathLst>
-            <a:path>
-              <a:moveTo>
-                <a:pt x="0" y="45720"/>
-              </a:moveTo>
-              <a:lnTo>
-                <a:pt x="245285" y="45720"/>
-              </a:lnTo>
-            </a:path>
-          </a:pathLst>
-        </a:custGeom>
-        <a:noFill/>
-        <a:ln w="12700" cap="flat" cmpd="sng" algn="ctr">
-          <a:solidFill>
-            <a:schemeClr val="accent1">
-              <a:shade val="80000"/>
-              <a:hueOff val="0"/>
-              <a:satOff val="0"/>
-              <a:lumOff val="0"/>
-              <a:alphaOff val="0"/>
-            </a:schemeClr>
-          </a:solidFill>
-          <a:prstDash val="solid"/>
-          <a:miter lim="800000"/>
-        </a:ln>
-        <a:effectLst/>
-      </dsp:spPr>
-      <dsp:style>
-        <a:lnRef idx="2">
-          <a:scrgbClr r="0" g="0" b="0"/>
-        </a:lnRef>
-        <a:fillRef idx="0">
-          <a:scrgbClr r="0" g="0" b="0"/>
-        </a:fillRef>
-        <a:effectRef idx="0">
-          <a:scrgbClr r="0" g="0" b="0"/>
-        </a:effectRef>
-        <a:fontRef idx="minor"/>
-      </dsp:style>
-      <dsp:txBody>
-        <a:bodyPr spcFirstLastPara="0" vert="horz" wrap="square" lIns="12700" tIns="0" rIns="12700" bIns="0" numCol="1" spcCol="1270" anchor="ctr" anchorCtr="0">
-          <a:noAutofit/>
-        </a:bodyPr>
-        <a:lstStyle/>
-        <a:p>
-          <a:pPr lvl="0" algn="ctr" defTabSz="222250">
-            <a:lnSpc>
-              <a:spcPct val="90000"/>
-            </a:lnSpc>
-            <a:spcBef>
-              <a:spcPct val="0"/>
-            </a:spcBef>
-            <a:spcAft>
-              <a:spcPct val="35000"/>
-            </a:spcAft>
-          </a:pPr>
-          <a:endParaRPr lang="en-GB" sz="500" kern="1200"/>
-        </a:p>
-      </dsp:txBody>
-      <dsp:txXfrm>
-        <a:off x="3247466" y="1118569"/>
-        <a:ext cx="245285" cy="12264"/>
-      </dsp:txXfrm>
-    </dsp:sp>
-    <dsp:sp modelId="{713DFD89-4B6B-47B2-8203-544899CE5C74}">
-      <dsp:nvSpPr>
-        <dsp:cNvPr id="0" name=""/>
-        <dsp:cNvSpPr/>
-      </dsp:nvSpPr>
-      <dsp:spPr>
-        <a:xfrm>
-          <a:off x="1617382" y="1124701"/>
-          <a:ext cx="245285" cy="1402167"/>
-        </a:xfrm>
-        <a:custGeom>
-          <a:avLst/>
-          <a:gdLst/>
-          <a:ahLst/>
-          <a:cxnLst/>
-          <a:rect l="0" t="0" r="0" b="0"/>
-          <a:pathLst>
-            <a:path>
-              <a:moveTo>
-                <a:pt x="0" y="1402167"/>
-              </a:moveTo>
-              <a:lnTo>
-                <a:pt x="122642" y="1402167"/>
-              </a:lnTo>
-              <a:lnTo>
-                <a:pt x="122642" y="0"/>
-              </a:lnTo>
-              <a:lnTo>
-                <a:pt x="245285" y="0"/>
-              </a:lnTo>
-            </a:path>
-          </a:pathLst>
-        </a:custGeom>
-        <a:noFill/>
-        <a:ln w="12700" cap="flat" cmpd="sng" algn="ctr">
-          <a:solidFill>
-            <a:schemeClr val="accent1">
-              <a:shade val="60000"/>
-              <a:hueOff val="0"/>
-              <a:satOff val="0"/>
-              <a:lumOff val="0"/>
-              <a:alphaOff val="0"/>
-            </a:schemeClr>
-          </a:solidFill>
-          <a:prstDash val="solid"/>
-          <a:miter lim="800000"/>
-        </a:ln>
-        <a:effectLst/>
-      </dsp:spPr>
-      <dsp:style>
-        <a:lnRef idx="2">
-          <a:scrgbClr r="0" g="0" b="0"/>
-        </a:lnRef>
-        <a:fillRef idx="0">
-          <a:scrgbClr r="0" g="0" b="0"/>
-        </a:fillRef>
-        <a:effectRef idx="0">
-          <a:scrgbClr r="0" g="0" b="0"/>
-        </a:effectRef>
-        <a:fontRef idx="minor"/>
-      </dsp:style>
-      <dsp:txBody>
-        <a:bodyPr spcFirstLastPara="0" vert="horz" wrap="square" lIns="12700" tIns="0" rIns="12700" bIns="0" numCol="1" spcCol="1270" anchor="ctr" anchorCtr="0">
-          <a:noAutofit/>
-        </a:bodyPr>
-        <a:lstStyle/>
-        <a:p>
-          <a:pPr lvl="0" algn="ctr" defTabSz="222250">
-            <a:lnSpc>
-              <a:spcPct val="90000"/>
-            </a:lnSpc>
-            <a:spcBef>
-              <a:spcPct val="0"/>
-            </a:spcBef>
-            <a:spcAft>
-              <a:spcPct val="35000"/>
-            </a:spcAft>
-          </a:pPr>
-          <a:endParaRPr lang="en-GB" sz="500" kern="1200"/>
-        </a:p>
-      </dsp:txBody>
-      <dsp:txXfrm>
-        <a:off x="1028295" y="1790198"/>
-        <a:ext cx="1423460" cy="71173"/>
-      </dsp:txXfrm>
-    </dsp:sp>
-    <dsp:sp modelId="{7F012391-3332-4BCA-873A-034FD03600FE}">
-      <dsp:nvSpPr>
-        <dsp:cNvPr id="0" name=""/>
-        <dsp:cNvSpPr/>
-      </dsp:nvSpPr>
-      <dsp:spPr>
-        <a:xfrm>
-          <a:off x="1617382" y="657312"/>
-          <a:ext cx="245285" cy="1869557"/>
-        </a:xfrm>
-        <a:custGeom>
-          <a:avLst/>
-          <a:gdLst/>
-          <a:ahLst/>
-          <a:cxnLst/>
-          <a:rect l="0" t="0" r="0" b="0"/>
-          <a:pathLst>
-            <a:path>
-              <a:moveTo>
-                <a:pt x="0" y="1869557"/>
-              </a:moveTo>
-              <a:lnTo>
-                <a:pt x="122642" y="1869557"/>
-              </a:lnTo>
-              <a:lnTo>
-                <a:pt x="122642" y="0"/>
-              </a:lnTo>
-              <a:lnTo>
-                <a:pt x="245285" y="0"/>
-              </a:lnTo>
-            </a:path>
-          </a:pathLst>
-        </a:custGeom>
-        <a:noFill/>
-        <a:ln w="12700" cap="flat" cmpd="sng" algn="ctr">
-          <a:solidFill>
-            <a:schemeClr val="accent1">
-              <a:shade val="60000"/>
-              <a:hueOff val="0"/>
-              <a:satOff val="0"/>
-              <a:lumOff val="0"/>
-              <a:alphaOff val="0"/>
-            </a:schemeClr>
-          </a:solidFill>
-          <a:prstDash val="solid"/>
-          <a:miter lim="800000"/>
-        </a:ln>
-        <a:effectLst/>
-      </dsp:spPr>
-      <dsp:style>
-        <a:lnRef idx="2">
-          <a:scrgbClr r="0" g="0" b="0"/>
-        </a:lnRef>
-        <a:fillRef idx="0">
-          <a:scrgbClr r="0" g="0" b="0"/>
-        </a:fillRef>
-        <a:effectRef idx="0">
-          <a:scrgbClr r="0" g="0" b="0"/>
-        </a:effectRef>
-        <a:fontRef idx="minor"/>
-      </dsp:style>
-      <dsp:txBody>
-        <a:bodyPr spcFirstLastPara="0" vert="horz" wrap="square" lIns="12700" tIns="0" rIns="12700" bIns="0" numCol="1" spcCol="1270" anchor="ctr" anchorCtr="0">
-          <a:noAutofit/>
-        </a:bodyPr>
-        <a:lstStyle/>
-        <a:p>
-          <a:pPr lvl="0" algn="ctr" defTabSz="266700">
-            <a:lnSpc>
-              <a:spcPct val="90000"/>
-            </a:lnSpc>
-            <a:spcBef>
-              <a:spcPct val="0"/>
-            </a:spcBef>
-            <a:spcAft>
-              <a:spcPct val="35000"/>
-            </a:spcAft>
-          </a:pPr>
-          <a:endParaRPr lang="en-GB" sz="600" kern="1200"/>
-        </a:p>
-      </dsp:txBody>
-      <dsp:txXfrm>
-        <a:off x="797235" y="1544951"/>
-        <a:ext cx="1885579" cy="94278"/>
-      </dsp:txXfrm>
-    </dsp:sp>
-    <dsp:sp modelId="{DBA4CA91-E385-4850-9C79-2C53D314572F}">
-      <dsp:nvSpPr>
-        <dsp:cNvPr id="0" name=""/>
-        <dsp:cNvSpPr/>
-      </dsp:nvSpPr>
-      <dsp:spPr>
-        <a:xfrm>
-          <a:off x="1617382" y="189922"/>
-          <a:ext cx="245285" cy="2336946"/>
-        </a:xfrm>
-        <a:custGeom>
-          <a:avLst/>
-          <a:gdLst/>
-          <a:ahLst/>
-          <a:cxnLst/>
-          <a:rect l="0" t="0" r="0" b="0"/>
-          <a:pathLst>
-            <a:path>
-              <a:moveTo>
-                <a:pt x="0" y="2336946"/>
-              </a:moveTo>
-              <a:lnTo>
-                <a:pt x="122642" y="2336946"/>
-              </a:lnTo>
-              <a:lnTo>
-                <a:pt x="122642" y="0"/>
-              </a:lnTo>
-              <a:lnTo>
-                <a:pt x="245285" y="0"/>
-              </a:lnTo>
-            </a:path>
-          </a:pathLst>
-        </a:custGeom>
-        <a:noFill/>
-        <a:ln w="12700" cap="flat" cmpd="sng" algn="ctr">
-          <a:solidFill>
-            <a:schemeClr val="accent1">
-              <a:shade val="60000"/>
-              <a:hueOff val="0"/>
-              <a:satOff val="0"/>
-              <a:lumOff val="0"/>
-              <a:alphaOff val="0"/>
-            </a:schemeClr>
-          </a:solidFill>
-          <a:prstDash val="solid"/>
-          <a:miter lim="800000"/>
-        </a:ln>
-        <a:effectLst/>
-      </dsp:spPr>
-      <dsp:style>
-        <a:lnRef idx="2">
-          <a:scrgbClr r="0" g="0" b="0"/>
-        </a:lnRef>
-        <a:fillRef idx="0">
-          <a:scrgbClr r="0" g="0" b="0"/>
-        </a:fillRef>
-        <a:effectRef idx="0">
-          <a:scrgbClr r="0" g="0" b="0"/>
-        </a:effectRef>
-        <a:fontRef idx="minor"/>
-      </dsp:style>
-      <dsp:txBody>
-        <a:bodyPr spcFirstLastPara="0" vert="horz" wrap="square" lIns="12700" tIns="0" rIns="12700" bIns="0" numCol="1" spcCol="1270" anchor="ctr" anchorCtr="0">
-          <a:noAutofit/>
-        </a:bodyPr>
-        <a:lstStyle/>
-        <a:p>
-          <a:pPr lvl="0" algn="ctr" defTabSz="355600">
-            <a:lnSpc>
-              <a:spcPct val="90000"/>
-            </a:lnSpc>
-            <a:spcBef>
-              <a:spcPct val="0"/>
-            </a:spcBef>
-            <a:spcAft>
-              <a:spcPct val="35000"/>
-            </a:spcAft>
-          </a:pPr>
-          <a:endParaRPr lang="en-GB" sz="800" kern="1200"/>
-        </a:p>
-      </dsp:txBody>
-      <dsp:txXfrm>
-        <a:off x="1681280" y="1299651"/>
-        <a:ext cx="117489" cy="117489"/>
-      </dsp:txXfrm>
-    </dsp:sp>
-    <dsp:sp modelId="{B325A06F-D7AF-48D6-A433-D30945A84C4F}">
-      <dsp:nvSpPr>
-        <dsp:cNvPr id="0" name=""/>
-        <dsp:cNvSpPr/>
-      </dsp:nvSpPr>
-      <dsp:spPr>
-        <a:xfrm rot="16200000">
-          <a:off x="446449" y="2339913"/>
-          <a:ext cx="1967954" cy="373911"/>
-        </a:xfrm>
-        <a:prstGeom prst="snip1Rect">
-          <a:avLst/>
-        </a:prstGeom>
-        <a:solidFill>
-          <a:schemeClr val="accent3">
-            <a:lumMod val="50000"/>
-          </a:schemeClr>
-        </a:solidFill>
-        <a:ln w="12700" cap="flat" cmpd="sng" algn="ctr">
-          <a:solidFill>
-            <a:schemeClr val="lt1">
-              <a:hueOff val="0"/>
-              <a:satOff val="0"/>
-              <a:lumOff val="0"/>
-              <a:alphaOff val="0"/>
-            </a:schemeClr>
-          </a:solidFill>
-          <a:prstDash val="solid"/>
-          <a:miter lim="800000"/>
-        </a:ln>
-        <a:effectLst/>
-      </dsp:spPr>
-      <dsp:style>
-        <a:lnRef idx="2">
-          <a:scrgbClr r="0" g="0" b="0"/>
-        </a:lnRef>
-        <a:fillRef idx="1">
-          <a:scrgbClr r="0" g="0" b="0"/>
-        </a:fillRef>
-        <a:effectRef idx="0">
-          <a:scrgbClr r="0" g="0" b="0"/>
-        </a:effectRef>
-        <a:fontRef idx="minor">
-          <a:schemeClr val="lt1"/>
-        </a:fontRef>
-      </dsp:style>
-      <dsp:txBody>
-        <a:bodyPr spcFirstLastPara="0" vert="horz" wrap="square" lIns="11430" tIns="11430" rIns="11430" bIns="11430" numCol="1" spcCol="1270" anchor="ctr" anchorCtr="0">
-          <a:noAutofit/>
-        </a:bodyPr>
-        <a:lstStyle/>
-        <a:p>
-          <a:pPr lvl="0" algn="ctr" defTabSz="800100">
-            <a:lnSpc>
-              <a:spcPct val="90000"/>
-            </a:lnSpc>
-            <a:spcBef>
-              <a:spcPct val="0"/>
-            </a:spcBef>
-            <a:spcAft>
-              <a:spcPct val="35000"/>
-            </a:spcAft>
-          </a:pPr>
-          <a:r>
-            <a:rPr lang="en-GB" sz="1800" kern="1200" dirty="0" err="1" smtClean="0"/>
-            <a:t>pasilla</a:t>
-          </a:r>
-          <a:r>
-            <a:rPr lang="en-GB" sz="1800" kern="1200" dirty="0" smtClean="0"/>
-            <a:t>/</a:t>
-          </a:r>
-        </a:p>
-      </dsp:txBody>
-      <dsp:txXfrm>
-        <a:off x="477609" y="2371073"/>
-        <a:ext cx="1936794" cy="342751"/>
-      </dsp:txXfrm>
-    </dsp:sp>
-    <dsp:sp modelId="{6FF0C949-3F9D-4789-AC90-F1566F9E4506}">
-      <dsp:nvSpPr>
-        <dsp:cNvPr id="0" name=""/>
-        <dsp:cNvSpPr/>
-      </dsp:nvSpPr>
-      <dsp:spPr>
-        <a:xfrm>
-          <a:off x="1862668" y="2967"/>
-          <a:ext cx="1384798" cy="373911"/>
-        </a:xfrm>
-        <a:prstGeom prst="flowChartDocument">
-          <a:avLst/>
-        </a:prstGeom>
-        <a:solidFill>
-          <a:schemeClr val="accent1">
-            <a:lumMod val="40000"/>
-            <a:lumOff val="60000"/>
-          </a:schemeClr>
-        </a:solidFill>
-        <a:ln w="12700" cap="flat" cmpd="sng" algn="ctr">
-          <a:solidFill>
-            <a:schemeClr val="lt1">
-              <a:hueOff val="0"/>
-              <a:satOff val="0"/>
-              <a:lumOff val="0"/>
-              <a:alphaOff val="0"/>
-            </a:schemeClr>
-          </a:solidFill>
-          <a:prstDash val="solid"/>
-          <a:miter lim="800000"/>
-        </a:ln>
-        <a:effectLst/>
-      </dsp:spPr>
-      <dsp:style>
-        <a:lnRef idx="2">
-          <a:scrgbClr r="0" g="0" b="0"/>
-        </a:lnRef>
-        <a:fillRef idx="1">
-          <a:scrgbClr r="0" g="0" b="0"/>
-        </a:fillRef>
-        <a:effectRef idx="0">
-          <a:scrgbClr r="0" g="0" b="0"/>
-        </a:effectRef>
-        <a:fontRef idx="minor">
-          <a:schemeClr val="lt1"/>
-        </a:fontRef>
-      </dsp:style>
-      <dsp:txBody>
-        <a:bodyPr spcFirstLastPara="0" vert="horz" wrap="square" lIns="7620" tIns="7620" rIns="7620" bIns="7620" numCol="1" spcCol="1270" anchor="ctr" anchorCtr="0">
-          <a:noAutofit/>
-        </a:bodyPr>
-        <a:lstStyle/>
-        <a:p>
-          <a:pPr lvl="0" algn="ctr" defTabSz="533400">
-            <a:lnSpc>
-              <a:spcPct val="90000"/>
-            </a:lnSpc>
-            <a:spcBef>
-              <a:spcPct val="0"/>
-            </a:spcBef>
-            <a:spcAft>
-              <a:spcPct val="35000"/>
-            </a:spcAft>
-          </a:pPr>
-          <a:r>
-            <a:rPr lang="en-GB" sz="1200" b="1" kern="1200" dirty="0" smtClean="0">
-              <a:solidFill>
-                <a:schemeClr val="tx1"/>
-              </a:solidFill>
-            </a:rPr>
-            <a:t>protractorConfig.js</a:t>
-          </a:r>
-          <a:endParaRPr lang="en-GB" sz="1200" kern="1200" dirty="0" smtClean="0"/>
-        </a:p>
-      </dsp:txBody>
-      <dsp:txXfrm>
-        <a:off x="1862668" y="2967"/>
-        <a:ext cx="1384798" cy="299856"/>
-      </dsp:txXfrm>
-    </dsp:sp>
-    <dsp:sp modelId="{31066EA5-3788-412A-8DFC-F65B6009BADF}">
-      <dsp:nvSpPr>
-        <dsp:cNvPr id="0" name=""/>
-        <dsp:cNvSpPr/>
-      </dsp:nvSpPr>
-      <dsp:spPr>
-        <a:xfrm>
-          <a:off x="1862668" y="470356"/>
-          <a:ext cx="1384798" cy="373911"/>
-        </a:xfrm>
-        <a:prstGeom prst="snip1Rect">
-          <a:avLst/>
-        </a:prstGeom>
-        <a:solidFill>
-          <a:schemeClr val="accent3">
-            <a:lumMod val="50000"/>
-          </a:schemeClr>
-        </a:solidFill>
-        <a:ln w="12700" cap="flat" cmpd="sng" algn="ctr">
-          <a:solidFill>
-            <a:schemeClr val="lt1">
-              <a:hueOff val="0"/>
-              <a:satOff val="0"/>
-              <a:lumOff val="0"/>
-              <a:alphaOff val="0"/>
-            </a:schemeClr>
-          </a:solidFill>
-          <a:prstDash val="solid"/>
-          <a:miter lim="800000"/>
-        </a:ln>
-        <a:effectLst/>
-      </dsp:spPr>
-      <dsp:style>
-        <a:lnRef idx="2">
-          <a:scrgbClr r="0" g="0" b="0"/>
-        </a:lnRef>
-        <a:fillRef idx="1">
-          <a:scrgbClr r="0" g="0" b="0"/>
-        </a:fillRef>
-        <a:effectRef idx="0">
-          <a:scrgbClr r="0" g="0" b="0"/>
-        </a:effectRef>
-        <a:fontRef idx="minor">
-          <a:schemeClr val="lt1"/>
-        </a:fontRef>
-      </dsp:style>
-      <dsp:txBody>
-        <a:bodyPr spcFirstLastPara="0" vert="horz" wrap="square" lIns="7620" tIns="7620" rIns="7620" bIns="7620" numCol="1" spcCol="1270" anchor="ctr" anchorCtr="0">
-          <a:noAutofit/>
-        </a:bodyPr>
-        <a:lstStyle/>
-        <a:p>
-          <a:pPr lvl="0" algn="ctr" defTabSz="533400">
-            <a:lnSpc>
-              <a:spcPct val="90000"/>
-            </a:lnSpc>
-            <a:spcBef>
-              <a:spcPct val="0"/>
-            </a:spcBef>
-            <a:spcAft>
-              <a:spcPct val="35000"/>
-            </a:spcAft>
-          </a:pPr>
-          <a:r>
-            <a:rPr lang="en-GB" sz="1200" b="1" kern="1200" dirty="0" smtClean="0"/>
-            <a:t>documentation/</a:t>
-          </a:r>
-        </a:p>
-      </dsp:txBody>
-      <dsp:txXfrm>
-        <a:off x="1862668" y="501516"/>
-        <a:ext cx="1353638" cy="342751"/>
-      </dsp:txXfrm>
-    </dsp:sp>
-    <dsp:sp modelId="{548BEBB0-D16C-432C-B6DC-C7FC389D01DC}">
-      <dsp:nvSpPr>
-        <dsp:cNvPr id="0" name=""/>
-        <dsp:cNvSpPr/>
-      </dsp:nvSpPr>
-      <dsp:spPr>
-        <a:xfrm>
-          <a:off x="1862668" y="937745"/>
-          <a:ext cx="1384798" cy="373911"/>
-        </a:xfrm>
-        <a:prstGeom prst="snip1Rect">
-          <a:avLst/>
-        </a:prstGeom>
-        <a:solidFill>
-          <a:schemeClr val="accent3">
-            <a:lumMod val="50000"/>
-          </a:schemeClr>
-        </a:solidFill>
-        <a:ln w="12700" cap="flat" cmpd="sng" algn="ctr">
-          <a:solidFill>
-            <a:schemeClr val="lt1">
-              <a:hueOff val="0"/>
-              <a:satOff val="0"/>
-              <a:lumOff val="0"/>
-              <a:alphaOff val="0"/>
-            </a:schemeClr>
-          </a:solidFill>
-          <a:prstDash val="solid"/>
-          <a:miter lim="800000"/>
-        </a:ln>
-        <a:effectLst/>
-      </dsp:spPr>
-      <dsp:style>
-        <a:lnRef idx="2">
-          <a:scrgbClr r="0" g="0" b="0"/>
-        </a:lnRef>
-        <a:fillRef idx="1">
-          <a:scrgbClr r="0" g="0" b="0"/>
-        </a:fillRef>
-        <a:effectRef idx="0">
-          <a:scrgbClr r="0" g="0" b="0"/>
-        </a:effectRef>
-        <a:fontRef idx="minor">
-          <a:schemeClr val="lt1"/>
-        </a:fontRef>
-      </dsp:style>
-      <dsp:txBody>
-        <a:bodyPr spcFirstLastPara="0" vert="horz" wrap="square" lIns="7620" tIns="7620" rIns="7620" bIns="7620" numCol="1" spcCol="1270" anchor="ctr" anchorCtr="0">
-          <a:noAutofit/>
-        </a:bodyPr>
-        <a:lstStyle/>
-        <a:p>
-          <a:pPr lvl="0" algn="ctr" defTabSz="533400">
-            <a:lnSpc>
-              <a:spcPct val="90000"/>
-            </a:lnSpc>
-            <a:spcBef>
-              <a:spcPct val="0"/>
-            </a:spcBef>
-            <a:spcAft>
-              <a:spcPct val="35000"/>
-            </a:spcAft>
-          </a:pPr>
-          <a:r>
-            <a:rPr lang="en-GB" sz="1200" b="1" kern="1200" dirty="0" smtClean="0"/>
-            <a:t>pages/</a:t>
-          </a:r>
-        </a:p>
-      </dsp:txBody>
-      <dsp:txXfrm>
-        <a:off x="1862668" y="968905"/>
-        <a:ext cx="1353638" cy="342751"/>
-      </dsp:txXfrm>
-    </dsp:sp>
-    <dsp:sp modelId="{E50C2439-5302-4073-A4A6-DD0B3CA2D779}">
-      <dsp:nvSpPr>
-        <dsp:cNvPr id="0" name=""/>
-        <dsp:cNvSpPr/>
-      </dsp:nvSpPr>
-      <dsp:spPr>
-        <a:xfrm>
-          <a:off x="3492752" y="937745"/>
-          <a:ext cx="1884224" cy="373911"/>
-        </a:xfrm>
-        <a:prstGeom prst="flowChartMultidocument">
-          <a:avLst/>
-        </a:prstGeom>
-        <a:solidFill>
-          <a:schemeClr val="accent1">
-            <a:lumMod val="40000"/>
-            <a:lumOff val="60000"/>
-          </a:schemeClr>
-        </a:solidFill>
-        <a:ln w="12700" cap="flat" cmpd="sng" algn="ctr">
-          <a:solidFill>
-            <a:schemeClr val="lt1">
-              <a:hueOff val="0"/>
-              <a:satOff val="0"/>
-              <a:lumOff val="0"/>
-              <a:alphaOff val="0"/>
-            </a:schemeClr>
-          </a:solidFill>
-          <a:prstDash val="solid"/>
-          <a:miter lim="800000"/>
-        </a:ln>
-        <a:effectLst/>
-      </dsp:spPr>
-      <dsp:style>
-        <a:lnRef idx="2">
-          <a:scrgbClr r="0" g="0" b="0"/>
-        </a:lnRef>
-        <a:fillRef idx="1">
-          <a:scrgbClr r="0" g="0" b="0"/>
-        </a:fillRef>
-        <a:effectRef idx="0">
-          <a:scrgbClr r="0" g="0" b="0"/>
-        </a:effectRef>
-        <a:fontRef idx="minor">
-          <a:schemeClr val="lt1"/>
-        </a:fontRef>
-      </dsp:style>
-      <dsp:txBody>
-        <a:bodyPr spcFirstLastPara="0" vert="horz" wrap="square" lIns="7620" tIns="7620" rIns="7620" bIns="7620" numCol="1" spcCol="1270" anchor="ctr" anchorCtr="0">
-          <a:noAutofit/>
-        </a:bodyPr>
-        <a:lstStyle/>
-        <a:p>
-          <a:pPr lvl="0" algn="ctr" defTabSz="533400">
-            <a:lnSpc>
-              <a:spcPct val="90000"/>
-            </a:lnSpc>
-            <a:spcBef>
-              <a:spcPct val="0"/>
-            </a:spcBef>
-            <a:spcAft>
-              <a:spcPct val="35000"/>
-            </a:spcAft>
-          </a:pPr>
-          <a:r>
-            <a:rPr lang="en-GB" sz="1200" kern="1200" dirty="0" smtClean="0">
-              <a:solidFill>
-                <a:schemeClr val="bg1">
-                  <a:lumMod val="50000"/>
-                </a:schemeClr>
-              </a:solidFill>
-            </a:rPr>
-            <a:t>AngularJSHomePage.js</a:t>
-          </a:r>
-        </a:p>
-      </dsp:txBody>
-      <dsp:txXfrm>
-        <a:off x="3492752" y="1001362"/>
-        <a:ext cx="1622090" cy="296134"/>
-      </dsp:txXfrm>
-    </dsp:sp>
-    <dsp:sp modelId="{A5B26C97-0E77-41FA-A583-0CC5586F7601}">
-      <dsp:nvSpPr>
-        <dsp:cNvPr id="0" name=""/>
-        <dsp:cNvSpPr/>
-      </dsp:nvSpPr>
-      <dsp:spPr>
-        <a:xfrm>
-          <a:off x="1862668" y="1405134"/>
-          <a:ext cx="1384798" cy="373911"/>
-        </a:xfrm>
-        <a:prstGeom prst="snip1Rect">
-          <a:avLst/>
-        </a:prstGeom>
-        <a:solidFill>
-          <a:schemeClr val="accent3">
-            <a:lumMod val="50000"/>
-          </a:schemeClr>
-        </a:solidFill>
-        <a:ln w="12700" cap="flat" cmpd="sng" algn="ctr">
-          <a:solidFill>
-            <a:schemeClr val="lt1">
-              <a:hueOff val="0"/>
-              <a:satOff val="0"/>
-              <a:lumOff val="0"/>
-              <a:alphaOff val="0"/>
-            </a:schemeClr>
-          </a:solidFill>
-          <a:prstDash val="solid"/>
-          <a:miter lim="800000"/>
-        </a:ln>
-        <a:effectLst/>
-      </dsp:spPr>
-      <dsp:style>
-        <a:lnRef idx="2">
-          <a:scrgbClr r="0" g="0" b="0"/>
-        </a:lnRef>
-        <a:fillRef idx="1">
-          <a:scrgbClr r="0" g="0" b="0"/>
-        </a:fillRef>
-        <a:effectRef idx="0">
-          <a:scrgbClr r="0" g="0" b="0"/>
-        </a:effectRef>
-        <a:fontRef idx="minor">
-          <a:schemeClr val="lt1"/>
-        </a:fontRef>
-      </dsp:style>
-      <dsp:txBody>
-        <a:bodyPr spcFirstLastPara="0" vert="horz" wrap="square" lIns="7620" tIns="7620" rIns="7620" bIns="7620" numCol="1" spcCol="1270" anchor="ctr" anchorCtr="0">
-          <a:noAutofit/>
-        </a:bodyPr>
-        <a:lstStyle/>
-        <a:p>
-          <a:pPr lvl="0" algn="ctr" defTabSz="533400">
-            <a:lnSpc>
-              <a:spcPct val="90000"/>
-            </a:lnSpc>
-            <a:spcBef>
-              <a:spcPct val="0"/>
-            </a:spcBef>
-            <a:spcAft>
-              <a:spcPct val="35000"/>
-            </a:spcAft>
-          </a:pPr>
-          <a:r>
-            <a:rPr lang="en-GB" sz="1200" b="1" kern="1200" dirty="0" smtClean="0"/>
-            <a:t>helpers/</a:t>
-          </a:r>
-        </a:p>
-      </dsp:txBody>
-      <dsp:txXfrm>
-        <a:off x="1862668" y="1436294"/>
-        <a:ext cx="1353638" cy="342751"/>
-      </dsp:txXfrm>
-    </dsp:sp>
-    <dsp:sp modelId="{1AEACB23-D78F-4B4D-A9E4-0DBACFC420C3}">
-      <dsp:nvSpPr>
-        <dsp:cNvPr id="0" name=""/>
-        <dsp:cNvSpPr/>
-      </dsp:nvSpPr>
-      <dsp:spPr>
-        <a:xfrm>
-          <a:off x="3492752" y="1405134"/>
-          <a:ext cx="1884224" cy="373911"/>
-        </a:xfrm>
-        <a:prstGeom prst="flowChartMultidocument">
-          <a:avLst/>
-        </a:prstGeom>
-        <a:solidFill>
-          <a:schemeClr val="accent1">
-            <a:lumMod val="40000"/>
-            <a:lumOff val="60000"/>
-          </a:schemeClr>
-        </a:solidFill>
-        <a:ln w="12700" cap="flat" cmpd="sng" algn="ctr">
-          <a:solidFill>
-            <a:schemeClr val="lt1">
-              <a:hueOff val="0"/>
-              <a:satOff val="0"/>
-              <a:lumOff val="0"/>
-              <a:alphaOff val="0"/>
-            </a:schemeClr>
-          </a:solidFill>
-          <a:prstDash val="solid"/>
-          <a:miter lim="800000"/>
-        </a:ln>
-        <a:effectLst/>
-      </dsp:spPr>
-      <dsp:style>
-        <a:lnRef idx="2">
-          <a:scrgbClr r="0" g="0" b="0"/>
-        </a:lnRef>
-        <a:fillRef idx="1">
-          <a:scrgbClr r="0" g="0" b="0"/>
-        </a:fillRef>
-        <a:effectRef idx="0">
-          <a:scrgbClr r="0" g="0" b="0"/>
-        </a:effectRef>
-        <a:fontRef idx="minor">
-          <a:schemeClr val="lt1"/>
-        </a:fontRef>
-      </dsp:style>
-      <dsp:txBody>
-        <a:bodyPr spcFirstLastPara="0" vert="horz" wrap="square" lIns="7620" tIns="7620" rIns="7620" bIns="7620" numCol="1" spcCol="1270" anchor="ctr" anchorCtr="0">
-          <a:noAutofit/>
-        </a:bodyPr>
-        <a:lstStyle/>
-        <a:p>
-          <a:pPr lvl="0" algn="ctr" defTabSz="533400">
-            <a:lnSpc>
-              <a:spcPct val="90000"/>
-            </a:lnSpc>
-            <a:spcBef>
-              <a:spcPct val="0"/>
-            </a:spcBef>
-            <a:spcAft>
-              <a:spcPct val="35000"/>
-            </a:spcAft>
-          </a:pPr>
-          <a:r>
-            <a:rPr lang="en-GB" sz="1200" b="1" kern="1200" dirty="0" smtClean="0">
-              <a:solidFill>
-                <a:schemeClr val="tx1"/>
-              </a:solidFill>
-            </a:rPr>
-            <a:t>Automation.js</a:t>
-          </a:r>
-        </a:p>
-      </dsp:txBody>
-      <dsp:txXfrm>
-        <a:off x="3492752" y="1468751"/>
-        <a:ext cx="1622090" cy="296134"/>
-      </dsp:txXfrm>
-    </dsp:sp>
-    <dsp:sp modelId="{0A31862F-7E3F-46A2-99D4-B96370DB3536}">
-      <dsp:nvSpPr>
-        <dsp:cNvPr id="0" name=""/>
-        <dsp:cNvSpPr/>
-      </dsp:nvSpPr>
-      <dsp:spPr>
-        <a:xfrm>
-          <a:off x="1862668" y="1872524"/>
-          <a:ext cx="1384798" cy="373911"/>
-        </a:xfrm>
-        <a:prstGeom prst="snip1Rect">
-          <a:avLst/>
-        </a:prstGeom>
-        <a:solidFill>
-          <a:schemeClr val="accent3">
-            <a:lumMod val="50000"/>
-          </a:schemeClr>
-        </a:solidFill>
-        <a:ln w="12700" cap="flat" cmpd="sng" algn="ctr">
-          <a:solidFill>
-            <a:schemeClr val="lt1">
-              <a:hueOff val="0"/>
-              <a:satOff val="0"/>
-              <a:lumOff val="0"/>
-              <a:alphaOff val="0"/>
-            </a:schemeClr>
-          </a:solidFill>
-          <a:prstDash val="solid"/>
-          <a:miter lim="800000"/>
-        </a:ln>
-        <a:effectLst/>
-      </dsp:spPr>
-      <dsp:style>
-        <a:lnRef idx="2">
-          <a:scrgbClr r="0" g="0" b="0"/>
-        </a:lnRef>
-        <a:fillRef idx="1">
-          <a:scrgbClr r="0" g="0" b="0"/>
-        </a:fillRef>
-        <a:effectRef idx="0">
-          <a:scrgbClr r="0" g="0" b="0"/>
-        </a:effectRef>
-        <a:fontRef idx="minor">
-          <a:schemeClr val="lt1"/>
-        </a:fontRef>
-      </dsp:style>
-      <dsp:txBody>
-        <a:bodyPr spcFirstLastPara="0" vert="horz" wrap="square" lIns="7620" tIns="7620" rIns="7620" bIns="7620" numCol="1" spcCol="1270" anchor="ctr" anchorCtr="0">
-          <a:noAutofit/>
-        </a:bodyPr>
-        <a:lstStyle/>
-        <a:p>
-          <a:pPr lvl="0" algn="ctr" defTabSz="533400">
-            <a:lnSpc>
-              <a:spcPct val="90000"/>
-            </a:lnSpc>
-            <a:spcBef>
-              <a:spcPct val="0"/>
-            </a:spcBef>
-            <a:spcAft>
-              <a:spcPct val="35000"/>
-            </a:spcAft>
-          </a:pPr>
-          <a:r>
-            <a:rPr lang="en-GB" sz="1200" b="1" kern="1200" dirty="0" smtClean="0"/>
-            <a:t>keywords/</a:t>
-          </a:r>
-          <a:endParaRPr lang="en-GB" sz="1200" b="1" kern="1200" dirty="0"/>
-        </a:p>
-      </dsp:txBody>
-      <dsp:txXfrm>
-        <a:off x="1862668" y="1903684"/>
-        <a:ext cx="1353638" cy="342751"/>
-      </dsp:txXfrm>
-    </dsp:sp>
-    <dsp:sp modelId="{7FFA155F-0FA2-4989-8D7F-60AF2E6F04E5}">
-      <dsp:nvSpPr>
-        <dsp:cNvPr id="0" name=""/>
-        <dsp:cNvSpPr/>
-      </dsp:nvSpPr>
-      <dsp:spPr>
-        <a:xfrm>
-          <a:off x="3492752" y="1872524"/>
-          <a:ext cx="1894870" cy="373911"/>
-        </a:xfrm>
-        <a:prstGeom prst="flowChartMultidocument">
-          <a:avLst/>
-        </a:prstGeom>
-        <a:solidFill>
-          <a:schemeClr val="accent1">
-            <a:lumMod val="40000"/>
-            <a:lumOff val="60000"/>
-          </a:schemeClr>
-        </a:solidFill>
-        <a:ln w="12700" cap="flat" cmpd="sng" algn="ctr">
-          <a:solidFill>
-            <a:schemeClr val="lt1">
-              <a:hueOff val="0"/>
-              <a:satOff val="0"/>
-              <a:lumOff val="0"/>
-              <a:alphaOff val="0"/>
-            </a:schemeClr>
-          </a:solidFill>
-          <a:prstDash val="solid"/>
-          <a:miter lim="800000"/>
-        </a:ln>
-        <a:effectLst/>
-      </dsp:spPr>
-      <dsp:style>
-        <a:lnRef idx="2">
-          <a:scrgbClr r="0" g="0" b="0"/>
-        </a:lnRef>
-        <a:fillRef idx="1">
-          <a:scrgbClr r="0" g="0" b="0"/>
-        </a:fillRef>
-        <a:effectRef idx="0">
-          <a:scrgbClr r="0" g="0" b="0"/>
-        </a:effectRef>
-        <a:fontRef idx="minor">
-          <a:schemeClr val="lt1"/>
-        </a:fontRef>
-      </dsp:style>
-      <dsp:txBody>
-        <a:bodyPr spcFirstLastPara="0" vert="horz" wrap="square" lIns="7620" tIns="7620" rIns="7620" bIns="7620" numCol="1" spcCol="1270" anchor="ctr" anchorCtr="0">
-          <a:noAutofit/>
-        </a:bodyPr>
-        <a:lstStyle/>
-        <a:p>
-          <a:pPr lvl="0" algn="ctr" defTabSz="533400">
-            <a:lnSpc>
-              <a:spcPct val="90000"/>
-            </a:lnSpc>
-            <a:spcBef>
-              <a:spcPct val="0"/>
-            </a:spcBef>
-            <a:spcAft>
-              <a:spcPct val="35000"/>
-            </a:spcAft>
-          </a:pPr>
-          <a:r>
-            <a:rPr lang="en-GB" sz="1200" kern="1200" dirty="0" smtClean="0">
-              <a:solidFill>
-                <a:schemeClr val="bg1">
-                  <a:lumMod val="50000"/>
-                </a:schemeClr>
-              </a:solidFill>
-            </a:rPr>
-            <a:t>AngularJS.keywords.js</a:t>
-          </a:r>
-          <a:endParaRPr lang="en-GB" sz="1200" kern="1200" dirty="0">
-            <a:solidFill>
-              <a:schemeClr val="bg1">
-                <a:lumMod val="50000"/>
-              </a:schemeClr>
-            </a:solidFill>
-          </a:endParaRPr>
-        </a:p>
-      </dsp:txBody>
-      <dsp:txXfrm>
-        <a:off x="3492752" y="1936141"/>
-        <a:ext cx="1631255" cy="296134"/>
-      </dsp:txXfrm>
-    </dsp:sp>
-    <dsp:sp modelId="{5E070DCA-6141-4CDC-B670-2C6E03B4A759}">
-      <dsp:nvSpPr>
-        <dsp:cNvPr id="0" name=""/>
-        <dsp:cNvSpPr/>
-      </dsp:nvSpPr>
-      <dsp:spPr>
-        <a:xfrm>
-          <a:off x="1862668" y="2339913"/>
-          <a:ext cx="1226429" cy="373911"/>
-        </a:xfrm>
-        <a:prstGeom prst="rect">
-          <a:avLst/>
-        </a:prstGeom>
-        <a:solidFill>
-          <a:schemeClr val="tx1">
-            <a:lumMod val="65000"/>
-            <a:lumOff val="35000"/>
-          </a:schemeClr>
-        </a:solidFill>
-        <a:ln w="12700" cap="flat" cmpd="sng" algn="ctr">
-          <a:solidFill>
-            <a:schemeClr val="lt1">
-              <a:hueOff val="0"/>
-              <a:satOff val="0"/>
-              <a:lumOff val="0"/>
-              <a:alphaOff val="0"/>
-            </a:schemeClr>
-          </a:solidFill>
-          <a:prstDash val="solid"/>
-          <a:miter lim="800000"/>
-        </a:ln>
-        <a:effectLst/>
-      </dsp:spPr>
-      <dsp:style>
-        <a:lnRef idx="2">
-          <a:scrgbClr r="0" g="0" b="0"/>
-        </a:lnRef>
-        <a:fillRef idx="1">
-          <a:scrgbClr r="0" g="0" b="0"/>
-        </a:fillRef>
-        <a:effectRef idx="0">
-          <a:scrgbClr r="0" g="0" b="0"/>
-        </a:effectRef>
-        <a:fontRef idx="minor">
-          <a:schemeClr val="lt1"/>
-        </a:fontRef>
-      </dsp:style>
-      <dsp:txBody>
-        <a:bodyPr spcFirstLastPara="0" vert="horz" wrap="square" lIns="7620" tIns="7620" rIns="7620" bIns="7620" numCol="1" spcCol="1270" anchor="ctr" anchorCtr="0">
-          <a:noAutofit/>
-        </a:bodyPr>
-        <a:lstStyle/>
-        <a:p>
-          <a:pPr lvl="0" algn="ctr" defTabSz="533400">
-            <a:lnSpc>
-              <a:spcPct val="90000"/>
-            </a:lnSpc>
-            <a:spcBef>
-              <a:spcPct val="0"/>
-            </a:spcBef>
-            <a:spcAft>
-              <a:spcPct val="35000"/>
-            </a:spcAft>
-          </a:pPr>
-          <a:r>
-            <a:rPr lang="en-GB" sz="1200" b="1" kern="1200" dirty="0" smtClean="0">
-              <a:solidFill>
-                <a:schemeClr val="bg1"/>
-              </a:solidFill>
-            </a:rPr>
-            <a:t>utilities/</a:t>
-          </a:r>
-        </a:p>
-      </dsp:txBody>
-      <dsp:txXfrm>
-        <a:off x="1862668" y="2339913"/>
-        <a:ext cx="1226429" cy="373911"/>
-      </dsp:txXfrm>
-    </dsp:sp>
-    <dsp:sp modelId="{983E0EB7-A579-4F15-934C-D56985D0E97D}">
-      <dsp:nvSpPr>
-        <dsp:cNvPr id="0" name=""/>
-        <dsp:cNvSpPr/>
-      </dsp:nvSpPr>
-      <dsp:spPr>
-        <a:xfrm>
-          <a:off x="3502968" y="2339913"/>
-          <a:ext cx="1714585" cy="373911"/>
-        </a:xfrm>
-        <a:prstGeom prst="flowChartDocument">
-          <a:avLst/>
-        </a:prstGeom>
-        <a:solidFill>
-          <a:schemeClr val="accent1">
-            <a:lumMod val="40000"/>
-            <a:lumOff val="60000"/>
-          </a:schemeClr>
-        </a:solidFill>
-        <a:ln w="12700" cap="flat" cmpd="sng" algn="ctr">
-          <a:solidFill>
-            <a:schemeClr val="lt1">
-              <a:hueOff val="0"/>
-              <a:satOff val="0"/>
-              <a:lumOff val="0"/>
-              <a:alphaOff val="0"/>
-            </a:schemeClr>
-          </a:solidFill>
-          <a:prstDash val="solid"/>
-          <a:miter lim="800000"/>
-        </a:ln>
-        <a:effectLst/>
-      </dsp:spPr>
-      <dsp:style>
-        <a:lnRef idx="2">
-          <a:scrgbClr r="0" g="0" b="0"/>
-        </a:lnRef>
-        <a:fillRef idx="1">
-          <a:scrgbClr r="0" g="0" b="0"/>
-        </a:fillRef>
-        <a:effectRef idx="0">
-          <a:scrgbClr r="0" g="0" b="0"/>
-        </a:effectRef>
-        <a:fontRef idx="minor">
-          <a:schemeClr val="lt1"/>
-        </a:fontRef>
-      </dsp:style>
-      <dsp:txBody>
-        <a:bodyPr spcFirstLastPara="0" vert="horz" wrap="square" lIns="7620" tIns="7620" rIns="7620" bIns="7620" numCol="1" spcCol="1270" anchor="ctr" anchorCtr="0">
-          <a:noAutofit/>
-        </a:bodyPr>
-        <a:lstStyle/>
-        <a:p>
-          <a:pPr lvl="0" algn="ctr" defTabSz="533400">
-            <a:lnSpc>
-              <a:spcPct val="90000"/>
-            </a:lnSpc>
-            <a:spcBef>
-              <a:spcPct val="0"/>
-            </a:spcBef>
-            <a:spcAft>
-              <a:spcPct val="35000"/>
-            </a:spcAft>
-          </a:pPr>
-          <a:r>
-            <a:rPr lang="en-GB" sz="1200" b="1" kern="1200" dirty="0" smtClean="0">
-              <a:solidFill>
-                <a:schemeClr val="tx1"/>
-              </a:solidFill>
-            </a:rPr>
-            <a:t>GenerateScriptnPro.hta</a:t>
-          </a:r>
-        </a:p>
-      </dsp:txBody>
-      <dsp:txXfrm>
-        <a:off x="3502968" y="2339913"/>
-        <a:ext cx="1714585" cy="299856"/>
-      </dsp:txXfrm>
-    </dsp:sp>
-    <dsp:sp modelId="{008AA575-C7EE-481F-8E5A-70B498B23351}">
-      <dsp:nvSpPr>
-        <dsp:cNvPr id="0" name=""/>
-        <dsp:cNvSpPr/>
-      </dsp:nvSpPr>
-      <dsp:spPr>
-        <a:xfrm>
-          <a:off x="1862668" y="2807302"/>
-          <a:ext cx="1226429" cy="373911"/>
-        </a:xfrm>
-        <a:prstGeom prst="rect">
-          <a:avLst/>
-        </a:prstGeom>
-        <a:solidFill>
-          <a:schemeClr val="tx1">
-            <a:lumMod val="65000"/>
-            <a:lumOff val="35000"/>
-          </a:schemeClr>
-        </a:solidFill>
-        <a:ln w="12700" cap="flat" cmpd="sng" algn="ctr">
-          <a:solidFill>
-            <a:schemeClr val="lt1">
-              <a:hueOff val="0"/>
-              <a:satOff val="0"/>
-              <a:lumOff val="0"/>
-              <a:alphaOff val="0"/>
-            </a:schemeClr>
-          </a:solidFill>
-          <a:prstDash val="solid"/>
-          <a:miter lim="800000"/>
-        </a:ln>
-        <a:effectLst/>
-      </dsp:spPr>
-      <dsp:style>
-        <a:lnRef idx="2">
-          <a:scrgbClr r="0" g="0" b="0"/>
-        </a:lnRef>
-        <a:fillRef idx="1">
-          <a:scrgbClr r="0" g="0" b="0"/>
-        </a:fillRef>
-        <a:effectRef idx="0">
-          <a:scrgbClr r="0" g="0" b="0"/>
-        </a:effectRef>
-        <a:fontRef idx="minor">
-          <a:schemeClr val="lt1"/>
-        </a:fontRef>
-      </dsp:style>
-      <dsp:txBody>
-        <a:bodyPr spcFirstLastPara="0" vert="horz" wrap="square" lIns="7620" tIns="7620" rIns="7620" bIns="7620" numCol="1" spcCol="1270" anchor="ctr" anchorCtr="0">
-          <a:noAutofit/>
-        </a:bodyPr>
-        <a:lstStyle/>
-        <a:p>
-          <a:pPr lvl="0" algn="ctr" defTabSz="533400">
-            <a:lnSpc>
-              <a:spcPct val="90000"/>
-            </a:lnSpc>
-            <a:spcBef>
-              <a:spcPct val="0"/>
-            </a:spcBef>
-            <a:spcAft>
-              <a:spcPct val="35000"/>
-            </a:spcAft>
-          </a:pPr>
-          <a:r>
-            <a:rPr lang="en-GB" sz="1200" b="1" kern="1200" dirty="0" smtClean="0">
-              <a:solidFill>
-                <a:schemeClr val="bg1"/>
-              </a:solidFill>
-            </a:rPr>
-            <a:t>templates/</a:t>
-          </a:r>
-        </a:p>
-      </dsp:txBody>
-      <dsp:txXfrm>
-        <a:off x="1862668" y="2807302"/>
-        <a:ext cx="1226429" cy="373911"/>
-      </dsp:txXfrm>
-    </dsp:sp>
-    <dsp:sp modelId="{7F95FDAB-3B35-4D5B-BBC5-204E545D0876}">
-      <dsp:nvSpPr>
-        <dsp:cNvPr id="0" name=""/>
-        <dsp:cNvSpPr/>
-      </dsp:nvSpPr>
-      <dsp:spPr>
-        <a:xfrm>
-          <a:off x="3502968" y="2807302"/>
-          <a:ext cx="1367186" cy="373911"/>
-        </a:xfrm>
-        <a:prstGeom prst="flowChartMultidocument">
-          <a:avLst/>
-        </a:prstGeom>
-        <a:solidFill>
-          <a:schemeClr val="accent1">
-            <a:lumMod val="40000"/>
-            <a:lumOff val="60000"/>
-          </a:schemeClr>
-        </a:solidFill>
-        <a:ln w="12700" cap="flat" cmpd="sng" algn="ctr">
-          <a:solidFill>
-            <a:schemeClr val="lt1">
-              <a:hueOff val="0"/>
-              <a:satOff val="0"/>
-              <a:lumOff val="0"/>
-              <a:alphaOff val="0"/>
-            </a:schemeClr>
-          </a:solidFill>
-          <a:prstDash val="solid"/>
-          <a:miter lim="800000"/>
-        </a:ln>
-        <a:effectLst/>
-      </dsp:spPr>
-      <dsp:style>
-        <a:lnRef idx="2">
-          <a:scrgbClr r="0" g="0" b="0"/>
-        </a:lnRef>
-        <a:fillRef idx="1">
-          <a:scrgbClr r="0" g="0" b="0"/>
-        </a:fillRef>
-        <a:effectRef idx="0">
-          <a:scrgbClr r="0" g="0" b="0"/>
-        </a:effectRef>
-        <a:fontRef idx="minor">
-          <a:schemeClr val="lt1"/>
-        </a:fontRef>
-      </dsp:style>
-      <dsp:txBody>
-        <a:bodyPr spcFirstLastPara="0" vert="horz" wrap="square" lIns="7620" tIns="7620" rIns="7620" bIns="7620" numCol="1" spcCol="1270" anchor="ctr" anchorCtr="0">
-          <a:noAutofit/>
-        </a:bodyPr>
-        <a:lstStyle/>
-        <a:p>
-          <a:pPr lvl="0" algn="ctr" defTabSz="533400">
-            <a:lnSpc>
-              <a:spcPct val="90000"/>
-            </a:lnSpc>
-            <a:spcBef>
-              <a:spcPct val="0"/>
-            </a:spcBef>
-            <a:spcAft>
-              <a:spcPct val="35000"/>
-            </a:spcAft>
-          </a:pPr>
-          <a:r>
-            <a:rPr lang="en-GB" sz="1200" b="1" kern="1200" dirty="0" smtClean="0">
-              <a:solidFill>
-                <a:schemeClr val="tx1"/>
-              </a:solidFill>
-            </a:rPr>
-            <a:t>Vanilla.pro.js</a:t>
-          </a:r>
-        </a:p>
-      </dsp:txBody>
-      <dsp:txXfrm>
-        <a:off x="3502968" y="2870919"/>
-        <a:ext cx="1176983" cy="296134"/>
-      </dsp:txXfrm>
-    </dsp:sp>
-    <dsp:sp modelId="{74081302-62A8-41A5-BEA1-B03723F76D79}">
-      <dsp:nvSpPr>
-        <dsp:cNvPr id="0" name=""/>
-        <dsp:cNvSpPr/>
-      </dsp:nvSpPr>
-      <dsp:spPr>
-        <a:xfrm>
-          <a:off x="1862668" y="3625234"/>
-          <a:ext cx="1384798" cy="373911"/>
-        </a:xfrm>
-        <a:prstGeom prst="snip1Rect">
-          <a:avLst/>
-        </a:prstGeom>
-        <a:solidFill>
-          <a:schemeClr val="accent3">
-            <a:lumMod val="50000"/>
-          </a:schemeClr>
-        </a:solidFill>
-        <a:ln w="12700" cap="flat" cmpd="sng" algn="ctr">
-          <a:solidFill>
-            <a:schemeClr val="lt1">
-              <a:hueOff val="0"/>
-              <a:satOff val="0"/>
-              <a:lumOff val="0"/>
-              <a:alphaOff val="0"/>
-            </a:schemeClr>
-          </a:solidFill>
-          <a:prstDash val="solid"/>
-          <a:miter lim="800000"/>
-        </a:ln>
-        <a:effectLst/>
-      </dsp:spPr>
-      <dsp:style>
-        <a:lnRef idx="2">
-          <a:scrgbClr r="0" g="0" b="0"/>
-        </a:lnRef>
-        <a:fillRef idx="1">
-          <a:scrgbClr r="0" g="0" b="0"/>
-        </a:fillRef>
-        <a:effectRef idx="0">
-          <a:scrgbClr r="0" g="0" b="0"/>
-        </a:effectRef>
-        <a:fontRef idx="minor">
-          <a:schemeClr val="lt1"/>
-        </a:fontRef>
-      </dsp:style>
-      <dsp:txBody>
-        <a:bodyPr spcFirstLastPara="0" vert="horz" wrap="square" lIns="7620" tIns="7620" rIns="7620" bIns="7620" numCol="1" spcCol="1270" anchor="ctr" anchorCtr="0">
-          <a:noAutofit/>
-        </a:bodyPr>
-        <a:lstStyle/>
-        <a:p>
-          <a:pPr lvl="0" algn="ctr" defTabSz="533400">
-            <a:lnSpc>
-              <a:spcPct val="90000"/>
-            </a:lnSpc>
-            <a:spcBef>
-              <a:spcPct val="0"/>
-            </a:spcBef>
-            <a:spcAft>
-              <a:spcPct val="35000"/>
-            </a:spcAft>
-          </a:pPr>
-          <a:r>
-            <a:rPr lang="en-GB" sz="1200" b="1" kern="1200" smtClean="0"/>
-            <a:t>tests/</a:t>
-          </a:r>
-          <a:endParaRPr lang="en-GB" sz="1200" b="1" kern="1200" dirty="0" smtClean="0">
-            <a:solidFill>
-              <a:schemeClr val="tx1"/>
-            </a:solidFill>
-          </a:endParaRPr>
-        </a:p>
-      </dsp:txBody>
-      <dsp:txXfrm>
-        <a:off x="1862668" y="3656394"/>
-        <a:ext cx="1353638" cy="342751"/>
-      </dsp:txXfrm>
-    </dsp:sp>
-    <dsp:sp modelId="{0D30C521-978A-42D4-B3BF-B04C2BC16A78}">
-      <dsp:nvSpPr>
-        <dsp:cNvPr id="0" name=""/>
-        <dsp:cNvSpPr/>
-      </dsp:nvSpPr>
-      <dsp:spPr>
-        <a:xfrm>
-          <a:off x="3492752" y="3274692"/>
-          <a:ext cx="1883464" cy="373911"/>
-        </a:xfrm>
-        <a:prstGeom prst="flowChartMultidocument">
-          <a:avLst/>
-        </a:prstGeom>
-        <a:solidFill>
-          <a:schemeClr val="accent1">
-            <a:lumMod val="40000"/>
-            <a:lumOff val="60000"/>
-          </a:schemeClr>
-        </a:solidFill>
-        <a:ln w="12700" cap="flat" cmpd="sng" algn="ctr">
-          <a:solidFill>
-            <a:schemeClr val="lt1">
-              <a:hueOff val="0"/>
-              <a:satOff val="0"/>
-              <a:lumOff val="0"/>
-              <a:alphaOff val="0"/>
-            </a:schemeClr>
-          </a:solidFill>
-          <a:prstDash val="solid"/>
-          <a:miter lim="800000"/>
-        </a:ln>
-        <a:effectLst/>
-      </dsp:spPr>
-      <dsp:style>
-        <a:lnRef idx="2">
-          <a:scrgbClr r="0" g="0" b="0"/>
-        </a:lnRef>
-        <a:fillRef idx="1">
-          <a:scrgbClr r="0" g="0" b="0"/>
-        </a:fillRef>
-        <a:effectRef idx="0">
-          <a:scrgbClr r="0" g="0" b="0"/>
-        </a:effectRef>
-        <a:fontRef idx="minor">
-          <a:schemeClr val="lt1"/>
-        </a:fontRef>
-      </dsp:style>
-      <dsp:txBody>
-        <a:bodyPr spcFirstLastPara="0" vert="horz" wrap="square" lIns="7620" tIns="7620" rIns="7620" bIns="7620" numCol="1" spcCol="1270" anchor="ctr" anchorCtr="0">
-          <a:noAutofit/>
-        </a:bodyPr>
-        <a:lstStyle/>
-        <a:p>
-          <a:pPr lvl="0" algn="ctr" defTabSz="533400">
-            <a:lnSpc>
-              <a:spcPct val="90000"/>
-            </a:lnSpc>
-            <a:spcBef>
-              <a:spcPct val="0"/>
-            </a:spcBef>
-            <a:spcAft>
-              <a:spcPct val="35000"/>
-            </a:spcAft>
-          </a:pPr>
-          <a:r>
-            <a:rPr lang="en-GB" sz="1200" kern="1200" dirty="0" smtClean="0">
-              <a:solidFill>
-                <a:schemeClr val="bg1">
-                  <a:lumMod val="50000"/>
-                </a:schemeClr>
-              </a:solidFill>
-            </a:rPr>
-            <a:t>AngularJSYourName.xlsx</a:t>
-          </a:r>
-          <a:endParaRPr lang="en-GB" sz="1200" kern="1200" dirty="0">
-            <a:solidFill>
-              <a:schemeClr val="bg1">
-                <a:lumMod val="50000"/>
-              </a:schemeClr>
-            </a:solidFill>
-          </a:endParaRPr>
-        </a:p>
-      </dsp:txBody>
-      <dsp:txXfrm>
-        <a:off x="3492752" y="3338309"/>
-        <a:ext cx="1621436" cy="296134"/>
-      </dsp:txXfrm>
-    </dsp:sp>
-    <dsp:sp modelId="{EACEC2A6-7951-4968-AA9B-D272FA3F4B6C}">
-      <dsp:nvSpPr>
-        <dsp:cNvPr id="0" name=""/>
-        <dsp:cNvSpPr/>
-      </dsp:nvSpPr>
-      <dsp:spPr>
-        <a:xfrm>
-          <a:off x="3488950" y="3975775"/>
-          <a:ext cx="1384798" cy="373911"/>
-        </a:xfrm>
-        <a:prstGeom prst="snip1Rect">
-          <a:avLst/>
-        </a:prstGeom>
-        <a:solidFill>
-          <a:schemeClr val="accent3">
-            <a:lumMod val="50000"/>
-          </a:schemeClr>
-        </a:solidFill>
-        <a:ln w="12700" cap="flat" cmpd="sng" algn="ctr">
-          <a:solidFill>
-            <a:schemeClr val="lt1">
-              <a:hueOff val="0"/>
-              <a:satOff val="0"/>
-              <a:lumOff val="0"/>
-              <a:alphaOff val="0"/>
-            </a:schemeClr>
-          </a:solidFill>
-          <a:prstDash val="solid"/>
-          <a:miter lim="800000"/>
-        </a:ln>
-        <a:effectLst/>
-      </dsp:spPr>
-      <dsp:style>
-        <a:lnRef idx="2">
-          <a:scrgbClr r="0" g="0" b="0"/>
-        </a:lnRef>
-        <a:fillRef idx="1">
-          <a:scrgbClr r="0" g="0" b="0"/>
-        </a:fillRef>
-        <a:effectRef idx="0">
-          <a:scrgbClr r="0" g="0" b="0"/>
-        </a:effectRef>
-        <a:fontRef idx="minor">
-          <a:schemeClr val="lt1"/>
-        </a:fontRef>
-      </dsp:style>
-      <dsp:txBody>
-        <a:bodyPr spcFirstLastPara="0" vert="horz" wrap="square" lIns="7620" tIns="7620" rIns="7620" bIns="7620" numCol="1" spcCol="1270" anchor="ctr" anchorCtr="0">
-          <a:noAutofit/>
-        </a:bodyPr>
-        <a:lstStyle/>
-        <a:p>
-          <a:pPr lvl="0" algn="ctr" defTabSz="533400">
-            <a:lnSpc>
-              <a:spcPct val="90000"/>
-            </a:lnSpc>
-            <a:spcBef>
-              <a:spcPct val="0"/>
-            </a:spcBef>
-            <a:spcAft>
-              <a:spcPct val="35000"/>
-            </a:spcAft>
-          </a:pPr>
-          <a:r>
-            <a:rPr lang="en-GB" sz="1200" kern="1200" dirty="0" err="1" smtClean="0">
-              <a:solidFill>
-                <a:schemeClr val="bg1"/>
-              </a:solidFill>
-            </a:rPr>
-            <a:t>AngularJSYourName</a:t>
-          </a:r>
-          <a:r>
-            <a:rPr lang="en-GB" sz="1200" kern="1200" dirty="0" smtClean="0">
-              <a:solidFill>
-                <a:schemeClr val="bg1"/>
-              </a:solidFill>
-            </a:rPr>
-            <a:t>/</a:t>
-          </a:r>
-          <a:endParaRPr lang="en-GB" sz="1200" kern="1200" dirty="0">
-            <a:solidFill>
-              <a:schemeClr val="bg1"/>
-            </a:solidFill>
-          </a:endParaRPr>
-        </a:p>
-      </dsp:txBody>
-      <dsp:txXfrm>
-        <a:off x="3488950" y="4006935"/>
-        <a:ext cx="1353638" cy="342751"/>
-      </dsp:txXfrm>
-    </dsp:sp>
-    <dsp:sp modelId="{D474315A-A521-493F-8025-B9C26A01D152}">
-      <dsp:nvSpPr>
-        <dsp:cNvPr id="0" name=""/>
-        <dsp:cNvSpPr/>
-      </dsp:nvSpPr>
-      <dsp:spPr>
-        <a:xfrm>
-          <a:off x="5343741" y="3742081"/>
-          <a:ext cx="2279184" cy="373911"/>
-        </a:xfrm>
-        <a:prstGeom prst="flowChartMultidocument">
-          <a:avLst/>
-        </a:prstGeom>
-        <a:solidFill>
-          <a:schemeClr val="accent1">
-            <a:lumMod val="40000"/>
-            <a:lumOff val="60000"/>
-          </a:schemeClr>
-        </a:solidFill>
-        <a:ln w="12700" cap="flat" cmpd="sng" algn="ctr">
-          <a:solidFill>
-            <a:schemeClr val="lt1">
-              <a:hueOff val="0"/>
-              <a:satOff val="0"/>
-              <a:lumOff val="0"/>
-              <a:alphaOff val="0"/>
-            </a:schemeClr>
-          </a:solidFill>
-          <a:prstDash val="solid"/>
-          <a:miter lim="800000"/>
-        </a:ln>
-        <a:effectLst/>
-      </dsp:spPr>
-      <dsp:style>
-        <a:lnRef idx="2">
-          <a:scrgbClr r="0" g="0" b="0"/>
-        </a:lnRef>
-        <a:fillRef idx="1">
-          <a:scrgbClr r="0" g="0" b="0"/>
-        </a:fillRef>
-        <a:effectRef idx="0">
-          <a:scrgbClr r="0" g="0" b="0"/>
-        </a:effectRef>
-        <a:fontRef idx="minor">
-          <a:schemeClr val="lt1"/>
-        </a:fontRef>
-      </dsp:style>
-      <dsp:txBody>
-        <a:bodyPr spcFirstLastPara="0" vert="horz" wrap="square" lIns="7620" tIns="7620" rIns="7620" bIns="7620" numCol="1" spcCol="1270" anchor="ctr" anchorCtr="0">
-          <a:noAutofit/>
-        </a:bodyPr>
-        <a:lstStyle/>
-        <a:p>
-          <a:pPr lvl="0" algn="ctr" defTabSz="533400">
-            <a:lnSpc>
-              <a:spcPct val="90000"/>
-            </a:lnSpc>
-            <a:spcBef>
-              <a:spcPct val="0"/>
-            </a:spcBef>
-            <a:spcAft>
-              <a:spcPct val="35000"/>
-            </a:spcAft>
-          </a:pPr>
-          <a:r>
-            <a:rPr lang="en-GB" sz="1200" kern="1200" dirty="0" smtClean="0">
-              <a:solidFill>
-                <a:schemeClr val="bg1">
-                  <a:lumMod val="50000"/>
-                </a:schemeClr>
-              </a:solidFill>
-            </a:rPr>
-            <a:t>Session1.pro.js</a:t>
-          </a:r>
-        </a:p>
-      </dsp:txBody>
-      <dsp:txXfrm>
-        <a:off x="5343741" y="3805698"/>
-        <a:ext cx="1962103" cy="296134"/>
-      </dsp:txXfrm>
-    </dsp:sp>
-    <dsp:sp modelId="{04483C0E-574D-4496-AC9A-2B671985B453}">
-      <dsp:nvSpPr>
-        <dsp:cNvPr id="0" name=""/>
-        <dsp:cNvSpPr/>
-      </dsp:nvSpPr>
-      <dsp:spPr>
-        <a:xfrm>
-          <a:off x="5343741" y="4209470"/>
-          <a:ext cx="2279184" cy="373911"/>
-        </a:xfrm>
-        <a:prstGeom prst="flowChartMultidocument">
-          <a:avLst/>
-        </a:prstGeom>
-        <a:solidFill>
-          <a:schemeClr val="accent1">
-            <a:lumMod val="40000"/>
-            <a:lumOff val="60000"/>
-          </a:schemeClr>
-        </a:solidFill>
-        <a:ln w="12700" cap="flat" cmpd="sng" algn="ctr">
-          <a:solidFill>
-            <a:schemeClr val="lt1">
-              <a:hueOff val="0"/>
-              <a:satOff val="0"/>
-              <a:lumOff val="0"/>
-              <a:alphaOff val="0"/>
-            </a:schemeClr>
-          </a:solidFill>
-          <a:prstDash val="solid"/>
-          <a:miter lim="800000"/>
-        </a:ln>
-        <a:effectLst/>
-      </dsp:spPr>
-      <dsp:style>
-        <a:lnRef idx="2">
-          <a:scrgbClr r="0" g="0" b="0"/>
-        </a:lnRef>
-        <a:fillRef idx="1">
-          <a:scrgbClr r="0" g="0" b="0"/>
-        </a:fillRef>
-        <a:effectRef idx="0">
-          <a:scrgbClr r="0" g="0" b="0"/>
-        </a:effectRef>
-        <a:fontRef idx="minor">
-          <a:schemeClr val="lt1"/>
-        </a:fontRef>
-      </dsp:style>
-      <dsp:txBody>
-        <a:bodyPr spcFirstLastPara="0" vert="horz" wrap="square" lIns="7620" tIns="7620" rIns="7620" bIns="7620" numCol="1" spcCol="1270" anchor="ctr" anchorCtr="0">
-          <a:noAutofit/>
-        </a:bodyPr>
-        <a:lstStyle/>
-        <a:p>
-          <a:pPr lvl="0" algn="ctr" defTabSz="533400">
-            <a:lnSpc>
-              <a:spcPct val="90000"/>
-            </a:lnSpc>
-            <a:spcBef>
-              <a:spcPct val="0"/>
-            </a:spcBef>
-            <a:spcAft>
-              <a:spcPct val="35000"/>
-            </a:spcAft>
-          </a:pPr>
-          <a:r>
-            <a:rPr lang="en-GB" sz="1200" kern="1200" dirty="0" smtClean="0">
-              <a:solidFill>
-                <a:schemeClr val="bg1">
-                  <a:lumMod val="50000"/>
-                </a:schemeClr>
-              </a:solidFill>
-            </a:rPr>
-            <a:t>Session1.script.js</a:t>
-          </a:r>
-          <a:endParaRPr lang="en-GB" sz="1200" kern="1200" dirty="0">
-            <a:solidFill>
-              <a:schemeClr val="bg1">
-                <a:lumMod val="50000"/>
-              </a:schemeClr>
-            </a:solidFill>
-          </a:endParaRPr>
-        </a:p>
-      </dsp:txBody>
-      <dsp:txXfrm>
-        <a:off x="5343741" y="4273087"/>
-        <a:ext cx="1962103" cy="296134"/>
-      </dsp:txXfrm>
-    </dsp:sp>
-    <dsp:sp modelId="{5F123EE8-D741-4D3A-A784-DC8C926059E5}">
-      <dsp:nvSpPr>
-        <dsp:cNvPr id="0" name=""/>
-        <dsp:cNvSpPr/>
-      </dsp:nvSpPr>
-      <dsp:spPr>
-        <a:xfrm>
-          <a:off x="1862668" y="4676859"/>
-          <a:ext cx="1226429" cy="373911"/>
-        </a:xfrm>
-        <a:prstGeom prst="rect">
-          <a:avLst/>
-        </a:prstGeom>
-        <a:solidFill>
-          <a:schemeClr val="accent3">
-            <a:lumMod val="50000"/>
-          </a:schemeClr>
-        </a:solidFill>
-        <a:ln w="12700" cap="flat" cmpd="sng" algn="ctr">
-          <a:solidFill>
-            <a:schemeClr val="lt1">
-              <a:hueOff val="0"/>
-              <a:satOff val="0"/>
-              <a:lumOff val="0"/>
-              <a:alphaOff val="0"/>
-            </a:schemeClr>
-          </a:solidFill>
-          <a:prstDash val="solid"/>
-          <a:miter lim="800000"/>
-        </a:ln>
-        <a:effectLst/>
-      </dsp:spPr>
-      <dsp:style>
-        <a:lnRef idx="2">
-          <a:scrgbClr r="0" g="0" b="0"/>
-        </a:lnRef>
-        <a:fillRef idx="1">
-          <a:scrgbClr r="0" g="0" b="0"/>
-        </a:fillRef>
-        <a:effectRef idx="0">
-          <a:scrgbClr r="0" g="0" b="0"/>
-        </a:effectRef>
-        <a:fontRef idx="minor">
-          <a:schemeClr val="lt1"/>
-        </a:fontRef>
-      </dsp:style>
-      <dsp:txBody>
-        <a:bodyPr spcFirstLastPara="0" vert="horz" wrap="square" lIns="7620" tIns="7620" rIns="7620" bIns="7620" numCol="1" spcCol="1270" anchor="ctr" anchorCtr="0">
-          <a:noAutofit/>
-        </a:bodyPr>
-        <a:lstStyle/>
-        <a:p>
-          <a:pPr lvl="0" algn="ctr" defTabSz="533400">
-            <a:lnSpc>
-              <a:spcPct val="90000"/>
-            </a:lnSpc>
-            <a:spcBef>
-              <a:spcPct val="0"/>
-            </a:spcBef>
-            <a:spcAft>
-              <a:spcPct val="35000"/>
-            </a:spcAft>
-          </a:pPr>
-          <a:r>
-            <a:rPr lang="en-GB" sz="1200" b="1" kern="1200" dirty="0" smtClean="0"/>
-            <a:t>data/</a:t>
-          </a:r>
-          <a:endParaRPr lang="en-GB" sz="1200" b="1" kern="1200" dirty="0"/>
-        </a:p>
-      </dsp:txBody>
-      <dsp:txXfrm>
-        <a:off x="1862668" y="4676859"/>
-        <a:ext cx="1226429" cy="373911"/>
-      </dsp:txXfrm>
-    </dsp:sp>
-    <dsp:sp modelId="{75421B01-0B16-4D3F-85AC-9FDF895596FE}">
-      <dsp:nvSpPr>
-        <dsp:cNvPr id="0" name=""/>
-        <dsp:cNvSpPr/>
-      </dsp:nvSpPr>
-      <dsp:spPr>
-        <a:xfrm>
-          <a:off x="3502968" y="4443165"/>
-          <a:ext cx="1384798" cy="373911"/>
-        </a:xfrm>
-        <a:prstGeom prst="flowChartDocument">
-          <a:avLst/>
-        </a:prstGeom>
-        <a:solidFill>
-          <a:schemeClr val="accent1">
-            <a:lumMod val="40000"/>
-            <a:lumOff val="60000"/>
-          </a:schemeClr>
-        </a:solidFill>
-        <a:ln w="12700" cap="flat" cmpd="sng" algn="ctr">
-          <a:solidFill>
-            <a:schemeClr val="lt1">
-              <a:hueOff val="0"/>
-              <a:satOff val="0"/>
-              <a:lumOff val="0"/>
-              <a:alphaOff val="0"/>
-            </a:schemeClr>
-          </a:solidFill>
-          <a:prstDash val="solid"/>
-          <a:miter lim="800000"/>
-        </a:ln>
-        <a:effectLst/>
-      </dsp:spPr>
-      <dsp:style>
-        <a:lnRef idx="2">
-          <a:scrgbClr r="0" g="0" b="0"/>
-        </a:lnRef>
-        <a:fillRef idx="1">
-          <a:scrgbClr r="0" g="0" b="0"/>
-        </a:fillRef>
-        <a:effectRef idx="0">
-          <a:scrgbClr r="0" g="0" b="0"/>
-        </a:effectRef>
-        <a:fontRef idx="minor">
-          <a:schemeClr val="lt1"/>
-        </a:fontRef>
-      </dsp:style>
-      <dsp:txBody>
-        <a:bodyPr spcFirstLastPara="0" vert="horz" wrap="square" lIns="7620" tIns="7620" rIns="7620" bIns="7620" numCol="1" spcCol="1270" anchor="ctr" anchorCtr="0">
-          <a:noAutofit/>
-        </a:bodyPr>
-        <a:lstStyle/>
-        <a:p>
-          <a:pPr lvl="0" algn="ctr" defTabSz="533400">
-            <a:lnSpc>
-              <a:spcPct val="90000"/>
-            </a:lnSpc>
-            <a:spcBef>
-              <a:spcPct val="0"/>
-            </a:spcBef>
-            <a:spcAft>
-              <a:spcPct val="35000"/>
-            </a:spcAft>
-          </a:pPr>
-          <a:r>
-            <a:rPr lang="en-GB" sz="1200" b="1" kern="1200" dirty="0" smtClean="0">
-              <a:solidFill>
-                <a:schemeClr val="tx1"/>
-              </a:solidFill>
-            </a:rPr>
-            <a:t>TestData.xlsm</a:t>
-          </a:r>
-          <a:endParaRPr lang="en-GB" sz="1200" b="1" kern="1200" dirty="0"/>
-        </a:p>
-      </dsp:txBody>
-      <dsp:txXfrm>
-        <a:off x="3502968" y="4443165"/>
-        <a:ext cx="1384798" cy="299856"/>
-      </dsp:txXfrm>
-    </dsp:sp>
-    <dsp:sp modelId="{DB0AC17B-B174-4DA2-8E4D-0D7D3240691F}">
-      <dsp:nvSpPr>
-        <dsp:cNvPr id="0" name=""/>
-        <dsp:cNvSpPr/>
-      </dsp:nvSpPr>
-      <dsp:spPr>
-        <a:xfrm>
-          <a:off x="3502968" y="4910554"/>
-          <a:ext cx="1384798" cy="373911"/>
-        </a:xfrm>
-        <a:prstGeom prst="snip1Rect">
-          <a:avLst/>
-        </a:prstGeom>
-        <a:solidFill>
-          <a:schemeClr val="accent3">
-            <a:lumMod val="50000"/>
-          </a:schemeClr>
-        </a:solidFill>
-        <a:ln w="12700" cap="flat" cmpd="sng" algn="ctr">
-          <a:solidFill>
-            <a:schemeClr val="lt1">
-              <a:hueOff val="0"/>
-              <a:satOff val="0"/>
-              <a:lumOff val="0"/>
-              <a:alphaOff val="0"/>
-            </a:schemeClr>
-          </a:solidFill>
-          <a:prstDash val="solid"/>
-          <a:miter lim="800000"/>
-        </a:ln>
-        <a:effectLst/>
-      </dsp:spPr>
-      <dsp:style>
-        <a:lnRef idx="2">
-          <a:scrgbClr r="0" g="0" b="0"/>
-        </a:lnRef>
-        <a:fillRef idx="1">
-          <a:scrgbClr r="0" g="0" b="0"/>
-        </a:fillRef>
-        <a:effectRef idx="0">
-          <a:scrgbClr r="0" g="0" b="0"/>
-        </a:effectRef>
-        <a:fontRef idx="minor">
-          <a:schemeClr val="lt1"/>
-        </a:fontRef>
-      </dsp:style>
-      <dsp:txBody>
-        <a:bodyPr spcFirstLastPara="0" vert="horz" wrap="square" lIns="7620" tIns="7620" rIns="7620" bIns="7620" numCol="1" spcCol="1270" anchor="ctr" anchorCtr="0">
-          <a:noAutofit/>
-        </a:bodyPr>
-        <a:lstStyle/>
-        <a:p>
-          <a:pPr lvl="0" algn="ctr" defTabSz="533400">
-            <a:lnSpc>
-              <a:spcPct val="90000"/>
-            </a:lnSpc>
-            <a:spcBef>
-              <a:spcPct val="0"/>
-            </a:spcBef>
-            <a:spcAft>
-              <a:spcPct val="35000"/>
-            </a:spcAft>
-          </a:pPr>
-          <a:r>
-            <a:rPr lang="en-GB" sz="1200" b="1" kern="1200" dirty="0" err="1" smtClean="0"/>
-            <a:t>TestData</a:t>
-          </a:r>
-          <a:r>
-            <a:rPr lang="en-GB" sz="1200" b="1" kern="1200" dirty="0" smtClean="0"/>
-            <a:t>/</a:t>
-          </a:r>
-          <a:endParaRPr lang="en-GB" sz="1200" b="1" kern="1200" dirty="0"/>
-        </a:p>
-      </dsp:txBody>
-      <dsp:txXfrm>
-        <a:off x="3502968" y="4941714"/>
-        <a:ext cx="1353638" cy="342751"/>
-      </dsp:txXfrm>
-    </dsp:sp>
-    <dsp:sp modelId="{E18A34BE-33AC-43AF-85AE-018BFC2FFD84}">
-      <dsp:nvSpPr>
-        <dsp:cNvPr id="0" name=""/>
-        <dsp:cNvSpPr/>
-      </dsp:nvSpPr>
-      <dsp:spPr>
-        <a:xfrm>
-          <a:off x="5336517" y="4910554"/>
-          <a:ext cx="2566499" cy="373911"/>
-        </a:xfrm>
-        <a:prstGeom prst="flowChartMultidocument">
-          <a:avLst/>
-        </a:prstGeom>
-        <a:solidFill>
-          <a:schemeClr val="accent1">
-            <a:lumMod val="40000"/>
-            <a:lumOff val="60000"/>
-          </a:schemeClr>
-        </a:solidFill>
-        <a:ln w="12700" cap="flat" cmpd="sng" algn="ctr">
-          <a:solidFill>
-            <a:schemeClr val="lt1">
-              <a:hueOff val="0"/>
-              <a:satOff val="0"/>
-              <a:lumOff val="0"/>
-              <a:alphaOff val="0"/>
-            </a:schemeClr>
-          </a:solidFill>
-          <a:prstDash val="solid"/>
-          <a:miter lim="800000"/>
-        </a:ln>
-        <a:effectLst/>
-      </dsp:spPr>
-      <dsp:style>
-        <a:lnRef idx="2">
-          <a:scrgbClr r="0" g="0" b="0"/>
-        </a:lnRef>
-        <a:fillRef idx="1">
-          <a:scrgbClr r="0" g="0" b="0"/>
-        </a:fillRef>
-        <a:effectRef idx="0">
-          <a:scrgbClr r="0" g="0" b="0"/>
-        </a:effectRef>
-        <a:fontRef idx="minor">
-          <a:schemeClr val="lt1"/>
-        </a:fontRef>
-      </dsp:style>
-      <dsp:txBody>
-        <a:bodyPr spcFirstLastPara="0" vert="horz" wrap="square" lIns="7620" tIns="7620" rIns="7620" bIns="7620" numCol="1" spcCol="1270" anchor="ctr" anchorCtr="0">
-          <a:noAutofit/>
-        </a:bodyPr>
-        <a:lstStyle/>
-        <a:p>
-          <a:pPr lvl="0" algn="ctr" defTabSz="533400">
-            <a:lnSpc>
-              <a:spcPct val="90000"/>
-            </a:lnSpc>
-            <a:spcBef>
-              <a:spcPct val="0"/>
-            </a:spcBef>
-            <a:spcAft>
-              <a:spcPct val="35000"/>
-            </a:spcAft>
-          </a:pPr>
-          <a:r>
-            <a:rPr lang="en-GB" sz="1200" kern="1200" dirty="0" smtClean="0">
-              <a:solidFill>
-                <a:schemeClr val="bg1">
-                  <a:lumMod val="50000"/>
-                </a:schemeClr>
-              </a:solidFill>
-            </a:rPr>
-            <a:t>LIVE.AngularJSYourName.data.js</a:t>
-          </a:r>
-          <a:endParaRPr lang="en-GB" sz="1200" kern="1200" dirty="0">
-            <a:solidFill>
-              <a:schemeClr val="bg1">
-                <a:lumMod val="50000"/>
-              </a:schemeClr>
-            </a:solidFill>
-          </a:endParaRPr>
-        </a:p>
-      </dsp:txBody>
-      <dsp:txXfrm>
-        <a:off x="5336517" y="4974171"/>
-        <a:ext cx="2209447" cy="296134"/>
-      </dsp:txXfrm>
-    </dsp:sp>
   </dsp:spTree>
 </dsp:drawing>
 </file>
@@ -20164,6 +16355,1204 @@
       </p:sp>
       <p:sp>
         <p:nvSpPr>
+          <p:cNvPr id="8" name="Rectangle 7"/>
+          <p:cNvSpPr/>
+          <p:nvPr/>
+        </p:nvSpPr>
+        <p:spPr>
+          <a:xfrm>
+            <a:off x="355275" y="1458629"/>
+            <a:ext cx="5604933" cy="3647152"/>
+          </a:xfrm>
+          <a:prstGeom prst="rect">
+            <a:avLst/>
+          </a:prstGeom>
+          <a:solidFill>
+            <a:schemeClr val="bg2">
+              <a:lumMod val="90000"/>
+            </a:schemeClr>
+          </a:solidFill>
+        </p:spPr>
+        <p:txBody>
+          <a:bodyPr wrap="square">
+            <a:spAutoFit/>
+          </a:bodyPr>
+          <a:lstStyle/>
+          <a:p>
+            <a:r>
+              <a:rPr lang="en-GB" sz="1050" b="1" dirty="0" smtClean="0">
+                <a:latin typeface="Consolas" panose="020B0609020204030204" pitchFamily="49" charset="0"/>
+                <a:cs typeface="Consolas" panose="020B0609020204030204" pitchFamily="49" charset="0"/>
+              </a:rPr>
+              <a:t>// ---------------------------------------------------</a:t>
+            </a:r>
+          </a:p>
+          <a:p>
+            <a:r>
+              <a:rPr lang="en-GB" sz="1050" b="1" dirty="0" smtClean="0">
+                <a:latin typeface="Consolas" panose="020B0609020204030204" pitchFamily="49" charset="0"/>
+                <a:cs typeface="Consolas" panose="020B0609020204030204" pitchFamily="49" charset="0"/>
+              </a:rPr>
+              <a:t>// ---------------------------------------------------</a:t>
+            </a:r>
+          </a:p>
+          <a:p>
+            <a:r>
+              <a:rPr lang="en-GB" sz="1050" b="1" dirty="0" smtClean="0">
+                <a:solidFill>
+                  <a:srgbClr val="FF0000"/>
+                </a:solidFill>
+                <a:latin typeface="Consolas" panose="020B0609020204030204" pitchFamily="49" charset="0"/>
+                <a:cs typeface="Consolas" panose="020B0609020204030204" pitchFamily="49" charset="0"/>
+              </a:rPr>
+              <a:t>describe</a:t>
+            </a:r>
+            <a:r>
+              <a:rPr lang="en-GB" sz="1050" b="1" dirty="0" smtClean="0">
+                <a:latin typeface="Consolas" panose="020B0609020204030204" pitchFamily="49" charset="0"/>
+                <a:cs typeface="Consolas" panose="020B0609020204030204" pitchFamily="49" charset="0"/>
+              </a:rPr>
+              <a:t>('template test scenario', function () {</a:t>
+            </a:r>
+          </a:p>
+          <a:p>
+            <a:endParaRPr lang="en-GB" sz="1050" b="1" dirty="0" smtClean="0">
+              <a:latin typeface="Consolas" panose="020B0609020204030204" pitchFamily="49" charset="0"/>
+              <a:cs typeface="Consolas" panose="020B0609020204030204" pitchFamily="49" charset="0"/>
+            </a:endParaRPr>
+          </a:p>
+          <a:p>
+            <a:r>
+              <a:rPr lang="en-GB" sz="1050" b="1" dirty="0" smtClean="0">
+                <a:latin typeface="Consolas" panose="020B0609020204030204" pitchFamily="49" charset="0"/>
+                <a:cs typeface="Consolas" panose="020B0609020204030204" pitchFamily="49" charset="0"/>
+              </a:rPr>
+              <a:t>// ---------------------------------------------------</a:t>
+            </a:r>
+          </a:p>
+          <a:p>
+            <a:r>
+              <a:rPr lang="en-GB" sz="1050" b="1" dirty="0" smtClean="0">
+                <a:latin typeface="Consolas" panose="020B0609020204030204" pitchFamily="49" charset="0"/>
+                <a:cs typeface="Consolas" panose="020B0609020204030204" pitchFamily="49" charset="0"/>
+              </a:rPr>
+              <a:t>// ---------------------------------------------------</a:t>
+            </a:r>
+          </a:p>
+          <a:p>
+            <a:r>
+              <a:rPr lang="en-GB" sz="1050" b="1" dirty="0" smtClean="0">
+                <a:latin typeface="Consolas" panose="020B0609020204030204" pitchFamily="49" charset="0"/>
+                <a:cs typeface="Consolas" panose="020B0609020204030204" pitchFamily="49" charset="0"/>
+              </a:rPr>
+              <a:t>    </a:t>
+            </a:r>
+            <a:r>
+              <a:rPr lang="en-GB" sz="1050" b="1" dirty="0" smtClean="0">
+                <a:solidFill>
+                  <a:srgbClr val="FF0000"/>
+                </a:solidFill>
+                <a:latin typeface="Consolas" panose="020B0609020204030204" pitchFamily="49" charset="0"/>
+                <a:cs typeface="Consolas" panose="020B0609020204030204" pitchFamily="49" charset="0"/>
+              </a:rPr>
+              <a:t>it</a:t>
+            </a:r>
+            <a:r>
+              <a:rPr lang="en-GB" sz="1050" b="1" dirty="0" smtClean="0">
+                <a:latin typeface="Consolas" panose="020B0609020204030204" pitchFamily="49" charset="0"/>
+                <a:cs typeface="Consolas" panose="020B0609020204030204" pitchFamily="49" charset="0"/>
+              </a:rPr>
+              <a:t>("</a:t>
+            </a:r>
+            <a:r>
+              <a:rPr lang="en-GB" sz="1050" b="1" dirty="0" err="1" smtClean="0">
+                <a:latin typeface="Consolas" panose="020B0609020204030204" pitchFamily="49" charset="0"/>
+                <a:cs typeface="Consolas" panose="020B0609020204030204" pitchFamily="49" charset="0"/>
+              </a:rPr>
+              <a:t>DoSomething</a:t>
+            </a:r>
+            <a:r>
+              <a:rPr lang="en-GB" sz="1050" b="1" dirty="0" smtClean="0">
+                <a:latin typeface="Consolas" panose="020B0609020204030204" pitchFamily="49" charset="0"/>
+                <a:cs typeface="Consolas" panose="020B0609020204030204" pitchFamily="49" charset="0"/>
+              </a:rPr>
+              <a:t> A", function () {</a:t>
+            </a:r>
+          </a:p>
+          <a:p>
+            <a:r>
+              <a:rPr lang="en-GB" sz="1050" b="1" dirty="0" smtClean="0">
+                <a:latin typeface="Consolas" panose="020B0609020204030204" pitchFamily="49" charset="0"/>
+                <a:cs typeface="Consolas" panose="020B0609020204030204" pitchFamily="49" charset="0"/>
+              </a:rPr>
+              <a:t>        </a:t>
+            </a:r>
+            <a:r>
+              <a:rPr lang="en-GB" sz="1050" b="1" dirty="0" err="1" smtClean="0">
+                <a:latin typeface="Consolas" panose="020B0609020204030204" pitchFamily="49" charset="0"/>
+                <a:cs typeface="Consolas" panose="020B0609020204030204" pitchFamily="49" charset="0"/>
+              </a:rPr>
+              <a:t>var</a:t>
+            </a:r>
+            <a:r>
+              <a:rPr lang="en-GB" sz="1050" b="1" dirty="0" smtClean="0">
+                <a:latin typeface="Consolas" panose="020B0609020204030204" pitchFamily="49" charset="0"/>
+                <a:cs typeface="Consolas" panose="020B0609020204030204" pitchFamily="49" charset="0"/>
+              </a:rPr>
+              <a:t> dataItem1='</a:t>
+            </a:r>
+            <a:r>
+              <a:rPr lang="en-GB" sz="1050" b="1" dirty="0" err="1" smtClean="0">
+                <a:latin typeface="Consolas" panose="020B0609020204030204" pitchFamily="49" charset="0"/>
+                <a:cs typeface="Consolas" panose="020B0609020204030204" pitchFamily="49" charset="0"/>
+              </a:rPr>
+              <a:t>DataItem</a:t>
+            </a:r>
+            <a:r>
+              <a:rPr lang="en-GB" sz="1050" b="1" dirty="0" smtClean="0">
+                <a:latin typeface="Consolas" panose="020B0609020204030204" pitchFamily="49" charset="0"/>
+                <a:cs typeface="Consolas" panose="020B0609020204030204" pitchFamily="49" charset="0"/>
+              </a:rPr>
+              <a:t>';</a:t>
+            </a:r>
+          </a:p>
+          <a:p>
+            <a:endParaRPr lang="en-GB" sz="1050" b="1" dirty="0" smtClean="0">
+              <a:latin typeface="Consolas" panose="020B0609020204030204" pitchFamily="49" charset="0"/>
+              <a:cs typeface="Consolas" panose="020B0609020204030204" pitchFamily="49" charset="0"/>
+            </a:endParaRPr>
+          </a:p>
+          <a:p>
+            <a:r>
+              <a:rPr lang="en-GB" sz="1050" b="1" dirty="0" smtClean="0">
+                <a:latin typeface="Consolas" panose="020B0609020204030204" pitchFamily="49" charset="0"/>
+                <a:cs typeface="Consolas" panose="020B0609020204030204" pitchFamily="49" charset="0"/>
+              </a:rPr>
+              <a:t>        // code for functionality goes here</a:t>
+            </a:r>
+          </a:p>
+          <a:p>
+            <a:r>
+              <a:rPr lang="en-GB" sz="1050" b="1" dirty="0" smtClean="0">
+                <a:latin typeface="Consolas" panose="020B0609020204030204" pitchFamily="49" charset="0"/>
+                <a:cs typeface="Consolas" panose="020B0609020204030204" pitchFamily="49" charset="0"/>
+              </a:rPr>
+              <a:t>        // can use expect().</a:t>
+            </a:r>
+            <a:r>
+              <a:rPr lang="en-GB" sz="1050" b="1" dirty="0" err="1" smtClean="0">
+                <a:latin typeface="Consolas" panose="020B0609020204030204" pitchFamily="49" charset="0"/>
+                <a:cs typeface="Consolas" panose="020B0609020204030204" pitchFamily="49" charset="0"/>
+              </a:rPr>
+              <a:t>toEqual</a:t>
+            </a:r>
+            <a:r>
+              <a:rPr lang="en-GB" sz="1050" b="1" dirty="0" smtClean="0">
+                <a:latin typeface="Consolas" panose="020B0609020204030204" pitchFamily="49" charset="0"/>
+                <a:cs typeface="Consolas" panose="020B0609020204030204" pitchFamily="49" charset="0"/>
+              </a:rPr>
+              <a:t>() for assertions</a:t>
+            </a:r>
+          </a:p>
+          <a:p>
+            <a:r>
+              <a:rPr lang="en-GB" sz="1050" b="1" dirty="0" smtClean="0">
+                <a:latin typeface="Consolas" panose="020B0609020204030204" pitchFamily="49" charset="0"/>
+                <a:cs typeface="Consolas" panose="020B0609020204030204" pitchFamily="49" charset="0"/>
+              </a:rPr>
+              <a:t>    },120000);</a:t>
+            </a:r>
+          </a:p>
+          <a:p>
+            <a:endParaRPr lang="en-GB" sz="1050" b="1" dirty="0" smtClean="0">
+              <a:latin typeface="Consolas" panose="020B0609020204030204" pitchFamily="49" charset="0"/>
+              <a:cs typeface="Consolas" panose="020B0609020204030204" pitchFamily="49" charset="0"/>
+            </a:endParaRPr>
+          </a:p>
+          <a:p>
+            <a:r>
+              <a:rPr lang="en-GB" sz="1050" b="1" dirty="0" smtClean="0">
+                <a:latin typeface="Consolas" panose="020B0609020204030204" pitchFamily="49" charset="0"/>
+                <a:cs typeface="Consolas" panose="020B0609020204030204" pitchFamily="49" charset="0"/>
+              </a:rPr>
+              <a:t>// ---------------------------------------------------</a:t>
+            </a:r>
+          </a:p>
+          <a:p>
+            <a:r>
+              <a:rPr lang="en-GB" sz="1050" b="1" dirty="0" smtClean="0">
+                <a:latin typeface="Consolas" panose="020B0609020204030204" pitchFamily="49" charset="0"/>
+                <a:cs typeface="Consolas" panose="020B0609020204030204" pitchFamily="49" charset="0"/>
+              </a:rPr>
+              <a:t>// ---------------------------------------------------</a:t>
+            </a:r>
+          </a:p>
+          <a:p>
+            <a:r>
+              <a:rPr lang="en-GB" sz="1050" b="1" dirty="0" smtClean="0">
+                <a:latin typeface="Consolas" panose="020B0609020204030204" pitchFamily="49" charset="0"/>
+                <a:cs typeface="Consolas" panose="020B0609020204030204" pitchFamily="49" charset="0"/>
+              </a:rPr>
+              <a:t>    </a:t>
+            </a:r>
+            <a:r>
+              <a:rPr lang="en-GB" sz="1050" b="1" dirty="0" smtClean="0">
+                <a:solidFill>
+                  <a:srgbClr val="FF0000"/>
+                </a:solidFill>
+                <a:latin typeface="Consolas" panose="020B0609020204030204" pitchFamily="49" charset="0"/>
+                <a:cs typeface="Consolas" panose="020B0609020204030204" pitchFamily="49" charset="0"/>
+              </a:rPr>
+              <a:t>it</a:t>
+            </a:r>
+            <a:r>
+              <a:rPr lang="en-GB" sz="1050" b="1" dirty="0" smtClean="0">
+                <a:latin typeface="Consolas" panose="020B0609020204030204" pitchFamily="49" charset="0"/>
+                <a:cs typeface="Consolas" panose="020B0609020204030204" pitchFamily="49" charset="0"/>
+              </a:rPr>
+              <a:t>("</a:t>
+            </a:r>
+            <a:r>
+              <a:rPr lang="en-GB" sz="1050" b="1" dirty="0" err="1" smtClean="0">
+                <a:latin typeface="Consolas" panose="020B0609020204030204" pitchFamily="49" charset="0"/>
+                <a:cs typeface="Consolas" panose="020B0609020204030204" pitchFamily="49" charset="0"/>
+              </a:rPr>
+              <a:t>DoSomething</a:t>
+            </a:r>
+            <a:r>
+              <a:rPr lang="en-GB" sz="1050" b="1" dirty="0" smtClean="0">
+                <a:latin typeface="Consolas" panose="020B0609020204030204" pitchFamily="49" charset="0"/>
+                <a:cs typeface="Consolas" panose="020B0609020204030204" pitchFamily="49" charset="0"/>
+              </a:rPr>
+              <a:t> B", function () {</a:t>
+            </a:r>
+          </a:p>
+          <a:p>
+            <a:r>
+              <a:rPr lang="en-GB" sz="1050" b="1" dirty="0" smtClean="0">
+                <a:latin typeface="Consolas" panose="020B0609020204030204" pitchFamily="49" charset="0"/>
+                <a:cs typeface="Consolas" panose="020B0609020204030204" pitchFamily="49" charset="0"/>
+              </a:rPr>
+              <a:t>        </a:t>
+            </a:r>
+            <a:r>
+              <a:rPr lang="en-GB" sz="1050" b="1" dirty="0" err="1" smtClean="0">
+                <a:latin typeface="Consolas" panose="020B0609020204030204" pitchFamily="49" charset="0"/>
+                <a:cs typeface="Consolas" panose="020B0609020204030204" pitchFamily="49" charset="0"/>
+              </a:rPr>
+              <a:t>var</a:t>
+            </a:r>
+            <a:r>
+              <a:rPr lang="en-GB" sz="1050" b="1" dirty="0" smtClean="0">
+                <a:latin typeface="Consolas" panose="020B0609020204030204" pitchFamily="49" charset="0"/>
+                <a:cs typeface="Consolas" panose="020B0609020204030204" pitchFamily="49" charset="0"/>
+              </a:rPr>
+              <a:t> dataItem1='</a:t>
+            </a:r>
+            <a:r>
+              <a:rPr lang="en-GB" sz="1050" b="1" dirty="0" err="1" smtClean="0">
+                <a:latin typeface="Consolas" panose="020B0609020204030204" pitchFamily="49" charset="0"/>
+                <a:cs typeface="Consolas" panose="020B0609020204030204" pitchFamily="49" charset="0"/>
+              </a:rPr>
+              <a:t>DataItem</a:t>
+            </a:r>
+            <a:r>
+              <a:rPr lang="en-GB" sz="1050" b="1" dirty="0" smtClean="0">
+                <a:latin typeface="Consolas" panose="020B0609020204030204" pitchFamily="49" charset="0"/>
+                <a:cs typeface="Consolas" panose="020B0609020204030204" pitchFamily="49" charset="0"/>
+              </a:rPr>
+              <a:t>';</a:t>
+            </a:r>
+          </a:p>
+          <a:p>
+            <a:endParaRPr lang="en-GB" sz="1050" b="1" dirty="0" smtClean="0">
+              <a:latin typeface="Consolas" panose="020B0609020204030204" pitchFamily="49" charset="0"/>
+              <a:cs typeface="Consolas" panose="020B0609020204030204" pitchFamily="49" charset="0"/>
+            </a:endParaRPr>
+          </a:p>
+          <a:p>
+            <a:r>
+              <a:rPr lang="en-GB" sz="1050" b="1" dirty="0" smtClean="0">
+                <a:latin typeface="Consolas" panose="020B0609020204030204" pitchFamily="49" charset="0"/>
+                <a:cs typeface="Consolas" panose="020B0609020204030204" pitchFamily="49" charset="0"/>
+              </a:rPr>
+              <a:t>        // code for functionality goes here</a:t>
+            </a:r>
+          </a:p>
+          <a:p>
+            <a:r>
+              <a:rPr lang="en-GB" sz="1050" b="1" dirty="0" smtClean="0">
+                <a:latin typeface="Consolas" panose="020B0609020204030204" pitchFamily="49" charset="0"/>
+                <a:cs typeface="Consolas" panose="020B0609020204030204" pitchFamily="49" charset="0"/>
+              </a:rPr>
+              <a:t>        // can use expect().</a:t>
+            </a:r>
+            <a:r>
+              <a:rPr lang="en-GB" sz="1050" b="1" dirty="0" err="1" smtClean="0">
+                <a:latin typeface="Consolas" panose="020B0609020204030204" pitchFamily="49" charset="0"/>
+                <a:cs typeface="Consolas" panose="020B0609020204030204" pitchFamily="49" charset="0"/>
+              </a:rPr>
+              <a:t>toEqual</a:t>
+            </a:r>
+            <a:r>
+              <a:rPr lang="en-GB" sz="1050" b="1" dirty="0" smtClean="0">
+                <a:latin typeface="Consolas" panose="020B0609020204030204" pitchFamily="49" charset="0"/>
+                <a:cs typeface="Consolas" panose="020B0609020204030204" pitchFamily="49" charset="0"/>
+              </a:rPr>
+              <a:t>() for assertions</a:t>
+            </a:r>
+          </a:p>
+          <a:p>
+            <a:r>
+              <a:rPr lang="en-GB" sz="1050" b="1" dirty="0" smtClean="0">
+                <a:latin typeface="Consolas" panose="020B0609020204030204" pitchFamily="49" charset="0"/>
+                <a:cs typeface="Consolas" panose="020B0609020204030204" pitchFamily="49" charset="0"/>
+              </a:rPr>
+              <a:t>    },120000);</a:t>
+            </a:r>
+          </a:p>
+          <a:p>
+            <a:endParaRPr lang="en-GB" sz="1050" b="1" dirty="0" smtClean="0">
+              <a:latin typeface="Consolas" panose="020B0609020204030204" pitchFamily="49" charset="0"/>
+              <a:cs typeface="Consolas" panose="020B0609020204030204" pitchFamily="49" charset="0"/>
+            </a:endParaRPr>
+          </a:p>
+        </p:txBody>
+      </p:sp>
+      <p:sp>
+        <p:nvSpPr>
+          <p:cNvPr id="9" name="Rectangle 8"/>
+          <p:cNvSpPr/>
+          <p:nvPr/>
+        </p:nvSpPr>
+        <p:spPr>
+          <a:xfrm>
+            <a:off x="6188808" y="1458629"/>
+            <a:ext cx="5867399" cy="4455066"/>
+          </a:xfrm>
+          <a:prstGeom prst="rect">
+            <a:avLst/>
+          </a:prstGeom>
+          <a:solidFill>
+            <a:schemeClr val="bg2">
+              <a:lumMod val="90000"/>
+            </a:schemeClr>
+          </a:solidFill>
+        </p:spPr>
+        <p:txBody>
+          <a:bodyPr wrap="square">
+            <a:spAutoFit/>
+          </a:bodyPr>
+          <a:lstStyle/>
+          <a:p>
+            <a:endParaRPr lang="en-GB" sz="1050" b="1" dirty="0">
+              <a:latin typeface="Consolas" panose="020B0609020204030204" pitchFamily="49" charset="0"/>
+              <a:cs typeface="Consolas" panose="020B0609020204030204" pitchFamily="49" charset="0"/>
+            </a:endParaRPr>
+          </a:p>
+          <a:p>
+            <a:r>
+              <a:rPr lang="en-GB" sz="1050" b="1" dirty="0">
+                <a:latin typeface="Consolas" panose="020B0609020204030204" pitchFamily="49" charset="0"/>
+                <a:cs typeface="Consolas" panose="020B0609020204030204" pitchFamily="49" charset="0"/>
+              </a:rPr>
+              <a:t>// ---------------------------------------------------</a:t>
+            </a:r>
+          </a:p>
+          <a:p>
+            <a:r>
+              <a:rPr lang="en-GB" sz="1050" b="1" dirty="0">
+                <a:latin typeface="Consolas" panose="020B0609020204030204" pitchFamily="49" charset="0"/>
+                <a:cs typeface="Consolas" panose="020B0609020204030204" pitchFamily="49" charset="0"/>
+              </a:rPr>
+              <a:t>// ---------------------------------------------------</a:t>
+            </a:r>
+          </a:p>
+          <a:p>
+            <a:r>
+              <a:rPr lang="en-GB" sz="1050" b="1" dirty="0">
+                <a:latin typeface="Consolas" panose="020B0609020204030204" pitchFamily="49" charset="0"/>
+                <a:cs typeface="Consolas" panose="020B0609020204030204" pitchFamily="49" charset="0"/>
+              </a:rPr>
+              <a:t>    it("</a:t>
+            </a:r>
+            <a:r>
+              <a:rPr lang="en-GB" sz="1050" b="1" dirty="0" err="1">
+                <a:latin typeface="Consolas" panose="020B0609020204030204" pitchFamily="49" charset="0"/>
+                <a:cs typeface="Consolas" panose="020B0609020204030204" pitchFamily="49" charset="0"/>
+              </a:rPr>
+              <a:t>DoSomething</a:t>
+            </a:r>
+            <a:r>
+              <a:rPr lang="en-GB" sz="1050" b="1" dirty="0">
+                <a:latin typeface="Consolas" panose="020B0609020204030204" pitchFamily="49" charset="0"/>
+                <a:cs typeface="Consolas" panose="020B0609020204030204" pitchFamily="49" charset="0"/>
+              </a:rPr>
+              <a:t> C", function () {</a:t>
+            </a:r>
+          </a:p>
+          <a:p>
+            <a:r>
+              <a:rPr lang="en-GB" sz="1050" b="1" dirty="0">
+                <a:latin typeface="Consolas" panose="020B0609020204030204" pitchFamily="49" charset="0"/>
+                <a:cs typeface="Consolas" panose="020B0609020204030204" pitchFamily="49" charset="0"/>
+              </a:rPr>
+              <a:t>        </a:t>
+            </a:r>
+            <a:r>
+              <a:rPr lang="en-GB" sz="1050" b="1" dirty="0" err="1">
+                <a:latin typeface="Consolas" panose="020B0609020204030204" pitchFamily="49" charset="0"/>
+                <a:cs typeface="Consolas" panose="020B0609020204030204" pitchFamily="49" charset="0"/>
+              </a:rPr>
+              <a:t>var</a:t>
+            </a:r>
+            <a:r>
+              <a:rPr lang="en-GB" sz="1050" b="1" dirty="0">
+                <a:latin typeface="Consolas" panose="020B0609020204030204" pitchFamily="49" charset="0"/>
+                <a:cs typeface="Consolas" panose="020B0609020204030204" pitchFamily="49" charset="0"/>
+              </a:rPr>
+              <a:t> dataItem1='</a:t>
+            </a:r>
+            <a:r>
+              <a:rPr lang="en-GB" sz="1050" b="1" dirty="0" err="1">
+                <a:latin typeface="Consolas" panose="020B0609020204030204" pitchFamily="49" charset="0"/>
+                <a:cs typeface="Consolas" panose="020B0609020204030204" pitchFamily="49" charset="0"/>
+              </a:rPr>
+              <a:t>DataItem</a:t>
+            </a:r>
+            <a:r>
+              <a:rPr lang="en-GB" sz="1050" b="1" dirty="0">
+                <a:latin typeface="Consolas" panose="020B0609020204030204" pitchFamily="49" charset="0"/>
+                <a:cs typeface="Consolas" panose="020B0609020204030204" pitchFamily="49" charset="0"/>
+              </a:rPr>
+              <a:t>';</a:t>
+            </a:r>
+          </a:p>
+          <a:p>
+            <a:endParaRPr lang="en-GB" sz="1050" b="1" dirty="0">
+              <a:latin typeface="Consolas" panose="020B0609020204030204" pitchFamily="49" charset="0"/>
+              <a:cs typeface="Consolas" panose="020B0609020204030204" pitchFamily="49" charset="0"/>
+            </a:endParaRPr>
+          </a:p>
+          <a:p>
+            <a:r>
+              <a:rPr lang="en-GB" sz="1050" b="1" dirty="0">
+                <a:latin typeface="Consolas" panose="020B0609020204030204" pitchFamily="49" charset="0"/>
+                <a:cs typeface="Consolas" panose="020B0609020204030204" pitchFamily="49" charset="0"/>
+              </a:rPr>
+              <a:t>        // code for functionality goes here</a:t>
+            </a:r>
+          </a:p>
+          <a:p>
+            <a:r>
+              <a:rPr lang="en-GB" sz="1050" b="1" dirty="0">
+                <a:latin typeface="Consolas" panose="020B0609020204030204" pitchFamily="49" charset="0"/>
+                <a:cs typeface="Consolas" panose="020B0609020204030204" pitchFamily="49" charset="0"/>
+              </a:rPr>
+              <a:t>        // can use expect().</a:t>
+            </a:r>
+            <a:r>
+              <a:rPr lang="en-GB" sz="1050" b="1" dirty="0" err="1">
+                <a:latin typeface="Consolas" panose="020B0609020204030204" pitchFamily="49" charset="0"/>
+                <a:cs typeface="Consolas" panose="020B0609020204030204" pitchFamily="49" charset="0"/>
+              </a:rPr>
+              <a:t>toEqual</a:t>
+            </a:r>
+            <a:r>
+              <a:rPr lang="en-GB" sz="1050" b="1" dirty="0">
+                <a:latin typeface="Consolas" panose="020B0609020204030204" pitchFamily="49" charset="0"/>
+                <a:cs typeface="Consolas" panose="020B0609020204030204" pitchFamily="49" charset="0"/>
+              </a:rPr>
+              <a:t>() for assertions</a:t>
+            </a:r>
+          </a:p>
+          <a:p>
+            <a:r>
+              <a:rPr lang="en-GB" sz="1050" b="1" dirty="0">
+                <a:latin typeface="Consolas" panose="020B0609020204030204" pitchFamily="49" charset="0"/>
+                <a:cs typeface="Consolas" panose="020B0609020204030204" pitchFamily="49" charset="0"/>
+              </a:rPr>
+              <a:t>    },120000);</a:t>
+            </a:r>
+          </a:p>
+          <a:p>
+            <a:endParaRPr lang="en-GB" sz="1050" b="1" dirty="0">
+              <a:latin typeface="Consolas" panose="020B0609020204030204" pitchFamily="49" charset="0"/>
+              <a:cs typeface="Consolas" panose="020B0609020204030204" pitchFamily="49" charset="0"/>
+            </a:endParaRPr>
+          </a:p>
+          <a:p>
+            <a:r>
+              <a:rPr lang="en-GB" sz="1050" b="1" dirty="0">
+                <a:latin typeface="Consolas" panose="020B0609020204030204" pitchFamily="49" charset="0"/>
+                <a:cs typeface="Consolas" panose="020B0609020204030204" pitchFamily="49" charset="0"/>
+              </a:rPr>
+              <a:t>// ---------------------------------------------------</a:t>
+            </a:r>
+          </a:p>
+          <a:p>
+            <a:r>
+              <a:rPr lang="en-GB" sz="1050" b="1" dirty="0">
+                <a:latin typeface="Consolas" panose="020B0609020204030204" pitchFamily="49" charset="0"/>
+                <a:cs typeface="Consolas" panose="020B0609020204030204" pitchFamily="49" charset="0"/>
+              </a:rPr>
+              <a:t>// ---------------------------------------------------</a:t>
+            </a:r>
+          </a:p>
+          <a:p>
+            <a:r>
+              <a:rPr lang="en-GB" sz="1050" b="1" dirty="0">
+                <a:latin typeface="Consolas" panose="020B0609020204030204" pitchFamily="49" charset="0"/>
+                <a:cs typeface="Consolas" panose="020B0609020204030204" pitchFamily="49" charset="0"/>
+              </a:rPr>
+              <a:t>    it("</a:t>
+            </a:r>
+            <a:r>
+              <a:rPr lang="en-GB" sz="1050" b="1" dirty="0" err="1">
+                <a:latin typeface="Consolas" panose="020B0609020204030204" pitchFamily="49" charset="0"/>
+                <a:cs typeface="Consolas" panose="020B0609020204030204" pitchFamily="49" charset="0"/>
+              </a:rPr>
+              <a:t>DoSomething</a:t>
+            </a:r>
+            <a:r>
+              <a:rPr lang="en-GB" sz="1050" b="1" dirty="0">
+                <a:latin typeface="Consolas" panose="020B0609020204030204" pitchFamily="49" charset="0"/>
+                <a:cs typeface="Consolas" panose="020B0609020204030204" pitchFamily="49" charset="0"/>
+              </a:rPr>
+              <a:t> D", function () {</a:t>
+            </a:r>
+          </a:p>
+          <a:p>
+            <a:r>
+              <a:rPr lang="en-GB" sz="1050" b="1" dirty="0">
+                <a:latin typeface="Consolas" panose="020B0609020204030204" pitchFamily="49" charset="0"/>
+                <a:cs typeface="Consolas" panose="020B0609020204030204" pitchFamily="49" charset="0"/>
+              </a:rPr>
+              <a:t>        </a:t>
+            </a:r>
+            <a:r>
+              <a:rPr lang="en-GB" sz="1050" b="1" dirty="0" err="1">
+                <a:latin typeface="Consolas" panose="020B0609020204030204" pitchFamily="49" charset="0"/>
+                <a:cs typeface="Consolas" panose="020B0609020204030204" pitchFamily="49" charset="0"/>
+              </a:rPr>
+              <a:t>var</a:t>
+            </a:r>
+            <a:r>
+              <a:rPr lang="en-GB" sz="1050" b="1" dirty="0">
+                <a:latin typeface="Consolas" panose="020B0609020204030204" pitchFamily="49" charset="0"/>
+                <a:cs typeface="Consolas" panose="020B0609020204030204" pitchFamily="49" charset="0"/>
+              </a:rPr>
+              <a:t> dataItem1='</a:t>
+            </a:r>
+            <a:r>
+              <a:rPr lang="en-GB" sz="1050" b="1" dirty="0" err="1">
+                <a:latin typeface="Consolas" panose="020B0609020204030204" pitchFamily="49" charset="0"/>
+                <a:cs typeface="Consolas" panose="020B0609020204030204" pitchFamily="49" charset="0"/>
+              </a:rPr>
+              <a:t>DataItem</a:t>
+            </a:r>
+            <a:r>
+              <a:rPr lang="en-GB" sz="1050" b="1" dirty="0">
+                <a:latin typeface="Consolas" panose="020B0609020204030204" pitchFamily="49" charset="0"/>
+                <a:cs typeface="Consolas" panose="020B0609020204030204" pitchFamily="49" charset="0"/>
+              </a:rPr>
+              <a:t>';</a:t>
+            </a:r>
+          </a:p>
+          <a:p>
+            <a:endParaRPr lang="en-GB" sz="1050" b="1" dirty="0">
+              <a:latin typeface="Consolas" panose="020B0609020204030204" pitchFamily="49" charset="0"/>
+              <a:cs typeface="Consolas" panose="020B0609020204030204" pitchFamily="49" charset="0"/>
+            </a:endParaRPr>
+          </a:p>
+          <a:p>
+            <a:r>
+              <a:rPr lang="en-GB" sz="1050" b="1" dirty="0">
+                <a:latin typeface="Consolas" panose="020B0609020204030204" pitchFamily="49" charset="0"/>
+                <a:cs typeface="Consolas" panose="020B0609020204030204" pitchFamily="49" charset="0"/>
+              </a:rPr>
+              <a:t>        // code for functionality goes here</a:t>
+            </a:r>
+          </a:p>
+          <a:p>
+            <a:r>
+              <a:rPr lang="en-GB" sz="1050" b="1" dirty="0">
+                <a:latin typeface="Consolas" panose="020B0609020204030204" pitchFamily="49" charset="0"/>
+                <a:cs typeface="Consolas" panose="020B0609020204030204" pitchFamily="49" charset="0"/>
+              </a:rPr>
+              <a:t>        // can use expect().</a:t>
+            </a:r>
+            <a:r>
+              <a:rPr lang="en-GB" sz="1050" b="1" dirty="0" err="1">
+                <a:latin typeface="Consolas" panose="020B0609020204030204" pitchFamily="49" charset="0"/>
+                <a:cs typeface="Consolas" panose="020B0609020204030204" pitchFamily="49" charset="0"/>
+              </a:rPr>
+              <a:t>toEqual</a:t>
+            </a:r>
+            <a:r>
+              <a:rPr lang="en-GB" sz="1050" b="1" dirty="0">
+                <a:latin typeface="Consolas" panose="020B0609020204030204" pitchFamily="49" charset="0"/>
+                <a:cs typeface="Consolas" panose="020B0609020204030204" pitchFamily="49" charset="0"/>
+              </a:rPr>
+              <a:t>() for assertions</a:t>
+            </a:r>
+          </a:p>
+          <a:p>
+            <a:r>
+              <a:rPr lang="en-GB" sz="1050" b="1" dirty="0">
+                <a:latin typeface="Consolas" panose="020B0609020204030204" pitchFamily="49" charset="0"/>
+                <a:cs typeface="Consolas" panose="020B0609020204030204" pitchFamily="49" charset="0"/>
+              </a:rPr>
+              <a:t>    },120000);</a:t>
+            </a:r>
+          </a:p>
+          <a:p>
+            <a:endParaRPr lang="en-GB" sz="1050" b="1" dirty="0">
+              <a:latin typeface="Consolas" panose="020B0609020204030204" pitchFamily="49" charset="0"/>
+              <a:cs typeface="Consolas" panose="020B0609020204030204" pitchFamily="49" charset="0"/>
+            </a:endParaRPr>
+          </a:p>
+          <a:p>
+            <a:r>
+              <a:rPr lang="en-GB" sz="1050" b="1" dirty="0">
+                <a:latin typeface="Consolas" panose="020B0609020204030204" pitchFamily="49" charset="0"/>
+                <a:cs typeface="Consolas" panose="020B0609020204030204" pitchFamily="49" charset="0"/>
+              </a:rPr>
+              <a:t>// ---------------------------------------------------</a:t>
+            </a:r>
+          </a:p>
+          <a:p>
+            <a:r>
+              <a:rPr lang="en-GB" sz="1050" b="1" dirty="0">
+                <a:latin typeface="Consolas" panose="020B0609020204030204" pitchFamily="49" charset="0"/>
+                <a:cs typeface="Consolas" panose="020B0609020204030204" pitchFamily="49" charset="0"/>
+              </a:rPr>
+              <a:t>// ---------------------------------------------------</a:t>
+            </a:r>
+          </a:p>
+          <a:p>
+            <a:r>
+              <a:rPr lang="en-GB" sz="1050" b="1" dirty="0">
+                <a:latin typeface="Consolas" panose="020B0609020204030204" pitchFamily="49" charset="0"/>
+                <a:cs typeface="Consolas" panose="020B0609020204030204" pitchFamily="49" charset="0"/>
+              </a:rPr>
+              <a:t>    it("</a:t>
+            </a:r>
+            <a:r>
+              <a:rPr lang="en-GB" sz="1050" b="1" dirty="0" err="1">
+                <a:latin typeface="Consolas" panose="020B0609020204030204" pitchFamily="49" charset="0"/>
+                <a:cs typeface="Consolas" panose="020B0609020204030204" pitchFamily="49" charset="0"/>
+              </a:rPr>
+              <a:t>DoSomething</a:t>
+            </a:r>
+            <a:r>
+              <a:rPr lang="en-GB" sz="1050" b="1" dirty="0">
+                <a:latin typeface="Consolas" panose="020B0609020204030204" pitchFamily="49" charset="0"/>
+                <a:cs typeface="Consolas" panose="020B0609020204030204" pitchFamily="49" charset="0"/>
+              </a:rPr>
+              <a:t> E", function () {</a:t>
+            </a:r>
+          </a:p>
+          <a:p>
+            <a:r>
+              <a:rPr lang="en-GB" sz="1050" b="1" dirty="0">
+                <a:latin typeface="Consolas" panose="020B0609020204030204" pitchFamily="49" charset="0"/>
+                <a:cs typeface="Consolas" panose="020B0609020204030204" pitchFamily="49" charset="0"/>
+              </a:rPr>
+              <a:t>        // code for functionality goes here</a:t>
+            </a:r>
+          </a:p>
+          <a:p>
+            <a:r>
+              <a:rPr lang="en-GB" sz="1050" b="1" dirty="0">
+                <a:latin typeface="Consolas" panose="020B0609020204030204" pitchFamily="49" charset="0"/>
+                <a:cs typeface="Consolas" panose="020B0609020204030204" pitchFamily="49" charset="0"/>
+              </a:rPr>
+              <a:t>        // can use expect().</a:t>
+            </a:r>
+            <a:r>
+              <a:rPr lang="en-GB" sz="1050" b="1" dirty="0" err="1">
+                <a:latin typeface="Consolas" panose="020B0609020204030204" pitchFamily="49" charset="0"/>
+                <a:cs typeface="Consolas" panose="020B0609020204030204" pitchFamily="49" charset="0"/>
+              </a:rPr>
+              <a:t>toEqual</a:t>
+            </a:r>
+            <a:r>
+              <a:rPr lang="en-GB" sz="1050" b="1" dirty="0">
+                <a:latin typeface="Consolas" panose="020B0609020204030204" pitchFamily="49" charset="0"/>
+                <a:cs typeface="Consolas" panose="020B0609020204030204" pitchFamily="49" charset="0"/>
+              </a:rPr>
+              <a:t>() for assertions</a:t>
+            </a:r>
+          </a:p>
+          <a:p>
+            <a:r>
+              <a:rPr lang="en-GB" sz="1050" b="1" dirty="0">
+                <a:latin typeface="Consolas" panose="020B0609020204030204" pitchFamily="49" charset="0"/>
+                <a:cs typeface="Consolas" panose="020B0609020204030204" pitchFamily="49" charset="0"/>
+              </a:rPr>
+              <a:t>    },120000);</a:t>
+            </a:r>
+          </a:p>
+          <a:p>
+            <a:endParaRPr lang="en-GB" sz="1050" b="1" dirty="0">
+              <a:latin typeface="Consolas" panose="020B0609020204030204" pitchFamily="49" charset="0"/>
+              <a:cs typeface="Consolas" panose="020B0609020204030204" pitchFamily="49" charset="0"/>
+            </a:endParaRPr>
+          </a:p>
+          <a:p>
+            <a:r>
+              <a:rPr lang="en-GB" sz="1050" b="1" dirty="0">
+                <a:latin typeface="Consolas" panose="020B0609020204030204" pitchFamily="49" charset="0"/>
+                <a:cs typeface="Consolas" panose="020B0609020204030204" pitchFamily="49" charset="0"/>
+              </a:rPr>
+              <a:t>}, 60000);</a:t>
+            </a:r>
+          </a:p>
+        </p:txBody>
+      </p:sp>
+      <p:sp>
+        <p:nvSpPr>
+          <p:cNvPr id="13" name="Line Callout 1 12"/>
+          <p:cNvSpPr/>
+          <p:nvPr/>
+        </p:nvSpPr>
+        <p:spPr>
+          <a:xfrm>
+            <a:off x="2700864" y="5508312"/>
+            <a:ext cx="3084461" cy="810766"/>
+          </a:xfrm>
+          <a:prstGeom prst="borderCallout1">
+            <a:avLst>
+              <a:gd name="adj1" fmla="val 48750"/>
+              <a:gd name="adj2" fmla="val 0"/>
+              <a:gd name="adj3" fmla="val -82166"/>
+              <a:gd name="adj4" fmla="val -5620"/>
+            </a:avLst>
+          </a:prstGeom>
+          <a:solidFill>
+            <a:schemeClr val="accent4">
+              <a:lumMod val="20000"/>
+              <a:lumOff val="80000"/>
+            </a:schemeClr>
+          </a:solidFill>
+          <a:ln>
+            <a:solidFill>
+              <a:srgbClr val="FF0000"/>
+            </a:solidFill>
+          </a:ln>
+        </p:spPr>
+        <p:style>
+          <a:lnRef idx="2">
+            <a:schemeClr val="accent1">
+              <a:shade val="50000"/>
+            </a:schemeClr>
+          </a:lnRef>
+          <a:fillRef idx="1">
+            <a:schemeClr val="accent1"/>
+          </a:fillRef>
+          <a:effectRef idx="0">
+            <a:schemeClr val="accent1"/>
+          </a:effectRef>
+          <a:fontRef idx="minor">
+            <a:schemeClr val="lt1"/>
+          </a:fontRef>
+        </p:style>
+        <p:txBody>
+          <a:bodyPr rtlCol="0" anchor="ctr"/>
+          <a:lstStyle/>
+          <a:p>
+            <a:r>
+              <a:rPr lang="en-GB" sz="1400" b="1" dirty="0" smtClean="0">
+                <a:solidFill>
+                  <a:schemeClr val="tx1"/>
+                </a:solidFill>
+              </a:rPr>
+              <a:t>The usual structure of a Jasmine test is a describe() with a sequence of it()s.</a:t>
+            </a:r>
+          </a:p>
+        </p:txBody>
+      </p:sp>
+      <p:sp>
+        <p:nvSpPr>
+          <p:cNvPr id="14" name="Rectangle 13"/>
+          <p:cNvSpPr/>
+          <p:nvPr/>
+        </p:nvSpPr>
+        <p:spPr>
+          <a:xfrm>
+            <a:off x="634999" y="2443298"/>
+            <a:ext cx="4131733" cy="1114922"/>
+          </a:xfrm>
+          <a:prstGeom prst="rect">
+            <a:avLst/>
+          </a:prstGeom>
+          <a:noFill/>
+          <a:ln>
+            <a:solidFill>
+              <a:srgbClr val="FF0000"/>
+            </a:solidFill>
+          </a:ln>
+        </p:spPr>
+        <p:style>
+          <a:lnRef idx="2">
+            <a:schemeClr val="accent1">
+              <a:shade val="50000"/>
+            </a:schemeClr>
+          </a:lnRef>
+          <a:fillRef idx="1">
+            <a:schemeClr val="accent1"/>
+          </a:fillRef>
+          <a:effectRef idx="0">
+            <a:schemeClr val="accent1"/>
+          </a:effectRef>
+          <a:fontRef idx="minor">
+            <a:schemeClr val="lt1"/>
+          </a:fontRef>
+        </p:style>
+        <p:txBody>
+          <a:bodyPr rtlCol="0" anchor="ctr"/>
+          <a:lstStyle/>
+          <a:p>
+            <a:endParaRPr lang="en-GB" sz="1200" b="1">
+              <a:solidFill>
+                <a:schemeClr val="tx1"/>
+              </a:solidFill>
+            </a:endParaRPr>
+          </a:p>
+        </p:txBody>
+      </p:sp>
+      <p:sp>
+        <p:nvSpPr>
+          <p:cNvPr id="17" name="Rectangle 16"/>
+          <p:cNvSpPr/>
+          <p:nvPr/>
+        </p:nvSpPr>
+        <p:spPr>
+          <a:xfrm>
+            <a:off x="634998" y="3879675"/>
+            <a:ext cx="4131733" cy="980480"/>
+          </a:xfrm>
+          <a:prstGeom prst="rect">
+            <a:avLst/>
+          </a:prstGeom>
+          <a:noFill/>
+          <a:ln>
+            <a:solidFill>
+              <a:srgbClr val="FF0000"/>
+            </a:solidFill>
+          </a:ln>
+        </p:spPr>
+        <p:style>
+          <a:lnRef idx="2">
+            <a:schemeClr val="accent1">
+              <a:shade val="50000"/>
+            </a:schemeClr>
+          </a:lnRef>
+          <a:fillRef idx="1">
+            <a:schemeClr val="accent1"/>
+          </a:fillRef>
+          <a:effectRef idx="0">
+            <a:schemeClr val="accent1"/>
+          </a:effectRef>
+          <a:fontRef idx="minor">
+            <a:schemeClr val="lt1"/>
+          </a:fontRef>
+        </p:style>
+        <p:txBody>
+          <a:bodyPr rtlCol="0" anchor="ctr"/>
+          <a:lstStyle/>
+          <a:p>
+            <a:endParaRPr lang="en-GB" sz="1200" b="1">
+              <a:solidFill>
+                <a:schemeClr val="tx1"/>
+              </a:solidFill>
+            </a:endParaRPr>
+          </a:p>
+        </p:txBody>
+      </p:sp>
+      <p:sp>
+        <p:nvSpPr>
+          <p:cNvPr id="18" name="Rectangle 17"/>
+          <p:cNvSpPr/>
+          <p:nvPr/>
+        </p:nvSpPr>
+        <p:spPr>
+          <a:xfrm>
+            <a:off x="6417732" y="4867651"/>
+            <a:ext cx="4131733" cy="745749"/>
+          </a:xfrm>
+          <a:prstGeom prst="rect">
+            <a:avLst/>
+          </a:prstGeom>
+          <a:noFill/>
+          <a:ln>
+            <a:solidFill>
+              <a:srgbClr val="FF0000"/>
+            </a:solidFill>
+          </a:ln>
+        </p:spPr>
+        <p:style>
+          <a:lnRef idx="2">
+            <a:schemeClr val="accent1">
+              <a:shade val="50000"/>
+            </a:schemeClr>
+          </a:lnRef>
+          <a:fillRef idx="1">
+            <a:schemeClr val="accent1"/>
+          </a:fillRef>
+          <a:effectRef idx="0">
+            <a:schemeClr val="accent1"/>
+          </a:effectRef>
+          <a:fontRef idx="minor">
+            <a:schemeClr val="lt1"/>
+          </a:fontRef>
+        </p:style>
+        <p:txBody>
+          <a:bodyPr rtlCol="0" anchor="ctr"/>
+          <a:lstStyle/>
+          <a:p>
+            <a:endParaRPr lang="en-GB" sz="1200" b="1">
+              <a:solidFill>
+                <a:schemeClr val="tx1"/>
+              </a:solidFill>
+            </a:endParaRPr>
+          </a:p>
+        </p:txBody>
+      </p:sp>
+      <p:sp>
+        <p:nvSpPr>
+          <p:cNvPr id="19" name="Rectangle 18"/>
+          <p:cNvSpPr/>
+          <p:nvPr/>
+        </p:nvSpPr>
+        <p:spPr>
+          <a:xfrm>
+            <a:off x="6417732" y="3398125"/>
+            <a:ext cx="4131733" cy="1114922"/>
+          </a:xfrm>
+          <a:prstGeom prst="rect">
+            <a:avLst/>
+          </a:prstGeom>
+          <a:noFill/>
+          <a:ln>
+            <a:solidFill>
+              <a:srgbClr val="FF0000"/>
+            </a:solidFill>
+          </a:ln>
+        </p:spPr>
+        <p:style>
+          <a:lnRef idx="2">
+            <a:schemeClr val="accent1">
+              <a:shade val="50000"/>
+            </a:schemeClr>
+          </a:lnRef>
+          <a:fillRef idx="1">
+            <a:schemeClr val="accent1"/>
+          </a:fillRef>
+          <a:effectRef idx="0">
+            <a:schemeClr val="accent1"/>
+          </a:effectRef>
+          <a:fontRef idx="minor">
+            <a:schemeClr val="lt1"/>
+          </a:fontRef>
+        </p:style>
+        <p:txBody>
+          <a:bodyPr rtlCol="0" anchor="ctr"/>
+          <a:lstStyle/>
+          <a:p>
+            <a:endParaRPr lang="en-GB" sz="1200" b="1">
+              <a:solidFill>
+                <a:schemeClr val="tx1"/>
+              </a:solidFill>
+            </a:endParaRPr>
+          </a:p>
+        </p:txBody>
+      </p:sp>
+      <p:sp>
+        <p:nvSpPr>
+          <p:cNvPr id="20" name="Rectangle 19"/>
+          <p:cNvSpPr/>
+          <p:nvPr/>
+        </p:nvSpPr>
+        <p:spPr>
+          <a:xfrm>
+            <a:off x="6417733" y="1972733"/>
+            <a:ext cx="4131733" cy="1008872"/>
+          </a:xfrm>
+          <a:prstGeom prst="rect">
+            <a:avLst/>
+          </a:prstGeom>
+          <a:noFill/>
+          <a:ln>
+            <a:solidFill>
+              <a:srgbClr val="FF0000"/>
+            </a:solidFill>
+          </a:ln>
+        </p:spPr>
+        <p:style>
+          <a:lnRef idx="2">
+            <a:schemeClr val="accent1">
+              <a:shade val="50000"/>
+            </a:schemeClr>
+          </a:lnRef>
+          <a:fillRef idx="1">
+            <a:schemeClr val="accent1"/>
+          </a:fillRef>
+          <a:effectRef idx="0">
+            <a:schemeClr val="accent1"/>
+          </a:effectRef>
+          <a:fontRef idx="minor">
+            <a:schemeClr val="lt1"/>
+          </a:fontRef>
+        </p:style>
+        <p:txBody>
+          <a:bodyPr rtlCol="0" anchor="ctr"/>
+          <a:lstStyle/>
+          <a:p>
+            <a:endParaRPr lang="en-GB" sz="1200" b="1">
+              <a:solidFill>
+                <a:schemeClr val="tx1"/>
+              </a:solidFill>
+            </a:endParaRPr>
+          </a:p>
+        </p:txBody>
+      </p:sp>
+      <p:sp>
+        <p:nvSpPr>
+          <p:cNvPr id="22" name="Rectangle 21"/>
+          <p:cNvSpPr/>
+          <p:nvPr/>
+        </p:nvSpPr>
+        <p:spPr>
+          <a:xfrm>
+            <a:off x="301827" y="252441"/>
+            <a:ext cx="2136573" cy="884733"/>
+          </a:xfrm>
+          <a:prstGeom prst="rect">
+            <a:avLst/>
+          </a:prstGeom>
+          <a:solidFill>
+            <a:schemeClr val="accent4">
+              <a:lumMod val="20000"/>
+              <a:lumOff val="80000"/>
+            </a:schemeClr>
+          </a:solidFill>
+          <a:ln>
+            <a:solidFill>
+              <a:srgbClr val="FF0000"/>
+            </a:solidFill>
+          </a:ln>
+        </p:spPr>
+        <p:style>
+          <a:lnRef idx="2">
+            <a:schemeClr val="accent1">
+              <a:shade val="50000"/>
+            </a:schemeClr>
+          </a:lnRef>
+          <a:fillRef idx="1">
+            <a:schemeClr val="accent1"/>
+          </a:fillRef>
+          <a:effectRef idx="0">
+            <a:schemeClr val="accent1"/>
+          </a:effectRef>
+          <a:fontRef idx="minor">
+            <a:schemeClr val="lt1"/>
+          </a:fontRef>
+        </p:style>
+        <p:txBody>
+          <a:bodyPr rtlCol="0" anchor="ctr"/>
+          <a:lstStyle/>
+          <a:p>
+            <a:r>
+              <a:rPr lang="en-GB" sz="2400" b="1" dirty="0" smtClean="0">
+                <a:solidFill>
+                  <a:schemeClr val="tx1"/>
+                </a:solidFill>
+              </a:rPr>
+              <a:t>A developer’s view of a test</a:t>
+            </a:r>
+          </a:p>
+        </p:txBody>
+      </p:sp>
+    </p:spTree>
+    <p:extLst>
+      <p:ext uri="{BB962C8B-B14F-4D97-AF65-F5344CB8AC3E}">
+        <p14:creationId xmlns:p14="http://schemas.microsoft.com/office/powerpoint/2010/main" val="356965625"/>
+      </p:ext>
+    </p:extLst>
+  </p:cSld>
+  <p:clrMapOvr>
+    <a:masterClrMapping/>
+  </p:clrMapOvr>
+  <p:timing>
+    <p:tnLst>
+      <p:par>
+        <p:cTn id="1" dur="indefinite" restart="never" nodeType="tmRoot"/>
+      </p:par>
+    </p:tnLst>
+  </p:timing>
+</p:sld>
+</file>
+
+<file path=ppt/slides/slide11.xml><?xml version="1.0" encoding="utf-8"?>
+<p:sld xmlns:a="http://schemas.openxmlformats.org/drawingml/2006/main" xmlns:r="http://schemas.openxmlformats.org/officeDocument/2006/relationships" xmlns:p="http://schemas.openxmlformats.org/presentationml/2006/main">
+  <p:cSld>
+    <p:spTree>
+      <p:nvGrpSpPr>
+        <p:cNvPr id="1" name=""/>
+        <p:cNvGrpSpPr/>
+        <p:nvPr/>
+      </p:nvGrpSpPr>
+      <p:grpSpPr>
+        <a:xfrm>
+          <a:off x="0" y="0"/>
+          <a:ext cx="0" cy="0"/>
+          <a:chOff x="0" y="0"/>
+          <a:chExt cx="0" cy="0"/>
+        </a:xfrm>
+      </p:grpSpPr>
+      <p:sp>
+        <p:nvSpPr>
+          <p:cNvPr id="2" name="Title 1"/>
+          <p:cNvSpPr>
+            <a:spLocks noGrp="1"/>
+          </p:cNvSpPr>
+          <p:nvPr>
+            <p:ph type="title"/>
+          </p:nvPr>
+        </p:nvSpPr>
+        <p:spPr/>
+        <p:txBody>
+          <a:bodyPr>
+            <a:normAutofit fontScale="90000"/>
+          </a:bodyPr>
+          <a:lstStyle/>
+          <a:p>
+            <a:r>
+              <a:rPr lang="en-GB" dirty="0" err="1" smtClean="0"/>
+              <a:t>Pasilla</a:t>
+            </a:r>
+            <a:r>
+              <a:rPr lang="en-GB" dirty="0"/>
+              <a:t/>
+            </a:r>
+            <a:br>
+              <a:rPr lang="en-GB" dirty="0"/>
+            </a:br>
+            <a:r>
+              <a:rPr lang="en-GB" sz="2700" dirty="0" smtClean="0"/>
+              <a:t>A Test </a:t>
+            </a:r>
+            <a:r>
+              <a:rPr lang="en-GB" sz="2700" dirty="0"/>
+              <a:t>Framework for Protractor</a:t>
+            </a:r>
+          </a:p>
+        </p:txBody>
+      </p:sp>
+      <p:sp>
+        <p:nvSpPr>
           <p:cNvPr id="22" name="Rectangle 21"/>
           <p:cNvSpPr/>
           <p:nvPr/>
@@ -20268,7 +17657,7 @@
 </p:sld>
 </file>
 
-<file path=ppt/slides/slide11.xml><?xml version="1.0" encoding="utf-8"?>
+<file path=ppt/slides/slide12.xml><?xml version="1.0" encoding="utf-8"?>
 <p:sld xmlns:a="http://schemas.openxmlformats.org/drawingml/2006/main" xmlns:r="http://schemas.openxmlformats.org/officeDocument/2006/relationships" xmlns:p="http://schemas.openxmlformats.org/presentationml/2006/main">
   <p:cSld>
     <p:spTree>
@@ -20481,7 +17870,7 @@
 </p:sld>
 </file>
 
-<file path=ppt/slides/slide12.xml><?xml version="1.0" encoding="utf-8"?>
+<file path=ppt/slides/slide13.xml><?xml version="1.0" encoding="utf-8"?>
 <p:sld xmlns:a="http://schemas.openxmlformats.org/drawingml/2006/main" xmlns:r="http://schemas.openxmlformats.org/officeDocument/2006/relationships" xmlns:p="http://schemas.openxmlformats.org/presentationml/2006/main">
   <p:cSld>
     <p:spTree>
@@ -21939,7 +19328,7 @@
 </p:sld>
 </file>
 
-<file path=ppt/slides/slide13.xml><?xml version="1.0" encoding="utf-8"?>
+<file path=ppt/slides/slide14.xml><?xml version="1.0" encoding="utf-8"?>
 <p:sld xmlns:a="http://schemas.openxmlformats.org/drawingml/2006/main" xmlns:r="http://schemas.openxmlformats.org/officeDocument/2006/relationships" xmlns:p="http://schemas.openxmlformats.org/presentationml/2006/main">
   <p:cSld>
     <p:spTree>
@@ -23396,7 +20785,7 @@
 </p:sld>
 </file>
 
-<file path=ppt/slides/slide14.xml><?xml version="1.0" encoding="utf-8"?>
+<file path=ppt/slides/slide15.xml><?xml version="1.0" encoding="utf-8"?>
 <p:sld xmlns:a="http://schemas.openxmlformats.org/drawingml/2006/main" xmlns:r="http://schemas.openxmlformats.org/officeDocument/2006/relationships" xmlns:p="http://schemas.openxmlformats.org/presentationml/2006/main">
   <p:cSld>
     <p:spTree>
@@ -24157,7 +21546,7 @@
 </p:sld>
 </file>
 
-<file path=ppt/slides/slide15.xml><?xml version="1.0" encoding="utf-8"?>
+<file path=ppt/slides/slide16.xml><?xml version="1.0" encoding="utf-8"?>
 <p:sld xmlns:a="http://schemas.openxmlformats.org/drawingml/2006/main" xmlns:r="http://schemas.openxmlformats.org/officeDocument/2006/relationships" xmlns:p="http://schemas.openxmlformats.org/presentationml/2006/main">
   <p:cSld>
     <p:spTree>
@@ -24934,7 +22323,7 @@
 </p:sld>
 </file>
 
-<file path=ppt/slides/slide16.xml><?xml version="1.0" encoding="utf-8"?>
+<file path=ppt/slides/slide17.xml><?xml version="1.0" encoding="utf-8"?>
 <p:sld xmlns:a="http://schemas.openxmlformats.org/drawingml/2006/main" xmlns:r="http://schemas.openxmlformats.org/officeDocument/2006/relationships" xmlns:p="http://schemas.openxmlformats.org/presentationml/2006/main">
   <p:cSld>
     <p:spTree>
@@ -26515,7 +23904,7 @@
 </p:sld>
 </file>
 
-<file path=ppt/slides/slide17.xml><?xml version="1.0" encoding="utf-8"?>
+<file path=ppt/slides/slide18.xml><?xml version="1.0" encoding="utf-8"?>
 <p:sld xmlns:a="http://schemas.openxmlformats.org/drawingml/2006/main" xmlns:r="http://schemas.openxmlformats.org/officeDocument/2006/relationships" xmlns:p="http://schemas.openxmlformats.org/presentationml/2006/main">
   <p:cSld>
     <p:spTree>
@@ -32619,20 +30008,18 @@
         <p:nvCxnSpPr>
           <p:cNvPr id="81" name="Elbow Connector 80"/>
           <p:cNvCxnSpPr>
-            <a:stCxn id="44" idx="2"/>
-            <a:endCxn id="7" idx="0"/>
+            <a:stCxn id="22" idx="2"/>
+            <a:endCxn id="7" idx="2"/>
           </p:cNvCxnSpPr>
           <p:nvPr/>
         </p:nvCxnSpPr>
         <p:spPr>
           <a:xfrm rot="16200000" flipH="1">
-            <a:off x="4060262" y="2497463"/>
-            <a:ext cx="1179086" cy="1"/>
+            <a:off x="2816789" y="2653044"/>
+            <a:ext cx="1707681" cy="217431"/>
           </a:xfrm>
-          <a:prstGeom prst="bentConnector3">
-            <a:avLst>
-              <a:gd name="adj1" fmla="val 50000"/>
-            </a:avLst>
+          <a:prstGeom prst="bentConnector2">
+            <a:avLst/>
           </a:prstGeom>
           <a:ln>
             <a:solidFill>
@@ -32664,124 +30051,8 @@
         </p:nvSpPr>
         <p:spPr>
           <a:xfrm>
-            <a:off x="5131310" y="2200331"/>
+            <a:off x="5027682" y="2200330"/>
             <a:ext cx="1366168" cy="684155"/>
-          </a:xfrm>
-          <a:prstGeom prst="flowChartDocument">
-            <a:avLst/>
-          </a:prstGeom>
-          <a:solidFill>
-            <a:schemeClr val="accent6">
-              <a:lumMod val="40000"/>
-              <a:lumOff val="60000"/>
-            </a:schemeClr>
-          </a:solidFill>
-          <a:ln>
-            <a:solidFill>
-              <a:schemeClr val="tx1"/>
-            </a:solidFill>
-          </a:ln>
-        </p:spPr>
-        <p:style>
-          <a:lnRef idx="2">
-            <a:schemeClr val="accent1">
-              <a:shade val="50000"/>
-            </a:schemeClr>
-          </a:lnRef>
-          <a:fillRef idx="1">
-            <a:schemeClr val="accent1"/>
-          </a:fillRef>
-          <a:effectRef idx="0">
-            <a:schemeClr val="accent1"/>
-          </a:effectRef>
-          <a:fontRef idx="minor">
-            <a:schemeClr val="lt1"/>
-          </a:fontRef>
-        </p:style>
-        <p:txBody>
-          <a:bodyPr rtlCol="0" anchor="ctr"/>
-          <a:lstStyle/>
-          <a:p>
-            <a:pPr algn="ctr"/>
-            <a:r>
-              <a:rPr lang="en-GB" sz="1400" b="1" dirty="0">
-                <a:solidFill>
-                  <a:schemeClr val="tx1"/>
-                </a:solidFill>
-              </a:rPr>
-              <a:t>myTest.pro.js</a:t>
-            </a:r>
-          </a:p>
-        </p:txBody>
-      </p:sp>
-      <p:sp>
-        <p:nvSpPr>
-          <p:cNvPr id="43" name="Flowchart: Document 42"/>
-          <p:cNvSpPr/>
-          <p:nvPr/>
-        </p:nvSpPr>
-        <p:spPr>
-          <a:xfrm>
-            <a:off x="6796869" y="2199329"/>
-            <a:ext cx="1366166" cy="684155"/>
-          </a:xfrm>
-          <a:prstGeom prst="flowChartDocument">
-            <a:avLst/>
-          </a:prstGeom>
-          <a:solidFill>
-            <a:schemeClr val="accent6">
-              <a:lumMod val="40000"/>
-              <a:lumOff val="60000"/>
-            </a:schemeClr>
-          </a:solidFill>
-          <a:ln>
-            <a:solidFill>
-              <a:schemeClr val="tx1"/>
-            </a:solidFill>
-          </a:ln>
-        </p:spPr>
-        <p:style>
-          <a:lnRef idx="2">
-            <a:schemeClr val="accent1">
-              <a:shade val="50000"/>
-            </a:schemeClr>
-          </a:lnRef>
-          <a:fillRef idx="1">
-            <a:schemeClr val="accent1"/>
-          </a:fillRef>
-          <a:effectRef idx="0">
-            <a:schemeClr val="accent1"/>
-          </a:effectRef>
-          <a:fontRef idx="minor">
-            <a:schemeClr val="lt1"/>
-          </a:fontRef>
-        </p:style>
-        <p:txBody>
-          <a:bodyPr rtlCol="0" anchor="ctr"/>
-          <a:lstStyle/>
-          <a:p>
-            <a:pPr algn="ctr"/>
-            <a:r>
-              <a:rPr lang="en-GB" sz="1400" b="1" dirty="0">
-                <a:solidFill>
-                  <a:schemeClr val="tx1"/>
-                </a:solidFill>
-              </a:rPr>
-              <a:t>myTest.script.js</a:t>
-            </a:r>
-          </a:p>
-        </p:txBody>
-      </p:sp>
-      <p:sp>
-        <p:nvSpPr>
-          <p:cNvPr id="44" name="Flowchart: Document 43"/>
-          <p:cNvSpPr/>
-          <p:nvPr/>
-        </p:nvSpPr>
-        <p:spPr>
-          <a:xfrm>
-            <a:off x="3779343" y="1268996"/>
-            <a:ext cx="1740923" cy="684155"/>
           </a:xfrm>
           <a:prstGeom prst="flowChartDocument">
             <a:avLst/>
@@ -32830,88 +30101,8 @@
                   <a:schemeClr val="tx1"/>
                 </a:solidFill>
               </a:rPr>
-              <a:t>protractorConfig.js</a:t>
-            </a:r>
-          </a:p>
-        </p:txBody>
-      </p:sp>
-      <p:sp>
-        <p:nvSpPr>
-          <p:cNvPr id="47" name="Flowchart: Document 46"/>
-          <p:cNvSpPr/>
-          <p:nvPr/>
-        </p:nvSpPr>
-        <p:spPr>
-          <a:xfrm>
-            <a:off x="7059328" y="1268996"/>
-            <a:ext cx="1366168" cy="684155"/>
-          </a:xfrm>
-          <a:prstGeom prst="flowChartDocument">
-            <a:avLst/>
-          </a:prstGeom>
-          <a:solidFill>
-            <a:schemeClr val="accent1">
-              <a:lumMod val="40000"/>
-              <a:lumOff val="60000"/>
-            </a:schemeClr>
-          </a:solidFill>
-          <a:ln>
-            <a:solidFill>
-              <a:schemeClr val="tx1"/>
-            </a:solidFill>
-          </a:ln>
-        </p:spPr>
-        <p:style>
-          <a:lnRef idx="2">
-            <a:schemeClr val="accent1">
-              <a:shade val="50000"/>
-            </a:schemeClr>
-          </a:lnRef>
-          <a:fillRef idx="1">
-            <a:schemeClr val="accent1"/>
-          </a:fillRef>
-          <a:effectRef idx="0">
-            <a:schemeClr val="accent1"/>
-          </a:effectRef>
-          <a:fontRef idx="minor">
-            <a:schemeClr val="lt1"/>
-          </a:fontRef>
-        </p:style>
-        <p:txBody>
-          <a:bodyPr rtlCol="0" anchor="ctr"/>
-          <a:lstStyle/>
-          <a:p>
-            <a:pPr algn="ctr"/>
-            <a:r>
-              <a:rPr lang="en-GB" sz="1400" b="1" dirty="0" smtClean="0">
-                <a:solidFill>
-                  <a:schemeClr val="bg2">
-                    <a:lumMod val="50000"/>
-                  </a:schemeClr>
-                </a:solidFill>
-              </a:rPr>
-              <a:t>myTest.data.js</a:t>
-            </a:r>
-          </a:p>
-          <a:p>
-            <a:pPr algn="ctr"/>
-            <a:r>
-              <a:rPr lang="en-GB" sz="1400" b="1" dirty="0" smtClean="0">
-                <a:solidFill>
-                  <a:schemeClr val="bg2">
-                    <a:lumMod val="50000"/>
-                  </a:schemeClr>
-                </a:solidFill>
-              </a:rPr>
-              <a:t>(optional)</a:t>
-            </a:r>
-            <a:endParaRPr lang="en-GB" sz="1400" b="1" dirty="0">
-              <a:solidFill>
-                <a:schemeClr val="bg2">
-                  <a:lumMod val="50000"/>
-                </a:schemeClr>
-              </a:solidFill>
-            </a:endParaRPr>
+              <a:t>myTest.pro.js</a:t>
+            </a:r>
           </a:p>
         </p:txBody>
       </p:sp>
@@ -32989,8 +30180,8 @@
         </p:nvCxnSpPr>
         <p:spPr>
           <a:xfrm rot="5400000">
-            <a:off x="5279159" y="3080365"/>
-            <a:ext cx="776345" cy="294127"/>
+            <a:off x="5227344" y="3132179"/>
+            <a:ext cx="776346" cy="190499"/>
           </a:xfrm>
           <a:prstGeom prst="bentConnector2">
             <a:avLst/>
@@ -32999,89 +30190,6 @@
             <a:solidFill>
               <a:schemeClr val="tx1"/>
             </a:solidFill>
-            <a:tailEnd type="triangle"/>
-          </a:ln>
-        </p:spPr>
-        <p:style>
-          <a:lnRef idx="1">
-            <a:schemeClr val="accent1"/>
-          </a:lnRef>
-          <a:fillRef idx="0">
-            <a:schemeClr val="accent1"/>
-          </a:fillRef>
-          <a:effectRef idx="0">
-            <a:schemeClr val="accent1"/>
-          </a:effectRef>
-          <a:fontRef idx="minor">
-            <a:schemeClr val="tx1"/>
-          </a:fontRef>
-        </p:style>
-      </p:cxnSp>
-      <p:cxnSp>
-        <p:nvCxnSpPr>
-          <p:cNvPr id="31" name="Straight Arrow Connector 30"/>
-          <p:cNvCxnSpPr>
-            <a:stCxn id="43" idx="1"/>
-            <a:endCxn id="4" idx="3"/>
-          </p:cNvCxnSpPr>
-          <p:nvPr/>
-        </p:nvCxnSpPr>
-        <p:spPr>
-          <a:xfrm rot="10800000" flipV="1">
-            <a:off x="6497479" y="2541407"/>
-            <a:ext cx="299391" cy="1002"/>
-          </a:xfrm>
-          <a:prstGeom prst="bentConnector3">
-            <a:avLst>
-              <a:gd name="adj1" fmla="val 50000"/>
-            </a:avLst>
-          </a:prstGeom>
-          <a:ln>
-            <a:solidFill>
-              <a:schemeClr val="tx1"/>
-            </a:solidFill>
-            <a:tailEnd type="triangle"/>
-          </a:ln>
-        </p:spPr>
-        <p:style>
-          <a:lnRef idx="1">
-            <a:schemeClr val="accent1"/>
-          </a:lnRef>
-          <a:fillRef idx="0">
-            <a:schemeClr val="accent1"/>
-          </a:fillRef>
-          <a:effectRef idx="0">
-            <a:schemeClr val="accent1"/>
-          </a:effectRef>
-          <a:fontRef idx="minor">
-            <a:schemeClr val="tx1"/>
-          </a:fontRef>
-        </p:style>
-      </p:cxnSp>
-      <p:cxnSp>
-        <p:nvCxnSpPr>
-          <p:cNvPr id="64" name="Straight Arrow Connector 63"/>
-          <p:cNvCxnSpPr>
-            <a:stCxn id="47" idx="2"/>
-            <a:endCxn id="43" idx="0"/>
-          </p:cNvCxnSpPr>
-          <p:nvPr/>
-        </p:nvCxnSpPr>
-        <p:spPr>
-          <a:xfrm rot="5400000">
-            <a:off x="7465478" y="1922395"/>
-            <a:ext cx="291408" cy="262460"/>
-          </a:xfrm>
-          <a:prstGeom prst="bentConnector3">
-            <a:avLst>
-              <a:gd name="adj1" fmla="val 50000"/>
-            </a:avLst>
-          </a:prstGeom>
-          <a:ln>
-            <a:solidFill>
-              <a:schemeClr val="tx1"/>
-            </a:solidFill>
-            <a:prstDash val="sysDot"/>
             <a:tailEnd type="triangle"/>
           </a:ln>
         </p:spPr>
@@ -33116,7 +30224,7 @@
         </p:blipFill>
         <p:spPr>
           <a:xfrm>
-            <a:off x="6018249" y="4592375"/>
+            <a:off x="6018249" y="4428260"/>
             <a:ext cx="2407247" cy="1408629"/>
           </a:xfrm>
           <a:prstGeom prst="rect">
@@ -33140,7 +30248,7 @@
         </p:blipFill>
         <p:spPr>
           <a:xfrm>
-            <a:off x="6018249" y="3118080"/>
+            <a:off x="6018249" y="2953965"/>
             <a:ext cx="2407247" cy="1344076"/>
           </a:xfrm>
           <a:prstGeom prst="rect">
@@ -33211,6 +30319,117 @@
           </a:p>
         </p:txBody>
       </p:sp>
+      <p:sp>
+        <p:nvSpPr>
+          <p:cNvPr id="3" name="Right Arrow 2"/>
+          <p:cNvSpPr/>
+          <p:nvPr/>
+        </p:nvSpPr>
+        <p:spPr>
+          <a:xfrm>
+            <a:off x="5520266" y="3895980"/>
+            <a:ext cx="381001" cy="417815"/>
+          </a:xfrm>
+          <a:prstGeom prst="rightArrow">
+            <a:avLst/>
+          </a:prstGeom>
+          <a:solidFill>
+            <a:schemeClr val="tx1"/>
+          </a:solidFill>
+          <a:ln>
+            <a:solidFill>
+              <a:schemeClr val="tx1"/>
+            </a:solidFill>
+          </a:ln>
+        </p:spPr>
+        <p:style>
+          <a:lnRef idx="2">
+            <a:schemeClr val="accent1">
+              <a:shade val="50000"/>
+            </a:schemeClr>
+          </a:lnRef>
+          <a:fillRef idx="1">
+            <a:schemeClr val="accent1"/>
+          </a:fillRef>
+          <a:effectRef idx="0">
+            <a:schemeClr val="accent1"/>
+          </a:effectRef>
+          <a:fontRef idx="minor">
+            <a:schemeClr val="lt1"/>
+          </a:fontRef>
+        </p:style>
+        <p:txBody>
+          <a:bodyPr rtlCol="0" anchor="ctr"/>
+          <a:lstStyle/>
+          <a:p>
+            <a:pPr algn="ctr"/>
+            <a:endParaRPr lang="en-GB"/>
+          </a:p>
+        </p:txBody>
+      </p:sp>
+      <p:sp>
+        <p:nvSpPr>
+          <p:cNvPr id="22" name="Flowchart: Document 21"/>
+          <p:cNvSpPr/>
+          <p:nvPr/>
+        </p:nvSpPr>
+        <p:spPr>
+          <a:xfrm>
+            <a:off x="2691452" y="1268995"/>
+            <a:ext cx="1740923" cy="684155"/>
+          </a:xfrm>
+          <a:prstGeom prst="flowChartDocument">
+            <a:avLst/>
+          </a:prstGeom>
+          <a:solidFill>
+            <a:schemeClr val="accent2">
+              <a:lumMod val="20000"/>
+              <a:lumOff val="80000"/>
+            </a:schemeClr>
+          </a:solidFill>
+          <a:ln>
+            <a:solidFill>
+              <a:schemeClr val="tx1"/>
+            </a:solidFill>
+          </a:ln>
+        </p:spPr>
+        <p:style>
+          <a:lnRef idx="2">
+            <a:schemeClr val="accent1">
+              <a:shade val="50000"/>
+            </a:schemeClr>
+          </a:lnRef>
+          <a:fillRef idx="1">
+            <a:schemeClr val="accent1"/>
+          </a:fillRef>
+          <a:effectRef idx="0">
+            <a:schemeClr val="accent1"/>
+          </a:effectRef>
+          <a:fontRef idx="minor">
+            <a:schemeClr val="lt1"/>
+          </a:fontRef>
+        </p:style>
+        <p:txBody>
+          <a:bodyPr rot="0" spcFirstLastPara="0" vertOverflow="overflow" horzOverflow="overflow" vert="horz" wrap="square" lIns="91440" tIns="45720" rIns="91440" bIns="45720" numCol="1" spcCol="0" rtlCol="0" fromWordArt="0" anchor="ctr" anchorCtr="0" forceAA="0" compatLnSpc="1">
+            <a:prstTxWarp prst="textNoShape">
+              <a:avLst/>
+            </a:prstTxWarp>
+            <a:noAutofit/>
+          </a:bodyPr>
+          <a:lstStyle/>
+          <a:p>
+            <a:pPr algn="ctr"/>
+            <a:r>
+              <a:rPr lang="en-GB" sz="1400" b="1" dirty="0">
+                <a:solidFill>
+                  <a:schemeClr val="tx1"/>
+                </a:solidFill>
+              </a:rPr>
+              <a:t>protractorConfig.js</a:t>
+            </a:r>
+          </a:p>
+        </p:txBody>
+      </p:sp>
     </p:spTree>
     <p:extLst>
       <p:ext uri="{BB962C8B-B14F-4D97-AF65-F5344CB8AC3E}">
@@ -33232,6 +30451,854 @@
 </file>
 
 <file path=ppt/slides/slide8.xml><?xml version="1.0" encoding="utf-8"?>
+<p:sld xmlns:a="http://schemas.openxmlformats.org/drawingml/2006/main" xmlns:r="http://schemas.openxmlformats.org/officeDocument/2006/relationships" xmlns:p="http://schemas.openxmlformats.org/presentationml/2006/main">
+  <p:cSld>
+    <p:spTree>
+      <p:nvGrpSpPr>
+        <p:cNvPr id="1" name=""/>
+        <p:cNvGrpSpPr/>
+        <p:nvPr/>
+      </p:nvGrpSpPr>
+      <p:grpSpPr>
+        <a:xfrm>
+          <a:off x="0" y="0"/>
+          <a:ext cx="0" cy="0"/>
+          <a:chOff x="0" y="0"/>
+          <a:chExt cx="0" cy="0"/>
+        </a:xfrm>
+      </p:grpSpPr>
+      <p:sp>
+        <p:nvSpPr>
+          <p:cNvPr id="2" name="Title 1"/>
+          <p:cNvSpPr>
+            <a:spLocks noGrp="1"/>
+          </p:cNvSpPr>
+          <p:nvPr>
+            <p:ph type="title"/>
+          </p:nvPr>
+        </p:nvSpPr>
+        <p:spPr>
+          <a:xfrm>
+            <a:off x="656337" y="-21028"/>
+            <a:ext cx="10515600" cy="918173"/>
+          </a:xfrm>
+        </p:spPr>
+        <p:txBody>
+          <a:bodyPr>
+            <a:normAutofit fontScale="90000"/>
+          </a:bodyPr>
+          <a:lstStyle/>
+          <a:p>
+            <a:r>
+              <a:rPr lang="en-GB" dirty="0" err="1" smtClean="0"/>
+              <a:t>Pasilla</a:t>
+            </a:r>
+            <a:r>
+              <a:rPr lang="en-GB" dirty="0"/>
+              <a:t/>
+            </a:r>
+            <a:br>
+              <a:rPr lang="en-GB" dirty="0"/>
+            </a:br>
+            <a:r>
+              <a:rPr lang="en-GB" sz="2700" dirty="0" smtClean="0"/>
+              <a:t>A Test </a:t>
+            </a:r>
+            <a:r>
+              <a:rPr lang="en-GB" sz="2700" dirty="0"/>
+              <a:t>Framework for Protractor</a:t>
+            </a:r>
+          </a:p>
+        </p:txBody>
+      </p:sp>
+      <p:cxnSp>
+        <p:nvCxnSpPr>
+          <p:cNvPr id="81" name="Elbow Connector 80"/>
+          <p:cNvCxnSpPr>
+            <a:stCxn id="44" idx="2"/>
+            <a:endCxn id="7" idx="2"/>
+          </p:cNvCxnSpPr>
+          <p:nvPr/>
+        </p:nvCxnSpPr>
+        <p:spPr>
+          <a:xfrm rot="16200000" flipH="1">
+            <a:off x="2816789" y="2653044"/>
+            <a:ext cx="1707681" cy="217431"/>
+          </a:xfrm>
+          <a:prstGeom prst="bentConnector2">
+            <a:avLst/>
+          </a:prstGeom>
+          <a:ln>
+            <a:solidFill>
+              <a:schemeClr val="bg1">
+                <a:lumMod val="75000"/>
+              </a:schemeClr>
+            </a:solidFill>
+            <a:tailEnd type="triangle"/>
+          </a:ln>
+        </p:spPr>
+        <p:style>
+          <a:lnRef idx="1">
+            <a:schemeClr val="accent1"/>
+          </a:lnRef>
+          <a:fillRef idx="0">
+            <a:schemeClr val="accent1"/>
+          </a:fillRef>
+          <a:effectRef idx="0">
+            <a:schemeClr val="accent1"/>
+          </a:effectRef>
+          <a:fontRef idx="minor">
+            <a:schemeClr val="tx1"/>
+          </a:fontRef>
+        </p:style>
+      </p:cxnSp>
+      <p:sp>
+        <p:nvSpPr>
+          <p:cNvPr id="4" name="Flowchart: Document 3"/>
+          <p:cNvSpPr/>
+          <p:nvPr/>
+        </p:nvSpPr>
+        <p:spPr>
+          <a:xfrm>
+            <a:off x="5029706" y="2200331"/>
+            <a:ext cx="1366168" cy="684155"/>
+          </a:xfrm>
+          <a:prstGeom prst="flowChartDocument">
+            <a:avLst/>
+          </a:prstGeom>
+          <a:solidFill>
+            <a:schemeClr val="accent1">
+              <a:lumMod val="40000"/>
+              <a:lumOff val="60000"/>
+            </a:schemeClr>
+          </a:solidFill>
+          <a:ln>
+            <a:solidFill>
+              <a:schemeClr val="tx1"/>
+            </a:solidFill>
+          </a:ln>
+        </p:spPr>
+        <p:style>
+          <a:lnRef idx="2">
+            <a:schemeClr val="accent1">
+              <a:shade val="50000"/>
+            </a:schemeClr>
+          </a:lnRef>
+          <a:fillRef idx="1">
+            <a:schemeClr val="accent1"/>
+          </a:fillRef>
+          <a:effectRef idx="0">
+            <a:schemeClr val="accent1"/>
+          </a:effectRef>
+          <a:fontRef idx="minor">
+            <a:schemeClr val="lt1"/>
+          </a:fontRef>
+        </p:style>
+        <p:txBody>
+          <a:bodyPr rtlCol="0" anchor="ctr"/>
+          <a:lstStyle/>
+          <a:p>
+            <a:pPr algn="ctr"/>
+            <a:r>
+              <a:rPr lang="en-GB" sz="1400" b="1" dirty="0">
+                <a:solidFill>
+                  <a:schemeClr val="tx1"/>
+                </a:solidFill>
+              </a:rPr>
+              <a:t>myTest.pro.js</a:t>
+            </a:r>
+          </a:p>
+        </p:txBody>
+      </p:sp>
+      <p:sp>
+        <p:nvSpPr>
+          <p:cNvPr id="43" name="Flowchart: Document 42"/>
+          <p:cNvSpPr/>
+          <p:nvPr/>
+        </p:nvSpPr>
+        <p:spPr>
+          <a:xfrm>
+            <a:off x="6695265" y="2199329"/>
+            <a:ext cx="1366166" cy="684155"/>
+          </a:xfrm>
+          <a:prstGeom prst="flowChartDocument">
+            <a:avLst/>
+          </a:prstGeom>
+          <a:solidFill>
+            <a:schemeClr val="accent1">
+              <a:lumMod val="40000"/>
+              <a:lumOff val="60000"/>
+            </a:schemeClr>
+          </a:solidFill>
+          <a:ln>
+            <a:solidFill>
+              <a:schemeClr val="tx1"/>
+            </a:solidFill>
+          </a:ln>
+        </p:spPr>
+        <p:style>
+          <a:lnRef idx="2">
+            <a:schemeClr val="accent1">
+              <a:shade val="50000"/>
+            </a:schemeClr>
+          </a:lnRef>
+          <a:fillRef idx="1">
+            <a:schemeClr val="accent1"/>
+          </a:fillRef>
+          <a:effectRef idx="0">
+            <a:schemeClr val="accent1"/>
+          </a:effectRef>
+          <a:fontRef idx="minor">
+            <a:schemeClr val="lt1"/>
+          </a:fontRef>
+        </p:style>
+        <p:txBody>
+          <a:bodyPr rtlCol="0" anchor="ctr"/>
+          <a:lstStyle/>
+          <a:p>
+            <a:pPr algn="ctr"/>
+            <a:r>
+              <a:rPr lang="en-GB" sz="1400" b="1" dirty="0">
+                <a:solidFill>
+                  <a:schemeClr val="tx1"/>
+                </a:solidFill>
+              </a:rPr>
+              <a:t>myTest.script.js</a:t>
+            </a:r>
+          </a:p>
+        </p:txBody>
+      </p:sp>
+      <p:sp>
+        <p:nvSpPr>
+          <p:cNvPr id="44" name="Flowchart: Document 43"/>
+          <p:cNvSpPr/>
+          <p:nvPr/>
+        </p:nvSpPr>
+        <p:spPr>
+          <a:xfrm>
+            <a:off x="2691452" y="1268995"/>
+            <a:ext cx="1740923" cy="684155"/>
+          </a:xfrm>
+          <a:prstGeom prst="flowChartDocument">
+            <a:avLst/>
+          </a:prstGeom>
+          <a:solidFill>
+            <a:schemeClr val="accent3">
+              <a:lumMod val="20000"/>
+              <a:lumOff val="80000"/>
+            </a:schemeClr>
+          </a:solidFill>
+          <a:ln>
+            <a:solidFill>
+              <a:schemeClr val="bg1">
+                <a:lumMod val="75000"/>
+              </a:schemeClr>
+            </a:solidFill>
+          </a:ln>
+        </p:spPr>
+        <p:style>
+          <a:lnRef idx="2">
+            <a:schemeClr val="accent1">
+              <a:shade val="50000"/>
+            </a:schemeClr>
+          </a:lnRef>
+          <a:fillRef idx="1">
+            <a:schemeClr val="accent1"/>
+          </a:fillRef>
+          <a:effectRef idx="0">
+            <a:schemeClr val="accent1"/>
+          </a:effectRef>
+          <a:fontRef idx="minor">
+            <a:schemeClr val="lt1"/>
+          </a:fontRef>
+        </p:style>
+        <p:txBody>
+          <a:bodyPr rot="0" spcFirstLastPara="0" vertOverflow="overflow" horzOverflow="overflow" vert="horz" wrap="square" lIns="91440" tIns="45720" rIns="91440" bIns="45720" numCol="1" spcCol="0" rtlCol="0" fromWordArt="0" anchor="ctr" anchorCtr="0" forceAA="0" compatLnSpc="1">
+            <a:prstTxWarp prst="textNoShape">
+              <a:avLst/>
+            </a:prstTxWarp>
+            <a:noAutofit/>
+          </a:bodyPr>
+          <a:lstStyle/>
+          <a:p>
+            <a:pPr algn="ctr"/>
+            <a:r>
+              <a:rPr lang="en-GB" sz="1400" b="1" dirty="0">
+                <a:solidFill>
+                  <a:schemeClr val="bg2">
+                    <a:lumMod val="75000"/>
+                  </a:schemeClr>
+                </a:solidFill>
+              </a:rPr>
+              <a:t>protractorConfig.js</a:t>
+            </a:r>
+          </a:p>
+        </p:txBody>
+      </p:sp>
+      <p:sp>
+        <p:nvSpPr>
+          <p:cNvPr id="47" name="Flowchart: Document 46"/>
+          <p:cNvSpPr/>
+          <p:nvPr/>
+        </p:nvSpPr>
+        <p:spPr>
+          <a:xfrm>
+            <a:off x="6957724" y="1268996"/>
+            <a:ext cx="1366168" cy="684155"/>
+          </a:xfrm>
+          <a:prstGeom prst="flowChartDocument">
+            <a:avLst/>
+          </a:prstGeom>
+          <a:solidFill>
+            <a:schemeClr val="accent1">
+              <a:lumMod val="40000"/>
+              <a:lumOff val="60000"/>
+            </a:schemeClr>
+          </a:solidFill>
+          <a:ln>
+            <a:solidFill>
+              <a:schemeClr val="tx1"/>
+            </a:solidFill>
+          </a:ln>
+        </p:spPr>
+        <p:style>
+          <a:lnRef idx="2">
+            <a:schemeClr val="accent1">
+              <a:shade val="50000"/>
+            </a:schemeClr>
+          </a:lnRef>
+          <a:fillRef idx="1">
+            <a:schemeClr val="accent1"/>
+          </a:fillRef>
+          <a:effectRef idx="0">
+            <a:schemeClr val="accent1"/>
+          </a:effectRef>
+          <a:fontRef idx="minor">
+            <a:schemeClr val="lt1"/>
+          </a:fontRef>
+        </p:style>
+        <p:txBody>
+          <a:bodyPr rtlCol="0" anchor="ctr"/>
+          <a:lstStyle/>
+          <a:p>
+            <a:pPr algn="ctr"/>
+            <a:r>
+              <a:rPr lang="en-GB" sz="1400" b="1" dirty="0" smtClean="0">
+                <a:solidFill>
+                  <a:schemeClr val="bg2">
+                    <a:lumMod val="50000"/>
+                  </a:schemeClr>
+                </a:solidFill>
+              </a:rPr>
+              <a:t>myTest.data.js</a:t>
+            </a:r>
+          </a:p>
+          <a:p>
+            <a:pPr algn="ctr"/>
+            <a:r>
+              <a:rPr lang="en-GB" sz="1400" b="1" dirty="0" smtClean="0">
+                <a:solidFill>
+                  <a:schemeClr val="bg2">
+                    <a:lumMod val="50000"/>
+                  </a:schemeClr>
+                </a:solidFill>
+              </a:rPr>
+              <a:t>(optional)</a:t>
+            </a:r>
+            <a:endParaRPr lang="en-GB" sz="1400" b="1" dirty="0">
+              <a:solidFill>
+                <a:schemeClr val="bg2">
+                  <a:lumMod val="50000"/>
+                </a:schemeClr>
+              </a:solidFill>
+            </a:endParaRPr>
+          </a:p>
+        </p:txBody>
+      </p:sp>
+      <p:sp>
+        <p:nvSpPr>
+          <p:cNvPr id="7" name="Oval 6"/>
+          <p:cNvSpPr/>
+          <p:nvPr/>
+        </p:nvSpPr>
+        <p:spPr>
+          <a:xfrm>
+            <a:off x="3779345" y="3087007"/>
+            <a:ext cx="1740922" cy="1057187"/>
+          </a:xfrm>
+          <a:prstGeom prst="ellipse">
+            <a:avLst/>
+          </a:prstGeom>
+          <a:solidFill>
+            <a:schemeClr val="accent3">
+              <a:lumMod val="20000"/>
+              <a:lumOff val="80000"/>
+            </a:schemeClr>
+          </a:solidFill>
+          <a:ln>
+            <a:solidFill>
+              <a:schemeClr val="bg1">
+                <a:lumMod val="75000"/>
+              </a:schemeClr>
+            </a:solidFill>
+          </a:ln>
+        </p:spPr>
+        <p:style>
+          <a:lnRef idx="2">
+            <a:schemeClr val="accent1">
+              <a:shade val="50000"/>
+            </a:schemeClr>
+          </a:lnRef>
+          <a:fillRef idx="1">
+            <a:schemeClr val="accent1"/>
+          </a:fillRef>
+          <a:effectRef idx="0">
+            <a:schemeClr val="accent1"/>
+          </a:effectRef>
+          <a:fontRef idx="minor">
+            <a:schemeClr val="lt1"/>
+          </a:fontRef>
+        </p:style>
+        <p:txBody>
+          <a:bodyPr rtlCol="0" anchor="ctr"/>
+          <a:lstStyle/>
+          <a:p>
+            <a:pPr algn="ctr"/>
+            <a:r>
+              <a:rPr lang="en-GB" b="1" dirty="0" smtClean="0">
+                <a:solidFill>
+                  <a:schemeClr val="bg2">
+                    <a:lumMod val="75000"/>
+                  </a:schemeClr>
+                </a:solidFill>
+              </a:rPr>
+              <a:t>Protractor</a:t>
+            </a:r>
+            <a:endParaRPr lang="en-GB" b="1" dirty="0">
+              <a:solidFill>
+                <a:schemeClr val="bg2">
+                  <a:lumMod val="75000"/>
+                </a:schemeClr>
+              </a:solidFill>
+            </a:endParaRPr>
+          </a:p>
+        </p:txBody>
+      </p:sp>
+      <p:cxnSp>
+        <p:nvCxnSpPr>
+          <p:cNvPr id="48" name="Elbow Connector 47"/>
+          <p:cNvCxnSpPr>
+            <a:stCxn id="4" idx="2"/>
+            <a:endCxn id="7" idx="6"/>
+          </p:cNvCxnSpPr>
+          <p:nvPr/>
+        </p:nvCxnSpPr>
+        <p:spPr>
+          <a:xfrm rot="5400000">
+            <a:off x="5228357" y="3131167"/>
+            <a:ext cx="776345" cy="192523"/>
+          </a:xfrm>
+          <a:prstGeom prst="bentConnector2">
+            <a:avLst/>
+          </a:prstGeom>
+          <a:ln>
+            <a:solidFill>
+              <a:schemeClr val="tx1"/>
+            </a:solidFill>
+            <a:tailEnd type="triangle"/>
+          </a:ln>
+        </p:spPr>
+        <p:style>
+          <a:lnRef idx="1">
+            <a:schemeClr val="accent1"/>
+          </a:lnRef>
+          <a:fillRef idx="0">
+            <a:schemeClr val="accent1"/>
+          </a:fillRef>
+          <a:effectRef idx="0">
+            <a:schemeClr val="accent1"/>
+          </a:effectRef>
+          <a:fontRef idx="minor">
+            <a:schemeClr val="tx1"/>
+          </a:fontRef>
+        </p:style>
+      </p:cxnSp>
+      <p:cxnSp>
+        <p:nvCxnSpPr>
+          <p:cNvPr id="31" name="Straight Arrow Connector 30"/>
+          <p:cNvCxnSpPr>
+            <a:stCxn id="43" idx="1"/>
+            <a:endCxn id="4" idx="3"/>
+          </p:cNvCxnSpPr>
+          <p:nvPr/>
+        </p:nvCxnSpPr>
+        <p:spPr>
+          <a:xfrm rot="10800000" flipV="1">
+            <a:off x="6395875" y="2541407"/>
+            <a:ext cx="299391" cy="1002"/>
+          </a:xfrm>
+          <a:prstGeom prst="bentConnector3">
+            <a:avLst>
+              <a:gd name="adj1" fmla="val 50000"/>
+            </a:avLst>
+          </a:prstGeom>
+          <a:ln>
+            <a:solidFill>
+              <a:schemeClr val="tx1"/>
+            </a:solidFill>
+            <a:tailEnd type="triangle"/>
+          </a:ln>
+        </p:spPr>
+        <p:style>
+          <a:lnRef idx="1">
+            <a:schemeClr val="accent1"/>
+          </a:lnRef>
+          <a:fillRef idx="0">
+            <a:schemeClr val="accent1"/>
+          </a:fillRef>
+          <a:effectRef idx="0">
+            <a:schemeClr val="accent1"/>
+          </a:effectRef>
+          <a:fontRef idx="minor">
+            <a:schemeClr val="tx1"/>
+          </a:fontRef>
+        </p:style>
+      </p:cxnSp>
+      <p:cxnSp>
+        <p:nvCxnSpPr>
+          <p:cNvPr id="64" name="Straight Arrow Connector 63"/>
+          <p:cNvCxnSpPr>
+            <a:stCxn id="47" idx="2"/>
+            <a:endCxn id="43" idx="0"/>
+          </p:cNvCxnSpPr>
+          <p:nvPr/>
+        </p:nvCxnSpPr>
+        <p:spPr>
+          <a:xfrm rot="5400000">
+            <a:off x="7363874" y="1922395"/>
+            <a:ext cx="291408" cy="262460"/>
+          </a:xfrm>
+          <a:prstGeom prst="bentConnector3">
+            <a:avLst>
+              <a:gd name="adj1" fmla="val 50000"/>
+            </a:avLst>
+          </a:prstGeom>
+          <a:ln>
+            <a:solidFill>
+              <a:schemeClr val="tx1"/>
+            </a:solidFill>
+            <a:prstDash val="sysDot"/>
+            <a:tailEnd type="triangle"/>
+          </a:ln>
+        </p:spPr>
+        <p:style>
+          <a:lnRef idx="1">
+            <a:schemeClr val="accent1"/>
+          </a:lnRef>
+          <a:fillRef idx="0">
+            <a:schemeClr val="accent1"/>
+          </a:fillRef>
+          <a:effectRef idx="0">
+            <a:schemeClr val="accent1"/>
+          </a:effectRef>
+          <a:fontRef idx="minor">
+            <a:schemeClr val="tx1"/>
+          </a:fontRef>
+        </p:style>
+      </p:cxnSp>
+      <p:pic>
+        <p:nvPicPr>
+          <p:cNvPr id="1024" name="Picture 1023"/>
+          <p:cNvPicPr>
+            <a:picLocks noChangeAspect="1"/>
+          </p:cNvPicPr>
+          <p:nvPr/>
+        </p:nvPicPr>
+        <p:blipFill>
+          <a:blip r:embed="rId2"/>
+          <a:stretch>
+            <a:fillRect/>
+          </a:stretch>
+        </p:blipFill>
+        <p:spPr>
+          <a:xfrm>
+            <a:off x="6018249" y="4428252"/>
+            <a:ext cx="2407247" cy="1408629"/>
+          </a:xfrm>
+          <a:prstGeom prst="rect">
+            <a:avLst/>
+          </a:prstGeom>
+        </p:spPr>
+      </p:pic>
+      <p:pic>
+        <p:nvPicPr>
+          <p:cNvPr id="1025" name="Picture 1024"/>
+          <p:cNvPicPr>
+            <a:picLocks noChangeAspect="1"/>
+          </p:cNvPicPr>
+          <p:nvPr/>
+        </p:nvPicPr>
+        <p:blipFill>
+          <a:blip r:embed="rId3"/>
+          <a:stretch>
+            <a:fillRect/>
+          </a:stretch>
+        </p:blipFill>
+        <p:spPr>
+          <a:xfrm>
+            <a:off x="6018249" y="2953957"/>
+            <a:ext cx="2407247" cy="1344076"/>
+          </a:xfrm>
+          <a:prstGeom prst="rect">
+            <a:avLst/>
+          </a:prstGeom>
+          <a:noFill/>
+        </p:spPr>
+      </p:pic>
+      <p:sp>
+        <p:nvSpPr>
+          <p:cNvPr id="139" name="Oval 138"/>
+          <p:cNvSpPr/>
+          <p:nvPr/>
+        </p:nvSpPr>
+        <p:spPr>
+          <a:xfrm>
+            <a:off x="3779344" y="3942518"/>
+            <a:ext cx="1740922" cy="1057187"/>
+          </a:xfrm>
+          <a:prstGeom prst="ellipse">
+            <a:avLst/>
+          </a:prstGeom>
+          <a:solidFill>
+            <a:schemeClr val="accent3">
+              <a:lumMod val="20000"/>
+              <a:lumOff val="80000"/>
+            </a:schemeClr>
+          </a:solidFill>
+          <a:ln>
+            <a:solidFill>
+              <a:schemeClr val="bg1">
+                <a:lumMod val="75000"/>
+              </a:schemeClr>
+            </a:solidFill>
+          </a:ln>
+        </p:spPr>
+        <p:style>
+          <a:lnRef idx="2">
+            <a:schemeClr val="accent1">
+              <a:shade val="50000"/>
+            </a:schemeClr>
+          </a:lnRef>
+          <a:fillRef idx="1">
+            <a:schemeClr val="accent1"/>
+          </a:fillRef>
+          <a:effectRef idx="0">
+            <a:schemeClr val="accent1"/>
+          </a:effectRef>
+          <a:fontRef idx="minor">
+            <a:schemeClr val="lt1"/>
+          </a:fontRef>
+        </p:style>
+        <p:txBody>
+          <a:bodyPr rtlCol="0" anchor="ctr"/>
+          <a:lstStyle/>
+          <a:p>
+            <a:pPr algn="ctr"/>
+            <a:r>
+              <a:rPr lang="en-GB" b="1" dirty="0" err="1" smtClean="0">
+                <a:solidFill>
+                  <a:schemeClr val="bg2">
+                    <a:lumMod val="75000"/>
+                  </a:schemeClr>
+                </a:solidFill>
+              </a:rPr>
+              <a:t>WebDriver</a:t>
+            </a:r>
+            <a:endParaRPr lang="en-GB" b="1" dirty="0">
+              <a:solidFill>
+                <a:schemeClr val="bg2">
+                  <a:lumMod val="75000"/>
+                </a:schemeClr>
+              </a:solidFill>
+            </a:endParaRPr>
+          </a:p>
+        </p:txBody>
+      </p:sp>
+      <p:sp>
+        <p:nvSpPr>
+          <p:cNvPr id="15" name="Right Arrow 14"/>
+          <p:cNvSpPr/>
+          <p:nvPr/>
+        </p:nvSpPr>
+        <p:spPr>
+          <a:xfrm>
+            <a:off x="5520266" y="3895980"/>
+            <a:ext cx="381001" cy="417815"/>
+          </a:xfrm>
+          <a:prstGeom prst="rightArrow">
+            <a:avLst/>
+          </a:prstGeom>
+          <a:solidFill>
+            <a:schemeClr val="bg1">
+              <a:lumMod val="75000"/>
+            </a:schemeClr>
+          </a:solidFill>
+          <a:ln>
+            <a:solidFill>
+              <a:schemeClr val="bg1">
+                <a:lumMod val="75000"/>
+              </a:schemeClr>
+            </a:solidFill>
+          </a:ln>
+        </p:spPr>
+        <p:style>
+          <a:lnRef idx="2">
+            <a:schemeClr val="accent1">
+              <a:shade val="50000"/>
+            </a:schemeClr>
+          </a:lnRef>
+          <a:fillRef idx="1">
+            <a:schemeClr val="accent1"/>
+          </a:fillRef>
+          <a:effectRef idx="0">
+            <a:schemeClr val="accent1"/>
+          </a:effectRef>
+          <a:fontRef idx="minor">
+            <a:schemeClr val="lt1"/>
+          </a:fontRef>
+        </p:style>
+        <p:txBody>
+          <a:bodyPr rtlCol="0" anchor="ctr"/>
+          <a:lstStyle/>
+          <a:p>
+            <a:pPr algn="ctr"/>
+            <a:endParaRPr lang="en-GB"/>
+          </a:p>
+        </p:txBody>
+      </p:sp>
+      <p:sp>
+        <p:nvSpPr>
+          <p:cNvPr id="18" name="Rectangle 17"/>
+          <p:cNvSpPr/>
+          <p:nvPr/>
+        </p:nvSpPr>
+        <p:spPr>
+          <a:xfrm>
+            <a:off x="6018249" y="2953957"/>
+            <a:ext cx="2407247" cy="1359838"/>
+          </a:xfrm>
+          <a:prstGeom prst="rect">
+            <a:avLst/>
+          </a:prstGeom>
+          <a:solidFill>
+            <a:schemeClr val="bg2">
+              <a:lumMod val="90000"/>
+              <a:alpha val="75000"/>
+            </a:schemeClr>
+          </a:solidFill>
+          <a:ln>
+            <a:solidFill>
+              <a:schemeClr val="bg2"/>
+            </a:solidFill>
+          </a:ln>
+        </p:spPr>
+        <p:style>
+          <a:lnRef idx="2">
+            <a:schemeClr val="accent1">
+              <a:shade val="50000"/>
+            </a:schemeClr>
+          </a:lnRef>
+          <a:fillRef idx="1">
+            <a:schemeClr val="accent1"/>
+          </a:fillRef>
+          <a:effectRef idx="0">
+            <a:schemeClr val="accent1"/>
+          </a:effectRef>
+          <a:fontRef idx="minor">
+            <a:schemeClr val="lt1"/>
+          </a:fontRef>
+        </p:style>
+        <p:txBody>
+          <a:bodyPr rtlCol="0" anchor="ctr"/>
+          <a:lstStyle/>
+          <a:p>
+            <a:pPr algn="ctr"/>
+            <a:endParaRPr lang="en-GB"/>
+          </a:p>
+        </p:txBody>
+      </p:sp>
+      <p:sp>
+        <p:nvSpPr>
+          <p:cNvPr id="29" name="Rectangle 28"/>
+          <p:cNvSpPr/>
+          <p:nvPr/>
+        </p:nvSpPr>
+        <p:spPr>
+          <a:xfrm>
+            <a:off x="6018248" y="4428251"/>
+            <a:ext cx="2407247" cy="1408629"/>
+          </a:xfrm>
+          <a:prstGeom prst="rect">
+            <a:avLst/>
+          </a:prstGeom>
+          <a:solidFill>
+            <a:schemeClr val="bg2">
+              <a:lumMod val="90000"/>
+              <a:alpha val="75000"/>
+            </a:schemeClr>
+          </a:solidFill>
+          <a:ln>
+            <a:solidFill>
+              <a:schemeClr val="bg2"/>
+            </a:solidFill>
+          </a:ln>
+        </p:spPr>
+        <p:style>
+          <a:lnRef idx="2">
+            <a:schemeClr val="accent1">
+              <a:shade val="50000"/>
+            </a:schemeClr>
+          </a:lnRef>
+          <a:fillRef idx="1">
+            <a:schemeClr val="accent1"/>
+          </a:fillRef>
+          <a:effectRef idx="0">
+            <a:schemeClr val="accent1"/>
+          </a:effectRef>
+          <a:fontRef idx="minor">
+            <a:schemeClr val="lt1"/>
+          </a:fontRef>
+        </p:style>
+        <p:txBody>
+          <a:bodyPr rtlCol="0" anchor="ctr"/>
+          <a:lstStyle/>
+          <a:p>
+            <a:pPr algn="ctr"/>
+            <a:endParaRPr lang="en-GB"/>
+          </a:p>
+        </p:txBody>
+      </p:sp>
+    </p:spTree>
+    <p:extLst>
+      <p:ext uri="{BB962C8B-B14F-4D97-AF65-F5344CB8AC3E}">
+        <p14:creationId xmlns:p14="http://schemas.microsoft.com/office/powerpoint/2010/main" val="3796131495"/>
+      </p:ext>
+    </p:extLst>
+  </p:cSld>
+  <p:clrMapOvr>
+    <a:masterClrMapping/>
+  </p:clrMapOvr>
+  <p:timing>
+    <p:tnLst>
+      <p:par>
+        <p:cTn id="1" dur="indefinite" restart="never" nodeType="tmRoot"/>
+      </p:par>
+    </p:tnLst>
+  </p:timing>
+</p:sld>
+</file>
+
+<file path=ppt/slides/slide9.xml><?xml version="1.0" encoding="utf-8"?>
 <p:sld xmlns:a="http://schemas.openxmlformats.org/drawingml/2006/main" xmlns:r="http://schemas.openxmlformats.org/officeDocument/2006/relationships" xmlns:p="http://schemas.openxmlformats.org/presentationml/2006/main">
   <p:cSld>
     <p:spTree>
@@ -33591,1204 +31658,6 @@
     <p:extLst>
       <p:ext uri="{BB962C8B-B14F-4D97-AF65-F5344CB8AC3E}">
         <p14:creationId xmlns:p14="http://schemas.microsoft.com/office/powerpoint/2010/main" val="3955197303"/>
-      </p:ext>
-    </p:extLst>
-  </p:cSld>
-  <p:clrMapOvr>
-    <a:masterClrMapping/>
-  </p:clrMapOvr>
-  <p:timing>
-    <p:tnLst>
-      <p:par>
-        <p:cTn id="1" dur="indefinite" restart="never" nodeType="tmRoot"/>
-      </p:par>
-    </p:tnLst>
-  </p:timing>
-</p:sld>
-</file>
-
-<file path=ppt/slides/slide9.xml><?xml version="1.0" encoding="utf-8"?>
-<p:sld xmlns:a="http://schemas.openxmlformats.org/drawingml/2006/main" xmlns:r="http://schemas.openxmlformats.org/officeDocument/2006/relationships" xmlns:p="http://schemas.openxmlformats.org/presentationml/2006/main">
-  <p:cSld>
-    <p:spTree>
-      <p:nvGrpSpPr>
-        <p:cNvPr id="1" name=""/>
-        <p:cNvGrpSpPr/>
-        <p:nvPr/>
-      </p:nvGrpSpPr>
-      <p:grpSpPr>
-        <a:xfrm>
-          <a:off x="0" y="0"/>
-          <a:ext cx="0" cy="0"/>
-          <a:chOff x="0" y="0"/>
-          <a:chExt cx="0" cy="0"/>
-        </a:xfrm>
-      </p:grpSpPr>
-      <p:sp>
-        <p:nvSpPr>
-          <p:cNvPr id="2" name="Title 1"/>
-          <p:cNvSpPr>
-            <a:spLocks noGrp="1"/>
-          </p:cNvSpPr>
-          <p:nvPr>
-            <p:ph type="title"/>
-          </p:nvPr>
-        </p:nvSpPr>
-        <p:spPr/>
-        <p:txBody>
-          <a:bodyPr>
-            <a:normAutofit fontScale="90000"/>
-          </a:bodyPr>
-          <a:lstStyle/>
-          <a:p>
-            <a:r>
-              <a:rPr lang="en-GB" dirty="0" err="1" smtClean="0"/>
-              <a:t>Pasilla</a:t>
-            </a:r>
-            <a:r>
-              <a:rPr lang="en-GB" dirty="0"/>
-              <a:t/>
-            </a:r>
-            <a:br>
-              <a:rPr lang="en-GB" dirty="0"/>
-            </a:br>
-            <a:r>
-              <a:rPr lang="en-GB" sz="2700" dirty="0" smtClean="0"/>
-              <a:t>A Test </a:t>
-            </a:r>
-            <a:r>
-              <a:rPr lang="en-GB" sz="2700" dirty="0"/>
-              <a:t>Framework for Protractor</a:t>
-            </a:r>
-          </a:p>
-        </p:txBody>
-      </p:sp>
-      <p:sp>
-        <p:nvSpPr>
-          <p:cNvPr id="8" name="Rectangle 7"/>
-          <p:cNvSpPr/>
-          <p:nvPr/>
-        </p:nvSpPr>
-        <p:spPr>
-          <a:xfrm>
-            <a:off x="355275" y="1458629"/>
-            <a:ext cx="5604933" cy="3647152"/>
-          </a:xfrm>
-          <a:prstGeom prst="rect">
-            <a:avLst/>
-          </a:prstGeom>
-          <a:solidFill>
-            <a:schemeClr val="bg2">
-              <a:lumMod val="90000"/>
-            </a:schemeClr>
-          </a:solidFill>
-        </p:spPr>
-        <p:txBody>
-          <a:bodyPr wrap="square">
-            <a:spAutoFit/>
-          </a:bodyPr>
-          <a:lstStyle/>
-          <a:p>
-            <a:r>
-              <a:rPr lang="en-GB" sz="1050" b="1" dirty="0" smtClean="0">
-                <a:latin typeface="Consolas" panose="020B0609020204030204" pitchFamily="49" charset="0"/>
-                <a:cs typeface="Consolas" panose="020B0609020204030204" pitchFamily="49" charset="0"/>
-              </a:rPr>
-              <a:t>// ---------------------------------------------------</a:t>
-            </a:r>
-          </a:p>
-          <a:p>
-            <a:r>
-              <a:rPr lang="en-GB" sz="1050" b="1" dirty="0" smtClean="0">
-                <a:latin typeface="Consolas" panose="020B0609020204030204" pitchFamily="49" charset="0"/>
-                <a:cs typeface="Consolas" panose="020B0609020204030204" pitchFamily="49" charset="0"/>
-              </a:rPr>
-              <a:t>// ---------------------------------------------------</a:t>
-            </a:r>
-          </a:p>
-          <a:p>
-            <a:r>
-              <a:rPr lang="en-GB" sz="1050" b="1" dirty="0" smtClean="0">
-                <a:solidFill>
-                  <a:srgbClr val="FF0000"/>
-                </a:solidFill>
-                <a:latin typeface="Consolas" panose="020B0609020204030204" pitchFamily="49" charset="0"/>
-                <a:cs typeface="Consolas" panose="020B0609020204030204" pitchFamily="49" charset="0"/>
-              </a:rPr>
-              <a:t>describe</a:t>
-            </a:r>
-            <a:r>
-              <a:rPr lang="en-GB" sz="1050" b="1" dirty="0" smtClean="0">
-                <a:latin typeface="Consolas" panose="020B0609020204030204" pitchFamily="49" charset="0"/>
-                <a:cs typeface="Consolas" panose="020B0609020204030204" pitchFamily="49" charset="0"/>
-              </a:rPr>
-              <a:t>('template test scenario', function () {</a:t>
-            </a:r>
-          </a:p>
-          <a:p>
-            <a:endParaRPr lang="en-GB" sz="1050" b="1" dirty="0" smtClean="0">
-              <a:latin typeface="Consolas" panose="020B0609020204030204" pitchFamily="49" charset="0"/>
-              <a:cs typeface="Consolas" panose="020B0609020204030204" pitchFamily="49" charset="0"/>
-            </a:endParaRPr>
-          </a:p>
-          <a:p>
-            <a:r>
-              <a:rPr lang="en-GB" sz="1050" b="1" dirty="0" smtClean="0">
-                <a:latin typeface="Consolas" panose="020B0609020204030204" pitchFamily="49" charset="0"/>
-                <a:cs typeface="Consolas" panose="020B0609020204030204" pitchFamily="49" charset="0"/>
-              </a:rPr>
-              <a:t>// ---------------------------------------------------</a:t>
-            </a:r>
-          </a:p>
-          <a:p>
-            <a:r>
-              <a:rPr lang="en-GB" sz="1050" b="1" dirty="0" smtClean="0">
-                <a:latin typeface="Consolas" panose="020B0609020204030204" pitchFamily="49" charset="0"/>
-                <a:cs typeface="Consolas" panose="020B0609020204030204" pitchFamily="49" charset="0"/>
-              </a:rPr>
-              <a:t>// ---------------------------------------------------</a:t>
-            </a:r>
-          </a:p>
-          <a:p>
-            <a:r>
-              <a:rPr lang="en-GB" sz="1050" b="1" dirty="0" smtClean="0">
-                <a:latin typeface="Consolas" panose="020B0609020204030204" pitchFamily="49" charset="0"/>
-                <a:cs typeface="Consolas" panose="020B0609020204030204" pitchFamily="49" charset="0"/>
-              </a:rPr>
-              <a:t>    </a:t>
-            </a:r>
-            <a:r>
-              <a:rPr lang="en-GB" sz="1050" b="1" dirty="0" smtClean="0">
-                <a:solidFill>
-                  <a:srgbClr val="FF0000"/>
-                </a:solidFill>
-                <a:latin typeface="Consolas" panose="020B0609020204030204" pitchFamily="49" charset="0"/>
-                <a:cs typeface="Consolas" panose="020B0609020204030204" pitchFamily="49" charset="0"/>
-              </a:rPr>
-              <a:t>it</a:t>
-            </a:r>
-            <a:r>
-              <a:rPr lang="en-GB" sz="1050" b="1" dirty="0" smtClean="0">
-                <a:latin typeface="Consolas" panose="020B0609020204030204" pitchFamily="49" charset="0"/>
-                <a:cs typeface="Consolas" panose="020B0609020204030204" pitchFamily="49" charset="0"/>
-              </a:rPr>
-              <a:t>("</a:t>
-            </a:r>
-            <a:r>
-              <a:rPr lang="en-GB" sz="1050" b="1" dirty="0" err="1" smtClean="0">
-                <a:latin typeface="Consolas" panose="020B0609020204030204" pitchFamily="49" charset="0"/>
-                <a:cs typeface="Consolas" panose="020B0609020204030204" pitchFamily="49" charset="0"/>
-              </a:rPr>
-              <a:t>DoSomething</a:t>
-            </a:r>
-            <a:r>
-              <a:rPr lang="en-GB" sz="1050" b="1" dirty="0" smtClean="0">
-                <a:latin typeface="Consolas" panose="020B0609020204030204" pitchFamily="49" charset="0"/>
-                <a:cs typeface="Consolas" panose="020B0609020204030204" pitchFamily="49" charset="0"/>
-              </a:rPr>
-              <a:t> A", function () {</a:t>
-            </a:r>
-          </a:p>
-          <a:p>
-            <a:r>
-              <a:rPr lang="en-GB" sz="1050" b="1" dirty="0" smtClean="0">
-                <a:latin typeface="Consolas" panose="020B0609020204030204" pitchFamily="49" charset="0"/>
-                <a:cs typeface="Consolas" panose="020B0609020204030204" pitchFamily="49" charset="0"/>
-              </a:rPr>
-              <a:t>        </a:t>
-            </a:r>
-            <a:r>
-              <a:rPr lang="en-GB" sz="1050" b="1" dirty="0" err="1" smtClean="0">
-                <a:latin typeface="Consolas" panose="020B0609020204030204" pitchFamily="49" charset="0"/>
-                <a:cs typeface="Consolas" panose="020B0609020204030204" pitchFamily="49" charset="0"/>
-              </a:rPr>
-              <a:t>var</a:t>
-            </a:r>
-            <a:r>
-              <a:rPr lang="en-GB" sz="1050" b="1" dirty="0" smtClean="0">
-                <a:latin typeface="Consolas" panose="020B0609020204030204" pitchFamily="49" charset="0"/>
-                <a:cs typeface="Consolas" panose="020B0609020204030204" pitchFamily="49" charset="0"/>
-              </a:rPr>
-              <a:t> dataItem1='</a:t>
-            </a:r>
-            <a:r>
-              <a:rPr lang="en-GB" sz="1050" b="1" dirty="0" err="1" smtClean="0">
-                <a:latin typeface="Consolas" panose="020B0609020204030204" pitchFamily="49" charset="0"/>
-                <a:cs typeface="Consolas" panose="020B0609020204030204" pitchFamily="49" charset="0"/>
-              </a:rPr>
-              <a:t>DataItem</a:t>
-            </a:r>
-            <a:r>
-              <a:rPr lang="en-GB" sz="1050" b="1" dirty="0" smtClean="0">
-                <a:latin typeface="Consolas" panose="020B0609020204030204" pitchFamily="49" charset="0"/>
-                <a:cs typeface="Consolas" panose="020B0609020204030204" pitchFamily="49" charset="0"/>
-              </a:rPr>
-              <a:t>';</a:t>
-            </a:r>
-          </a:p>
-          <a:p>
-            <a:endParaRPr lang="en-GB" sz="1050" b="1" dirty="0" smtClean="0">
-              <a:latin typeface="Consolas" panose="020B0609020204030204" pitchFamily="49" charset="0"/>
-              <a:cs typeface="Consolas" panose="020B0609020204030204" pitchFamily="49" charset="0"/>
-            </a:endParaRPr>
-          </a:p>
-          <a:p>
-            <a:r>
-              <a:rPr lang="en-GB" sz="1050" b="1" dirty="0" smtClean="0">
-                <a:latin typeface="Consolas" panose="020B0609020204030204" pitchFamily="49" charset="0"/>
-                <a:cs typeface="Consolas" panose="020B0609020204030204" pitchFamily="49" charset="0"/>
-              </a:rPr>
-              <a:t>        // code for functionality goes here</a:t>
-            </a:r>
-          </a:p>
-          <a:p>
-            <a:r>
-              <a:rPr lang="en-GB" sz="1050" b="1" dirty="0" smtClean="0">
-                <a:latin typeface="Consolas" panose="020B0609020204030204" pitchFamily="49" charset="0"/>
-                <a:cs typeface="Consolas" panose="020B0609020204030204" pitchFamily="49" charset="0"/>
-              </a:rPr>
-              <a:t>        // can use expect().</a:t>
-            </a:r>
-            <a:r>
-              <a:rPr lang="en-GB" sz="1050" b="1" dirty="0" err="1" smtClean="0">
-                <a:latin typeface="Consolas" panose="020B0609020204030204" pitchFamily="49" charset="0"/>
-                <a:cs typeface="Consolas" panose="020B0609020204030204" pitchFamily="49" charset="0"/>
-              </a:rPr>
-              <a:t>toEqual</a:t>
-            </a:r>
-            <a:r>
-              <a:rPr lang="en-GB" sz="1050" b="1" dirty="0" smtClean="0">
-                <a:latin typeface="Consolas" panose="020B0609020204030204" pitchFamily="49" charset="0"/>
-                <a:cs typeface="Consolas" panose="020B0609020204030204" pitchFamily="49" charset="0"/>
-              </a:rPr>
-              <a:t>() for assertions</a:t>
-            </a:r>
-          </a:p>
-          <a:p>
-            <a:r>
-              <a:rPr lang="en-GB" sz="1050" b="1" dirty="0" smtClean="0">
-                <a:latin typeface="Consolas" panose="020B0609020204030204" pitchFamily="49" charset="0"/>
-                <a:cs typeface="Consolas" panose="020B0609020204030204" pitchFamily="49" charset="0"/>
-              </a:rPr>
-              <a:t>    },120000);</a:t>
-            </a:r>
-          </a:p>
-          <a:p>
-            <a:endParaRPr lang="en-GB" sz="1050" b="1" dirty="0" smtClean="0">
-              <a:latin typeface="Consolas" panose="020B0609020204030204" pitchFamily="49" charset="0"/>
-              <a:cs typeface="Consolas" panose="020B0609020204030204" pitchFamily="49" charset="0"/>
-            </a:endParaRPr>
-          </a:p>
-          <a:p>
-            <a:r>
-              <a:rPr lang="en-GB" sz="1050" b="1" dirty="0" smtClean="0">
-                <a:latin typeface="Consolas" panose="020B0609020204030204" pitchFamily="49" charset="0"/>
-                <a:cs typeface="Consolas" panose="020B0609020204030204" pitchFamily="49" charset="0"/>
-              </a:rPr>
-              <a:t>// ---------------------------------------------------</a:t>
-            </a:r>
-          </a:p>
-          <a:p>
-            <a:r>
-              <a:rPr lang="en-GB" sz="1050" b="1" dirty="0" smtClean="0">
-                <a:latin typeface="Consolas" panose="020B0609020204030204" pitchFamily="49" charset="0"/>
-                <a:cs typeface="Consolas" panose="020B0609020204030204" pitchFamily="49" charset="0"/>
-              </a:rPr>
-              <a:t>// ---------------------------------------------------</a:t>
-            </a:r>
-          </a:p>
-          <a:p>
-            <a:r>
-              <a:rPr lang="en-GB" sz="1050" b="1" dirty="0" smtClean="0">
-                <a:latin typeface="Consolas" panose="020B0609020204030204" pitchFamily="49" charset="0"/>
-                <a:cs typeface="Consolas" panose="020B0609020204030204" pitchFamily="49" charset="0"/>
-              </a:rPr>
-              <a:t>    </a:t>
-            </a:r>
-            <a:r>
-              <a:rPr lang="en-GB" sz="1050" b="1" dirty="0" smtClean="0">
-                <a:solidFill>
-                  <a:srgbClr val="FF0000"/>
-                </a:solidFill>
-                <a:latin typeface="Consolas" panose="020B0609020204030204" pitchFamily="49" charset="0"/>
-                <a:cs typeface="Consolas" panose="020B0609020204030204" pitchFamily="49" charset="0"/>
-              </a:rPr>
-              <a:t>it</a:t>
-            </a:r>
-            <a:r>
-              <a:rPr lang="en-GB" sz="1050" b="1" dirty="0" smtClean="0">
-                <a:latin typeface="Consolas" panose="020B0609020204030204" pitchFamily="49" charset="0"/>
-                <a:cs typeface="Consolas" panose="020B0609020204030204" pitchFamily="49" charset="0"/>
-              </a:rPr>
-              <a:t>("</a:t>
-            </a:r>
-            <a:r>
-              <a:rPr lang="en-GB" sz="1050" b="1" dirty="0" err="1" smtClean="0">
-                <a:latin typeface="Consolas" panose="020B0609020204030204" pitchFamily="49" charset="0"/>
-                <a:cs typeface="Consolas" panose="020B0609020204030204" pitchFamily="49" charset="0"/>
-              </a:rPr>
-              <a:t>DoSomething</a:t>
-            </a:r>
-            <a:r>
-              <a:rPr lang="en-GB" sz="1050" b="1" dirty="0" smtClean="0">
-                <a:latin typeface="Consolas" panose="020B0609020204030204" pitchFamily="49" charset="0"/>
-                <a:cs typeface="Consolas" panose="020B0609020204030204" pitchFamily="49" charset="0"/>
-              </a:rPr>
-              <a:t> B", function () {</a:t>
-            </a:r>
-          </a:p>
-          <a:p>
-            <a:r>
-              <a:rPr lang="en-GB" sz="1050" b="1" dirty="0" smtClean="0">
-                <a:latin typeface="Consolas" panose="020B0609020204030204" pitchFamily="49" charset="0"/>
-                <a:cs typeface="Consolas" panose="020B0609020204030204" pitchFamily="49" charset="0"/>
-              </a:rPr>
-              <a:t>        </a:t>
-            </a:r>
-            <a:r>
-              <a:rPr lang="en-GB" sz="1050" b="1" dirty="0" err="1" smtClean="0">
-                <a:latin typeface="Consolas" panose="020B0609020204030204" pitchFamily="49" charset="0"/>
-                <a:cs typeface="Consolas" panose="020B0609020204030204" pitchFamily="49" charset="0"/>
-              </a:rPr>
-              <a:t>var</a:t>
-            </a:r>
-            <a:r>
-              <a:rPr lang="en-GB" sz="1050" b="1" dirty="0" smtClean="0">
-                <a:latin typeface="Consolas" panose="020B0609020204030204" pitchFamily="49" charset="0"/>
-                <a:cs typeface="Consolas" panose="020B0609020204030204" pitchFamily="49" charset="0"/>
-              </a:rPr>
-              <a:t> dataItem1='</a:t>
-            </a:r>
-            <a:r>
-              <a:rPr lang="en-GB" sz="1050" b="1" dirty="0" err="1" smtClean="0">
-                <a:latin typeface="Consolas" panose="020B0609020204030204" pitchFamily="49" charset="0"/>
-                <a:cs typeface="Consolas" panose="020B0609020204030204" pitchFamily="49" charset="0"/>
-              </a:rPr>
-              <a:t>DataItem</a:t>
-            </a:r>
-            <a:r>
-              <a:rPr lang="en-GB" sz="1050" b="1" dirty="0" smtClean="0">
-                <a:latin typeface="Consolas" panose="020B0609020204030204" pitchFamily="49" charset="0"/>
-                <a:cs typeface="Consolas" panose="020B0609020204030204" pitchFamily="49" charset="0"/>
-              </a:rPr>
-              <a:t>';</a:t>
-            </a:r>
-          </a:p>
-          <a:p>
-            <a:endParaRPr lang="en-GB" sz="1050" b="1" dirty="0" smtClean="0">
-              <a:latin typeface="Consolas" panose="020B0609020204030204" pitchFamily="49" charset="0"/>
-              <a:cs typeface="Consolas" panose="020B0609020204030204" pitchFamily="49" charset="0"/>
-            </a:endParaRPr>
-          </a:p>
-          <a:p>
-            <a:r>
-              <a:rPr lang="en-GB" sz="1050" b="1" dirty="0" smtClean="0">
-                <a:latin typeface="Consolas" panose="020B0609020204030204" pitchFamily="49" charset="0"/>
-                <a:cs typeface="Consolas" panose="020B0609020204030204" pitchFamily="49" charset="0"/>
-              </a:rPr>
-              <a:t>        // code for functionality goes here</a:t>
-            </a:r>
-          </a:p>
-          <a:p>
-            <a:r>
-              <a:rPr lang="en-GB" sz="1050" b="1" dirty="0" smtClean="0">
-                <a:latin typeface="Consolas" panose="020B0609020204030204" pitchFamily="49" charset="0"/>
-                <a:cs typeface="Consolas" panose="020B0609020204030204" pitchFamily="49" charset="0"/>
-              </a:rPr>
-              <a:t>        // can use expect().</a:t>
-            </a:r>
-            <a:r>
-              <a:rPr lang="en-GB" sz="1050" b="1" dirty="0" err="1" smtClean="0">
-                <a:latin typeface="Consolas" panose="020B0609020204030204" pitchFamily="49" charset="0"/>
-                <a:cs typeface="Consolas" panose="020B0609020204030204" pitchFamily="49" charset="0"/>
-              </a:rPr>
-              <a:t>toEqual</a:t>
-            </a:r>
-            <a:r>
-              <a:rPr lang="en-GB" sz="1050" b="1" dirty="0" smtClean="0">
-                <a:latin typeface="Consolas" panose="020B0609020204030204" pitchFamily="49" charset="0"/>
-                <a:cs typeface="Consolas" panose="020B0609020204030204" pitchFamily="49" charset="0"/>
-              </a:rPr>
-              <a:t>() for assertions</a:t>
-            </a:r>
-          </a:p>
-          <a:p>
-            <a:r>
-              <a:rPr lang="en-GB" sz="1050" b="1" dirty="0" smtClean="0">
-                <a:latin typeface="Consolas" panose="020B0609020204030204" pitchFamily="49" charset="0"/>
-                <a:cs typeface="Consolas" panose="020B0609020204030204" pitchFamily="49" charset="0"/>
-              </a:rPr>
-              <a:t>    },120000);</a:t>
-            </a:r>
-          </a:p>
-          <a:p>
-            <a:endParaRPr lang="en-GB" sz="1050" b="1" dirty="0" smtClean="0">
-              <a:latin typeface="Consolas" panose="020B0609020204030204" pitchFamily="49" charset="0"/>
-              <a:cs typeface="Consolas" panose="020B0609020204030204" pitchFamily="49" charset="0"/>
-            </a:endParaRPr>
-          </a:p>
-        </p:txBody>
-      </p:sp>
-      <p:sp>
-        <p:nvSpPr>
-          <p:cNvPr id="9" name="Rectangle 8"/>
-          <p:cNvSpPr/>
-          <p:nvPr/>
-        </p:nvSpPr>
-        <p:spPr>
-          <a:xfrm>
-            <a:off x="6188808" y="1458629"/>
-            <a:ext cx="5867399" cy="4455066"/>
-          </a:xfrm>
-          <a:prstGeom prst="rect">
-            <a:avLst/>
-          </a:prstGeom>
-          <a:solidFill>
-            <a:schemeClr val="bg2">
-              <a:lumMod val="90000"/>
-            </a:schemeClr>
-          </a:solidFill>
-        </p:spPr>
-        <p:txBody>
-          <a:bodyPr wrap="square">
-            <a:spAutoFit/>
-          </a:bodyPr>
-          <a:lstStyle/>
-          <a:p>
-            <a:endParaRPr lang="en-GB" sz="1050" b="1" dirty="0">
-              <a:latin typeface="Consolas" panose="020B0609020204030204" pitchFamily="49" charset="0"/>
-              <a:cs typeface="Consolas" panose="020B0609020204030204" pitchFamily="49" charset="0"/>
-            </a:endParaRPr>
-          </a:p>
-          <a:p>
-            <a:r>
-              <a:rPr lang="en-GB" sz="1050" b="1" dirty="0">
-                <a:latin typeface="Consolas" panose="020B0609020204030204" pitchFamily="49" charset="0"/>
-                <a:cs typeface="Consolas" panose="020B0609020204030204" pitchFamily="49" charset="0"/>
-              </a:rPr>
-              <a:t>// ---------------------------------------------------</a:t>
-            </a:r>
-          </a:p>
-          <a:p>
-            <a:r>
-              <a:rPr lang="en-GB" sz="1050" b="1" dirty="0">
-                <a:latin typeface="Consolas" panose="020B0609020204030204" pitchFamily="49" charset="0"/>
-                <a:cs typeface="Consolas" panose="020B0609020204030204" pitchFamily="49" charset="0"/>
-              </a:rPr>
-              <a:t>// ---------------------------------------------------</a:t>
-            </a:r>
-          </a:p>
-          <a:p>
-            <a:r>
-              <a:rPr lang="en-GB" sz="1050" b="1" dirty="0">
-                <a:latin typeface="Consolas" panose="020B0609020204030204" pitchFamily="49" charset="0"/>
-                <a:cs typeface="Consolas" panose="020B0609020204030204" pitchFamily="49" charset="0"/>
-              </a:rPr>
-              <a:t>    it("</a:t>
-            </a:r>
-            <a:r>
-              <a:rPr lang="en-GB" sz="1050" b="1" dirty="0" err="1">
-                <a:latin typeface="Consolas" panose="020B0609020204030204" pitchFamily="49" charset="0"/>
-                <a:cs typeface="Consolas" panose="020B0609020204030204" pitchFamily="49" charset="0"/>
-              </a:rPr>
-              <a:t>DoSomething</a:t>
-            </a:r>
-            <a:r>
-              <a:rPr lang="en-GB" sz="1050" b="1" dirty="0">
-                <a:latin typeface="Consolas" panose="020B0609020204030204" pitchFamily="49" charset="0"/>
-                <a:cs typeface="Consolas" panose="020B0609020204030204" pitchFamily="49" charset="0"/>
-              </a:rPr>
-              <a:t> C", function () {</a:t>
-            </a:r>
-          </a:p>
-          <a:p>
-            <a:r>
-              <a:rPr lang="en-GB" sz="1050" b="1" dirty="0">
-                <a:latin typeface="Consolas" panose="020B0609020204030204" pitchFamily="49" charset="0"/>
-                <a:cs typeface="Consolas" panose="020B0609020204030204" pitchFamily="49" charset="0"/>
-              </a:rPr>
-              <a:t>        </a:t>
-            </a:r>
-            <a:r>
-              <a:rPr lang="en-GB" sz="1050" b="1" dirty="0" err="1">
-                <a:latin typeface="Consolas" panose="020B0609020204030204" pitchFamily="49" charset="0"/>
-                <a:cs typeface="Consolas" panose="020B0609020204030204" pitchFamily="49" charset="0"/>
-              </a:rPr>
-              <a:t>var</a:t>
-            </a:r>
-            <a:r>
-              <a:rPr lang="en-GB" sz="1050" b="1" dirty="0">
-                <a:latin typeface="Consolas" panose="020B0609020204030204" pitchFamily="49" charset="0"/>
-                <a:cs typeface="Consolas" panose="020B0609020204030204" pitchFamily="49" charset="0"/>
-              </a:rPr>
-              <a:t> dataItem1='</a:t>
-            </a:r>
-            <a:r>
-              <a:rPr lang="en-GB" sz="1050" b="1" dirty="0" err="1">
-                <a:latin typeface="Consolas" panose="020B0609020204030204" pitchFamily="49" charset="0"/>
-                <a:cs typeface="Consolas" panose="020B0609020204030204" pitchFamily="49" charset="0"/>
-              </a:rPr>
-              <a:t>DataItem</a:t>
-            </a:r>
-            <a:r>
-              <a:rPr lang="en-GB" sz="1050" b="1" dirty="0">
-                <a:latin typeface="Consolas" panose="020B0609020204030204" pitchFamily="49" charset="0"/>
-                <a:cs typeface="Consolas" panose="020B0609020204030204" pitchFamily="49" charset="0"/>
-              </a:rPr>
-              <a:t>';</a:t>
-            </a:r>
-          </a:p>
-          <a:p>
-            <a:endParaRPr lang="en-GB" sz="1050" b="1" dirty="0">
-              <a:latin typeface="Consolas" panose="020B0609020204030204" pitchFamily="49" charset="0"/>
-              <a:cs typeface="Consolas" panose="020B0609020204030204" pitchFamily="49" charset="0"/>
-            </a:endParaRPr>
-          </a:p>
-          <a:p>
-            <a:r>
-              <a:rPr lang="en-GB" sz="1050" b="1" dirty="0">
-                <a:latin typeface="Consolas" panose="020B0609020204030204" pitchFamily="49" charset="0"/>
-                <a:cs typeface="Consolas" panose="020B0609020204030204" pitchFamily="49" charset="0"/>
-              </a:rPr>
-              <a:t>        // code for functionality goes here</a:t>
-            </a:r>
-          </a:p>
-          <a:p>
-            <a:r>
-              <a:rPr lang="en-GB" sz="1050" b="1" dirty="0">
-                <a:latin typeface="Consolas" panose="020B0609020204030204" pitchFamily="49" charset="0"/>
-                <a:cs typeface="Consolas" panose="020B0609020204030204" pitchFamily="49" charset="0"/>
-              </a:rPr>
-              <a:t>        // can use expect().</a:t>
-            </a:r>
-            <a:r>
-              <a:rPr lang="en-GB" sz="1050" b="1" dirty="0" err="1">
-                <a:latin typeface="Consolas" panose="020B0609020204030204" pitchFamily="49" charset="0"/>
-                <a:cs typeface="Consolas" panose="020B0609020204030204" pitchFamily="49" charset="0"/>
-              </a:rPr>
-              <a:t>toEqual</a:t>
-            </a:r>
-            <a:r>
-              <a:rPr lang="en-GB" sz="1050" b="1" dirty="0">
-                <a:latin typeface="Consolas" panose="020B0609020204030204" pitchFamily="49" charset="0"/>
-                <a:cs typeface="Consolas" panose="020B0609020204030204" pitchFamily="49" charset="0"/>
-              </a:rPr>
-              <a:t>() for assertions</a:t>
-            </a:r>
-          </a:p>
-          <a:p>
-            <a:r>
-              <a:rPr lang="en-GB" sz="1050" b="1" dirty="0">
-                <a:latin typeface="Consolas" panose="020B0609020204030204" pitchFamily="49" charset="0"/>
-                <a:cs typeface="Consolas" panose="020B0609020204030204" pitchFamily="49" charset="0"/>
-              </a:rPr>
-              <a:t>    },120000);</a:t>
-            </a:r>
-          </a:p>
-          <a:p>
-            <a:endParaRPr lang="en-GB" sz="1050" b="1" dirty="0">
-              <a:latin typeface="Consolas" panose="020B0609020204030204" pitchFamily="49" charset="0"/>
-              <a:cs typeface="Consolas" panose="020B0609020204030204" pitchFamily="49" charset="0"/>
-            </a:endParaRPr>
-          </a:p>
-          <a:p>
-            <a:r>
-              <a:rPr lang="en-GB" sz="1050" b="1" dirty="0">
-                <a:latin typeface="Consolas" panose="020B0609020204030204" pitchFamily="49" charset="0"/>
-                <a:cs typeface="Consolas" panose="020B0609020204030204" pitchFamily="49" charset="0"/>
-              </a:rPr>
-              <a:t>// ---------------------------------------------------</a:t>
-            </a:r>
-          </a:p>
-          <a:p>
-            <a:r>
-              <a:rPr lang="en-GB" sz="1050" b="1" dirty="0">
-                <a:latin typeface="Consolas" panose="020B0609020204030204" pitchFamily="49" charset="0"/>
-                <a:cs typeface="Consolas" panose="020B0609020204030204" pitchFamily="49" charset="0"/>
-              </a:rPr>
-              <a:t>// ---------------------------------------------------</a:t>
-            </a:r>
-          </a:p>
-          <a:p>
-            <a:r>
-              <a:rPr lang="en-GB" sz="1050" b="1" dirty="0">
-                <a:latin typeface="Consolas" panose="020B0609020204030204" pitchFamily="49" charset="0"/>
-                <a:cs typeface="Consolas" panose="020B0609020204030204" pitchFamily="49" charset="0"/>
-              </a:rPr>
-              <a:t>    it("</a:t>
-            </a:r>
-            <a:r>
-              <a:rPr lang="en-GB" sz="1050" b="1" dirty="0" err="1">
-                <a:latin typeface="Consolas" panose="020B0609020204030204" pitchFamily="49" charset="0"/>
-                <a:cs typeface="Consolas" panose="020B0609020204030204" pitchFamily="49" charset="0"/>
-              </a:rPr>
-              <a:t>DoSomething</a:t>
-            </a:r>
-            <a:r>
-              <a:rPr lang="en-GB" sz="1050" b="1" dirty="0">
-                <a:latin typeface="Consolas" panose="020B0609020204030204" pitchFamily="49" charset="0"/>
-                <a:cs typeface="Consolas" panose="020B0609020204030204" pitchFamily="49" charset="0"/>
-              </a:rPr>
-              <a:t> D", function () {</a:t>
-            </a:r>
-          </a:p>
-          <a:p>
-            <a:r>
-              <a:rPr lang="en-GB" sz="1050" b="1" dirty="0">
-                <a:latin typeface="Consolas" panose="020B0609020204030204" pitchFamily="49" charset="0"/>
-                <a:cs typeface="Consolas" panose="020B0609020204030204" pitchFamily="49" charset="0"/>
-              </a:rPr>
-              <a:t>        </a:t>
-            </a:r>
-            <a:r>
-              <a:rPr lang="en-GB" sz="1050" b="1" dirty="0" err="1">
-                <a:latin typeface="Consolas" panose="020B0609020204030204" pitchFamily="49" charset="0"/>
-                <a:cs typeface="Consolas" panose="020B0609020204030204" pitchFamily="49" charset="0"/>
-              </a:rPr>
-              <a:t>var</a:t>
-            </a:r>
-            <a:r>
-              <a:rPr lang="en-GB" sz="1050" b="1" dirty="0">
-                <a:latin typeface="Consolas" panose="020B0609020204030204" pitchFamily="49" charset="0"/>
-                <a:cs typeface="Consolas" panose="020B0609020204030204" pitchFamily="49" charset="0"/>
-              </a:rPr>
-              <a:t> dataItem1='</a:t>
-            </a:r>
-            <a:r>
-              <a:rPr lang="en-GB" sz="1050" b="1" dirty="0" err="1">
-                <a:latin typeface="Consolas" panose="020B0609020204030204" pitchFamily="49" charset="0"/>
-                <a:cs typeface="Consolas" panose="020B0609020204030204" pitchFamily="49" charset="0"/>
-              </a:rPr>
-              <a:t>DataItem</a:t>
-            </a:r>
-            <a:r>
-              <a:rPr lang="en-GB" sz="1050" b="1" dirty="0">
-                <a:latin typeface="Consolas" panose="020B0609020204030204" pitchFamily="49" charset="0"/>
-                <a:cs typeface="Consolas" panose="020B0609020204030204" pitchFamily="49" charset="0"/>
-              </a:rPr>
-              <a:t>';</a:t>
-            </a:r>
-          </a:p>
-          <a:p>
-            <a:endParaRPr lang="en-GB" sz="1050" b="1" dirty="0">
-              <a:latin typeface="Consolas" panose="020B0609020204030204" pitchFamily="49" charset="0"/>
-              <a:cs typeface="Consolas" panose="020B0609020204030204" pitchFamily="49" charset="0"/>
-            </a:endParaRPr>
-          </a:p>
-          <a:p>
-            <a:r>
-              <a:rPr lang="en-GB" sz="1050" b="1" dirty="0">
-                <a:latin typeface="Consolas" panose="020B0609020204030204" pitchFamily="49" charset="0"/>
-                <a:cs typeface="Consolas" panose="020B0609020204030204" pitchFamily="49" charset="0"/>
-              </a:rPr>
-              <a:t>        // code for functionality goes here</a:t>
-            </a:r>
-          </a:p>
-          <a:p>
-            <a:r>
-              <a:rPr lang="en-GB" sz="1050" b="1" dirty="0">
-                <a:latin typeface="Consolas" panose="020B0609020204030204" pitchFamily="49" charset="0"/>
-                <a:cs typeface="Consolas" panose="020B0609020204030204" pitchFamily="49" charset="0"/>
-              </a:rPr>
-              <a:t>        // can use expect().</a:t>
-            </a:r>
-            <a:r>
-              <a:rPr lang="en-GB" sz="1050" b="1" dirty="0" err="1">
-                <a:latin typeface="Consolas" panose="020B0609020204030204" pitchFamily="49" charset="0"/>
-                <a:cs typeface="Consolas" panose="020B0609020204030204" pitchFamily="49" charset="0"/>
-              </a:rPr>
-              <a:t>toEqual</a:t>
-            </a:r>
-            <a:r>
-              <a:rPr lang="en-GB" sz="1050" b="1" dirty="0">
-                <a:latin typeface="Consolas" panose="020B0609020204030204" pitchFamily="49" charset="0"/>
-                <a:cs typeface="Consolas" panose="020B0609020204030204" pitchFamily="49" charset="0"/>
-              </a:rPr>
-              <a:t>() for assertions</a:t>
-            </a:r>
-          </a:p>
-          <a:p>
-            <a:r>
-              <a:rPr lang="en-GB" sz="1050" b="1" dirty="0">
-                <a:latin typeface="Consolas" panose="020B0609020204030204" pitchFamily="49" charset="0"/>
-                <a:cs typeface="Consolas" panose="020B0609020204030204" pitchFamily="49" charset="0"/>
-              </a:rPr>
-              <a:t>    },120000);</a:t>
-            </a:r>
-          </a:p>
-          <a:p>
-            <a:endParaRPr lang="en-GB" sz="1050" b="1" dirty="0">
-              <a:latin typeface="Consolas" panose="020B0609020204030204" pitchFamily="49" charset="0"/>
-              <a:cs typeface="Consolas" panose="020B0609020204030204" pitchFamily="49" charset="0"/>
-            </a:endParaRPr>
-          </a:p>
-          <a:p>
-            <a:r>
-              <a:rPr lang="en-GB" sz="1050" b="1" dirty="0">
-                <a:latin typeface="Consolas" panose="020B0609020204030204" pitchFamily="49" charset="0"/>
-                <a:cs typeface="Consolas" panose="020B0609020204030204" pitchFamily="49" charset="0"/>
-              </a:rPr>
-              <a:t>// ---------------------------------------------------</a:t>
-            </a:r>
-          </a:p>
-          <a:p>
-            <a:r>
-              <a:rPr lang="en-GB" sz="1050" b="1" dirty="0">
-                <a:latin typeface="Consolas" panose="020B0609020204030204" pitchFamily="49" charset="0"/>
-                <a:cs typeface="Consolas" panose="020B0609020204030204" pitchFamily="49" charset="0"/>
-              </a:rPr>
-              <a:t>// ---------------------------------------------------</a:t>
-            </a:r>
-          </a:p>
-          <a:p>
-            <a:r>
-              <a:rPr lang="en-GB" sz="1050" b="1" dirty="0">
-                <a:latin typeface="Consolas" panose="020B0609020204030204" pitchFamily="49" charset="0"/>
-                <a:cs typeface="Consolas" panose="020B0609020204030204" pitchFamily="49" charset="0"/>
-              </a:rPr>
-              <a:t>    it("</a:t>
-            </a:r>
-            <a:r>
-              <a:rPr lang="en-GB" sz="1050" b="1" dirty="0" err="1">
-                <a:latin typeface="Consolas" panose="020B0609020204030204" pitchFamily="49" charset="0"/>
-                <a:cs typeface="Consolas" panose="020B0609020204030204" pitchFamily="49" charset="0"/>
-              </a:rPr>
-              <a:t>DoSomething</a:t>
-            </a:r>
-            <a:r>
-              <a:rPr lang="en-GB" sz="1050" b="1" dirty="0">
-                <a:latin typeface="Consolas" panose="020B0609020204030204" pitchFamily="49" charset="0"/>
-                <a:cs typeface="Consolas" panose="020B0609020204030204" pitchFamily="49" charset="0"/>
-              </a:rPr>
-              <a:t> E", function () {</a:t>
-            </a:r>
-          </a:p>
-          <a:p>
-            <a:r>
-              <a:rPr lang="en-GB" sz="1050" b="1" dirty="0">
-                <a:latin typeface="Consolas" panose="020B0609020204030204" pitchFamily="49" charset="0"/>
-                <a:cs typeface="Consolas" panose="020B0609020204030204" pitchFamily="49" charset="0"/>
-              </a:rPr>
-              <a:t>        // code for functionality goes here</a:t>
-            </a:r>
-          </a:p>
-          <a:p>
-            <a:r>
-              <a:rPr lang="en-GB" sz="1050" b="1" dirty="0">
-                <a:latin typeface="Consolas" panose="020B0609020204030204" pitchFamily="49" charset="0"/>
-                <a:cs typeface="Consolas" panose="020B0609020204030204" pitchFamily="49" charset="0"/>
-              </a:rPr>
-              <a:t>        // can use expect().</a:t>
-            </a:r>
-            <a:r>
-              <a:rPr lang="en-GB" sz="1050" b="1" dirty="0" err="1">
-                <a:latin typeface="Consolas" panose="020B0609020204030204" pitchFamily="49" charset="0"/>
-                <a:cs typeface="Consolas" panose="020B0609020204030204" pitchFamily="49" charset="0"/>
-              </a:rPr>
-              <a:t>toEqual</a:t>
-            </a:r>
-            <a:r>
-              <a:rPr lang="en-GB" sz="1050" b="1" dirty="0">
-                <a:latin typeface="Consolas" panose="020B0609020204030204" pitchFamily="49" charset="0"/>
-                <a:cs typeface="Consolas" panose="020B0609020204030204" pitchFamily="49" charset="0"/>
-              </a:rPr>
-              <a:t>() for assertions</a:t>
-            </a:r>
-          </a:p>
-          <a:p>
-            <a:r>
-              <a:rPr lang="en-GB" sz="1050" b="1" dirty="0">
-                <a:latin typeface="Consolas" panose="020B0609020204030204" pitchFamily="49" charset="0"/>
-                <a:cs typeface="Consolas" panose="020B0609020204030204" pitchFamily="49" charset="0"/>
-              </a:rPr>
-              <a:t>    },120000);</a:t>
-            </a:r>
-          </a:p>
-          <a:p>
-            <a:endParaRPr lang="en-GB" sz="1050" b="1" dirty="0">
-              <a:latin typeface="Consolas" panose="020B0609020204030204" pitchFamily="49" charset="0"/>
-              <a:cs typeface="Consolas" panose="020B0609020204030204" pitchFamily="49" charset="0"/>
-            </a:endParaRPr>
-          </a:p>
-          <a:p>
-            <a:r>
-              <a:rPr lang="en-GB" sz="1050" b="1" dirty="0">
-                <a:latin typeface="Consolas" panose="020B0609020204030204" pitchFamily="49" charset="0"/>
-                <a:cs typeface="Consolas" panose="020B0609020204030204" pitchFamily="49" charset="0"/>
-              </a:rPr>
-              <a:t>}, 60000);</a:t>
-            </a:r>
-          </a:p>
-        </p:txBody>
-      </p:sp>
-      <p:sp>
-        <p:nvSpPr>
-          <p:cNvPr id="13" name="Line Callout 1 12"/>
-          <p:cNvSpPr/>
-          <p:nvPr/>
-        </p:nvSpPr>
-        <p:spPr>
-          <a:xfrm>
-            <a:off x="2700864" y="5508312"/>
-            <a:ext cx="3084461" cy="810766"/>
-          </a:xfrm>
-          <a:prstGeom prst="borderCallout1">
-            <a:avLst>
-              <a:gd name="adj1" fmla="val 48750"/>
-              <a:gd name="adj2" fmla="val 0"/>
-              <a:gd name="adj3" fmla="val -82166"/>
-              <a:gd name="adj4" fmla="val -5620"/>
-            </a:avLst>
-          </a:prstGeom>
-          <a:solidFill>
-            <a:schemeClr val="accent4">
-              <a:lumMod val="20000"/>
-              <a:lumOff val="80000"/>
-            </a:schemeClr>
-          </a:solidFill>
-          <a:ln>
-            <a:solidFill>
-              <a:srgbClr val="FF0000"/>
-            </a:solidFill>
-          </a:ln>
-        </p:spPr>
-        <p:style>
-          <a:lnRef idx="2">
-            <a:schemeClr val="accent1">
-              <a:shade val="50000"/>
-            </a:schemeClr>
-          </a:lnRef>
-          <a:fillRef idx="1">
-            <a:schemeClr val="accent1"/>
-          </a:fillRef>
-          <a:effectRef idx="0">
-            <a:schemeClr val="accent1"/>
-          </a:effectRef>
-          <a:fontRef idx="minor">
-            <a:schemeClr val="lt1"/>
-          </a:fontRef>
-        </p:style>
-        <p:txBody>
-          <a:bodyPr rtlCol="0" anchor="ctr"/>
-          <a:lstStyle/>
-          <a:p>
-            <a:r>
-              <a:rPr lang="en-GB" sz="1400" b="1" dirty="0" smtClean="0">
-                <a:solidFill>
-                  <a:schemeClr val="tx1"/>
-                </a:solidFill>
-              </a:rPr>
-              <a:t>The usual structure of a Jasmine test is a describe() with a sequence of it()s.</a:t>
-            </a:r>
-          </a:p>
-        </p:txBody>
-      </p:sp>
-      <p:sp>
-        <p:nvSpPr>
-          <p:cNvPr id="14" name="Rectangle 13"/>
-          <p:cNvSpPr/>
-          <p:nvPr/>
-        </p:nvSpPr>
-        <p:spPr>
-          <a:xfrm>
-            <a:off x="634999" y="2443298"/>
-            <a:ext cx="4131733" cy="1114922"/>
-          </a:xfrm>
-          <a:prstGeom prst="rect">
-            <a:avLst/>
-          </a:prstGeom>
-          <a:noFill/>
-          <a:ln>
-            <a:solidFill>
-              <a:srgbClr val="FF0000"/>
-            </a:solidFill>
-          </a:ln>
-        </p:spPr>
-        <p:style>
-          <a:lnRef idx="2">
-            <a:schemeClr val="accent1">
-              <a:shade val="50000"/>
-            </a:schemeClr>
-          </a:lnRef>
-          <a:fillRef idx="1">
-            <a:schemeClr val="accent1"/>
-          </a:fillRef>
-          <a:effectRef idx="0">
-            <a:schemeClr val="accent1"/>
-          </a:effectRef>
-          <a:fontRef idx="minor">
-            <a:schemeClr val="lt1"/>
-          </a:fontRef>
-        </p:style>
-        <p:txBody>
-          <a:bodyPr rtlCol="0" anchor="ctr"/>
-          <a:lstStyle/>
-          <a:p>
-            <a:endParaRPr lang="en-GB" sz="1200" b="1">
-              <a:solidFill>
-                <a:schemeClr val="tx1"/>
-              </a:solidFill>
-            </a:endParaRPr>
-          </a:p>
-        </p:txBody>
-      </p:sp>
-      <p:sp>
-        <p:nvSpPr>
-          <p:cNvPr id="17" name="Rectangle 16"/>
-          <p:cNvSpPr/>
-          <p:nvPr/>
-        </p:nvSpPr>
-        <p:spPr>
-          <a:xfrm>
-            <a:off x="634998" y="3879675"/>
-            <a:ext cx="4131733" cy="980480"/>
-          </a:xfrm>
-          <a:prstGeom prst="rect">
-            <a:avLst/>
-          </a:prstGeom>
-          <a:noFill/>
-          <a:ln>
-            <a:solidFill>
-              <a:srgbClr val="FF0000"/>
-            </a:solidFill>
-          </a:ln>
-        </p:spPr>
-        <p:style>
-          <a:lnRef idx="2">
-            <a:schemeClr val="accent1">
-              <a:shade val="50000"/>
-            </a:schemeClr>
-          </a:lnRef>
-          <a:fillRef idx="1">
-            <a:schemeClr val="accent1"/>
-          </a:fillRef>
-          <a:effectRef idx="0">
-            <a:schemeClr val="accent1"/>
-          </a:effectRef>
-          <a:fontRef idx="minor">
-            <a:schemeClr val="lt1"/>
-          </a:fontRef>
-        </p:style>
-        <p:txBody>
-          <a:bodyPr rtlCol="0" anchor="ctr"/>
-          <a:lstStyle/>
-          <a:p>
-            <a:endParaRPr lang="en-GB" sz="1200" b="1">
-              <a:solidFill>
-                <a:schemeClr val="tx1"/>
-              </a:solidFill>
-            </a:endParaRPr>
-          </a:p>
-        </p:txBody>
-      </p:sp>
-      <p:sp>
-        <p:nvSpPr>
-          <p:cNvPr id="18" name="Rectangle 17"/>
-          <p:cNvSpPr/>
-          <p:nvPr/>
-        </p:nvSpPr>
-        <p:spPr>
-          <a:xfrm>
-            <a:off x="6417732" y="4867651"/>
-            <a:ext cx="4131733" cy="745749"/>
-          </a:xfrm>
-          <a:prstGeom prst="rect">
-            <a:avLst/>
-          </a:prstGeom>
-          <a:noFill/>
-          <a:ln>
-            <a:solidFill>
-              <a:srgbClr val="FF0000"/>
-            </a:solidFill>
-          </a:ln>
-        </p:spPr>
-        <p:style>
-          <a:lnRef idx="2">
-            <a:schemeClr val="accent1">
-              <a:shade val="50000"/>
-            </a:schemeClr>
-          </a:lnRef>
-          <a:fillRef idx="1">
-            <a:schemeClr val="accent1"/>
-          </a:fillRef>
-          <a:effectRef idx="0">
-            <a:schemeClr val="accent1"/>
-          </a:effectRef>
-          <a:fontRef idx="minor">
-            <a:schemeClr val="lt1"/>
-          </a:fontRef>
-        </p:style>
-        <p:txBody>
-          <a:bodyPr rtlCol="0" anchor="ctr"/>
-          <a:lstStyle/>
-          <a:p>
-            <a:endParaRPr lang="en-GB" sz="1200" b="1">
-              <a:solidFill>
-                <a:schemeClr val="tx1"/>
-              </a:solidFill>
-            </a:endParaRPr>
-          </a:p>
-        </p:txBody>
-      </p:sp>
-      <p:sp>
-        <p:nvSpPr>
-          <p:cNvPr id="19" name="Rectangle 18"/>
-          <p:cNvSpPr/>
-          <p:nvPr/>
-        </p:nvSpPr>
-        <p:spPr>
-          <a:xfrm>
-            <a:off x="6417732" y="3398125"/>
-            <a:ext cx="4131733" cy="1114922"/>
-          </a:xfrm>
-          <a:prstGeom prst="rect">
-            <a:avLst/>
-          </a:prstGeom>
-          <a:noFill/>
-          <a:ln>
-            <a:solidFill>
-              <a:srgbClr val="FF0000"/>
-            </a:solidFill>
-          </a:ln>
-        </p:spPr>
-        <p:style>
-          <a:lnRef idx="2">
-            <a:schemeClr val="accent1">
-              <a:shade val="50000"/>
-            </a:schemeClr>
-          </a:lnRef>
-          <a:fillRef idx="1">
-            <a:schemeClr val="accent1"/>
-          </a:fillRef>
-          <a:effectRef idx="0">
-            <a:schemeClr val="accent1"/>
-          </a:effectRef>
-          <a:fontRef idx="minor">
-            <a:schemeClr val="lt1"/>
-          </a:fontRef>
-        </p:style>
-        <p:txBody>
-          <a:bodyPr rtlCol="0" anchor="ctr"/>
-          <a:lstStyle/>
-          <a:p>
-            <a:endParaRPr lang="en-GB" sz="1200" b="1">
-              <a:solidFill>
-                <a:schemeClr val="tx1"/>
-              </a:solidFill>
-            </a:endParaRPr>
-          </a:p>
-        </p:txBody>
-      </p:sp>
-      <p:sp>
-        <p:nvSpPr>
-          <p:cNvPr id="20" name="Rectangle 19"/>
-          <p:cNvSpPr/>
-          <p:nvPr/>
-        </p:nvSpPr>
-        <p:spPr>
-          <a:xfrm>
-            <a:off x="6417733" y="1972733"/>
-            <a:ext cx="4131733" cy="1008872"/>
-          </a:xfrm>
-          <a:prstGeom prst="rect">
-            <a:avLst/>
-          </a:prstGeom>
-          <a:noFill/>
-          <a:ln>
-            <a:solidFill>
-              <a:srgbClr val="FF0000"/>
-            </a:solidFill>
-          </a:ln>
-        </p:spPr>
-        <p:style>
-          <a:lnRef idx="2">
-            <a:schemeClr val="accent1">
-              <a:shade val="50000"/>
-            </a:schemeClr>
-          </a:lnRef>
-          <a:fillRef idx="1">
-            <a:schemeClr val="accent1"/>
-          </a:fillRef>
-          <a:effectRef idx="0">
-            <a:schemeClr val="accent1"/>
-          </a:effectRef>
-          <a:fontRef idx="minor">
-            <a:schemeClr val="lt1"/>
-          </a:fontRef>
-        </p:style>
-        <p:txBody>
-          <a:bodyPr rtlCol="0" anchor="ctr"/>
-          <a:lstStyle/>
-          <a:p>
-            <a:endParaRPr lang="en-GB" sz="1200" b="1">
-              <a:solidFill>
-                <a:schemeClr val="tx1"/>
-              </a:solidFill>
-            </a:endParaRPr>
-          </a:p>
-        </p:txBody>
-      </p:sp>
-      <p:sp>
-        <p:nvSpPr>
-          <p:cNvPr id="22" name="Rectangle 21"/>
-          <p:cNvSpPr/>
-          <p:nvPr/>
-        </p:nvSpPr>
-        <p:spPr>
-          <a:xfrm>
-            <a:off x="301827" y="252441"/>
-            <a:ext cx="2136573" cy="884733"/>
-          </a:xfrm>
-          <a:prstGeom prst="rect">
-            <a:avLst/>
-          </a:prstGeom>
-          <a:solidFill>
-            <a:schemeClr val="accent4">
-              <a:lumMod val="20000"/>
-              <a:lumOff val="80000"/>
-            </a:schemeClr>
-          </a:solidFill>
-          <a:ln>
-            <a:solidFill>
-              <a:srgbClr val="FF0000"/>
-            </a:solidFill>
-          </a:ln>
-        </p:spPr>
-        <p:style>
-          <a:lnRef idx="2">
-            <a:schemeClr val="accent1">
-              <a:shade val="50000"/>
-            </a:schemeClr>
-          </a:lnRef>
-          <a:fillRef idx="1">
-            <a:schemeClr val="accent1"/>
-          </a:fillRef>
-          <a:effectRef idx="0">
-            <a:schemeClr val="accent1"/>
-          </a:effectRef>
-          <a:fontRef idx="minor">
-            <a:schemeClr val="lt1"/>
-          </a:fontRef>
-        </p:style>
-        <p:txBody>
-          <a:bodyPr rtlCol="0" anchor="ctr"/>
-          <a:lstStyle/>
-          <a:p>
-            <a:r>
-              <a:rPr lang="en-GB" sz="2400" b="1" dirty="0" smtClean="0">
-                <a:solidFill>
-                  <a:schemeClr val="tx1"/>
-                </a:solidFill>
-              </a:rPr>
-              <a:t>A developer’s view of a test</a:t>
-            </a:r>
-          </a:p>
-        </p:txBody>
-      </p:sp>
-    </p:spTree>
-    <p:extLst>
-      <p:ext uri="{BB962C8B-B14F-4D97-AF65-F5344CB8AC3E}">
-        <p14:creationId xmlns:p14="http://schemas.microsoft.com/office/powerpoint/2010/main" val="356965625"/>
       </p:ext>
     </p:extLst>
   </p:cSld>
@@ -35067,9 +31936,12 @@
 </file>
 
 <file path=customXml/item1.xml><?xml version="1.0" encoding="utf-8"?>
-<p:properties xmlns:p="http://schemas.microsoft.com/office/2006/metadata/properties" xmlns:xsi="http://www.w3.org/2001/XMLSchema-instance" xmlns:pc="http://schemas.microsoft.com/office/infopath/2007/PartnerControls">
-  <documentManagement/>
-</p:properties>
+<?mso-contentType ?>
+<FormTemplates xmlns="http://schemas.microsoft.com/sharepoint/v3/contenttype/forms">
+  <Display>DocumentLibraryForm</Display>
+  <Edit>DocumentLibraryForm</Edit>
+  <New>DocumentLibraryForm</New>
+</FormTemplates>
 </file>
 
 <file path=customXml/item2.xml><?xml version="1.0" encoding="utf-8"?>
@@ -35213,26 +32085,15 @@
 </file>
 
 <file path=customXml/item3.xml><?xml version="1.0" encoding="utf-8"?>
-<?mso-contentType ?>
-<FormTemplates xmlns="http://schemas.microsoft.com/sharepoint/v3/contenttype/forms">
-  <Display>DocumentLibraryForm</Display>
-  <Edit>DocumentLibraryForm</Edit>
-  <New>DocumentLibraryForm</New>
-</FormTemplates>
+<p:properties xmlns:p="http://schemas.microsoft.com/office/2006/metadata/properties" xmlns:xsi="http://www.w3.org/2001/XMLSchema-instance" xmlns:pc="http://schemas.microsoft.com/office/infopath/2007/PartnerControls">
+  <documentManagement/>
+</p:properties>
 </file>
 
 <file path=customXml/itemProps1.xml><?xml version="1.0" encoding="utf-8"?>
-<ds:datastoreItem xmlns:ds="http://schemas.openxmlformats.org/officeDocument/2006/customXml" ds:itemID="{24CDC820-645A-4E71-AE40-26FA1AB98D28}">
+<ds:datastoreItem xmlns:ds="http://schemas.openxmlformats.org/officeDocument/2006/customXml" ds:itemID="{26F4B761-0256-4821-AC41-5D7435186A4A}">
   <ds:schemaRefs>
-    <ds:schemaRef ds:uri="http://schemas.microsoft.com/office/infopath/2007/PartnerControls"/>
-    <ds:schemaRef ds:uri="http://purl.org/dc/dcmitype/"/>
-    <ds:schemaRef ds:uri="http://www.w3.org/XML/1998/namespace"/>
-    <ds:schemaRef ds:uri="2f4b48f1-5643-4dd3-bcf3-1f93a11fc8e6"/>
-    <ds:schemaRef ds:uri="http://schemas.microsoft.com/office/2006/documentManagement/types"/>
-    <ds:schemaRef ds:uri="http://purl.org/dc/elements/1.1/"/>
-    <ds:schemaRef ds:uri="http://schemas.openxmlformats.org/package/2006/metadata/core-properties"/>
-    <ds:schemaRef ds:uri="http://purl.org/dc/terms/"/>
-    <ds:schemaRef ds:uri="http://schemas.microsoft.com/office/2006/metadata/properties"/>
+    <ds:schemaRef ds:uri="http://schemas.microsoft.com/sharepoint/v3/contenttype/forms"/>
   </ds:schemaRefs>
 </ds:datastoreItem>
 </file>
@@ -35256,9 +32117,17 @@
 </file>
 
 <file path=customXml/itemProps3.xml><?xml version="1.0" encoding="utf-8"?>
-<ds:datastoreItem xmlns:ds="http://schemas.openxmlformats.org/officeDocument/2006/customXml" ds:itemID="{26F4B761-0256-4821-AC41-5D7435186A4A}">
+<ds:datastoreItem xmlns:ds="http://schemas.openxmlformats.org/officeDocument/2006/customXml" ds:itemID="{24CDC820-645A-4E71-AE40-26FA1AB98D28}">
   <ds:schemaRefs>
-    <ds:schemaRef ds:uri="http://schemas.microsoft.com/sharepoint/v3/contenttype/forms"/>
+    <ds:schemaRef ds:uri="http://schemas.microsoft.com/office/infopath/2007/PartnerControls"/>
+    <ds:schemaRef ds:uri="http://purl.org/dc/dcmitype/"/>
+    <ds:schemaRef ds:uri="http://www.w3.org/XML/1998/namespace"/>
+    <ds:schemaRef ds:uri="2f4b48f1-5643-4dd3-bcf3-1f93a11fc8e6"/>
+    <ds:schemaRef ds:uri="http://schemas.microsoft.com/office/2006/documentManagement/types"/>
+    <ds:schemaRef ds:uri="http://purl.org/dc/elements/1.1/"/>
+    <ds:schemaRef ds:uri="http://schemas.openxmlformats.org/package/2006/metadata/core-properties"/>
+    <ds:schemaRef ds:uri="http://purl.org/dc/terms/"/>
+    <ds:schemaRef ds:uri="http://schemas.microsoft.com/office/2006/metadata/properties"/>
   </ds:schemaRefs>
 </ds:datastoreItem>
 </file>